--- a/.NET非同步入門.pptx
+++ b/.NET非同步入門.pptx
@@ -7,6 +7,16 @@
   <p:sldIdLst>
     <p:sldId id="256" r:id="rId2"/>
     <p:sldId id="257" r:id="rId3"/>
+    <p:sldId id="259" r:id="rId4"/>
+    <p:sldId id="258" r:id="rId5"/>
+    <p:sldId id="260" r:id="rId6"/>
+    <p:sldId id="261" r:id="rId7"/>
+    <p:sldId id="262" r:id="rId8"/>
+    <p:sldId id="263" r:id="rId9"/>
+    <p:sldId id="264" r:id="rId10"/>
+    <p:sldId id="265" r:id="rId11"/>
+    <p:sldId id="266" r:id="rId12"/>
+    <p:sldId id="267" r:id="rId13"/>
   </p:sldIdLst>
   <p:sldSz cx="12192000" cy="6858000"/>
   <p:notesSz cx="6858000" cy="9144000"/>
@@ -105,6 +115,51 @@
       </a:defRPr>
     </a:lvl9pPr>
   </p:defaultTextStyle>
+  <p:extLst>
+    <p:ext uri="{521415D9-36F7-43E2-AB2F-B90AF26B5E84}">
+      <p14:sectionLst xmlns:p14="http://schemas.microsoft.com/office/powerpoint/2010/main">
+        <p14:section name="預設章節" id="{5E83E244-FD2B-4D8D-B3F1-0C27B9926424}">
+          <p14:sldIdLst>
+            <p14:sldId id="256"/>
+            <p14:sldId id="257"/>
+          </p14:sldIdLst>
+        </p14:section>
+        <p14:section name="what" id="{3E26C83B-CFB0-4F95-9769-DB1B607ACBF2}">
+          <p14:sldIdLst>
+            <p14:sldId id="259"/>
+            <p14:sldId id="258"/>
+          </p14:sldIdLst>
+        </p14:section>
+        <p14:section name="why" id="{3CECC8AB-BE2A-452E-9952-B003BF8B70EF}">
+          <p14:sldIdLst>
+            <p14:sldId id="260"/>
+            <p14:sldId id="261"/>
+          </p14:sldIdLst>
+        </p14:section>
+        <p14:section name="when" id="{95B12805-356A-44F0-BD44-4700BA9A5E8D}">
+          <p14:sldIdLst>
+            <p14:sldId id="262"/>
+            <p14:sldId id="263"/>
+          </p14:sldIdLst>
+        </p14:section>
+        <p14:section name="pros and cons" id="{EC747A84-7DB3-443B-9208-DBAAED97970D}">
+          <p14:sldIdLst>
+            <p14:sldId id="264"/>
+            <p14:sldId id="265"/>
+          </p14:sldIdLst>
+        </p14:section>
+        <p14:section name="how" id="{542B763A-1D32-4B98-B553-9350250128A4}">
+          <p14:sldIdLst>
+            <p14:sldId id="266"/>
+            <p14:sldId id="267"/>
+          </p14:sldIdLst>
+        </p14:section>
+      </p14:sectionLst>
+    </p:ext>
+    <p:ext uri="{EFAFB233-063F-42B5-8137-9DF3F51BA10A}">
+      <p15:sldGuideLst xmlns:p15="http://schemas.microsoft.com/office/powerpoint/2012/main"/>
+    </p:ext>
+  </p:extLst>
 </p:presentation>
 </file>
 
@@ -278,7 +333,7 @@
             <a:fld id="{87DE6118-2437-4B30-8E3C-4D2BE6020583}" type="datetimeFigureOut">
               <a:rPr lang="en-US" dirty="0"/>
               <a:pPr/>
-              <a:t>10/24/2020</a:t>
+              <a:t>11/1/2020</a:t>
             </a:fld>
             <a:endParaRPr lang="en-US" dirty="0"/>
           </a:p>
@@ -604,7 +659,7 @@
           <a:p>
             <a:fld id="{87DE6118-2437-4B30-8E3C-4D2BE6020583}" type="datetimeFigureOut">
               <a:rPr lang="en-US" dirty="0"/>
-              <a:t>10/24/2020</a:t>
+              <a:t>11/1/2020</a:t>
             </a:fld>
             <a:endParaRPr lang="en-US" dirty="0"/>
           </a:p>
@@ -779,7 +834,7 @@
           <a:p>
             <a:fld id="{87DE6118-2437-4B30-8E3C-4D2BE6020583}" type="datetimeFigureOut">
               <a:rPr lang="en-US" dirty="0"/>
-              <a:t>10/24/2020</a:t>
+              <a:t>11/1/2020</a:t>
             </a:fld>
             <a:endParaRPr lang="en-US" dirty="0"/>
           </a:p>
@@ -944,7 +999,7 @@
           <a:p>
             <a:fld id="{87DE6118-2437-4B30-8E3C-4D2BE6020583}" type="datetimeFigureOut">
               <a:rPr lang="en-US" dirty="0"/>
-              <a:t>10/24/2020</a:t>
+              <a:t>11/1/2020</a:t>
             </a:fld>
             <a:endParaRPr lang="en-US" dirty="0"/>
           </a:p>
@@ -1217,7 +1272,7 @@
             <a:fld id="{87DE6118-2437-4B30-8E3C-4D2BE6020583}" type="datetimeFigureOut">
               <a:rPr lang="en-US" dirty="0"/>
               <a:pPr/>
-              <a:t>10/24/2020</a:t>
+              <a:t>11/1/2020</a:t>
             </a:fld>
             <a:endParaRPr lang="en-US" dirty="0"/>
           </a:p>
@@ -1607,7 +1662,7 @@
           <a:p>
             <a:fld id="{87DE6118-2437-4B30-8E3C-4D2BE6020583}" type="datetimeFigureOut">
               <a:rPr lang="en-US" dirty="0"/>
-              <a:t>10/24/2020</a:t>
+              <a:t>11/1/2020</a:t>
             </a:fld>
             <a:endParaRPr lang="en-US" dirty="0"/>
           </a:p>
@@ -2079,7 +2134,7 @@
           <a:p>
             <a:fld id="{87DE6118-2437-4B30-8E3C-4D2BE6020583}" type="datetimeFigureOut">
               <a:rPr lang="en-US" dirty="0"/>
-              <a:t>10/24/2020</a:t>
+              <a:t>11/1/2020</a:t>
             </a:fld>
             <a:endParaRPr lang="en-US" dirty="0"/>
           </a:p>
@@ -2192,7 +2247,7 @@
           <a:p>
             <a:fld id="{87DE6118-2437-4B30-8E3C-4D2BE6020583}" type="datetimeFigureOut">
               <a:rPr lang="en-US" dirty="0"/>
-              <a:t>10/24/2020</a:t>
+              <a:t>11/1/2020</a:t>
             </a:fld>
             <a:endParaRPr lang="en-US" dirty="0"/>
           </a:p>
@@ -2282,7 +2337,7 @@
           <a:p>
             <a:fld id="{87DE6118-2437-4B30-8E3C-4D2BE6020583}" type="datetimeFigureOut">
               <a:rPr lang="en-US" dirty="0"/>
-              <a:t>10/24/2020</a:t>
+              <a:t>11/1/2020</a:t>
             </a:fld>
             <a:endParaRPr lang="en-US" dirty="0"/>
           </a:p>
@@ -2624,7 +2679,7 @@
             <a:fld id="{87DE6118-2437-4B30-8E3C-4D2BE6020583}" type="datetimeFigureOut">
               <a:rPr lang="en-US" dirty="0"/>
               <a:pPr/>
-              <a:t>10/24/2020</a:t>
+              <a:t>11/1/2020</a:t>
             </a:fld>
             <a:endParaRPr lang="en-US" dirty="0"/>
           </a:p>
@@ -3009,7 +3064,7 @@
             <a:fld id="{87DE6118-2437-4B30-8E3C-4D2BE6020583}" type="datetimeFigureOut">
               <a:rPr lang="en-US" dirty="0"/>
               <a:pPr/>
-              <a:t>10/24/2020</a:t>
+              <a:t>11/1/2020</a:t>
             </a:fld>
             <a:endParaRPr lang="en-US" dirty="0"/>
           </a:p>
@@ -3284,7 +3339,7 @@
             <a:fld id="{87DE6118-2437-4B30-8E3C-4D2BE6020583}" type="datetimeFigureOut">
               <a:rPr lang="en-US" dirty="0"/>
               <a:pPr/>
-              <a:t>10/24/2020</a:t>
+              <a:t>11/1/2020</a:t>
             </a:fld>
             <a:endParaRPr lang="en-US" dirty="0"/>
           </a:p>
@@ -3862,6 +3917,255 @@
 </p:sld>
 </file>
 
+<file path=ppt/slides/slide10.xml><?xml version="1.0" encoding="utf-8"?>
+<p:sld xmlns:a="http://schemas.openxmlformats.org/drawingml/2006/main" xmlns:r="http://schemas.openxmlformats.org/officeDocument/2006/relationships" xmlns:p="http://schemas.openxmlformats.org/presentationml/2006/main">
+  <p:cSld>
+    <p:spTree>
+      <p:nvGrpSpPr>
+        <p:cNvPr id="1" name=""/>
+        <p:cNvGrpSpPr/>
+        <p:nvPr/>
+      </p:nvGrpSpPr>
+      <p:grpSpPr>
+        <a:xfrm>
+          <a:off x="0" y="0"/>
+          <a:ext cx="0" cy="0"/>
+          <a:chOff x="0" y="0"/>
+          <a:chExt cx="0" cy="0"/>
+        </a:xfrm>
+      </p:grpSpPr>
+      <p:sp>
+        <p:nvSpPr>
+          <p:cNvPr id="2" name="標題 1">
+            <a:extLst>
+              <a:ext uri="{FF2B5EF4-FFF2-40B4-BE49-F238E27FC236}">
+                <a16:creationId xmlns:a16="http://schemas.microsoft.com/office/drawing/2014/main" id="{52A2B961-E106-42D9-99DB-5B48152E8833}"/>
+              </a:ext>
+            </a:extLst>
+          </p:cNvPr>
+          <p:cNvSpPr>
+            <a:spLocks noGrp="1"/>
+          </p:cNvSpPr>
+          <p:nvPr>
+            <p:ph type="title"/>
+          </p:nvPr>
+        </p:nvSpPr>
+        <p:spPr/>
+        <p:txBody>
+          <a:bodyPr/>
+          <a:lstStyle/>
+          <a:p>
+            <a:r>
+              <a:rPr lang="zh-TW" altLang="en-US" dirty="0"/>
+              <a:t>非同步的優缺點</a:t>
+            </a:r>
+          </a:p>
+        </p:txBody>
+      </p:sp>
+      <p:sp>
+        <p:nvSpPr>
+          <p:cNvPr id="3" name="內容版面配置區 2">
+            <a:extLst>
+              <a:ext uri="{FF2B5EF4-FFF2-40B4-BE49-F238E27FC236}">
+                <a16:creationId xmlns:a16="http://schemas.microsoft.com/office/drawing/2014/main" id="{43B9F297-2F6E-4462-BDD1-8F868F25DC5B}"/>
+              </a:ext>
+            </a:extLst>
+          </p:cNvPr>
+          <p:cNvSpPr>
+            <a:spLocks noGrp="1"/>
+          </p:cNvSpPr>
+          <p:nvPr>
+            <p:ph idx="1"/>
+          </p:nvPr>
+        </p:nvSpPr>
+        <p:spPr/>
+        <p:txBody>
+          <a:bodyPr/>
+          <a:lstStyle/>
+          <a:p>
+            <a:endParaRPr lang="zh-TW" altLang="en-US" dirty="0"/>
+          </a:p>
+        </p:txBody>
+      </p:sp>
+    </p:spTree>
+    <p:extLst>
+      <p:ext uri="{BB962C8B-B14F-4D97-AF65-F5344CB8AC3E}">
+        <p14:creationId xmlns:p14="http://schemas.microsoft.com/office/powerpoint/2010/main" val="739057728"/>
+      </p:ext>
+    </p:extLst>
+  </p:cSld>
+  <p:clrMapOvr>
+    <a:masterClrMapping/>
+  </p:clrMapOvr>
+</p:sld>
+</file>
+
+<file path=ppt/slides/slide11.xml><?xml version="1.0" encoding="utf-8"?>
+<p:sld xmlns:a="http://schemas.openxmlformats.org/drawingml/2006/main" xmlns:r="http://schemas.openxmlformats.org/officeDocument/2006/relationships" xmlns:p="http://schemas.openxmlformats.org/presentationml/2006/main">
+  <p:cSld>
+    <p:spTree>
+      <p:nvGrpSpPr>
+        <p:cNvPr id="1" name=""/>
+        <p:cNvGrpSpPr/>
+        <p:nvPr/>
+      </p:nvGrpSpPr>
+      <p:grpSpPr>
+        <a:xfrm>
+          <a:off x="0" y="0"/>
+          <a:ext cx="0" cy="0"/>
+          <a:chOff x="0" y="0"/>
+          <a:chExt cx="0" cy="0"/>
+        </a:xfrm>
+      </p:grpSpPr>
+      <p:sp>
+        <p:nvSpPr>
+          <p:cNvPr id="4" name="標題 3">
+            <a:extLst>
+              <a:ext uri="{FF2B5EF4-FFF2-40B4-BE49-F238E27FC236}">
+                <a16:creationId xmlns:a16="http://schemas.microsoft.com/office/drawing/2014/main" id="{BD4D1AC1-EA7F-4517-B8A1-C8C04888B929}"/>
+              </a:ext>
+            </a:extLst>
+          </p:cNvPr>
+          <p:cNvSpPr>
+            <a:spLocks noGrp="1"/>
+          </p:cNvSpPr>
+          <p:nvPr>
+            <p:ph type="title"/>
+          </p:nvPr>
+        </p:nvSpPr>
+        <p:spPr/>
+        <p:txBody>
+          <a:bodyPr/>
+          <a:lstStyle/>
+          <a:p>
+            <a:r>
+              <a:rPr lang="zh-TW" altLang="en-US" dirty="0"/>
+              <a:t>怎麼用非同步</a:t>
+            </a:r>
+          </a:p>
+        </p:txBody>
+      </p:sp>
+      <p:sp>
+        <p:nvSpPr>
+          <p:cNvPr id="5" name="文字版面配置區 4">
+            <a:extLst>
+              <a:ext uri="{FF2B5EF4-FFF2-40B4-BE49-F238E27FC236}">
+                <a16:creationId xmlns:a16="http://schemas.microsoft.com/office/drawing/2014/main" id="{FB99B319-881C-4A6A-9C57-D26A187CAADA}"/>
+              </a:ext>
+            </a:extLst>
+          </p:cNvPr>
+          <p:cNvSpPr>
+            <a:spLocks noGrp="1"/>
+          </p:cNvSpPr>
+          <p:nvPr>
+            <p:ph type="body" idx="1"/>
+          </p:nvPr>
+        </p:nvSpPr>
+        <p:spPr/>
+        <p:txBody>
+          <a:bodyPr/>
+          <a:lstStyle/>
+          <a:p>
+            <a:endParaRPr lang="zh-TW" altLang="en-US"/>
+          </a:p>
+        </p:txBody>
+      </p:sp>
+    </p:spTree>
+    <p:extLst>
+      <p:ext uri="{BB962C8B-B14F-4D97-AF65-F5344CB8AC3E}">
+        <p14:creationId xmlns:p14="http://schemas.microsoft.com/office/powerpoint/2010/main" val="4186980254"/>
+      </p:ext>
+    </p:extLst>
+  </p:cSld>
+  <p:clrMapOvr>
+    <a:masterClrMapping/>
+  </p:clrMapOvr>
+</p:sld>
+</file>
+
+<file path=ppt/slides/slide12.xml><?xml version="1.0" encoding="utf-8"?>
+<p:sld xmlns:a="http://schemas.openxmlformats.org/drawingml/2006/main" xmlns:r="http://schemas.openxmlformats.org/officeDocument/2006/relationships" xmlns:p="http://schemas.openxmlformats.org/presentationml/2006/main">
+  <p:cSld>
+    <p:spTree>
+      <p:nvGrpSpPr>
+        <p:cNvPr id="1" name=""/>
+        <p:cNvGrpSpPr/>
+        <p:nvPr/>
+      </p:nvGrpSpPr>
+      <p:grpSpPr>
+        <a:xfrm>
+          <a:off x="0" y="0"/>
+          <a:ext cx="0" cy="0"/>
+          <a:chOff x="0" y="0"/>
+          <a:chExt cx="0" cy="0"/>
+        </a:xfrm>
+      </p:grpSpPr>
+      <p:sp>
+        <p:nvSpPr>
+          <p:cNvPr id="2" name="標題 1">
+            <a:extLst>
+              <a:ext uri="{FF2B5EF4-FFF2-40B4-BE49-F238E27FC236}">
+                <a16:creationId xmlns:a16="http://schemas.microsoft.com/office/drawing/2014/main" id="{52A2B961-E106-42D9-99DB-5B48152E8833}"/>
+              </a:ext>
+            </a:extLst>
+          </p:cNvPr>
+          <p:cNvSpPr>
+            <a:spLocks noGrp="1"/>
+          </p:cNvSpPr>
+          <p:nvPr>
+            <p:ph type="title"/>
+          </p:nvPr>
+        </p:nvSpPr>
+        <p:spPr/>
+        <p:txBody>
+          <a:bodyPr/>
+          <a:lstStyle/>
+          <a:p>
+            <a:r>
+              <a:rPr lang="zh-TW" altLang="en-US" dirty="0"/>
+              <a:t>怎麼用非同步</a:t>
+            </a:r>
+          </a:p>
+        </p:txBody>
+      </p:sp>
+      <p:sp>
+        <p:nvSpPr>
+          <p:cNvPr id="3" name="內容版面配置區 2">
+            <a:extLst>
+              <a:ext uri="{FF2B5EF4-FFF2-40B4-BE49-F238E27FC236}">
+                <a16:creationId xmlns:a16="http://schemas.microsoft.com/office/drawing/2014/main" id="{43B9F297-2F6E-4462-BDD1-8F868F25DC5B}"/>
+              </a:ext>
+            </a:extLst>
+          </p:cNvPr>
+          <p:cNvSpPr>
+            <a:spLocks noGrp="1"/>
+          </p:cNvSpPr>
+          <p:nvPr>
+            <p:ph idx="1"/>
+          </p:nvPr>
+        </p:nvSpPr>
+        <p:spPr/>
+        <p:txBody>
+          <a:bodyPr/>
+          <a:lstStyle/>
+          <a:p>
+            <a:endParaRPr lang="zh-TW" altLang="en-US" dirty="0"/>
+          </a:p>
+        </p:txBody>
+      </p:sp>
+    </p:spTree>
+    <p:extLst>
+      <p:ext uri="{BB962C8B-B14F-4D97-AF65-F5344CB8AC3E}">
+        <p14:creationId xmlns:p14="http://schemas.microsoft.com/office/powerpoint/2010/main" val="675659155"/>
+      </p:ext>
+    </p:extLst>
+  </p:cSld>
+  <p:clrMapOvr>
+    <a:masterClrMapping/>
+  </p:clrMapOvr>
+</p:sld>
+</file>
+
 <file path=ppt/slides/slide2.xml><?xml version="1.0" encoding="utf-8"?>
 <p:sld xmlns:a="http://schemas.openxmlformats.org/drawingml/2006/main" xmlns:r="http://schemas.openxmlformats.org/officeDocument/2006/relationships" xmlns:p="http://schemas.openxmlformats.org/presentationml/2006/main">
   <p:cSld>
@@ -3933,6 +4237,633 @@
     <p:extLst>
       <p:ext uri="{BB962C8B-B14F-4D97-AF65-F5344CB8AC3E}">
         <p14:creationId xmlns:p14="http://schemas.microsoft.com/office/powerpoint/2010/main" val="866552030"/>
+      </p:ext>
+    </p:extLst>
+  </p:cSld>
+  <p:clrMapOvr>
+    <a:masterClrMapping/>
+  </p:clrMapOvr>
+</p:sld>
+</file>
+
+<file path=ppt/slides/slide3.xml><?xml version="1.0" encoding="utf-8"?>
+<p:sld xmlns:a="http://schemas.openxmlformats.org/drawingml/2006/main" xmlns:r="http://schemas.openxmlformats.org/officeDocument/2006/relationships" xmlns:p="http://schemas.openxmlformats.org/presentationml/2006/main">
+  <p:cSld>
+    <p:spTree>
+      <p:nvGrpSpPr>
+        <p:cNvPr id="1" name=""/>
+        <p:cNvGrpSpPr/>
+        <p:nvPr/>
+      </p:nvGrpSpPr>
+      <p:grpSpPr>
+        <a:xfrm>
+          <a:off x="0" y="0"/>
+          <a:ext cx="0" cy="0"/>
+          <a:chOff x="0" y="0"/>
+          <a:chExt cx="0" cy="0"/>
+        </a:xfrm>
+      </p:grpSpPr>
+      <p:sp>
+        <p:nvSpPr>
+          <p:cNvPr id="4" name="標題 3">
+            <a:extLst>
+              <a:ext uri="{FF2B5EF4-FFF2-40B4-BE49-F238E27FC236}">
+                <a16:creationId xmlns:a16="http://schemas.microsoft.com/office/drawing/2014/main" id="{BD4D1AC1-EA7F-4517-B8A1-C8C04888B929}"/>
+              </a:ext>
+            </a:extLst>
+          </p:cNvPr>
+          <p:cNvSpPr>
+            <a:spLocks noGrp="1"/>
+          </p:cNvSpPr>
+          <p:nvPr>
+            <p:ph type="title"/>
+          </p:nvPr>
+        </p:nvSpPr>
+        <p:spPr/>
+        <p:txBody>
+          <a:bodyPr/>
+          <a:lstStyle/>
+          <a:p>
+            <a:r>
+              <a:rPr lang="zh-TW" altLang="en-US" dirty="0"/>
+              <a:t>什麼是非同步</a:t>
+            </a:r>
+          </a:p>
+        </p:txBody>
+      </p:sp>
+      <p:sp>
+        <p:nvSpPr>
+          <p:cNvPr id="5" name="文字版面配置區 4">
+            <a:extLst>
+              <a:ext uri="{FF2B5EF4-FFF2-40B4-BE49-F238E27FC236}">
+                <a16:creationId xmlns:a16="http://schemas.microsoft.com/office/drawing/2014/main" id="{FB99B319-881C-4A6A-9C57-D26A187CAADA}"/>
+              </a:ext>
+            </a:extLst>
+          </p:cNvPr>
+          <p:cNvSpPr>
+            <a:spLocks noGrp="1"/>
+          </p:cNvSpPr>
+          <p:nvPr>
+            <p:ph type="body" idx="1"/>
+          </p:nvPr>
+        </p:nvSpPr>
+        <p:spPr/>
+        <p:txBody>
+          <a:bodyPr/>
+          <a:lstStyle/>
+          <a:p>
+            <a:endParaRPr lang="zh-TW" altLang="en-US"/>
+          </a:p>
+        </p:txBody>
+      </p:sp>
+    </p:spTree>
+    <p:extLst>
+      <p:ext uri="{BB962C8B-B14F-4D97-AF65-F5344CB8AC3E}">
+        <p14:creationId xmlns:p14="http://schemas.microsoft.com/office/powerpoint/2010/main" val="2991093849"/>
+      </p:ext>
+    </p:extLst>
+  </p:cSld>
+  <p:clrMapOvr>
+    <a:masterClrMapping/>
+  </p:clrMapOvr>
+</p:sld>
+</file>
+
+<file path=ppt/slides/slide4.xml><?xml version="1.0" encoding="utf-8"?>
+<p:sld xmlns:a="http://schemas.openxmlformats.org/drawingml/2006/main" xmlns:r="http://schemas.openxmlformats.org/officeDocument/2006/relationships" xmlns:p="http://schemas.openxmlformats.org/presentationml/2006/main">
+  <p:cSld>
+    <p:spTree>
+      <p:nvGrpSpPr>
+        <p:cNvPr id="1" name=""/>
+        <p:cNvGrpSpPr/>
+        <p:nvPr/>
+      </p:nvGrpSpPr>
+      <p:grpSpPr>
+        <a:xfrm>
+          <a:off x="0" y="0"/>
+          <a:ext cx="0" cy="0"/>
+          <a:chOff x="0" y="0"/>
+          <a:chExt cx="0" cy="0"/>
+        </a:xfrm>
+      </p:grpSpPr>
+      <p:sp>
+        <p:nvSpPr>
+          <p:cNvPr id="2" name="標題 1">
+            <a:extLst>
+              <a:ext uri="{FF2B5EF4-FFF2-40B4-BE49-F238E27FC236}">
+                <a16:creationId xmlns:a16="http://schemas.microsoft.com/office/drawing/2014/main" id="{52A2B961-E106-42D9-99DB-5B48152E8833}"/>
+              </a:ext>
+            </a:extLst>
+          </p:cNvPr>
+          <p:cNvSpPr>
+            <a:spLocks noGrp="1"/>
+          </p:cNvSpPr>
+          <p:nvPr>
+            <p:ph type="title"/>
+          </p:nvPr>
+        </p:nvSpPr>
+        <p:spPr/>
+        <p:txBody>
+          <a:bodyPr/>
+          <a:lstStyle/>
+          <a:p>
+            <a:r>
+              <a:rPr lang="zh-TW" altLang="en-US" dirty="0"/>
+              <a:t>什麼是非同步</a:t>
+            </a:r>
+          </a:p>
+        </p:txBody>
+      </p:sp>
+      <p:sp>
+        <p:nvSpPr>
+          <p:cNvPr id="3" name="內容版面配置區 2">
+            <a:extLst>
+              <a:ext uri="{FF2B5EF4-FFF2-40B4-BE49-F238E27FC236}">
+                <a16:creationId xmlns:a16="http://schemas.microsoft.com/office/drawing/2014/main" id="{43B9F297-2F6E-4462-BDD1-8F868F25DC5B}"/>
+              </a:ext>
+            </a:extLst>
+          </p:cNvPr>
+          <p:cNvSpPr>
+            <a:spLocks noGrp="1"/>
+          </p:cNvSpPr>
+          <p:nvPr>
+            <p:ph idx="1"/>
+          </p:nvPr>
+        </p:nvSpPr>
+        <p:spPr/>
+        <p:txBody>
+          <a:bodyPr/>
+          <a:lstStyle/>
+          <a:p>
+            <a:endParaRPr lang="zh-TW" altLang="en-US" dirty="0"/>
+          </a:p>
+        </p:txBody>
+      </p:sp>
+    </p:spTree>
+    <p:extLst>
+      <p:ext uri="{BB962C8B-B14F-4D97-AF65-F5344CB8AC3E}">
+        <p14:creationId xmlns:p14="http://schemas.microsoft.com/office/powerpoint/2010/main" val="2357062388"/>
+      </p:ext>
+    </p:extLst>
+  </p:cSld>
+  <p:clrMapOvr>
+    <a:masterClrMapping/>
+  </p:clrMapOvr>
+</p:sld>
+</file>
+
+<file path=ppt/slides/slide5.xml><?xml version="1.0" encoding="utf-8"?>
+<p:sld xmlns:a="http://schemas.openxmlformats.org/drawingml/2006/main" xmlns:r="http://schemas.openxmlformats.org/officeDocument/2006/relationships" xmlns:p="http://schemas.openxmlformats.org/presentationml/2006/main">
+  <p:cSld>
+    <p:spTree>
+      <p:nvGrpSpPr>
+        <p:cNvPr id="1" name=""/>
+        <p:cNvGrpSpPr/>
+        <p:nvPr/>
+      </p:nvGrpSpPr>
+      <p:grpSpPr>
+        <a:xfrm>
+          <a:off x="0" y="0"/>
+          <a:ext cx="0" cy="0"/>
+          <a:chOff x="0" y="0"/>
+          <a:chExt cx="0" cy="0"/>
+        </a:xfrm>
+      </p:grpSpPr>
+      <p:sp>
+        <p:nvSpPr>
+          <p:cNvPr id="4" name="標題 3">
+            <a:extLst>
+              <a:ext uri="{FF2B5EF4-FFF2-40B4-BE49-F238E27FC236}">
+                <a16:creationId xmlns:a16="http://schemas.microsoft.com/office/drawing/2014/main" id="{BD4D1AC1-EA7F-4517-B8A1-C8C04888B929}"/>
+              </a:ext>
+            </a:extLst>
+          </p:cNvPr>
+          <p:cNvSpPr>
+            <a:spLocks noGrp="1"/>
+          </p:cNvSpPr>
+          <p:nvPr>
+            <p:ph type="title"/>
+          </p:nvPr>
+        </p:nvSpPr>
+        <p:spPr/>
+        <p:txBody>
+          <a:bodyPr/>
+          <a:lstStyle/>
+          <a:p>
+            <a:r>
+              <a:rPr lang="zh-TW" altLang="en-US" dirty="0"/>
+              <a:t>為什麼要用非同步</a:t>
+            </a:r>
+          </a:p>
+        </p:txBody>
+      </p:sp>
+      <p:sp>
+        <p:nvSpPr>
+          <p:cNvPr id="5" name="文字版面配置區 4">
+            <a:extLst>
+              <a:ext uri="{FF2B5EF4-FFF2-40B4-BE49-F238E27FC236}">
+                <a16:creationId xmlns:a16="http://schemas.microsoft.com/office/drawing/2014/main" id="{FB99B319-881C-4A6A-9C57-D26A187CAADA}"/>
+              </a:ext>
+            </a:extLst>
+          </p:cNvPr>
+          <p:cNvSpPr>
+            <a:spLocks noGrp="1"/>
+          </p:cNvSpPr>
+          <p:nvPr>
+            <p:ph type="body" idx="1"/>
+          </p:nvPr>
+        </p:nvSpPr>
+        <p:spPr/>
+        <p:txBody>
+          <a:bodyPr/>
+          <a:lstStyle/>
+          <a:p>
+            <a:endParaRPr lang="zh-TW" altLang="en-US"/>
+          </a:p>
+        </p:txBody>
+      </p:sp>
+    </p:spTree>
+    <p:extLst>
+      <p:ext uri="{BB962C8B-B14F-4D97-AF65-F5344CB8AC3E}">
+        <p14:creationId xmlns:p14="http://schemas.microsoft.com/office/powerpoint/2010/main" val="3082163501"/>
+      </p:ext>
+    </p:extLst>
+  </p:cSld>
+  <p:clrMapOvr>
+    <a:masterClrMapping/>
+  </p:clrMapOvr>
+</p:sld>
+</file>
+
+<file path=ppt/slides/slide6.xml><?xml version="1.0" encoding="utf-8"?>
+<p:sld xmlns:a="http://schemas.openxmlformats.org/drawingml/2006/main" xmlns:r="http://schemas.openxmlformats.org/officeDocument/2006/relationships" xmlns:p="http://schemas.openxmlformats.org/presentationml/2006/main">
+  <p:cSld>
+    <p:spTree>
+      <p:nvGrpSpPr>
+        <p:cNvPr id="1" name=""/>
+        <p:cNvGrpSpPr/>
+        <p:nvPr/>
+      </p:nvGrpSpPr>
+      <p:grpSpPr>
+        <a:xfrm>
+          <a:off x="0" y="0"/>
+          <a:ext cx="0" cy="0"/>
+          <a:chOff x="0" y="0"/>
+          <a:chExt cx="0" cy="0"/>
+        </a:xfrm>
+      </p:grpSpPr>
+      <p:sp>
+        <p:nvSpPr>
+          <p:cNvPr id="2" name="標題 1">
+            <a:extLst>
+              <a:ext uri="{FF2B5EF4-FFF2-40B4-BE49-F238E27FC236}">
+                <a16:creationId xmlns:a16="http://schemas.microsoft.com/office/drawing/2014/main" id="{52A2B961-E106-42D9-99DB-5B48152E8833}"/>
+              </a:ext>
+            </a:extLst>
+          </p:cNvPr>
+          <p:cNvSpPr>
+            <a:spLocks noGrp="1"/>
+          </p:cNvSpPr>
+          <p:nvPr>
+            <p:ph type="title"/>
+          </p:nvPr>
+        </p:nvSpPr>
+        <p:spPr/>
+        <p:txBody>
+          <a:bodyPr/>
+          <a:lstStyle/>
+          <a:p>
+            <a:r>
+              <a:rPr lang="zh-TW" altLang="en-US" dirty="0"/>
+              <a:t>為什麼要用非同步</a:t>
+            </a:r>
+          </a:p>
+        </p:txBody>
+      </p:sp>
+      <p:sp>
+        <p:nvSpPr>
+          <p:cNvPr id="3" name="內容版面配置區 2">
+            <a:extLst>
+              <a:ext uri="{FF2B5EF4-FFF2-40B4-BE49-F238E27FC236}">
+                <a16:creationId xmlns:a16="http://schemas.microsoft.com/office/drawing/2014/main" id="{43B9F297-2F6E-4462-BDD1-8F868F25DC5B}"/>
+              </a:ext>
+            </a:extLst>
+          </p:cNvPr>
+          <p:cNvSpPr>
+            <a:spLocks noGrp="1"/>
+          </p:cNvSpPr>
+          <p:nvPr>
+            <p:ph idx="1"/>
+          </p:nvPr>
+        </p:nvSpPr>
+        <p:spPr/>
+        <p:txBody>
+          <a:bodyPr/>
+          <a:lstStyle/>
+          <a:p>
+            <a:endParaRPr lang="zh-TW" altLang="en-US" dirty="0"/>
+          </a:p>
+        </p:txBody>
+      </p:sp>
+    </p:spTree>
+    <p:extLst>
+      <p:ext uri="{BB962C8B-B14F-4D97-AF65-F5344CB8AC3E}">
+        <p14:creationId xmlns:p14="http://schemas.microsoft.com/office/powerpoint/2010/main" val="4100711844"/>
+      </p:ext>
+    </p:extLst>
+  </p:cSld>
+  <p:clrMapOvr>
+    <a:masterClrMapping/>
+  </p:clrMapOvr>
+</p:sld>
+</file>
+
+<file path=ppt/slides/slide7.xml><?xml version="1.0" encoding="utf-8"?>
+<p:sld xmlns:a="http://schemas.openxmlformats.org/drawingml/2006/main" xmlns:r="http://schemas.openxmlformats.org/officeDocument/2006/relationships" xmlns:p="http://schemas.openxmlformats.org/presentationml/2006/main">
+  <p:cSld>
+    <p:spTree>
+      <p:nvGrpSpPr>
+        <p:cNvPr id="1" name=""/>
+        <p:cNvGrpSpPr/>
+        <p:nvPr/>
+      </p:nvGrpSpPr>
+      <p:grpSpPr>
+        <a:xfrm>
+          <a:off x="0" y="0"/>
+          <a:ext cx="0" cy="0"/>
+          <a:chOff x="0" y="0"/>
+          <a:chExt cx="0" cy="0"/>
+        </a:xfrm>
+      </p:grpSpPr>
+      <p:sp>
+        <p:nvSpPr>
+          <p:cNvPr id="4" name="標題 3">
+            <a:extLst>
+              <a:ext uri="{FF2B5EF4-FFF2-40B4-BE49-F238E27FC236}">
+                <a16:creationId xmlns:a16="http://schemas.microsoft.com/office/drawing/2014/main" id="{BD4D1AC1-EA7F-4517-B8A1-C8C04888B929}"/>
+              </a:ext>
+            </a:extLst>
+          </p:cNvPr>
+          <p:cNvSpPr>
+            <a:spLocks noGrp="1"/>
+          </p:cNvSpPr>
+          <p:nvPr>
+            <p:ph type="title"/>
+          </p:nvPr>
+        </p:nvSpPr>
+        <p:spPr/>
+        <p:txBody>
+          <a:bodyPr/>
+          <a:lstStyle/>
+          <a:p>
+            <a:r>
+              <a:rPr lang="zh-TW" altLang="en-US" dirty="0"/>
+              <a:t>什麼時候用非同步</a:t>
+            </a:r>
+          </a:p>
+        </p:txBody>
+      </p:sp>
+      <p:sp>
+        <p:nvSpPr>
+          <p:cNvPr id="5" name="文字版面配置區 4">
+            <a:extLst>
+              <a:ext uri="{FF2B5EF4-FFF2-40B4-BE49-F238E27FC236}">
+                <a16:creationId xmlns:a16="http://schemas.microsoft.com/office/drawing/2014/main" id="{FB99B319-881C-4A6A-9C57-D26A187CAADA}"/>
+              </a:ext>
+            </a:extLst>
+          </p:cNvPr>
+          <p:cNvSpPr>
+            <a:spLocks noGrp="1"/>
+          </p:cNvSpPr>
+          <p:nvPr>
+            <p:ph type="body" idx="1"/>
+          </p:nvPr>
+        </p:nvSpPr>
+        <p:spPr/>
+        <p:txBody>
+          <a:bodyPr/>
+          <a:lstStyle/>
+          <a:p>
+            <a:endParaRPr lang="zh-TW" altLang="en-US"/>
+          </a:p>
+        </p:txBody>
+      </p:sp>
+    </p:spTree>
+    <p:extLst>
+      <p:ext uri="{BB962C8B-B14F-4D97-AF65-F5344CB8AC3E}">
+        <p14:creationId xmlns:p14="http://schemas.microsoft.com/office/powerpoint/2010/main" val="2293390487"/>
+      </p:ext>
+    </p:extLst>
+  </p:cSld>
+  <p:clrMapOvr>
+    <a:masterClrMapping/>
+  </p:clrMapOvr>
+</p:sld>
+</file>
+
+<file path=ppt/slides/slide8.xml><?xml version="1.0" encoding="utf-8"?>
+<p:sld xmlns:a="http://schemas.openxmlformats.org/drawingml/2006/main" xmlns:r="http://schemas.openxmlformats.org/officeDocument/2006/relationships" xmlns:p="http://schemas.openxmlformats.org/presentationml/2006/main">
+  <p:cSld>
+    <p:spTree>
+      <p:nvGrpSpPr>
+        <p:cNvPr id="1" name=""/>
+        <p:cNvGrpSpPr/>
+        <p:nvPr/>
+      </p:nvGrpSpPr>
+      <p:grpSpPr>
+        <a:xfrm>
+          <a:off x="0" y="0"/>
+          <a:ext cx="0" cy="0"/>
+          <a:chOff x="0" y="0"/>
+          <a:chExt cx="0" cy="0"/>
+        </a:xfrm>
+      </p:grpSpPr>
+      <p:sp>
+        <p:nvSpPr>
+          <p:cNvPr id="2" name="標題 1">
+            <a:extLst>
+              <a:ext uri="{FF2B5EF4-FFF2-40B4-BE49-F238E27FC236}">
+                <a16:creationId xmlns:a16="http://schemas.microsoft.com/office/drawing/2014/main" id="{52A2B961-E106-42D9-99DB-5B48152E8833}"/>
+              </a:ext>
+            </a:extLst>
+          </p:cNvPr>
+          <p:cNvSpPr>
+            <a:spLocks noGrp="1"/>
+          </p:cNvSpPr>
+          <p:nvPr>
+            <p:ph type="title"/>
+          </p:nvPr>
+        </p:nvSpPr>
+        <p:spPr/>
+        <p:txBody>
+          <a:bodyPr/>
+          <a:lstStyle/>
+          <a:p>
+            <a:r>
+              <a:rPr lang="zh-TW" altLang="en-US" dirty="0"/>
+              <a:t>什麼時候用非同步</a:t>
+            </a:r>
+          </a:p>
+        </p:txBody>
+      </p:sp>
+      <p:sp>
+        <p:nvSpPr>
+          <p:cNvPr id="3" name="內容版面配置區 2">
+            <a:extLst>
+              <a:ext uri="{FF2B5EF4-FFF2-40B4-BE49-F238E27FC236}">
+                <a16:creationId xmlns:a16="http://schemas.microsoft.com/office/drawing/2014/main" id="{43B9F297-2F6E-4462-BDD1-8F868F25DC5B}"/>
+              </a:ext>
+            </a:extLst>
+          </p:cNvPr>
+          <p:cNvSpPr>
+            <a:spLocks noGrp="1"/>
+          </p:cNvSpPr>
+          <p:nvPr>
+            <p:ph idx="1"/>
+          </p:nvPr>
+        </p:nvSpPr>
+        <p:spPr/>
+        <p:txBody>
+          <a:bodyPr/>
+          <a:lstStyle/>
+          <a:p>
+            <a:r>
+              <a:rPr lang="en-US" altLang="zh-TW" dirty="0"/>
+              <a:t>IO</a:t>
+            </a:r>
+          </a:p>
+          <a:p>
+            <a:pPr lvl="1"/>
+            <a:r>
+              <a:rPr lang="en-US" altLang="zh-TW" dirty="0"/>
+              <a:t>Disk</a:t>
+            </a:r>
+          </a:p>
+          <a:p>
+            <a:r>
+              <a:rPr lang="en-US" altLang="zh-TW" dirty="0"/>
+              <a:t>Network</a:t>
+            </a:r>
+          </a:p>
+          <a:p>
+            <a:pPr lvl="1"/>
+            <a:r>
+              <a:rPr lang="en-US" altLang="zh-TW" dirty="0"/>
+              <a:t>HTTP</a:t>
+            </a:r>
+          </a:p>
+          <a:p>
+            <a:pPr lvl="1"/>
+            <a:r>
+              <a:rPr lang="en-US" altLang="zh-TW" dirty="0"/>
+              <a:t>Database</a:t>
+            </a:r>
+          </a:p>
+          <a:p>
+            <a:pPr lvl="1"/>
+            <a:r>
+              <a:rPr lang="en-US" altLang="zh-TW" dirty="0"/>
+              <a:t>Redis</a:t>
+            </a:r>
+          </a:p>
+          <a:p>
+            <a:endParaRPr lang="en-US" altLang="zh-TW" dirty="0"/>
+          </a:p>
+          <a:p>
+            <a:endParaRPr lang="en-US" altLang="zh-TW" dirty="0"/>
+          </a:p>
+          <a:p>
+            <a:endParaRPr lang="zh-TW" altLang="en-US" dirty="0"/>
+          </a:p>
+        </p:txBody>
+      </p:sp>
+    </p:spTree>
+    <p:extLst>
+      <p:ext uri="{BB962C8B-B14F-4D97-AF65-F5344CB8AC3E}">
+        <p14:creationId xmlns:p14="http://schemas.microsoft.com/office/powerpoint/2010/main" val="1457471737"/>
+      </p:ext>
+    </p:extLst>
+  </p:cSld>
+  <p:clrMapOvr>
+    <a:masterClrMapping/>
+  </p:clrMapOvr>
+</p:sld>
+</file>
+
+<file path=ppt/slides/slide9.xml><?xml version="1.0" encoding="utf-8"?>
+<p:sld xmlns:a="http://schemas.openxmlformats.org/drawingml/2006/main" xmlns:r="http://schemas.openxmlformats.org/officeDocument/2006/relationships" xmlns:p="http://schemas.openxmlformats.org/presentationml/2006/main">
+  <p:cSld>
+    <p:spTree>
+      <p:nvGrpSpPr>
+        <p:cNvPr id="1" name=""/>
+        <p:cNvGrpSpPr/>
+        <p:nvPr/>
+      </p:nvGrpSpPr>
+      <p:grpSpPr>
+        <a:xfrm>
+          <a:off x="0" y="0"/>
+          <a:ext cx="0" cy="0"/>
+          <a:chOff x="0" y="0"/>
+          <a:chExt cx="0" cy="0"/>
+        </a:xfrm>
+      </p:grpSpPr>
+      <p:sp>
+        <p:nvSpPr>
+          <p:cNvPr id="4" name="標題 3">
+            <a:extLst>
+              <a:ext uri="{FF2B5EF4-FFF2-40B4-BE49-F238E27FC236}">
+                <a16:creationId xmlns:a16="http://schemas.microsoft.com/office/drawing/2014/main" id="{BD4D1AC1-EA7F-4517-B8A1-C8C04888B929}"/>
+              </a:ext>
+            </a:extLst>
+          </p:cNvPr>
+          <p:cNvSpPr>
+            <a:spLocks noGrp="1"/>
+          </p:cNvSpPr>
+          <p:nvPr>
+            <p:ph type="title"/>
+          </p:nvPr>
+        </p:nvSpPr>
+        <p:spPr/>
+        <p:txBody>
+          <a:bodyPr/>
+          <a:lstStyle/>
+          <a:p>
+            <a:r>
+              <a:rPr lang="zh-TW" altLang="en-US" dirty="0"/>
+              <a:t>非同步的優缺點</a:t>
+            </a:r>
+          </a:p>
+        </p:txBody>
+      </p:sp>
+      <p:sp>
+        <p:nvSpPr>
+          <p:cNvPr id="5" name="文字版面配置區 4">
+            <a:extLst>
+              <a:ext uri="{FF2B5EF4-FFF2-40B4-BE49-F238E27FC236}">
+                <a16:creationId xmlns:a16="http://schemas.microsoft.com/office/drawing/2014/main" id="{FB99B319-881C-4A6A-9C57-D26A187CAADA}"/>
+              </a:ext>
+            </a:extLst>
+          </p:cNvPr>
+          <p:cNvSpPr>
+            <a:spLocks noGrp="1"/>
+          </p:cNvSpPr>
+          <p:nvPr>
+            <p:ph type="body" idx="1"/>
+          </p:nvPr>
+        </p:nvSpPr>
+        <p:spPr/>
+        <p:txBody>
+          <a:bodyPr/>
+          <a:lstStyle/>
+          <a:p>
+            <a:endParaRPr lang="zh-TW" altLang="en-US"/>
+          </a:p>
+        </p:txBody>
+      </p:sp>
+    </p:spTree>
+    <p:extLst>
+      <p:ext uri="{BB962C8B-B14F-4D97-AF65-F5344CB8AC3E}">
+        <p14:creationId xmlns:p14="http://schemas.microsoft.com/office/powerpoint/2010/main" val="1493767524"/>
       </p:ext>
     </p:extLst>
   </p:cSld>

--- a/.NET非同步入門.pptx
+++ b/.NET非同步入門.pptx
@@ -13,10 +13,12 @@
     <p:sldId id="261" r:id="rId7"/>
     <p:sldId id="262" r:id="rId8"/>
     <p:sldId id="263" r:id="rId9"/>
-    <p:sldId id="264" r:id="rId10"/>
-    <p:sldId id="265" r:id="rId11"/>
-    <p:sldId id="266" r:id="rId12"/>
-    <p:sldId id="267" r:id="rId13"/>
+    <p:sldId id="269" r:id="rId10"/>
+    <p:sldId id="264" r:id="rId11"/>
+    <p:sldId id="265" r:id="rId12"/>
+    <p:sldId id="268" r:id="rId13"/>
+    <p:sldId id="266" r:id="rId14"/>
+    <p:sldId id="267" r:id="rId15"/>
   </p:sldIdLst>
   <p:sldSz cx="12192000" cy="6858000"/>
   <p:notesSz cx="6858000" cy="9144000"/>
@@ -140,12 +142,14 @@
           <p14:sldIdLst>
             <p14:sldId id="262"/>
             <p14:sldId id="263"/>
+            <p14:sldId id="269"/>
           </p14:sldIdLst>
         </p14:section>
         <p14:section name="pros and cons" id="{EC747A84-7DB3-443B-9208-DBAAED97970D}">
           <p14:sldIdLst>
             <p14:sldId id="264"/>
             <p14:sldId id="265"/>
+            <p14:sldId id="268"/>
           </p14:sldIdLst>
         </p14:section>
         <p14:section name="how" id="{542B763A-1D32-4B98-B553-9350250128A4}">
@@ -219,7 +223,7 @@
           </a:lstStyle>
           <a:p>
             <a:r>
-              <a:rPr lang="zh-TW" altLang="en-US"/>
+              <a:rPr lang="zh-TW" altLang="en-US" dirty="0"/>
               <a:t>按一下以編輯母片標題樣式</a:t>
             </a:r>
             <a:endParaRPr lang="en-US" dirty="0"/>
@@ -333,7 +337,7 @@
             <a:fld id="{87DE6118-2437-4B30-8E3C-4D2BE6020583}" type="datetimeFigureOut">
               <a:rPr lang="en-US" dirty="0"/>
               <a:pPr/>
-              <a:t>11/1/2020</a:t>
+              <a:t>11/3/2020</a:t>
             </a:fld>
             <a:endParaRPr lang="en-US" dirty="0"/>
           </a:p>
@@ -659,7 +663,7 @@
           <a:p>
             <a:fld id="{87DE6118-2437-4B30-8E3C-4D2BE6020583}" type="datetimeFigureOut">
               <a:rPr lang="en-US" dirty="0"/>
-              <a:t>11/1/2020</a:t>
+              <a:t>11/3/2020</a:t>
             </a:fld>
             <a:endParaRPr lang="en-US" dirty="0"/>
           </a:p>
@@ -834,7 +838,7 @@
           <a:p>
             <a:fld id="{87DE6118-2437-4B30-8E3C-4D2BE6020583}" type="datetimeFigureOut">
               <a:rPr lang="en-US" dirty="0"/>
-              <a:t>11/1/2020</a:t>
+              <a:t>11/3/2020</a:t>
             </a:fld>
             <a:endParaRPr lang="en-US" dirty="0"/>
           </a:p>
@@ -999,7 +1003,7 @@
           <a:p>
             <a:fld id="{87DE6118-2437-4B30-8E3C-4D2BE6020583}" type="datetimeFigureOut">
               <a:rPr lang="en-US" dirty="0"/>
-              <a:t>11/1/2020</a:t>
+              <a:t>11/3/2020</a:t>
             </a:fld>
             <a:endParaRPr lang="en-US" dirty="0"/>
           </a:p>
@@ -1108,7 +1112,7 @@
           </a:lstStyle>
           <a:p>
             <a:r>
-              <a:rPr lang="zh-TW" altLang="en-US"/>
+              <a:rPr lang="zh-TW" altLang="en-US" dirty="0"/>
               <a:t>按一下以編輯母片標題樣式</a:t>
             </a:r>
             <a:endParaRPr lang="en-US" dirty="0"/>
@@ -1272,7 +1276,7 @@
             <a:fld id="{87DE6118-2437-4B30-8E3C-4D2BE6020583}" type="datetimeFigureOut">
               <a:rPr lang="en-US" dirty="0"/>
               <a:pPr/>
-              <a:t>11/1/2020</a:t>
+              <a:t>11/3/2020</a:t>
             </a:fld>
             <a:endParaRPr lang="en-US" dirty="0"/>
           </a:p>
@@ -1662,7 +1666,7 @@
           <a:p>
             <a:fld id="{87DE6118-2437-4B30-8E3C-4D2BE6020583}" type="datetimeFigureOut">
               <a:rPr lang="en-US" dirty="0"/>
-              <a:t>11/1/2020</a:t>
+              <a:t>11/3/2020</a:t>
             </a:fld>
             <a:endParaRPr lang="en-US" dirty="0"/>
           </a:p>
@@ -2134,7 +2138,7 @@
           <a:p>
             <a:fld id="{87DE6118-2437-4B30-8E3C-4D2BE6020583}" type="datetimeFigureOut">
               <a:rPr lang="en-US" dirty="0"/>
-              <a:t>11/1/2020</a:t>
+              <a:t>11/3/2020</a:t>
             </a:fld>
             <a:endParaRPr lang="en-US" dirty="0"/>
           </a:p>
@@ -2247,7 +2251,7 @@
           <a:p>
             <a:fld id="{87DE6118-2437-4B30-8E3C-4D2BE6020583}" type="datetimeFigureOut">
               <a:rPr lang="en-US" dirty="0"/>
-              <a:t>11/1/2020</a:t>
+              <a:t>11/3/2020</a:t>
             </a:fld>
             <a:endParaRPr lang="en-US" dirty="0"/>
           </a:p>
@@ -2337,7 +2341,7 @@
           <a:p>
             <a:fld id="{87DE6118-2437-4B30-8E3C-4D2BE6020583}" type="datetimeFigureOut">
               <a:rPr lang="en-US" dirty="0"/>
-              <a:t>11/1/2020</a:t>
+              <a:t>11/3/2020</a:t>
             </a:fld>
             <a:endParaRPr lang="en-US" dirty="0"/>
           </a:p>
@@ -2679,7 +2683,7 @@
             <a:fld id="{87DE6118-2437-4B30-8E3C-4D2BE6020583}" type="datetimeFigureOut">
               <a:rPr lang="en-US" dirty="0"/>
               <a:pPr/>
-              <a:t>11/1/2020</a:t>
+              <a:t>11/3/2020</a:t>
             </a:fld>
             <a:endParaRPr lang="en-US" dirty="0"/>
           </a:p>
@@ -3064,7 +3068,7 @@
             <a:fld id="{87DE6118-2437-4B30-8E3C-4D2BE6020583}" type="datetimeFigureOut">
               <a:rPr lang="en-US" dirty="0"/>
               <a:pPr/>
-              <a:t>11/1/2020</a:t>
+              <a:t>11/3/2020</a:t>
             </a:fld>
             <a:endParaRPr lang="en-US" dirty="0"/>
           </a:p>
@@ -3236,7 +3240,7 @@
           <a:lstStyle/>
           <a:p>
             <a:r>
-              <a:rPr lang="zh-TW" altLang="en-US"/>
+              <a:rPr lang="zh-TW" altLang="en-US" dirty="0"/>
               <a:t>按一下以編輯母片標題樣式</a:t>
             </a:r>
             <a:endParaRPr lang="en-US" dirty="0"/>
@@ -3270,35 +3274,35 @@
           <a:p>
             <a:pPr lvl="0"/>
             <a:r>
-              <a:rPr lang="zh-TW" altLang="en-US"/>
+              <a:rPr lang="zh-TW" altLang="en-US" dirty="0"/>
               <a:t>編輯母片文字樣式</a:t>
             </a:r>
           </a:p>
           <a:p>
             <a:pPr lvl="1"/>
             <a:r>
-              <a:rPr lang="zh-TW" altLang="en-US"/>
+              <a:rPr lang="zh-TW" altLang="en-US" dirty="0"/>
               <a:t>第二層</a:t>
             </a:r>
           </a:p>
           <a:p>
             <a:pPr lvl="2"/>
             <a:r>
-              <a:rPr lang="zh-TW" altLang="en-US"/>
+              <a:rPr lang="zh-TW" altLang="en-US" dirty="0"/>
               <a:t>第三層</a:t>
             </a:r>
           </a:p>
           <a:p>
             <a:pPr lvl="3"/>
             <a:r>
-              <a:rPr lang="zh-TW" altLang="en-US"/>
+              <a:rPr lang="zh-TW" altLang="en-US" dirty="0"/>
               <a:t>第四層</a:t>
             </a:r>
           </a:p>
           <a:p>
             <a:pPr lvl="4"/>
             <a:r>
-              <a:rPr lang="zh-TW" altLang="en-US"/>
+              <a:rPr lang="zh-TW" altLang="en-US" dirty="0"/>
               <a:t>第五層</a:t>
             </a:r>
             <a:endParaRPr lang="en-US" dirty="0"/>
@@ -3339,7 +3343,7 @@
             <a:fld id="{87DE6118-2437-4B30-8E3C-4D2BE6020583}" type="datetimeFigureOut">
               <a:rPr lang="en-US" dirty="0"/>
               <a:pPr/>
-              <a:t>11/1/2020</a:t>
+              <a:t>11/3/2020</a:t>
             </a:fld>
             <a:endParaRPr lang="en-US" dirty="0"/>
           </a:p>
@@ -3484,7 +3488,7 @@
           <a:spcPct val="0"/>
         </a:spcBef>
         <a:buNone/>
-        <a:defRPr sz="4400" kern="1200" baseline="0">
+        <a:defRPr sz="4800" kern="1200" baseline="0">
           <a:solidFill>
             <a:schemeClr val="tx2"/>
           </a:solidFill>
@@ -3507,7 +3511,7 @@
         </a:spcAft>
         <a:buFont typeface="Franklin Gothic Book" panose="020B0503020102020204" pitchFamily="34" charset="0"/>
         <a:buChar char="■"/>
-        <a:defRPr sz="2000" kern="1200" baseline="0">
+        <a:defRPr sz="2800" kern="1200" baseline="0">
           <a:solidFill>
             <a:schemeClr val="tx2"/>
           </a:solidFill>
@@ -3528,7 +3532,7 @@
         </a:spcAft>
         <a:buFont typeface="Franklin Gothic Book" panose="020B0503020102020204" pitchFamily="34" charset="0"/>
         <a:buChar char="–"/>
-        <a:defRPr sz="2000" i="1" kern="1200" baseline="0">
+        <a:defRPr sz="2400" i="1" kern="1200" baseline="0">
           <a:solidFill>
             <a:schemeClr val="tx2"/>
           </a:solidFill>
@@ -3549,7 +3553,7 @@
         </a:spcAft>
         <a:buFont typeface="Franklin Gothic Book" panose="020B0503020102020204" pitchFamily="34" charset="0"/>
         <a:buChar char="■"/>
-        <a:defRPr sz="1800" kern="1200" baseline="0">
+        <a:defRPr sz="2000" kern="1200" baseline="0">
           <a:solidFill>
             <a:schemeClr val="tx2"/>
           </a:solidFill>
@@ -3936,10 +3940,10 @@
       </p:grpSpPr>
       <p:sp>
         <p:nvSpPr>
-          <p:cNvPr id="2" name="標題 1">
+          <p:cNvPr id="4" name="標題 3">
             <a:extLst>
               <a:ext uri="{FF2B5EF4-FFF2-40B4-BE49-F238E27FC236}">
-                <a16:creationId xmlns:a16="http://schemas.microsoft.com/office/drawing/2014/main" id="{52A2B961-E106-42D9-99DB-5B48152E8833}"/>
+                <a16:creationId xmlns:a16="http://schemas.microsoft.com/office/drawing/2014/main" id="{BD4D1AC1-EA7F-4517-B8A1-C8C04888B929}"/>
               </a:ext>
             </a:extLst>
           </p:cNvPr>
@@ -3964,10 +3968,10 @@
       </p:sp>
       <p:sp>
         <p:nvSpPr>
-          <p:cNvPr id="3" name="內容版面配置區 2">
+          <p:cNvPr id="5" name="文字版面配置區 4">
             <a:extLst>
               <a:ext uri="{FF2B5EF4-FFF2-40B4-BE49-F238E27FC236}">
-                <a16:creationId xmlns:a16="http://schemas.microsoft.com/office/drawing/2014/main" id="{43B9F297-2F6E-4462-BDD1-8F868F25DC5B}"/>
+                <a16:creationId xmlns:a16="http://schemas.microsoft.com/office/drawing/2014/main" id="{FB99B319-881C-4A6A-9C57-D26A187CAADA}"/>
               </a:ext>
             </a:extLst>
           </p:cNvPr>
@@ -3975,7 +3979,7 @@
             <a:spLocks noGrp="1"/>
           </p:cNvSpPr>
           <p:nvPr>
-            <p:ph idx="1"/>
+            <p:ph type="body" idx="1"/>
           </p:nvPr>
         </p:nvSpPr>
         <p:spPr/>
@@ -3983,14 +3987,14 @@
           <a:bodyPr/>
           <a:lstStyle/>
           <a:p>
-            <a:endParaRPr lang="zh-TW" altLang="en-US" dirty="0"/>
+            <a:endParaRPr lang="zh-TW" altLang="en-US"/>
           </a:p>
         </p:txBody>
       </p:sp>
     </p:spTree>
     <p:extLst>
       <p:ext uri="{BB962C8B-B14F-4D97-AF65-F5344CB8AC3E}">
-        <p14:creationId xmlns:p14="http://schemas.microsoft.com/office/powerpoint/2010/main" val="739057728"/>
+        <p14:creationId xmlns:p14="http://schemas.microsoft.com/office/powerpoint/2010/main" val="1493767524"/>
       </p:ext>
     </p:extLst>
   </p:cSld>
@@ -4019,10 +4023,10 @@
       </p:grpSpPr>
       <p:sp>
         <p:nvSpPr>
-          <p:cNvPr id="4" name="標題 3">
+          <p:cNvPr id="2" name="標題 1">
             <a:extLst>
               <a:ext uri="{FF2B5EF4-FFF2-40B4-BE49-F238E27FC236}">
-                <a16:creationId xmlns:a16="http://schemas.microsoft.com/office/drawing/2014/main" id="{BD4D1AC1-EA7F-4517-B8A1-C8C04888B929}"/>
+                <a16:creationId xmlns:a16="http://schemas.microsoft.com/office/drawing/2014/main" id="{52A2B961-E106-42D9-99DB-5B48152E8833}"/>
               </a:ext>
             </a:extLst>
           </p:cNvPr>
@@ -4040,17 +4044,17 @@
           <a:p>
             <a:r>
               <a:rPr lang="zh-TW" altLang="en-US" dirty="0"/>
-              <a:t>怎麼用非同步</a:t>
-            </a:r>
-          </a:p>
-        </p:txBody>
-      </p:sp>
-      <p:sp>
-        <p:nvSpPr>
-          <p:cNvPr id="5" name="文字版面配置區 4">
+              <a:t>非同步的優點</a:t>
+            </a:r>
+          </a:p>
+        </p:txBody>
+      </p:sp>
+      <p:sp>
+        <p:nvSpPr>
+          <p:cNvPr id="3" name="內容版面配置區 2">
             <a:extLst>
               <a:ext uri="{FF2B5EF4-FFF2-40B4-BE49-F238E27FC236}">
-                <a16:creationId xmlns:a16="http://schemas.microsoft.com/office/drawing/2014/main" id="{FB99B319-881C-4A6A-9C57-D26A187CAADA}"/>
+                <a16:creationId xmlns:a16="http://schemas.microsoft.com/office/drawing/2014/main" id="{43B9F297-2F6E-4462-BDD1-8F868F25DC5B}"/>
               </a:ext>
             </a:extLst>
           </p:cNvPr>
@@ -4058,7 +4062,7 @@
             <a:spLocks noGrp="1"/>
           </p:cNvSpPr>
           <p:nvPr>
-            <p:ph type="body" idx="1"/>
+            <p:ph idx="1"/>
           </p:nvPr>
         </p:nvSpPr>
         <p:spPr/>
@@ -4066,14 +4070,31 @@
           <a:bodyPr/>
           <a:lstStyle/>
           <a:p>
-            <a:endParaRPr lang="zh-TW" altLang="en-US"/>
+            <a:r>
+              <a:rPr lang="zh-TW" altLang="en-US" dirty="0"/>
+              <a:t>整體效能提升</a:t>
+            </a:r>
+            <a:endParaRPr lang="en-US" altLang="zh-TW" dirty="0"/>
+          </a:p>
+          <a:p>
+            <a:r>
+              <a:rPr lang="zh-TW" altLang="en-US" dirty="0"/>
+              <a:t>降低大流量時的執行續負擔</a:t>
+            </a:r>
+            <a:endParaRPr lang="en-US" altLang="zh-TW" dirty="0"/>
+          </a:p>
+          <a:p>
+            <a:r>
+              <a:rPr lang="zh-TW" altLang="en-US" dirty="0"/>
+              <a:t>避免資源鎖死</a:t>
+            </a:r>
           </a:p>
         </p:txBody>
       </p:sp>
     </p:spTree>
     <p:extLst>
       <p:ext uri="{BB962C8B-B14F-4D97-AF65-F5344CB8AC3E}">
-        <p14:creationId xmlns:p14="http://schemas.microsoft.com/office/powerpoint/2010/main" val="4186980254"/>
+        <p14:creationId xmlns:p14="http://schemas.microsoft.com/office/powerpoint/2010/main" val="739057728"/>
       </p:ext>
     </p:extLst>
   </p:cSld>
@@ -4123,7 +4144,7 @@
           <a:p>
             <a:r>
               <a:rPr lang="zh-TW" altLang="en-US" dirty="0"/>
-              <a:t>怎麼用非同步</a:t>
+              <a:t>非同步的缺點</a:t>
             </a:r>
           </a:p>
         </p:txBody>
@@ -4149,6 +4170,244 @@
           <a:bodyPr/>
           <a:lstStyle/>
           <a:p>
+            <a:r>
+              <a:rPr lang="zh-TW" altLang="en-US" dirty="0"/>
+              <a:t>輸出程式所占空間變大</a:t>
+            </a:r>
+            <a:endParaRPr lang="en-US" altLang="zh-TW" dirty="0"/>
+          </a:p>
+          <a:p>
+            <a:pPr lvl="1"/>
+            <a:r>
+              <a:rPr lang="zh-TW" altLang="en-US" dirty="0"/>
+              <a:t>每個帶有 </a:t>
+            </a:r>
+            <a:r>
+              <a:rPr lang="en-US" altLang="zh-TW" dirty="0"/>
+              <a:t>async </a:t>
+            </a:r>
+            <a:r>
+              <a:rPr lang="zh-TW" altLang="en-US" dirty="0"/>
+              <a:t>詞墜的方法大約會多 </a:t>
+            </a:r>
+            <a:r>
+              <a:rPr lang="en-US" altLang="zh-TW" dirty="0"/>
+              <a:t>100</a:t>
+            </a:r>
+            <a:r>
+              <a:rPr lang="zh-TW" altLang="en-US" dirty="0"/>
+              <a:t> </a:t>
+            </a:r>
+            <a:r>
+              <a:rPr lang="en-US" altLang="zh-TW" dirty="0"/>
+              <a:t>bytes</a:t>
+            </a:r>
+          </a:p>
+          <a:p>
+            <a:r>
+              <a:rPr lang="zh-TW" altLang="en-US" dirty="0"/>
+              <a:t>較難</a:t>
+            </a:r>
+            <a:r>
+              <a:rPr lang="en-US" altLang="zh-TW" dirty="0"/>
+              <a:t>Debug</a:t>
+            </a:r>
+          </a:p>
+          <a:p>
+            <a:r>
+              <a:rPr lang="zh-TW" altLang="en-US" dirty="0"/>
+              <a:t>非同步的傳遞性</a:t>
+            </a:r>
+            <a:endParaRPr lang="en-US" altLang="zh-TW" dirty="0"/>
+          </a:p>
+          <a:p>
+            <a:r>
+              <a:rPr lang="zh-TW" altLang="en-US" dirty="0"/>
+              <a:t>單一回應時間稍微變長</a:t>
+            </a:r>
+            <a:endParaRPr lang="en-US" altLang="zh-TW" dirty="0"/>
+          </a:p>
+          <a:p>
+            <a:pPr lvl="1"/>
+            <a:r>
+              <a:rPr lang="zh-TW" altLang="en-US" dirty="0"/>
+              <a:t>幾乎可以忽略</a:t>
+            </a:r>
+          </a:p>
+        </p:txBody>
+      </p:sp>
+    </p:spTree>
+    <p:extLst>
+      <p:ext uri="{BB962C8B-B14F-4D97-AF65-F5344CB8AC3E}">
+        <p14:creationId xmlns:p14="http://schemas.microsoft.com/office/powerpoint/2010/main" val="2391344383"/>
+      </p:ext>
+    </p:extLst>
+  </p:cSld>
+  <p:clrMapOvr>
+    <a:masterClrMapping/>
+  </p:clrMapOvr>
+</p:sld>
+</file>
+
+<file path=ppt/slides/slide13.xml><?xml version="1.0" encoding="utf-8"?>
+<p:sld xmlns:a="http://schemas.openxmlformats.org/drawingml/2006/main" xmlns:r="http://schemas.openxmlformats.org/officeDocument/2006/relationships" xmlns:p="http://schemas.openxmlformats.org/presentationml/2006/main">
+  <p:cSld>
+    <p:spTree>
+      <p:nvGrpSpPr>
+        <p:cNvPr id="1" name=""/>
+        <p:cNvGrpSpPr/>
+        <p:nvPr/>
+      </p:nvGrpSpPr>
+      <p:grpSpPr>
+        <a:xfrm>
+          <a:off x="0" y="0"/>
+          <a:ext cx="0" cy="0"/>
+          <a:chOff x="0" y="0"/>
+          <a:chExt cx="0" cy="0"/>
+        </a:xfrm>
+      </p:grpSpPr>
+      <p:sp>
+        <p:nvSpPr>
+          <p:cNvPr id="4" name="標題 3">
+            <a:extLst>
+              <a:ext uri="{FF2B5EF4-FFF2-40B4-BE49-F238E27FC236}">
+                <a16:creationId xmlns:a16="http://schemas.microsoft.com/office/drawing/2014/main" id="{BD4D1AC1-EA7F-4517-B8A1-C8C04888B929}"/>
+              </a:ext>
+            </a:extLst>
+          </p:cNvPr>
+          <p:cNvSpPr>
+            <a:spLocks noGrp="1"/>
+          </p:cNvSpPr>
+          <p:nvPr>
+            <p:ph type="title"/>
+          </p:nvPr>
+        </p:nvSpPr>
+        <p:spPr/>
+        <p:txBody>
+          <a:bodyPr/>
+          <a:lstStyle/>
+          <a:p>
+            <a:r>
+              <a:rPr lang="zh-TW" altLang="en-US" dirty="0"/>
+              <a:t>怎麼用非同步</a:t>
+            </a:r>
+          </a:p>
+        </p:txBody>
+      </p:sp>
+      <p:sp>
+        <p:nvSpPr>
+          <p:cNvPr id="5" name="文字版面配置區 4">
+            <a:extLst>
+              <a:ext uri="{FF2B5EF4-FFF2-40B4-BE49-F238E27FC236}">
+                <a16:creationId xmlns:a16="http://schemas.microsoft.com/office/drawing/2014/main" id="{FB99B319-881C-4A6A-9C57-D26A187CAADA}"/>
+              </a:ext>
+            </a:extLst>
+          </p:cNvPr>
+          <p:cNvSpPr>
+            <a:spLocks noGrp="1"/>
+          </p:cNvSpPr>
+          <p:nvPr>
+            <p:ph type="body" idx="1"/>
+          </p:nvPr>
+        </p:nvSpPr>
+        <p:spPr/>
+        <p:txBody>
+          <a:bodyPr/>
+          <a:lstStyle/>
+          <a:p>
+            <a:endParaRPr lang="zh-TW" altLang="en-US"/>
+          </a:p>
+        </p:txBody>
+      </p:sp>
+    </p:spTree>
+    <p:extLst>
+      <p:ext uri="{BB962C8B-B14F-4D97-AF65-F5344CB8AC3E}">
+        <p14:creationId xmlns:p14="http://schemas.microsoft.com/office/powerpoint/2010/main" val="4186980254"/>
+      </p:ext>
+    </p:extLst>
+  </p:cSld>
+  <p:clrMapOvr>
+    <a:masterClrMapping/>
+  </p:clrMapOvr>
+</p:sld>
+</file>
+
+<file path=ppt/slides/slide14.xml><?xml version="1.0" encoding="utf-8"?>
+<p:sld xmlns:a="http://schemas.openxmlformats.org/drawingml/2006/main" xmlns:r="http://schemas.openxmlformats.org/officeDocument/2006/relationships" xmlns:p="http://schemas.openxmlformats.org/presentationml/2006/main">
+  <p:cSld>
+    <p:spTree>
+      <p:nvGrpSpPr>
+        <p:cNvPr id="1" name=""/>
+        <p:cNvGrpSpPr/>
+        <p:nvPr/>
+      </p:nvGrpSpPr>
+      <p:grpSpPr>
+        <a:xfrm>
+          <a:off x="0" y="0"/>
+          <a:ext cx="0" cy="0"/>
+          <a:chOff x="0" y="0"/>
+          <a:chExt cx="0" cy="0"/>
+        </a:xfrm>
+      </p:grpSpPr>
+      <p:sp>
+        <p:nvSpPr>
+          <p:cNvPr id="2" name="標題 1">
+            <a:extLst>
+              <a:ext uri="{FF2B5EF4-FFF2-40B4-BE49-F238E27FC236}">
+                <a16:creationId xmlns:a16="http://schemas.microsoft.com/office/drawing/2014/main" id="{52A2B961-E106-42D9-99DB-5B48152E8833}"/>
+              </a:ext>
+            </a:extLst>
+          </p:cNvPr>
+          <p:cNvSpPr>
+            <a:spLocks noGrp="1"/>
+          </p:cNvSpPr>
+          <p:nvPr>
+            <p:ph type="title"/>
+          </p:nvPr>
+        </p:nvSpPr>
+        <p:spPr/>
+        <p:txBody>
+          <a:bodyPr/>
+          <a:lstStyle/>
+          <a:p>
+            <a:r>
+              <a:rPr lang="zh-TW" altLang="en-US" dirty="0"/>
+              <a:t>怎麼用非同步</a:t>
+            </a:r>
+          </a:p>
+        </p:txBody>
+      </p:sp>
+      <p:sp>
+        <p:nvSpPr>
+          <p:cNvPr id="3" name="內容版面配置區 2">
+            <a:extLst>
+              <a:ext uri="{FF2B5EF4-FFF2-40B4-BE49-F238E27FC236}">
+                <a16:creationId xmlns:a16="http://schemas.microsoft.com/office/drawing/2014/main" id="{43B9F297-2F6E-4462-BDD1-8F868F25DC5B}"/>
+              </a:ext>
+            </a:extLst>
+          </p:cNvPr>
+          <p:cNvSpPr>
+            <a:spLocks noGrp="1"/>
+          </p:cNvSpPr>
+          <p:nvPr>
+            <p:ph idx="1"/>
+          </p:nvPr>
+        </p:nvSpPr>
+        <p:spPr/>
+        <p:txBody>
+          <a:bodyPr/>
+          <a:lstStyle/>
+          <a:p>
+            <a:r>
+              <a:rPr lang="en-US" altLang="zh-TW" dirty="0"/>
+              <a:t>Task</a:t>
+            </a:r>
+          </a:p>
+          <a:p>
+            <a:r>
+              <a:rPr lang="en-US" altLang="zh-TW" dirty="0"/>
+              <a:t>async await</a:t>
+            </a:r>
             <a:endParaRPr lang="zh-TW" altLang="en-US" dirty="0"/>
           </a:p>
         </p:txBody>
@@ -4618,7 +4877,7 @@
           <a:p>
             <a:r>
               <a:rPr lang="zh-TW" altLang="en-US" dirty="0"/>
-              <a:t>什麼時候用非同步</a:t>
+              <a:t>什麼時候要用非同步</a:t>
             </a:r>
           </a:p>
         </p:txBody>
@@ -4701,7 +4960,7 @@
           <a:p>
             <a:r>
               <a:rPr lang="zh-TW" altLang="en-US" dirty="0"/>
-              <a:t>什麼時候用非同步</a:t>
+              <a:t>什麼時候要用非同步</a:t>
             </a:r>
           </a:p>
         </p:txBody>
@@ -4724,7 +4983,9 @@
         </p:nvSpPr>
         <p:spPr/>
         <p:txBody>
-          <a:bodyPr/>
+          <a:bodyPr>
+            <a:normAutofit/>
+          </a:bodyPr>
           <a:lstStyle/>
           <a:p>
             <a:r>
@@ -4767,10 +5028,26 @@
             </a:r>
           </a:p>
           <a:p>
-            <a:endParaRPr lang="en-US" altLang="zh-TW" dirty="0"/>
-          </a:p>
-          <a:p>
-            <a:endParaRPr lang="en-US" altLang="zh-TW" dirty="0"/>
+            <a:r>
+              <a:rPr lang="en-US" altLang="zh-TW" dirty="0"/>
+              <a:t>Library</a:t>
+            </a:r>
+            <a:r>
+              <a:rPr lang="zh-TW" altLang="en-US" dirty="0"/>
+              <a:t>或</a:t>
+            </a:r>
+            <a:r>
+              <a:rPr lang="en-US" altLang="zh-TW" dirty="0"/>
+              <a:t>Framework</a:t>
+            </a:r>
+            <a:r>
+              <a:rPr lang="zh-TW" altLang="en-US" dirty="0"/>
+              <a:t>只提供非同步</a:t>
+            </a:r>
+            <a:r>
+              <a:rPr lang="en-US" altLang="zh-TW" dirty="0"/>
+              <a:t>API</a:t>
+            </a:r>
           </a:p>
           <a:p>
             <a:endParaRPr lang="zh-TW" altLang="en-US" dirty="0"/>
@@ -4809,10 +5086,10 @@
       </p:grpSpPr>
       <p:sp>
         <p:nvSpPr>
-          <p:cNvPr id="4" name="標題 3">
+          <p:cNvPr id="2" name="標題 1">
             <a:extLst>
               <a:ext uri="{FF2B5EF4-FFF2-40B4-BE49-F238E27FC236}">
-                <a16:creationId xmlns:a16="http://schemas.microsoft.com/office/drawing/2014/main" id="{BD4D1AC1-EA7F-4517-B8A1-C8C04888B929}"/>
+                <a16:creationId xmlns:a16="http://schemas.microsoft.com/office/drawing/2014/main" id="{FFE36D1B-5ED2-4A00-878C-6CAF180DBE55}"/>
               </a:ext>
             </a:extLst>
           </p:cNvPr>
@@ -4830,17 +5107,17 @@
           <a:p>
             <a:r>
               <a:rPr lang="zh-TW" altLang="en-US" dirty="0"/>
-              <a:t>非同步的優缺點</a:t>
-            </a:r>
-          </a:p>
-        </p:txBody>
-      </p:sp>
-      <p:sp>
-        <p:nvSpPr>
-          <p:cNvPr id="5" name="文字版面配置區 4">
+              <a:t>什麼時候要用非同步</a:t>
+            </a:r>
+          </a:p>
+        </p:txBody>
+      </p:sp>
+      <p:sp>
+        <p:nvSpPr>
+          <p:cNvPr id="3" name="內容版面配置區 2">
             <a:extLst>
               <a:ext uri="{FF2B5EF4-FFF2-40B4-BE49-F238E27FC236}">
-                <a16:creationId xmlns:a16="http://schemas.microsoft.com/office/drawing/2014/main" id="{FB99B319-881C-4A6A-9C57-D26A187CAADA}"/>
+                <a16:creationId xmlns:a16="http://schemas.microsoft.com/office/drawing/2014/main" id="{464FCDCB-32CE-482F-9AD7-B6C09B96468B}"/>
               </a:ext>
             </a:extLst>
           </p:cNvPr>
@@ -4848,7 +5125,7 @@
             <a:spLocks noGrp="1"/>
           </p:cNvSpPr>
           <p:nvPr>
-            <p:ph type="body" idx="1"/>
+            <p:ph idx="1"/>
           </p:nvPr>
         </p:nvSpPr>
         <p:spPr/>
@@ -4856,14 +5133,17 @@
           <a:bodyPr/>
           <a:lstStyle/>
           <a:p>
-            <a:endParaRPr lang="zh-TW" altLang="en-US"/>
+            <a:r>
+              <a:rPr lang="zh-TW" altLang="en-US" dirty="0"/>
+              <a:t>等待</a:t>
+            </a:r>
           </a:p>
         </p:txBody>
       </p:sp>
     </p:spTree>
     <p:extLst>
       <p:ext uri="{BB962C8B-B14F-4D97-AF65-F5344CB8AC3E}">
-        <p14:creationId xmlns:p14="http://schemas.microsoft.com/office/powerpoint/2010/main" val="1493767524"/>
+        <p14:creationId xmlns:p14="http://schemas.microsoft.com/office/powerpoint/2010/main" val="470413712"/>
       </p:ext>
     </p:extLst>
   </p:cSld>

--- a/.NET非同步入門.pptx
+++ b/.NET非同步入門.pptx
@@ -337,7 +337,7 @@
             <a:fld id="{87DE6118-2437-4B30-8E3C-4D2BE6020583}" type="datetimeFigureOut">
               <a:rPr lang="en-US" dirty="0"/>
               <a:pPr/>
-              <a:t>11/3/2020</a:t>
+              <a:t>11/4/2020</a:t>
             </a:fld>
             <a:endParaRPr lang="en-US" dirty="0"/>
           </a:p>
@@ -663,7 +663,7 @@
           <a:p>
             <a:fld id="{87DE6118-2437-4B30-8E3C-4D2BE6020583}" type="datetimeFigureOut">
               <a:rPr lang="en-US" dirty="0"/>
-              <a:t>11/3/2020</a:t>
+              <a:t>11/4/2020</a:t>
             </a:fld>
             <a:endParaRPr lang="en-US" dirty="0"/>
           </a:p>
@@ -838,7 +838,7 @@
           <a:p>
             <a:fld id="{87DE6118-2437-4B30-8E3C-4D2BE6020583}" type="datetimeFigureOut">
               <a:rPr lang="en-US" dirty="0"/>
-              <a:t>11/3/2020</a:t>
+              <a:t>11/4/2020</a:t>
             </a:fld>
             <a:endParaRPr lang="en-US" dirty="0"/>
           </a:p>
@@ -1003,7 +1003,7 @@
           <a:p>
             <a:fld id="{87DE6118-2437-4B30-8E3C-4D2BE6020583}" type="datetimeFigureOut">
               <a:rPr lang="en-US" dirty="0"/>
-              <a:t>11/3/2020</a:t>
+              <a:t>11/4/2020</a:t>
             </a:fld>
             <a:endParaRPr lang="en-US" dirty="0"/>
           </a:p>
@@ -1276,7 +1276,7 @@
             <a:fld id="{87DE6118-2437-4B30-8E3C-4D2BE6020583}" type="datetimeFigureOut">
               <a:rPr lang="en-US" dirty="0"/>
               <a:pPr/>
-              <a:t>11/3/2020</a:t>
+              <a:t>11/4/2020</a:t>
             </a:fld>
             <a:endParaRPr lang="en-US" dirty="0"/>
           </a:p>
@@ -1666,7 +1666,7 @@
           <a:p>
             <a:fld id="{87DE6118-2437-4B30-8E3C-4D2BE6020583}" type="datetimeFigureOut">
               <a:rPr lang="en-US" dirty="0"/>
-              <a:t>11/3/2020</a:t>
+              <a:t>11/4/2020</a:t>
             </a:fld>
             <a:endParaRPr lang="en-US" dirty="0"/>
           </a:p>
@@ -2138,7 +2138,7 @@
           <a:p>
             <a:fld id="{87DE6118-2437-4B30-8E3C-4D2BE6020583}" type="datetimeFigureOut">
               <a:rPr lang="en-US" dirty="0"/>
-              <a:t>11/3/2020</a:t>
+              <a:t>11/4/2020</a:t>
             </a:fld>
             <a:endParaRPr lang="en-US" dirty="0"/>
           </a:p>
@@ -2251,7 +2251,7 @@
           <a:p>
             <a:fld id="{87DE6118-2437-4B30-8E3C-4D2BE6020583}" type="datetimeFigureOut">
               <a:rPr lang="en-US" dirty="0"/>
-              <a:t>11/3/2020</a:t>
+              <a:t>11/4/2020</a:t>
             </a:fld>
             <a:endParaRPr lang="en-US" dirty="0"/>
           </a:p>
@@ -2341,7 +2341,7 @@
           <a:p>
             <a:fld id="{87DE6118-2437-4B30-8E3C-4D2BE6020583}" type="datetimeFigureOut">
               <a:rPr lang="en-US" dirty="0"/>
-              <a:t>11/3/2020</a:t>
+              <a:t>11/4/2020</a:t>
             </a:fld>
             <a:endParaRPr lang="en-US" dirty="0"/>
           </a:p>
@@ -2683,7 +2683,7 @@
             <a:fld id="{87DE6118-2437-4B30-8E3C-4D2BE6020583}" type="datetimeFigureOut">
               <a:rPr lang="en-US" dirty="0"/>
               <a:pPr/>
-              <a:t>11/3/2020</a:t>
+              <a:t>11/4/2020</a:t>
             </a:fld>
             <a:endParaRPr lang="en-US" dirty="0"/>
           </a:p>
@@ -3068,7 +3068,7 @@
             <a:fld id="{87DE6118-2437-4B30-8E3C-4D2BE6020583}" type="datetimeFigureOut">
               <a:rPr lang="en-US" dirty="0"/>
               <a:pPr/>
-              <a:t>11/3/2020</a:t>
+              <a:t>11/4/2020</a:t>
             </a:fld>
             <a:endParaRPr lang="en-US" dirty="0"/>
           </a:p>
@@ -3343,7 +3343,7 @@
             <a:fld id="{87DE6118-2437-4B30-8E3C-4D2BE6020583}" type="datetimeFigureOut">
               <a:rPr lang="en-US" dirty="0"/>
               <a:pPr/>
-              <a:t>11/3/2020</a:t>
+              <a:t>11/4/2020</a:t>
             </a:fld>
             <a:endParaRPr lang="en-US" dirty="0"/>
           </a:p>

--- a/.NET非同步入門.pptx
+++ b/.NET非同步入門.pptx
@@ -337,7 +337,7 @@
             <a:fld id="{87DE6118-2437-4B30-8E3C-4D2BE6020583}" type="datetimeFigureOut">
               <a:rPr lang="en-US" dirty="0"/>
               <a:pPr/>
-              <a:t>11/4/2020</a:t>
+              <a:t>11/5/2020</a:t>
             </a:fld>
             <a:endParaRPr lang="en-US" dirty="0"/>
           </a:p>
@@ -663,7 +663,7 @@
           <a:p>
             <a:fld id="{87DE6118-2437-4B30-8E3C-4D2BE6020583}" type="datetimeFigureOut">
               <a:rPr lang="en-US" dirty="0"/>
-              <a:t>11/4/2020</a:t>
+              <a:t>11/5/2020</a:t>
             </a:fld>
             <a:endParaRPr lang="en-US" dirty="0"/>
           </a:p>
@@ -838,7 +838,7 @@
           <a:p>
             <a:fld id="{87DE6118-2437-4B30-8E3C-4D2BE6020583}" type="datetimeFigureOut">
               <a:rPr lang="en-US" dirty="0"/>
-              <a:t>11/4/2020</a:t>
+              <a:t>11/5/2020</a:t>
             </a:fld>
             <a:endParaRPr lang="en-US" dirty="0"/>
           </a:p>
@@ -1003,7 +1003,7 @@
           <a:p>
             <a:fld id="{87DE6118-2437-4B30-8E3C-4D2BE6020583}" type="datetimeFigureOut">
               <a:rPr lang="en-US" dirty="0"/>
-              <a:t>11/4/2020</a:t>
+              <a:t>11/5/2020</a:t>
             </a:fld>
             <a:endParaRPr lang="en-US" dirty="0"/>
           </a:p>
@@ -1276,7 +1276,7 @@
             <a:fld id="{87DE6118-2437-4B30-8E3C-4D2BE6020583}" type="datetimeFigureOut">
               <a:rPr lang="en-US" dirty="0"/>
               <a:pPr/>
-              <a:t>11/4/2020</a:t>
+              <a:t>11/5/2020</a:t>
             </a:fld>
             <a:endParaRPr lang="en-US" dirty="0"/>
           </a:p>
@@ -1666,7 +1666,7 @@
           <a:p>
             <a:fld id="{87DE6118-2437-4B30-8E3C-4D2BE6020583}" type="datetimeFigureOut">
               <a:rPr lang="en-US" dirty="0"/>
-              <a:t>11/4/2020</a:t>
+              <a:t>11/5/2020</a:t>
             </a:fld>
             <a:endParaRPr lang="en-US" dirty="0"/>
           </a:p>
@@ -2138,7 +2138,7 @@
           <a:p>
             <a:fld id="{87DE6118-2437-4B30-8E3C-4D2BE6020583}" type="datetimeFigureOut">
               <a:rPr lang="en-US" dirty="0"/>
-              <a:t>11/4/2020</a:t>
+              <a:t>11/5/2020</a:t>
             </a:fld>
             <a:endParaRPr lang="en-US" dirty="0"/>
           </a:p>
@@ -2251,7 +2251,7 @@
           <a:p>
             <a:fld id="{87DE6118-2437-4B30-8E3C-4D2BE6020583}" type="datetimeFigureOut">
               <a:rPr lang="en-US" dirty="0"/>
-              <a:t>11/4/2020</a:t>
+              <a:t>11/5/2020</a:t>
             </a:fld>
             <a:endParaRPr lang="en-US" dirty="0"/>
           </a:p>
@@ -2341,7 +2341,7 @@
           <a:p>
             <a:fld id="{87DE6118-2437-4B30-8E3C-4D2BE6020583}" type="datetimeFigureOut">
               <a:rPr lang="en-US" dirty="0"/>
-              <a:t>11/4/2020</a:t>
+              <a:t>11/5/2020</a:t>
             </a:fld>
             <a:endParaRPr lang="en-US" dirty="0"/>
           </a:p>
@@ -2683,7 +2683,7 @@
             <a:fld id="{87DE6118-2437-4B30-8E3C-4D2BE6020583}" type="datetimeFigureOut">
               <a:rPr lang="en-US" dirty="0"/>
               <a:pPr/>
-              <a:t>11/4/2020</a:t>
+              <a:t>11/5/2020</a:t>
             </a:fld>
             <a:endParaRPr lang="en-US" dirty="0"/>
           </a:p>
@@ -3068,7 +3068,7 @@
             <a:fld id="{87DE6118-2437-4B30-8E3C-4D2BE6020583}" type="datetimeFigureOut">
               <a:rPr lang="en-US" dirty="0"/>
               <a:pPr/>
-              <a:t>11/4/2020</a:t>
+              <a:t>11/5/2020</a:t>
             </a:fld>
             <a:endParaRPr lang="en-US" dirty="0"/>
           </a:p>
@@ -3343,7 +3343,7 @@
             <a:fld id="{87DE6118-2437-4B30-8E3C-4D2BE6020583}" type="datetimeFigureOut">
               <a:rPr lang="en-US" dirty="0"/>
               <a:pPr/>
-              <a:t>11/4/2020</a:t>
+              <a:t>11/5/2020</a:t>
             </a:fld>
             <a:endParaRPr lang="en-US" dirty="0"/>
           </a:p>
@@ -5137,6 +5137,14 @@
               <a:rPr lang="zh-TW" altLang="en-US" dirty="0"/>
               <a:t>等待</a:t>
             </a:r>
+            <a:endParaRPr lang="en-US" altLang="zh-TW" dirty="0"/>
+          </a:p>
+          <a:p>
+            <a:r>
+              <a:rPr lang="en-US" altLang="zh-TW" dirty="0"/>
+              <a:t>.NET Core</a:t>
+            </a:r>
+            <a:endParaRPr lang="zh-TW" altLang="en-US" dirty="0"/>
           </a:p>
         </p:txBody>
       </p:sp>

--- a/.NET非同步入門.pptx
+++ b/.NET非同步入門.pptx
@@ -6,19 +6,31 @@
   </p:sldMasterIdLst>
   <p:sldIdLst>
     <p:sldId id="256" r:id="rId2"/>
-    <p:sldId id="257" r:id="rId3"/>
-    <p:sldId id="259" r:id="rId4"/>
-    <p:sldId id="258" r:id="rId5"/>
-    <p:sldId id="260" r:id="rId6"/>
-    <p:sldId id="261" r:id="rId7"/>
-    <p:sldId id="262" r:id="rId8"/>
-    <p:sldId id="263" r:id="rId9"/>
-    <p:sldId id="269" r:id="rId10"/>
-    <p:sldId id="264" r:id="rId11"/>
-    <p:sldId id="265" r:id="rId12"/>
-    <p:sldId id="268" r:id="rId13"/>
-    <p:sldId id="266" r:id="rId14"/>
-    <p:sldId id="267" r:id="rId15"/>
+    <p:sldId id="259" r:id="rId3"/>
+    <p:sldId id="258" r:id="rId4"/>
+    <p:sldId id="261" r:id="rId5"/>
+    <p:sldId id="281" r:id="rId6"/>
+    <p:sldId id="260" r:id="rId7"/>
+    <p:sldId id="277" r:id="rId8"/>
+    <p:sldId id="279" r:id="rId9"/>
+    <p:sldId id="278" r:id="rId10"/>
+    <p:sldId id="283" r:id="rId11"/>
+    <p:sldId id="262" r:id="rId12"/>
+    <p:sldId id="263" r:id="rId13"/>
+    <p:sldId id="269" r:id="rId14"/>
+    <p:sldId id="264" r:id="rId15"/>
+    <p:sldId id="265" r:id="rId16"/>
+    <p:sldId id="268" r:id="rId17"/>
+    <p:sldId id="266" r:id="rId18"/>
+    <p:sldId id="267" r:id="rId19"/>
+    <p:sldId id="274" r:id="rId20"/>
+    <p:sldId id="282" r:id="rId21"/>
+    <p:sldId id="276" r:id="rId22"/>
+    <p:sldId id="271" r:id="rId23"/>
+    <p:sldId id="280" r:id="rId24"/>
+    <p:sldId id="272" r:id="rId25"/>
+    <p:sldId id="275" r:id="rId26"/>
+    <p:sldId id="273" r:id="rId27"/>
   </p:sldIdLst>
   <p:sldSz cx="12192000" cy="6858000"/>
   <p:notesSz cx="6858000" cy="9144000"/>
@@ -120,22 +132,26 @@
   <p:extLst>
     <p:ext uri="{521415D9-36F7-43E2-AB2F-B90AF26B5E84}">
       <p14:sectionLst xmlns:p14="http://schemas.microsoft.com/office/powerpoint/2010/main">
-        <p14:section name="預設章節" id="{5E83E244-FD2B-4D8D-B3F1-0C27B9926424}">
+        <p14:section name="start" id="{5E83E244-FD2B-4D8D-B3F1-0C27B9926424}">
           <p14:sldIdLst>
             <p14:sldId id="256"/>
-            <p14:sldId id="257"/>
           </p14:sldIdLst>
         </p14:section>
         <p14:section name="what" id="{3E26C83B-CFB0-4F95-9769-DB1B607ACBF2}">
           <p14:sldIdLst>
             <p14:sldId id="259"/>
             <p14:sldId id="258"/>
+            <p14:sldId id="261"/>
+            <p14:sldId id="281"/>
           </p14:sldIdLst>
         </p14:section>
         <p14:section name="why" id="{3CECC8AB-BE2A-452E-9952-B003BF8B70EF}">
           <p14:sldIdLst>
             <p14:sldId id="260"/>
-            <p14:sldId id="261"/>
+            <p14:sldId id="277"/>
+            <p14:sldId id="279"/>
+            <p14:sldId id="278"/>
+            <p14:sldId id="283"/>
           </p14:sldIdLst>
         </p14:section>
         <p14:section name="when" id="{95B12805-356A-44F0-BD44-4700BA9A5E8D}">
@@ -156,6 +172,22 @@
           <p14:sldIdLst>
             <p14:sldId id="266"/>
             <p14:sldId id="267"/>
+            <p14:sldId id="274"/>
+            <p14:sldId id="282"/>
+            <p14:sldId id="276"/>
+          </p14:sldIdLst>
+        </p14:section>
+        <p14:section name="warning" id="{7FBA17BD-7DEE-4730-9694-BA0BE8AFBBF2}">
+          <p14:sldIdLst>
+            <p14:sldId id="271"/>
+            <p14:sldId id="280"/>
+            <p14:sldId id="272"/>
+            <p14:sldId id="275"/>
+          </p14:sldIdLst>
+        </p14:section>
+        <p14:section name="end" id="{76AA96B0-9D19-471D-9213-1F9D7F2CBCD8}">
+          <p14:sldIdLst>
+            <p14:sldId id="273"/>
           </p14:sldIdLst>
         </p14:section>
       </p14:sectionLst>
@@ -337,7 +369,7 @@
             <a:fld id="{87DE6118-2437-4B30-8E3C-4D2BE6020583}" type="datetimeFigureOut">
               <a:rPr lang="en-US" dirty="0"/>
               <a:pPr/>
-              <a:t>11/5/2020</a:t>
+              <a:t>11/8/2020</a:t>
             </a:fld>
             <a:endParaRPr lang="en-US" dirty="0"/>
           </a:p>
@@ -663,7 +695,7 @@
           <a:p>
             <a:fld id="{87DE6118-2437-4B30-8E3C-4D2BE6020583}" type="datetimeFigureOut">
               <a:rPr lang="en-US" dirty="0"/>
-              <a:t>11/5/2020</a:t>
+              <a:t>11/8/2020</a:t>
             </a:fld>
             <a:endParaRPr lang="en-US" dirty="0"/>
           </a:p>
@@ -838,7 +870,7 @@
           <a:p>
             <a:fld id="{87DE6118-2437-4B30-8E3C-4D2BE6020583}" type="datetimeFigureOut">
               <a:rPr lang="en-US" dirty="0"/>
-              <a:t>11/5/2020</a:t>
+              <a:t>11/8/2020</a:t>
             </a:fld>
             <a:endParaRPr lang="en-US" dirty="0"/>
           </a:p>
@@ -1003,7 +1035,7 @@
           <a:p>
             <a:fld id="{87DE6118-2437-4B30-8E3C-4D2BE6020583}" type="datetimeFigureOut">
               <a:rPr lang="en-US" dirty="0"/>
-              <a:t>11/5/2020</a:t>
+              <a:t>11/8/2020</a:t>
             </a:fld>
             <a:endParaRPr lang="en-US" dirty="0"/>
           </a:p>
@@ -1276,7 +1308,7 @@
             <a:fld id="{87DE6118-2437-4B30-8E3C-4D2BE6020583}" type="datetimeFigureOut">
               <a:rPr lang="en-US" dirty="0"/>
               <a:pPr/>
-              <a:t>11/5/2020</a:t>
+              <a:t>11/8/2020</a:t>
             </a:fld>
             <a:endParaRPr lang="en-US" dirty="0"/>
           </a:p>
@@ -1666,7 +1698,7 @@
           <a:p>
             <a:fld id="{87DE6118-2437-4B30-8E3C-4D2BE6020583}" type="datetimeFigureOut">
               <a:rPr lang="en-US" dirty="0"/>
-              <a:t>11/5/2020</a:t>
+              <a:t>11/8/2020</a:t>
             </a:fld>
             <a:endParaRPr lang="en-US" dirty="0"/>
           </a:p>
@@ -2138,7 +2170,7 @@
           <a:p>
             <a:fld id="{87DE6118-2437-4B30-8E3C-4D2BE6020583}" type="datetimeFigureOut">
               <a:rPr lang="en-US" dirty="0"/>
-              <a:t>11/5/2020</a:t>
+              <a:t>11/8/2020</a:t>
             </a:fld>
             <a:endParaRPr lang="en-US" dirty="0"/>
           </a:p>
@@ -2251,7 +2283,7 @@
           <a:p>
             <a:fld id="{87DE6118-2437-4B30-8E3C-4D2BE6020583}" type="datetimeFigureOut">
               <a:rPr lang="en-US" dirty="0"/>
-              <a:t>11/5/2020</a:t>
+              <a:t>11/8/2020</a:t>
             </a:fld>
             <a:endParaRPr lang="en-US" dirty="0"/>
           </a:p>
@@ -2341,7 +2373,7 @@
           <a:p>
             <a:fld id="{87DE6118-2437-4B30-8E3C-4D2BE6020583}" type="datetimeFigureOut">
               <a:rPr lang="en-US" dirty="0"/>
-              <a:t>11/5/2020</a:t>
+              <a:t>11/8/2020</a:t>
             </a:fld>
             <a:endParaRPr lang="en-US" dirty="0"/>
           </a:p>
@@ -2683,7 +2715,7 @@
             <a:fld id="{87DE6118-2437-4B30-8E3C-4D2BE6020583}" type="datetimeFigureOut">
               <a:rPr lang="en-US" dirty="0"/>
               <a:pPr/>
-              <a:t>11/5/2020</a:t>
+              <a:t>11/8/2020</a:t>
             </a:fld>
             <a:endParaRPr lang="en-US" dirty="0"/>
           </a:p>
@@ -3068,7 +3100,7 @@
             <a:fld id="{87DE6118-2437-4B30-8E3C-4D2BE6020583}" type="datetimeFigureOut">
               <a:rPr lang="en-US" dirty="0"/>
               <a:pPr/>
-              <a:t>11/5/2020</a:t>
+              <a:t>11/8/2020</a:t>
             </a:fld>
             <a:endParaRPr lang="en-US" dirty="0"/>
           </a:p>
@@ -3343,7 +3375,7 @@
             <a:fld id="{87DE6118-2437-4B30-8E3C-4D2BE6020583}" type="datetimeFigureOut">
               <a:rPr lang="en-US" dirty="0"/>
               <a:pPr/>
-              <a:t>11/5/2020</a:t>
+              <a:t>11/8/2020</a:t>
             </a:fld>
             <a:endParaRPr lang="en-US" dirty="0"/>
           </a:p>
@@ -3904,7 +3936,18 @@
           <a:bodyPr/>
           <a:lstStyle/>
           <a:p>
-            <a:endParaRPr lang="zh-TW" altLang="en-US"/>
+            <a:r>
+              <a:rPr lang="en-US" altLang="zh-TW" dirty="0" err="1"/>
+              <a:t>Ryan.Juan</a:t>
+            </a:r>
+            <a:endParaRPr lang="en-US" altLang="zh-TW" dirty="0"/>
+          </a:p>
+          <a:p>
+            <a:r>
+              <a:rPr lang="en-US" altLang="zh-TW" dirty="0"/>
+              <a:t>2020/11/13</a:t>
+            </a:r>
+            <a:endParaRPr lang="zh-TW" altLang="en-US" dirty="0"/>
           </a:p>
         </p:txBody>
       </p:sp>
@@ -3940,10 +3983,10 @@
       </p:grpSpPr>
       <p:sp>
         <p:nvSpPr>
-          <p:cNvPr id="4" name="標題 3">
+          <p:cNvPr id="2" name="標題 1">
             <a:extLst>
               <a:ext uri="{FF2B5EF4-FFF2-40B4-BE49-F238E27FC236}">
-                <a16:creationId xmlns:a16="http://schemas.microsoft.com/office/drawing/2014/main" id="{BD4D1AC1-EA7F-4517-B8A1-C8C04888B929}"/>
+                <a16:creationId xmlns:a16="http://schemas.microsoft.com/office/drawing/2014/main" id="{375E1AF3-3882-40CA-A050-39AC4380C4C4}"/>
               </a:ext>
             </a:extLst>
           </p:cNvPr>
@@ -3961,8 +4004,93 @@
           <a:p>
             <a:r>
               <a:rPr lang="zh-TW" altLang="en-US" dirty="0"/>
-              <a:t>非同步的優缺點</a:t>
-            </a:r>
+              <a:t>怎麼用非同步</a:t>
+            </a:r>
+          </a:p>
+        </p:txBody>
+      </p:sp>
+      <p:sp>
+        <p:nvSpPr>
+          <p:cNvPr id="4" name="文字版面配置區 3">
+            <a:extLst>
+              <a:ext uri="{FF2B5EF4-FFF2-40B4-BE49-F238E27FC236}">
+                <a16:creationId xmlns:a16="http://schemas.microsoft.com/office/drawing/2014/main" id="{181CE145-9952-493A-888F-38A8E2327298}"/>
+              </a:ext>
+            </a:extLst>
+          </p:cNvPr>
+          <p:cNvSpPr>
+            <a:spLocks noGrp="1"/>
+          </p:cNvSpPr>
+          <p:nvPr>
+            <p:ph type="body" idx="1"/>
+          </p:nvPr>
+        </p:nvSpPr>
+        <p:spPr>
+          <a:xfrm>
+            <a:off x="1371600" y="1516952"/>
+            <a:ext cx="4443984" cy="823912"/>
+          </a:xfrm>
+        </p:spPr>
+        <p:txBody>
+          <a:bodyPr/>
+          <a:lstStyle/>
+          <a:p>
+            <a:r>
+              <a:rPr lang="zh-TW" altLang="en-US" dirty="0"/>
+              <a:t>同步</a:t>
+            </a:r>
+          </a:p>
+        </p:txBody>
+      </p:sp>
+      <p:sp>
+        <p:nvSpPr>
+          <p:cNvPr id="3" name="內容版面配置區 2">
+            <a:extLst>
+              <a:ext uri="{FF2B5EF4-FFF2-40B4-BE49-F238E27FC236}">
+                <a16:creationId xmlns:a16="http://schemas.microsoft.com/office/drawing/2014/main" id="{4877105D-F782-4702-BD7A-A4E0F46A3650}"/>
+              </a:ext>
+            </a:extLst>
+          </p:cNvPr>
+          <p:cNvSpPr>
+            <a:spLocks noGrp="1"/>
+          </p:cNvSpPr>
+          <p:nvPr>
+            <p:ph sz="half" idx="2"/>
+          </p:nvPr>
+        </p:nvSpPr>
+        <p:spPr>
+          <a:xfrm>
+            <a:off x="1371600" y="2340865"/>
+            <a:ext cx="4443984" cy="3526536"/>
+          </a:xfrm>
+        </p:spPr>
+        <p:txBody>
+          <a:bodyPr/>
+          <a:lstStyle/>
+          <a:p>
+            <a:r>
+              <a:rPr lang="en-US" altLang="zh-TW" dirty="0">
+                <a:latin typeface="Consolas" panose="020B0609020204030204" pitchFamily="49" charset="0"/>
+              </a:rPr>
+              <a:t>void Method()</a:t>
+            </a:r>
+          </a:p>
+          <a:p>
+            <a:r>
+              <a:rPr lang="en-US" altLang="zh-TW" dirty="0" err="1">
+                <a:latin typeface="Consolas" panose="020B0609020204030204" pitchFamily="49" charset="0"/>
+              </a:rPr>
+              <a:t>SomeClass</a:t>
+            </a:r>
+            <a:r>
+              <a:rPr lang="en-US" altLang="zh-TW" dirty="0">
+                <a:latin typeface="Consolas" panose="020B0609020204030204" pitchFamily="49" charset="0"/>
+              </a:rPr>
+              <a:t> Method()</a:t>
+            </a:r>
+            <a:endParaRPr lang="zh-TW" altLang="en-US" dirty="0">
+              <a:latin typeface="Consolas" panose="020B0609020204030204" pitchFamily="49" charset="0"/>
+            </a:endParaRPr>
           </a:p>
         </p:txBody>
       </p:sp>
@@ -3971,7 +4099,7 @@
           <p:cNvPr id="5" name="文字版面配置區 4">
             <a:extLst>
               <a:ext uri="{FF2B5EF4-FFF2-40B4-BE49-F238E27FC236}">
-                <a16:creationId xmlns:a16="http://schemas.microsoft.com/office/drawing/2014/main" id="{FB99B319-881C-4A6A-9C57-D26A187CAADA}"/>
+                <a16:creationId xmlns:a16="http://schemas.microsoft.com/office/drawing/2014/main" id="{942B86E4-C93F-49AE-B1E3-B5BD1344E2BB}"/>
               </a:ext>
             </a:extLst>
           </p:cNvPr>
@@ -3979,28 +4107,381 @@
             <a:spLocks noGrp="1"/>
           </p:cNvSpPr>
           <p:nvPr>
-            <p:ph type="body" idx="1"/>
-          </p:nvPr>
-        </p:nvSpPr>
-        <p:spPr/>
-        <p:txBody>
-          <a:bodyPr/>
-          <a:lstStyle/>
-          <a:p>
-            <a:endParaRPr lang="zh-TW" altLang="en-US"/>
+            <p:ph type="body" sz="quarter" idx="3"/>
+          </p:nvPr>
+        </p:nvSpPr>
+        <p:spPr>
+          <a:xfrm>
+            <a:off x="6525014" y="1516952"/>
+            <a:ext cx="4443984" cy="823912"/>
+          </a:xfrm>
+        </p:spPr>
+        <p:txBody>
+          <a:bodyPr/>
+          <a:lstStyle/>
+          <a:p>
+            <a:r>
+              <a:rPr lang="zh-TW" altLang="en-US" dirty="0"/>
+              <a:t>非同步</a:t>
+            </a:r>
+          </a:p>
+        </p:txBody>
+      </p:sp>
+      <p:sp>
+        <p:nvSpPr>
+          <p:cNvPr id="6" name="內容版面配置區 5">
+            <a:extLst>
+              <a:ext uri="{FF2B5EF4-FFF2-40B4-BE49-F238E27FC236}">
+                <a16:creationId xmlns:a16="http://schemas.microsoft.com/office/drawing/2014/main" id="{53C35351-5CFA-4BAB-8FA2-88082AB12F8E}"/>
+              </a:ext>
+            </a:extLst>
+          </p:cNvPr>
+          <p:cNvSpPr>
+            <a:spLocks noGrp="1"/>
+          </p:cNvSpPr>
+          <p:nvPr>
+            <p:ph sz="quarter" idx="4"/>
+          </p:nvPr>
+        </p:nvSpPr>
+        <p:spPr>
+          <a:xfrm>
+            <a:off x="6525014" y="2340865"/>
+            <a:ext cx="5079382" cy="3526536"/>
+          </a:xfrm>
+        </p:spPr>
+        <p:txBody>
+          <a:bodyPr/>
+          <a:lstStyle/>
+          <a:p>
+            <a:r>
+              <a:rPr lang="en-US" altLang="zh-TW" dirty="0">
+                <a:latin typeface="Consolas" panose="020B0609020204030204" pitchFamily="49" charset="0"/>
+              </a:rPr>
+              <a:t>async Task </a:t>
+            </a:r>
+            <a:r>
+              <a:rPr lang="en-US" altLang="zh-TW" dirty="0" err="1">
+                <a:latin typeface="Consolas" panose="020B0609020204030204" pitchFamily="49" charset="0"/>
+              </a:rPr>
+              <a:t>MethodAsync</a:t>
+            </a:r>
+            <a:r>
+              <a:rPr lang="en-US" altLang="zh-TW" dirty="0">
+                <a:latin typeface="Consolas" panose="020B0609020204030204" pitchFamily="49" charset="0"/>
+              </a:rPr>
+              <a:t>()</a:t>
+            </a:r>
+          </a:p>
+          <a:p>
+            <a:r>
+              <a:rPr lang="en-US" altLang="zh-TW" dirty="0">
+                <a:latin typeface="Consolas" panose="020B0609020204030204" pitchFamily="49" charset="0"/>
+              </a:rPr>
+              <a:t>async Task&lt;</a:t>
+            </a:r>
+            <a:r>
+              <a:rPr lang="en-US" altLang="zh-TW" dirty="0" err="1">
+                <a:latin typeface="Consolas" panose="020B0609020204030204" pitchFamily="49" charset="0"/>
+              </a:rPr>
+              <a:t>SomeClass</a:t>
+            </a:r>
+            <a:r>
+              <a:rPr lang="en-US" altLang="zh-TW" dirty="0">
+                <a:latin typeface="Consolas" panose="020B0609020204030204" pitchFamily="49" charset="0"/>
+              </a:rPr>
+              <a:t>&gt; </a:t>
+            </a:r>
+            <a:r>
+              <a:rPr lang="en-US" altLang="zh-TW" dirty="0" err="1">
+                <a:latin typeface="Consolas" panose="020B0609020204030204" pitchFamily="49" charset="0"/>
+              </a:rPr>
+              <a:t>MethodAsync</a:t>
+            </a:r>
+            <a:r>
+              <a:rPr lang="en-US" altLang="zh-TW" dirty="0">
+                <a:latin typeface="Consolas" panose="020B0609020204030204" pitchFamily="49" charset="0"/>
+              </a:rPr>
+              <a:t>()</a:t>
+            </a:r>
+          </a:p>
+          <a:p>
+            <a:r>
+              <a:rPr lang="en-US" altLang="zh-TW" strike="sngStrike" dirty="0">
+                <a:latin typeface="Consolas" panose="020B0609020204030204" pitchFamily="49" charset="0"/>
+              </a:rPr>
+              <a:t>async void </a:t>
+            </a:r>
+            <a:r>
+              <a:rPr lang="en-US" altLang="zh-TW" strike="sngStrike" dirty="0" err="1">
+                <a:latin typeface="Consolas" panose="020B0609020204030204" pitchFamily="49" charset="0"/>
+              </a:rPr>
+              <a:t>MethodAsync</a:t>
+            </a:r>
+            <a:r>
+              <a:rPr lang="en-US" altLang="zh-TW" strike="sngStrike" dirty="0">
+                <a:latin typeface="Consolas" panose="020B0609020204030204" pitchFamily="49" charset="0"/>
+              </a:rPr>
+              <a:t>()</a:t>
+            </a:r>
+            <a:endParaRPr lang="zh-TW" altLang="en-US" strike="sngStrike" dirty="0">
+              <a:latin typeface="Consolas" panose="020B0609020204030204" pitchFamily="49" charset="0"/>
+            </a:endParaRPr>
           </a:p>
         </p:txBody>
       </p:sp>
     </p:spTree>
     <p:extLst>
       <p:ext uri="{BB962C8B-B14F-4D97-AF65-F5344CB8AC3E}">
-        <p14:creationId xmlns:p14="http://schemas.microsoft.com/office/powerpoint/2010/main" val="1493767524"/>
+        <p14:creationId xmlns:p14="http://schemas.microsoft.com/office/powerpoint/2010/main" val="3248544505"/>
       </p:ext>
     </p:extLst>
   </p:cSld>
   <p:clrMapOvr>
     <a:masterClrMapping/>
   </p:clrMapOvr>
+  <p:timing>
+    <p:tnLst>
+      <p:par>
+        <p:cTn id="1" dur="indefinite" restart="never" nodeType="tmRoot">
+          <p:childTnLst>
+            <p:seq concurrent="1" nextAc="seek">
+              <p:cTn id="2" dur="indefinite" nodeType="mainSeq">
+                <p:childTnLst>
+                  <p:par>
+                    <p:cTn id="3" fill="hold">
+                      <p:stCondLst>
+                        <p:cond delay="indefinite"/>
+                      </p:stCondLst>
+                      <p:childTnLst>
+                        <p:par>
+                          <p:cTn id="4" fill="hold">
+                            <p:stCondLst>
+                              <p:cond delay="0"/>
+                            </p:stCondLst>
+                            <p:childTnLst>
+                              <p:par>
+                                <p:cTn id="5" presetID="1" presetClass="entr" presetSubtype="0" fill="hold" grpId="0" nodeType="clickEffect">
+                                  <p:stCondLst>
+                                    <p:cond delay="0"/>
+                                  </p:stCondLst>
+                                  <p:childTnLst>
+                                    <p:set>
+                                      <p:cBhvr>
+                                        <p:cTn id="6" dur="1" fill="hold">
+                                          <p:stCondLst>
+                                            <p:cond delay="0"/>
+                                          </p:stCondLst>
+                                        </p:cTn>
+                                        <p:tgtEl>
+                                          <p:spTgt spid="3">
+                                            <p:txEl>
+                                              <p:pRg st="0" end="0"/>
+                                            </p:txEl>
+                                          </p:spTgt>
+                                        </p:tgtEl>
+                                        <p:attrNameLst>
+                                          <p:attrName>style.visibility</p:attrName>
+                                        </p:attrNameLst>
+                                      </p:cBhvr>
+                                      <p:to>
+                                        <p:strVal val="visible"/>
+                                      </p:to>
+                                    </p:set>
+                                  </p:childTnLst>
+                                </p:cTn>
+                              </p:par>
+                              <p:par>
+                                <p:cTn id="7" presetID="1" presetClass="entr" presetSubtype="0" fill="hold" grpId="0" nodeType="withEffect">
+                                  <p:stCondLst>
+                                    <p:cond delay="0"/>
+                                  </p:stCondLst>
+                                  <p:childTnLst>
+                                    <p:set>
+                                      <p:cBhvr>
+                                        <p:cTn id="8" dur="1" fill="hold">
+                                          <p:stCondLst>
+                                            <p:cond delay="0"/>
+                                          </p:stCondLst>
+                                        </p:cTn>
+                                        <p:tgtEl>
+                                          <p:spTgt spid="6">
+                                            <p:txEl>
+                                              <p:pRg st="0" end="0"/>
+                                            </p:txEl>
+                                          </p:spTgt>
+                                        </p:tgtEl>
+                                        <p:attrNameLst>
+                                          <p:attrName>style.visibility</p:attrName>
+                                        </p:attrNameLst>
+                                      </p:cBhvr>
+                                      <p:to>
+                                        <p:strVal val="visible"/>
+                                      </p:to>
+                                    </p:set>
+                                  </p:childTnLst>
+                                </p:cTn>
+                              </p:par>
+                            </p:childTnLst>
+                          </p:cTn>
+                        </p:par>
+                      </p:childTnLst>
+                    </p:cTn>
+                  </p:par>
+                  <p:par>
+                    <p:cTn id="9" fill="hold">
+                      <p:stCondLst>
+                        <p:cond delay="indefinite"/>
+                      </p:stCondLst>
+                      <p:childTnLst>
+                        <p:par>
+                          <p:cTn id="10" fill="hold">
+                            <p:stCondLst>
+                              <p:cond delay="0"/>
+                            </p:stCondLst>
+                            <p:childTnLst>
+                              <p:par>
+                                <p:cTn id="11" presetID="1" presetClass="entr" presetSubtype="0" fill="hold" grpId="0" nodeType="clickEffect">
+                                  <p:stCondLst>
+                                    <p:cond delay="0"/>
+                                  </p:stCondLst>
+                                  <p:childTnLst>
+                                    <p:set>
+                                      <p:cBhvr>
+                                        <p:cTn id="12" dur="1" fill="hold">
+                                          <p:stCondLst>
+                                            <p:cond delay="0"/>
+                                          </p:stCondLst>
+                                        </p:cTn>
+                                        <p:tgtEl>
+                                          <p:spTgt spid="3">
+                                            <p:txEl>
+                                              <p:pRg st="1" end="1"/>
+                                            </p:txEl>
+                                          </p:spTgt>
+                                        </p:tgtEl>
+                                        <p:attrNameLst>
+                                          <p:attrName>style.visibility</p:attrName>
+                                        </p:attrNameLst>
+                                      </p:cBhvr>
+                                      <p:to>
+                                        <p:strVal val="visible"/>
+                                      </p:to>
+                                    </p:set>
+                                  </p:childTnLst>
+                                </p:cTn>
+                              </p:par>
+                              <p:par>
+                                <p:cTn id="13" presetID="1" presetClass="entr" presetSubtype="0" fill="hold" grpId="0" nodeType="withEffect">
+                                  <p:stCondLst>
+                                    <p:cond delay="0"/>
+                                  </p:stCondLst>
+                                  <p:childTnLst>
+                                    <p:set>
+                                      <p:cBhvr>
+                                        <p:cTn id="14" dur="1" fill="hold">
+                                          <p:stCondLst>
+                                            <p:cond delay="0"/>
+                                          </p:stCondLst>
+                                        </p:cTn>
+                                        <p:tgtEl>
+                                          <p:spTgt spid="6">
+                                            <p:txEl>
+                                              <p:pRg st="1" end="1"/>
+                                            </p:txEl>
+                                          </p:spTgt>
+                                        </p:tgtEl>
+                                        <p:attrNameLst>
+                                          <p:attrName>style.visibility</p:attrName>
+                                        </p:attrNameLst>
+                                      </p:cBhvr>
+                                      <p:to>
+                                        <p:strVal val="visible"/>
+                                      </p:to>
+                                    </p:set>
+                                  </p:childTnLst>
+                                </p:cTn>
+                              </p:par>
+                            </p:childTnLst>
+                          </p:cTn>
+                        </p:par>
+                      </p:childTnLst>
+                    </p:cTn>
+                  </p:par>
+                  <p:par>
+                    <p:cTn id="15" fill="hold">
+                      <p:stCondLst>
+                        <p:cond delay="indefinite"/>
+                      </p:stCondLst>
+                      <p:childTnLst>
+                        <p:par>
+                          <p:cTn id="16" fill="hold">
+                            <p:stCondLst>
+                              <p:cond delay="0"/>
+                            </p:stCondLst>
+                            <p:childTnLst>
+                              <p:par>
+                                <p:cTn id="17" presetID="1" presetClass="entr" presetSubtype="0" fill="hold" grpId="0" nodeType="clickEffect">
+                                  <p:stCondLst>
+                                    <p:cond delay="0"/>
+                                  </p:stCondLst>
+                                  <p:childTnLst>
+                                    <p:set>
+                                      <p:cBhvr>
+                                        <p:cTn id="18" dur="1" fill="hold">
+                                          <p:stCondLst>
+                                            <p:cond delay="0"/>
+                                          </p:stCondLst>
+                                        </p:cTn>
+                                        <p:tgtEl>
+                                          <p:spTgt spid="6">
+                                            <p:txEl>
+                                              <p:pRg st="2" end="2"/>
+                                            </p:txEl>
+                                          </p:spTgt>
+                                        </p:tgtEl>
+                                        <p:attrNameLst>
+                                          <p:attrName>style.visibility</p:attrName>
+                                        </p:attrNameLst>
+                                      </p:cBhvr>
+                                      <p:to>
+                                        <p:strVal val="visible"/>
+                                      </p:to>
+                                    </p:set>
+                                  </p:childTnLst>
+                                </p:cTn>
+                              </p:par>
+                            </p:childTnLst>
+                          </p:cTn>
+                        </p:par>
+                      </p:childTnLst>
+                    </p:cTn>
+                  </p:par>
+                </p:childTnLst>
+              </p:cTn>
+              <p:prevCondLst>
+                <p:cond evt="onPrev" delay="0">
+                  <p:tgtEl>
+                    <p:sldTgt/>
+                  </p:tgtEl>
+                </p:cond>
+              </p:prevCondLst>
+              <p:nextCondLst>
+                <p:cond evt="onNext" delay="0">
+                  <p:tgtEl>
+                    <p:sldTgt/>
+                  </p:tgtEl>
+                </p:cond>
+              </p:nextCondLst>
+            </p:seq>
+          </p:childTnLst>
+        </p:cTn>
+      </p:par>
+    </p:tnLst>
+    <p:bldLst>
+      <p:bldP spid="3" grpId="0" uiExpand="1" build="p"/>
+      <p:bldP spid="6" grpId="0" uiExpand="1" build="p"/>
+    </p:bldLst>
+  </p:timing>
 </p:sld>
 </file>
 
@@ -4023,10 +4504,10 @@
       </p:grpSpPr>
       <p:sp>
         <p:nvSpPr>
-          <p:cNvPr id="2" name="標題 1">
+          <p:cNvPr id="4" name="標題 3">
             <a:extLst>
               <a:ext uri="{FF2B5EF4-FFF2-40B4-BE49-F238E27FC236}">
-                <a16:creationId xmlns:a16="http://schemas.microsoft.com/office/drawing/2014/main" id="{52A2B961-E106-42D9-99DB-5B48152E8833}"/>
+                <a16:creationId xmlns:a16="http://schemas.microsoft.com/office/drawing/2014/main" id="{BD4D1AC1-EA7F-4517-B8A1-C8C04888B929}"/>
               </a:ext>
             </a:extLst>
           </p:cNvPr>
@@ -4044,17 +4525,17 @@
           <a:p>
             <a:r>
               <a:rPr lang="zh-TW" altLang="en-US" dirty="0"/>
-              <a:t>非同步的優點</a:t>
-            </a:r>
-          </a:p>
-        </p:txBody>
-      </p:sp>
-      <p:sp>
-        <p:nvSpPr>
-          <p:cNvPr id="3" name="內容版面配置區 2">
+              <a:t>什麼時候要用非同步</a:t>
+            </a:r>
+          </a:p>
+        </p:txBody>
+      </p:sp>
+      <p:sp>
+        <p:nvSpPr>
+          <p:cNvPr id="5" name="文字版面配置區 4">
             <a:extLst>
               <a:ext uri="{FF2B5EF4-FFF2-40B4-BE49-F238E27FC236}">
-                <a16:creationId xmlns:a16="http://schemas.microsoft.com/office/drawing/2014/main" id="{43B9F297-2F6E-4462-BDD1-8F868F25DC5B}"/>
+                <a16:creationId xmlns:a16="http://schemas.microsoft.com/office/drawing/2014/main" id="{FB99B319-881C-4A6A-9C57-D26A187CAADA}"/>
               </a:ext>
             </a:extLst>
           </p:cNvPr>
@@ -4062,7 +4543,7 @@
             <a:spLocks noGrp="1"/>
           </p:cNvSpPr>
           <p:nvPr>
-            <p:ph idx="1"/>
+            <p:ph type="body" idx="1"/>
           </p:nvPr>
         </p:nvSpPr>
         <p:spPr/>
@@ -4070,31 +4551,14 @@
           <a:bodyPr/>
           <a:lstStyle/>
           <a:p>
-            <a:r>
-              <a:rPr lang="zh-TW" altLang="en-US" dirty="0"/>
-              <a:t>整體效能提升</a:t>
-            </a:r>
-            <a:endParaRPr lang="en-US" altLang="zh-TW" dirty="0"/>
-          </a:p>
-          <a:p>
-            <a:r>
-              <a:rPr lang="zh-TW" altLang="en-US" dirty="0"/>
-              <a:t>降低大流量時的執行續負擔</a:t>
-            </a:r>
-            <a:endParaRPr lang="en-US" altLang="zh-TW" dirty="0"/>
-          </a:p>
-          <a:p>
-            <a:r>
-              <a:rPr lang="zh-TW" altLang="en-US" dirty="0"/>
-              <a:t>避免資源鎖死</a:t>
-            </a:r>
+            <a:endParaRPr lang="zh-TW" altLang="en-US"/>
           </a:p>
         </p:txBody>
       </p:sp>
     </p:spTree>
     <p:extLst>
       <p:ext uri="{BB962C8B-B14F-4D97-AF65-F5344CB8AC3E}">
-        <p14:creationId xmlns:p14="http://schemas.microsoft.com/office/powerpoint/2010/main" val="739057728"/>
+        <p14:creationId xmlns:p14="http://schemas.microsoft.com/office/powerpoint/2010/main" val="2293390487"/>
       </p:ext>
     </p:extLst>
   </p:cSld>
@@ -4144,7 +4608,7 @@
           <a:p>
             <a:r>
               <a:rPr lang="zh-TW" altLang="en-US" dirty="0"/>
-              <a:t>非同步的缺點</a:t>
+              <a:t>什麼時候要用非同步</a:t>
             </a:r>
           </a:p>
         </p:txBody>
@@ -4165,81 +4629,95 @@
             <p:ph idx="1"/>
           </p:nvPr>
         </p:nvSpPr>
-        <p:spPr/>
-        <p:txBody>
-          <a:bodyPr/>
-          <a:lstStyle/>
-          <a:p>
+        <p:spPr>
+          <a:xfrm>
+            <a:off x="1371600" y="2285999"/>
+            <a:ext cx="9601200" cy="4029959"/>
+          </a:xfrm>
+        </p:spPr>
+        <p:txBody>
+          <a:bodyPr>
+            <a:normAutofit/>
+          </a:bodyPr>
+          <a:lstStyle/>
+          <a:p>
+            <a:r>
+              <a:rPr lang="en-US" altLang="zh-TW" dirty="0"/>
+              <a:t>IO</a:t>
+            </a:r>
+          </a:p>
+          <a:p>
+            <a:pPr lvl="1"/>
+            <a:r>
+              <a:rPr lang="en-US" altLang="zh-TW" dirty="0"/>
+              <a:t>Disk</a:t>
+            </a:r>
+          </a:p>
+          <a:p>
+            <a:r>
+              <a:rPr lang="en-US" altLang="zh-TW" dirty="0"/>
+              <a:t>Network</a:t>
+            </a:r>
+          </a:p>
+          <a:p>
+            <a:pPr lvl="1"/>
+            <a:r>
+              <a:rPr lang="en-US" altLang="zh-TW" dirty="0"/>
+              <a:t>HTTP</a:t>
+            </a:r>
+          </a:p>
+          <a:p>
+            <a:pPr lvl="1"/>
+            <a:r>
+              <a:rPr lang="en-US" altLang="zh-TW" dirty="0"/>
+              <a:t>Database</a:t>
+            </a:r>
+          </a:p>
+          <a:p>
+            <a:pPr lvl="1"/>
+            <a:r>
+              <a:rPr lang="en-US" altLang="zh-TW" dirty="0"/>
+              <a:t>Redis</a:t>
+            </a:r>
+          </a:p>
+          <a:p>
+            <a:r>
+              <a:rPr lang="en-US" altLang="zh-TW" dirty="0"/>
+              <a:t>Library</a:t>
+            </a:r>
             <a:r>
               <a:rPr lang="zh-TW" altLang="en-US" dirty="0"/>
-              <a:t>輸出程式所占空間變大</a:t>
-            </a:r>
-            <a:endParaRPr lang="en-US" altLang="zh-TW" dirty="0"/>
+              <a:t>或</a:t>
+            </a:r>
+            <a:r>
+              <a:rPr lang="en-US" altLang="zh-TW" dirty="0"/>
+              <a:t>Framework</a:t>
+            </a:r>
+            <a:r>
+              <a:rPr lang="zh-TW" altLang="en-US" dirty="0"/>
+              <a:t>只提供非同步</a:t>
+            </a:r>
+            <a:r>
+              <a:rPr lang="en-US" altLang="zh-TW" dirty="0"/>
+              <a:t>API</a:t>
+            </a:r>
           </a:p>
           <a:p>
             <a:pPr lvl="1"/>
             <a:r>
-              <a:rPr lang="zh-TW" altLang="en-US" dirty="0"/>
-              <a:t>每個帶有 </a:t>
-            </a:r>
-            <a:r>
               <a:rPr lang="en-US" altLang="zh-TW" dirty="0"/>
-              <a:t>async </a:t>
-            </a:r>
-            <a:r>
-              <a:rPr lang="zh-TW" altLang="en-US" dirty="0"/>
-              <a:t>詞墜的方法大約會多 </a:t>
-            </a:r>
-            <a:r>
-              <a:rPr lang="en-US" altLang="zh-TW" dirty="0"/>
-              <a:t>100</a:t>
-            </a:r>
-            <a:r>
-              <a:rPr lang="zh-TW" altLang="en-US" dirty="0"/>
-              <a:t> </a:t>
-            </a:r>
-            <a:r>
-              <a:rPr lang="en-US" altLang="zh-TW" dirty="0"/>
-              <a:t>bytes</a:t>
-            </a:r>
-          </a:p>
-          <a:p>
-            <a:r>
-              <a:rPr lang="zh-TW" altLang="en-US" dirty="0"/>
-              <a:t>較難</a:t>
-            </a:r>
-            <a:r>
-              <a:rPr lang="en-US" altLang="zh-TW" dirty="0"/>
-              <a:t>Debug</a:t>
-            </a:r>
-          </a:p>
-          <a:p>
-            <a:r>
-              <a:rPr lang="zh-TW" altLang="en-US" dirty="0"/>
-              <a:t>非同步的傳遞性</a:t>
-            </a:r>
-            <a:endParaRPr lang="en-US" altLang="zh-TW" dirty="0"/>
-          </a:p>
-          <a:p>
-            <a:r>
-              <a:rPr lang="zh-TW" altLang="en-US" dirty="0"/>
-              <a:t>單一回應時間稍微變長</a:t>
-            </a:r>
-            <a:endParaRPr lang="en-US" altLang="zh-TW" dirty="0"/>
-          </a:p>
-          <a:p>
-            <a:pPr lvl="1"/>
-            <a:r>
-              <a:rPr lang="zh-TW" altLang="en-US" dirty="0"/>
-              <a:t>幾乎可以忽略</a:t>
-            </a:r>
+              <a:t>.NET Core</a:t>
+            </a:r>
+          </a:p>
+          <a:p>
+            <a:endParaRPr lang="zh-TW" altLang="en-US" dirty="0"/>
           </a:p>
         </p:txBody>
       </p:sp>
     </p:spTree>
     <p:extLst>
       <p:ext uri="{BB962C8B-B14F-4D97-AF65-F5344CB8AC3E}">
-        <p14:creationId xmlns:p14="http://schemas.microsoft.com/office/powerpoint/2010/main" val="2391344383"/>
+        <p14:creationId xmlns:p14="http://schemas.microsoft.com/office/powerpoint/2010/main" val="1457471737"/>
       </p:ext>
     </p:extLst>
   </p:cSld>
@@ -4268,10 +4746,10 @@
       </p:grpSpPr>
       <p:sp>
         <p:nvSpPr>
-          <p:cNvPr id="4" name="標題 3">
+          <p:cNvPr id="2" name="標題 1">
             <a:extLst>
               <a:ext uri="{FF2B5EF4-FFF2-40B4-BE49-F238E27FC236}">
-                <a16:creationId xmlns:a16="http://schemas.microsoft.com/office/drawing/2014/main" id="{BD4D1AC1-EA7F-4517-B8A1-C8C04888B929}"/>
+                <a16:creationId xmlns:a16="http://schemas.microsoft.com/office/drawing/2014/main" id="{FFE36D1B-5ED2-4A00-878C-6CAF180DBE55}"/>
               </a:ext>
             </a:extLst>
           </p:cNvPr>
@@ -4289,17 +4767,17 @@
           <a:p>
             <a:r>
               <a:rPr lang="zh-TW" altLang="en-US" dirty="0"/>
-              <a:t>怎麼用非同步</a:t>
-            </a:r>
-          </a:p>
-        </p:txBody>
-      </p:sp>
-      <p:sp>
-        <p:nvSpPr>
-          <p:cNvPr id="5" name="文字版面配置區 4">
+              <a:t>什麼時候要用非同步</a:t>
+            </a:r>
+          </a:p>
+        </p:txBody>
+      </p:sp>
+      <p:sp>
+        <p:nvSpPr>
+          <p:cNvPr id="3" name="內容版面配置區 2">
             <a:extLst>
               <a:ext uri="{FF2B5EF4-FFF2-40B4-BE49-F238E27FC236}">
-                <a16:creationId xmlns:a16="http://schemas.microsoft.com/office/drawing/2014/main" id="{FB99B319-881C-4A6A-9C57-D26A187CAADA}"/>
+                <a16:creationId xmlns:a16="http://schemas.microsoft.com/office/drawing/2014/main" id="{464FCDCB-32CE-482F-9AD7-B6C09B96468B}"/>
               </a:ext>
             </a:extLst>
           </p:cNvPr>
@@ -4307,7 +4785,7 @@
             <a:spLocks noGrp="1"/>
           </p:cNvSpPr>
           <p:nvPr>
-            <p:ph type="body" idx="1"/>
+            <p:ph idx="1"/>
           </p:nvPr>
         </p:nvSpPr>
         <p:spPr/>
@@ -4315,14 +4793,48 @@
           <a:bodyPr/>
           <a:lstStyle/>
           <a:p>
-            <a:endParaRPr lang="zh-TW" altLang="en-US"/>
+            <a:r>
+              <a:rPr lang="zh-TW" altLang="en-US" dirty="0"/>
+              <a:t>有</a:t>
+            </a:r>
+            <a:r>
+              <a:rPr lang="en-US" altLang="zh-TW" dirty="0"/>
+              <a:t>UI</a:t>
+            </a:r>
+            <a:r>
+              <a:rPr lang="zh-TW" altLang="en-US" dirty="0"/>
+              <a:t>的程式</a:t>
+            </a:r>
+            <a:endParaRPr lang="en-US" altLang="zh-TW" dirty="0"/>
+          </a:p>
+          <a:p>
+            <a:pPr lvl="1"/>
+            <a:r>
+              <a:rPr lang="zh-TW" altLang="en-US" dirty="0"/>
+              <a:t>視窗程式</a:t>
+            </a:r>
+            <a:endParaRPr lang="en-US" altLang="zh-TW" dirty="0"/>
+          </a:p>
+          <a:p>
+            <a:pPr lvl="1"/>
+            <a:r>
+              <a:rPr lang="en-US" altLang="zh-TW" dirty="0"/>
+              <a:t>APP</a:t>
+            </a:r>
+          </a:p>
+          <a:p>
+            <a:r>
+              <a:rPr lang="zh-TW" altLang="en-US" dirty="0"/>
+              <a:t>等待</a:t>
+            </a:r>
+            <a:endParaRPr lang="en-US" altLang="zh-TW" dirty="0"/>
           </a:p>
         </p:txBody>
       </p:sp>
     </p:spTree>
     <p:extLst>
       <p:ext uri="{BB962C8B-B14F-4D97-AF65-F5344CB8AC3E}">
-        <p14:creationId xmlns:p14="http://schemas.microsoft.com/office/powerpoint/2010/main" val="4186980254"/>
+        <p14:creationId xmlns:p14="http://schemas.microsoft.com/office/powerpoint/2010/main" val="470413712"/>
       </p:ext>
     </p:extLst>
   </p:cSld>
@@ -4351,6 +4863,89 @@
       </p:grpSpPr>
       <p:sp>
         <p:nvSpPr>
+          <p:cNvPr id="4" name="標題 3">
+            <a:extLst>
+              <a:ext uri="{FF2B5EF4-FFF2-40B4-BE49-F238E27FC236}">
+                <a16:creationId xmlns:a16="http://schemas.microsoft.com/office/drawing/2014/main" id="{BD4D1AC1-EA7F-4517-B8A1-C8C04888B929}"/>
+              </a:ext>
+            </a:extLst>
+          </p:cNvPr>
+          <p:cNvSpPr>
+            <a:spLocks noGrp="1"/>
+          </p:cNvSpPr>
+          <p:nvPr>
+            <p:ph type="title"/>
+          </p:nvPr>
+        </p:nvSpPr>
+        <p:spPr/>
+        <p:txBody>
+          <a:bodyPr/>
+          <a:lstStyle/>
+          <a:p>
+            <a:r>
+              <a:rPr lang="zh-TW" altLang="en-US" dirty="0"/>
+              <a:t>非同步的優缺點</a:t>
+            </a:r>
+          </a:p>
+        </p:txBody>
+      </p:sp>
+      <p:sp>
+        <p:nvSpPr>
+          <p:cNvPr id="5" name="文字版面配置區 4">
+            <a:extLst>
+              <a:ext uri="{FF2B5EF4-FFF2-40B4-BE49-F238E27FC236}">
+                <a16:creationId xmlns:a16="http://schemas.microsoft.com/office/drawing/2014/main" id="{FB99B319-881C-4A6A-9C57-D26A187CAADA}"/>
+              </a:ext>
+            </a:extLst>
+          </p:cNvPr>
+          <p:cNvSpPr>
+            <a:spLocks noGrp="1"/>
+          </p:cNvSpPr>
+          <p:nvPr>
+            <p:ph type="body" idx="1"/>
+          </p:nvPr>
+        </p:nvSpPr>
+        <p:spPr/>
+        <p:txBody>
+          <a:bodyPr/>
+          <a:lstStyle/>
+          <a:p>
+            <a:endParaRPr lang="zh-TW" altLang="en-US"/>
+          </a:p>
+        </p:txBody>
+      </p:sp>
+    </p:spTree>
+    <p:extLst>
+      <p:ext uri="{BB962C8B-B14F-4D97-AF65-F5344CB8AC3E}">
+        <p14:creationId xmlns:p14="http://schemas.microsoft.com/office/powerpoint/2010/main" val="1493767524"/>
+      </p:ext>
+    </p:extLst>
+  </p:cSld>
+  <p:clrMapOvr>
+    <a:masterClrMapping/>
+  </p:clrMapOvr>
+</p:sld>
+</file>
+
+<file path=ppt/slides/slide15.xml><?xml version="1.0" encoding="utf-8"?>
+<p:sld xmlns:a="http://schemas.openxmlformats.org/drawingml/2006/main" xmlns:r="http://schemas.openxmlformats.org/officeDocument/2006/relationships" xmlns:p="http://schemas.openxmlformats.org/presentationml/2006/main">
+  <p:cSld>
+    <p:spTree>
+      <p:nvGrpSpPr>
+        <p:cNvPr id="1" name=""/>
+        <p:cNvGrpSpPr/>
+        <p:nvPr/>
+      </p:nvGrpSpPr>
+      <p:grpSpPr>
+        <a:xfrm>
+          <a:off x="0" y="0"/>
+          <a:ext cx="0" cy="0"/>
+          <a:chOff x="0" y="0"/>
+          <a:chExt cx="0" cy="0"/>
+        </a:xfrm>
+      </p:grpSpPr>
+      <p:sp>
+        <p:nvSpPr>
           <p:cNvPr id="2" name="標題 1">
             <a:extLst>
               <a:ext uri="{FF2B5EF4-FFF2-40B4-BE49-F238E27FC236}">
@@ -4372,7 +4967,7 @@
           <a:p>
             <a:r>
               <a:rPr lang="zh-TW" altLang="en-US" dirty="0"/>
-              <a:t>怎麼用非同步</a:t>
+              <a:t>非同步的優點</a:t>
             </a:r>
           </a:p>
         </p:txBody>
@@ -4399,14 +4994,420 @@
           <a:lstStyle/>
           <a:p>
             <a:r>
+              <a:rPr lang="zh-TW" altLang="en-US" dirty="0"/>
+              <a:t>整體效能提升</a:t>
+            </a:r>
+            <a:endParaRPr lang="en-US" altLang="zh-TW" dirty="0"/>
+          </a:p>
+          <a:p>
+            <a:r>
+              <a:rPr lang="zh-TW" altLang="en-US" dirty="0"/>
+              <a:t>降低大流量時的執行續負擔</a:t>
+            </a:r>
+            <a:endParaRPr lang="en-US" altLang="zh-TW" dirty="0"/>
+          </a:p>
+          <a:p>
+            <a:r>
+              <a:rPr lang="zh-TW" altLang="en-US" dirty="0"/>
+              <a:t>避免資源鎖死</a:t>
+            </a:r>
+          </a:p>
+        </p:txBody>
+      </p:sp>
+    </p:spTree>
+    <p:extLst>
+      <p:ext uri="{BB962C8B-B14F-4D97-AF65-F5344CB8AC3E}">
+        <p14:creationId xmlns:p14="http://schemas.microsoft.com/office/powerpoint/2010/main" val="739057728"/>
+      </p:ext>
+    </p:extLst>
+  </p:cSld>
+  <p:clrMapOvr>
+    <a:masterClrMapping/>
+  </p:clrMapOvr>
+</p:sld>
+</file>
+
+<file path=ppt/slides/slide16.xml><?xml version="1.0" encoding="utf-8"?>
+<p:sld xmlns:a="http://schemas.openxmlformats.org/drawingml/2006/main" xmlns:r="http://schemas.openxmlformats.org/officeDocument/2006/relationships" xmlns:p="http://schemas.openxmlformats.org/presentationml/2006/main">
+  <p:cSld>
+    <p:spTree>
+      <p:nvGrpSpPr>
+        <p:cNvPr id="1" name=""/>
+        <p:cNvGrpSpPr/>
+        <p:nvPr/>
+      </p:nvGrpSpPr>
+      <p:grpSpPr>
+        <a:xfrm>
+          <a:off x="0" y="0"/>
+          <a:ext cx="0" cy="0"/>
+          <a:chOff x="0" y="0"/>
+          <a:chExt cx="0" cy="0"/>
+        </a:xfrm>
+      </p:grpSpPr>
+      <p:sp>
+        <p:nvSpPr>
+          <p:cNvPr id="2" name="標題 1">
+            <a:extLst>
+              <a:ext uri="{FF2B5EF4-FFF2-40B4-BE49-F238E27FC236}">
+                <a16:creationId xmlns:a16="http://schemas.microsoft.com/office/drawing/2014/main" id="{52A2B961-E106-42D9-99DB-5B48152E8833}"/>
+              </a:ext>
+            </a:extLst>
+          </p:cNvPr>
+          <p:cNvSpPr>
+            <a:spLocks noGrp="1"/>
+          </p:cNvSpPr>
+          <p:nvPr>
+            <p:ph type="title"/>
+          </p:nvPr>
+        </p:nvSpPr>
+        <p:spPr/>
+        <p:txBody>
+          <a:bodyPr/>
+          <a:lstStyle/>
+          <a:p>
+            <a:r>
+              <a:rPr lang="zh-TW" altLang="en-US" dirty="0"/>
+              <a:t>非同步的缺點</a:t>
+            </a:r>
+          </a:p>
+        </p:txBody>
+      </p:sp>
+      <p:sp>
+        <p:nvSpPr>
+          <p:cNvPr id="3" name="內容版面配置區 2">
+            <a:extLst>
+              <a:ext uri="{FF2B5EF4-FFF2-40B4-BE49-F238E27FC236}">
+                <a16:creationId xmlns:a16="http://schemas.microsoft.com/office/drawing/2014/main" id="{43B9F297-2F6E-4462-BDD1-8F868F25DC5B}"/>
+              </a:ext>
+            </a:extLst>
+          </p:cNvPr>
+          <p:cNvSpPr>
+            <a:spLocks noGrp="1"/>
+          </p:cNvSpPr>
+          <p:nvPr>
+            <p:ph idx="1"/>
+          </p:nvPr>
+        </p:nvSpPr>
+        <p:spPr/>
+        <p:txBody>
+          <a:bodyPr/>
+          <a:lstStyle/>
+          <a:p>
+            <a:r>
+              <a:rPr lang="zh-TW" altLang="en-US" dirty="0"/>
+              <a:t>輸出程式所占空間變大</a:t>
+            </a:r>
+            <a:endParaRPr lang="en-US" altLang="zh-TW" dirty="0"/>
+          </a:p>
+          <a:p>
+            <a:pPr lvl="1"/>
+            <a:r>
+              <a:rPr lang="zh-TW" altLang="en-US" dirty="0"/>
+              <a:t>每個帶有 </a:t>
+            </a:r>
+            <a:r>
+              <a:rPr lang="en-US" altLang="zh-TW" dirty="0"/>
+              <a:t>async </a:t>
+            </a:r>
+            <a:r>
+              <a:rPr lang="zh-TW" altLang="en-US" dirty="0"/>
+              <a:t>詞墜的方法大約會多 </a:t>
+            </a:r>
+            <a:r>
+              <a:rPr lang="en-US" altLang="zh-TW" dirty="0"/>
+              <a:t>100</a:t>
+            </a:r>
+            <a:r>
+              <a:rPr lang="zh-TW" altLang="en-US" dirty="0"/>
+              <a:t> </a:t>
+            </a:r>
+            <a:r>
+              <a:rPr lang="en-US" altLang="zh-TW" dirty="0"/>
+              <a:t>bytes</a:t>
+            </a:r>
+          </a:p>
+          <a:p>
+            <a:r>
+              <a:rPr lang="zh-TW" altLang="en-US" dirty="0"/>
+              <a:t>較難</a:t>
+            </a:r>
+            <a:r>
+              <a:rPr lang="en-US" altLang="zh-TW" dirty="0"/>
+              <a:t>Debug</a:t>
+            </a:r>
+          </a:p>
+          <a:p>
+            <a:r>
+              <a:rPr lang="zh-TW" altLang="en-US" dirty="0"/>
+              <a:t>非同步的傳遞性</a:t>
+            </a:r>
+            <a:endParaRPr lang="en-US" altLang="zh-TW" dirty="0"/>
+          </a:p>
+          <a:p>
+            <a:r>
+              <a:rPr lang="zh-TW" altLang="en-US" dirty="0"/>
+              <a:t>單一回應時間稍微變長</a:t>
+            </a:r>
+            <a:endParaRPr lang="en-US" altLang="zh-TW" dirty="0"/>
+          </a:p>
+          <a:p>
+            <a:pPr lvl="1"/>
+            <a:r>
+              <a:rPr lang="zh-TW" altLang="en-US" dirty="0"/>
+              <a:t>幾乎可以忽略</a:t>
+            </a:r>
+          </a:p>
+        </p:txBody>
+      </p:sp>
+    </p:spTree>
+    <p:extLst>
+      <p:ext uri="{BB962C8B-B14F-4D97-AF65-F5344CB8AC3E}">
+        <p14:creationId xmlns:p14="http://schemas.microsoft.com/office/powerpoint/2010/main" val="2391344383"/>
+      </p:ext>
+    </p:extLst>
+  </p:cSld>
+  <p:clrMapOvr>
+    <a:masterClrMapping/>
+  </p:clrMapOvr>
+</p:sld>
+</file>
+
+<file path=ppt/slides/slide17.xml><?xml version="1.0" encoding="utf-8"?>
+<p:sld xmlns:a="http://schemas.openxmlformats.org/drawingml/2006/main" xmlns:r="http://schemas.openxmlformats.org/officeDocument/2006/relationships" xmlns:p="http://schemas.openxmlformats.org/presentationml/2006/main">
+  <p:cSld>
+    <p:spTree>
+      <p:nvGrpSpPr>
+        <p:cNvPr id="1" name=""/>
+        <p:cNvGrpSpPr/>
+        <p:nvPr/>
+      </p:nvGrpSpPr>
+      <p:grpSpPr>
+        <a:xfrm>
+          <a:off x="0" y="0"/>
+          <a:ext cx="0" cy="0"/>
+          <a:chOff x="0" y="0"/>
+          <a:chExt cx="0" cy="0"/>
+        </a:xfrm>
+      </p:grpSpPr>
+      <p:sp>
+        <p:nvSpPr>
+          <p:cNvPr id="4" name="標題 3">
+            <a:extLst>
+              <a:ext uri="{FF2B5EF4-FFF2-40B4-BE49-F238E27FC236}">
+                <a16:creationId xmlns:a16="http://schemas.microsoft.com/office/drawing/2014/main" id="{BD4D1AC1-EA7F-4517-B8A1-C8C04888B929}"/>
+              </a:ext>
+            </a:extLst>
+          </p:cNvPr>
+          <p:cNvSpPr>
+            <a:spLocks noGrp="1"/>
+          </p:cNvSpPr>
+          <p:nvPr>
+            <p:ph type="title"/>
+          </p:nvPr>
+        </p:nvSpPr>
+        <p:spPr/>
+        <p:txBody>
+          <a:bodyPr/>
+          <a:lstStyle/>
+          <a:p>
+            <a:r>
+              <a:rPr lang="zh-TW" altLang="en-US" dirty="0"/>
+              <a:t>怎麼用非同步</a:t>
+            </a:r>
+          </a:p>
+        </p:txBody>
+      </p:sp>
+      <p:sp>
+        <p:nvSpPr>
+          <p:cNvPr id="5" name="文字版面配置區 4">
+            <a:extLst>
+              <a:ext uri="{FF2B5EF4-FFF2-40B4-BE49-F238E27FC236}">
+                <a16:creationId xmlns:a16="http://schemas.microsoft.com/office/drawing/2014/main" id="{FB99B319-881C-4A6A-9C57-D26A187CAADA}"/>
+              </a:ext>
+            </a:extLst>
+          </p:cNvPr>
+          <p:cNvSpPr>
+            <a:spLocks noGrp="1"/>
+          </p:cNvSpPr>
+          <p:nvPr>
+            <p:ph type="body" idx="1"/>
+          </p:nvPr>
+        </p:nvSpPr>
+        <p:spPr/>
+        <p:txBody>
+          <a:bodyPr/>
+          <a:lstStyle/>
+          <a:p>
+            <a:endParaRPr lang="zh-TW" altLang="en-US"/>
+          </a:p>
+        </p:txBody>
+      </p:sp>
+    </p:spTree>
+    <p:extLst>
+      <p:ext uri="{BB962C8B-B14F-4D97-AF65-F5344CB8AC3E}">
+        <p14:creationId xmlns:p14="http://schemas.microsoft.com/office/powerpoint/2010/main" val="4186980254"/>
+      </p:ext>
+    </p:extLst>
+  </p:cSld>
+  <p:clrMapOvr>
+    <a:masterClrMapping/>
+  </p:clrMapOvr>
+</p:sld>
+</file>
+
+<file path=ppt/slides/slide18.xml><?xml version="1.0" encoding="utf-8"?>
+<p:sld xmlns:a="http://schemas.openxmlformats.org/drawingml/2006/main" xmlns:r="http://schemas.openxmlformats.org/officeDocument/2006/relationships" xmlns:p="http://schemas.openxmlformats.org/presentationml/2006/main">
+  <p:cSld>
+    <p:spTree>
+      <p:nvGrpSpPr>
+        <p:cNvPr id="1" name=""/>
+        <p:cNvGrpSpPr/>
+        <p:nvPr/>
+      </p:nvGrpSpPr>
+      <p:grpSpPr>
+        <a:xfrm>
+          <a:off x="0" y="0"/>
+          <a:ext cx="0" cy="0"/>
+          <a:chOff x="0" y="0"/>
+          <a:chExt cx="0" cy="0"/>
+        </a:xfrm>
+      </p:grpSpPr>
+      <p:sp>
+        <p:nvSpPr>
+          <p:cNvPr id="2" name="標題 1">
+            <a:extLst>
+              <a:ext uri="{FF2B5EF4-FFF2-40B4-BE49-F238E27FC236}">
+                <a16:creationId xmlns:a16="http://schemas.microsoft.com/office/drawing/2014/main" id="{52A2B961-E106-42D9-99DB-5B48152E8833}"/>
+              </a:ext>
+            </a:extLst>
+          </p:cNvPr>
+          <p:cNvSpPr>
+            <a:spLocks noGrp="1"/>
+          </p:cNvSpPr>
+          <p:nvPr>
+            <p:ph type="title"/>
+          </p:nvPr>
+        </p:nvSpPr>
+        <p:spPr/>
+        <p:txBody>
+          <a:bodyPr/>
+          <a:lstStyle/>
+          <a:p>
+            <a:r>
+              <a:rPr lang="zh-TW" altLang="en-US" dirty="0"/>
+              <a:t>怎麼用非同步</a:t>
+            </a:r>
+          </a:p>
+        </p:txBody>
+      </p:sp>
+      <p:sp>
+        <p:nvSpPr>
+          <p:cNvPr id="3" name="內容版面配置區 2">
+            <a:extLst>
+              <a:ext uri="{FF2B5EF4-FFF2-40B4-BE49-F238E27FC236}">
+                <a16:creationId xmlns:a16="http://schemas.microsoft.com/office/drawing/2014/main" id="{43B9F297-2F6E-4462-BDD1-8F868F25DC5B}"/>
+              </a:ext>
+            </a:extLst>
+          </p:cNvPr>
+          <p:cNvSpPr>
+            <a:spLocks noGrp="1"/>
+          </p:cNvSpPr>
+          <p:nvPr>
+            <p:ph idx="1"/>
+          </p:nvPr>
+        </p:nvSpPr>
+        <p:spPr/>
+        <p:txBody>
+          <a:bodyPr/>
+          <a:lstStyle/>
+          <a:p>
+            <a:r>
               <a:rPr lang="en-US" altLang="zh-TW" dirty="0"/>
               <a:t>Task</a:t>
             </a:r>
+            <a:r>
+              <a:rPr lang="zh-TW" altLang="en-US" dirty="0"/>
+              <a:t> </a:t>
+            </a:r>
+            <a:r>
+              <a:rPr lang="en-US" altLang="zh-TW" dirty="0"/>
+              <a:t>&amp;</a:t>
+            </a:r>
+            <a:r>
+              <a:rPr lang="zh-TW" altLang="en-US" dirty="0"/>
+              <a:t> </a:t>
+            </a:r>
+            <a:r>
+              <a:rPr lang="en-US" altLang="zh-TW" dirty="0"/>
+              <a:t>Task&lt;T&gt;</a:t>
+            </a:r>
+          </a:p>
+          <a:p>
+            <a:pPr lvl="1"/>
+            <a:r>
+              <a:rPr lang="zh-TW" altLang="en-US" dirty="0"/>
+              <a:t>類別</a:t>
+            </a:r>
+            <a:endParaRPr lang="en-US" altLang="zh-TW" dirty="0"/>
+          </a:p>
+          <a:p>
+            <a:pPr lvl="1"/>
+            <a:r>
+              <a:rPr lang="zh-TW" altLang="en-US" dirty="0"/>
+              <a:t>代表一個工作</a:t>
+            </a:r>
+            <a:endParaRPr lang="en-US" altLang="zh-TW" dirty="0"/>
           </a:p>
           <a:p>
             <a:r>
               <a:rPr lang="en-US" altLang="zh-TW" dirty="0"/>
               <a:t>async await</a:t>
+            </a:r>
+          </a:p>
+          <a:p>
+            <a:pPr lvl="1"/>
+            <a:r>
+              <a:rPr lang="zh-TW" altLang="en-US" dirty="0"/>
+              <a:t>關鍵字</a:t>
+            </a:r>
+            <a:endParaRPr lang="en-US" altLang="zh-TW" dirty="0"/>
+          </a:p>
+          <a:p>
+            <a:pPr lvl="1"/>
+            <a:r>
+              <a:rPr lang="en-US" altLang="zh-TW" dirty="0"/>
+              <a:t>async</a:t>
+            </a:r>
+            <a:r>
+              <a:rPr lang="zh-TW" altLang="en-US" dirty="0"/>
+              <a:t>： </a:t>
+            </a:r>
+            <a:r>
+              <a:rPr lang="en-US" altLang="zh-TW" dirty="0"/>
+              <a:t>Asynchronous</a:t>
+            </a:r>
+          </a:p>
+          <a:p>
+            <a:pPr lvl="1"/>
+            <a:r>
+              <a:rPr lang="en-US" altLang="zh-TW" dirty="0"/>
+              <a:t>await</a:t>
+            </a:r>
+            <a:r>
+              <a:rPr lang="zh-TW" altLang="en-US" dirty="0"/>
+              <a:t>： </a:t>
+            </a:r>
+            <a:r>
+              <a:rPr lang="en-US" altLang="zh-TW" dirty="0"/>
+              <a:t>Asynchronous</a:t>
+            </a:r>
+            <a:r>
+              <a:rPr lang="zh-TW" altLang="en-US" dirty="0"/>
+              <a:t> </a:t>
+            </a:r>
+            <a:r>
+              <a:rPr lang="en-US" altLang="zh-TW" dirty="0"/>
+              <a:t>Wait</a:t>
             </a:r>
             <a:endParaRPr lang="zh-TW" altLang="en-US" dirty="0"/>
           </a:p>
@@ -4422,6 +5423,818 @@
   <p:clrMapOvr>
     <a:masterClrMapping/>
   </p:clrMapOvr>
+  <p:timing>
+    <p:tnLst>
+      <p:par>
+        <p:cTn id="1" dur="indefinite" restart="never" nodeType="tmRoot">
+          <p:childTnLst>
+            <p:seq concurrent="1" nextAc="seek">
+              <p:cTn id="2" dur="indefinite" nodeType="mainSeq">
+                <p:childTnLst>
+                  <p:par>
+                    <p:cTn id="3" fill="hold">
+                      <p:stCondLst>
+                        <p:cond delay="indefinite"/>
+                      </p:stCondLst>
+                      <p:childTnLst>
+                        <p:par>
+                          <p:cTn id="4" fill="hold">
+                            <p:stCondLst>
+                              <p:cond delay="0"/>
+                            </p:stCondLst>
+                            <p:childTnLst>
+                              <p:par>
+                                <p:cTn id="5" presetID="1" presetClass="entr" presetSubtype="0" fill="hold" nodeType="clickEffect">
+                                  <p:stCondLst>
+                                    <p:cond delay="0"/>
+                                  </p:stCondLst>
+                                  <p:childTnLst>
+                                    <p:set>
+                                      <p:cBhvr>
+                                        <p:cTn id="6" dur="1" fill="hold">
+                                          <p:stCondLst>
+                                            <p:cond delay="0"/>
+                                          </p:stCondLst>
+                                        </p:cTn>
+                                        <p:tgtEl>
+                                          <p:spTgt spid="3">
+                                            <p:txEl>
+                                              <p:pRg st="0" end="0"/>
+                                            </p:txEl>
+                                          </p:spTgt>
+                                        </p:tgtEl>
+                                        <p:attrNameLst>
+                                          <p:attrName>style.visibility</p:attrName>
+                                        </p:attrNameLst>
+                                      </p:cBhvr>
+                                      <p:to>
+                                        <p:strVal val="visible"/>
+                                      </p:to>
+                                    </p:set>
+                                  </p:childTnLst>
+                                </p:cTn>
+                              </p:par>
+                              <p:par>
+                                <p:cTn id="7" presetID="1" presetClass="entr" presetSubtype="0" fill="hold" nodeType="withEffect">
+                                  <p:stCondLst>
+                                    <p:cond delay="0"/>
+                                  </p:stCondLst>
+                                  <p:childTnLst>
+                                    <p:set>
+                                      <p:cBhvr>
+                                        <p:cTn id="8" dur="1" fill="hold">
+                                          <p:stCondLst>
+                                            <p:cond delay="0"/>
+                                          </p:stCondLst>
+                                        </p:cTn>
+                                        <p:tgtEl>
+                                          <p:spTgt spid="3">
+                                            <p:txEl>
+                                              <p:pRg st="1" end="1"/>
+                                            </p:txEl>
+                                          </p:spTgt>
+                                        </p:tgtEl>
+                                        <p:attrNameLst>
+                                          <p:attrName>style.visibility</p:attrName>
+                                        </p:attrNameLst>
+                                      </p:cBhvr>
+                                      <p:to>
+                                        <p:strVal val="visible"/>
+                                      </p:to>
+                                    </p:set>
+                                  </p:childTnLst>
+                                </p:cTn>
+                              </p:par>
+                              <p:par>
+                                <p:cTn id="9" presetID="1" presetClass="entr" presetSubtype="0" fill="hold" nodeType="withEffect">
+                                  <p:stCondLst>
+                                    <p:cond delay="0"/>
+                                  </p:stCondLst>
+                                  <p:childTnLst>
+                                    <p:set>
+                                      <p:cBhvr>
+                                        <p:cTn id="10" dur="1" fill="hold">
+                                          <p:stCondLst>
+                                            <p:cond delay="0"/>
+                                          </p:stCondLst>
+                                        </p:cTn>
+                                        <p:tgtEl>
+                                          <p:spTgt spid="3">
+                                            <p:txEl>
+                                              <p:pRg st="2" end="2"/>
+                                            </p:txEl>
+                                          </p:spTgt>
+                                        </p:tgtEl>
+                                        <p:attrNameLst>
+                                          <p:attrName>style.visibility</p:attrName>
+                                        </p:attrNameLst>
+                                      </p:cBhvr>
+                                      <p:to>
+                                        <p:strVal val="visible"/>
+                                      </p:to>
+                                    </p:set>
+                                  </p:childTnLst>
+                                </p:cTn>
+                              </p:par>
+                            </p:childTnLst>
+                          </p:cTn>
+                        </p:par>
+                      </p:childTnLst>
+                    </p:cTn>
+                  </p:par>
+                  <p:par>
+                    <p:cTn id="11" fill="hold">
+                      <p:stCondLst>
+                        <p:cond delay="indefinite"/>
+                      </p:stCondLst>
+                      <p:childTnLst>
+                        <p:par>
+                          <p:cTn id="12" fill="hold">
+                            <p:stCondLst>
+                              <p:cond delay="0"/>
+                            </p:stCondLst>
+                            <p:childTnLst>
+                              <p:par>
+                                <p:cTn id="13" presetID="1" presetClass="entr" presetSubtype="0" fill="hold" nodeType="clickEffect">
+                                  <p:stCondLst>
+                                    <p:cond delay="0"/>
+                                  </p:stCondLst>
+                                  <p:childTnLst>
+                                    <p:set>
+                                      <p:cBhvr>
+                                        <p:cTn id="14" dur="1" fill="hold">
+                                          <p:stCondLst>
+                                            <p:cond delay="0"/>
+                                          </p:stCondLst>
+                                        </p:cTn>
+                                        <p:tgtEl>
+                                          <p:spTgt spid="3">
+                                            <p:txEl>
+                                              <p:pRg st="3" end="3"/>
+                                            </p:txEl>
+                                          </p:spTgt>
+                                        </p:tgtEl>
+                                        <p:attrNameLst>
+                                          <p:attrName>style.visibility</p:attrName>
+                                        </p:attrNameLst>
+                                      </p:cBhvr>
+                                      <p:to>
+                                        <p:strVal val="visible"/>
+                                      </p:to>
+                                    </p:set>
+                                  </p:childTnLst>
+                                </p:cTn>
+                              </p:par>
+                              <p:par>
+                                <p:cTn id="15" presetID="1" presetClass="entr" presetSubtype="0" fill="hold" nodeType="withEffect">
+                                  <p:stCondLst>
+                                    <p:cond delay="0"/>
+                                  </p:stCondLst>
+                                  <p:childTnLst>
+                                    <p:set>
+                                      <p:cBhvr>
+                                        <p:cTn id="16" dur="1" fill="hold">
+                                          <p:stCondLst>
+                                            <p:cond delay="0"/>
+                                          </p:stCondLst>
+                                        </p:cTn>
+                                        <p:tgtEl>
+                                          <p:spTgt spid="3">
+                                            <p:txEl>
+                                              <p:pRg st="4" end="4"/>
+                                            </p:txEl>
+                                          </p:spTgt>
+                                        </p:tgtEl>
+                                        <p:attrNameLst>
+                                          <p:attrName>style.visibility</p:attrName>
+                                        </p:attrNameLst>
+                                      </p:cBhvr>
+                                      <p:to>
+                                        <p:strVal val="visible"/>
+                                      </p:to>
+                                    </p:set>
+                                  </p:childTnLst>
+                                </p:cTn>
+                              </p:par>
+                              <p:par>
+                                <p:cTn id="17" presetID="1" presetClass="entr" presetSubtype="0" fill="hold" nodeType="withEffect">
+                                  <p:stCondLst>
+                                    <p:cond delay="0"/>
+                                  </p:stCondLst>
+                                  <p:childTnLst>
+                                    <p:set>
+                                      <p:cBhvr>
+                                        <p:cTn id="18" dur="1" fill="hold">
+                                          <p:stCondLst>
+                                            <p:cond delay="0"/>
+                                          </p:stCondLst>
+                                        </p:cTn>
+                                        <p:tgtEl>
+                                          <p:spTgt spid="3">
+                                            <p:txEl>
+                                              <p:pRg st="5" end="5"/>
+                                            </p:txEl>
+                                          </p:spTgt>
+                                        </p:tgtEl>
+                                        <p:attrNameLst>
+                                          <p:attrName>style.visibility</p:attrName>
+                                        </p:attrNameLst>
+                                      </p:cBhvr>
+                                      <p:to>
+                                        <p:strVal val="visible"/>
+                                      </p:to>
+                                    </p:set>
+                                  </p:childTnLst>
+                                </p:cTn>
+                              </p:par>
+                              <p:par>
+                                <p:cTn id="19" presetID="1" presetClass="entr" presetSubtype="0" fill="hold" nodeType="withEffect">
+                                  <p:stCondLst>
+                                    <p:cond delay="0"/>
+                                  </p:stCondLst>
+                                  <p:childTnLst>
+                                    <p:set>
+                                      <p:cBhvr>
+                                        <p:cTn id="20" dur="1" fill="hold">
+                                          <p:stCondLst>
+                                            <p:cond delay="0"/>
+                                          </p:stCondLst>
+                                        </p:cTn>
+                                        <p:tgtEl>
+                                          <p:spTgt spid="3">
+                                            <p:txEl>
+                                              <p:pRg st="6" end="6"/>
+                                            </p:txEl>
+                                          </p:spTgt>
+                                        </p:tgtEl>
+                                        <p:attrNameLst>
+                                          <p:attrName>style.visibility</p:attrName>
+                                        </p:attrNameLst>
+                                      </p:cBhvr>
+                                      <p:to>
+                                        <p:strVal val="visible"/>
+                                      </p:to>
+                                    </p:set>
+                                  </p:childTnLst>
+                                </p:cTn>
+                              </p:par>
+                            </p:childTnLst>
+                          </p:cTn>
+                        </p:par>
+                      </p:childTnLst>
+                    </p:cTn>
+                  </p:par>
+                </p:childTnLst>
+              </p:cTn>
+              <p:prevCondLst>
+                <p:cond evt="onPrev" delay="0">
+                  <p:tgtEl>
+                    <p:sldTgt/>
+                  </p:tgtEl>
+                </p:cond>
+              </p:prevCondLst>
+              <p:nextCondLst>
+                <p:cond evt="onNext" delay="0">
+                  <p:tgtEl>
+                    <p:sldTgt/>
+                  </p:tgtEl>
+                </p:cond>
+              </p:nextCondLst>
+            </p:seq>
+          </p:childTnLst>
+        </p:cTn>
+      </p:par>
+    </p:tnLst>
+  </p:timing>
+</p:sld>
+</file>
+
+<file path=ppt/slides/slide19.xml><?xml version="1.0" encoding="utf-8"?>
+<p:sld xmlns:a="http://schemas.openxmlformats.org/drawingml/2006/main" xmlns:r="http://schemas.openxmlformats.org/officeDocument/2006/relationships" xmlns:p="http://schemas.openxmlformats.org/presentationml/2006/main">
+  <p:cSld>
+    <p:spTree>
+      <p:nvGrpSpPr>
+        <p:cNvPr id="1" name=""/>
+        <p:cNvGrpSpPr/>
+        <p:nvPr/>
+      </p:nvGrpSpPr>
+      <p:grpSpPr>
+        <a:xfrm>
+          <a:off x="0" y="0"/>
+          <a:ext cx="0" cy="0"/>
+          <a:chOff x="0" y="0"/>
+          <a:chExt cx="0" cy="0"/>
+        </a:xfrm>
+      </p:grpSpPr>
+      <p:sp>
+        <p:nvSpPr>
+          <p:cNvPr id="2" name="標題 1">
+            <a:extLst>
+              <a:ext uri="{FF2B5EF4-FFF2-40B4-BE49-F238E27FC236}">
+                <a16:creationId xmlns:a16="http://schemas.microsoft.com/office/drawing/2014/main" id="{375E1AF3-3882-40CA-A050-39AC4380C4C4}"/>
+              </a:ext>
+            </a:extLst>
+          </p:cNvPr>
+          <p:cNvSpPr>
+            <a:spLocks noGrp="1"/>
+          </p:cNvSpPr>
+          <p:nvPr>
+            <p:ph type="title"/>
+          </p:nvPr>
+        </p:nvSpPr>
+        <p:spPr/>
+        <p:txBody>
+          <a:bodyPr/>
+          <a:lstStyle/>
+          <a:p>
+            <a:r>
+              <a:rPr lang="zh-TW" altLang="en-US" dirty="0"/>
+              <a:t>怎麼用非同步</a:t>
+            </a:r>
+            <a:r>
+              <a:rPr lang="en-US" altLang="zh-TW" dirty="0"/>
+              <a:t>—</a:t>
+            </a:r>
+            <a:r>
+              <a:rPr lang="zh-TW" altLang="en-US" dirty="0"/>
+              <a:t>宣告</a:t>
+            </a:r>
+          </a:p>
+        </p:txBody>
+      </p:sp>
+      <p:sp>
+        <p:nvSpPr>
+          <p:cNvPr id="4" name="文字版面配置區 3">
+            <a:extLst>
+              <a:ext uri="{FF2B5EF4-FFF2-40B4-BE49-F238E27FC236}">
+                <a16:creationId xmlns:a16="http://schemas.microsoft.com/office/drawing/2014/main" id="{181CE145-9952-493A-888F-38A8E2327298}"/>
+              </a:ext>
+            </a:extLst>
+          </p:cNvPr>
+          <p:cNvSpPr>
+            <a:spLocks noGrp="1"/>
+          </p:cNvSpPr>
+          <p:nvPr>
+            <p:ph type="body" idx="1"/>
+          </p:nvPr>
+        </p:nvSpPr>
+        <p:spPr>
+          <a:xfrm>
+            <a:off x="1371600" y="1516952"/>
+            <a:ext cx="4443984" cy="823912"/>
+          </a:xfrm>
+        </p:spPr>
+        <p:txBody>
+          <a:bodyPr/>
+          <a:lstStyle/>
+          <a:p>
+            <a:r>
+              <a:rPr lang="zh-TW" altLang="en-US" dirty="0"/>
+              <a:t>同步</a:t>
+            </a:r>
+          </a:p>
+        </p:txBody>
+      </p:sp>
+      <p:sp>
+        <p:nvSpPr>
+          <p:cNvPr id="3" name="內容版面配置區 2">
+            <a:extLst>
+              <a:ext uri="{FF2B5EF4-FFF2-40B4-BE49-F238E27FC236}">
+                <a16:creationId xmlns:a16="http://schemas.microsoft.com/office/drawing/2014/main" id="{4877105D-F782-4702-BD7A-A4E0F46A3650}"/>
+              </a:ext>
+            </a:extLst>
+          </p:cNvPr>
+          <p:cNvSpPr>
+            <a:spLocks noGrp="1"/>
+          </p:cNvSpPr>
+          <p:nvPr>
+            <p:ph sz="half" idx="2"/>
+          </p:nvPr>
+        </p:nvSpPr>
+        <p:spPr>
+          <a:xfrm>
+            <a:off x="1371600" y="2340865"/>
+            <a:ext cx="4443984" cy="3526536"/>
+          </a:xfrm>
+        </p:spPr>
+        <p:txBody>
+          <a:bodyPr/>
+          <a:lstStyle/>
+          <a:p>
+            <a:r>
+              <a:rPr lang="en-US" altLang="zh-TW" dirty="0">
+                <a:latin typeface="Consolas" panose="020B0609020204030204" pitchFamily="49" charset="0"/>
+              </a:rPr>
+              <a:t>void Foo()</a:t>
+            </a:r>
+          </a:p>
+          <a:p>
+            <a:r>
+              <a:rPr lang="en-US" altLang="zh-TW" dirty="0" err="1">
+                <a:latin typeface="Consolas" panose="020B0609020204030204" pitchFamily="49" charset="0"/>
+              </a:rPr>
+              <a:t>SomeClass</a:t>
+            </a:r>
+            <a:r>
+              <a:rPr lang="en-US" altLang="zh-TW" dirty="0">
+                <a:latin typeface="Consolas" panose="020B0609020204030204" pitchFamily="49" charset="0"/>
+              </a:rPr>
+              <a:t> Bar()</a:t>
+            </a:r>
+            <a:endParaRPr lang="zh-TW" altLang="en-US" dirty="0">
+              <a:latin typeface="Consolas" panose="020B0609020204030204" pitchFamily="49" charset="0"/>
+            </a:endParaRPr>
+          </a:p>
+        </p:txBody>
+      </p:sp>
+      <p:sp>
+        <p:nvSpPr>
+          <p:cNvPr id="5" name="文字版面配置區 4">
+            <a:extLst>
+              <a:ext uri="{FF2B5EF4-FFF2-40B4-BE49-F238E27FC236}">
+                <a16:creationId xmlns:a16="http://schemas.microsoft.com/office/drawing/2014/main" id="{942B86E4-C93F-49AE-B1E3-B5BD1344E2BB}"/>
+              </a:ext>
+            </a:extLst>
+          </p:cNvPr>
+          <p:cNvSpPr>
+            <a:spLocks noGrp="1"/>
+          </p:cNvSpPr>
+          <p:nvPr>
+            <p:ph type="body" sz="quarter" idx="3"/>
+          </p:nvPr>
+        </p:nvSpPr>
+        <p:spPr>
+          <a:xfrm>
+            <a:off x="6525014" y="1516952"/>
+            <a:ext cx="4443984" cy="823912"/>
+          </a:xfrm>
+        </p:spPr>
+        <p:txBody>
+          <a:bodyPr/>
+          <a:lstStyle/>
+          <a:p>
+            <a:r>
+              <a:rPr lang="zh-TW" altLang="en-US" dirty="0"/>
+              <a:t>非同步</a:t>
+            </a:r>
+          </a:p>
+        </p:txBody>
+      </p:sp>
+      <p:sp>
+        <p:nvSpPr>
+          <p:cNvPr id="6" name="內容版面配置區 5">
+            <a:extLst>
+              <a:ext uri="{FF2B5EF4-FFF2-40B4-BE49-F238E27FC236}">
+                <a16:creationId xmlns:a16="http://schemas.microsoft.com/office/drawing/2014/main" id="{53C35351-5CFA-4BAB-8FA2-88082AB12F8E}"/>
+              </a:ext>
+            </a:extLst>
+          </p:cNvPr>
+          <p:cNvSpPr>
+            <a:spLocks noGrp="1"/>
+          </p:cNvSpPr>
+          <p:nvPr>
+            <p:ph sz="quarter" idx="4"/>
+          </p:nvPr>
+        </p:nvSpPr>
+        <p:spPr>
+          <a:xfrm>
+            <a:off x="6525014" y="2340865"/>
+            <a:ext cx="5079382" cy="3526536"/>
+          </a:xfrm>
+        </p:spPr>
+        <p:txBody>
+          <a:bodyPr/>
+          <a:lstStyle/>
+          <a:p>
+            <a:r>
+              <a:rPr lang="en-US" altLang="zh-TW" dirty="0">
+                <a:latin typeface="Consolas" panose="020B0609020204030204" pitchFamily="49" charset="0"/>
+              </a:rPr>
+              <a:t>async Task </a:t>
+            </a:r>
+            <a:r>
+              <a:rPr lang="en-US" altLang="zh-TW" dirty="0" err="1">
+                <a:latin typeface="Consolas" panose="020B0609020204030204" pitchFamily="49" charset="0"/>
+              </a:rPr>
+              <a:t>FooAsync</a:t>
+            </a:r>
+            <a:r>
+              <a:rPr lang="en-US" altLang="zh-TW" dirty="0">
+                <a:latin typeface="Consolas" panose="020B0609020204030204" pitchFamily="49" charset="0"/>
+              </a:rPr>
+              <a:t>()</a:t>
+            </a:r>
+          </a:p>
+          <a:p>
+            <a:r>
+              <a:rPr lang="en-US" altLang="zh-TW" dirty="0">
+                <a:latin typeface="Consolas" panose="020B0609020204030204" pitchFamily="49" charset="0"/>
+              </a:rPr>
+              <a:t>async Task&lt;</a:t>
+            </a:r>
+            <a:r>
+              <a:rPr lang="en-US" altLang="zh-TW" dirty="0" err="1">
+                <a:latin typeface="Consolas" panose="020B0609020204030204" pitchFamily="49" charset="0"/>
+              </a:rPr>
+              <a:t>SomeClass</a:t>
+            </a:r>
+            <a:r>
+              <a:rPr lang="en-US" altLang="zh-TW" dirty="0">
+                <a:latin typeface="Consolas" panose="020B0609020204030204" pitchFamily="49" charset="0"/>
+              </a:rPr>
+              <a:t>&gt; </a:t>
+            </a:r>
+            <a:r>
+              <a:rPr lang="en-US" altLang="zh-TW" dirty="0" err="1">
+                <a:latin typeface="Consolas" panose="020B0609020204030204" pitchFamily="49" charset="0"/>
+              </a:rPr>
+              <a:t>BarAsync</a:t>
+            </a:r>
+            <a:r>
+              <a:rPr lang="en-US" altLang="zh-TW" dirty="0">
+                <a:latin typeface="Consolas" panose="020B0609020204030204" pitchFamily="49" charset="0"/>
+              </a:rPr>
+              <a:t>()</a:t>
+            </a:r>
+          </a:p>
+          <a:p>
+            <a:r>
+              <a:rPr lang="en-US" altLang="zh-TW" strike="sngStrike" dirty="0">
+                <a:latin typeface="Consolas" panose="020B0609020204030204" pitchFamily="49" charset="0"/>
+              </a:rPr>
+              <a:t>async void </a:t>
+            </a:r>
+            <a:r>
+              <a:rPr lang="en-US" altLang="zh-TW" strike="sngStrike" dirty="0" err="1">
+                <a:latin typeface="Consolas" panose="020B0609020204030204" pitchFamily="49" charset="0"/>
+              </a:rPr>
+              <a:t>BazAsync</a:t>
+            </a:r>
+            <a:r>
+              <a:rPr lang="en-US" altLang="zh-TW" strike="sngStrike" dirty="0">
+                <a:latin typeface="Consolas" panose="020B0609020204030204" pitchFamily="49" charset="0"/>
+              </a:rPr>
+              <a:t>()</a:t>
+            </a:r>
+            <a:endParaRPr lang="zh-TW" altLang="en-US" strike="sngStrike" dirty="0">
+              <a:latin typeface="Consolas" panose="020B0609020204030204" pitchFamily="49" charset="0"/>
+            </a:endParaRPr>
+          </a:p>
+        </p:txBody>
+      </p:sp>
+    </p:spTree>
+    <p:extLst>
+      <p:ext uri="{BB962C8B-B14F-4D97-AF65-F5344CB8AC3E}">
+        <p14:creationId xmlns:p14="http://schemas.microsoft.com/office/powerpoint/2010/main" val="3865575567"/>
+      </p:ext>
+    </p:extLst>
+  </p:cSld>
+  <p:clrMapOvr>
+    <a:masterClrMapping/>
+  </p:clrMapOvr>
+  <p:timing>
+    <p:tnLst>
+      <p:par>
+        <p:cTn id="1" dur="indefinite" restart="never" nodeType="tmRoot">
+          <p:childTnLst>
+            <p:seq concurrent="1" nextAc="seek">
+              <p:cTn id="2" dur="indefinite" nodeType="mainSeq">
+                <p:childTnLst>
+                  <p:par>
+                    <p:cTn id="3" fill="hold">
+                      <p:stCondLst>
+                        <p:cond delay="indefinite"/>
+                      </p:stCondLst>
+                      <p:childTnLst>
+                        <p:par>
+                          <p:cTn id="4" fill="hold">
+                            <p:stCondLst>
+                              <p:cond delay="0"/>
+                            </p:stCondLst>
+                            <p:childTnLst>
+                              <p:par>
+                                <p:cTn id="5" presetID="1" presetClass="entr" presetSubtype="0" fill="hold" grpId="0" nodeType="clickEffect">
+                                  <p:stCondLst>
+                                    <p:cond delay="0"/>
+                                  </p:stCondLst>
+                                  <p:childTnLst>
+                                    <p:set>
+                                      <p:cBhvr>
+                                        <p:cTn id="6" dur="1" fill="hold">
+                                          <p:stCondLst>
+                                            <p:cond delay="0"/>
+                                          </p:stCondLst>
+                                        </p:cTn>
+                                        <p:tgtEl>
+                                          <p:spTgt spid="3">
+                                            <p:txEl>
+                                              <p:pRg st="0" end="0"/>
+                                            </p:txEl>
+                                          </p:spTgt>
+                                        </p:tgtEl>
+                                        <p:attrNameLst>
+                                          <p:attrName>style.visibility</p:attrName>
+                                        </p:attrNameLst>
+                                      </p:cBhvr>
+                                      <p:to>
+                                        <p:strVal val="visible"/>
+                                      </p:to>
+                                    </p:set>
+                                  </p:childTnLst>
+                                </p:cTn>
+                              </p:par>
+                              <p:par>
+                                <p:cTn id="7" presetID="1" presetClass="entr" presetSubtype="0" fill="hold" grpId="0" nodeType="withEffect">
+                                  <p:stCondLst>
+                                    <p:cond delay="0"/>
+                                  </p:stCondLst>
+                                  <p:childTnLst>
+                                    <p:set>
+                                      <p:cBhvr>
+                                        <p:cTn id="8" dur="1" fill="hold">
+                                          <p:stCondLst>
+                                            <p:cond delay="0"/>
+                                          </p:stCondLst>
+                                        </p:cTn>
+                                        <p:tgtEl>
+                                          <p:spTgt spid="6">
+                                            <p:txEl>
+                                              <p:pRg st="0" end="0"/>
+                                            </p:txEl>
+                                          </p:spTgt>
+                                        </p:tgtEl>
+                                        <p:attrNameLst>
+                                          <p:attrName>style.visibility</p:attrName>
+                                        </p:attrNameLst>
+                                      </p:cBhvr>
+                                      <p:to>
+                                        <p:strVal val="visible"/>
+                                      </p:to>
+                                    </p:set>
+                                  </p:childTnLst>
+                                </p:cTn>
+                              </p:par>
+                            </p:childTnLst>
+                          </p:cTn>
+                        </p:par>
+                      </p:childTnLst>
+                    </p:cTn>
+                  </p:par>
+                  <p:par>
+                    <p:cTn id="9" fill="hold">
+                      <p:stCondLst>
+                        <p:cond delay="indefinite"/>
+                      </p:stCondLst>
+                      <p:childTnLst>
+                        <p:par>
+                          <p:cTn id="10" fill="hold">
+                            <p:stCondLst>
+                              <p:cond delay="0"/>
+                            </p:stCondLst>
+                            <p:childTnLst>
+                              <p:par>
+                                <p:cTn id="11" presetID="1" presetClass="entr" presetSubtype="0" fill="hold" grpId="0" nodeType="clickEffect">
+                                  <p:stCondLst>
+                                    <p:cond delay="0"/>
+                                  </p:stCondLst>
+                                  <p:childTnLst>
+                                    <p:set>
+                                      <p:cBhvr>
+                                        <p:cTn id="12" dur="1" fill="hold">
+                                          <p:stCondLst>
+                                            <p:cond delay="0"/>
+                                          </p:stCondLst>
+                                        </p:cTn>
+                                        <p:tgtEl>
+                                          <p:spTgt spid="3">
+                                            <p:txEl>
+                                              <p:pRg st="1" end="1"/>
+                                            </p:txEl>
+                                          </p:spTgt>
+                                        </p:tgtEl>
+                                        <p:attrNameLst>
+                                          <p:attrName>style.visibility</p:attrName>
+                                        </p:attrNameLst>
+                                      </p:cBhvr>
+                                      <p:to>
+                                        <p:strVal val="visible"/>
+                                      </p:to>
+                                    </p:set>
+                                  </p:childTnLst>
+                                </p:cTn>
+                              </p:par>
+                              <p:par>
+                                <p:cTn id="13" presetID="1" presetClass="entr" presetSubtype="0" fill="hold" grpId="0" nodeType="withEffect">
+                                  <p:stCondLst>
+                                    <p:cond delay="0"/>
+                                  </p:stCondLst>
+                                  <p:childTnLst>
+                                    <p:set>
+                                      <p:cBhvr>
+                                        <p:cTn id="14" dur="1" fill="hold">
+                                          <p:stCondLst>
+                                            <p:cond delay="0"/>
+                                          </p:stCondLst>
+                                        </p:cTn>
+                                        <p:tgtEl>
+                                          <p:spTgt spid="6">
+                                            <p:txEl>
+                                              <p:pRg st="1" end="1"/>
+                                            </p:txEl>
+                                          </p:spTgt>
+                                        </p:tgtEl>
+                                        <p:attrNameLst>
+                                          <p:attrName>style.visibility</p:attrName>
+                                        </p:attrNameLst>
+                                      </p:cBhvr>
+                                      <p:to>
+                                        <p:strVal val="visible"/>
+                                      </p:to>
+                                    </p:set>
+                                  </p:childTnLst>
+                                </p:cTn>
+                              </p:par>
+                            </p:childTnLst>
+                          </p:cTn>
+                        </p:par>
+                      </p:childTnLst>
+                    </p:cTn>
+                  </p:par>
+                  <p:par>
+                    <p:cTn id="15" fill="hold">
+                      <p:stCondLst>
+                        <p:cond delay="indefinite"/>
+                      </p:stCondLst>
+                      <p:childTnLst>
+                        <p:par>
+                          <p:cTn id="16" fill="hold">
+                            <p:stCondLst>
+                              <p:cond delay="0"/>
+                            </p:stCondLst>
+                            <p:childTnLst>
+                              <p:par>
+                                <p:cTn id="17" presetID="1" presetClass="entr" presetSubtype="0" fill="hold" grpId="0" nodeType="clickEffect">
+                                  <p:stCondLst>
+                                    <p:cond delay="0"/>
+                                  </p:stCondLst>
+                                  <p:childTnLst>
+                                    <p:set>
+                                      <p:cBhvr>
+                                        <p:cTn id="18" dur="1" fill="hold">
+                                          <p:stCondLst>
+                                            <p:cond delay="0"/>
+                                          </p:stCondLst>
+                                        </p:cTn>
+                                        <p:tgtEl>
+                                          <p:spTgt spid="6">
+                                            <p:txEl>
+                                              <p:pRg st="2" end="2"/>
+                                            </p:txEl>
+                                          </p:spTgt>
+                                        </p:tgtEl>
+                                        <p:attrNameLst>
+                                          <p:attrName>style.visibility</p:attrName>
+                                        </p:attrNameLst>
+                                      </p:cBhvr>
+                                      <p:to>
+                                        <p:strVal val="visible"/>
+                                      </p:to>
+                                    </p:set>
+                                  </p:childTnLst>
+                                </p:cTn>
+                              </p:par>
+                            </p:childTnLst>
+                          </p:cTn>
+                        </p:par>
+                      </p:childTnLst>
+                    </p:cTn>
+                  </p:par>
+                </p:childTnLst>
+              </p:cTn>
+              <p:prevCondLst>
+                <p:cond evt="onPrev" delay="0">
+                  <p:tgtEl>
+                    <p:sldTgt/>
+                  </p:tgtEl>
+                </p:cond>
+              </p:prevCondLst>
+              <p:nextCondLst>
+                <p:cond evt="onNext" delay="0">
+                  <p:tgtEl>
+                    <p:sldTgt/>
+                  </p:tgtEl>
+                </p:cond>
+              </p:nextCondLst>
+            </p:seq>
+          </p:childTnLst>
+        </p:cTn>
+      </p:par>
+    </p:tnLst>
+    <p:bldLst>
+      <p:bldP spid="3" grpId="0" uiExpand="1" build="p"/>
+      <p:bldP spid="6" grpId="0" uiExpand="1" build="p"/>
+    </p:bldLst>
+  </p:timing>
 </p:sld>
 </file>
 
@@ -4444,10 +6257,93 @@
       </p:grpSpPr>
       <p:sp>
         <p:nvSpPr>
+          <p:cNvPr id="4" name="標題 3">
+            <a:extLst>
+              <a:ext uri="{FF2B5EF4-FFF2-40B4-BE49-F238E27FC236}">
+                <a16:creationId xmlns:a16="http://schemas.microsoft.com/office/drawing/2014/main" id="{BD4D1AC1-EA7F-4517-B8A1-C8C04888B929}"/>
+              </a:ext>
+            </a:extLst>
+          </p:cNvPr>
+          <p:cNvSpPr>
+            <a:spLocks noGrp="1"/>
+          </p:cNvSpPr>
+          <p:nvPr>
+            <p:ph type="title"/>
+          </p:nvPr>
+        </p:nvSpPr>
+        <p:spPr/>
+        <p:txBody>
+          <a:bodyPr/>
+          <a:lstStyle/>
+          <a:p>
+            <a:r>
+              <a:rPr lang="zh-TW" altLang="en-US" dirty="0"/>
+              <a:t>什麼是非同步</a:t>
+            </a:r>
+          </a:p>
+        </p:txBody>
+      </p:sp>
+      <p:sp>
+        <p:nvSpPr>
+          <p:cNvPr id="5" name="文字版面配置區 4">
+            <a:extLst>
+              <a:ext uri="{FF2B5EF4-FFF2-40B4-BE49-F238E27FC236}">
+                <a16:creationId xmlns:a16="http://schemas.microsoft.com/office/drawing/2014/main" id="{FB99B319-881C-4A6A-9C57-D26A187CAADA}"/>
+              </a:ext>
+            </a:extLst>
+          </p:cNvPr>
+          <p:cNvSpPr>
+            <a:spLocks noGrp="1"/>
+          </p:cNvSpPr>
+          <p:nvPr>
+            <p:ph type="body" idx="1"/>
+          </p:nvPr>
+        </p:nvSpPr>
+        <p:spPr/>
+        <p:txBody>
+          <a:bodyPr/>
+          <a:lstStyle/>
+          <a:p>
+            <a:endParaRPr lang="zh-TW" altLang="en-US"/>
+          </a:p>
+        </p:txBody>
+      </p:sp>
+    </p:spTree>
+    <p:extLst>
+      <p:ext uri="{BB962C8B-B14F-4D97-AF65-F5344CB8AC3E}">
+        <p14:creationId xmlns:p14="http://schemas.microsoft.com/office/powerpoint/2010/main" val="2991093849"/>
+      </p:ext>
+    </p:extLst>
+  </p:cSld>
+  <p:clrMapOvr>
+    <a:masterClrMapping/>
+  </p:clrMapOvr>
+</p:sld>
+</file>
+
+<file path=ppt/slides/slide20.xml><?xml version="1.0" encoding="utf-8"?>
+<p:sld xmlns:a="http://schemas.openxmlformats.org/drawingml/2006/main" xmlns:r="http://schemas.openxmlformats.org/officeDocument/2006/relationships" xmlns:p="http://schemas.openxmlformats.org/presentationml/2006/main">
+  <p:cSld>
+    <p:spTree>
+      <p:nvGrpSpPr>
+        <p:cNvPr id="1" name=""/>
+        <p:cNvGrpSpPr/>
+        <p:nvPr/>
+      </p:nvGrpSpPr>
+      <p:grpSpPr>
+        <a:xfrm>
+          <a:off x="0" y="0"/>
+          <a:ext cx="0" cy="0"/>
+          <a:chOff x="0" y="0"/>
+          <a:chExt cx="0" cy="0"/>
+        </a:xfrm>
+      </p:grpSpPr>
+      <p:sp>
+        <p:nvSpPr>
           <p:cNvPr id="2" name="標題 1">
             <a:extLst>
               <a:ext uri="{FF2B5EF4-FFF2-40B4-BE49-F238E27FC236}">
-                <a16:creationId xmlns:a16="http://schemas.microsoft.com/office/drawing/2014/main" id="{A8CF5319-61E9-4378-89C4-7B586B75F720}"/>
+                <a16:creationId xmlns:a16="http://schemas.microsoft.com/office/drawing/2014/main" id="{375E1AF3-3882-40CA-A050-39AC4380C4C4}"/>
               </a:ext>
             </a:extLst>
           </p:cNvPr>
@@ -4463,7 +6359,51 @@
           <a:bodyPr/>
           <a:lstStyle/>
           <a:p>
-            <a:endParaRPr lang="zh-TW" altLang="en-US"/>
+            <a:r>
+              <a:rPr lang="zh-TW" altLang="en-US" dirty="0"/>
+              <a:t>怎麼用非同步</a:t>
+            </a:r>
+            <a:r>
+              <a:rPr lang="en-US" altLang="zh-TW" dirty="0"/>
+              <a:t>—</a:t>
+            </a:r>
+            <a:r>
+              <a:rPr lang="zh-TW" altLang="en-US" dirty="0"/>
+              <a:t>呼叫</a:t>
+            </a:r>
+          </a:p>
+        </p:txBody>
+      </p:sp>
+      <p:sp>
+        <p:nvSpPr>
+          <p:cNvPr id="4" name="文字版面配置區 3">
+            <a:extLst>
+              <a:ext uri="{FF2B5EF4-FFF2-40B4-BE49-F238E27FC236}">
+                <a16:creationId xmlns:a16="http://schemas.microsoft.com/office/drawing/2014/main" id="{181CE145-9952-493A-888F-38A8E2327298}"/>
+              </a:ext>
+            </a:extLst>
+          </p:cNvPr>
+          <p:cNvSpPr>
+            <a:spLocks noGrp="1"/>
+          </p:cNvSpPr>
+          <p:nvPr>
+            <p:ph type="body" idx="1"/>
+          </p:nvPr>
+        </p:nvSpPr>
+        <p:spPr>
+          <a:xfrm>
+            <a:off x="1371600" y="1516952"/>
+            <a:ext cx="4443984" cy="823912"/>
+          </a:xfrm>
+        </p:spPr>
+        <p:txBody>
+          <a:bodyPr/>
+          <a:lstStyle/>
+          <a:p>
+            <a:r>
+              <a:rPr lang="zh-TW" altLang="en-US" dirty="0"/>
+              <a:t>同步</a:t>
+            </a:r>
           </a:p>
         </p:txBody>
       </p:sp>
@@ -4472,7 +6412,7 @@
           <p:cNvPr id="3" name="內容版面配置區 2">
             <a:extLst>
               <a:ext uri="{FF2B5EF4-FFF2-40B4-BE49-F238E27FC236}">
-                <a16:creationId xmlns:a16="http://schemas.microsoft.com/office/drawing/2014/main" id="{79C22AFC-5C52-48A6-829C-B51D757FD1C6}"/>
+                <a16:creationId xmlns:a16="http://schemas.microsoft.com/office/drawing/2014/main" id="{4877105D-F782-4702-BD7A-A4E0F46A3650}"/>
               </a:ext>
             </a:extLst>
           </p:cNvPr>
@@ -4480,22 +6420,1316 @@
             <a:spLocks noGrp="1"/>
           </p:cNvSpPr>
           <p:nvPr>
-            <p:ph idx="1"/>
-          </p:nvPr>
-        </p:nvSpPr>
-        <p:spPr/>
-        <p:txBody>
-          <a:bodyPr/>
-          <a:lstStyle/>
-          <a:p>
-            <a:endParaRPr lang="zh-TW" altLang="en-US"/>
+            <p:ph sz="half" idx="2"/>
+          </p:nvPr>
+        </p:nvSpPr>
+        <p:spPr>
+          <a:xfrm>
+            <a:off x="1371600" y="2340865"/>
+            <a:ext cx="4443984" cy="3526536"/>
+          </a:xfrm>
+        </p:spPr>
+        <p:txBody>
+          <a:bodyPr/>
+          <a:lstStyle/>
+          <a:p>
+            <a:r>
+              <a:rPr lang="en-US" altLang="zh-TW" dirty="0">
+                <a:latin typeface="Consolas" panose="020B0609020204030204" pitchFamily="49" charset="0"/>
+              </a:rPr>
+              <a:t>Foo();</a:t>
+            </a:r>
+          </a:p>
+          <a:p>
+            <a:r>
+              <a:rPr lang="en-US" altLang="zh-TW" dirty="0">
+                <a:latin typeface="Consolas" panose="020B0609020204030204" pitchFamily="49" charset="0"/>
+              </a:rPr>
+              <a:t>var a = Bar();</a:t>
+            </a:r>
+            <a:endParaRPr lang="zh-TW" altLang="en-US" dirty="0">
+              <a:latin typeface="Consolas" panose="020B0609020204030204" pitchFamily="49" charset="0"/>
+            </a:endParaRPr>
+          </a:p>
+        </p:txBody>
+      </p:sp>
+      <p:sp>
+        <p:nvSpPr>
+          <p:cNvPr id="5" name="文字版面配置區 4">
+            <a:extLst>
+              <a:ext uri="{FF2B5EF4-FFF2-40B4-BE49-F238E27FC236}">
+                <a16:creationId xmlns:a16="http://schemas.microsoft.com/office/drawing/2014/main" id="{942B86E4-C93F-49AE-B1E3-B5BD1344E2BB}"/>
+              </a:ext>
+            </a:extLst>
+          </p:cNvPr>
+          <p:cNvSpPr>
+            <a:spLocks noGrp="1"/>
+          </p:cNvSpPr>
+          <p:nvPr>
+            <p:ph type="body" sz="quarter" idx="3"/>
+          </p:nvPr>
+        </p:nvSpPr>
+        <p:spPr>
+          <a:xfrm>
+            <a:off x="6525014" y="1516952"/>
+            <a:ext cx="4443984" cy="823912"/>
+          </a:xfrm>
+        </p:spPr>
+        <p:txBody>
+          <a:bodyPr/>
+          <a:lstStyle/>
+          <a:p>
+            <a:r>
+              <a:rPr lang="zh-TW" altLang="en-US" dirty="0"/>
+              <a:t>非同步</a:t>
+            </a:r>
+          </a:p>
+        </p:txBody>
+      </p:sp>
+      <p:sp>
+        <p:nvSpPr>
+          <p:cNvPr id="6" name="內容版面配置區 5">
+            <a:extLst>
+              <a:ext uri="{FF2B5EF4-FFF2-40B4-BE49-F238E27FC236}">
+                <a16:creationId xmlns:a16="http://schemas.microsoft.com/office/drawing/2014/main" id="{53C35351-5CFA-4BAB-8FA2-88082AB12F8E}"/>
+              </a:ext>
+            </a:extLst>
+          </p:cNvPr>
+          <p:cNvSpPr>
+            <a:spLocks noGrp="1"/>
+          </p:cNvSpPr>
+          <p:nvPr>
+            <p:ph sz="quarter" idx="4"/>
+          </p:nvPr>
+        </p:nvSpPr>
+        <p:spPr>
+          <a:xfrm>
+            <a:off x="6525013" y="2340865"/>
+            <a:ext cx="5465881" cy="3526536"/>
+          </a:xfrm>
+        </p:spPr>
+        <p:txBody>
+          <a:bodyPr/>
+          <a:lstStyle/>
+          <a:p>
+            <a:r>
+              <a:rPr lang="en-US" altLang="zh-TW" dirty="0">
+                <a:latin typeface="Consolas" panose="020B0609020204030204" pitchFamily="49" charset="0"/>
+              </a:rPr>
+              <a:t>await </a:t>
+            </a:r>
+            <a:r>
+              <a:rPr lang="en-US" altLang="zh-TW" dirty="0" err="1">
+                <a:latin typeface="Consolas" panose="020B0609020204030204" pitchFamily="49" charset="0"/>
+              </a:rPr>
+              <a:t>FooAsync</a:t>
+            </a:r>
+            <a:r>
+              <a:rPr lang="en-US" altLang="zh-TW" dirty="0">
+                <a:latin typeface="Consolas" panose="020B0609020204030204" pitchFamily="49" charset="0"/>
+              </a:rPr>
+              <a:t>();</a:t>
+            </a:r>
+          </a:p>
+          <a:p>
+            <a:r>
+              <a:rPr lang="en-US" altLang="zh-TW" dirty="0">
+                <a:latin typeface="Consolas" panose="020B0609020204030204" pitchFamily="49" charset="0"/>
+              </a:rPr>
+              <a:t>var a = await </a:t>
+            </a:r>
+            <a:r>
+              <a:rPr lang="en-US" altLang="zh-TW" dirty="0" err="1">
+                <a:latin typeface="Consolas" panose="020B0609020204030204" pitchFamily="49" charset="0"/>
+              </a:rPr>
+              <a:t>BarAsync</a:t>
+            </a:r>
+            <a:r>
+              <a:rPr lang="en-US" altLang="zh-TW" dirty="0">
+                <a:latin typeface="Consolas" panose="020B0609020204030204" pitchFamily="49" charset="0"/>
+              </a:rPr>
+              <a:t>();</a:t>
+            </a:r>
+            <a:endParaRPr lang="zh-TW" altLang="en-US" strike="sngStrike" dirty="0">
+              <a:latin typeface="Consolas" panose="020B0609020204030204" pitchFamily="49" charset="0"/>
+            </a:endParaRPr>
           </a:p>
         </p:txBody>
       </p:sp>
     </p:spTree>
     <p:extLst>
       <p:ext uri="{BB962C8B-B14F-4D97-AF65-F5344CB8AC3E}">
-        <p14:creationId xmlns:p14="http://schemas.microsoft.com/office/powerpoint/2010/main" val="866552030"/>
+        <p14:creationId xmlns:p14="http://schemas.microsoft.com/office/powerpoint/2010/main" val="3670598019"/>
+      </p:ext>
+    </p:extLst>
+  </p:cSld>
+  <p:clrMapOvr>
+    <a:masterClrMapping/>
+  </p:clrMapOvr>
+  <p:timing>
+    <p:tnLst>
+      <p:par>
+        <p:cTn id="1" dur="indefinite" restart="never" nodeType="tmRoot">
+          <p:childTnLst>
+            <p:seq concurrent="1" nextAc="seek">
+              <p:cTn id="2" dur="indefinite" nodeType="mainSeq">
+                <p:childTnLst>
+                  <p:par>
+                    <p:cTn id="3" fill="hold">
+                      <p:stCondLst>
+                        <p:cond delay="indefinite"/>
+                      </p:stCondLst>
+                      <p:childTnLst>
+                        <p:par>
+                          <p:cTn id="4" fill="hold">
+                            <p:stCondLst>
+                              <p:cond delay="0"/>
+                            </p:stCondLst>
+                            <p:childTnLst>
+                              <p:par>
+                                <p:cTn id="5" presetID="1" presetClass="entr" presetSubtype="0" fill="hold" nodeType="clickEffect">
+                                  <p:stCondLst>
+                                    <p:cond delay="0"/>
+                                  </p:stCondLst>
+                                  <p:childTnLst>
+                                    <p:set>
+                                      <p:cBhvr>
+                                        <p:cTn id="6" dur="1" fill="hold">
+                                          <p:stCondLst>
+                                            <p:cond delay="0"/>
+                                          </p:stCondLst>
+                                        </p:cTn>
+                                        <p:tgtEl>
+                                          <p:spTgt spid="3">
+                                            <p:txEl>
+                                              <p:pRg st="0" end="0"/>
+                                            </p:txEl>
+                                          </p:spTgt>
+                                        </p:tgtEl>
+                                        <p:attrNameLst>
+                                          <p:attrName>style.visibility</p:attrName>
+                                        </p:attrNameLst>
+                                      </p:cBhvr>
+                                      <p:to>
+                                        <p:strVal val="visible"/>
+                                      </p:to>
+                                    </p:set>
+                                  </p:childTnLst>
+                                </p:cTn>
+                              </p:par>
+                              <p:par>
+                                <p:cTn id="7" presetID="1" presetClass="entr" presetSubtype="0" fill="hold" nodeType="withEffect">
+                                  <p:stCondLst>
+                                    <p:cond delay="0"/>
+                                  </p:stCondLst>
+                                  <p:childTnLst>
+                                    <p:set>
+                                      <p:cBhvr>
+                                        <p:cTn id="8" dur="1" fill="hold">
+                                          <p:stCondLst>
+                                            <p:cond delay="0"/>
+                                          </p:stCondLst>
+                                        </p:cTn>
+                                        <p:tgtEl>
+                                          <p:spTgt spid="6">
+                                            <p:txEl>
+                                              <p:pRg st="0" end="0"/>
+                                            </p:txEl>
+                                          </p:spTgt>
+                                        </p:tgtEl>
+                                        <p:attrNameLst>
+                                          <p:attrName>style.visibility</p:attrName>
+                                        </p:attrNameLst>
+                                      </p:cBhvr>
+                                      <p:to>
+                                        <p:strVal val="visible"/>
+                                      </p:to>
+                                    </p:set>
+                                  </p:childTnLst>
+                                </p:cTn>
+                              </p:par>
+                            </p:childTnLst>
+                          </p:cTn>
+                        </p:par>
+                      </p:childTnLst>
+                    </p:cTn>
+                  </p:par>
+                  <p:par>
+                    <p:cTn id="9" fill="hold">
+                      <p:stCondLst>
+                        <p:cond delay="indefinite"/>
+                      </p:stCondLst>
+                      <p:childTnLst>
+                        <p:par>
+                          <p:cTn id="10" fill="hold">
+                            <p:stCondLst>
+                              <p:cond delay="0"/>
+                            </p:stCondLst>
+                            <p:childTnLst>
+                              <p:par>
+                                <p:cTn id="11" presetID="1" presetClass="entr" presetSubtype="0" fill="hold" nodeType="clickEffect">
+                                  <p:stCondLst>
+                                    <p:cond delay="0"/>
+                                  </p:stCondLst>
+                                  <p:childTnLst>
+                                    <p:set>
+                                      <p:cBhvr>
+                                        <p:cTn id="12" dur="1" fill="hold">
+                                          <p:stCondLst>
+                                            <p:cond delay="0"/>
+                                          </p:stCondLst>
+                                        </p:cTn>
+                                        <p:tgtEl>
+                                          <p:spTgt spid="3">
+                                            <p:txEl>
+                                              <p:pRg st="1" end="1"/>
+                                            </p:txEl>
+                                          </p:spTgt>
+                                        </p:tgtEl>
+                                        <p:attrNameLst>
+                                          <p:attrName>style.visibility</p:attrName>
+                                        </p:attrNameLst>
+                                      </p:cBhvr>
+                                      <p:to>
+                                        <p:strVal val="visible"/>
+                                      </p:to>
+                                    </p:set>
+                                  </p:childTnLst>
+                                </p:cTn>
+                              </p:par>
+                              <p:par>
+                                <p:cTn id="13" presetID="1" presetClass="entr" presetSubtype="0" fill="hold" nodeType="withEffect">
+                                  <p:stCondLst>
+                                    <p:cond delay="0"/>
+                                  </p:stCondLst>
+                                  <p:childTnLst>
+                                    <p:set>
+                                      <p:cBhvr>
+                                        <p:cTn id="14" dur="1" fill="hold">
+                                          <p:stCondLst>
+                                            <p:cond delay="0"/>
+                                          </p:stCondLst>
+                                        </p:cTn>
+                                        <p:tgtEl>
+                                          <p:spTgt spid="6">
+                                            <p:txEl>
+                                              <p:pRg st="1" end="1"/>
+                                            </p:txEl>
+                                          </p:spTgt>
+                                        </p:tgtEl>
+                                        <p:attrNameLst>
+                                          <p:attrName>style.visibility</p:attrName>
+                                        </p:attrNameLst>
+                                      </p:cBhvr>
+                                      <p:to>
+                                        <p:strVal val="visible"/>
+                                      </p:to>
+                                    </p:set>
+                                  </p:childTnLst>
+                                </p:cTn>
+                              </p:par>
+                            </p:childTnLst>
+                          </p:cTn>
+                        </p:par>
+                      </p:childTnLst>
+                    </p:cTn>
+                  </p:par>
+                </p:childTnLst>
+              </p:cTn>
+              <p:prevCondLst>
+                <p:cond evt="onPrev" delay="0">
+                  <p:tgtEl>
+                    <p:sldTgt/>
+                  </p:tgtEl>
+                </p:cond>
+              </p:prevCondLst>
+              <p:nextCondLst>
+                <p:cond evt="onNext" delay="0">
+                  <p:tgtEl>
+                    <p:sldTgt/>
+                  </p:tgtEl>
+                </p:cond>
+              </p:nextCondLst>
+            </p:seq>
+          </p:childTnLst>
+        </p:cTn>
+      </p:par>
+    </p:tnLst>
+  </p:timing>
+</p:sld>
+</file>
+
+<file path=ppt/slides/slide21.xml><?xml version="1.0" encoding="utf-8"?>
+<p:sld xmlns:a="http://schemas.openxmlformats.org/drawingml/2006/main" xmlns:r="http://schemas.openxmlformats.org/officeDocument/2006/relationships" xmlns:p="http://schemas.openxmlformats.org/presentationml/2006/main">
+  <p:cSld>
+    <p:spTree>
+      <p:nvGrpSpPr>
+        <p:cNvPr id="1" name=""/>
+        <p:cNvGrpSpPr/>
+        <p:nvPr/>
+      </p:nvGrpSpPr>
+      <p:grpSpPr>
+        <a:xfrm>
+          <a:off x="0" y="0"/>
+          <a:ext cx="0" cy="0"/>
+          <a:chOff x="0" y="0"/>
+          <a:chExt cx="0" cy="0"/>
+        </a:xfrm>
+      </p:grpSpPr>
+      <p:sp>
+        <p:nvSpPr>
+          <p:cNvPr id="2" name="標題 1">
+            <a:extLst>
+              <a:ext uri="{FF2B5EF4-FFF2-40B4-BE49-F238E27FC236}">
+                <a16:creationId xmlns:a16="http://schemas.microsoft.com/office/drawing/2014/main" id="{375E1AF3-3882-40CA-A050-39AC4380C4C4}"/>
+              </a:ext>
+            </a:extLst>
+          </p:cNvPr>
+          <p:cNvSpPr>
+            <a:spLocks noGrp="1"/>
+          </p:cNvSpPr>
+          <p:nvPr>
+            <p:ph type="title"/>
+          </p:nvPr>
+        </p:nvSpPr>
+        <p:spPr/>
+        <p:txBody>
+          <a:bodyPr/>
+          <a:lstStyle/>
+          <a:p>
+            <a:r>
+              <a:rPr lang="zh-TW" altLang="en-US" dirty="0"/>
+              <a:t>怎麼用非同步</a:t>
+            </a:r>
+            <a:r>
+              <a:rPr lang="en-US" altLang="zh-TW" dirty="0"/>
+              <a:t>—Lambda</a:t>
+            </a:r>
+            <a:endParaRPr lang="zh-TW" altLang="en-US" dirty="0"/>
+          </a:p>
+        </p:txBody>
+      </p:sp>
+      <p:sp>
+        <p:nvSpPr>
+          <p:cNvPr id="4" name="文字版面配置區 3">
+            <a:extLst>
+              <a:ext uri="{FF2B5EF4-FFF2-40B4-BE49-F238E27FC236}">
+                <a16:creationId xmlns:a16="http://schemas.microsoft.com/office/drawing/2014/main" id="{181CE145-9952-493A-888F-38A8E2327298}"/>
+              </a:ext>
+            </a:extLst>
+          </p:cNvPr>
+          <p:cNvSpPr>
+            <a:spLocks noGrp="1"/>
+          </p:cNvSpPr>
+          <p:nvPr>
+            <p:ph type="body" idx="1"/>
+          </p:nvPr>
+        </p:nvSpPr>
+        <p:spPr>
+          <a:xfrm>
+            <a:off x="1371600" y="1516952"/>
+            <a:ext cx="4443984" cy="823912"/>
+          </a:xfrm>
+        </p:spPr>
+        <p:txBody>
+          <a:bodyPr/>
+          <a:lstStyle/>
+          <a:p>
+            <a:r>
+              <a:rPr lang="zh-TW" altLang="en-US" dirty="0"/>
+              <a:t>同步</a:t>
+            </a:r>
+          </a:p>
+        </p:txBody>
+      </p:sp>
+      <p:sp>
+        <p:nvSpPr>
+          <p:cNvPr id="3" name="內容版面配置區 2">
+            <a:extLst>
+              <a:ext uri="{FF2B5EF4-FFF2-40B4-BE49-F238E27FC236}">
+                <a16:creationId xmlns:a16="http://schemas.microsoft.com/office/drawing/2014/main" id="{4877105D-F782-4702-BD7A-A4E0F46A3650}"/>
+              </a:ext>
+            </a:extLst>
+          </p:cNvPr>
+          <p:cNvSpPr>
+            <a:spLocks noGrp="1"/>
+          </p:cNvSpPr>
+          <p:nvPr>
+            <p:ph sz="half" idx="2"/>
+          </p:nvPr>
+        </p:nvSpPr>
+        <p:spPr>
+          <a:xfrm>
+            <a:off x="1371600" y="2340865"/>
+            <a:ext cx="4443984" cy="3526536"/>
+          </a:xfrm>
+        </p:spPr>
+        <p:txBody>
+          <a:bodyPr/>
+          <a:lstStyle/>
+          <a:p>
+            <a:r>
+              <a:rPr lang="en-US" altLang="zh-TW" dirty="0">
+                <a:latin typeface="Consolas" panose="020B0609020204030204" pitchFamily="49" charset="0"/>
+              </a:rPr>
+              <a:t>Foo(()=&gt;{</a:t>
+            </a:r>
+          </a:p>
+          <a:p>
+            <a:pPr marL="0" indent="0">
+              <a:buNone/>
+            </a:pPr>
+            <a:r>
+              <a:rPr lang="en-US" altLang="zh-TW" dirty="0">
+                <a:latin typeface="Consolas" panose="020B0609020204030204" pitchFamily="49" charset="0"/>
+              </a:rPr>
+              <a:t>  	Bar();</a:t>
+            </a:r>
+          </a:p>
+          <a:p>
+            <a:pPr marL="0" indent="0">
+              <a:buNone/>
+            </a:pPr>
+            <a:r>
+              <a:rPr lang="en-US" altLang="zh-TW" dirty="0">
+                <a:latin typeface="Consolas" panose="020B0609020204030204" pitchFamily="49" charset="0"/>
+              </a:rPr>
+              <a:t>  })</a:t>
+            </a:r>
+            <a:endParaRPr lang="zh-TW" altLang="en-US" dirty="0">
+              <a:latin typeface="Consolas" panose="020B0609020204030204" pitchFamily="49" charset="0"/>
+            </a:endParaRPr>
+          </a:p>
+        </p:txBody>
+      </p:sp>
+      <p:sp>
+        <p:nvSpPr>
+          <p:cNvPr id="5" name="文字版面配置區 4">
+            <a:extLst>
+              <a:ext uri="{FF2B5EF4-FFF2-40B4-BE49-F238E27FC236}">
+                <a16:creationId xmlns:a16="http://schemas.microsoft.com/office/drawing/2014/main" id="{942B86E4-C93F-49AE-B1E3-B5BD1344E2BB}"/>
+              </a:ext>
+            </a:extLst>
+          </p:cNvPr>
+          <p:cNvSpPr>
+            <a:spLocks noGrp="1"/>
+          </p:cNvSpPr>
+          <p:nvPr>
+            <p:ph type="body" sz="quarter" idx="3"/>
+          </p:nvPr>
+        </p:nvSpPr>
+        <p:spPr>
+          <a:xfrm>
+            <a:off x="6525014" y="1516952"/>
+            <a:ext cx="4443984" cy="823912"/>
+          </a:xfrm>
+        </p:spPr>
+        <p:txBody>
+          <a:bodyPr/>
+          <a:lstStyle/>
+          <a:p>
+            <a:r>
+              <a:rPr lang="zh-TW" altLang="en-US" dirty="0"/>
+              <a:t>非同步</a:t>
+            </a:r>
+          </a:p>
+        </p:txBody>
+      </p:sp>
+      <p:sp>
+        <p:nvSpPr>
+          <p:cNvPr id="6" name="內容版面配置區 5">
+            <a:extLst>
+              <a:ext uri="{FF2B5EF4-FFF2-40B4-BE49-F238E27FC236}">
+                <a16:creationId xmlns:a16="http://schemas.microsoft.com/office/drawing/2014/main" id="{53C35351-5CFA-4BAB-8FA2-88082AB12F8E}"/>
+              </a:ext>
+            </a:extLst>
+          </p:cNvPr>
+          <p:cNvSpPr>
+            <a:spLocks noGrp="1"/>
+          </p:cNvSpPr>
+          <p:nvPr>
+            <p:ph sz="quarter" idx="4"/>
+          </p:nvPr>
+        </p:nvSpPr>
+        <p:spPr>
+          <a:xfrm>
+            <a:off x="6525013" y="2340865"/>
+            <a:ext cx="5153415" cy="3526536"/>
+          </a:xfrm>
+        </p:spPr>
+        <p:txBody>
+          <a:bodyPr/>
+          <a:lstStyle/>
+          <a:p>
+            <a:r>
+              <a:rPr lang="en-US" altLang="zh-TW" dirty="0">
+                <a:latin typeface="Consolas" panose="020B0609020204030204" pitchFamily="49" charset="0"/>
+              </a:rPr>
+              <a:t>Foo(async ()=&gt;{</a:t>
+            </a:r>
+          </a:p>
+          <a:p>
+            <a:pPr marL="0" indent="0">
+              <a:buNone/>
+            </a:pPr>
+            <a:r>
+              <a:rPr lang="en-US" altLang="zh-TW" dirty="0">
+                <a:latin typeface="Consolas" panose="020B0609020204030204" pitchFamily="49" charset="0"/>
+              </a:rPr>
+              <a:t>  	await </a:t>
+            </a:r>
+            <a:r>
+              <a:rPr lang="en-US" altLang="zh-TW" dirty="0" err="1">
+                <a:latin typeface="Consolas" panose="020B0609020204030204" pitchFamily="49" charset="0"/>
+              </a:rPr>
+              <a:t>BarAsync</a:t>
+            </a:r>
+            <a:r>
+              <a:rPr lang="en-US" altLang="zh-TW" dirty="0">
+                <a:latin typeface="Consolas" panose="020B0609020204030204" pitchFamily="49" charset="0"/>
+              </a:rPr>
+              <a:t>();</a:t>
+            </a:r>
+          </a:p>
+          <a:p>
+            <a:pPr marL="0" indent="0">
+              <a:buNone/>
+            </a:pPr>
+            <a:r>
+              <a:rPr lang="en-US" altLang="zh-TW" dirty="0">
+                <a:latin typeface="Consolas" panose="020B0609020204030204" pitchFamily="49" charset="0"/>
+              </a:rPr>
+              <a:t>  })</a:t>
+            </a:r>
+            <a:endParaRPr lang="zh-TW" altLang="en-US" dirty="0">
+              <a:latin typeface="Consolas" panose="020B0609020204030204" pitchFamily="49" charset="0"/>
+            </a:endParaRPr>
+          </a:p>
+        </p:txBody>
+      </p:sp>
+    </p:spTree>
+    <p:extLst>
+      <p:ext uri="{BB962C8B-B14F-4D97-AF65-F5344CB8AC3E}">
+        <p14:creationId xmlns:p14="http://schemas.microsoft.com/office/powerpoint/2010/main" val="861732010"/>
+      </p:ext>
+    </p:extLst>
+  </p:cSld>
+  <p:clrMapOvr>
+    <a:masterClrMapping/>
+  </p:clrMapOvr>
+</p:sld>
+</file>
+
+<file path=ppt/slides/slide22.xml><?xml version="1.0" encoding="utf-8"?>
+<p:sld xmlns:a="http://schemas.openxmlformats.org/drawingml/2006/main" xmlns:r="http://schemas.openxmlformats.org/officeDocument/2006/relationships" xmlns:p="http://schemas.openxmlformats.org/presentationml/2006/main">
+  <p:cSld>
+    <p:spTree>
+      <p:nvGrpSpPr>
+        <p:cNvPr id="1" name=""/>
+        <p:cNvGrpSpPr/>
+        <p:nvPr/>
+      </p:nvGrpSpPr>
+      <p:grpSpPr>
+        <a:xfrm>
+          <a:off x="0" y="0"/>
+          <a:ext cx="0" cy="0"/>
+          <a:chOff x="0" y="0"/>
+          <a:chExt cx="0" cy="0"/>
+        </a:xfrm>
+      </p:grpSpPr>
+      <p:sp>
+        <p:nvSpPr>
+          <p:cNvPr id="4" name="標題 3">
+            <a:extLst>
+              <a:ext uri="{FF2B5EF4-FFF2-40B4-BE49-F238E27FC236}">
+                <a16:creationId xmlns:a16="http://schemas.microsoft.com/office/drawing/2014/main" id="{B30D21D9-FC15-4EFB-B6EE-82937DD0EC5E}"/>
+              </a:ext>
+            </a:extLst>
+          </p:cNvPr>
+          <p:cNvSpPr>
+            <a:spLocks noGrp="1"/>
+          </p:cNvSpPr>
+          <p:nvPr>
+            <p:ph type="title"/>
+          </p:nvPr>
+        </p:nvSpPr>
+        <p:spPr/>
+        <p:txBody>
+          <a:bodyPr/>
+          <a:lstStyle/>
+          <a:p>
+            <a:r>
+              <a:rPr lang="zh-TW" altLang="en-US" dirty="0"/>
+              <a:t>避免與注意事項</a:t>
+            </a:r>
+          </a:p>
+        </p:txBody>
+      </p:sp>
+      <p:sp>
+        <p:nvSpPr>
+          <p:cNvPr id="5" name="文字版面配置區 4">
+            <a:extLst>
+              <a:ext uri="{FF2B5EF4-FFF2-40B4-BE49-F238E27FC236}">
+                <a16:creationId xmlns:a16="http://schemas.microsoft.com/office/drawing/2014/main" id="{529E6886-9147-475B-8604-5ED7D95D23A5}"/>
+              </a:ext>
+            </a:extLst>
+          </p:cNvPr>
+          <p:cNvSpPr>
+            <a:spLocks noGrp="1"/>
+          </p:cNvSpPr>
+          <p:nvPr>
+            <p:ph type="body" idx="1"/>
+          </p:nvPr>
+        </p:nvSpPr>
+        <p:spPr/>
+        <p:txBody>
+          <a:bodyPr/>
+          <a:lstStyle/>
+          <a:p>
+            <a:endParaRPr lang="zh-TW" altLang="en-US"/>
+          </a:p>
+        </p:txBody>
+      </p:sp>
+    </p:spTree>
+    <p:extLst>
+      <p:ext uri="{BB962C8B-B14F-4D97-AF65-F5344CB8AC3E}">
+        <p14:creationId xmlns:p14="http://schemas.microsoft.com/office/powerpoint/2010/main" val="1484087901"/>
+      </p:ext>
+    </p:extLst>
+  </p:cSld>
+  <p:clrMapOvr>
+    <a:masterClrMapping/>
+  </p:clrMapOvr>
+</p:sld>
+</file>
+
+<file path=ppt/slides/slide23.xml><?xml version="1.0" encoding="utf-8"?>
+<p:sld xmlns:a="http://schemas.openxmlformats.org/drawingml/2006/main" xmlns:r="http://schemas.openxmlformats.org/officeDocument/2006/relationships" xmlns:p="http://schemas.openxmlformats.org/presentationml/2006/main">
+  <p:cSld>
+    <p:spTree>
+      <p:nvGrpSpPr>
+        <p:cNvPr id="1" name=""/>
+        <p:cNvGrpSpPr/>
+        <p:nvPr/>
+      </p:nvGrpSpPr>
+      <p:grpSpPr>
+        <a:xfrm>
+          <a:off x="0" y="0"/>
+          <a:ext cx="0" cy="0"/>
+          <a:chOff x="0" y="0"/>
+          <a:chExt cx="0" cy="0"/>
+        </a:xfrm>
+      </p:grpSpPr>
+      <p:sp>
+        <p:nvSpPr>
+          <p:cNvPr id="4" name="標題 3">
+            <a:extLst>
+              <a:ext uri="{FF2B5EF4-FFF2-40B4-BE49-F238E27FC236}">
+                <a16:creationId xmlns:a16="http://schemas.microsoft.com/office/drawing/2014/main" id="{3797183D-3828-4699-A43E-CEE8DCB41174}"/>
+              </a:ext>
+            </a:extLst>
+          </p:cNvPr>
+          <p:cNvSpPr>
+            <a:spLocks noGrp="1"/>
+          </p:cNvSpPr>
+          <p:nvPr>
+            <p:ph type="title"/>
+          </p:nvPr>
+        </p:nvSpPr>
+        <p:spPr/>
+        <p:txBody>
+          <a:bodyPr/>
+          <a:lstStyle/>
+          <a:p>
+            <a:r>
+              <a:rPr lang="zh-TW" altLang="en-US" dirty="0"/>
+              <a:t>避免以同步呼叫非同步</a:t>
+            </a:r>
+          </a:p>
+        </p:txBody>
+      </p:sp>
+      <p:sp>
+        <p:nvSpPr>
+          <p:cNvPr id="5" name="內容版面配置區 4">
+            <a:extLst>
+              <a:ext uri="{FF2B5EF4-FFF2-40B4-BE49-F238E27FC236}">
+                <a16:creationId xmlns:a16="http://schemas.microsoft.com/office/drawing/2014/main" id="{DF110E2F-7112-4905-B2C1-0A27AABD033A}"/>
+              </a:ext>
+            </a:extLst>
+          </p:cNvPr>
+          <p:cNvSpPr>
+            <a:spLocks noGrp="1"/>
+          </p:cNvSpPr>
+          <p:nvPr>
+            <p:ph idx="1"/>
+          </p:nvPr>
+        </p:nvSpPr>
+        <p:spPr/>
+        <p:txBody>
+          <a:bodyPr/>
+          <a:lstStyle/>
+          <a:p>
+            <a:endParaRPr lang="zh-TW" altLang="en-US"/>
+          </a:p>
+        </p:txBody>
+      </p:sp>
+    </p:spTree>
+    <p:extLst>
+      <p:ext uri="{BB962C8B-B14F-4D97-AF65-F5344CB8AC3E}">
+        <p14:creationId xmlns:p14="http://schemas.microsoft.com/office/powerpoint/2010/main" val="655879151"/>
+      </p:ext>
+    </p:extLst>
+  </p:cSld>
+  <p:clrMapOvr>
+    <a:masterClrMapping/>
+  </p:clrMapOvr>
+</p:sld>
+</file>
+
+<file path=ppt/slides/slide24.xml><?xml version="1.0" encoding="utf-8"?>
+<p:sld xmlns:a="http://schemas.openxmlformats.org/drawingml/2006/main" xmlns:r="http://schemas.openxmlformats.org/officeDocument/2006/relationships" xmlns:p="http://schemas.openxmlformats.org/presentationml/2006/main">
+  <p:cSld>
+    <p:spTree>
+      <p:nvGrpSpPr>
+        <p:cNvPr id="1" name=""/>
+        <p:cNvGrpSpPr/>
+        <p:nvPr/>
+      </p:nvGrpSpPr>
+      <p:grpSpPr>
+        <a:xfrm>
+          <a:off x="0" y="0"/>
+          <a:ext cx="0" cy="0"/>
+          <a:chOff x="0" y="0"/>
+          <a:chExt cx="0" cy="0"/>
+        </a:xfrm>
+      </p:grpSpPr>
+      <p:sp>
+        <p:nvSpPr>
+          <p:cNvPr id="4" name="標題 3">
+            <a:extLst>
+              <a:ext uri="{FF2B5EF4-FFF2-40B4-BE49-F238E27FC236}">
+                <a16:creationId xmlns:a16="http://schemas.microsoft.com/office/drawing/2014/main" id="{CAE88269-831B-47F3-BCCB-ADB55761B458}"/>
+              </a:ext>
+            </a:extLst>
+          </p:cNvPr>
+          <p:cNvSpPr>
+            <a:spLocks noGrp="1"/>
+          </p:cNvSpPr>
+          <p:nvPr>
+            <p:ph type="title"/>
+          </p:nvPr>
+        </p:nvSpPr>
+        <p:spPr/>
+        <p:txBody>
+          <a:bodyPr/>
+          <a:lstStyle/>
+          <a:p>
+            <a:r>
+              <a:rPr lang="zh-TW" altLang="en-US" dirty="0"/>
+              <a:t>避免以同步呼叫非同步</a:t>
+            </a:r>
+          </a:p>
+        </p:txBody>
+      </p:sp>
+      <p:sp>
+        <p:nvSpPr>
+          <p:cNvPr id="5" name="內容版面配置區 4">
+            <a:extLst>
+              <a:ext uri="{FF2B5EF4-FFF2-40B4-BE49-F238E27FC236}">
+                <a16:creationId xmlns:a16="http://schemas.microsoft.com/office/drawing/2014/main" id="{072A1A9B-4EB9-4970-A8FB-B51BAA8645EA}"/>
+              </a:ext>
+            </a:extLst>
+          </p:cNvPr>
+          <p:cNvSpPr>
+            <a:spLocks noGrp="1"/>
+          </p:cNvSpPr>
+          <p:nvPr>
+            <p:ph idx="1"/>
+          </p:nvPr>
+        </p:nvSpPr>
+        <p:spPr/>
+        <p:txBody>
+          <a:bodyPr/>
+          <a:lstStyle/>
+          <a:p>
+            <a:r>
+              <a:rPr lang="en-US" altLang="zh-TW" dirty="0">
+                <a:latin typeface="Consolas" panose="020B0609020204030204" pitchFamily="49" charset="0"/>
+              </a:rPr>
+              <a:t>(O) .</a:t>
+            </a:r>
+            <a:r>
+              <a:rPr lang="en-US" altLang="zh-TW" dirty="0" err="1">
+                <a:latin typeface="Consolas" panose="020B0609020204030204" pitchFamily="49" charset="0"/>
+              </a:rPr>
+              <a:t>GetAwaiter</a:t>
+            </a:r>
+            <a:r>
+              <a:rPr lang="en-US" altLang="zh-TW" dirty="0">
+                <a:latin typeface="Consolas" panose="020B0609020204030204" pitchFamily="49" charset="0"/>
+              </a:rPr>
+              <a:t>().</a:t>
+            </a:r>
+            <a:r>
+              <a:rPr lang="en-US" altLang="zh-TW" dirty="0" err="1">
+                <a:latin typeface="Consolas" panose="020B0609020204030204" pitchFamily="49" charset="0"/>
+              </a:rPr>
+              <a:t>GetResult</a:t>
+            </a:r>
+            <a:r>
+              <a:rPr lang="en-US" altLang="zh-TW" dirty="0">
+                <a:latin typeface="Consolas" panose="020B0609020204030204" pitchFamily="49" charset="0"/>
+              </a:rPr>
+              <a:t>()</a:t>
+            </a:r>
+          </a:p>
+          <a:p>
+            <a:r>
+              <a:rPr lang="en-US" altLang="zh-TW" dirty="0">
+                <a:latin typeface="Consolas" panose="020B0609020204030204" pitchFamily="49" charset="0"/>
+              </a:rPr>
+              <a:t>(X) .Result</a:t>
+            </a:r>
+          </a:p>
+          <a:p>
+            <a:r>
+              <a:rPr lang="en-US" altLang="zh-TW" dirty="0">
+                <a:latin typeface="Consolas" panose="020B0609020204030204" pitchFamily="49" charset="0"/>
+              </a:rPr>
+              <a:t>(X) .Wait()</a:t>
+            </a:r>
+          </a:p>
+          <a:p>
+            <a:pPr lvl="1"/>
+            <a:r>
+              <a:rPr lang="en-US" altLang="zh-TW" dirty="0" err="1"/>
+              <a:t>AggregateException</a:t>
+            </a:r>
+            <a:endParaRPr lang="en-US" altLang="zh-TW" dirty="0"/>
+          </a:p>
+          <a:p>
+            <a:pPr lvl="1"/>
+            <a:r>
+              <a:rPr lang="en-US" altLang="zh-TW" dirty="0" err="1"/>
+              <a:t>DeadLock</a:t>
+            </a:r>
+            <a:endParaRPr lang="zh-TW" altLang="en-US" dirty="0"/>
+          </a:p>
+        </p:txBody>
+      </p:sp>
+    </p:spTree>
+    <p:extLst>
+      <p:ext uri="{BB962C8B-B14F-4D97-AF65-F5344CB8AC3E}">
+        <p14:creationId xmlns:p14="http://schemas.microsoft.com/office/powerpoint/2010/main" val="700056660"/>
+      </p:ext>
+    </p:extLst>
+  </p:cSld>
+  <p:clrMapOvr>
+    <a:masterClrMapping/>
+  </p:clrMapOvr>
+  <p:timing>
+    <p:tnLst>
+      <p:par>
+        <p:cTn id="1" dur="indefinite" restart="never" nodeType="tmRoot">
+          <p:childTnLst>
+            <p:seq concurrent="1" nextAc="seek">
+              <p:cTn id="2" dur="indefinite" nodeType="mainSeq">
+                <p:childTnLst>
+                  <p:par>
+                    <p:cTn id="3" fill="hold">
+                      <p:stCondLst>
+                        <p:cond delay="indefinite"/>
+                      </p:stCondLst>
+                      <p:childTnLst>
+                        <p:par>
+                          <p:cTn id="4" fill="hold">
+                            <p:stCondLst>
+                              <p:cond delay="0"/>
+                            </p:stCondLst>
+                            <p:childTnLst>
+                              <p:par>
+                                <p:cTn id="5" presetID="1" presetClass="entr" presetSubtype="0" fill="hold" nodeType="clickEffect">
+                                  <p:stCondLst>
+                                    <p:cond delay="0"/>
+                                  </p:stCondLst>
+                                  <p:childTnLst>
+                                    <p:set>
+                                      <p:cBhvr>
+                                        <p:cTn id="6" dur="1" fill="hold">
+                                          <p:stCondLst>
+                                            <p:cond delay="0"/>
+                                          </p:stCondLst>
+                                        </p:cTn>
+                                        <p:tgtEl>
+                                          <p:spTgt spid="5">
+                                            <p:txEl>
+                                              <p:pRg st="1" end="1"/>
+                                            </p:txEl>
+                                          </p:spTgt>
+                                        </p:tgtEl>
+                                        <p:attrNameLst>
+                                          <p:attrName>style.visibility</p:attrName>
+                                        </p:attrNameLst>
+                                      </p:cBhvr>
+                                      <p:to>
+                                        <p:strVal val="visible"/>
+                                      </p:to>
+                                    </p:set>
+                                  </p:childTnLst>
+                                </p:cTn>
+                              </p:par>
+                              <p:par>
+                                <p:cTn id="7" presetID="1" presetClass="entr" presetSubtype="0" fill="hold" nodeType="withEffect">
+                                  <p:stCondLst>
+                                    <p:cond delay="0"/>
+                                  </p:stCondLst>
+                                  <p:childTnLst>
+                                    <p:set>
+                                      <p:cBhvr>
+                                        <p:cTn id="8" dur="1" fill="hold">
+                                          <p:stCondLst>
+                                            <p:cond delay="0"/>
+                                          </p:stCondLst>
+                                        </p:cTn>
+                                        <p:tgtEl>
+                                          <p:spTgt spid="5">
+                                            <p:txEl>
+                                              <p:pRg st="2" end="2"/>
+                                            </p:txEl>
+                                          </p:spTgt>
+                                        </p:tgtEl>
+                                        <p:attrNameLst>
+                                          <p:attrName>style.visibility</p:attrName>
+                                        </p:attrNameLst>
+                                      </p:cBhvr>
+                                      <p:to>
+                                        <p:strVal val="visible"/>
+                                      </p:to>
+                                    </p:set>
+                                  </p:childTnLst>
+                                </p:cTn>
+                              </p:par>
+                            </p:childTnLst>
+                          </p:cTn>
+                        </p:par>
+                      </p:childTnLst>
+                    </p:cTn>
+                  </p:par>
+                  <p:par>
+                    <p:cTn id="9" fill="hold">
+                      <p:stCondLst>
+                        <p:cond delay="indefinite"/>
+                      </p:stCondLst>
+                      <p:childTnLst>
+                        <p:par>
+                          <p:cTn id="10" fill="hold">
+                            <p:stCondLst>
+                              <p:cond delay="0"/>
+                            </p:stCondLst>
+                            <p:childTnLst>
+                              <p:par>
+                                <p:cTn id="11" presetID="1" presetClass="entr" presetSubtype="0" fill="hold" nodeType="clickEffect">
+                                  <p:stCondLst>
+                                    <p:cond delay="0"/>
+                                  </p:stCondLst>
+                                  <p:childTnLst>
+                                    <p:set>
+                                      <p:cBhvr>
+                                        <p:cTn id="12" dur="1" fill="hold">
+                                          <p:stCondLst>
+                                            <p:cond delay="0"/>
+                                          </p:stCondLst>
+                                        </p:cTn>
+                                        <p:tgtEl>
+                                          <p:spTgt spid="5">
+                                            <p:txEl>
+                                              <p:pRg st="3" end="3"/>
+                                            </p:txEl>
+                                          </p:spTgt>
+                                        </p:tgtEl>
+                                        <p:attrNameLst>
+                                          <p:attrName>style.visibility</p:attrName>
+                                        </p:attrNameLst>
+                                      </p:cBhvr>
+                                      <p:to>
+                                        <p:strVal val="visible"/>
+                                      </p:to>
+                                    </p:set>
+                                  </p:childTnLst>
+                                </p:cTn>
+                              </p:par>
+                              <p:par>
+                                <p:cTn id="13" presetID="1" presetClass="entr" presetSubtype="0" fill="hold" nodeType="withEffect">
+                                  <p:stCondLst>
+                                    <p:cond delay="0"/>
+                                  </p:stCondLst>
+                                  <p:childTnLst>
+                                    <p:set>
+                                      <p:cBhvr>
+                                        <p:cTn id="14" dur="1" fill="hold">
+                                          <p:stCondLst>
+                                            <p:cond delay="0"/>
+                                          </p:stCondLst>
+                                        </p:cTn>
+                                        <p:tgtEl>
+                                          <p:spTgt spid="5">
+                                            <p:txEl>
+                                              <p:pRg st="4" end="4"/>
+                                            </p:txEl>
+                                          </p:spTgt>
+                                        </p:tgtEl>
+                                        <p:attrNameLst>
+                                          <p:attrName>style.visibility</p:attrName>
+                                        </p:attrNameLst>
+                                      </p:cBhvr>
+                                      <p:to>
+                                        <p:strVal val="visible"/>
+                                      </p:to>
+                                    </p:set>
+                                  </p:childTnLst>
+                                </p:cTn>
+                              </p:par>
+                            </p:childTnLst>
+                          </p:cTn>
+                        </p:par>
+                      </p:childTnLst>
+                    </p:cTn>
+                  </p:par>
+                </p:childTnLst>
+              </p:cTn>
+              <p:prevCondLst>
+                <p:cond evt="onPrev" delay="0">
+                  <p:tgtEl>
+                    <p:sldTgt/>
+                  </p:tgtEl>
+                </p:cond>
+              </p:prevCondLst>
+              <p:nextCondLst>
+                <p:cond evt="onNext" delay="0">
+                  <p:tgtEl>
+                    <p:sldTgt/>
+                  </p:tgtEl>
+                </p:cond>
+              </p:nextCondLst>
+            </p:seq>
+          </p:childTnLst>
+        </p:cTn>
+      </p:par>
+    </p:tnLst>
+  </p:timing>
+</p:sld>
+</file>
+
+<file path=ppt/slides/slide25.xml><?xml version="1.0" encoding="utf-8"?>
+<p:sld xmlns:a="http://schemas.openxmlformats.org/drawingml/2006/main" xmlns:r="http://schemas.openxmlformats.org/officeDocument/2006/relationships" xmlns:p="http://schemas.openxmlformats.org/presentationml/2006/main">
+  <p:cSld>
+    <p:spTree>
+      <p:nvGrpSpPr>
+        <p:cNvPr id="1" name=""/>
+        <p:cNvGrpSpPr/>
+        <p:nvPr/>
+      </p:nvGrpSpPr>
+      <p:grpSpPr>
+        <a:xfrm>
+          <a:off x="0" y="0"/>
+          <a:ext cx="0" cy="0"/>
+          <a:chOff x="0" y="0"/>
+          <a:chExt cx="0" cy="0"/>
+        </a:xfrm>
+      </p:grpSpPr>
+      <p:sp>
+        <p:nvSpPr>
+          <p:cNvPr id="2" name="標題 1">
+            <a:extLst>
+              <a:ext uri="{FF2B5EF4-FFF2-40B4-BE49-F238E27FC236}">
+                <a16:creationId xmlns:a16="http://schemas.microsoft.com/office/drawing/2014/main" id="{90240F52-59BE-4459-8FC7-1027F21A8322}"/>
+              </a:ext>
+            </a:extLst>
+          </p:cNvPr>
+          <p:cNvSpPr>
+            <a:spLocks noGrp="1"/>
+          </p:cNvSpPr>
+          <p:nvPr>
+            <p:ph type="title"/>
+          </p:nvPr>
+        </p:nvSpPr>
+        <p:spPr/>
+        <p:txBody>
+          <a:bodyPr/>
+          <a:lstStyle/>
+          <a:p>
+            <a:r>
+              <a:rPr lang="zh-TW" altLang="en-US" dirty="0"/>
+              <a:t>避免射後不理</a:t>
+            </a:r>
+          </a:p>
+        </p:txBody>
+      </p:sp>
+      <p:sp>
+        <p:nvSpPr>
+          <p:cNvPr id="3" name="內容版面配置區 2">
+            <a:extLst>
+              <a:ext uri="{FF2B5EF4-FFF2-40B4-BE49-F238E27FC236}">
+                <a16:creationId xmlns:a16="http://schemas.microsoft.com/office/drawing/2014/main" id="{37B99059-7847-43F7-A09C-5BB5349A24E4}"/>
+              </a:ext>
+            </a:extLst>
+          </p:cNvPr>
+          <p:cNvSpPr>
+            <a:spLocks noGrp="1"/>
+          </p:cNvSpPr>
+          <p:nvPr>
+            <p:ph idx="1"/>
+          </p:nvPr>
+        </p:nvSpPr>
+        <p:spPr/>
+        <p:txBody>
+          <a:bodyPr/>
+          <a:lstStyle/>
+          <a:p>
+            <a:r>
+              <a:rPr lang="en-US" altLang="zh-TW" dirty="0">
+                <a:latin typeface="Consolas" panose="020B0609020204030204" pitchFamily="49" charset="0"/>
+              </a:rPr>
+              <a:t>(O)</a:t>
+            </a:r>
+            <a:r>
+              <a:rPr lang="zh-TW" altLang="en-US" dirty="0">
+                <a:latin typeface="Consolas" panose="020B0609020204030204" pitchFamily="49" charset="0"/>
+              </a:rPr>
+              <a:t> </a:t>
+            </a:r>
+            <a:r>
+              <a:rPr lang="en-US" altLang="zh-TW" dirty="0">
+                <a:latin typeface="Consolas" panose="020B0609020204030204" pitchFamily="49" charset="0"/>
+              </a:rPr>
+              <a:t>await </a:t>
+            </a:r>
+            <a:r>
+              <a:rPr lang="en-US" altLang="zh-TW" dirty="0" err="1">
+                <a:latin typeface="Consolas" panose="020B0609020204030204" pitchFamily="49" charset="0"/>
+              </a:rPr>
+              <a:t>FooAsync</a:t>
+            </a:r>
+            <a:r>
+              <a:rPr lang="en-US" altLang="zh-TW" dirty="0">
+                <a:latin typeface="Consolas" panose="020B0609020204030204" pitchFamily="49" charset="0"/>
+              </a:rPr>
+              <a:t>();</a:t>
+            </a:r>
+          </a:p>
+          <a:p>
+            <a:r>
+              <a:rPr lang="en-US" altLang="zh-TW" dirty="0">
+                <a:latin typeface="Consolas" panose="020B0609020204030204" pitchFamily="49" charset="0"/>
+              </a:rPr>
+              <a:t>(X) </a:t>
+            </a:r>
+            <a:r>
+              <a:rPr lang="en-US" altLang="zh-TW" dirty="0" err="1">
+                <a:latin typeface="Consolas" panose="020B0609020204030204" pitchFamily="49" charset="0"/>
+              </a:rPr>
+              <a:t>FooAsync</a:t>
+            </a:r>
+            <a:r>
+              <a:rPr lang="en-US" altLang="zh-TW" dirty="0">
+                <a:latin typeface="Consolas" panose="020B0609020204030204" pitchFamily="49" charset="0"/>
+              </a:rPr>
+              <a:t>();</a:t>
+            </a:r>
+          </a:p>
+          <a:p>
+            <a:endParaRPr lang="zh-TW" altLang="en-US" dirty="0"/>
+          </a:p>
+        </p:txBody>
+      </p:sp>
+    </p:spTree>
+    <p:extLst>
+      <p:ext uri="{BB962C8B-B14F-4D97-AF65-F5344CB8AC3E}">
+        <p14:creationId xmlns:p14="http://schemas.microsoft.com/office/powerpoint/2010/main" val="2333696039"/>
+      </p:ext>
+    </p:extLst>
+  </p:cSld>
+  <p:clrMapOvr>
+    <a:masterClrMapping/>
+  </p:clrMapOvr>
+</p:sld>
+</file>
+
+<file path=ppt/slides/slide26.xml><?xml version="1.0" encoding="utf-8"?>
+<p:sld xmlns:a="http://schemas.openxmlformats.org/drawingml/2006/main" xmlns:r="http://schemas.openxmlformats.org/officeDocument/2006/relationships" xmlns:p="http://schemas.openxmlformats.org/presentationml/2006/main">
+  <p:cSld>
+    <p:spTree>
+      <p:nvGrpSpPr>
+        <p:cNvPr id="1" name=""/>
+        <p:cNvGrpSpPr/>
+        <p:nvPr/>
+      </p:nvGrpSpPr>
+      <p:grpSpPr>
+        <a:xfrm>
+          <a:off x="0" y="0"/>
+          <a:ext cx="0" cy="0"/>
+          <a:chOff x="0" y="0"/>
+          <a:chExt cx="0" cy="0"/>
+        </a:xfrm>
+      </p:grpSpPr>
+      <p:sp>
+        <p:nvSpPr>
+          <p:cNvPr id="4" name="標題 3">
+            <a:extLst>
+              <a:ext uri="{FF2B5EF4-FFF2-40B4-BE49-F238E27FC236}">
+                <a16:creationId xmlns:a16="http://schemas.microsoft.com/office/drawing/2014/main" id="{79802D99-7E96-435A-90B2-8BC931D91380}"/>
+              </a:ext>
+            </a:extLst>
+          </p:cNvPr>
+          <p:cNvSpPr>
+            <a:spLocks noGrp="1"/>
+          </p:cNvSpPr>
+          <p:nvPr>
+            <p:ph type="ctrTitle"/>
+          </p:nvPr>
+        </p:nvSpPr>
+        <p:spPr/>
+        <p:txBody>
+          <a:bodyPr/>
+          <a:lstStyle/>
+          <a:p>
+            <a:r>
+              <a:rPr lang="en-US" altLang="zh-TW" dirty="0"/>
+              <a:t>End</a:t>
+            </a:r>
+            <a:endParaRPr lang="zh-TW" altLang="en-US" dirty="0"/>
+          </a:p>
+        </p:txBody>
+      </p:sp>
+      <p:sp>
+        <p:nvSpPr>
+          <p:cNvPr id="5" name="副標題 4">
+            <a:extLst>
+              <a:ext uri="{FF2B5EF4-FFF2-40B4-BE49-F238E27FC236}">
+                <a16:creationId xmlns:a16="http://schemas.microsoft.com/office/drawing/2014/main" id="{FB6F8CDE-4348-4CC4-9C0A-802F4FB2F8CF}"/>
+              </a:ext>
+            </a:extLst>
+          </p:cNvPr>
+          <p:cNvSpPr>
+            <a:spLocks noGrp="1"/>
+          </p:cNvSpPr>
+          <p:nvPr>
+            <p:ph type="subTitle" idx="1"/>
+          </p:nvPr>
+        </p:nvSpPr>
+        <p:spPr/>
+        <p:txBody>
+          <a:bodyPr/>
+          <a:lstStyle/>
+          <a:p>
+            <a:endParaRPr lang="zh-TW" altLang="en-US"/>
+          </a:p>
+        </p:txBody>
+      </p:sp>
+    </p:spTree>
+    <p:extLst>
+      <p:ext uri="{BB962C8B-B14F-4D97-AF65-F5344CB8AC3E}">
+        <p14:creationId xmlns:p14="http://schemas.microsoft.com/office/powerpoint/2010/main" val="3127590772"/>
       </p:ext>
     </p:extLst>
   </p:cSld>
@@ -4524,10 +7758,10 @@
       </p:grpSpPr>
       <p:sp>
         <p:nvSpPr>
-          <p:cNvPr id="4" name="標題 3">
+          <p:cNvPr id="2" name="標題 1">
             <a:extLst>
               <a:ext uri="{FF2B5EF4-FFF2-40B4-BE49-F238E27FC236}">
-                <a16:creationId xmlns:a16="http://schemas.microsoft.com/office/drawing/2014/main" id="{BD4D1AC1-EA7F-4517-B8A1-C8C04888B929}"/>
+                <a16:creationId xmlns:a16="http://schemas.microsoft.com/office/drawing/2014/main" id="{52A2B961-E106-42D9-99DB-5B48152E8833}"/>
               </a:ext>
             </a:extLst>
           </p:cNvPr>
@@ -4552,10 +7786,10 @@
       </p:sp>
       <p:sp>
         <p:nvSpPr>
-          <p:cNvPr id="5" name="文字版面配置區 4">
+          <p:cNvPr id="3" name="內容版面配置區 2">
             <a:extLst>
               <a:ext uri="{FF2B5EF4-FFF2-40B4-BE49-F238E27FC236}">
-                <a16:creationId xmlns:a16="http://schemas.microsoft.com/office/drawing/2014/main" id="{FB99B319-881C-4A6A-9C57-D26A187CAADA}"/>
+                <a16:creationId xmlns:a16="http://schemas.microsoft.com/office/drawing/2014/main" id="{43B9F297-2F6E-4462-BDD1-8F868F25DC5B}"/>
               </a:ext>
             </a:extLst>
           </p:cNvPr>
@@ -4563,7 +7797,7 @@
             <a:spLocks noGrp="1"/>
           </p:cNvSpPr>
           <p:nvPr>
-            <p:ph type="body" idx="1"/>
+            <p:ph idx="1"/>
           </p:nvPr>
         </p:nvSpPr>
         <p:spPr/>
@@ -4571,14 +7805,23 @@
           <a:bodyPr/>
           <a:lstStyle/>
           <a:p>
-            <a:endParaRPr lang="zh-TW" altLang="en-US"/>
+            <a:r>
+              <a:rPr lang="en-US" altLang="zh-TW" dirty="0"/>
+              <a:t>Asynchronous</a:t>
+            </a:r>
+          </a:p>
+          <a:p>
+            <a:r>
+              <a:rPr lang="zh-TW" altLang="en-US" dirty="0"/>
+              <a:t>不同步</a:t>
+            </a:r>
           </a:p>
         </p:txBody>
       </p:sp>
     </p:spTree>
     <p:extLst>
       <p:ext uri="{BB962C8B-B14F-4D97-AF65-F5344CB8AC3E}">
-        <p14:creationId xmlns:p14="http://schemas.microsoft.com/office/powerpoint/2010/main" val="2991093849"/>
+        <p14:creationId xmlns:p14="http://schemas.microsoft.com/office/powerpoint/2010/main" val="2357062388"/>
       </p:ext>
     </p:extLst>
   </p:cSld>
@@ -4621,24 +7864,29 @@
             <p:ph type="title"/>
           </p:nvPr>
         </p:nvSpPr>
-        <p:spPr/>
+        <p:spPr>
+          <a:xfrm>
+            <a:off x="1371600" y="685800"/>
+            <a:ext cx="9601200" cy="823912"/>
+          </a:xfrm>
+        </p:spPr>
         <p:txBody>
           <a:bodyPr/>
           <a:lstStyle/>
           <a:p>
             <a:r>
               <a:rPr lang="zh-TW" altLang="en-US" dirty="0"/>
-              <a:t>什麼是非同步</a:t>
-            </a:r>
-          </a:p>
-        </p:txBody>
-      </p:sp>
-      <p:sp>
-        <p:nvSpPr>
-          <p:cNvPr id="3" name="內容版面配置區 2">
+              <a:t>泡茶</a:t>
+            </a:r>
+          </a:p>
+        </p:txBody>
+      </p:sp>
+      <p:sp>
+        <p:nvSpPr>
+          <p:cNvPr id="4" name="文字版面配置區 3">
             <a:extLst>
               <a:ext uri="{FF2B5EF4-FFF2-40B4-BE49-F238E27FC236}">
-                <a16:creationId xmlns:a16="http://schemas.microsoft.com/office/drawing/2014/main" id="{43B9F297-2F6E-4462-BDD1-8F868F25DC5B}"/>
+                <a16:creationId xmlns:a16="http://schemas.microsoft.com/office/drawing/2014/main" id="{C528DDB8-161C-4E65-8DD1-4CADC8F2E29F}"/>
               </a:ext>
             </a:extLst>
           </p:cNvPr>
@@ -4646,28 +7894,672 @@
             <a:spLocks noGrp="1"/>
           </p:cNvSpPr>
           <p:nvPr>
-            <p:ph idx="1"/>
-          </p:nvPr>
-        </p:nvSpPr>
-        <p:spPr/>
-        <p:txBody>
-          <a:bodyPr/>
-          <a:lstStyle/>
-          <a:p>
-            <a:endParaRPr lang="zh-TW" altLang="en-US" dirty="0"/>
+            <p:ph type="body" idx="1"/>
+          </p:nvPr>
+        </p:nvSpPr>
+        <p:spPr>
+          <a:xfrm>
+            <a:off x="1371600" y="1516952"/>
+            <a:ext cx="4443984" cy="823912"/>
+          </a:xfrm>
+        </p:spPr>
+        <p:txBody>
+          <a:bodyPr/>
+          <a:lstStyle/>
+          <a:p>
+            <a:r>
+              <a:rPr lang="zh-TW" altLang="en-US" dirty="0"/>
+              <a:t>同步</a:t>
+            </a:r>
+          </a:p>
+        </p:txBody>
+      </p:sp>
+      <p:sp>
+        <p:nvSpPr>
+          <p:cNvPr id="5" name="內容版面配置區 4">
+            <a:extLst>
+              <a:ext uri="{FF2B5EF4-FFF2-40B4-BE49-F238E27FC236}">
+                <a16:creationId xmlns:a16="http://schemas.microsoft.com/office/drawing/2014/main" id="{34C473E7-26DE-4F53-8E1B-B94D281BD4F0}"/>
+              </a:ext>
+            </a:extLst>
+          </p:cNvPr>
+          <p:cNvSpPr>
+            <a:spLocks noGrp="1"/>
+          </p:cNvSpPr>
+          <p:nvPr>
+            <p:ph sz="half" idx="2"/>
+          </p:nvPr>
+        </p:nvSpPr>
+        <p:spPr>
+          <a:xfrm>
+            <a:off x="1371600" y="2348104"/>
+            <a:ext cx="4443984" cy="3824095"/>
+          </a:xfrm>
+        </p:spPr>
+        <p:txBody>
+          <a:bodyPr>
+            <a:normAutofit/>
+          </a:bodyPr>
+          <a:lstStyle/>
+          <a:p>
+            <a:pPr marL="514350" indent="-514350">
+              <a:buFont typeface="+mj-lt"/>
+              <a:buAutoNum type="arabicPeriod"/>
+            </a:pPr>
+            <a:r>
+              <a:rPr lang="zh-TW" altLang="en-US" dirty="0"/>
+              <a:t>開水壺裝水</a:t>
+            </a:r>
+            <a:endParaRPr lang="en-US" altLang="zh-TW" dirty="0"/>
+          </a:p>
+          <a:p>
+            <a:pPr marL="514350" indent="-514350">
+              <a:buFont typeface="+mj-lt"/>
+              <a:buAutoNum type="arabicPeriod"/>
+            </a:pPr>
+            <a:r>
+              <a:rPr lang="zh-TW" altLang="en-US" dirty="0"/>
+              <a:t>開火</a:t>
+            </a:r>
+            <a:endParaRPr lang="en-US" altLang="zh-TW" dirty="0"/>
+          </a:p>
+          <a:p>
+            <a:pPr marL="514350" indent="-514350">
+              <a:buFont typeface="+mj-lt"/>
+              <a:buAutoNum type="arabicPeriod"/>
+            </a:pPr>
+            <a:r>
+              <a:rPr lang="zh-TW" altLang="en-US" dirty="0"/>
+              <a:t>等待水燒開</a:t>
+            </a:r>
+            <a:endParaRPr lang="en-US" altLang="zh-TW" dirty="0"/>
+          </a:p>
+          <a:p>
+            <a:pPr marL="514350" indent="-514350">
+              <a:buFont typeface="+mj-lt"/>
+              <a:buAutoNum type="arabicPeriod"/>
+            </a:pPr>
+            <a:r>
+              <a:rPr lang="zh-TW" altLang="en-US" dirty="0"/>
+              <a:t>茶壺裝入茶葉</a:t>
+            </a:r>
+            <a:endParaRPr lang="en-US" altLang="zh-TW" dirty="0"/>
+          </a:p>
+          <a:p>
+            <a:pPr marL="514350" indent="-514350">
+              <a:buFont typeface="+mj-lt"/>
+              <a:buAutoNum type="arabicPeriod"/>
+            </a:pPr>
+            <a:r>
+              <a:rPr lang="zh-TW" altLang="en-US" dirty="0"/>
+              <a:t>倒入開水</a:t>
+            </a:r>
+            <a:endParaRPr lang="en-US" altLang="zh-TW" dirty="0"/>
+          </a:p>
+          <a:p>
+            <a:pPr marL="514350" indent="-514350">
+              <a:buFont typeface="+mj-lt"/>
+              <a:buAutoNum type="arabicPeriod"/>
+            </a:pPr>
+            <a:r>
+              <a:rPr lang="zh-TW" altLang="en-US" dirty="0"/>
+              <a:t>等待</a:t>
+            </a:r>
+            <a:r>
+              <a:rPr lang="en-US" altLang="zh-TW" dirty="0"/>
+              <a:t>1</a:t>
+            </a:r>
+            <a:r>
+              <a:rPr lang="zh-TW" altLang="en-US" dirty="0"/>
+              <a:t>分鐘</a:t>
+            </a:r>
+            <a:endParaRPr lang="en-US" altLang="zh-TW" dirty="0"/>
+          </a:p>
+          <a:p>
+            <a:pPr marL="514350" indent="-514350">
+              <a:buFont typeface="+mj-lt"/>
+              <a:buAutoNum type="arabicPeriod"/>
+            </a:pPr>
+            <a:r>
+              <a:rPr lang="zh-TW" altLang="en-US" dirty="0"/>
+              <a:t>倒出茶</a:t>
+            </a:r>
+          </a:p>
+        </p:txBody>
+      </p:sp>
+      <p:sp>
+        <p:nvSpPr>
+          <p:cNvPr id="6" name="文字版面配置區 5">
+            <a:extLst>
+              <a:ext uri="{FF2B5EF4-FFF2-40B4-BE49-F238E27FC236}">
+                <a16:creationId xmlns:a16="http://schemas.microsoft.com/office/drawing/2014/main" id="{3EA23E41-37ED-49CA-A09E-CBE5E4B77722}"/>
+              </a:ext>
+            </a:extLst>
+          </p:cNvPr>
+          <p:cNvSpPr>
+            <a:spLocks noGrp="1"/>
+          </p:cNvSpPr>
+          <p:nvPr>
+            <p:ph type="body" sz="quarter" idx="3"/>
+          </p:nvPr>
+        </p:nvSpPr>
+        <p:spPr>
+          <a:xfrm>
+            <a:off x="6525014" y="1509712"/>
+            <a:ext cx="4443984" cy="823912"/>
+          </a:xfrm>
+        </p:spPr>
+        <p:txBody>
+          <a:bodyPr/>
+          <a:lstStyle/>
+          <a:p>
+            <a:r>
+              <a:rPr lang="zh-TW" altLang="en-US" dirty="0"/>
+              <a:t>非同步</a:t>
+            </a:r>
+          </a:p>
+        </p:txBody>
+      </p:sp>
+      <p:sp>
+        <p:nvSpPr>
+          <p:cNvPr id="7" name="內容版面配置區 6">
+            <a:extLst>
+              <a:ext uri="{FF2B5EF4-FFF2-40B4-BE49-F238E27FC236}">
+                <a16:creationId xmlns:a16="http://schemas.microsoft.com/office/drawing/2014/main" id="{5C65D523-CBE6-42AA-B08B-D01704511DD8}"/>
+              </a:ext>
+            </a:extLst>
+          </p:cNvPr>
+          <p:cNvSpPr>
+            <a:spLocks noGrp="1"/>
+          </p:cNvSpPr>
+          <p:nvPr>
+            <p:ph sz="quarter" idx="4"/>
+          </p:nvPr>
+        </p:nvSpPr>
+        <p:spPr>
+          <a:xfrm>
+            <a:off x="6525014" y="2348105"/>
+            <a:ext cx="5315052" cy="3824094"/>
+          </a:xfrm>
+        </p:spPr>
+        <p:txBody>
+          <a:bodyPr>
+            <a:normAutofit/>
+          </a:bodyPr>
+          <a:lstStyle/>
+          <a:p>
+            <a:pPr marL="514350" indent="-514350">
+              <a:buFont typeface="+mj-lt"/>
+              <a:buAutoNum type="arabicPeriod"/>
+            </a:pPr>
+            <a:r>
+              <a:rPr lang="zh-TW" altLang="en-US" dirty="0"/>
+              <a:t>開水壺裝水</a:t>
+            </a:r>
+            <a:endParaRPr lang="en-US" altLang="zh-TW" dirty="0"/>
+          </a:p>
+          <a:p>
+            <a:pPr marL="514350" indent="-514350">
+              <a:buFont typeface="+mj-lt"/>
+              <a:buAutoNum type="arabicPeriod"/>
+            </a:pPr>
+            <a:r>
+              <a:rPr lang="zh-TW" altLang="en-US" dirty="0"/>
+              <a:t>開火</a:t>
+            </a:r>
+            <a:endParaRPr lang="en-US" altLang="zh-TW" dirty="0"/>
+          </a:p>
+          <a:p>
+            <a:pPr marL="514350" indent="-514350">
+              <a:buFont typeface="+mj-lt"/>
+              <a:buAutoNum type="arabicPeriod"/>
+            </a:pPr>
+            <a:r>
+              <a:rPr lang="zh-TW" altLang="en-US" dirty="0">
+                <a:solidFill>
+                  <a:srgbClr val="FF0000"/>
+                </a:solidFill>
+              </a:rPr>
+              <a:t>等待水燒開的同時去寫</a:t>
+            </a:r>
+            <a:r>
+              <a:rPr lang="en-US" altLang="zh-TW" dirty="0">
+                <a:solidFill>
+                  <a:srgbClr val="FF0000"/>
+                </a:solidFill>
+              </a:rPr>
+              <a:t>Code</a:t>
+            </a:r>
+          </a:p>
+          <a:p>
+            <a:pPr marL="514350" indent="-514350">
+              <a:buFont typeface="+mj-lt"/>
+              <a:buAutoNum type="arabicPeriod"/>
+            </a:pPr>
+            <a:r>
+              <a:rPr lang="zh-TW" altLang="en-US" dirty="0"/>
+              <a:t>茶壺裝入茶葉</a:t>
+            </a:r>
+            <a:endParaRPr lang="en-US" altLang="zh-TW" dirty="0"/>
+          </a:p>
+          <a:p>
+            <a:pPr marL="514350" indent="-514350">
+              <a:buFont typeface="+mj-lt"/>
+              <a:buAutoNum type="arabicPeriod"/>
+            </a:pPr>
+            <a:r>
+              <a:rPr lang="zh-TW" altLang="en-US" dirty="0"/>
+              <a:t>倒入開水</a:t>
+            </a:r>
+            <a:endParaRPr lang="en-US" altLang="zh-TW" dirty="0"/>
+          </a:p>
+          <a:p>
+            <a:pPr marL="514350" indent="-514350">
+              <a:buFont typeface="+mj-lt"/>
+              <a:buAutoNum type="arabicPeriod"/>
+            </a:pPr>
+            <a:r>
+              <a:rPr lang="zh-TW" altLang="en-US" dirty="0">
+                <a:solidFill>
+                  <a:srgbClr val="FF0000"/>
+                </a:solidFill>
+              </a:rPr>
+              <a:t>等待</a:t>
+            </a:r>
+            <a:r>
+              <a:rPr lang="en-US" altLang="zh-TW" dirty="0">
+                <a:solidFill>
+                  <a:srgbClr val="FF0000"/>
+                </a:solidFill>
+              </a:rPr>
+              <a:t>1</a:t>
+            </a:r>
+            <a:r>
+              <a:rPr lang="zh-TW" altLang="en-US" dirty="0">
+                <a:solidFill>
+                  <a:srgbClr val="FF0000"/>
+                </a:solidFill>
+              </a:rPr>
+              <a:t>分鐘的同時滑手機</a:t>
+            </a:r>
+            <a:endParaRPr lang="en-US" altLang="zh-TW" dirty="0">
+              <a:solidFill>
+                <a:srgbClr val="FF0000"/>
+              </a:solidFill>
+            </a:endParaRPr>
+          </a:p>
+          <a:p>
+            <a:pPr marL="514350" indent="-514350">
+              <a:buFont typeface="+mj-lt"/>
+              <a:buAutoNum type="arabicPeriod"/>
+            </a:pPr>
+            <a:r>
+              <a:rPr lang="zh-TW" altLang="en-US" dirty="0"/>
+              <a:t>倒出茶</a:t>
+            </a:r>
           </a:p>
         </p:txBody>
       </p:sp>
     </p:spTree>
     <p:extLst>
       <p:ext uri="{BB962C8B-B14F-4D97-AF65-F5344CB8AC3E}">
-        <p14:creationId xmlns:p14="http://schemas.microsoft.com/office/powerpoint/2010/main" val="2357062388"/>
+        <p14:creationId xmlns:p14="http://schemas.microsoft.com/office/powerpoint/2010/main" val="4100711844"/>
       </p:ext>
     </p:extLst>
   </p:cSld>
   <p:clrMapOvr>
     <a:masterClrMapping/>
   </p:clrMapOvr>
+  <p:timing>
+    <p:tnLst>
+      <p:par>
+        <p:cTn id="1" dur="indefinite" restart="never" nodeType="tmRoot">
+          <p:childTnLst>
+            <p:seq concurrent="1" nextAc="seek">
+              <p:cTn id="2" dur="indefinite" nodeType="mainSeq">
+                <p:childTnLst>
+                  <p:par>
+                    <p:cTn id="3" fill="hold">
+                      <p:stCondLst>
+                        <p:cond delay="indefinite"/>
+                      </p:stCondLst>
+                      <p:childTnLst>
+                        <p:par>
+                          <p:cTn id="4" fill="hold">
+                            <p:stCondLst>
+                              <p:cond delay="0"/>
+                            </p:stCondLst>
+                            <p:childTnLst>
+                              <p:par>
+                                <p:cTn id="5" presetID="1" presetClass="entr" presetSubtype="0" fill="hold" grpId="0" nodeType="clickEffect">
+                                  <p:stCondLst>
+                                    <p:cond delay="0"/>
+                                  </p:stCondLst>
+                                  <p:childTnLst>
+                                    <p:set>
+                                      <p:cBhvr>
+                                        <p:cTn id="6" dur="1" fill="hold">
+                                          <p:stCondLst>
+                                            <p:cond delay="0"/>
+                                          </p:stCondLst>
+                                        </p:cTn>
+                                        <p:tgtEl>
+                                          <p:spTgt spid="7">
+                                            <p:txEl>
+                                              <p:pRg st="0" end="0"/>
+                                            </p:txEl>
+                                          </p:spTgt>
+                                        </p:tgtEl>
+                                        <p:attrNameLst>
+                                          <p:attrName>style.visibility</p:attrName>
+                                        </p:attrNameLst>
+                                      </p:cBhvr>
+                                      <p:to>
+                                        <p:strVal val="visible"/>
+                                      </p:to>
+                                    </p:set>
+                                  </p:childTnLst>
+                                </p:cTn>
+                              </p:par>
+                              <p:par>
+                                <p:cTn id="7" presetID="1" presetClass="entr" presetSubtype="0" fill="hold" grpId="0" nodeType="withEffect">
+                                  <p:stCondLst>
+                                    <p:cond delay="0"/>
+                                  </p:stCondLst>
+                                  <p:childTnLst>
+                                    <p:set>
+                                      <p:cBhvr>
+                                        <p:cTn id="8" dur="1" fill="hold">
+                                          <p:stCondLst>
+                                            <p:cond delay="0"/>
+                                          </p:stCondLst>
+                                        </p:cTn>
+                                        <p:tgtEl>
+                                          <p:spTgt spid="7">
+                                            <p:txEl>
+                                              <p:pRg st="1" end="1"/>
+                                            </p:txEl>
+                                          </p:spTgt>
+                                        </p:tgtEl>
+                                        <p:attrNameLst>
+                                          <p:attrName>style.visibility</p:attrName>
+                                        </p:attrNameLst>
+                                      </p:cBhvr>
+                                      <p:to>
+                                        <p:strVal val="visible"/>
+                                      </p:to>
+                                    </p:set>
+                                  </p:childTnLst>
+                                </p:cTn>
+                              </p:par>
+                              <p:par>
+                                <p:cTn id="9" presetID="1" presetClass="entr" presetSubtype="0" fill="hold" grpId="0" nodeType="withEffect">
+                                  <p:stCondLst>
+                                    <p:cond delay="0"/>
+                                  </p:stCondLst>
+                                  <p:childTnLst>
+                                    <p:set>
+                                      <p:cBhvr>
+                                        <p:cTn id="10" dur="1" fill="hold">
+                                          <p:stCondLst>
+                                            <p:cond delay="0"/>
+                                          </p:stCondLst>
+                                        </p:cTn>
+                                        <p:tgtEl>
+                                          <p:spTgt spid="7">
+                                            <p:txEl>
+                                              <p:pRg st="2" end="2"/>
+                                            </p:txEl>
+                                          </p:spTgt>
+                                        </p:tgtEl>
+                                        <p:attrNameLst>
+                                          <p:attrName>style.visibility</p:attrName>
+                                        </p:attrNameLst>
+                                      </p:cBhvr>
+                                      <p:to>
+                                        <p:strVal val="visible"/>
+                                      </p:to>
+                                    </p:set>
+                                  </p:childTnLst>
+                                </p:cTn>
+                              </p:par>
+                              <p:par>
+                                <p:cTn id="11" presetID="1" presetClass="entr" presetSubtype="0" fill="hold" grpId="0" nodeType="withEffect">
+                                  <p:stCondLst>
+                                    <p:cond delay="0"/>
+                                  </p:stCondLst>
+                                  <p:childTnLst>
+                                    <p:set>
+                                      <p:cBhvr>
+                                        <p:cTn id="12" dur="1" fill="hold">
+                                          <p:stCondLst>
+                                            <p:cond delay="0"/>
+                                          </p:stCondLst>
+                                        </p:cTn>
+                                        <p:tgtEl>
+                                          <p:spTgt spid="7">
+                                            <p:txEl>
+                                              <p:pRg st="3" end="3"/>
+                                            </p:txEl>
+                                          </p:spTgt>
+                                        </p:tgtEl>
+                                        <p:attrNameLst>
+                                          <p:attrName>style.visibility</p:attrName>
+                                        </p:attrNameLst>
+                                      </p:cBhvr>
+                                      <p:to>
+                                        <p:strVal val="visible"/>
+                                      </p:to>
+                                    </p:set>
+                                  </p:childTnLst>
+                                </p:cTn>
+                              </p:par>
+                              <p:par>
+                                <p:cTn id="13" presetID="1" presetClass="entr" presetSubtype="0" fill="hold" grpId="0" nodeType="withEffect">
+                                  <p:stCondLst>
+                                    <p:cond delay="0"/>
+                                  </p:stCondLst>
+                                  <p:childTnLst>
+                                    <p:set>
+                                      <p:cBhvr>
+                                        <p:cTn id="14" dur="1" fill="hold">
+                                          <p:stCondLst>
+                                            <p:cond delay="0"/>
+                                          </p:stCondLst>
+                                        </p:cTn>
+                                        <p:tgtEl>
+                                          <p:spTgt spid="7">
+                                            <p:txEl>
+                                              <p:pRg st="4" end="4"/>
+                                            </p:txEl>
+                                          </p:spTgt>
+                                        </p:tgtEl>
+                                        <p:attrNameLst>
+                                          <p:attrName>style.visibility</p:attrName>
+                                        </p:attrNameLst>
+                                      </p:cBhvr>
+                                      <p:to>
+                                        <p:strVal val="visible"/>
+                                      </p:to>
+                                    </p:set>
+                                  </p:childTnLst>
+                                </p:cTn>
+                              </p:par>
+                              <p:par>
+                                <p:cTn id="15" presetID="1" presetClass="entr" presetSubtype="0" fill="hold" grpId="0" nodeType="withEffect">
+                                  <p:stCondLst>
+                                    <p:cond delay="0"/>
+                                  </p:stCondLst>
+                                  <p:childTnLst>
+                                    <p:set>
+                                      <p:cBhvr>
+                                        <p:cTn id="16" dur="1" fill="hold">
+                                          <p:stCondLst>
+                                            <p:cond delay="0"/>
+                                          </p:stCondLst>
+                                        </p:cTn>
+                                        <p:tgtEl>
+                                          <p:spTgt spid="7">
+                                            <p:txEl>
+                                              <p:pRg st="5" end="5"/>
+                                            </p:txEl>
+                                          </p:spTgt>
+                                        </p:tgtEl>
+                                        <p:attrNameLst>
+                                          <p:attrName>style.visibility</p:attrName>
+                                        </p:attrNameLst>
+                                      </p:cBhvr>
+                                      <p:to>
+                                        <p:strVal val="visible"/>
+                                      </p:to>
+                                    </p:set>
+                                  </p:childTnLst>
+                                </p:cTn>
+                              </p:par>
+                              <p:par>
+                                <p:cTn id="17" presetID="1" presetClass="entr" presetSubtype="0" fill="hold" grpId="0" nodeType="withEffect">
+                                  <p:stCondLst>
+                                    <p:cond delay="0"/>
+                                  </p:stCondLst>
+                                  <p:childTnLst>
+                                    <p:set>
+                                      <p:cBhvr>
+                                        <p:cTn id="18" dur="1" fill="hold">
+                                          <p:stCondLst>
+                                            <p:cond delay="0"/>
+                                          </p:stCondLst>
+                                        </p:cTn>
+                                        <p:tgtEl>
+                                          <p:spTgt spid="7">
+                                            <p:txEl>
+                                              <p:pRg st="6" end="6"/>
+                                            </p:txEl>
+                                          </p:spTgt>
+                                        </p:tgtEl>
+                                        <p:attrNameLst>
+                                          <p:attrName>style.visibility</p:attrName>
+                                        </p:attrNameLst>
+                                      </p:cBhvr>
+                                      <p:to>
+                                        <p:strVal val="visible"/>
+                                      </p:to>
+                                    </p:set>
+                                  </p:childTnLst>
+                                </p:cTn>
+                              </p:par>
+                            </p:childTnLst>
+                          </p:cTn>
+                        </p:par>
+                      </p:childTnLst>
+                    </p:cTn>
+                  </p:par>
+                  <p:par>
+                    <p:cTn id="19" fill="hold">
+                      <p:stCondLst>
+                        <p:cond delay="indefinite"/>
+                      </p:stCondLst>
+                      <p:childTnLst>
+                        <p:par>
+                          <p:cTn id="20" fill="hold">
+                            <p:stCondLst>
+                              <p:cond delay="0"/>
+                            </p:stCondLst>
+                            <p:childTnLst>
+                              <p:par>
+                                <p:cTn id="21" presetID="1" presetClass="entr" presetSubtype="0" fill="hold" grpId="0" nodeType="clickEffect">
+                                  <p:stCondLst>
+                                    <p:cond delay="0"/>
+                                  </p:stCondLst>
+                                  <p:childTnLst>
+                                    <p:set>
+                                      <p:cBhvr>
+                                        <p:cTn id="22" dur="1" fill="hold">
+                                          <p:stCondLst>
+                                            <p:cond delay="0"/>
+                                          </p:stCondLst>
+                                        </p:cTn>
+                                        <p:tgtEl>
+                                          <p:spTgt spid="4">
+                                            <p:txEl>
+                                              <p:pRg st="0" end="0"/>
+                                            </p:txEl>
+                                          </p:spTgt>
+                                        </p:tgtEl>
+                                        <p:attrNameLst>
+                                          <p:attrName>style.visibility</p:attrName>
+                                        </p:attrNameLst>
+                                      </p:cBhvr>
+                                      <p:to>
+                                        <p:strVal val="visible"/>
+                                      </p:to>
+                                    </p:set>
+                                  </p:childTnLst>
+                                </p:cTn>
+                              </p:par>
+                              <p:par>
+                                <p:cTn id="23" presetID="1" presetClass="entr" presetSubtype="0" fill="hold" grpId="0" nodeType="withEffect">
+                                  <p:stCondLst>
+                                    <p:cond delay="0"/>
+                                  </p:stCondLst>
+                                  <p:childTnLst>
+                                    <p:set>
+                                      <p:cBhvr>
+                                        <p:cTn id="24" dur="1" fill="hold">
+                                          <p:stCondLst>
+                                            <p:cond delay="0"/>
+                                          </p:stCondLst>
+                                        </p:cTn>
+                                        <p:tgtEl>
+                                          <p:spTgt spid="6">
+                                            <p:txEl>
+                                              <p:pRg st="0" end="0"/>
+                                            </p:txEl>
+                                          </p:spTgt>
+                                        </p:tgtEl>
+                                        <p:attrNameLst>
+                                          <p:attrName>style.visibility</p:attrName>
+                                        </p:attrNameLst>
+                                      </p:cBhvr>
+                                      <p:to>
+                                        <p:strVal val="visible"/>
+                                      </p:to>
+                                    </p:set>
+                                  </p:childTnLst>
+                                </p:cTn>
+                              </p:par>
+                            </p:childTnLst>
+                          </p:cTn>
+                        </p:par>
+                      </p:childTnLst>
+                    </p:cTn>
+                  </p:par>
+                </p:childTnLst>
+              </p:cTn>
+              <p:prevCondLst>
+                <p:cond evt="onPrev" delay="0">
+                  <p:tgtEl>
+                    <p:sldTgt/>
+                  </p:tgtEl>
+                </p:cond>
+              </p:prevCondLst>
+              <p:nextCondLst>
+                <p:cond evt="onNext" delay="0">
+                  <p:tgtEl>
+                    <p:sldTgt/>
+                  </p:tgtEl>
+                </p:cond>
+              </p:nextCondLst>
+            </p:seq>
+          </p:childTnLst>
+        </p:cTn>
+      </p:par>
+    </p:tnLst>
+    <p:bldLst>
+      <p:bldP spid="4" grpId="0" build="p"/>
+      <p:bldP spid="6" grpId="0" build="p"/>
+      <p:bldP spid="7" grpId="0" uiExpand="1" build="p"/>
+    </p:bldLst>
+  </p:timing>
 </p:sld>
 </file>
 
@@ -4690,10 +8582,10 @@
       </p:grpSpPr>
       <p:sp>
         <p:nvSpPr>
-          <p:cNvPr id="4" name="標題 3">
+          <p:cNvPr id="2" name="標題 1">
             <a:extLst>
               <a:ext uri="{FF2B5EF4-FFF2-40B4-BE49-F238E27FC236}">
-                <a16:creationId xmlns:a16="http://schemas.microsoft.com/office/drawing/2014/main" id="{BD4D1AC1-EA7F-4517-B8A1-C8C04888B929}"/>
+                <a16:creationId xmlns:a16="http://schemas.microsoft.com/office/drawing/2014/main" id="{52A2B961-E106-42D9-99DB-5B48152E8833}"/>
               </a:ext>
             </a:extLst>
           </p:cNvPr>
@@ -4711,17 +8603,17 @@
           <a:p>
             <a:r>
               <a:rPr lang="zh-TW" altLang="en-US" dirty="0"/>
-              <a:t>為什麼要用非同步</a:t>
-            </a:r>
-          </a:p>
-        </p:txBody>
-      </p:sp>
-      <p:sp>
-        <p:nvSpPr>
-          <p:cNvPr id="5" name="文字版面配置區 4">
+              <a:t>什麼是非同步</a:t>
+            </a:r>
+          </a:p>
+        </p:txBody>
+      </p:sp>
+      <p:sp>
+        <p:nvSpPr>
+          <p:cNvPr id="3" name="內容版面配置區 2">
             <a:extLst>
               <a:ext uri="{FF2B5EF4-FFF2-40B4-BE49-F238E27FC236}">
-                <a16:creationId xmlns:a16="http://schemas.microsoft.com/office/drawing/2014/main" id="{FB99B319-881C-4A6A-9C57-D26A187CAADA}"/>
+                <a16:creationId xmlns:a16="http://schemas.microsoft.com/office/drawing/2014/main" id="{43B9F297-2F6E-4462-BDD1-8F868F25DC5B}"/>
               </a:ext>
             </a:extLst>
           </p:cNvPr>
@@ -4729,7 +8621,7 @@
             <a:spLocks noGrp="1"/>
           </p:cNvSpPr>
           <p:nvPr>
-            <p:ph type="body" idx="1"/>
+            <p:ph idx="1"/>
           </p:nvPr>
         </p:nvSpPr>
         <p:spPr/>
@@ -4737,14 +8629,23 @@
           <a:bodyPr/>
           <a:lstStyle/>
           <a:p>
-            <a:endParaRPr lang="zh-TW" altLang="en-US"/>
+            <a:r>
+              <a:rPr lang="en-US" altLang="zh-TW" dirty="0"/>
+              <a:t>Asynchronous</a:t>
+            </a:r>
+          </a:p>
+          <a:p>
+            <a:r>
+              <a:rPr lang="zh-TW" altLang="en-US" dirty="0"/>
+              <a:t>不同步</a:t>
+            </a:r>
           </a:p>
         </p:txBody>
       </p:sp>
     </p:spTree>
     <p:extLst>
       <p:ext uri="{BB962C8B-B14F-4D97-AF65-F5344CB8AC3E}">
-        <p14:creationId xmlns:p14="http://schemas.microsoft.com/office/powerpoint/2010/main" val="3082163501"/>
+        <p14:creationId xmlns:p14="http://schemas.microsoft.com/office/powerpoint/2010/main" val="3623579913"/>
       </p:ext>
     </p:extLst>
   </p:cSld>
@@ -4773,10 +8674,10 @@
       </p:grpSpPr>
       <p:sp>
         <p:nvSpPr>
-          <p:cNvPr id="2" name="標題 1">
+          <p:cNvPr id="4" name="標題 3">
             <a:extLst>
               <a:ext uri="{FF2B5EF4-FFF2-40B4-BE49-F238E27FC236}">
-                <a16:creationId xmlns:a16="http://schemas.microsoft.com/office/drawing/2014/main" id="{52A2B961-E106-42D9-99DB-5B48152E8833}"/>
+                <a16:creationId xmlns:a16="http://schemas.microsoft.com/office/drawing/2014/main" id="{BD4D1AC1-EA7F-4517-B8A1-C8C04888B929}"/>
               </a:ext>
             </a:extLst>
           </p:cNvPr>
@@ -4801,10 +8702,10 @@
       </p:sp>
       <p:sp>
         <p:nvSpPr>
-          <p:cNvPr id="3" name="內容版面配置區 2">
+          <p:cNvPr id="5" name="文字版面配置區 4">
             <a:extLst>
               <a:ext uri="{FF2B5EF4-FFF2-40B4-BE49-F238E27FC236}">
-                <a16:creationId xmlns:a16="http://schemas.microsoft.com/office/drawing/2014/main" id="{43B9F297-2F6E-4462-BDD1-8F868F25DC5B}"/>
+                <a16:creationId xmlns:a16="http://schemas.microsoft.com/office/drawing/2014/main" id="{FB99B319-881C-4A6A-9C57-D26A187CAADA}"/>
               </a:ext>
             </a:extLst>
           </p:cNvPr>
@@ -4812,7 +8713,7 @@
             <a:spLocks noGrp="1"/>
           </p:cNvSpPr>
           <p:nvPr>
-            <p:ph idx="1"/>
+            <p:ph type="body" idx="1"/>
           </p:nvPr>
         </p:nvSpPr>
         <p:spPr/>
@@ -4820,14 +8721,14 @@
           <a:bodyPr/>
           <a:lstStyle/>
           <a:p>
-            <a:endParaRPr lang="zh-TW" altLang="en-US" dirty="0"/>
+            <a:endParaRPr lang="zh-TW" altLang="en-US"/>
           </a:p>
         </p:txBody>
       </p:sp>
     </p:spTree>
     <p:extLst>
       <p:ext uri="{BB962C8B-B14F-4D97-AF65-F5344CB8AC3E}">
-        <p14:creationId xmlns:p14="http://schemas.microsoft.com/office/powerpoint/2010/main" val="4100711844"/>
+        <p14:creationId xmlns:p14="http://schemas.microsoft.com/office/powerpoint/2010/main" val="3082163501"/>
       </p:ext>
     </p:extLst>
   </p:cSld>
@@ -4859,7 +8760,7 @@
           <p:cNvPr id="4" name="標題 3">
             <a:extLst>
               <a:ext uri="{FF2B5EF4-FFF2-40B4-BE49-F238E27FC236}">
-                <a16:creationId xmlns:a16="http://schemas.microsoft.com/office/drawing/2014/main" id="{BD4D1AC1-EA7F-4517-B8A1-C8C04888B929}"/>
+                <a16:creationId xmlns:a16="http://schemas.microsoft.com/office/drawing/2014/main" id="{14F95218-3B03-4269-A044-869A20EE9F61}"/>
               </a:ext>
             </a:extLst>
           </p:cNvPr>
@@ -4877,17 +8778,17 @@
           <a:p>
             <a:r>
               <a:rPr lang="zh-TW" altLang="en-US" dirty="0"/>
-              <a:t>什麼時候要用非同步</a:t>
-            </a:r>
-          </a:p>
-        </p:txBody>
-      </p:sp>
-      <p:sp>
-        <p:nvSpPr>
-          <p:cNvPr id="5" name="文字版面配置區 4">
+              <a:t>為什麼要用非同步</a:t>
+            </a:r>
+          </a:p>
+        </p:txBody>
+      </p:sp>
+      <p:sp>
+        <p:nvSpPr>
+          <p:cNvPr id="5" name="內容版面配置區 4">
             <a:extLst>
               <a:ext uri="{FF2B5EF4-FFF2-40B4-BE49-F238E27FC236}">
-                <a16:creationId xmlns:a16="http://schemas.microsoft.com/office/drawing/2014/main" id="{FB99B319-881C-4A6A-9C57-D26A187CAADA}"/>
+                <a16:creationId xmlns:a16="http://schemas.microsoft.com/office/drawing/2014/main" id="{EB79FF3C-27F9-4BAE-9CCD-639565478040}"/>
               </a:ext>
             </a:extLst>
           </p:cNvPr>
@@ -4895,7 +8796,7 @@
             <a:spLocks noGrp="1"/>
           </p:cNvSpPr>
           <p:nvPr>
-            <p:ph type="body" idx="1"/>
+            <p:ph idx="1"/>
           </p:nvPr>
         </p:nvSpPr>
         <p:spPr/>
@@ -4903,14 +8804,24 @@
           <a:bodyPr/>
           <a:lstStyle/>
           <a:p>
-            <a:endParaRPr lang="zh-TW" altLang="en-US"/>
+            <a:r>
+              <a:rPr lang="zh-TW" altLang="en-US" dirty="0"/>
+              <a:t>避免閒置資源浪費</a:t>
+            </a:r>
+            <a:endParaRPr lang="en-US" altLang="zh-TW" dirty="0"/>
+          </a:p>
+          <a:p>
+            <a:r>
+              <a:rPr lang="zh-TW" altLang="en-US" dirty="0"/>
+              <a:t>避免資源鎖死耗光執行續</a:t>
+            </a:r>
           </a:p>
         </p:txBody>
       </p:sp>
     </p:spTree>
     <p:extLst>
       <p:ext uri="{BB962C8B-B14F-4D97-AF65-F5344CB8AC3E}">
-        <p14:creationId xmlns:p14="http://schemas.microsoft.com/office/powerpoint/2010/main" val="2293390487"/>
+        <p14:creationId xmlns:p14="http://schemas.microsoft.com/office/powerpoint/2010/main" val="3933891694"/>
       </p:ext>
     </p:extLst>
   </p:cSld>
@@ -4942,7 +8853,7 @@
           <p:cNvPr id="2" name="標題 1">
             <a:extLst>
               <a:ext uri="{FF2B5EF4-FFF2-40B4-BE49-F238E27FC236}">
-                <a16:creationId xmlns:a16="http://schemas.microsoft.com/office/drawing/2014/main" id="{52A2B961-E106-42D9-99DB-5B48152E8833}"/>
+                <a16:creationId xmlns:a16="http://schemas.microsoft.com/office/drawing/2014/main" id="{426AEE67-012D-4338-9530-8800B9C9F8F4}"/>
               </a:ext>
             </a:extLst>
           </p:cNvPr>
@@ -4960,7 +8871,7 @@
           <a:p>
             <a:r>
               <a:rPr lang="zh-TW" altLang="en-US" dirty="0"/>
-              <a:t>什麼時候要用非同步</a:t>
+              <a:t>非同步運作</a:t>
             </a:r>
           </a:p>
         </p:txBody>
@@ -4970,7 +8881,7 @@
           <p:cNvPr id="3" name="內容版面配置區 2">
             <a:extLst>
               <a:ext uri="{FF2B5EF4-FFF2-40B4-BE49-F238E27FC236}">
-                <a16:creationId xmlns:a16="http://schemas.microsoft.com/office/drawing/2014/main" id="{43B9F297-2F6E-4462-BDD1-8F868F25DC5B}"/>
+                <a16:creationId xmlns:a16="http://schemas.microsoft.com/office/drawing/2014/main" id="{1F093A41-DA8D-4A21-8FBB-D655ED468F1A}"/>
               </a:ext>
             </a:extLst>
           </p:cNvPr>
@@ -4983,81 +8894,17 @@
         </p:nvSpPr>
         <p:spPr/>
         <p:txBody>
-          <a:bodyPr>
-            <a:normAutofit/>
-          </a:bodyPr>
-          <a:lstStyle/>
-          <a:p>
-            <a:r>
-              <a:rPr lang="en-US" altLang="zh-TW" dirty="0"/>
-              <a:t>IO</a:t>
-            </a:r>
-          </a:p>
-          <a:p>
-            <a:pPr lvl="1"/>
-            <a:r>
-              <a:rPr lang="en-US" altLang="zh-TW" dirty="0"/>
-              <a:t>Disk</a:t>
-            </a:r>
-          </a:p>
-          <a:p>
-            <a:r>
-              <a:rPr lang="en-US" altLang="zh-TW" dirty="0"/>
-              <a:t>Network</a:t>
-            </a:r>
-          </a:p>
-          <a:p>
-            <a:pPr lvl="1"/>
-            <a:r>
-              <a:rPr lang="en-US" altLang="zh-TW" dirty="0"/>
-              <a:t>HTTP</a:t>
-            </a:r>
-          </a:p>
-          <a:p>
-            <a:pPr lvl="1"/>
-            <a:r>
-              <a:rPr lang="en-US" altLang="zh-TW" dirty="0"/>
-              <a:t>Database</a:t>
-            </a:r>
-          </a:p>
-          <a:p>
-            <a:pPr lvl="1"/>
-            <a:r>
-              <a:rPr lang="en-US" altLang="zh-TW" dirty="0"/>
-              <a:t>Redis</a:t>
-            </a:r>
-          </a:p>
-          <a:p>
-            <a:r>
-              <a:rPr lang="en-US" altLang="zh-TW" dirty="0"/>
-              <a:t>Library</a:t>
-            </a:r>
-            <a:r>
-              <a:rPr lang="zh-TW" altLang="en-US" dirty="0"/>
-              <a:t>或</a:t>
-            </a:r>
-            <a:r>
-              <a:rPr lang="en-US" altLang="zh-TW" dirty="0"/>
-              <a:t>Framework</a:t>
-            </a:r>
-            <a:r>
-              <a:rPr lang="zh-TW" altLang="en-US" dirty="0"/>
-              <a:t>只提供非同步</a:t>
-            </a:r>
-            <a:r>
-              <a:rPr lang="en-US" altLang="zh-TW" dirty="0"/>
-              <a:t>API</a:t>
-            </a:r>
-          </a:p>
-          <a:p>
-            <a:endParaRPr lang="zh-TW" altLang="en-US" dirty="0"/>
+          <a:bodyPr/>
+          <a:lstStyle/>
+          <a:p>
+            <a:endParaRPr lang="zh-TW" altLang="en-US"/>
           </a:p>
         </p:txBody>
       </p:sp>
     </p:spTree>
     <p:extLst>
       <p:ext uri="{BB962C8B-B14F-4D97-AF65-F5344CB8AC3E}">
-        <p14:creationId xmlns:p14="http://schemas.microsoft.com/office/powerpoint/2010/main" val="1457471737"/>
+        <p14:creationId xmlns:p14="http://schemas.microsoft.com/office/powerpoint/2010/main" val="4269757158"/>
       </p:ext>
     </p:extLst>
   </p:cSld>
@@ -5089,7 +8936,7 @@
           <p:cNvPr id="2" name="標題 1">
             <a:extLst>
               <a:ext uri="{FF2B5EF4-FFF2-40B4-BE49-F238E27FC236}">
-                <a16:creationId xmlns:a16="http://schemas.microsoft.com/office/drawing/2014/main" id="{FFE36D1B-5ED2-4A00-878C-6CAF180DBE55}"/>
+                <a16:creationId xmlns:a16="http://schemas.microsoft.com/office/drawing/2014/main" id="{65311F84-6372-4050-9117-32BF100DE40A}"/>
               </a:ext>
             </a:extLst>
           </p:cNvPr>
@@ -5107,51 +8954,218 @@
           <a:p>
             <a:r>
               <a:rPr lang="zh-TW" altLang="en-US" dirty="0"/>
-              <a:t>什麼時候要用非同步</a:t>
-            </a:r>
-          </a:p>
-        </p:txBody>
-      </p:sp>
-      <p:sp>
-        <p:nvSpPr>
-          <p:cNvPr id="3" name="內容版面配置區 2">
+              <a:t>資源鎖死</a:t>
+            </a:r>
+          </a:p>
+        </p:txBody>
+      </p:sp>
+      <p:sp>
+        <p:nvSpPr>
+          <p:cNvPr id="4" name="矩形 3">
             <a:extLst>
               <a:ext uri="{FF2B5EF4-FFF2-40B4-BE49-F238E27FC236}">
-                <a16:creationId xmlns:a16="http://schemas.microsoft.com/office/drawing/2014/main" id="{464FCDCB-32CE-482F-9AD7-B6C09B96468B}"/>
+                <a16:creationId xmlns:a16="http://schemas.microsoft.com/office/drawing/2014/main" id="{1D260D78-F2FA-41FB-BAFA-094ECDAA9709}"/>
               </a:ext>
             </a:extLst>
           </p:cNvPr>
-          <p:cNvSpPr>
-            <a:spLocks noGrp="1"/>
-          </p:cNvSpPr>
-          <p:nvPr>
-            <p:ph idx="1"/>
-          </p:nvPr>
-        </p:nvSpPr>
-        <p:spPr/>
-        <p:txBody>
-          <a:bodyPr/>
-          <a:lstStyle/>
-          <a:p>
+          <p:cNvSpPr/>
+          <p:nvPr/>
+        </p:nvSpPr>
+        <p:spPr>
+          <a:xfrm>
+            <a:off x="2299317" y="1802167"/>
+            <a:ext cx="6809172" cy="4483223"/>
+          </a:xfrm>
+          <a:prstGeom prst="rect">
+            <a:avLst/>
+          </a:prstGeom>
+        </p:spPr>
+        <p:style>
+          <a:lnRef idx="2">
+            <a:schemeClr val="accent1">
+              <a:shade val="50000"/>
+            </a:schemeClr>
+          </a:lnRef>
+          <a:fillRef idx="1">
+            <a:schemeClr val="accent1"/>
+          </a:fillRef>
+          <a:effectRef idx="0">
+            <a:schemeClr val="accent1"/>
+          </a:effectRef>
+          <a:fontRef idx="minor">
+            <a:schemeClr val="lt1"/>
+          </a:fontRef>
+        </p:style>
+        <p:txBody>
+          <a:bodyPr rtlCol="0" anchor="ctr"/>
+          <a:lstStyle/>
+          <a:p>
+            <a:pPr algn="ctr"/>
+            <a:endParaRPr lang="zh-TW" altLang="en-US"/>
+          </a:p>
+        </p:txBody>
+      </p:sp>
+      <p:sp>
+        <p:nvSpPr>
+          <p:cNvPr id="5" name="橢圓 4">
+            <a:extLst>
+              <a:ext uri="{FF2B5EF4-FFF2-40B4-BE49-F238E27FC236}">
+                <a16:creationId xmlns:a16="http://schemas.microsoft.com/office/drawing/2014/main" id="{75CE581B-9BCB-45E3-873A-0B4775B3AF0B}"/>
+              </a:ext>
+            </a:extLst>
+          </p:cNvPr>
+          <p:cNvSpPr/>
+          <p:nvPr/>
+        </p:nvSpPr>
+        <p:spPr>
+          <a:xfrm>
+            <a:off x="9756559" y="2059619"/>
+            <a:ext cx="1961965" cy="1083076"/>
+          </a:xfrm>
+          <a:prstGeom prst="ellipse">
+            <a:avLst/>
+          </a:prstGeom>
+        </p:spPr>
+        <p:style>
+          <a:lnRef idx="2">
+            <a:schemeClr val="accent1">
+              <a:shade val="50000"/>
+            </a:schemeClr>
+          </a:lnRef>
+          <a:fillRef idx="1">
+            <a:schemeClr val="accent1"/>
+          </a:fillRef>
+          <a:effectRef idx="0">
+            <a:schemeClr val="accent1"/>
+          </a:effectRef>
+          <a:fontRef idx="minor">
+            <a:schemeClr val="lt1"/>
+          </a:fontRef>
+        </p:style>
+        <p:txBody>
+          <a:bodyPr rtlCol="0" anchor="ctr"/>
+          <a:lstStyle/>
+          <a:p>
+            <a:pPr algn="ctr"/>
             <a:r>
               <a:rPr lang="zh-TW" altLang="en-US" dirty="0"/>
-              <a:t>等待</a:t>
-            </a:r>
-            <a:endParaRPr lang="en-US" altLang="zh-TW" dirty="0"/>
-          </a:p>
-          <a:p>
+              <a:t>某個</a:t>
+            </a:r>
             <a:r>
               <a:rPr lang="en-US" altLang="zh-TW" dirty="0"/>
-              <a:t>.NET Core</a:t>
+              <a:t>API</a:t>
             </a:r>
             <a:endParaRPr lang="zh-TW" altLang="en-US" dirty="0"/>
+          </a:p>
+        </p:txBody>
+      </p:sp>
+      <p:sp>
+        <p:nvSpPr>
+          <p:cNvPr id="6" name="橢圓 5">
+            <a:extLst>
+              <a:ext uri="{FF2B5EF4-FFF2-40B4-BE49-F238E27FC236}">
+                <a16:creationId xmlns:a16="http://schemas.microsoft.com/office/drawing/2014/main" id="{5EB2F3B0-320A-489C-8851-9E89956FB0DE}"/>
+              </a:ext>
+            </a:extLst>
+          </p:cNvPr>
+          <p:cNvSpPr/>
+          <p:nvPr/>
+        </p:nvSpPr>
+        <p:spPr>
+          <a:xfrm>
+            <a:off x="9756559" y="3433438"/>
+            <a:ext cx="1961965" cy="1083076"/>
+          </a:xfrm>
+          <a:prstGeom prst="ellipse">
+            <a:avLst/>
+          </a:prstGeom>
+        </p:spPr>
+        <p:style>
+          <a:lnRef idx="2">
+            <a:schemeClr val="accent1">
+              <a:shade val="50000"/>
+            </a:schemeClr>
+          </a:lnRef>
+          <a:fillRef idx="1">
+            <a:schemeClr val="accent1"/>
+          </a:fillRef>
+          <a:effectRef idx="0">
+            <a:schemeClr val="accent1"/>
+          </a:effectRef>
+          <a:fontRef idx="minor">
+            <a:schemeClr val="lt1"/>
+          </a:fontRef>
+        </p:style>
+        <p:txBody>
+          <a:bodyPr rtlCol="0" anchor="ctr"/>
+          <a:lstStyle/>
+          <a:p>
+            <a:pPr algn="ctr"/>
+            <a:r>
+              <a:rPr lang="zh-TW" altLang="en-US" dirty="0"/>
+              <a:t>某個</a:t>
+            </a:r>
+            <a:r>
+              <a:rPr lang="en-US" altLang="zh-TW" dirty="0"/>
+              <a:t>DB</a:t>
+            </a:r>
+            <a:endParaRPr lang="zh-TW" altLang="en-US" dirty="0"/>
+          </a:p>
+        </p:txBody>
+      </p:sp>
+      <p:sp>
+        <p:nvSpPr>
+          <p:cNvPr id="7" name="橢圓 6">
+            <a:extLst>
+              <a:ext uri="{FF2B5EF4-FFF2-40B4-BE49-F238E27FC236}">
+                <a16:creationId xmlns:a16="http://schemas.microsoft.com/office/drawing/2014/main" id="{8C6D68A7-C23D-42D3-AE7D-E29EFFB76C17}"/>
+              </a:ext>
+            </a:extLst>
+          </p:cNvPr>
+          <p:cNvSpPr/>
+          <p:nvPr/>
+        </p:nvSpPr>
+        <p:spPr>
+          <a:xfrm>
+            <a:off x="9765986" y="4807257"/>
+            <a:ext cx="1961965" cy="1083076"/>
+          </a:xfrm>
+          <a:prstGeom prst="ellipse">
+            <a:avLst/>
+          </a:prstGeom>
+        </p:spPr>
+        <p:style>
+          <a:lnRef idx="2">
+            <a:schemeClr val="accent1">
+              <a:shade val="50000"/>
+            </a:schemeClr>
+          </a:lnRef>
+          <a:fillRef idx="1">
+            <a:schemeClr val="accent1"/>
+          </a:fillRef>
+          <a:effectRef idx="0">
+            <a:schemeClr val="accent1"/>
+          </a:effectRef>
+          <a:fontRef idx="minor">
+            <a:schemeClr val="lt1"/>
+          </a:fontRef>
+        </p:style>
+        <p:txBody>
+          <a:bodyPr rtlCol="0" anchor="ctr"/>
+          <a:lstStyle/>
+          <a:p>
+            <a:pPr algn="ctr"/>
+            <a:r>
+              <a:rPr lang="zh-TW" altLang="en-US" dirty="0"/>
+              <a:t>某個奇怪的資源</a:t>
+            </a:r>
           </a:p>
         </p:txBody>
       </p:sp>
     </p:spTree>
     <p:extLst>
       <p:ext uri="{BB962C8B-B14F-4D97-AF65-F5344CB8AC3E}">
-        <p14:creationId xmlns:p14="http://schemas.microsoft.com/office/powerpoint/2010/main" val="470413712"/>
+        <p14:creationId xmlns:p14="http://schemas.microsoft.com/office/powerpoint/2010/main" val="1140812029"/>
       </p:ext>
     </p:extLst>
   </p:cSld>

--- a/.NET非同步入門.pptx
+++ b/.NET非同步入門.pptx
@@ -369,7 +369,7 @@
             <a:fld id="{87DE6118-2437-4B30-8E3C-4D2BE6020583}" type="datetimeFigureOut">
               <a:rPr lang="en-US" dirty="0"/>
               <a:pPr/>
-              <a:t>11/8/2020</a:t>
+              <a:t>11/9/2020</a:t>
             </a:fld>
             <a:endParaRPr lang="en-US" dirty="0"/>
           </a:p>
@@ -695,7 +695,7 @@
           <a:p>
             <a:fld id="{87DE6118-2437-4B30-8E3C-4D2BE6020583}" type="datetimeFigureOut">
               <a:rPr lang="en-US" dirty="0"/>
-              <a:t>11/8/2020</a:t>
+              <a:t>11/9/2020</a:t>
             </a:fld>
             <a:endParaRPr lang="en-US" dirty="0"/>
           </a:p>
@@ -870,7 +870,7 @@
           <a:p>
             <a:fld id="{87DE6118-2437-4B30-8E3C-4D2BE6020583}" type="datetimeFigureOut">
               <a:rPr lang="en-US" dirty="0"/>
-              <a:t>11/8/2020</a:t>
+              <a:t>11/9/2020</a:t>
             </a:fld>
             <a:endParaRPr lang="en-US" dirty="0"/>
           </a:p>
@@ -1035,7 +1035,7 @@
           <a:p>
             <a:fld id="{87DE6118-2437-4B30-8E3C-4D2BE6020583}" type="datetimeFigureOut">
               <a:rPr lang="en-US" dirty="0"/>
-              <a:t>11/8/2020</a:t>
+              <a:t>11/9/2020</a:t>
             </a:fld>
             <a:endParaRPr lang="en-US" dirty="0"/>
           </a:p>
@@ -1308,7 +1308,7 @@
             <a:fld id="{87DE6118-2437-4B30-8E3C-4D2BE6020583}" type="datetimeFigureOut">
               <a:rPr lang="en-US" dirty="0"/>
               <a:pPr/>
-              <a:t>11/8/2020</a:t>
+              <a:t>11/9/2020</a:t>
             </a:fld>
             <a:endParaRPr lang="en-US" dirty="0"/>
           </a:p>
@@ -1698,7 +1698,7 @@
           <a:p>
             <a:fld id="{87DE6118-2437-4B30-8E3C-4D2BE6020583}" type="datetimeFigureOut">
               <a:rPr lang="en-US" dirty="0"/>
-              <a:t>11/8/2020</a:t>
+              <a:t>11/9/2020</a:t>
             </a:fld>
             <a:endParaRPr lang="en-US" dirty="0"/>
           </a:p>
@@ -2170,7 +2170,7 @@
           <a:p>
             <a:fld id="{87DE6118-2437-4B30-8E3C-4D2BE6020583}" type="datetimeFigureOut">
               <a:rPr lang="en-US" dirty="0"/>
-              <a:t>11/8/2020</a:t>
+              <a:t>11/9/2020</a:t>
             </a:fld>
             <a:endParaRPr lang="en-US" dirty="0"/>
           </a:p>
@@ -2283,7 +2283,7 @@
           <a:p>
             <a:fld id="{87DE6118-2437-4B30-8E3C-4D2BE6020583}" type="datetimeFigureOut">
               <a:rPr lang="en-US" dirty="0"/>
-              <a:t>11/8/2020</a:t>
+              <a:t>11/9/2020</a:t>
             </a:fld>
             <a:endParaRPr lang="en-US" dirty="0"/>
           </a:p>
@@ -2373,7 +2373,7 @@
           <a:p>
             <a:fld id="{87DE6118-2437-4B30-8E3C-4D2BE6020583}" type="datetimeFigureOut">
               <a:rPr lang="en-US" dirty="0"/>
-              <a:t>11/8/2020</a:t>
+              <a:t>11/9/2020</a:t>
             </a:fld>
             <a:endParaRPr lang="en-US" dirty="0"/>
           </a:p>
@@ -2715,7 +2715,7 @@
             <a:fld id="{87DE6118-2437-4B30-8E3C-4D2BE6020583}" type="datetimeFigureOut">
               <a:rPr lang="en-US" dirty="0"/>
               <a:pPr/>
-              <a:t>11/8/2020</a:t>
+              <a:t>11/9/2020</a:t>
             </a:fld>
             <a:endParaRPr lang="en-US" dirty="0"/>
           </a:p>
@@ -3100,7 +3100,7 @@
             <a:fld id="{87DE6118-2437-4B30-8E3C-4D2BE6020583}" type="datetimeFigureOut">
               <a:rPr lang="en-US" dirty="0"/>
               <a:pPr/>
-              <a:t>11/8/2020</a:t>
+              <a:t>11/9/2020</a:t>
             </a:fld>
             <a:endParaRPr lang="en-US" dirty="0"/>
           </a:p>
@@ -3375,7 +3375,7 @@
             <a:fld id="{87DE6118-2437-4B30-8E3C-4D2BE6020583}" type="datetimeFigureOut">
               <a:rPr lang="en-US" dirty="0"/>
               <a:pPr/>
-              <a:t>11/8/2020</a:t>
+              <a:t>11/9/2020</a:t>
             </a:fld>
             <a:endParaRPr lang="en-US" dirty="0"/>
           </a:p>
@@ -9115,10 +9115,10 @@
       </p:sp>
       <p:sp>
         <p:nvSpPr>
-          <p:cNvPr id="7" name="橢圓 6">
+          <p:cNvPr id="3" name="矩形: 圓角 2">
             <a:extLst>
               <a:ext uri="{FF2B5EF4-FFF2-40B4-BE49-F238E27FC236}">
-                <a16:creationId xmlns:a16="http://schemas.microsoft.com/office/drawing/2014/main" id="{8C6D68A7-C23D-42D3-AE7D-E29EFFB76C17}"/>
+                <a16:creationId xmlns:a16="http://schemas.microsoft.com/office/drawing/2014/main" id="{920FE186-F7EB-4216-BB70-0066E1B55630}"/>
               </a:ext>
             </a:extLst>
           </p:cNvPr>
@@ -9127,38 +9127,53 @@
         </p:nvSpPr>
         <p:spPr>
           <a:xfrm>
-            <a:off x="9765986" y="4807257"/>
-            <a:ext cx="1961965" cy="1083076"/>
+            <a:off x="2748600" y="2171700"/>
+            <a:ext cx="5910606" cy="1006780"/>
           </a:xfrm>
-          <a:prstGeom prst="ellipse">
+          <a:prstGeom prst="roundRect">
             <a:avLst/>
           </a:prstGeom>
         </p:spPr>
         <p:style>
           <a:lnRef idx="2">
-            <a:schemeClr val="accent1">
+            <a:schemeClr val="accent2">
               <a:shade val="50000"/>
             </a:schemeClr>
           </a:lnRef>
           <a:fillRef idx="1">
-            <a:schemeClr val="accent1"/>
+            <a:schemeClr val="accent2"/>
           </a:fillRef>
           <a:effectRef idx="0">
-            <a:schemeClr val="accent1"/>
+            <a:schemeClr val="accent2"/>
           </a:effectRef>
           <a:fontRef idx="minor">
             <a:schemeClr val="lt1"/>
           </a:fontRef>
         </p:style>
         <p:txBody>
-          <a:bodyPr rtlCol="0" anchor="ctr"/>
+          <a:bodyPr rot="0" spcFirstLastPara="0" vertOverflow="overflow" horzOverflow="overflow" vert="horz" wrap="square" lIns="91440" tIns="45720" rIns="91440" bIns="45720" numCol="1" spcCol="0" rtlCol="0" fromWordArt="0" anchor="ctr" anchorCtr="0" forceAA="0" compatLnSpc="1">
+            <a:prstTxWarp prst="textNoShape">
+              <a:avLst/>
+            </a:prstTxWarp>
+            <a:noAutofit/>
+          </a:bodyPr>
           <a:lstStyle/>
           <a:p>
             <a:pPr algn="ctr"/>
-            <a:r>
-              <a:rPr lang="zh-TW" altLang="en-US" dirty="0"/>
-              <a:t>某個奇怪的資源</a:t>
-            </a:r>
+            <a:endParaRPr lang="zh-TW" altLang="en-US" b="1">
+              <a:ln w="22225">
+                <a:solidFill>
+                  <a:schemeClr val="accent2"/>
+                </a:solidFill>
+                <a:prstDash val="solid"/>
+              </a:ln>
+              <a:solidFill>
+                <a:schemeClr val="accent2">
+                  <a:lumMod val="40000"/>
+                  <a:lumOff val="60000"/>
+                </a:schemeClr>
+              </a:solidFill>
+            </a:endParaRPr>
           </a:p>
         </p:txBody>
       </p:sp>

--- a/.NET非同步入門.pptx
+++ b/.NET非同步入門.pptx
@@ -8973,7 +8973,7 @@
         </p:nvSpPr>
         <p:spPr>
           <a:xfrm>
-            <a:off x="2299317" y="1802167"/>
+            <a:off x="2691414" y="1733364"/>
             <a:ext cx="6809172" cy="4483223"/>
           </a:xfrm>
           <a:prstGeom prst="rect">
@@ -8997,11 +8997,13 @@
           </a:fontRef>
         </p:style>
         <p:txBody>
-          <a:bodyPr rtlCol="0" anchor="ctr"/>
-          <a:lstStyle/>
-          <a:p>
-            <a:pPr algn="ctr"/>
-            <a:endParaRPr lang="zh-TW" altLang="en-US"/>
+          <a:bodyPr rtlCol="0" anchor="t" anchorCtr="0"/>
+          <a:lstStyle/>
+          <a:p>
+            <a:r>
+              <a:rPr lang="en-US" altLang="zh-TW" dirty="0"/>
+              <a:t>Application</a:t>
+            </a:r>
           </a:p>
         </p:txBody>
       </p:sp>
@@ -9127,7 +9129,7 @@
         </p:nvSpPr>
         <p:spPr>
           <a:xfrm>
-            <a:off x="2748600" y="2171700"/>
+            <a:off x="3140697" y="2422220"/>
             <a:ext cx="5910606" cy="1006780"/>
           </a:xfrm>
           <a:prstGeom prst="roundRect">
@@ -9160,20 +9162,290 @@
           <a:lstStyle/>
           <a:p>
             <a:pPr algn="ctr"/>
-            <a:endParaRPr lang="zh-TW" altLang="en-US" b="1">
-              <a:ln w="22225">
+            <a:r>
+              <a:rPr lang="zh-TW" altLang="en-US" dirty="0">
+                <a:ln w="0"/>
                 <a:solidFill>
-                  <a:schemeClr val="accent2"/>
+                  <a:schemeClr val="tx1"/>
                 </a:solidFill>
-                <a:prstDash val="solid"/>
-              </a:ln>
+                <a:effectLst>
+                  <a:outerShdw blurRad="38100" dist="19050" dir="2700000" algn="tl" rotWithShape="0">
+                    <a:schemeClr val="dk1">
+                      <a:alpha val="40000"/>
+                    </a:schemeClr>
+                  </a:outerShdw>
+                </a:effectLst>
+              </a:rPr>
+              <a:t>執行續</a:t>
+            </a:r>
+            <a:r>
+              <a:rPr lang="en-US" altLang="zh-TW" dirty="0">
+                <a:ln w="0"/>
+                <a:solidFill>
+                  <a:schemeClr val="tx1"/>
+                </a:solidFill>
+                <a:effectLst>
+                  <a:outerShdw blurRad="38100" dist="19050" dir="2700000" algn="tl" rotWithShape="0">
+                    <a:schemeClr val="dk1">
+                      <a:alpha val="40000"/>
+                    </a:schemeClr>
+                  </a:outerShdw>
+                </a:effectLst>
+              </a:rPr>
+              <a:t>A</a:t>
+            </a:r>
+            <a:endParaRPr lang="zh-TW" altLang="en-US" dirty="0">
+              <a:ln w="0"/>
               <a:solidFill>
-                <a:schemeClr val="accent2">
-                  <a:lumMod val="40000"/>
-                  <a:lumOff val="60000"/>
-                </a:schemeClr>
+                <a:schemeClr val="tx1"/>
               </a:solidFill>
+              <a:effectLst>
+                <a:outerShdw blurRad="38100" dist="19050" dir="2700000" algn="tl" rotWithShape="0">
+                  <a:schemeClr val="dk1">
+                    <a:alpha val="40000"/>
+                  </a:schemeClr>
+                </a:outerShdw>
+              </a:effectLst>
             </a:endParaRPr>
+          </a:p>
+        </p:txBody>
+      </p:sp>
+      <p:sp>
+        <p:nvSpPr>
+          <p:cNvPr id="7" name="矩形: 圓角 6">
+            <a:extLst>
+              <a:ext uri="{FF2B5EF4-FFF2-40B4-BE49-F238E27FC236}">
+                <a16:creationId xmlns:a16="http://schemas.microsoft.com/office/drawing/2014/main" id="{09FDB238-C6F6-42BD-9DE4-A754D680F41E}"/>
+              </a:ext>
+            </a:extLst>
+          </p:cNvPr>
+          <p:cNvSpPr/>
+          <p:nvPr/>
+        </p:nvSpPr>
+        <p:spPr>
+          <a:xfrm>
+            <a:off x="3140697" y="3540388"/>
+            <a:ext cx="5910606" cy="1006780"/>
+          </a:xfrm>
+          <a:prstGeom prst="roundRect">
+            <a:avLst/>
+          </a:prstGeom>
+        </p:spPr>
+        <p:style>
+          <a:lnRef idx="2">
+            <a:schemeClr val="accent2">
+              <a:shade val="50000"/>
+            </a:schemeClr>
+          </a:lnRef>
+          <a:fillRef idx="1">
+            <a:schemeClr val="accent2"/>
+          </a:fillRef>
+          <a:effectRef idx="0">
+            <a:schemeClr val="accent2"/>
+          </a:effectRef>
+          <a:fontRef idx="minor">
+            <a:schemeClr val="lt1"/>
+          </a:fontRef>
+        </p:style>
+        <p:txBody>
+          <a:bodyPr rot="0" spcFirstLastPara="0" vertOverflow="overflow" horzOverflow="overflow" vert="horz" wrap="square" lIns="91440" tIns="45720" rIns="91440" bIns="45720" numCol="1" spcCol="0" rtlCol="0" fromWordArt="0" anchor="ctr" anchorCtr="0" forceAA="0" compatLnSpc="1">
+            <a:prstTxWarp prst="textNoShape">
+              <a:avLst/>
+            </a:prstTxWarp>
+            <a:noAutofit/>
+          </a:bodyPr>
+          <a:lstStyle/>
+          <a:p>
+            <a:pPr algn="ctr"/>
+            <a:r>
+              <a:rPr lang="zh-TW" altLang="en-US" dirty="0">
+                <a:ln w="0"/>
+                <a:solidFill>
+                  <a:schemeClr val="tx1"/>
+                </a:solidFill>
+                <a:effectLst>
+                  <a:outerShdw blurRad="38100" dist="19050" dir="2700000" algn="tl" rotWithShape="0">
+                    <a:schemeClr val="dk1">
+                      <a:alpha val="40000"/>
+                    </a:schemeClr>
+                  </a:outerShdw>
+                </a:effectLst>
+              </a:rPr>
+              <a:t>執行續</a:t>
+            </a:r>
+            <a:r>
+              <a:rPr lang="en-US" altLang="zh-TW" dirty="0">
+                <a:ln w="0"/>
+                <a:solidFill>
+                  <a:schemeClr val="tx1"/>
+                </a:solidFill>
+                <a:effectLst>
+                  <a:outerShdw blurRad="38100" dist="19050" dir="2700000" algn="tl" rotWithShape="0">
+                    <a:schemeClr val="dk1">
+                      <a:alpha val="40000"/>
+                    </a:schemeClr>
+                  </a:outerShdw>
+                </a:effectLst>
+              </a:rPr>
+              <a:t>B</a:t>
+            </a:r>
+            <a:endParaRPr lang="zh-TW" altLang="en-US" dirty="0">
+              <a:ln w="0"/>
+              <a:solidFill>
+                <a:schemeClr val="tx1"/>
+              </a:solidFill>
+              <a:effectLst>
+                <a:outerShdw blurRad="38100" dist="19050" dir="2700000" algn="tl" rotWithShape="0">
+                  <a:schemeClr val="dk1">
+                    <a:alpha val="40000"/>
+                  </a:schemeClr>
+                </a:outerShdw>
+              </a:effectLst>
+            </a:endParaRPr>
+          </a:p>
+        </p:txBody>
+      </p:sp>
+      <p:sp>
+        <p:nvSpPr>
+          <p:cNvPr id="8" name="矩形: 圓角 7">
+            <a:extLst>
+              <a:ext uri="{FF2B5EF4-FFF2-40B4-BE49-F238E27FC236}">
+                <a16:creationId xmlns:a16="http://schemas.microsoft.com/office/drawing/2014/main" id="{3321E835-137C-4704-83A6-D3F62C83DE88}"/>
+              </a:ext>
+            </a:extLst>
+          </p:cNvPr>
+          <p:cNvSpPr/>
+          <p:nvPr/>
+        </p:nvSpPr>
+        <p:spPr>
+          <a:xfrm>
+            <a:off x="3140697" y="4656755"/>
+            <a:ext cx="5910606" cy="1006780"/>
+          </a:xfrm>
+          <a:prstGeom prst="roundRect">
+            <a:avLst/>
+          </a:prstGeom>
+        </p:spPr>
+        <p:style>
+          <a:lnRef idx="2">
+            <a:schemeClr val="accent2">
+              <a:shade val="50000"/>
+            </a:schemeClr>
+          </a:lnRef>
+          <a:fillRef idx="1">
+            <a:schemeClr val="accent2"/>
+          </a:fillRef>
+          <a:effectRef idx="0">
+            <a:schemeClr val="accent2"/>
+          </a:effectRef>
+          <a:fontRef idx="minor">
+            <a:schemeClr val="lt1"/>
+          </a:fontRef>
+        </p:style>
+        <p:txBody>
+          <a:bodyPr rot="0" spcFirstLastPara="0" vertOverflow="overflow" horzOverflow="overflow" vert="horz" wrap="square" lIns="91440" tIns="45720" rIns="91440" bIns="45720" numCol="1" spcCol="0" rtlCol="0" fromWordArt="0" anchor="ctr" anchorCtr="0" forceAA="0" compatLnSpc="1">
+            <a:prstTxWarp prst="textNoShape">
+              <a:avLst/>
+            </a:prstTxWarp>
+            <a:noAutofit/>
+          </a:bodyPr>
+          <a:lstStyle/>
+          <a:p>
+            <a:pPr algn="ctr"/>
+            <a:r>
+              <a:rPr lang="zh-TW" altLang="en-US" dirty="0">
+                <a:ln w="0"/>
+                <a:solidFill>
+                  <a:schemeClr val="tx1"/>
+                </a:solidFill>
+                <a:effectLst>
+                  <a:outerShdw blurRad="38100" dist="19050" dir="2700000" algn="tl" rotWithShape="0">
+                    <a:schemeClr val="dk1">
+                      <a:alpha val="40000"/>
+                    </a:schemeClr>
+                  </a:outerShdw>
+                </a:effectLst>
+              </a:rPr>
+              <a:t>執行續</a:t>
+            </a:r>
+            <a:r>
+              <a:rPr lang="en-US" altLang="zh-TW" dirty="0">
+                <a:ln w="0"/>
+                <a:solidFill>
+                  <a:schemeClr val="tx1"/>
+                </a:solidFill>
+                <a:effectLst>
+                  <a:outerShdw blurRad="38100" dist="19050" dir="2700000" algn="tl" rotWithShape="0">
+                    <a:schemeClr val="dk1">
+                      <a:alpha val="40000"/>
+                    </a:schemeClr>
+                  </a:outerShdw>
+                </a:effectLst>
+              </a:rPr>
+              <a:t>C</a:t>
+            </a:r>
+            <a:endParaRPr lang="zh-TW" altLang="en-US" dirty="0">
+              <a:ln w="0"/>
+              <a:solidFill>
+                <a:schemeClr val="tx1"/>
+              </a:solidFill>
+              <a:effectLst>
+                <a:outerShdw blurRad="38100" dist="19050" dir="2700000" algn="tl" rotWithShape="0">
+                  <a:schemeClr val="dk1">
+                    <a:alpha val="40000"/>
+                  </a:schemeClr>
+                </a:outerShdw>
+              </a:effectLst>
+            </a:endParaRPr>
+          </a:p>
+        </p:txBody>
+      </p:sp>
+      <p:sp>
+        <p:nvSpPr>
+          <p:cNvPr id="9" name="橢圓 8">
+            <a:extLst>
+              <a:ext uri="{FF2B5EF4-FFF2-40B4-BE49-F238E27FC236}">
+                <a16:creationId xmlns:a16="http://schemas.microsoft.com/office/drawing/2014/main" id="{8B21D2D8-7A31-4D1C-93D7-1DC64F946A5F}"/>
+              </a:ext>
+            </a:extLst>
+          </p:cNvPr>
+          <p:cNvSpPr/>
+          <p:nvPr/>
+        </p:nvSpPr>
+        <p:spPr>
+          <a:xfrm>
+            <a:off x="826103" y="1880682"/>
+            <a:ext cx="1640669" cy="1083076"/>
+          </a:xfrm>
+          <a:prstGeom prst="ellipse">
+            <a:avLst/>
+          </a:prstGeom>
+        </p:spPr>
+        <p:style>
+          <a:lnRef idx="2">
+            <a:schemeClr val="accent1">
+              <a:shade val="50000"/>
+            </a:schemeClr>
+          </a:lnRef>
+          <a:fillRef idx="1">
+            <a:schemeClr val="accent1"/>
+          </a:fillRef>
+          <a:effectRef idx="0">
+            <a:schemeClr val="accent1"/>
+          </a:effectRef>
+          <a:fontRef idx="minor">
+            <a:schemeClr val="lt1"/>
+          </a:fontRef>
+        </p:style>
+        <p:txBody>
+          <a:bodyPr rtlCol="0" anchor="ctr"/>
+          <a:lstStyle/>
+          <a:p>
+            <a:pPr algn="ctr"/>
+            <a:r>
+              <a:rPr lang="en-US" altLang="zh-TW" dirty="0"/>
+              <a:t>Client</a:t>
+            </a:r>
           </a:p>
         </p:txBody>
       </p:sp>

--- a/.NET非同步入門.pptx
+++ b/.NET非同步入門.pptx
@@ -14,23 +14,23 @@
     <p:sldId id="277" r:id="rId8"/>
     <p:sldId id="279" r:id="rId9"/>
     <p:sldId id="278" r:id="rId10"/>
-    <p:sldId id="283" r:id="rId11"/>
-    <p:sldId id="262" r:id="rId12"/>
-    <p:sldId id="263" r:id="rId13"/>
-    <p:sldId id="269" r:id="rId14"/>
-    <p:sldId id="264" r:id="rId15"/>
-    <p:sldId id="265" r:id="rId16"/>
-    <p:sldId id="268" r:id="rId17"/>
-    <p:sldId id="266" r:id="rId18"/>
-    <p:sldId id="267" r:id="rId19"/>
-    <p:sldId id="274" r:id="rId20"/>
-    <p:sldId id="282" r:id="rId21"/>
-    <p:sldId id="276" r:id="rId22"/>
-    <p:sldId id="271" r:id="rId23"/>
-    <p:sldId id="280" r:id="rId24"/>
-    <p:sldId id="272" r:id="rId25"/>
-    <p:sldId id="275" r:id="rId26"/>
-    <p:sldId id="273" r:id="rId27"/>
+    <p:sldId id="262" r:id="rId11"/>
+    <p:sldId id="263" r:id="rId12"/>
+    <p:sldId id="269" r:id="rId13"/>
+    <p:sldId id="264" r:id="rId14"/>
+    <p:sldId id="265" r:id="rId15"/>
+    <p:sldId id="268" r:id="rId16"/>
+    <p:sldId id="266" r:id="rId17"/>
+    <p:sldId id="267" r:id="rId18"/>
+    <p:sldId id="274" r:id="rId19"/>
+    <p:sldId id="282" r:id="rId20"/>
+    <p:sldId id="276" r:id="rId21"/>
+    <p:sldId id="271" r:id="rId22"/>
+    <p:sldId id="280" r:id="rId23"/>
+    <p:sldId id="272" r:id="rId24"/>
+    <p:sldId id="275" r:id="rId25"/>
+    <p:sldId id="273" r:id="rId26"/>
+    <p:sldId id="284" r:id="rId27"/>
   </p:sldIdLst>
   <p:sldSz cx="12192000" cy="6858000"/>
   <p:notesSz cx="6858000" cy="9144000"/>
@@ -151,7 +151,6 @@
             <p14:sldId id="277"/>
             <p14:sldId id="279"/>
             <p14:sldId id="278"/>
-            <p14:sldId id="283"/>
           </p14:sldIdLst>
         </p14:section>
         <p14:section name="when" id="{95B12805-356A-44F0-BD44-4700BA9A5E8D}">
@@ -188,6 +187,7 @@
         <p14:section name="end" id="{76AA96B0-9D19-471D-9213-1F9D7F2CBCD8}">
           <p14:sldIdLst>
             <p14:sldId id="273"/>
+            <p14:sldId id="284"/>
           </p14:sldIdLst>
         </p14:section>
       </p14:sectionLst>
@@ -369,7 +369,7 @@
             <a:fld id="{87DE6118-2437-4B30-8E3C-4D2BE6020583}" type="datetimeFigureOut">
               <a:rPr lang="en-US" dirty="0"/>
               <a:pPr/>
-              <a:t>11/9/2020</a:t>
+              <a:t>11/10/2020</a:t>
             </a:fld>
             <a:endParaRPr lang="en-US" dirty="0"/>
           </a:p>
@@ -695,7 +695,7 @@
           <a:p>
             <a:fld id="{87DE6118-2437-4B30-8E3C-4D2BE6020583}" type="datetimeFigureOut">
               <a:rPr lang="en-US" dirty="0"/>
-              <a:t>11/9/2020</a:t>
+              <a:t>11/10/2020</a:t>
             </a:fld>
             <a:endParaRPr lang="en-US" dirty="0"/>
           </a:p>
@@ -870,7 +870,7 @@
           <a:p>
             <a:fld id="{87DE6118-2437-4B30-8E3C-4D2BE6020583}" type="datetimeFigureOut">
               <a:rPr lang="en-US" dirty="0"/>
-              <a:t>11/9/2020</a:t>
+              <a:t>11/10/2020</a:t>
             </a:fld>
             <a:endParaRPr lang="en-US" dirty="0"/>
           </a:p>
@@ -1035,7 +1035,7 @@
           <a:p>
             <a:fld id="{87DE6118-2437-4B30-8E3C-4D2BE6020583}" type="datetimeFigureOut">
               <a:rPr lang="en-US" dirty="0"/>
-              <a:t>11/9/2020</a:t>
+              <a:t>11/10/2020</a:t>
             </a:fld>
             <a:endParaRPr lang="en-US" dirty="0"/>
           </a:p>
@@ -1308,7 +1308,7 @@
             <a:fld id="{87DE6118-2437-4B30-8E3C-4D2BE6020583}" type="datetimeFigureOut">
               <a:rPr lang="en-US" dirty="0"/>
               <a:pPr/>
-              <a:t>11/9/2020</a:t>
+              <a:t>11/10/2020</a:t>
             </a:fld>
             <a:endParaRPr lang="en-US" dirty="0"/>
           </a:p>
@@ -1698,7 +1698,7 @@
           <a:p>
             <a:fld id="{87DE6118-2437-4B30-8E3C-4D2BE6020583}" type="datetimeFigureOut">
               <a:rPr lang="en-US" dirty="0"/>
-              <a:t>11/9/2020</a:t>
+              <a:t>11/10/2020</a:t>
             </a:fld>
             <a:endParaRPr lang="en-US" dirty="0"/>
           </a:p>
@@ -2170,7 +2170,7 @@
           <a:p>
             <a:fld id="{87DE6118-2437-4B30-8E3C-4D2BE6020583}" type="datetimeFigureOut">
               <a:rPr lang="en-US" dirty="0"/>
-              <a:t>11/9/2020</a:t>
+              <a:t>11/10/2020</a:t>
             </a:fld>
             <a:endParaRPr lang="en-US" dirty="0"/>
           </a:p>
@@ -2283,7 +2283,7 @@
           <a:p>
             <a:fld id="{87DE6118-2437-4B30-8E3C-4D2BE6020583}" type="datetimeFigureOut">
               <a:rPr lang="en-US" dirty="0"/>
-              <a:t>11/9/2020</a:t>
+              <a:t>11/10/2020</a:t>
             </a:fld>
             <a:endParaRPr lang="en-US" dirty="0"/>
           </a:p>
@@ -2373,7 +2373,7 @@
           <a:p>
             <a:fld id="{87DE6118-2437-4B30-8E3C-4D2BE6020583}" type="datetimeFigureOut">
               <a:rPr lang="en-US" dirty="0"/>
-              <a:t>11/9/2020</a:t>
+              <a:t>11/10/2020</a:t>
             </a:fld>
             <a:endParaRPr lang="en-US" dirty="0"/>
           </a:p>
@@ -2715,7 +2715,7 @@
             <a:fld id="{87DE6118-2437-4B30-8E3C-4D2BE6020583}" type="datetimeFigureOut">
               <a:rPr lang="en-US" dirty="0"/>
               <a:pPr/>
-              <a:t>11/9/2020</a:t>
+              <a:t>11/10/2020</a:t>
             </a:fld>
             <a:endParaRPr lang="en-US" dirty="0"/>
           </a:p>
@@ -3100,7 +3100,7 @@
             <a:fld id="{87DE6118-2437-4B30-8E3C-4D2BE6020583}" type="datetimeFigureOut">
               <a:rPr lang="en-US" dirty="0"/>
               <a:pPr/>
-              <a:t>11/9/2020</a:t>
+              <a:t>11/10/2020</a:t>
             </a:fld>
             <a:endParaRPr lang="en-US" dirty="0"/>
           </a:p>
@@ -3375,7 +3375,7 @@
             <a:fld id="{87DE6118-2437-4B30-8E3C-4D2BE6020583}" type="datetimeFigureOut">
               <a:rPr lang="en-US" dirty="0"/>
               <a:pPr/>
-              <a:t>11/9/2020</a:t>
+              <a:t>11/10/2020</a:t>
             </a:fld>
             <a:endParaRPr lang="en-US" dirty="0"/>
           </a:p>
@@ -3983,10 +3983,10 @@
       </p:grpSpPr>
       <p:sp>
         <p:nvSpPr>
-          <p:cNvPr id="2" name="標題 1">
+          <p:cNvPr id="4" name="標題 3">
             <a:extLst>
               <a:ext uri="{FF2B5EF4-FFF2-40B4-BE49-F238E27FC236}">
-                <a16:creationId xmlns:a16="http://schemas.microsoft.com/office/drawing/2014/main" id="{375E1AF3-3882-40CA-A050-39AC4380C4C4}"/>
+                <a16:creationId xmlns:a16="http://schemas.microsoft.com/office/drawing/2014/main" id="{BD4D1AC1-EA7F-4517-B8A1-C8C04888B929}"/>
               </a:ext>
             </a:extLst>
           </p:cNvPr>
@@ -4004,17 +4004,17 @@
           <a:p>
             <a:r>
               <a:rPr lang="zh-TW" altLang="en-US" dirty="0"/>
-              <a:t>怎麼用非同步</a:t>
-            </a:r>
-          </a:p>
-        </p:txBody>
-      </p:sp>
-      <p:sp>
-        <p:nvSpPr>
-          <p:cNvPr id="4" name="文字版面配置區 3">
+              <a:t>什麼時候要用非同步</a:t>
+            </a:r>
+          </a:p>
+        </p:txBody>
+      </p:sp>
+      <p:sp>
+        <p:nvSpPr>
+          <p:cNvPr id="5" name="文字版面配置區 4">
             <a:extLst>
               <a:ext uri="{FF2B5EF4-FFF2-40B4-BE49-F238E27FC236}">
-                <a16:creationId xmlns:a16="http://schemas.microsoft.com/office/drawing/2014/main" id="{181CE145-9952-493A-888F-38A8E2327298}"/>
+                <a16:creationId xmlns:a16="http://schemas.microsoft.com/office/drawing/2014/main" id="{FB99B319-881C-4A6A-9C57-D26A187CAADA}"/>
               </a:ext>
             </a:extLst>
           </p:cNvPr>
@@ -4025,463 +4025,25 @@
             <p:ph type="body" idx="1"/>
           </p:nvPr>
         </p:nvSpPr>
-        <p:spPr>
-          <a:xfrm>
-            <a:off x="1371600" y="1516952"/>
-            <a:ext cx="4443984" cy="823912"/>
-          </a:xfrm>
-        </p:spPr>
+        <p:spPr/>
         <p:txBody>
           <a:bodyPr/>
           <a:lstStyle/>
           <a:p>
-            <a:r>
-              <a:rPr lang="zh-TW" altLang="en-US" dirty="0"/>
-              <a:t>同步</a:t>
-            </a:r>
-          </a:p>
-        </p:txBody>
-      </p:sp>
-      <p:sp>
-        <p:nvSpPr>
-          <p:cNvPr id="3" name="內容版面配置區 2">
-            <a:extLst>
-              <a:ext uri="{FF2B5EF4-FFF2-40B4-BE49-F238E27FC236}">
-                <a16:creationId xmlns:a16="http://schemas.microsoft.com/office/drawing/2014/main" id="{4877105D-F782-4702-BD7A-A4E0F46A3650}"/>
-              </a:ext>
-            </a:extLst>
-          </p:cNvPr>
-          <p:cNvSpPr>
-            <a:spLocks noGrp="1"/>
-          </p:cNvSpPr>
-          <p:nvPr>
-            <p:ph sz="half" idx="2"/>
-          </p:nvPr>
-        </p:nvSpPr>
-        <p:spPr>
-          <a:xfrm>
-            <a:off x="1371600" y="2340865"/>
-            <a:ext cx="4443984" cy="3526536"/>
-          </a:xfrm>
-        </p:spPr>
-        <p:txBody>
-          <a:bodyPr/>
-          <a:lstStyle/>
-          <a:p>
-            <a:r>
-              <a:rPr lang="en-US" altLang="zh-TW" dirty="0">
-                <a:latin typeface="Consolas" panose="020B0609020204030204" pitchFamily="49" charset="0"/>
-              </a:rPr>
-              <a:t>void Method()</a:t>
-            </a:r>
-          </a:p>
-          <a:p>
-            <a:r>
-              <a:rPr lang="en-US" altLang="zh-TW" dirty="0" err="1">
-                <a:latin typeface="Consolas" panose="020B0609020204030204" pitchFamily="49" charset="0"/>
-              </a:rPr>
-              <a:t>SomeClass</a:t>
-            </a:r>
-            <a:r>
-              <a:rPr lang="en-US" altLang="zh-TW" dirty="0">
-                <a:latin typeface="Consolas" panose="020B0609020204030204" pitchFamily="49" charset="0"/>
-              </a:rPr>
-              <a:t> Method()</a:t>
-            </a:r>
-            <a:endParaRPr lang="zh-TW" altLang="en-US" dirty="0">
-              <a:latin typeface="Consolas" panose="020B0609020204030204" pitchFamily="49" charset="0"/>
-            </a:endParaRPr>
-          </a:p>
-        </p:txBody>
-      </p:sp>
-      <p:sp>
-        <p:nvSpPr>
-          <p:cNvPr id="5" name="文字版面配置區 4">
-            <a:extLst>
-              <a:ext uri="{FF2B5EF4-FFF2-40B4-BE49-F238E27FC236}">
-                <a16:creationId xmlns:a16="http://schemas.microsoft.com/office/drawing/2014/main" id="{942B86E4-C93F-49AE-B1E3-B5BD1344E2BB}"/>
-              </a:ext>
-            </a:extLst>
-          </p:cNvPr>
-          <p:cNvSpPr>
-            <a:spLocks noGrp="1"/>
-          </p:cNvSpPr>
-          <p:nvPr>
-            <p:ph type="body" sz="quarter" idx="3"/>
-          </p:nvPr>
-        </p:nvSpPr>
-        <p:spPr>
-          <a:xfrm>
-            <a:off x="6525014" y="1516952"/>
-            <a:ext cx="4443984" cy="823912"/>
-          </a:xfrm>
-        </p:spPr>
-        <p:txBody>
-          <a:bodyPr/>
-          <a:lstStyle/>
-          <a:p>
-            <a:r>
-              <a:rPr lang="zh-TW" altLang="en-US" dirty="0"/>
-              <a:t>非同步</a:t>
-            </a:r>
-          </a:p>
-        </p:txBody>
-      </p:sp>
-      <p:sp>
-        <p:nvSpPr>
-          <p:cNvPr id="6" name="內容版面配置區 5">
-            <a:extLst>
-              <a:ext uri="{FF2B5EF4-FFF2-40B4-BE49-F238E27FC236}">
-                <a16:creationId xmlns:a16="http://schemas.microsoft.com/office/drawing/2014/main" id="{53C35351-5CFA-4BAB-8FA2-88082AB12F8E}"/>
-              </a:ext>
-            </a:extLst>
-          </p:cNvPr>
-          <p:cNvSpPr>
-            <a:spLocks noGrp="1"/>
-          </p:cNvSpPr>
-          <p:nvPr>
-            <p:ph sz="quarter" idx="4"/>
-          </p:nvPr>
-        </p:nvSpPr>
-        <p:spPr>
-          <a:xfrm>
-            <a:off x="6525014" y="2340865"/>
-            <a:ext cx="5079382" cy="3526536"/>
-          </a:xfrm>
-        </p:spPr>
-        <p:txBody>
-          <a:bodyPr/>
-          <a:lstStyle/>
-          <a:p>
-            <a:r>
-              <a:rPr lang="en-US" altLang="zh-TW" dirty="0">
-                <a:latin typeface="Consolas" panose="020B0609020204030204" pitchFamily="49" charset="0"/>
-              </a:rPr>
-              <a:t>async Task </a:t>
-            </a:r>
-            <a:r>
-              <a:rPr lang="en-US" altLang="zh-TW" dirty="0" err="1">
-                <a:latin typeface="Consolas" panose="020B0609020204030204" pitchFamily="49" charset="0"/>
-              </a:rPr>
-              <a:t>MethodAsync</a:t>
-            </a:r>
-            <a:r>
-              <a:rPr lang="en-US" altLang="zh-TW" dirty="0">
-                <a:latin typeface="Consolas" panose="020B0609020204030204" pitchFamily="49" charset="0"/>
-              </a:rPr>
-              <a:t>()</a:t>
-            </a:r>
-          </a:p>
-          <a:p>
-            <a:r>
-              <a:rPr lang="en-US" altLang="zh-TW" dirty="0">
-                <a:latin typeface="Consolas" panose="020B0609020204030204" pitchFamily="49" charset="0"/>
-              </a:rPr>
-              <a:t>async Task&lt;</a:t>
-            </a:r>
-            <a:r>
-              <a:rPr lang="en-US" altLang="zh-TW" dirty="0" err="1">
-                <a:latin typeface="Consolas" panose="020B0609020204030204" pitchFamily="49" charset="0"/>
-              </a:rPr>
-              <a:t>SomeClass</a:t>
-            </a:r>
-            <a:r>
-              <a:rPr lang="en-US" altLang="zh-TW" dirty="0">
-                <a:latin typeface="Consolas" panose="020B0609020204030204" pitchFamily="49" charset="0"/>
-              </a:rPr>
-              <a:t>&gt; </a:t>
-            </a:r>
-            <a:r>
-              <a:rPr lang="en-US" altLang="zh-TW" dirty="0" err="1">
-                <a:latin typeface="Consolas" panose="020B0609020204030204" pitchFamily="49" charset="0"/>
-              </a:rPr>
-              <a:t>MethodAsync</a:t>
-            </a:r>
-            <a:r>
-              <a:rPr lang="en-US" altLang="zh-TW" dirty="0">
-                <a:latin typeface="Consolas" panose="020B0609020204030204" pitchFamily="49" charset="0"/>
-              </a:rPr>
-              <a:t>()</a:t>
-            </a:r>
-          </a:p>
-          <a:p>
-            <a:r>
-              <a:rPr lang="en-US" altLang="zh-TW" strike="sngStrike" dirty="0">
-                <a:latin typeface="Consolas" panose="020B0609020204030204" pitchFamily="49" charset="0"/>
-              </a:rPr>
-              <a:t>async void </a:t>
-            </a:r>
-            <a:r>
-              <a:rPr lang="en-US" altLang="zh-TW" strike="sngStrike" dirty="0" err="1">
-                <a:latin typeface="Consolas" panose="020B0609020204030204" pitchFamily="49" charset="0"/>
-              </a:rPr>
-              <a:t>MethodAsync</a:t>
-            </a:r>
-            <a:r>
-              <a:rPr lang="en-US" altLang="zh-TW" strike="sngStrike" dirty="0">
-                <a:latin typeface="Consolas" panose="020B0609020204030204" pitchFamily="49" charset="0"/>
-              </a:rPr>
-              <a:t>()</a:t>
-            </a:r>
-            <a:endParaRPr lang="zh-TW" altLang="en-US" strike="sngStrike" dirty="0">
-              <a:latin typeface="Consolas" panose="020B0609020204030204" pitchFamily="49" charset="0"/>
-            </a:endParaRPr>
+            <a:endParaRPr lang="zh-TW" altLang="en-US"/>
           </a:p>
         </p:txBody>
       </p:sp>
     </p:spTree>
     <p:extLst>
       <p:ext uri="{BB962C8B-B14F-4D97-AF65-F5344CB8AC3E}">
-        <p14:creationId xmlns:p14="http://schemas.microsoft.com/office/powerpoint/2010/main" val="3248544505"/>
+        <p14:creationId xmlns:p14="http://schemas.microsoft.com/office/powerpoint/2010/main" val="2293390487"/>
       </p:ext>
     </p:extLst>
   </p:cSld>
   <p:clrMapOvr>
     <a:masterClrMapping/>
   </p:clrMapOvr>
-  <p:timing>
-    <p:tnLst>
-      <p:par>
-        <p:cTn id="1" dur="indefinite" restart="never" nodeType="tmRoot">
-          <p:childTnLst>
-            <p:seq concurrent="1" nextAc="seek">
-              <p:cTn id="2" dur="indefinite" nodeType="mainSeq">
-                <p:childTnLst>
-                  <p:par>
-                    <p:cTn id="3" fill="hold">
-                      <p:stCondLst>
-                        <p:cond delay="indefinite"/>
-                      </p:stCondLst>
-                      <p:childTnLst>
-                        <p:par>
-                          <p:cTn id="4" fill="hold">
-                            <p:stCondLst>
-                              <p:cond delay="0"/>
-                            </p:stCondLst>
-                            <p:childTnLst>
-                              <p:par>
-                                <p:cTn id="5" presetID="1" presetClass="entr" presetSubtype="0" fill="hold" grpId="0" nodeType="clickEffect">
-                                  <p:stCondLst>
-                                    <p:cond delay="0"/>
-                                  </p:stCondLst>
-                                  <p:childTnLst>
-                                    <p:set>
-                                      <p:cBhvr>
-                                        <p:cTn id="6" dur="1" fill="hold">
-                                          <p:stCondLst>
-                                            <p:cond delay="0"/>
-                                          </p:stCondLst>
-                                        </p:cTn>
-                                        <p:tgtEl>
-                                          <p:spTgt spid="3">
-                                            <p:txEl>
-                                              <p:pRg st="0" end="0"/>
-                                            </p:txEl>
-                                          </p:spTgt>
-                                        </p:tgtEl>
-                                        <p:attrNameLst>
-                                          <p:attrName>style.visibility</p:attrName>
-                                        </p:attrNameLst>
-                                      </p:cBhvr>
-                                      <p:to>
-                                        <p:strVal val="visible"/>
-                                      </p:to>
-                                    </p:set>
-                                  </p:childTnLst>
-                                </p:cTn>
-                              </p:par>
-                              <p:par>
-                                <p:cTn id="7" presetID="1" presetClass="entr" presetSubtype="0" fill="hold" grpId="0" nodeType="withEffect">
-                                  <p:stCondLst>
-                                    <p:cond delay="0"/>
-                                  </p:stCondLst>
-                                  <p:childTnLst>
-                                    <p:set>
-                                      <p:cBhvr>
-                                        <p:cTn id="8" dur="1" fill="hold">
-                                          <p:stCondLst>
-                                            <p:cond delay="0"/>
-                                          </p:stCondLst>
-                                        </p:cTn>
-                                        <p:tgtEl>
-                                          <p:spTgt spid="6">
-                                            <p:txEl>
-                                              <p:pRg st="0" end="0"/>
-                                            </p:txEl>
-                                          </p:spTgt>
-                                        </p:tgtEl>
-                                        <p:attrNameLst>
-                                          <p:attrName>style.visibility</p:attrName>
-                                        </p:attrNameLst>
-                                      </p:cBhvr>
-                                      <p:to>
-                                        <p:strVal val="visible"/>
-                                      </p:to>
-                                    </p:set>
-                                  </p:childTnLst>
-                                </p:cTn>
-                              </p:par>
-                            </p:childTnLst>
-                          </p:cTn>
-                        </p:par>
-                      </p:childTnLst>
-                    </p:cTn>
-                  </p:par>
-                  <p:par>
-                    <p:cTn id="9" fill="hold">
-                      <p:stCondLst>
-                        <p:cond delay="indefinite"/>
-                      </p:stCondLst>
-                      <p:childTnLst>
-                        <p:par>
-                          <p:cTn id="10" fill="hold">
-                            <p:stCondLst>
-                              <p:cond delay="0"/>
-                            </p:stCondLst>
-                            <p:childTnLst>
-                              <p:par>
-                                <p:cTn id="11" presetID="1" presetClass="entr" presetSubtype="0" fill="hold" grpId="0" nodeType="clickEffect">
-                                  <p:stCondLst>
-                                    <p:cond delay="0"/>
-                                  </p:stCondLst>
-                                  <p:childTnLst>
-                                    <p:set>
-                                      <p:cBhvr>
-                                        <p:cTn id="12" dur="1" fill="hold">
-                                          <p:stCondLst>
-                                            <p:cond delay="0"/>
-                                          </p:stCondLst>
-                                        </p:cTn>
-                                        <p:tgtEl>
-                                          <p:spTgt spid="3">
-                                            <p:txEl>
-                                              <p:pRg st="1" end="1"/>
-                                            </p:txEl>
-                                          </p:spTgt>
-                                        </p:tgtEl>
-                                        <p:attrNameLst>
-                                          <p:attrName>style.visibility</p:attrName>
-                                        </p:attrNameLst>
-                                      </p:cBhvr>
-                                      <p:to>
-                                        <p:strVal val="visible"/>
-                                      </p:to>
-                                    </p:set>
-                                  </p:childTnLst>
-                                </p:cTn>
-                              </p:par>
-                              <p:par>
-                                <p:cTn id="13" presetID="1" presetClass="entr" presetSubtype="0" fill="hold" grpId="0" nodeType="withEffect">
-                                  <p:stCondLst>
-                                    <p:cond delay="0"/>
-                                  </p:stCondLst>
-                                  <p:childTnLst>
-                                    <p:set>
-                                      <p:cBhvr>
-                                        <p:cTn id="14" dur="1" fill="hold">
-                                          <p:stCondLst>
-                                            <p:cond delay="0"/>
-                                          </p:stCondLst>
-                                        </p:cTn>
-                                        <p:tgtEl>
-                                          <p:spTgt spid="6">
-                                            <p:txEl>
-                                              <p:pRg st="1" end="1"/>
-                                            </p:txEl>
-                                          </p:spTgt>
-                                        </p:tgtEl>
-                                        <p:attrNameLst>
-                                          <p:attrName>style.visibility</p:attrName>
-                                        </p:attrNameLst>
-                                      </p:cBhvr>
-                                      <p:to>
-                                        <p:strVal val="visible"/>
-                                      </p:to>
-                                    </p:set>
-                                  </p:childTnLst>
-                                </p:cTn>
-                              </p:par>
-                            </p:childTnLst>
-                          </p:cTn>
-                        </p:par>
-                      </p:childTnLst>
-                    </p:cTn>
-                  </p:par>
-                  <p:par>
-                    <p:cTn id="15" fill="hold">
-                      <p:stCondLst>
-                        <p:cond delay="indefinite"/>
-                      </p:stCondLst>
-                      <p:childTnLst>
-                        <p:par>
-                          <p:cTn id="16" fill="hold">
-                            <p:stCondLst>
-                              <p:cond delay="0"/>
-                            </p:stCondLst>
-                            <p:childTnLst>
-                              <p:par>
-                                <p:cTn id="17" presetID="1" presetClass="entr" presetSubtype="0" fill="hold" grpId="0" nodeType="clickEffect">
-                                  <p:stCondLst>
-                                    <p:cond delay="0"/>
-                                  </p:stCondLst>
-                                  <p:childTnLst>
-                                    <p:set>
-                                      <p:cBhvr>
-                                        <p:cTn id="18" dur="1" fill="hold">
-                                          <p:stCondLst>
-                                            <p:cond delay="0"/>
-                                          </p:stCondLst>
-                                        </p:cTn>
-                                        <p:tgtEl>
-                                          <p:spTgt spid="6">
-                                            <p:txEl>
-                                              <p:pRg st="2" end="2"/>
-                                            </p:txEl>
-                                          </p:spTgt>
-                                        </p:tgtEl>
-                                        <p:attrNameLst>
-                                          <p:attrName>style.visibility</p:attrName>
-                                        </p:attrNameLst>
-                                      </p:cBhvr>
-                                      <p:to>
-                                        <p:strVal val="visible"/>
-                                      </p:to>
-                                    </p:set>
-                                  </p:childTnLst>
-                                </p:cTn>
-                              </p:par>
-                            </p:childTnLst>
-                          </p:cTn>
-                        </p:par>
-                      </p:childTnLst>
-                    </p:cTn>
-                  </p:par>
-                </p:childTnLst>
-              </p:cTn>
-              <p:prevCondLst>
-                <p:cond evt="onPrev" delay="0">
-                  <p:tgtEl>
-                    <p:sldTgt/>
-                  </p:tgtEl>
-                </p:cond>
-              </p:prevCondLst>
-              <p:nextCondLst>
-                <p:cond evt="onNext" delay="0">
-                  <p:tgtEl>
-                    <p:sldTgt/>
-                  </p:tgtEl>
-                </p:cond>
-              </p:nextCondLst>
-            </p:seq>
-          </p:childTnLst>
-        </p:cTn>
-      </p:par>
-    </p:tnLst>
-    <p:bldLst>
-      <p:bldP spid="3" grpId="0" uiExpand="1" build="p"/>
-      <p:bldP spid="6" grpId="0" uiExpand="1" build="p"/>
-    </p:bldLst>
-  </p:timing>
 </p:sld>
 </file>
 
@@ -4504,10 +4066,10 @@
       </p:grpSpPr>
       <p:sp>
         <p:nvSpPr>
-          <p:cNvPr id="4" name="標題 3">
+          <p:cNvPr id="2" name="標題 1">
             <a:extLst>
               <a:ext uri="{FF2B5EF4-FFF2-40B4-BE49-F238E27FC236}">
-                <a16:creationId xmlns:a16="http://schemas.microsoft.com/office/drawing/2014/main" id="{BD4D1AC1-EA7F-4517-B8A1-C8C04888B929}"/>
+                <a16:creationId xmlns:a16="http://schemas.microsoft.com/office/drawing/2014/main" id="{52A2B961-E106-42D9-99DB-5B48152E8833}"/>
               </a:ext>
             </a:extLst>
           </p:cNvPr>
@@ -4532,10 +4094,10 @@
       </p:sp>
       <p:sp>
         <p:nvSpPr>
-          <p:cNvPr id="5" name="文字版面配置區 4">
+          <p:cNvPr id="3" name="內容版面配置區 2">
             <a:extLst>
               <a:ext uri="{FF2B5EF4-FFF2-40B4-BE49-F238E27FC236}">
-                <a16:creationId xmlns:a16="http://schemas.microsoft.com/office/drawing/2014/main" id="{FB99B319-881C-4A6A-9C57-D26A187CAADA}"/>
+                <a16:creationId xmlns:a16="http://schemas.microsoft.com/office/drawing/2014/main" id="{43B9F297-2F6E-4462-BDD1-8F868F25DC5B}"/>
               </a:ext>
             </a:extLst>
           </p:cNvPr>
@@ -4543,22 +4105,98 @@
             <a:spLocks noGrp="1"/>
           </p:cNvSpPr>
           <p:nvPr>
-            <p:ph type="body" idx="1"/>
-          </p:nvPr>
-        </p:nvSpPr>
-        <p:spPr/>
-        <p:txBody>
-          <a:bodyPr/>
+            <p:ph idx="1"/>
+          </p:nvPr>
+        </p:nvSpPr>
+        <p:spPr>
+          <a:xfrm>
+            <a:off x="1371600" y="2285999"/>
+            <a:ext cx="9601200" cy="4029959"/>
+          </a:xfrm>
+        </p:spPr>
+        <p:txBody>
+          <a:bodyPr>
+            <a:normAutofit/>
+          </a:bodyPr>
           <a:lstStyle/>
           <a:p>
-            <a:endParaRPr lang="zh-TW" altLang="en-US"/>
+            <a:r>
+              <a:rPr lang="en-US" altLang="zh-TW" dirty="0"/>
+              <a:t>IO</a:t>
+            </a:r>
+          </a:p>
+          <a:p>
+            <a:pPr lvl="1"/>
+            <a:r>
+              <a:rPr lang="en-US" altLang="zh-TW" dirty="0"/>
+              <a:t>Disk</a:t>
+            </a:r>
+          </a:p>
+          <a:p>
+            <a:r>
+              <a:rPr lang="en-US" altLang="zh-TW" dirty="0"/>
+              <a:t>Network</a:t>
+            </a:r>
+          </a:p>
+          <a:p>
+            <a:pPr lvl="1"/>
+            <a:r>
+              <a:rPr lang="en-US" altLang="zh-TW" dirty="0"/>
+              <a:t>HTTP</a:t>
+            </a:r>
+          </a:p>
+          <a:p>
+            <a:pPr lvl="1"/>
+            <a:r>
+              <a:rPr lang="en-US" altLang="zh-TW" dirty="0"/>
+              <a:t>Database</a:t>
+            </a:r>
+          </a:p>
+          <a:p>
+            <a:pPr lvl="1"/>
+            <a:r>
+              <a:rPr lang="en-US" altLang="zh-TW" dirty="0"/>
+              <a:t>Redis</a:t>
+            </a:r>
+          </a:p>
+          <a:p>
+            <a:r>
+              <a:rPr lang="en-US" altLang="zh-TW" dirty="0"/>
+              <a:t>Library</a:t>
+            </a:r>
+            <a:r>
+              <a:rPr lang="zh-TW" altLang="en-US" dirty="0"/>
+              <a:t>或</a:t>
+            </a:r>
+            <a:r>
+              <a:rPr lang="en-US" altLang="zh-TW" dirty="0"/>
+              <a:t>Framework</a:t>
+            </a:r>
+            <a:r>
+              <a:rPr lang="zh-TW" altLang="en-US" dirty="0"/>
+              <a:t>只提供非同步</a:t>
+            </a:r>
+            <a:r>
+              <a:rPr lang="en-US" altLang="zh-TW" dirty="0"/>
+              <a:t>API</a:t>
+            </a:r>
+          </a:p>
+          <a:p>
+            <a:pPr lvl="1"/>
+            <a:r>
+              <a:rPr lang="en-US" altLang="zh-TW" dirty="0"/>
+              <a:t>.NET Core</a:t>
+            </a:r>
+          </a:p>
+          <a:p>
+            <a:endParaRPr lang="zh-TW" altLang="en-US" dirty="0"/>
           </a:p>
         </p:txBody>
       </p:sp>
     </p:spTree>
     <p:extLst>
       <p:ext uri="{BB962C8B-B14F-4D97-AF65-F5344CB8AC3E}">
-        <p14:creationId xmlns:p14="http://schemas.microsoft.com/office/powerpoint/2010/main" val="2293390487"/>
+        <p14:creationId xmlns:p14="http://schemas.microsoft.com/office/powerpoint/2010/main" val="1457471737"/>
       </p:ext>
     </p:extLst>
   </p:cSld>
@@ -4590,7 +4228,7 @@
           <p:cNvPr id="2" name="標題 1">
             <a:extLst>
               <a:ext uri="{FF2B5EF4-FFF2-40B4-BE49-F238E27FC236}">
-                <a16:creationId xmlns:a16="http://schemas.microsoft.com/office/drawing/2014/main" id="{52A2B961-E106-42D9-99DB-5B48152E8833}"/>
+                <a16:creationId xmlns:a16="http://schemas.microsoft.com/office/drawing/2014/main" id="{FFE36D1B-5ED2-4A00-878C-6CAF180DBE55}"/>
               </a:ext>
             </a:extLst>
           </p:cNvPr>
@@ -4618,7 +4256,7 @@
           <p:cNvPr id="3" name="內容版面配置區 2">
             <a:extLst>
               <a:ext uri="{FF2B5EF4-FFF2-40B4-BE49-F238E27FC236}">
-                <a16:creationId xmlns:a16="http://schemas.microsoft.com/office/drawing/2014/main" id="{43B9F297-2F6E-4462-BDD1-8F868F25DC5B}"/>
+                <a16:creationId xmlns:a16="http://schemas.microsoft.com/office/drawing/2014/main" id="{464FCDCB-32CE-482F-9AD7-B6C09B96468B}"/>
               </a:ext>
             </a:extLst>
           </p:cNvPr>
@@ -4629,95 +4267,53 @@
             <p:ph idx="1"/>
           </p:nvPr>
         </p:nvSpPr>
-        <p:spPr>
-          <a:xfrm>
-            <a:off x="1371600" y="2285999"/>
-            <a:ext cx="9601200" cy="4029959"/>
-          </a:xfrm>
-        </p:spPr>
-        <p:txBody>
-          <a:bodyPr>
-            <a:normAutofit/>
-          </a:bodyPr>
+        <p:spPr/>
+        <p:txBody>
+          <a:bodyPr/>
           <a:lstStyle/>
           <a:p>
             <a:r>
+              <a:rPr lang="zh-TW" altLang="en-US" dirty="0"/>
+              <a:t>有</a:t>
+            </a:r>
+            <a:r>
               <a:rPr lang="en-US" altLang="zh-TW" dirty="0"/>
-              <a:t>IO</a:t>
-            </a:r>
+              <a:t>UI</a:t>
+            </a:r>
+            <a:r>
+              <a:rPr lang="zh-TW" altLang="en-US" dirty="0"/>
+              <a:t>的程式</a:t>
+            </a:r>
+            <a:endParaRPr lang="en-US" altLang="zh-TW" dirty="0"/>
           </a:p>
           <a:p>
             <a:pPr lvl="1"/>
             <a:r>
+              <a:rPr lang="zh-TW" altLang="en-US" dirty="0"/>
+              <a:t>視窗程式</a:t>
+            </a:r>
+            <a:endParaRPr lang="en-US" altLang="zh-TW" dirty="0"/>
+          </a:p>
+          <a:p>
+            <a:pPr lvl="1"/>
+            <a:r>
               <a:rPr lang="en-US" altLang="zh-TW" dirty="0"/>
-              <a:t>Disk</a:t>
-            </a:r>
-          </a:p>
-          <a:p>
-            <a:r>
-              <a:rPr lang="en-US" altLang="zh-TW" dirty="0"/>
-              <a:t>Network</a:t>
-            </a:r>
-          </a:p>
-          <a:p>
-            <a:pPr lvl="1"/>
-            <a:r>
-              <a:rPr lang="en-US" altLang="zh-TW" dirty="0"/>
-              <a:t>HTTP</a:t>
-            </a:r>
-          </a:p>
-          <a:p>
-            <a:pPr lvl="1"/>
-            <a:r>
-              <a:rPr lang="en-US" altLang="zh-TW" dirty="0"/>
-              <a:t>Database</a:t>
-            </a:r>
-          </a:p>
-          <a:p>
-            <a:pPr lvl="1"/>
-            <a:r>
-              <a:rPr lang="en-US" altLang="zh-TW" dirty="0"/>
-              <a:t>Redis</a:t>
-            </a:r>
-          </a:p>
-          <a:p>
-            <a:r>
-              <a:rPr lang="en-US" altLang="zh-TW" dirty="0"/>
-              <a:t>Library</a:t>
-            </a:r>
+              <a:t>APP</a:t>
+            </a:r>
+          </a:p>
+          <a:p>
             <a:r>
               <a:rPr lang="zh-TW" altLang="en-US" dirty="0"/>
-              <a:t>或</a:t>
-            </a:r>
-            <a:r>
-              <a:rPr lang="en-US" altLang="zh-TW" dirty="0"/>
-              <a:t>Framework</a:t>
-            </a:r>
-            <a:r>
-              <a:rPr lang="zh-TW" altLang="en-US" dirty="0"/>
-              <a:t>只提供非同步</a:t>
-            </a:r>
-            <a:r>
-              <a:rPr lang="en-US" altLang="zh-TW" dirty="0"/>
-              <a:t>API</a:t>
-            </a:r>
-          </a:p>
-          <a:p>
-            <a:pPr lvl="1"/>
-            <a:r>
-              <a:rPr lang="en-US" altLang="zh-TW" dirty="0"/>
-              <a:t>.NET Core</a:t>
-            </a:r>
-          </a:p>
-          <a:p>
-            <a:endParaRPr lang="zh-TW" altLang="en-US" dirty="0"/>
+              <a:t>等待</a:t>
+            </a:r>
+            <a:endParaRPr lang="en-US" altLang="zh-TW" dirty="0"/>
           </a:p>
         </p:txBody>
       </p:sp>
     </p:spTree>
     <p:extLst>
       <p:ext uri="{BB962C8B-B14F-4D97-AF65-F5344CB8AC3E}">
-        <p14:creationId xmlns:p14="http://schemas.microsoft.com/office/powerpoint/2010/main" val="1457471737"/>
+        <p14:creationId xmlns:p14="http://schemas.microsoft.com/office/powerpoint/2010/main" val="470413712"/>
       </p:ext>
     </p:extLst>
   </p:cSld>
@@ -4746,10 +4342,10 @@
       </p:grpSpPr>
       <p:sp>
         <p:nvSpPr>
-          <p:cNvPr id="2" name="標題 1">
+          <p:cNvPr id="4" name="標題 3">
             <a:extLst>
               <a:ext uri="{FF2B5EF4-FFF2-40B4-BE49-F238E27FC236}">
-                <a16:creationId xmlns:a16="http://schemas.microsoft.com/office/drawing/2014/main" id="{FFE36D1B-5ED2-4A00-878C-6CAF180DBE55}"/>
+                <a16:creationId xmlns:a16="http://schemas.microsoft.com/office/drawing/2014/main" id="{BD4D1AC1-EA7F-4517-B8A1-C8C04888B929}"/>
               </a:ext>
             </a:extLst>
           </p:cNvPr>
@@ -4767,17 +4363,17 @@
           <a:p>
             <a:r>
               <a:rPr lang="zh-TW" altLang="en-US" dirty="0"/>
-              <a:t>什麼時候要用非同步</a:t>
-            </a:r>
-          </a:p>
-        </p:txBody>
-      </p:sp>
-      <p:sp>
-        <p:nvSpPr>
-          <p:cNvPr id="3" name="內容版面配置區 2">
+              <a:t>非同步的優缺點</a:t>
+            </a:r>
+          </a:p>
+        </p:txBody>
+      </p:sp>
+      <p:sp>
+        <p:nvSpPr>
+          <p:cNvPr id="5" name="文字版面配置區 4">
             <a:extLst>
               <a:ext uri="{FF2B5EF4-FFF2-40B4-BE49-F238E27FC236}">
-                <a16:creationId xmlns:a16="http://schemas.microsoft.com/office/drawing/2014/main" id="{464FCDCB-32CE-482F-9AD7-B6C09B96468B}"/>
+                <a16:creationId xmlns:a16="http://schemas.microsoft.com/office/drawing/2014/main" id="{FB99B319-881C-4A6A-9C57-D26A187CAADA}"/>
               </a:ext>
             </a:extLst>
           </p:cNvPr>
@@ -4785,7 +4381,7 @@
             <a:spLocks noGrp="1"/>
           </p:cNvSpPr>
           <p:nvPr>
-            <p:ph idx="1"/>
+            <p:ph type="body" idx="1"/>
           </p:nvPr>
         </p:nvSpPr>
         <p:spPr/>
@@ -4793,48 +4389,14 @@
           <a:bodyPr/>
           <a:lstStyle/>
           <a:p>
-            <a:r>
-              <a:rPr lang="zh-TW" altLang="en-US" dirty="0"/>
-              <a:t>有</a:t>
-            </a:r>
-            <a:r>
-              <a:rPr lang="en-US" altLang="zh-TW" dirty="0"/>
-              <a:t>UI</a:t>
-            </a:r>
-            <a:r>
-              <a:rPr lang="zh-TW" altLang="en-US" dirty="0"/>
-              <a:t>的程式</a:t>
-            </a:r>
-            <a:endParaRPr lang="en-US" altLang="zh-TW" dirty="0"/>
-          </a:p>
-          <a:p>
-            <a:pPr lvl="1"/>
-            <a:r>
-              <a:rPr lang="zh-TW" altLang="en-US" dirty="0"/>
-              <a:t>視窗程式</a:t>
-            </a:r>
-            <a:endParaRPr lang="en-US" altLang="zh-TW" dirty="0"/>
-          </a:p>
-          <a:p>
-            <a:pPr lvl="1"/>
-            <a:r>
-              <a:rPr lang="en-US" altLang="zh-TW" dirty="0"/>
-              <a:t>APP</a:t>
-            </a:r>
-          </a:p>
-          <a:p>
-            <a:r>
-              <a:rPr lang="zh-TW" altLang="en-US" dirty="0"/>
-              <a:t>等待</a:t>
-            </a:r>
-            <a:endParaRPr lang="en-US" altLang="zh-TW" dirty="0"/>
+            <a:endParaRPr lang="zh-TW" altLang="en-US"/>
           </a:p>
         </p:txBody>
       </p:sp>
     </p:spTree>
     <p:extLst>
       <p:ext uri="{BB962C8B-B14F-4D97-AF65-F5344CB8AC3E}">
-        <p14:creationId xmlns:p14="http://schemas.microsoft.com/office/powerpoint/2010/main" val="470413712"/>
+        <p14:creationId xmlns:p14="http://schemas.microsoft.com/office/powerpoint/2010/main" val="1493767524"/>
       </p:ext>
     </p:extLst>
   </p:cSld>
@@ -4863,10 +4425,10 @@
       </p:grpSpPr>
       <p:sp>
         <p:nvSpPr>
-          <p:cNvPr id="4" name="標題 3">
+          <p:cNvPr id="2" name="標題 1">
             <a:extLst>
               <a:ext uri="{FF2B5EF4-FFF2-40B4-BE49-F238E27FC236}">
-                <a16:creationId xmlns:a16="http://schemas.microsoft.com/office/drawing/2014/main" id="{BD4D1AC1-EA7F-4517-B8A1-C8C04888B929}"/>
+                <a16:creationId xmlns:a16="http://schemas.microsoft.com/office/drawing/2014/main" id="{52A2B961-E106-42D9-99DB-5B48152E8833}"/>
               </a:ext>
             </a:extLst>
           </p:cNvPr>
@@ -4884,17 +4446,17 @@
           <a:p>
             <a:r>
               <a:rPr lang="zh-TW" altLang="en-US" dirty="0"/>
-              <a:t>非同步的優缺點</a:t>
-            </a:r>
-          </a:p>
-        </p:txBody>
-      </p:sp>
-      <p:sp>
-        <p:nvSpPr>
-          <p:cNvPr id="5" name="文字版面配置區 4">
+              <a:t>非同步的優點</a:t>
+            </a:r>
+          </a:p>
+        </p:txBody>
+      </p:sp>
+      <p:sp>
+        <p:nvSpPr>
+          <p:cNvPr id="3" name="內容版面配置區 2">
             <a:extLst>
               <a:ext uri="{FF2B5EF4-FFF2-40B4-BE49-F238E27FC236}">
-                <a16:creationId xmlns:a16="http://schemas.microsoft.com/office/drawing/2014/main" id="{FB99B319-881C-4A6A-9C57-D26A187CAADA}"/>
+                <a16:creationId xmlns:a16="http://schemas.microsoft.com/office/drawing/2014/main" id="{43B9F297-2F6E-4462-BDD1-8F868F25DC5B}"/>
               </a:ext>
             </a:extLst>
           </p:cNvPr>
@@ -4902,7 +4464,7 @@
             <a:spLocks noGrp="1"/>
           </p:cNvSpPr>
           <p:nvPr>
-            <p:ph type="body" idx="1"/>
+            <p:ph idx="1"/>
           </p:nvPr>
         </p:nvSpPr>
         <p:spPr/>
@@ -4910,14 +4472,31 @@
           <a:bodyPr/>
           <a:lstStyle/>
           <a:p>
-            <a:endParaRPr lang="zh-TW" altLang="en-US"/>
+            <a:r>
+              <a:rPr lang="zh-TW" altLang="en-US" dirty="0"/>
+              <a:t>整體效能提升</a:t>
+            </a:r>
+            <a:endParaRPr lang="en-US" altLang="zh-TW" dirty="0"/>
+          </a:p>
+          <a:p>
+            <a:r>
+              <a:rPr lang="zh-TW" altLang="en-US" dirty="0"/>
+              <a:t>降低大流量時的執行續負擔</a:t>
+            </a:r>
+            <a:endParaRPr lang="en-US" altLang="zh-TW" dirty="0"/>
+          </a:p>
+          <a:p>
+            <a:r>
+              <a:rPr lang="zh-TW" altLang="en-US" dirty="0"/>
+              <a:t>避免資源鎖死</a:t>
+            </a:r>
           </a:p>
         </p:txBody>
       </p:sp>
     </p:spTree>
     <p:extLst>
       <p:ext uri="{BB962C8B-B14F-4D97-AF65-F5344CB8AC3E}">
-        <p14:creationId xmlns:p14="http://schemas.microsoft.com/office/powerpoint/2010/main" val="1493767524"/>
+        <p14:creationId xmlns:p14="http://schemas.microsoft.com/office/powerpoint/2010/main" val="739057728"/>
       </p:ext>
     </p:extLst>
   </p:cSld>
@@ -4967,7 +4546,7 @@
           <a:p>
             <a:r>
               <a:rPr lang="zh-TW" altLang="en-US" dirty="0"/>
-              <a:t>非同步的優點</a:t>
+              <a:t>非同步的缺點</a:t>
             </a:r>
           </a:p>
         </p:txBody>
@@ -4995,21 +4574,66 @@
           <a:p>
             <a:r>
               <a:rPr lang="zh-TW" altLang="en-US" dirty="0"/>
-              <a:t>整體效能提升</a:t>
+              <a:t>輸出程式所占空間變大</a:t>
             </a:r>
             <a:endParaRPr lang="en-US" altLang="zh-TW" dirty="0"/>
           </a:p>
           <a:p>
+            <a:pPr lvl="1"/>
             <a:r>
               <a:rPr lang="zh-TW" altLang="en-US" dirty="0"/>
-              <a:t>降低大流量時的執行續負擔</a:t>
+              <a:t>每個帶有 </a:t>
+            </a:r>
+            <a:r>
+              <a:rPr lang="en-US" altLang="zh-TW" dirty="0"/>
+              <a:t>async </a:t>
+            </a:r>
+            <a:r>
+              <a:rPr lang="zh-TW" altLang="en-US" dirty="0"/>
+              <a:t>詞墜的方法大約會多 </a:t>
+            </a:r>
+            <a:r>
+              <a:rPr lang="en-US" altLang="zh-TW" dirty="0"/>
+              <a:t>100</a:t>
+            </a:r>
+            <a:r>
+              <a:rPr lang="zh-TW" altLang="en-US" dirty="0"/>
+              <a:t> </a:t>
+            </a:r>
+            <a:r>
+              <a:rPr lang="en-US" altLang="zh-TW" dirty="0"/>
+              <a:t>bytes</a:t>
+            </a:r>
+          </a:p>
+          <a:p>
+            <a:r>
+              <a:rPr lang="zh-TW" altLang="en-US" dirty="0"/>
+              <a:t>較難</a:t>
+            </a:r>
+            <a:r>
+              <a:rPr lang="en-US" altLang="zh-TW" dirty="0"/>
+              <a:t>Debug</a:t>
+            </a:r>
+          </a:p>
+          <a:p>
+            <a:r>
+              <a:rPr lang="zh-TW" altLang="en-US" dirty="0"/>
+              <a:t>非同步的傳遞性</a:t>
             </a:r>
             <a:endParaRPr lang="en-US" altLang="zh-TW" dirty="0"/>
           </a:p>
           <a:p>
             <a:r>
               <a:rPr lang="zh-TW" altLang="en-US" dirty="0"/>
-              <a:t>避免資源鎖死</a:t>
+              <a:t>單一回應時間稍微變長</a:t>
+            </a:r>
+            <a:endParaRPr lang="en-US" altLang="zh-TW" dirty="0"/>
+          </a:p>
+          <a:p>
+            <a:pPr lvl="1"/>
+            <a:r>
+              <a:rPr lang="zh-TW" altLang="en-US" dirty="0"/>
+              <a:t>幾乎可以忽略</a:t>
             </a:r>
           </a:p>
         </p:txBody>
@@ -5017,7 +4641,7 @@
     </p:spTree>
     <p:extLst>
       <p:ext uri="{BB962C8B-B14F-4D97-AF65-F5344CB8AC3E}">
-        <p14:creationId xmlns:p14="http://schemas.microsoft.com/office/powerpoint/2010/main" val="739057728"/>
+        <p14:creationId xmlns:p14="http://schemas.microsoft.com/office/powerpoint/2010/main" val="2391344383"/>
       </p:ext>
     </p:extLst>
   </p:cSld>
@@ -5046,10 +4670,10 @@
       </p:grpSpPr>
       <p:sp>
         <p:nvSpPr>
-          <p:cNvPr id="2" name="標題 1">
+          <p:cNvPr id="4" name="標題 3">
             <a:extLst>
               <a:ext uri="{FF2B5EF4-FFF2-40B4-BE49-F238E27FC236}">
-                <a16:creationId xmlns:a16="http://schemas.microsoft.com/office/drawing/2014/main" id="{52A2B961-E106-42D9-99DB-5B48152E8833}"/>
+                <a16:creationId xmlns:a16="http://schemas.microsoft.com/office/drawing/2014/main" id="{BD4D1AC1-EA7F-4517-B8A1-C8C04888B929}"/>
               </a:ext>
             </a:extLst>
           </p:cNvPr>
@@ -5067,17 +4691,17 @@
           <a:p>
             <a:r>
               <a:rPr lang="zh-TW" altLang="en-US" dirty="0"/>
-              <a:t>非同步的缺點</a:t>
-            </a:r>
-          </a:p>
-        </p:txBody>
-      </p:sp>
-      <p:sp>
-        <p:nvSpPr>
-          <p:cNvPr id="3" name="內容版面配置區 2">
+              <a:t>怎麼用非同步</a:t>
+            </a:r>
+          </a:p>
+        </p:txBody>
+      </p:sp>
+      <p:sp>
+        <p:nvSpPr>
+          <p:cNvPr id="5" name="文字版面配置區 4">
             <a:extLst>
               <a:ext uri="{FF2B5EF4-FFF2-40B4-BE49-F238E27FC236}">
-                <a16:creationId xmlns:a16="http://schemas.microsoft.com/office/drawing/2014/main" id="{43B9F297-2F6E-4462-BDD1-8F868F25DC5B}"/>
+                <a16:creationId xmlns:a16="http://schemas.microsoft.com/office/drawing/2014/main" id="{FB99B319-881C-4A6A-9C57-D26A187CAADA}"/>
               </a:ext>
             </a:extLst>
           </p:cNvPr>
@@ -5085,7 +4709,7 @@
             <a:spLocks noGrp="1"/>
           </p:cNvSpPr>
           <p:nvPr>
-            <p:ph idx="1"/>
+            <p:ph type="body" idx="1"/>
           </p:nvPr>
         </p:nvSpPr>
         <p:spPr/>
@@ -5093,76 +4717,14 @@
           <a:bodyPr/>
           <a:lstStyle/>
           <a:p>
-            <a:r>
-              <a:rPr lang="zh-TW" altLang="en-US" dirty="0"/>
-              <a:t>輸出程式所占空間變大</a:t>
-            </a:r>
-            <a:endParaRPr lang="en-US" altLang="zh-TW" dirty="0"/>
-          </a:p>
-          <a:p>
-            <a:pPr lvl="1"/>
-            <a:r>
-              <a:rPr lang="zh-TW" altLang="en-US" dirty="0"/>
-              <a:t>每個帶有 </a:t>
-            </a:r>
-            <a:r>
-              <a:rPr lang="en-US" altLang="zh-TW" dirty="0"/>
-              <a:t>async </a:t>
-            </a:r>
-            <a:r>
-              <a:rPr lang="zh-TW" altLang="en-US" dirty="0"/>
-              <a:t>詞墜的方法大約會多 </a:t>
-            </a:r>
-            <a:r>
-              <a:rPr lang="en-US" altLang="zh-TW" dirty="0"/>
-              <a:t>100</a:t>
-            </a:r>
-            <a:r>
-              <a:rPr lang="zh-TW" altLang="en-US" dirty="0"/>
-              <a:t> </a:t>
-            </a:r>
-            <a:r>
-              <a:rPr lang="en-US" altLang="zh-TW" dirty="0"/>
-              <a:t>bytes</a:t>
-            </a:r>
-          </a:p>
-          <a:p>
-            <a:r>
-              <a:rPr lang="zh-TW" altLang="en-US" dirty="0"/>
-              <a:t>較難</a:t>
-            </a:r>
-            <a:r>
-              <a:rPr lang="en-US" altLang="zh-TW" dirty="0"/>
-              <a:t>Debug</a:t>
-            </a:r>
-          </a:p>
-          <a:p>
-            <a:r>
-              <a:rPr lang="zh-TW" altLang="en-US" dirty="0"/>
-              <a:t>非同步的傳遞性</a:t>
-            </a:r>
-            <a:endParaRPr lang="en-US" altLang="zh-TW" dirty="0"/>
-          </a:p>
-          <a:p>
-            <a:r>
-              <a:rPr lang="zh-TW" altLang="en-US" dirty="0"/>
-              <a:t>單一回應時間稍微變長</a:t>
-            </a:r>
-            <a:endParaRPr lang="en-US" altLang="zh-TW" dirty="0"/>
-          </a:p>
-          <a:p>
-            <a:pPr lvl="1"/>
-            <a:r>
-              <a:rPr lang="zh-TW" altLang="en-US" dirty="0"/>
-              <a:t>幾乎可以忽略</a:t>
-            </a:r>
+            <a:endParaRPr lang="zh-TW" altLang="en-US"/>
           </a:p>
         </p:txBody>
       </p:sp>
     </p:spTree>
     <p:extLst>
       <p:ext uri="{BB962C8B-B14F-4D97-AF65-F5344CB8AC3E}">
-        <p14:creationId xmlns:p14="http://schemas.microsoft.com/office/powerpoint/2010/main" val="2391344383"/>
+        <p14:creationId xmlns:p14="http://schemas.microsoft.com/office/powerpoint/2010/main" val="4186980254"/>
       </p:ext>
     </p:extLst>
   </p:cSld>
@@ -5191,89 +4753,6 @@
       </p:grpSpPr>
       <p:sp>
         <p:nvSpPr>
-          <p:cNvPr id="4" name="標題 3">
-            <a:extLst>
-              <a:ext uri="{FF2B5EF4-FFF2-40B4-BE49-F238E27FC236}">
-                <a16:creationId xmlns:a16="http://schemas.microsoft.com/office/drawing/2014/main" id="{BD4D1AC1-EA7F-4517-B8A1-C8C04888B929}"/>
-              </a:ext>
-            </a:extLst>
-          </p:cNvPr>
-          <p:cNvSpPr>
-            <a:spLocks noGrp="1"/>
-          </p:cNvSpPr>
-          <p:nvPr>
-            <p:ph type="title"/>
-          </p:nvPr>
-        </p:nvSpPr>
-        <p:spPr/>
-        <p:txBody>
-          <a:bodyPr/>
-          <a:lstStyle/>
-          <a:p>
-            <a:r>
-              <a:rPr lang="zh-TW" altLang="en-US" dirty="0"/>
-              <a:t>怎麼用非同步</a:t>
-            </a:r>
-          </a:p>
-        </p:txBody>
-      </p:sp>
-      <p:sp>
-        <p:nvSpPr>
-          <p:cNvPr id="5" name="文字版面配置區 4">
-            <a:extLst>
-              <a:ext uri="{FF2B5EF4-FFF2-40B4-BE49-F238E27FC236}">
-                <a16:creationId xmlns:a16="http://schemas.microsoft.com/office/drawing/2014/main" id="{FB99B319-881C-4A6A-9C57-D26A187CAADA}"/>
-              </a:ext>
-            </a:extLst>
-          </p:cNvPr>
-          <p:cNvSpPr>
-            <a:spLocks noGrp="1"/>
-          </p:cNvSpPr>
-          <p:nvPr>
-            <p:ph type="body" idx="1"/>
-          </p:nvPr>
-        </p:nvSpPr>
-        <p:spPr/>
-        <p:txBody>
-          <a:bodyPr/>
-          <a:lstStyle/>
-          <a:p>
-            <a:endParaRPr lang="zh-TW" altLang="en-US"/>
-          </a:p>
-        </p:txBody>
-      </p:sp>
-    </p:spTree>
-    <p:extLst>
-      <p:ext uri="{BB962C8B-B14F-4D97-AF65-F5344CB8AC3E}">
-        <p14:creationId xmlns:p14="http://schemas.microsoft.com/office/powerpoint/2010/main" val="4186980254"/>
-      </p:ext>
-    </p:extLst>
-  </p:cSld>
-  <p:clrMapOvr>
-    <a:masterClrMapping/>
-  </p:clrMapOvr>
-</p:sld>
-</file>
-
-<file path=ppt/slides/slide18.xml><?xml version="1.0" encoding="utf-8"?>
-<p:sld xmlns:a="http://schemas.openxmlformats.org/drawingml/2006/main" xmlns:r="http://schemas.openxmlformats.org/officeDocument/2006/relationships" xmlns:p="http://schemas.openxmlformats.org/presentationml/2006/main">
-  <p:cSld>
-    <p:spTree>
-      <p:nvGrpSpPr>
-        <p:cNvPr id="1" name=""/>
-        <p:cNvGrpSpPr/>
-        <p:nvPr/>
-      </p:nvGrpSpPr>
-      <p:grpSpPr>
-        <a:xfrm>
-          <a:off x="0" y="0"/>
-          <a:ext cx="0" cy="0"/>
-          <a:chOff x="0" y="0"/>
-          <a:chExt cx="0" cy="0"/>
-        </a:xfrm>
-      </p:grpSpPr>
-      <p:sp>
-        <p:nvSpPr>
           <p:cNvPr id="2" name="標題 1">
             <a:extLst>
               <a:ext uri="{FF2B5EF4-FFF2-40B4-BE49-F238E27FC236}">
@@ -5318,7 +4797,9 @@
         </p:nvSpPr>
         <p:spPr/>
         <p:txBody>
-          <a:bodyPr/>
+          <a:bodyPr>
+            <a:normAutofit lnSpcReduction="10000"/>
+          </a:bodyPr>
           <a:lstStyle/>
           <a:p>
             <a:r>
@@ -5347,6 +4828,18 @@
             <a:r>
               <a:rPr lang="zh-TW" altLang="en-US" dirty="0"/>
               <a:t>類別</a:t>
+            </a:r>
+            <a:endParaRPr lang="en-US" altLang="zh-TW" dirty="0"/>
+          </a:p>
+          <a:p>
+            <a:pPr lvl="1"/>
+            <a:r>
+              <a:rPr lang="zh-TW" altLang="en-US" dirty="0"/>
+              <a:t>命名空間：</a:t>
+            </a:r>
+            <a:r>
+              <a:rPr lang="en-US" altLang="zh-TW" dirty="0" err="1"/>
+              <a:t>System.Threading.Tasks</a:t>
             </a:r>
             <a:endParaRPr lang="en-US" altLang="zh-TW" dirty="0"/>
           </a:p>
@@ -5536,33 +5029,15 @@
                                   </p:childTnLst>
                                 </p:cTn>
                               </p:par>
-                            </p:childTnLst>
-                          </p:cTn>
-                        </p:par>
-                      </p:childTnLst>
-                    </p:cTn>
-                  </p:par>
-                  <p:par>
-                    <p:cTn id="11" fill="hold">
-                      <p:stCondLst>
-                        <p:cond delay="indefinite"/>
-                      </p:stCondLst>
-                      <p:childTnLst>
-                        <p:par>
-                          <p:cTn id="12" fill="hold">
-                            <p:stCondLst>
-                              <p:cond delay="0"/>
-                            </p:stCondLst>
-                            <p:childTnLst>
                               <p:par>
-                                <p:cTn id="13" presetID="1" presetClass="entr" presetSubtype="0" fill="hold" nodeType="clickEffect">
+                                <p:cTn id="11" presetID="1" presetClass="entr" presetSubtype="0" fill="hold" nodeType="withEffect">
                                   <p:stCondLst>
                                     <p:cond delay="0"/>
                                   </p:stCondLst>
                                   <p:childTnLst>
                                     <p:set>
                                       <p:cBhvr>
-                                        <p:cTn id="14" dur="1" fill="hold">
+                                        <p:cTn id="12" dur="1" fill="hold">
                                           <p:stCondLst>
                                             <p:cond delay="0"/>
                                           </p:stCondLst>
@@ -5585,8 +5060,26 @@
                                   </p:childTnLst>
                                 </p:cTn>
                               </p:par>
+                            </p:childTnLst>
+                          </p:cTn>
+                        </p:par>
+                      </p:childTnLst>
+                    </p:cTn>
+                  </p:par>
+                  <p:par>
+                    <p:cTn id="13" fill="hold">
+                      <p:stCondLst>
+                        <p:cond delay="indefinite"/>
+                      </p:stCondLst>
+                      <p:childTnLst>
+                        <p:par>
+                          <p:cTn id="14" fill="hold">
+                            <p:stCondLst>
+                              <p:cond delay="0"/>
+                            </p:stCondLst>
+                            <p:childTnLst>
                               <p:par>
-                                <p:cTn id="15" presetID="1" presetClass="entr" presetSubtype="0" fill="hold" nodeType="withEffect">
+                                <p:cTn id="15" presetID="1" presetClass="entr" presetSubtype="0" fill="hold" nodeType="clickEffect">
                                   <p:stCondLst>
                                     <p:cond delay="0"/>
                                   </p:stCondLst>
@@ -5678,6 +5171,37 @@
                                   </p:childTnLst>
                                 </p:cTn>
                               </p:par>
+                              <p:par>
+                                <p:cTn id="21" presetID="1" presetClass="entr" presetSubtype="0" fill="hold" nodeType="withEffect">
+                                  <p:stCondLst>
+                                    <p:cond delay="0"/>
+                                  </p:stCondLst>
+                                  <p:childTnLst>
+                                    <p:set>
+                                      <p:cBhvr>
+                                        <p:cTn id="22" dur="1" fill="hold">
+                                          <p:stCondLst>
+                                            <p:cond delay="0"/>
+                                          </p:stCondLst>
+                                        </p:cTn>
+                                        <p:tgtEl>
+                                          <p:spTgt spid="3">
+                                            <p:txEl>
+                                              <p:pRg st="7" end="7"/>
+                                            </p:txEl>
+                                          </p:spTgt>
+                                        </p:tgtEl>
+                                        <p:attrNameLst>
+                                          <p:attrName>style.visibility</p:attrName>
+                                        </p:attrNameLst>
+                                      </p:cBhvr>
+                                      <p:to>
+                                        <p:strVal val="visible"/>
+                                      </p:to>
+                                    </p:set>
+                                  </p:childTnLst>
+                                </p:cTn>
+                              </p:par>
                             </p:childTnLst>
                           </p:cTn>
                         </p:par>
@@ -5709,7 +5233,7 @@
 </p:sld>
 </file>
 
-<file path=ppt/slides/slide19.xml><?xml version="1.0" encoding="utf-8"?>
+<file path=ppt/slides/slide18.xml><?xml version="1.0" encoding="utf-8"?>
 <p:sld xmlns:a="http://schemas.openxmlformats.org/drawingml/2006/main" xmlns:r="http://schemas.openxmlformats.org/officeDocument/2006/relationships" xmlns:p="http://schemas.openxmlformats.org/presentationml/2006/main">
   <p:cSld>
     <p:spTree>
@@ -6238,90 +5762,7 @@
 </p:sld>
 </file>
 
-<file path=ppt/slides/slide2.xml><?xml version="1.0" encoding="utf-8"?>
-<p:sld xmlns:a="http://schemas.openxmlformats.org/drawingml/2006/main" xmlns:r="http://schemas.openxmlformats.org/officeDocument/2006/relationships" xmlns:p="http://schemas.openxmlformats.org/presentationml/2006/main">
-  <p:cSld>
-    <p:spTree>
-      <p:nvGrpSpPr>
-        <p:cNvPr id="1" name=""/>
-        <p:cNvGrpSpPr/>
-        <p:nvPr/>
-      </p:nvGrpSpPr>
-      <p:grpSpPr>
-        <a:xfrm>
-          <a:off x="0" y="0"/>
-          <a:ext cx="0" cy="0"/>
-          <a:chOff x="0" y="0"/>
-          <a:chExt cx="0" cy="0"/>
-        </a:xfrm>
-      </p:grpSpPr>
-      <p:sp>
-        <p:nvSpPr>
-          <p:cNvPr id="4" name="標題 3">
-            <a:extLst>
-              <a:ext uri="{FF2B5EF4-FFF2-40B4-BE49-F238E27FC236}">
-                <a16:creationId xmlns:a16="http://schemas.microsoft.com/office/drawing/2014/main" id="{BD4D1AC1-EA7F-4517-B8A1-C8C04888B929}"/>
-              </a:ext>
-            </a:extLst>
-          </p:cNvPr>
-          <p:cNvSpPr>
-            <a:spLocks noGrp="1"/>
-          </p:cNvSpPr>
-          <p:nvPr>
-            <p:ph type="title"/>
-          </p:nvPr>
-        </p:nvSpPr>
-        <p:spPr/>
-        <p:txBody>
-          <a:bodyPr/>
-          <a:lstStyle/>
-          <a:p>
-            <a:r>
-              <a:rPr lang="zh-TW" altLang="en-US" dirty="0"/>
-              <a:t>什麼是非同步</a:t>
-            </a:r>
-          </a:p>
-        </p:txBody>
-      </p:sp>
-      <p:sp>
-        <p:nvSpPr>
-          <p:cNvPr id="5" name="文字版面配置區 4">
-            <a:extLst>
-              <a:ext uri="{FF2B5EF4-FFF2-40B4-BE49-F238E27FC236}">
-                <a16:creationId xmlns:a16="http://schemas.microsoft.com/office/drawing/2014/main" id="{FB99B319-881C-4A6A-9C57-D26A187CAADA}"/>
-              </a:ext>
-            </a:extLst>
-          </p:cNvPr>
-          <p:cNvSpPr>
-            <a:spLocks noGrp="1"/>
-          </p:cNvSpPr>
-          <p:nvPr>
-            <p:ph type="body" idx="1"/>
-          </p:nvPr>
-        </p:nvSpPr>
-        <p:spPr/>
-        <p:txBody>
-          <a:bodyPr/>
-          <a:lstStyle/>
-          <a:p>
-            <a:endParaRPr lang="zh-TW" altLang="en-US"/>
-          </a:p>
-        </p:txBody>
-      </p:sp>
-    </p:spTree>
-    <p:extLst>
-      <p:ext uri="{BB962C8B-B14F-4D97-AF65-F5344CB8AC3E}">
-        <p14:creationId xmlns:p14="http://schemas.microsoft.com/office/powerpoint/2010/main" val="2991093849"/>
-      </p:ext>
-    </p:extLst>
-  </p:cSld>
-  <p:clrMapOvr>
-    <a:masterClrMapping/>
-  </p:clrMapOvr>
-</p:sld>
-</file>
-
-<file path=ppt/slides/slide20.xml><?xml version="1.0" encoding="utf-8"?>
+<file path=ppt/slides/slide19.xml><?xml version="1.0" encoding="utf-8"?>
 <p:sld xmlns:a="http://schemas.openxmlformats.org/drawingml/2006/main" xmlns:r="http://schemas.openxmlformats.org/officeDocument/2006/relationships" xmlns:p="http://schemas.openxmlformats.org/presentationml/2006/main">
   <p:cSld>
     <p:spTree>
@@ -6759,6 +6200,350 @@
 </p:sld>
 </file>
 
+<file path=ppt/slides/slide2.xml><?xml version="1.0" encoding="utf-8"?>
+<p:sld xmlns:a="http://schemas.openxmlformats.org/drawingml/2006/main" xmlns:r="http://schemas.openxmlformats.org/officeDocument/2006/relationships" xmlns:p="http://schemas.openxmlformats.org/presentationml/2006/main">
+  <p:cSld>
+    <p:spTree>
+      <p:nvGrpSpPr>
+        <p:cNvPr id="1" name=""/>
+        <p:cNvGrpSpPr/>
+        <p:nvPr/>
+      </p:nvGrpSpPr>
+      <p:grpSpPr>
+        <a:xfrm>
+          <a:off x="0" y="0"/>
+          <a:ext cx="0" cy="0"/>
+          <a:chOff x="0" y="0"/>
+          <a:chExt cx="0" cy="0"/>
+        </a:xfrm>
+      </p:grpSpPr>
+      <p:sp>
+        <p:nvSpPr>
+          <p:cNvPr id="4" name="標題 3">
+            <a:extLst>
+              <a:ext uri="{FF2B5EF4-FFF2-40B4-BE49-F238E27FC236}">
+                <a16:creationId xmlns:a16="http://schemas.microsoft.com/office/drawing/2014/main" id="{BD4D1AC1-EA7F-4517-B8A1-C8C04888B929}"/>
+              </a:ext>
+            </a:extLst>
+          </p:cNvPr>
+          <p:cNvSpPr>
+            <a:spLocks noGrp="1"/>
+          </p:cNvSpPr>
+          <p:nvPr>
+            <p:ph type="title"/>
+          </p:nvPr>
+        </p:nvSpPr>
+        <p:spPr/>
+        <p:txBody>
+          <a:bodyPr/>
+          <a:lstStyle/>
+          <a:p>
+            <a:r>
+              <a:rPr lang="zh-TW" altLang="en-US" dirty="0"/>
+              <a:t>什麼是非同步</a:t>
+            </a:r>
+          </a:p>
+        </p:txBody>
+      </p:sp>
+      <p:sp>
+        <p:nvSpPr>
+          <p:cNvPr id="5" name="文字版面配置區 4">
+            <a:extLst>
+              <a:ext uri="{FF2B5EF4-FFF2-40B4-BE49-F238E27FC236}">
+                <a16:creationId xmlns:a16="http://schemas.microsoft.com/office/drawing/2014/main" id="{FB99B319-881C-4A6A-9C57-D26A187CAADA}"/>
+              </a:ext>
+            </a:extLst>
+          </p:cNvPr>
+          <p:cNvSpPr>
+            <a:spLocks noGrp="1"/>
+          </p:cNvSpPr>
+          <p:nvPr>
+            <p:ph type="body" idx="1"/>
+          </p:nvPr>
+        </p:nvSpPr>
+        <p:spPr/>
+        <p:txBody>
+          <a:bodyPr/>
+          <a:lstStyle/>
+          <a:p>
+            <a:endParaRPr lang="zh-TW" altLang="en-US"/>
+          </a:p>
+        </p:txBody>
+      </p:sp>
+    </p:spTree>
+    <p:extLst>
+      <p:ext uri="{BB962C8B-B14F-4D97-AF65-F5344CB8AC3E}">
+        <p14:creationId xmlns:p14="http://schemas.microsoft.com/office/powerpoint/2010/main" val="2991093849"/>
+      </p:ext>
+    </p:extLst>
+  </p:cSld>
+  <p:clrMapOvr>
+    <a:masterClrMapping/>
+  </p:clrMapOvr>
+</p:sld>
+</file>
+
+<file path=ppt/slides/slide20.xml><?xml version="1.0" encoding="utf-8"?>
+<p:sld xmlns:a="http://schemas.openxmlformats.org/drawingml/2006/main" xmlns:r="http://schemas.openxmlformats.org/officeDocument/2006/relationships" xmlns:p="http://schemas.openxmlformats.org/presentationml/2006/main">
+  <p:cSld>
+    <p:spTree>
+      <p:nvGrpSpPr>
+        <p:cNvPr id="1" name=""/>
+        <p:cNvGrpSpPr/>
+        <p:nvPr/>
+      </p:nvGrpSpPr>
+      <p:grpSpPr>
+        <a:xfrm>
+          <a:off x="0" y="0"/>
+          <a:ext cx="0" cy="0"/>
+          <a:chOff x="0" y="0"/>
+          <a:chExt cx="0" cy="0"/>
+        </a:xfrm>
+      </p:grpSpPr>
+      <p:sp>
+        <p:nvSpPr>
+          <p:cNvPr id="2" name="標題 1">
+            <a:extLst>
+              <a:ext uri="{FF2B5EF4-FFF2-40B4-BE49-F238E27FC236}">
+                <a16:creationId xmlns:a16="http://schemas.microsoft.com/office/drawing/2014/main" id="{375E1AF3-3882-40CA-A050-39AC4380C4C4}"/>
+              </a:ext>
+            </a:extLst>
+          </p:cNvPr>
+          <p:cNvSpPr>
+            <a:spLocks noGrp="1"/>
+          </p:cNvSpPr>
+          <p:nvPr>
+            <p:ph type="title"/>
+          </p:nvPr>
+        </p:nvSpPr>
+        <p:spPr/>
+        <p:txBody>
+          <a:bodyPr/>
+          <a:lstStyle/>
+          <a:p>
+            <a:r>
+              <a:rPr lang="zh-TW" altLang="en-US" dirty="0"/>
+              <a:t>怎麼用非同步</a:t>
+            </a:r>
+            <a:r>
+              <a:rPr lang="en-US" altLang="zh-TW" dirty="0"/>
+              <a:t>—Lambda</a:t>
+            </a:r>
+            <a:endParaRPr lang="zh-TW" altLang="en-US" dirty="0"/>
+          </a:p>
+        </p:txBody>
+      </p:sp>
+      <p:sp>
+        <p:nvSpPr>
+          <p:cNvPr id="4" name="文字版面配置區 3">
+            <a:extLst>
+              <a:ext uri="{FF2B5EF4-FFF2-40B4-BE49-F238E27FC236}">
+                <a16:creationId xmlns:a16="http://schemas.microsoft.com/office/drawing/2014/main" id="{181CE145-9952-493A-888F-38A8E2327298}"/>
+              </a:ext>
+            </a:extLst>
+          </p:cNvPr>
+          <p:cNvSpPr>
+            <a:spLocks noGrp="1"/>
+          </p:cNvSpPr>
+          <p:nvPr>
+            <p:ph type="body" idx="1"/>
+          </p:nvPr>
+        </p:nvSpPr>
+        <p:spPr>
+          <a:xfrm>
+            <a:off x="1371600" y="1516952"/>
+            <a:ext cx="4443984" cy="823912"/>
+          </a:xfrm>
+        </p:spPr>
+        <p:txBody>
+          <a:bodyPr/>
+          <a:lstStyle/>
+          <a:p>
+            <a:r>
+              <a:rPr lang="zh-TW" altLang="en-US" dirty="0"/>
+              <a:t>同步</a:t>
+            </a:r>
+          </a:p>
+        </p:txBody>
+      </p:sp>
+      <p:sp>
+        <p:nvSpPr>
+          <p:cNvPr id="3" name="內容版面配置區 2">
+            <a:extLst>
+              <a:ext uri="{FF2B5EF4-FFF2-40B4-BE49-F238E27FC236}">
+                <a16:creationId xmlns:a16="http://schemas.microsoft.com/office/drawing/2014/main" id="{4877105D-F782-4702-BD7A-A4E0F46A3650}"/>
+              </a:ext>
+            </a:extLst>
+          </p:cNvPr>
+          <p:cNvSpPr>
+            <a:spLocks noGrp="1"/>
+          </p:cNvSpPr>
+          <p:nvPr>
+            <p:ph sz="half" idx="2"/>
+          </p:nvPr>
+        </p:nvSpPr>
+        <p:spPr>
+          <a:xfrm>
+            <a:off x="1371600" y="2340865"/>
+            <a:ext cx="4443984" cy="3526536"/>
+          </a:xfrm>
+        </p:spPr>
+        <p:txBody>
+          <a:bodyPr/>
+          <a:lstStyle/>
+          <a:p>
+            <a:r>
+              <a:rPr lang="en-US" altLang="zh-TW" dirty="0">
+                <a:latin typeface="Consolas" panose="020B0609020204030204" pitchFamily="49" charset="0"/>
+              </a:rPr>
+              <a:t>Foo(()=&gt;{</a:t>
+            </a:r>
+          </a:p>
+          <a:p>
+            <a:pPr marL="0" indent="0">
+              <a:buNone/>
+            </a:pPr>
+            <a:r>
+              <a:rPr lang="en-US" altLang="zh-TW" dirty="0">
+                <a:latin typeface="Consolas" panose="020B0609020204030204" pitchFamily="49" charset="0"/>
+              </a:rPr>
+              <a:t>  	Bar();</a:t>
+            </a:r>
+          </a:p>
+          <a:p>
+            <a:pPr marL="0" indent="0">
+              <a:buNone/>
+            </a:pPr>
+            <a:r>
+              <a:rPr lang="en-US" altLang="zh-TW" dirty="0">
+                <a:latin typeface="Consolas" panose="020B0609020204030204" pitchFamily="49" charset="0"/>
+              </a:rPr>
+              <a:t>  })</a:t>
+            </a:r>
+            <a:endParaRPr lang="zh-TW" altLang="en-US" dirty="0">
+              <a:latin typeface="Consolas" panose="020B0609020204030204" pitchFamily="49" charset="0"/>
+            </a:endParaRPr>
+          </a:p>
+        </p:txBody>
+      </p:sp>
+      <p:sp>
+        <p:nvSpPr>
+          <p:cNvPr id="5" name="文字版面配置區 4">
+            <a:extLst>
+              <a:ext uri="{FF2B5EF4-FFF2-40B4-BE49-F238E27FC236}">
+                <a16:creationId xmlns:a16="http://schemas.microsoft.com/office/drawing/2014/main" id="{942B86E4-C93F-49AE-B1E3-B5BD1344E2BB}"/>
+              </a:ext>
+            </a:extLst>
+          </p:cNvPr>
+          <p:cNvSpPr>
+            <a:spLocks noGrp="1"/>
+          </p:cNvSpPr>
+          <p:nvPr>
+            <p:ph type="body" sz="quarter" idx="3"/>
+          </p:nvPr>
+        </p:nvSpPr>
+        <p:spPr>
+          <a:xfrm>
+            <a:off x="6525014" y="1516952"/>
+            <a:ext cx="4443984" cy="823912"/>
+          </a:xfrm>
+        </p:spPr>
+        <p:txBody>
+          <a:bodyPr/>
+          <a:lstStyle/>
+          <a:p>
+            <a:r>
+              <a:rPr lang="zh-TW" altLang="en-US" dirty="0"/>
+              <a:t>非同步</a:t>
+            </a:r>
+          </a:p>
+        </p:txBody>
+      </p:sp>
+      <p:sp>
+        <p:nvSpPr>
+          <p:cNvPr id="6" name="內容版面配置區 5">
+            <a:extLst>
+              <a:ext uri="{FF2B5EF4-FFF2-40B4-BE49-F238E27FC236}">
+                <a16:creationId xmlns:a16="http://schemas.microsoft.com/office/drawing/2014/main" id="{53C35351-5CFA-4BAB-8FA2-88082AB12F8E}"/>
+              </a:ext>
+            </a:extLst>
+          </p:cNvPr>
+          <p:cNvSpPr>
+            <a:spLocks noGrp="1"/>
+          </p:cNvSpPr>
+          <p:nvPr>
+            <p:ph sz="quarter" idx="4"/>
+          </p:nvPr>
+        </p:nvSpPr>
+        <p:spPr>
+          <a:xfrm>
+            <a:off x="6525013" y="2340865"/>
+            <a:ext cx="5153415" cy="3526536"/>
+          </a:xfrm>
+        </p:spPr>
+        <p:txBody>
+          <a:bodyPr/>
+          <a:lstStyle/>
+          <a:p>
+            <a:r>
+              <a:rPr lang="en-US" altLang="zh-TW" dirty="0">
+                <a:latin typeface="Consolas" panose="020B0609020204030204" pitchFamily="49" charset="0"/>
+              </a:rPr>
+              <a:t>Foo(async ()=&gt;{</a:t>
+            </a:r>
+          </a:p>
+          <a:p>
+            <a:pPr marL="0" indent="0">
+              <a:buNone/>
+            </a:pPr>
+            <a:r>
+              <a:rPr lang="en-US" altLang="zh-TW" dirty="0">
+                <a:latin typeface="Consolas" panose="020B0609020204030204" pitchFamily="49" charset="0"/>
+              </a:rPr>
+              <a:t>  	await </a:t>
+            </a:r>
+            <a:r>
+              <a:rPr lang="en-US" altLang="zh-TW" dirty="0" err="1">
+                <a:latin typeface="Consolas" panose="020B0609020204030204" pitchFamily="49" charset="0"/>
+              </a:rPr>
+              <a:t>BarAsync</a:t>
+            </a:r>
+            <a:r>
+              <a:rPr lang="en-US" altLang="zh-TW" dirty="0">
+                <a:latin typeface="Consolas" panose="020B0609020204030204" pitchFamily="49" charset="0"/>
+              </a:rPr>
+              <a:t>();</a:t>
+            </a:r>
+          </a:p>
+          <a:p>
+            <a:pPr marL="0" indent="0">
+              <a:buNone/>
+            </a:pPr>
+            <a:r>
+              <a:rPr lang="en-US" altLang="zh-TW" dirty="0">
+                <a:latin typeface="Consolas" panose="020B0609020204030204" pitchFamily="49" charset="0"/>
+              </a:rPr>
+              <a:t>  })</a:t>
+            </a:r>
+            <a:endParaRPr lang="zh-TW" altLang="en-US" dirty="0">
+              <a:latin typeface="Consolas" panose="020B0609020204030204" pitchFamily="49" charset="0"/>
+            </a:endParaRPr>
+          </a:p>
+        </p:txBody>
+      </p:sp>
+    </p:spTree>
+    <p:extLst>
+      <p:ext uri="{BB962C8B-B14F-4D97-AF65-F5344CB8AC3E}">
+        <p14:creationId xmlns:p14="http://schemas.microsoft.com/office/powerpoint/2010/main" val="861732010"/>
+      </p:ext>
+    </p:extLst>
+  </p:cSld>
+  <p:clrMapOvr>
+    <a:masterClrMapping/>
+  </p:clrMapOvr>
+</p:sld>
+</file>
+
 <file path=ppt/slides/slide21.xml><?xml version="1.0" encoding="utf-8"?>
 <p:sld xmlns:a="http://schemas.openxmlformats.org/drawingml/2006/main" xmlns:r="http://schemas.openxmlformats.org/officeDocument/2006/relationships" xmlns:p="http://schemas.openxmlformats.org/presentationml/2006/main">
   <p:cSld>
@@ -6778,10 +6563,10 @@
       </p:grpSpPr>
       <p:sp>
         <p:nvSpPr>
-          <p:cNvPr id="2" name="標題 1">
+          <p:cNvPr id="4" name="標題 3">
             <a:extLst>
               <a:ext uri="{FF2B5EF4-FFF2-40B4-BE49-F238E27FC236}">
-                <a16:creationId xmlns:a16="http://schemas.microsoft.com/office/drawing/2014/main" id="{375E1AF3-3882-40CA-A050-39AC4380C4C4}"/>
+                <a16:creationId xmlns:a16="http://schemas.microsoft.com/office/drawing/2014/main" id="{B30D21D9-FC15-4EFB-B6EE-82937DD0EC5E}"/>
               </a:ext>
             </a:extLst>
           </p:cNvPr>
@@ -6799,22 +6584,17 @@
           <a:p>
             <a:r>
               <a:rPr lang="zh-TW" altLang="en-US" dirty="0"/>
-              <a:t>怎麼用非同步</a:t>
-            </a:r>
-            <a:r>
-              <a:rPr lang="en-US" altLang="zh-TW" dirty="0"/>
-              <a:t>—Lambda</a:t>
-            </a:r>
-            <a:endParaRPr lang="zh-TW" altLang="en-US" dirty="0"/>
-          </a:p>
-        </p:txBody>
-      </p:sp>
-      <p:sp>
-        <p:nvSpPr>
-          <p:cNvPr id="4" name="文字版面配置區 3">
+              <a:t>避免與注意事項</a:t>
+            </a:r>
+          </a:p>
+        </p:txBody>
+      </p:sp>
+      <p:sp>
+        <p:nvSpPr>
+          <p:cNvPr id="5" name="文字版面配置區 4">
             <a:extLst>
               <a:ext uri="{FF2B5EF4-FFF2-40B4-BE49-F238E27FC236}">
-                <a16:creationId xmlns:a16="http://schemas.microsoft.com/office/drawing/2014/main" id="{181CE145-9952-493A-888F-38A8E2327298}"/>
+                <a16:creationId xmlns:a16="http://schemas.microsoft.com/office/drawing/2014/main" id="{529E6886-9147-475B-8604-5ED7D95D23A5}"/>
               </a:ext>
             </a:extLst>
           </p:cNvPr>
@@ -6825,192 +6605,19 @@
             <p:ph type="body" idx="1"/>
           </p:nvPr>
         </p:nvSpPr>
-        <p:spPr>
-          <a:xfrm>
-            <a:off x="1371600" y="1516952"/>
-            <a:ext cx="4443984" cy="823912"/>
-          </a:xfrm>
-        </p:spPr>
+        <p:spPr/>
         <p:txBody>
           <a:bodyPr/>
           <a:lstStyle/>
           <a:p>
-            <a:r>
-              <a:rPr lang="zh-TW" altLang="en-US" dirty="0"/>
-              <a:t>同步</a:t>
-            </a:r>
-          </a:p>
-        </p:txBody>
-      </p:sp>
-      <p:sp>
-        <p:nvSpPr>
-          <p:cNvPr id="3" name="內容版面配置區 2">
-            <a:extLst>
-              <a:ext uri="{FF2B5EF4-FFF2-40B4-BE49-F238E27FC236}">
-                <a16:creationId xmlns:a16="http://schemas.microsoft.com/office/drawing/2014/main" id="{4877105D-F782-4702-BD7A-A4E0F46A3650}"/>
-              </a:ext>
-            </a:extLst>
-          </p:cNvPr>
-          <p:cNvSpPr>
-            <a:spLocks noGrp="1"/>
-          </p:cNvSpPr>
-          <p:nvPr>
-            <p:ph sz="half" idx="2"/>
-          </p:nvPr>
-        </p:nvSpPr>
-        <p:spPr>
-          <a:xfrm>
-            <a:off x="1371600" y="2340865"/>
-            <a:ext cx="4443984" cy="3526536"/>
-          </a:xfrm>
-        </p:spPr>
-        <p:txBody>
-          <a:bodyPr/>
-          <a:lstStyle/>
-          <a:p>
-            <a:r>
-              <a:rPr lang="en-US" altLang="zh-TW" dirty="0">
-                <a:latin typeface="Consolas" panose="020B0609020204030204" pitchFamily="49" charset="0"/>
-              </a:rPr>
-              <a:t>Foo(()=&gt;{</a:t>
-            </a:r>
-          </a:p>
-          <a:p>
-            <a:pPr marL="0" indent="0">
-              <a:buNone/>
-            </a:pPr>
-            <a:r>
-              <a:rPr lang="en-US" altLang="zh-TW" dirty="0">
-                <a:latin typeface="Consolas" panose="020B0609020204030204" pitchFamily="49" charset="0"/>
-              </a:rPr>
-              <a:t>  	Bar();</a:t>
-            </a:r>
-          </a:p>
-          <a:p>
-            <a:pPr marL="0" indent="0">
-              <a:buNone/>
-            </a:pPr>
-            <a:r>
-              <a:rPr lang="en-US" altLang="zh-TW" dirty="0">
-                <a:latin typeface="Consolas" panose="020B0609020204030204" pitchFamily="49" charset="0"/>
-              </a:rPr>
-              <a:t>  })</a:t>
-            </a:r>
-            <a:endParaRPr lang="zh-TW" altLang="en-US" dirty="0">
-              <a:latin typeface="Consolas" panose="020B0609020204030204" pitchFamily="49" charset="0"/>
-            </a:endParaRPr>
-          </a:p>
-        </p:txBody>
-      </p:sp>
-      <p:sp>
-        <p:nvSpPr>
-          <p:cNvPr id="5" name="文字版面配置區 4">
-            <a:extLst>
-              <a:ext uri="{FF2B5EF4-FFF2-40B4-BE49-F238E27FC236}">
-                <a16:creationId xmlns:a16="http://schemas.microsoft.com/office/drawing/2014/main" id="{942B86E4-C93F-49AE-B1E3-B5BD1344E2BB}"/>
-              </a:ext>
-            </a:extLst>
-          </p:cNvPr>
-          <p:cNvSpPr>
-            <a:spLocks noGrp="1"/>
-          </p:cNvSpPr>
-          <p:nvPr>
-            <p:ph type="body" sz="quarter" idx="3"/>
-          </p:nvPr>
-        </p:nvSpPr>
-        <p:spPr>
-          <a:xfrm>
-            <a:off x="6525014" y="1516952"/>
-            <a:ext cx="4443984" cy="823912"/>
-          </a:xfrm>
-        </p:spPr>
-        <p:txBody>
-          <a:bodyPr/>
-          <a:lstStyle/>
-          <a:p>
-            <a:r>
-              <a:rPr lang="zh-TW" altLang="en-US" dirty="0"/>
-              <a:t>非同步</a:t>
-            </a:r>
-          </a:p>
-        </p:txBody>
-      </p:sp>
-      <p:sp>
-        <p:nvSpPr>
-          <p:cNvPr id="6" name="內容版面配置區 5">
-            <a:extLst>
-              <a:ext uri="{FF2B5EF4-FFF2-40B4-BE49-F238E27FC236}">
-                <a16:creationId xmlns:a16="http://schemas.microsoft.com/office/drawing/2014/main" id="{53C35351-5CFA-4BAB-8FA2-88082AB12F8E}"/>
-              </a:ext>
-            </a:extLst>
-          </p:cNvPr>
-          <p:cNvSpPr>
-            <a:spLocks noGrp="1"/>
-          </p:cNvSpPr>
-          <p:nvPr>
-            <p:ph sz="quarter" idx="4"/>
-          </p:nvPr>
-        </p:nvSpPr>
-        <p:spPr>
-          <a:xfrm>
-            <a:off x="6525013" y="2340865"/>
-            <a:ext cx="5153415" cy="3526536"/>
-          </a:xfrm>
-        </p:spPr>
-        <p:txBody>
-          <a:bodyPr/>
-          <a:lstStyle/>
-          <a:p>
-            <a:r>
-              <a:rPr lang="en-US" altLang="zh-TW" dirty="0">
-                <a:latin typeface="Consolas" panose="020B0609020204030204" pitchFamily="49" charset="0"/>
-              </a:rPr>
-              <a:t>Foo(async ()=&gt;{</a:t>
-            </a:r>
-          </a:p>
-          <a:p>
-            <a:pPr marL="0" indent="0">
-              <a:buNone/>
-            </a:pPr>
-            <a:r>
-              <a:rPr lang="en-US" altLang="zh-TW" dirty="0">
-                <a:latin typeface="Consolas" panose="020B0609020204030204" pitchFamily="49" charset="0"/>
-              </a:rPr>
-              <a:t>  	await </a:t>
-            </a:r>
-            <a:r>
-              <a:rPr lang="en-US" altLang="zh-TW" dirty="0" err="1">
-                <a:latin typeface="Consolas" panose="020B0609020204030204" pitchFamily="49" charset="0"/>
-              </a:rPr>
-              <a:t>BarAsync</a:t>
-            </a:r>
-            <a:r>
-              <a:rPr lang="en-US" altLang="zh-TW" dirty="0">
-                <a:latin typeface="Consolas" panose="020B0609020204030204" pitchFamily="49" charset="0"/>
-              </a:rPr>
-              <a:t>();</a:t>
-            </a:r>
-          </a:p>
-          <a:p>
-            <a:pPr marL="0" indent="0">
-              <a:buNone/>
-            </a:pPr>
-            <a:r>
-              <a:rPr lang="en-US" altLang="zh-TW" dirty="0">
-                <a:latin typeface="Consolas" panose="020B0609020204030204" pitchFamily="49" charset="0"/>
-              </a:rPr>
-              <a:t>  })</a:t>
-            </a:r>
-            <a:endParaRPr lang="zh-TW" altLang="en-US" dirty="0">
-              <a:latin typeface="Consolas" panose="020B0609020204030204" pitchFamily="49" charset="0"/>
-            </a:endParaRPr>
+            <a:endParaRPr lang="zh-TW" altLang="en-US"/>
           </a:p>
         </p:txBody>
       </p:sp>
     </p:spTree>
     <p:extLst>
       <p:ext uri="{BB962C8B-B14F-4D97-AF65-F5344CB8AC3E}">
-        <p14:creationId xmlns:p14="http://schemas.microsoft.com/office/powerpoint/2010/main" val="861732010"/>
+        <p14:creationId xmlns:p14="http://schemas.microsoft.com/office/powerpoint/2010/main" val="1484087901"/>
       </p:ext>
     </p:extLst>
   </p:cSld>
@@ -7042,89 +6649,6 @@
           <p:cNvPr id="4" name="標題 3">
             <a:extLst>
               <a:ext uri="{FF2B5EF4-FFF2-40B4-BE49-F238E27FC236}">
-                <a16:creationId xmlns:a16="http://schemas.microsoft.com/office/drawing/2014/main" id="{B30D21D9-FC15-4EFB-B6EE-82937DD0EC5E}"/>
-              </a:ext>
-            </a:extLst>
-          </p:cNvPr>
-          <p:cNvSpPr>
-            <a:spLocks noGrp="1"/>
-          </p:cNvSpPr>
-          <p:nvPr>
-            <p:ph type="title"/>
-          </p:nvPr>
-        </p:nvSpPr>
-        <p:spPr/>
-        <p:txBody>
-          <a:bodyPr/>
-          <a:lstStyle/>
-          <a:p>
-            <a:r>
-              <a:rPr lang="zh-TW" altLang="en-US" dirty="0"/>
-              <a:t>避免與注意事項</a:t>
-            </a:r>
-          </a:p>
-        </p:txBody>
-      </p:sp>
-      <p:sp>
-        <p:nvSpPr>
-          <p:cNvPr id="5" name="文字版面配置區 4">
-            <a:extLst>
-              <a:ext uri="{FF2B5EF4-FFF2-40B4-BE49-F238E27FC236}">
-                <a16:creationId xmlns:a16="http://schemas.microsoft.com/office/drawing/2014/main" id="{529E6886-9147-475B-8604-5ED7D95D23A5}"/>
-              </a:ext>
-            </a:extLst>
-          </p:cNvPr>
-          <p:cNvSpPr>
-            <a:spLocks noGrp="1"/>
-          </p:cNvSpPr>
-          <p:nvPr>
-            <p:ph type="body" idx="1"/>
-          </p:nvPr>
-        </p:nvSpPr>
-        <p:spPr/>
-        <p:txBody>
-          <a:bodyPr/>
-          <a:lstStyle/>
-          <a:p>
-            <a:endParaRPr lang="zh-TW" altLang="en-US"/>
-          </a:p>
-        </p:txBody>
-      </p:sp>
-    </p:spTree>
-    <p:extLst>
-      <p:ext uri="{BB962C8B-B14F-4D97-AF65-F5344CB8AC3E}">
-        <p14:creationId xmlns:p14="http://schemas.microsoft.com/office/powerpoint/2010/main" val="1484087901"/>
-      </p:ext>
-    </p:extLst>
-  </p:cSld>
-  <p:clrMapOvr>
-    <a:masterClrMapping/>
-  </p:clrMapOvr>
-</p:sld>
-</file>
-
-<file path=ppt/slides/slide23.xml><?xml version="1.0" encoding="utf-8"?>
-<p:sld xmlns:a="http://schemas.openxmlformats.org/drawingml/2006/main" xmlns:r="http://schemas.openxmlformats.org/officeDocument/2006/relationships" xmlns:p="http://schemas.openxmlformats.org/presentationml/2006/main">
-  <p:cSld>
-    <p:spTree>
-      <p:nvGrpSpPr>
-        <p:cNvPr id="1" name=""/>
-        <p:cNvGrpSpPr/>
-        <p:nvPr/>
-      </p:nvGrpSpPr>
-      <p:grpSpPr>
-        <a:xfrm>
-          <a:off x="0" y="0"/>
-          <a:ext cx="0" cy="0"/>
-          <a:chOff x="0" y="0"/>
-          <a:chExt cx="0" cy="0"/>
-        </a:xfrm>
-      </p:grpSpPr>
-      <p:sp>
-        <p:nvSpPr>
-          <p:cNvPr id="4" name="標題 3">
-            <a:extLst>
-              <a:ext uri="{FF2B5EF4-FFF2-40B4-BE49-F238E27FC236}">
                 <a16:creationId xmlns:a16="http://schemas.microsoft.com/office/drawing/2014/main" id="{3797183D-3828-4699-A43E-CEE8DCB41174}"/>
               </a:ext>
             </a:extLst>
@@ -7136,7 +6660,12 @@
             <p:ph type="title"/>
           </p:nvPr>
         </p:nvSpPr>
-        <p:spPr/>
+        <p:spPr>
+          <a:xfrm>
+            <a:off x="1371600" y="685800"/>
+            <a:ext cx="9601200" cy="907330"/>
+          </a:xfrm>
+        </p:spPr>
         <p:txBody>
           <a:bodyPr/>
           <a:lstStyle/>
@@ -7148,31 +6677,674 @@
           </a:p>
         </p:txBody>
       </p:sp>
-      <p:sp>
-        <p:nvSpPr>
-          <p:cNvPr id="5" name="內容版面配置區 4">
+      <p:cxnSp>
+        <p:nvCxnSpPr>
+          <p:cNvPr id="3" name="直線接點 2">
             <a:extLst>
               <a:ext uri="{FF2B5EF4-FFF2-40B4-BE49-F238E27FC236}">
-                <a16:creationId xmlns:a16="http://schemas.microsoft.com/office/drawing/2014/main" id="{DF110E2F-7112-4905-B2C1-0A27AABD033A}"/>
+                <a16:creationId xmlns:a16="http://schemas.microsoft.com/office/drawing/2014/main" id="{CAD8AEEA-CC24-4011-94E2-2C942976941D}"/>
               </a:ext>
             </a:extLst>
           </p:cNvPr>
-          <p:cNvSpPr>
-            <a:spLocks noGrp="1"/>
-          </p:cNvSpPr>
-          <p:nvPr>
-            <p:ph idx="1"/>
-          </p:nvPr>
-        </p:nvSpPr>
-        <p:spPr/>
-        <p:txBody>
-          <a:bodyPr/>
+          <p:cNvCxnSpPr>
+            <a:cxnSpLocks/>
+          </p:cNvCxnSpPr>
+          <p:nvPr/>
+        </p:nvCxnSpPr>
+        <p:spPr>
+          <a:xfrm>
+            <a:off x="2726946" y="2319210"/>
+            <a:ext cx="1666378" cy="0"/>
+          </a:xfrm>
+          <a:prstGeom prst="line">
+            <a:avLst/>
+          </a:prstGeom>
+          <a:ln w="127000"/>
+        </p:spPr>
+        <p:style>
+          <a:lnRef idx="2">
+            <a:schemeClr val="dk1"/>
+          </a:lnRef>
+          <a:fillRef idx="0">
+            <a:schemeClr val="dk1"/>
+          </a:fillRef>
+          <a:effectRef idx="1">
+            <a:schemeClr val="dk1"/>
+          </a:effectRef>
+          <a:fontRef idx="minor">
+            <a:schemeClr val="tx1"/>
+          </a:fontRef>
+        </p:style>
+      </p:cxnSp>
+      <p:sp>
+        <p:nvSpPr>
+          <p:cNvPr id="7" name="文字方塊 6">
+            <a:extLst>
+              <a:ext uri="{FF2B5EF4-FFF2-40B4-BE49-F238E27FC236}">
+                <a16:creationId xmlns:a16="http://schemas.microsoft.com/office/drawing/2014/main" id="{14DAC94D-A58F-441C-8FC0-E0148C13BB06}"/>
+              </a:ext>
+            </a:extLst>
+          </p:cNvPr>
+          <p:cNvSpPr txBox="1"/>
+          <p:nvPr/>
+        </p:nvSpPr>
+        <p:spPr>
+          <a:xfrm>
+            <a:off x="1371600" y="2057600"/>
+            <a:ext cx="914400" cy="523220"/>
+          </a:xfrm>
+          <a:prstGeom prst="rect">
+            <a:avLst/>
+          </a:prstGeom>
+          <a:noFill/>
+        </p:spPr>
+        <p:txBody>
+          <a:bodyPr wrap="square" rtlCol="0">
+            <a:spAutoFit/>
+          </a:bodyPr>
           <a:lstStyle/>
           <a:p>
-            <a:endParaRPr lang="zh-TW" altLang="en-US"/>
-          </a:p>
-        </p:txBody>
-      </p:sp>
+            <a:pPr algn="ctr"/>
+            <a:r>
+              <a:rPr lang="zh-TW" altLang="en-US" sz="2800" dirty="0"/>
+              <a:t>同步</a:t>
+            </a:r>
+          </a:p>
+        </p:txBody>
+      </p:sp>
+      <p:cxnSp>
+        <p:nvCxnSpPr>
+          <p:cNvPr id="13" name="直線接點 12">
+            <a:extLst>
+              <a:ext uri="{FF2B5EF4-FFF2-40B4-BE49-F238E27FC236}">
+                <a16:creationId xmlns:a16="http://schemas.microsoft.com/office/drawing/2014/main" id="{66F4B3EB-ED42-43D3-8100-D30C21594300}"/>
+              </a:ext>
+            </a:extLst>
+          </p:cNvPr>
+          <p:cNvCxnSpPr>
+            <a:cxnSpLocks/>
+          </p:cNvCxnSpPr>
+          <p:nvPr/>
+        </p:nvCxnSpPr>
+        <p:spPr>
+          <a:xfrm>
+            <a:off x="4393324" y="2319210"/>
+            <a:ext cx="4340773" cy="0"/>
+          </a:xfrm>
+          <a:prstGeom prst="line">
+            <a:avLst/>
+          </a:prstGeom>
+          <a:ln w="127000"/>
+        </p:spPr>
+        <p:style>
+          <a:lnRef idx="2">
+            <a:schemeClr val="accent5"/>
+          </a:lnRef>
+          <a:fillRef idx="0">
+            <a:schemeClr val="accent5"/>
+          </a:fillRef>
+          <a:effectRef idx="1">
+            <a:schemeClr val="accent5"/>
+          </a:effectRef>
+          <a:fontRef idx="minor">
+            <a:schemeClr val="tx1"/>
+          </a:fontRef>
+        </p:style>
+      </p:cxnSp>
+      <p:cxnSp>
+        <p:nvCxnSpPr>
+          <p:cNvPr id="14" name="直線接點 13">
+            <a:extLst>
+              <a:ext uri="{FF2B5EF4-FFF2-40B4-BE49-F238E27FC236}">
+                <a16:creationId xmlns:a16="http://schemas.microsoft.com/office/drawing/2014/main" id="{2D8B0F04-4DFF-4722-94C3-BA527AAD82DB}"/>
+              </a:ext>
+            </a:extLst>
+          </p:cNvPr>
+          <p:cNvCxnSpPr>
+            <a:cxnSpLocks/>
+          </p:cNvCxnSpPr>
+          <p:nvPr/>
+        </p:nvCxnSpPr>
+        <p:spPr>
+          <a:xfrm>
+            <a:off x="8734097" y="2319210"/>
+            <a:ext cx="1666378" cy="0"/>
+          </a:xfrm>
+          <a:prstGeom prst="line">
+            <a:avLst/>
+          </a:prstGeom>
+          <a:ln w="127000"/>
+        </p:spPr>
+        <p:style>
+          <a:lnRef idx="2">
+            <a:schemeClr val="dk1"/>
+          </a:lnRef>
+          <a:fillRef idx="0">
+            <a:schemeClr val="dk1"/>
+          </a:fillRef>
+          <a:effectRef idx="1">
+            <a:schemeClr val="dk1"/>
+          </a:effectRef>
+          <a:fontRef idx="minor">
+            <a:schemeClr val="tx1"/>
+          </a:fontRef>
+        </p:style>
+      </p:cxnSp>
+      <p:cxnSp>
+        <p:nvCxnSpPr>
+          <p:cNvPr id="16" name="直線接點 15">
+            <a:extLst>
+              <a:ext uri="{FF2B5EF4-FFF2-40B4-BE49-F238E27FC236}">
+                <a16:creationId xmlns:a16="http://schemas.microsoft.com/office/drawing/2014/main" id="{B147B9C6-D317-4720-8B83-83B1ED0AF087}"/>
+              </a:ext>
+            </a:extLst>
+          </p:cNvPr>
+          <p:cNvCxnSpPr>
+            <a:cxnSpLocks/>
+          </p:cNvCxnSpPr>
+          <p:nvPr/>
+        </p:nvCxnSpPr>
+        <p:spPr>
+          <a:xfrm>
+            <a:off x="2726946" y="3215217"/>
+            <a:ext cx="1666378" cy="0"/>
+          </a:xfrm>
+          <a:prstGeom prst="line">
+            <a:avLst/>
+          </a:prstGeom>
+          <a:ln w="127000"/>
+        </p:spPr>
+        <p:style>
+          <a:lnRef idx="2">
+            <a:schemeClr val="dk1"/>
+          </a:lnRef>
+          <a:fillRef idx="0">
+            <a:schemeClr val="dk1"/>
+          </a:fillRef>
+          <a:effectRef idx="1">
+            <a:schemeClr val="dk1"/>
+          </a:effectRef>
+          <a:fontRef idx="minor">
+            <a:schemeClr val="tx1"/>
+          </a:fontRef>
+        </p:style>
+      </p:cxnSp>
+      <p:sp>
+        <p:nvSpPr>
+          <p:cNvPr id="17" name="文字方塊 16">
+            <a:extLst>
+              <a:ext uri="{FF2B5EF4-FFF2-40B4-BE49-F238E27FC236}">
+                <a16:creationId xmlns:a16="http://schemas.microsoft.com/office/drawing/2014/main" id="{19FB29F7-FF78-4E47-93AA-25EDBA6D15FA}"/>
+              </a:ext>
+            </a:extLst>
+          </p:cNvPr>
+          <p:cNvSpPr txBox="1"/>
+          <p:nvPr/>
+        </p:nvSpPr>
+        <p:spPr>
+          <a:xfrm>
+            <a:off x="1008993" y="2953607"/>
+            <a:ext cx="1639614" cy="523220"/>
+          </a:xfrm>
+          <a:prstGeom prst="rect">
+            <a:avLst/>
+          </a:prstGeom>
+          <a:noFill/>
+        </p:spPr>
+        <p:txBody>
+          <a:bodyPr wrap="square" rtlCol="0">
+            <a:spAutoFit/>
+          </a:bodyPr>
+          <a:lstStyle/>
+          <a:p>
+            <a:pPr algn="ctr"/>
+            <a:r>
+              <a:rPr lang="zh-TW" altLang="en-US" sz="2800" dirty="0"/>
+              <a:t>非同步</a:t>
+            </a:r>
+          </a:p>
+        </p:txBody>
+      </p:sp>
+      <p:cxnSp>
+        <p:nvCxnSpPr>
+          <p:cNvPr id="18" name="直線接點 17">
+            <a:extLst>
+              <a:ext uri="{FF2B5EF4-FFF2-40B4-BE49-F238E27FC236}">
+                <a16:creationId xmlns:a16="http://schemas.microsoft.com/office/drawing/2014/main" id="{3B5C4356-4CCE-44F7-B132-EA23892D4056}"/>
+              </a:ext>
+            </a:extLst>
+          </p:cNvPr>
+          <p:cNvCxnSpPr>
+            <a:cxnSpLocks/>
+          </p:cNvCxnSpPr>
+          <p:nvPr/>
+        </p:nvCxnSpPr>
+        <p:spPr>
+          <a:xfrm>
+            <a:off x="4393324" y="3625121"/>
+            <a:ext cx="4340773" cy="0"/>
+          </a:xfrm>
+          <a:prstGeom prst="line">
+            <a:avLst/>
+          </a:prstGeom>
+          <a:ln w="127000"/>
+        </p:spPr>
+        <p:style>
+          <a:lnRef idx="2">
+            <a:schemeClr val="accent5"/>
+          </a:lnRef>
+          <a:fillRef idx="0">
+            <a:schemeClr val="accent5"/>
+          </a:fillRef>
+          <a:effectRef idx="1">
+            <a:schemeClr val="accent5"/>
+          </a:effectRef>
+          <a:fontRef idx="minor">
+            <a:schemeClr val="tx1"/>
+          </a:fontRef>
+        </p:style>
+      </p:cxnSp>
+      <p:cxnSp>
+        <p:nvCxnSpPr>
+          <p:cNvPr id="19" name="直線接點 18">
+            <a:extLst>
+              <a:ext uri="{FF2B5EF4-FFF2-40B4-BE49-F238E27FC236}">
+                <a16:creationId xmlns:a16="http://schemas.microsoft.com/office/drawing/2014/main" id="{FE5F8A30-888D-4140-9349-FC0D7100A90B}"/>
+              </a:ext>
+            </a:extLst>
+          </p:cNvPr>
+          <p:cNvCxnSpPr>
+            <a:cxnSpLocks/>
+          </p:cNvCxnSpPr>
+          <p:nvPr/>
+        </p:nvCxnSpPr>
+        <p:spPr>
+          <a:xfrm>
+            <a:off x="8734097" y="4077065"/>
+            <a:ext cx="1666378" cy="0"/>
+          </a:xfrm>
+          <a:prstGeom prst="line">
+            <a:avLst/>
+          </a:prstGeom>
+          <a:ln w="127000"/>
+        </p:spPr>
+        <p:style>
+          <a:lnRef idx="2">
+            <a:schemeClr val="dk1"/>
+          </a:lnRef>
+          <a:fillRef idx="0">
+            <a:schemeClr val="dk1"/>
+          </a:fillRef>
+          <a:effectRef idx="1">
+            <a:schemeClr val="dk1"/>
+          </a:effectRef>
+          <a:fontRef idx="minor">
+            <a:schemeClr val="tx1"/>
+          </a:fontRef>
+        </p:style>
+      </p:cxnSp>
+      <p:sp>
+        <p:nvSpPr>
+          <p:cNvPr id="21" name="文字方塊 20">
+            <a:extLst>
+              <a:ext uri="{FF2B5EF4-FFF2-40B4-BE49-F238E27FC236}">
+                <a16:creationId xmlns:a16="http://schemas.microsoft.com/office/drawing/2014/main" id="{335485FA-2088-48E4-9347-2E1F4EB2C34E}"/>
+              </a:ext>
+            </a:extLst>
+          </p:cNvPr>
+          <p:cNvSpPr txBox="1"/>
+          <p:nvPr/>
+        </p:nvSpPr>
+        <p:spPr>
+          <a:xfrm>
+            <a:off x="1008993" y="4616864"/>
+            <a:ext cx="1639614" cy="954107"/>
+          </a:xfrm>
+          <a:prstGeom prst="rect">
+            <a:avLst/>
+          </a:prstGeom>
+          <a:noFill/>
+        </p:spPr>
+        <p:txBody>
+          <a:bodyPr wrap="square" rtlCol="0">
+            <a:spAutoFit/>
+          </a:bodyPr>
+          <a:lstStyle/>
+          <a:p>
+            <a:pPr algn="ctr"/>
+            <a:r>
+              <a:rPr lang="zh-TW" altLang="en-US" sz="2800" dirty="0"/>
+              <a:t>同步呼叫非同步</a:t>
+            </a:r>
+          </a:p>
+        </p:txBody>
+      </p:sp>
+      <p:cxnSp>
+        <p:nvCxnSpPr>
+          <p:cNvPr id="22" name="直線接點 21">
+            <a:extLst>
+              <a:ext uri="{FF2B5EF4-FFF2-40B4-BE49-F238E27FC236}">
+                <a16:creationId xmlns:a16="http://schemas.microsoft.com/office/drawing/2014/main" id="{3F13A559-C57B-42ED-A7AE-DBC3527E2A1B}"/>
+              </a:ext>
+            </a:extLst>
+          </p:cNvPr>
+          <p:cNvCxnSpPr>
+            <a:cxnSpLocks/>
+          </p:cNvCxnSpPr>
+          <p:nvPr/>
+        </p:nvCxnSpPr>
+        <p:spPr>
+          <a:xfrm>
+            <a:off x="4393324" y="5372460"/>
+            <a:ext cx="4340773" cy="0"/>
+          </a:xfrm>
+          <a:prstGeom prst="line">
+            <a:avLst/>
+          </a:prstGeom>
+          <a:ln w="127000"/>
+        </p:spPr>
+        <p:style>
+          <a:lnRef idx="2">
+            <a:schemeClr val="accent5"/>
+          </a:lnRef>
+          <a:fillRef idx="0">
+            <a:schemeClr val="accent5"/>
+          </a:fillRef>
+          <a:effectRef idx="1">
+            <a:schemeClr val="accent5"/>
+          </a:effectRef>
+          <a:fontRef idx="minor">
+            <a:schemeClr val="tx1"/>
+          </a:fontRef>
+        </p:style>
+      </p:cxnSp>
+      <p:cxnSp>
+        <p:nvCxnSpPr>
+          <p:cNvPr id="27" name="直線單箭頭接點 26">
+            <a:extLst>
+              <a:ext uri="{FF2B5EF4-FFF2-40B4-BE49-F238E27FC236}">
+                <a16:creationId xmlns:a16="http://schemas.microsoft.com/office/drawing/2014/main" id="{7E33E3C4-434C-48AC-A7F4-B9112AADC1A9}"/>
+              </a:ext>
+            </a:extLst>
+          </p:cNvPr>
+          <p:cNvCxnSpPr>
+            <a:cxnSpLocks/>
+          </p:cNvCxnSpPr>
+          <p:nvPr/>
+        </p:nvCxnSpPr>
+        <p:spPr>
+          <a:xfrm>
+            <a:off x="4393324" y="4960883"/>
+            <a:ext cx="0" cy="411577"/>
+          </a:xfrm>
+          <a:prstGeom prst="straightConnector1">
+            <a:avLst/>
+          </a:prstGeom>
+          <a:ln w="50800">
+            <a:tailEnd type="triangle" w="lg" len="med"/>
+          </a:ln>
+        </p:spPr>
+        <p:style>
+          <a:lnRef idx="1">
+            <a:schemeClr val="accent1"/>
+          </a:lnRef>
+          <a:fillRef idx="0">
+            <a:schemeClr val="accent1"/>
+          </a:fillRef>
+          <a:effectRef idx="0">
+            <a:schemeClr val="accent1"/>
+          </a:effectRef>
+          <a:fontRef idx="minor">
+            <a:schemeClr val="tx1"/>
+          </a:fontRef>
+        </p:style>
+      </p:cxnSp>
+      <p:cxnSp>
+        <p:nvCxnSpPr>
+          <p:cNvPr id="15" name="直線單箭頭接點 14">
+            <a:extLst>
+              <a:ext uri="{FF2B5EF4-FFF2-40B4-BE49-F238E27FC236}">
+                <a16:creationId xmlns:a16="http://schemas.microsoft.com/office/drawing/2014/main" id="{D4F4D4BF-E660-4538-8F60-87B3B23D975A}"/>
+              </a:ext>
+            </a:extLst>
+          </p:cNvPr>
+          <p:cNvCxnSpPr>
+            <a:cxnSpLocks/>
+          </p:cNvCxnSpPr>
+          <p:nvPr/>
+        </p:nvCxnSpPr>
+        <p:spPr>
+          <a:xfrm flipV="1">
+            <a:off x="8734097" y="4960883"/>
+            <a:ext cx="0" cy="529645"/>
+          </a:xfrm>
+          <a:prstGeom prst="straightConnector1">
+            <a:avLst/>
+          </a:prstGeom>
+          <a:ln w="50800">
+            <a:tailEnd type="triangle" w="lg" len="med"/>
+          </a:ln>
+        </p:spPr>
+        <p:style>
+          <a:lnRef idx="1">
+            <a:schemeClr val="accent1"/>
+          </a:lnRef>
+          <a:fillRef idx="0">
+            <a:schemeClr val="accent1"/>
+          </a:fillRef>
+          <a:effectRef idx="0">
+            <a:schemeClr val="accent1"/>
+          </a:effectRef>
+          <a:fontRef idx="minor">
+            <a:schemeClr val="tx1"/>
+          </a:fontRef>
+        </p:style>
+      </p:cxnSp>
+      <p:cxnSp>
+        <p:nvCxnSpPr>
+          <p:cNvPr id="23" name="直線接點 22">
+            <a:extLst>
+              <a:ext uri="{FF2B5EF4-FFF2-40B4-BE49-F238E27FC236}">
+                <a16:creationId xmlns:a16="http://schemas.microsoft.com/office/drawing/2014/main" id="{B1830CF8-0EB0-4AC9-8383-1ACBFFBF615C}"/>
+              </a:ext>
+            </a:extLst>
+          </p:cNvPr>
+          <p:cNvCxnSpPr>
+            <a:cxnSpLocks/>
+          </p:cNvCxnSpPr>
+          <p:nvPr/>
+        </p:nvCxnSpPr>
+        <p:spPr>
+          <a:xfrm>
+            <a:off x="2726945" y="4906109"/>
+            <a:ext cx="1666378" cy="0"/>
+          </a:xfrm>
+          <a:prstGeom prst="line">
+            <a:avLst/>
+          </a:prstGeom>
+          <a:ln w="127000"/>
+        </p:spPr>
+        <p:style>
+          <a:lnRef idx="2">
+            <a:schemeClr val="dk1"/>
+          </a:lnRef>
+          <a:fillRef idx="0">
+            <a:schemeClr val="dk1"/>
+          </a:fillRef>
+          <a:effectRef idx="1">
+            <a:schemeClr val="dk1"/>
+          </a:effectRef>
+          <a:fontRef idx="minor">
+            <a:schemeClr val="tx1"/>
+          </a:fontRef>
+        </p:style>
+      </p:cxnSp>
+      <p:cxnSp>
+        <p:nvCxnSpPr>
+          <p:cNvPr id="24" name="直線接點 23">
+            <a:extLst>
+              <a:ext uri="{FF2B5EF4-FFF2-40B4-BE49-F238E27FC236}">
+                <a16:creationId xmlns:a16="http://schemas.microsoft.com/office/drawing/2014/main" id="{97CBAB54-00D7-4B66-80C3-2B05A9761393}"/>
+              </a:ext>
+            </a:extLst>
+          </p:cNvPr>
+          <p:cNvCxnSpPr>
+            <a:cxnSpLocks/>
+          </p:cNvCxnSpPr>
+          <p:nvPr/>
+        </p:nvCxnSpPr>
+        <p:spPr>
+          <a:xfrm>
+            <a:off x="4393323" y="4906109"/>
+            <a:ext cx="4340773" cy="0"/>
+          </a:xfrm>
+          <a:prstGeom prst="line">
+            <a:avLst/>
+          </a:prstGeom>
+          <a:ln w="127000">
+            <a:solidFill>
+              <a:schemeClr val="accent2">
+                <a:lumMod val="75000"/>
+              </a:schemeClr>
+            </a:solidFill>
+          </a:ln>
+        </p:spPr>
+        <p:style>
+          <a:lnRef idx="2">
+            <a:schemeClr val="accent5"/>
+          </a:lnRef>
+          <a:fillRef idx="0">
+            <a:schemeClr val="accent5"/>
+          </a:fillRef>
+          <a:effectRef idx="1">
+            <a:schemeClr val="accent5"/>
+          </a:effectRef>
+          <a:fontRef idx="minor">
+            <a:schemeClr val="tx1"/>
+          </a:fontRef>
+        </p:style>
+      </p:cxnSp>
+      <p:cxnSp>
+        <p:nvCxnSpPr>
+          <p:cNvPr id="25" name="直線接點 24">
+            <a:extLst>
+              <a:ext uri="{FF2B5EF4-FFF2-40B4-BE49-F238E27FC236}">
+                <a16:creationId xmlns:a16="http://schemas.microsoft.com/office/drawing/2014/main" id="{FDC95E49-A4C9-4EE3-ACF9-F5413F01B97F}"/>
+              </a:ext>
+            </a:extLst>
+          </p:cNvPr>
+          <p:cNvCxnSpPr>
+            <a:cxnSpLocks/>
+          </p:cNvCxnSpPr>
+          <p:nvPr/>
+        </p:nvCxnSpPr>
+        <p:spPr>
+          <a:xfrm>
+            <a:off x="8734096" y="4906109"/>
+            <a:ext cx="1666378" cy="0"/>
+          </a:xfrm>
+          <a:prstGeom prst="line">
+            <a:avLst/>
+          </a:prstGeom>
+          <a:ln w="127000"/>
+        </p:spPr>
+        <p:style>
+          <a:lnRef idx="2">
+            <a:schemeClr val="dk1"/>
+          </a:lnRef>
+          <a:fillRef idx="0">
+            <a:schemeClr val="dk1"/>
+          </a:fillRef>
+          <a:effectRef idx="1">
+            <a:schemeClr val="dk1"/>
+          </a:effectRef>
+          <a:fontRef idx="minor">
+            <a:schemeClr val="tx1"/>
+          </a:fontRef>
+        </p:style>
+      </p:cxnSp>
+      <p:cxnSp>
+        <p:nvCxnSpPr>
+          <p:cNvPr id="26" name="直線單箭頭接點 25">
+            <a:extLst>
+              <a:ext uri="{FF2B5EF4-FFF2-40B4-BE49-F238E27FC236}">
+                <a16:creationId xmlns:a16="http://schemas.microsoft.com/office/drawing/2014/main" id="{F23680AC-21F4-4EFB-9B7C-D8937F257DC2}"/>
+              </a:ext>
+            </a:extLst>
+          </p:cNvPr>
+          <p:cNvCxnSpPr>
+            <a:cxnSpLocks/>
+          </p:cNvCxnSpPr>
+          <p:nvPr/>
+        </p:nvCxnSpPr>
+        <p:spPr>
+          <a:xfrm>
+            <a:off x="4404754" y="3329953"/>
+            <a:ext cx="0" cy="411577"/>
+          </a:xfrm>
+          <a:prstGeom prst="straightConnector1">
+            <a:avLst/>
+          </a:prstGeom>
+          <a:ln w="50800">
+            <a:tailEnd type="triangle" w="lg" len="med"/>
+          </a:ln>
+        </p:spPr>
+        <p:style>
+          <a:lnRef idx="1">
+            <a:schemeClr val="accent1"/>
+          </a:lnRef>
+          <a:fillRef idx="0">
+            <a:schemeClr val="accent1"/>
+          </a:fillRef>
+          <a:effectRef idx="0">
+            <a:schemeClr val="accent1"/>
+          </a:effectRef>
+          <a:fontRef idx="minor">
+            <a:schemeClr val="tx1"/>
+          </a:fontRef>
+        </p:style>
+      </p:cxnSp>
+      <p:cxnSp>
+        <p:nvCxnSpPr>
+          <p:cNvPr id="28" name="直線單箭頭接點 27">
+            <a:extLst>
+              <a:ext uri="{FF2B5EF4-FFF2-40B4-BE49-F238E27FC236}">
+                <a16:creationId xmlns:a16="http://schemas.microsoft.com/office/drawing/2014/main" id="{2286DE0B-8B7D-46B1-9E54-4B0540A908BB}"/>
+              </a:ext>
+            </a:extLst>
+          </p:cNvPr>
+          <p:cNvCxnSpPr>
+            <a:cxnSpLocks/>
+          </p:cNvCxnSpPr>
+          <p:nvPr/>
+        </p:nvCxnSpPr>
+        <p:spPr>
+          <a:xfrm>
+            <a:off x="8734096" y="3741530"/>
+            <a:ext cx="0" cy="411577"/>
+          </a:xfrm>
+          <a:prstGeom prst="straightConnector1">
+            <a:avLst/>
+          </a:prstGeom>
+          <a:ln w="50800">
+            <a:tailEnd type="triangle" w="lg" len="med"/>
+          </a:ln>
+        </p:spPr>
+        <p:style>
+          <a:lnRef idx="1">
+            <a:schemeClr val="accent1"/>
+          </a:lnRef>
+          <a:fillRef idx="0">
+            <a:schemeClr val="accent1"/>
+          </a:fillRef>
+          <a:effectRef idx="0">
+            <a:schemeClr val="accent1"/>
+          </a:effectRef>
+          <a:fontRef idx="minor">
+            <a:schemeClr val="tx1"/>
+          </a:fontRef>
+        </p:style>
+      </p:cxnSp>
     </p:spTree>
     <p:extLst>
       <p:ext uri="{BB962C8B-B14F-4D97-AF65-F5344CB8AC3E}">
@@ -7186,7 +7358,7 @@
 </p:sld>
 </file>
 
-<file path=ppt/slides/slide24.xml><?xml version="1.0" encoding="utf-8"?>
+<file path=ppt/slides/slide23.xml><?xml version="1.0" encoding="utf-8"?>
 <p:sld xmlns:a="http://schemas.openxmlformats.org/drawingml/2006/main" xmlns:r="http://schemas.openxmlformats.org/officeDocument/2006/relationships" xmlns:p="http://schemas.openxmlformats.org/presentationml/2006/main">
   <p:cSld>
     <p:spTree>
@@ -7520,6 +7692,141 @@
 </p:sld>
 </file>
 
+<file path=ppt/slides/slide24.xml><?xml version="1.0" encoding="utf-8"?>
+<p:sld xmlns:a="http://schemas.openxmlformats.org/drawingml/2006/main" xmlns:r="http://schemas.openxmlformats.org/officeDocument/2006/relationships" xmlns:p="http://schemas.openxmlformats.org/presentationml/2006/main">
+  <p:cSld>
+    <p:spTree>
+      <p:nvGrpSpPr>
+        <p:cNvPr id="1" name=""/>
+        <p:cNvGrpSpPr/>
+        <p:nvPr/>
+      </p:nvGrpSpPr>
+      <p:grpSpPr>
+        <a:xfrm>
+          <a:off x="0" y="0"/>
+          <a:ext cx="0" cy="0"/>
+          <a:chOff x="0" y="0"/>
+          <a:chExt cx="0" cy="0"/>
+        </a:xfrm>
+      </p:grpSpPr>
+      <p:sp>
+        <p:nvSpPr>
+          <p:cNvPr id="2" name="標題 1">
+            <a:extLst>
+              <a:ext uri="{FF2B5EF4-FFF2-40B4-BE49-F238E27FC236}">
+                <a16:creationId xmlns:a16="http://schemas.microsoft.com/office/drawing/2014/main" id="{90240F52-59BE-4459-8FC7-1027F21A8322}"/>
+              </a:ext>
+            </a:extLst>
+          </p:cNvPr>
+          <p:cNvSpPr>
+            <a:spLocks noGrp="1"/>
+          </p:cNvSpPr>
+          <p:nvPr>
+            <p:ph type="title"/>
+          </p:nvPr>
+        </p:nvSpPr>
+        <p:spPr/>
+        <p:txBody>
+          <a:bodyPr/>
+          <a:lstStyle/>
+          <a:p>
+            <a:r>
+              <a:rPr lang="zh-TW" altLang="en-US" dirty="0"/>
+              <a:t>避免射後不理</a:t>
+            </a:r>
+          </a:p>
+        </p:txBody>
+      </p:sp>
+      <p:sp>
+        <p:nvSpPr>
+          <p:cNvPr id="3" name="內容版面配置區 2">
+            <a:extLst>
+              <a:ext uri="{FF2B5EF4-FFF2-40B4-BE49-F238E27FC236}">
+                <a16:creationId xmlns:a16="http://schemas.microsoft.com/office/drawing/2014/main" id="{37B99059-7847-43F7-A09C-5BB5349A24E4}"/>
+              </a:ext>
+            </a:extLst>
+          </p:cNvPr>
+          <p:cNvSpPr>
+            <a:spLocks noGrp="1"/>
+          </p:cNvSpPr>
+          <p:nvPr>
+            <p:ph idx="1"/>
+          </p:nvPr>
+        </p:nvSpPr>
+        <p:spPr/>
+        <p:txBody>
+          <a:bodyPr/>
+          <a:lstStyle/>
+          <a:p>
+            <a:r>
+              <a:rPr lang="en-US" altLang="zh-TW" dirty="0">
+                <a:latin typeface="Consolas" panose="020B0609020204030204" pitchFamily="49" charset="0"/>
+              </a:rPr>
+              <a:t>(O)</a:t>
+            </a:r>
+            <a:r>
+              <a:rPr lang="zh-TW" altLang="en-US" dirty="0">
+                <a:latin typeface="Consolas" panose="020B0609020204030204" pitchFamily="49" charset="0"/>
+              </a:rPr>
+              <a:t> </a:t>
+            </a:r>
+            <a:r>
+              <a:rPr lang="en-US" altLang="zh-TW" dirty="0">
+                <a:latin typeface="Consolas" panose="020B0609020204030204" pitchFamily="49" charset="0"/>
+              </a:rPr>
+              <a:t>await </a:t>
+            </a:r>
+            <a:r>
+              <a:rPr lang="en-US" altLang="zh-TW" dirty="0" err="1">
+                <a:latin typeface="Consolas" panose="020B0609020204030204" pitchFamily="49" charset="0"/>
+              </a:rPr>
+              <a:t>FooAsync</a:t>
+            </a:r>
+            <a:r>
+              <a:rPr lang="en-US" altLang="zh-TW" dirty="0">
+                <a:latin typeface="Consolas" panose="020B0609020204030204" pitchFamily="49" charset="0"/>
+              </a:rPr>
+              <a:t>();</a:t>
+            </a:r>
+          </a:p>
+          <a:p>
+            <a:r>
+              <a:rPr lang="en-US" altLang="zh-TW" dirty="0">
+                <a:latin typeface="Consolas" panose="020B0609020204030204" pitchFamily="49" charset="0"/>
+              </a:rPr>
+              <a:t>(X) </a:t>
+            </a:r>
+            <a:r>
+              <a:rPr lang="en-US" altLang="zh-TW" dirty="0" err="1">
+                <a:latin typeface="Consolas" panose="020B0609020204030204" pitchFamily="49" charset="0"/>
+              </a:rPr>
+              <a:t>FooAsync</a:t>
+            </a:r>
+            <a:r>
+              <a:rPr lang="en-US" altLang="zh-TW" dirty="0">
+                <a:latin typeface="Consolas" panose="020B0609020204030204" pitchFamily="49" charset="0"/>
+              </a:rPr>
+              <a:t>();</a:t>
+            </a:r>
+          </a:p>
+          <a:p>
+            <a:endParaRPr lang="zh-TW" altLang="en-US" dirty="0"/>
+          </a:p>
+        </p:txBody>
+      </p:sp>
+    </p:spTree>
+    <p:extLst>
+      <p:ext uri="{BB962C8B-B14F-4D97-AF65-F5344CB8AC3E}">
+        <p14:creationId xmlns:p14="http://schemas.microsoft.com/office/powerpoint/2010/main" val="2333696039"/>
+      </p:ext>
+    </p:extLst>
+  </p:cSld>
+  <p:clrMapOvr>
+    <a:masterClrMapping/>
+  </p:clrMapOvr>
+</p:sld>
+</file>
+
 <file path=ppt/slides/slide25.xml><?xml version="1.0" encoding="utf-8"?>
 <p:sld xmlns:a="http://schemas.openxmlformats.org/drawingml/2006/main" xmlns:r="http://schemas.openxmlformats.org/officeDocument/2006/relationships" xmlns:p="http://schemas.openxmlformats.org/presentationml/2006/main">
   <p:cSld>
@@ -7539,10 +7846,10 @@
       </p:grpSpPr>
       <p:sp>
         <p:nvSpPr>
-          <p:cNvPr id="2" name="標題 1">
+          <p:cNvPr id="4" name="標題 3">
             <a:extLst>
               <a:ext uri="{FF2B5EF4-FFF2-40B4-BE49-F238E27FC236}">
-                <a16:creationId xmlns:a16="http://schemas.microsoft.com/office/drawing/2014/main" id="{90240F52-59BE-4459-8FC7-1027F21A8322}"/>
+                <a16:creationId xmlns:a16="http://schemas.microsoft.com/office/drawing/2014/main" id="{79802D99-7E96-435A-90B2-8BC931D91380}"/>
               </a:ext>
             </a:extLst>
           </p:cNvPr>
@@ -7550,7 +7857,7 @@
             <a:spLocks noGrp="1"/>
           </p:cNvSpPr>
           <p:nvPr>
-            <p:ph type="title"/>
+            <p:ph type="ctrTitle"/>
           </p:nvPr>
         </p:nvSpPr>
         <p:spPr/>
@@ -7559,18 +7866,19 @@
           <a:lstStyle/>
           <a:p>
             <a:r>
-              <a:rPr lang="zh-TW" altLang="en-US" dirty="0"/>
-              <a:t>避免射後不理</a:t>
-            </a:r>
-          </a:p>
-        </p:txBody>
-      </p:sp>
-      <p:sp>
-        <p:nvSpPr>
-          <p:cNvPr id="3" name="內容版面配置區 2">
+              <a:rPr lang="en-US" altLang="zh-TW" dirty="0"/>
+              <a:t>End</a:t>
+            </a:r>
+            <a:endParaRPr lang="zh-TW" altLang="en-US" dirty="0"/>
+          </a:p>
+        </p:txBody>
+      </p:sp>
+      <p:sp>
+        <p:nvSpPr>
+          <p:cNvPr id="5" name="副標題 4">
             <a:extLst>
               <a:ext uri="{FF2B5EF4-FFF2-40B4-BE49-F238E27FC236}">
-                <a16:creationId xmlns:a16="http://schemas.microsoft.com/office/drawing/2014/main" id="{37B99059-7847-43F7-A09C-5BB5349A24E4}"/>
+                <a16:creationId xmlns:a16="http://schemas.microsoft.com/office/drawing/2014/main" id="{FB6F8CDE-4348-4CC4-9C0A-802F4FB2F8CF}"/>
               </a:ext>
             </a:extLst>
           </p:cNvPr>
@@ -7578,7 +7886,7 @@
             <a:spLocks noGrp="1"/>
           </p:cNvSpPr>
           <p:nvPr>
-            <p:ph idx="1"/>
+            <p:ph type="subTitle" idx="1"/>
           </p:nvPr>
         </p:nvSpPr>
         <p:spPr/>
@@ -7586,66 +7894,14 @@
           <a:bodyPr/>
           <a:lstStyle/>
           <a:p>
-            <a:r>
-              <a:rPr lang="en-US" altLang="zh-TW" dirty="0">
-                <a:latin typeface="Consolas" panose="020B0609020204030204" pitchFamily="49" charset="0"/>
-              </a:rPr>
-              <a:t>(O)</a:t>
-            </a:r>
-            <a:r>
-              <a:rPr lang="zh-TW" altLang="en-US" dirty="0">
-                <a:latin typeface="Consolas" panose="020B0609020204030204" pitchFamily="49" charset="0"/>
-              </a:rPr>
-              <a:t> </a:t>
-            </a:r>
-            <a:r>
-              <a:rPr lang="en-US" altLang="zh-TW" dirty="0">
-                <a:latin typeface="Consolas" panose="020B0609020204030204" pitchFamily="49" charset="0"/>
-              </a:rPr>
-              <a:t>await </a:t>
-            </a:r>
-            <a:r>
-              <a:rPr lang="en-US" altLang="zh-TW" dirty="0" err="1">
-                <a:latin typeface="Consolas" panose="020B0609020204030204" pitchFamily="49" charset="0"/>
-              </a:rPr>
-              <a:t>FooAsync</a:t>
-            </a:r>
-            <a:r>
-              <a:rPr lang="en-US" altLang="zh-TW" dirty="0">
-                <a:latin typeface="Consolas" panose="020B0609020204030204" pitchFamily="49" charset="0"/>
-              </a:rPr>
-              <a:t>();</a:t>
-            </a:r>
-          </a:p>
-          <a:p>
-            <a:r>
-              <a:rPr lang="en-US" altLang="zh-TW" dirty="0">
-                <a:latin typeface="Consolas" panose="020B0609020204030204" pitchFamily="49" charset="0"/>
-              </a:rPr>
-              <a:t>(X) </a:t>
-            </a:r>
-            <a:r>
-              <a:rPr lang="en-US" altLang="zh-TW" dirty="0" err="1">
-                <a:latin typeface="Consolas" panose="020B0609020204030204" pitchFamily="49" charset="0"/>
-              </a:rPr>
-              <a:t>FooAsync</a:t>
-            </a:r>
-            <a:r>
-              <a:rPr lang="en-US" altLang="zh-TW" dirty="0">
-                <a:latin typeface="Consolas" panose="020B0609020204030204" pitchFamily="49" charset="0"/>
-              </a:rPr>
-              <a:t>();</a:t>
-            </a:r>
-          </a:p>
-          <a:p>
-            <a:endParaRPr lang="zh-TW" altLang="en-US" dirty="0"/>
+            <a:endParaRPr lang="zh-TW" altLang="en-US"/>
           </a:p>
         </p:txBody>
       </p:sp>
     </p:spTree>
     <p:extLst>
       <p:ext uri="{BB962C8B-B14F-4D97-AF65-F5344CB8AC3E}">
-        <p14:creationId xmlns:p14="http://schemas.microsoft.com/office/powerpoint/2010/main" val="2333696039"/>
+        <p14:creationId xmlns:p14="http://schemas.microsoft.com/office/powerpoint/2010/main" val="3127590772"/>
       </p:ext>
     </p:extLst>
   </p:cSld>
@@ -7658,6 +7914,14 @@
 <file path=ppt/slides/slide26.xml><?xml version="1.0" encoding="utf-8"?>
 <p:sld xmlns:a="http://schemas.openxmlformats.org/drawingml/2006/main" xmlns:r="http://schemas.openxmlformats.org/officeDocument/2006/relationships" xmlns:p="http://schemas.openxmlformats.org/presentationml/2006/main">
   <p:cSld>
+    <p:bg>
+      <p:bgPr>
+        <a:solidFill>
+          <a:schemeClr val="bg2"/>
+        </a:solidFill>
+        <a:effectLst/>
+      </p:bgPr>
+    </p:bg>
     <p:spTree>
       <p:nvGrpSpPr>
         <p:cNvPr id="1" name=""/>
@@ -7672,64 +7936,463 @@
           <a:chExt cx="0" cy="0"/>
         </a:xfrm>
       </p:grpSpPr>
-      <p:sp>
-        <p:nvSpPr>
-          <p:cNvPr id="4" name="標題 3">
+      <p:grpSp>
+        <p:nvGrpSpPr>
+          <p:cNvPr id="10" name="Group 9">
             <a:extLst>
               <a:ext uri="{FF2B5EF4-FFF2-40B4-BE49-F238E27FC236}">
-                <a16:creationId xmlns:a16="http://schemas.microsoft.com/office/drawing/2014/main" id="{79802D99-7E96-435A-90B2-8BC931D91380}"/>
+                <a16:creationId xmlns:a16="http://schemas.microsoft.com/office/drawing/2014/main" id="{449BC34D-9C23-4D6D-8213-1F471AF85B3F}"/>
+              </a:ext>
+              <a:ext uri="{C183D7F6-B498-43B3-948B-1728B52AA6E4}">
+                <adec:decorative xmlns:adec="http://schemas.microsoft.com/office/drawing/2017/decorative" val="1"/>
               </a:ext>
             </a:extLst>
           </p:cNvPr>
-          <p:cNvSpPr>
-            <a:spLocks noGrp="1"/>
-          </p:cNvSpPr>
-          <p:nvPr>
-            <p:ph type="ctrTitle"/>
-          </p:nvPr>
-        </p:nvSpPr>
-        <p:spPr/>
-        <p:txBody>
-          <a:bodyPr/>
-          <a:lstStyle/>
-          <a:p>
-            <a:r>
-              <a:rPr lang="en-US" altLang="zh-TW" dirty="0"/>
-              <a:t>End</a:t>
-            </a:r>
-            <a:endParaRPr lang="zh-TW" altLang="en-US" dirty="0"/>
-          </a:p>
-        </p:txBody>
-      </p:sp>
-      <p:sp>
-        <p:nvSpPr>
-          <p:cNvPr id="5" name="副標題 4">
+          <p:cNvGrpSpPr>
+            <a:grpSpLocks noGrp="1" noUngrp="1" noRot="1" noChangeAspect="1" noMove="1" noResize="1"/>
+          </p:cNvGrpSpPr>
+          <p:nvPr>
+            <p:extLst>
+              <p:ext uri="{386F3935-93C4-4BCD-93E2-E3B085C9AB24}">
+                <p16:designElem xmlns:p16="http://schemas.microsoft.com/office/powerpoint/2015/main" val="1"/>
+              </p:ext>
+            </p:extLst>
+          </p:nvPr>
+        </p:nvGrpSpPr>
+        <p:grpSpPr>
+          <a:xfrm>
+            <a:off x="752858" y="744469"/>
+            <a:ext cx="10674117" cy="5349671"/>
+            <a:chOff x="752858" y="744469"/>
+            <a:chExt cx="10674117" cy="5349671"/>
+          </a:xfrm>
+        </p:grpSpPr>
+        <p:sp>
+          <p:nvSpPr>
+            <p:cNvPr id="11" name="Freeform 6">
+              <a:extLst>
+                <a:ext uri="{FF2B5EF4-FFF2-40B4-BE49-F238E27FC236}">
+                  <a16:creationId xmlns:a16="http://schemas.microsoft.com/office/drawing/2014/main" id="{FA0F5D6C-5025-4D7E-82DD-C2C6FDA1E759}"/>
+                </a:ext>
+                <a:ext uri="{C183D7F6-B498-43B3-948B-1728B52AA6E4}">
+                  <adec:decorative xmlns:adec="http://schemas.microsoft.com/office/drawing/2017/decorative" val="1"/>
+                </a:ext>
+              </a:extLst>
+            </p:cNvPr>
+            <p:cNvSpPr/>
+            <p:nvPr>
+              <p:extLst>
+                <p:ext uri="{386F3935-93C4-4BCD-93E2-E3B085C9AB24}">
+                  <p16:designElem xmlns:p16="http://schemas.microsoft.com/office/powerpoint/2015/main" val="1"/>
+                </p:ext>
+              </p:extLst>
+            </p:nvPr>
+          </p:nvSpPr>
+          <p:spPr bwMode="auto">
+            <a:xfrm>
+              <a:off x="8151962" y="1685652"/>
+              <a:ext cx="3275013" cy="4408488"/>
+            </a:xfrm>
+            <a:custGeom>
+              <a:avLst/>
+              <a:gdLst/>
+              <a:ahLst/>
+              <a:cxnLst/>
+              <a:rect l="l" t="t" r="r" b="b"/>
+              <a:pathLst>
+                <a:path w="10000" h="10000">
+                  <a:moveTo>
+                    <a:pt x="8761" y="0"/>
+                  </a:moveTo>
+                  <a:lnTo>
+                    <a:pt x="10000" y="0"/>
+                  </a:lnTo>
+                  <a:lnTo>
+                    <a:pt x="10000" y="10000"/>
+                  </a:lnTo>
+                  <a:lnTo>
+                    <a:pt x="0" y="10000"/>
+                  </a:lnTo>
+                  <a:lnTo>
+                    <a:pt x="0" y="9126"/>
+                  </a:lnTo>
+                  <a:lnTo>
+                    <a:pt x="8761" y="9127"/>
+                  </a:lnTo>
+                  <a:lnTo>
+                    <a:pt x="8761" y="0"/>
+                  </a:lnTo>
+                  <a:close/>
+                </a:path>
+              </a:pathLst>
+            </a:custGeom>
+            <a:solidFill>
+              <a:schemeClr val="tx2"/>
+            </a:solidFill>
+            <a:ln w="0">
+              <a:noFill/>
+              <a:prstDash val="solid"/>
+              <a:round/>
+              <a:headEnd/>
+              <a:tailEnd/>
+            </a:ln>
+          </p:spPr>
+        </p:sp>
+        <p:sp>
+          <p:nvSpPr>
+            <p:cNvPr id="12" name="Freeform 6">
+              <a:extLst>
+                <a:ext uri="{FF2B5EF4-FFF2-40B4-BE49-F238E27FC236}">
+                  <a16:creationId xmlns:a16="http://schemas.microsoft.com/office/drawing/2014/main" id="{E2AF2C17-4AB4-4402-B84B-129EF95D161C}"/>
+                </a:ext>
+                <a:ext uri="{C183D7F6-B498-43B3-948B-1728B52AA6E4}">
+                  <adec:decorative xmlns:adec="http://schemas.microsoft.com/office/drawing/2017/decorative" val="1"/>
+                </a:ext>
+              </a:extLst>
+            </p:cNvPr>
+            <p:cNvSpPr/>
+            <p:nvPr>
+              <p:extLst>
+                <p:ext uri="{386F3935-93C4-4BCD-93E2-E3B085C9AB24}">
+                  <p16:designElem xmlns:p16="http://schemas.microsoft.com/office/powerpoint/2015/main" val="1"/>
+                </p:ext>
+              </p:extLst>
+            </p:nvPr>
+          </p:nvSpPr>
+          <p:spPr bwMode="auto">
+            <a:xfrm flipH="1" flipV="1">
+              <a:off x="752858" y="744469"/>
+              <a:ext cx="3275668" cy="4408488"/>
+            </a:xfrm>
+            <a:custGeom>
+              <a:avLst/>
+              <a:gdLst/>
+              <a:ahLst/>
+              <a:cxnLst/>
+              <a:rect l="l" t="t" r="r" b="b"/>
+              <a:pathLst>
+                <a:path w="10002" h="10000">
+                  <a:moveTo>
+                    <a:pt x="8763" y="0"/>
+                  </a:moveTo>
+                  <a:lnTo>
+                    <a:pt x="10002" y="0"/>
+                  </a:lnTo>
+                  <a:lnTo>
+                    <a:pt x="10002" y="10000"/>
+                  </a:lnTo>
+                  <a:lnTo>
+                    <a:pt x="2" y="10000"/>
+                  </a:lnTo>
+                  <a:cubicBezTo>
+                    <a:pt x="-2" y="9698"/>
+                    <a:pt x="4" y="9427"/>
+                    <a:pt x="0" y="9125"/>
+                  </a:cubicBezTo>
+                  <a:lnTo>
+                    <a:pt x="8763" y="9128"/>
+                  </a:lnTo>
+                  <a:lnTo>
+                    <a:pt x="8763" y="0"/>
+                  </a:lnTo>
+                  <a:close/>
+                </a:path>
+              </a:pathLst>
+            </a:custGeom>
+            <a:solidFill>
+              <a:schemeClr val="tx2"/>
+            </a:solidFill>
+            <a:ln w="0">
+              <a:noFill/>
+              <a:prstDash val="solid"/>
+              <a:round/>
+              <a:headEnd/>
+              <a:tailEnd/>
+            </a:ln>
+          </p:spPr>
+        </p:sp>
+      </p:grpSp>
+      <p:sp useBgFill="1">
+        <p:nvSpPr>
+          <p:cNvPr id="14" name="Rectangle 13">
             <a:extLst>
               <a:ext uri="{FF2B5EF4-FFF2-40B4-BE49-F238E27FC236}">
-                <a16:creationId xmlns:a16="http://schemas.microsoft.com/office/drawing/2014/main" id="{FB6F8CDE-4348-4CC4-9C0A-802F4FB2F8CF}"/>
+                <a16:creationId xmlns:a16="http://schemas.microsoft.com/office/drawing/2014/main" id="{CB73C468-D875-4A8E-A540-E43BF8232DD4}"/>
+              </a:ext>
+              <a:ext uri="{C183D7F6-B498-43B3-948B-1728B52AA6E4}">
+                <adec:decorative xmlns:adec="http://schemas.microsoft.com/office/drawing/2017/decorative" val="1"/>
               </a:ext>
             </a:extLst>
           </p:cNvPr>
           <p:cNvSpPr>
-            <a:spLocks noGrp="1"/>
-          </p:cNvSpPr>
-          <p:nvPr>
-            <p:ph type="subTitle" idx="1"/>
-          </p:nvPr>
-        </p:nvSpPr>
-        <p:spPr/>
-        <p:txBody>
-          <a:bodyPr/>
+            <a:spLocks noGrp="1" noRot="1" noChangeAspect="1" noMove="1" noResize="1" noEditPoints="1" noAdjustHandles="1" noChangeArrowheads="1" noChangeShapeType="1" noTextEdit="1"/>
+          </p:cNvSpPr>
+          <p:nvPr>
+            <p:extLst>
+              <p:ext uri="{386F3935-93C4-4BCD-93E2-E3B085C9AB24}">
+                <p16:designElem xmlns:p16="http://schemas.microsoft.com/office/powerpoint/2015/main" val="1"/>
+              </p:ext>
+            </p:extLst>
+          </p:nvPr>
+        </p:nvSpPr>
+        <p:spPr>
+          <a:xfrm>
+            <a:off x="0" y="0"/>
+            <a:ext cx="12192000" cy="6858000"/>
+          </a:xfrm>
+          <a:prstGeom prst="rect">
+            <a:avLst/>
+          </a:prstGeom>
+          <a:ln>
+            <a:noFill/>
+          </a:ln>
+        </p:spPr>
+        <p:style>
+          <a:lnRef idx="2">
+            <a:schemeClr val="accent1">
+              <a:shade val="50000"/>
+            </a:schemeClr>
+          </a:lnRef>
+          <a:fillRef idx="1001">
+            <a:schemeClr val="lt2"/>
+          </a:fillRef>
+          <a:effectRef idx="0">
+            <a:schemeClr val="accent1"/>
+          </a:effectRef>
+          <a:fontRef idx="minor">
+            <a:schemeClr val="lt1"/>
+          </a:fontRef>
+        </p:style>
+        <p:txBody>
+          <a:bodyPr rtlCol="0" anchor="ctr"/>
           <a:lstStyle/>
           <a:p>
-            <a:endParaRPr lang="zh-TW" altLang="en-US"/>
-          </a:p>
-        </p:txBody>
-      </p:sp>
+            <a:pPr algn="ctr"/>
+            <a:endParaRPr lang="en-US"/>
+          </a:p>
+        </p:txBody>
+      </p:sp>
+      <p:sp>
+        <p:nvSpPr>
+          <p:cNvPr id="2" name="標題 1">
+            <a:extLst>
+              <a:ext uri="{FF2B5EF4-FFF2-40B4-BE49-F238E27FC236}">
+                <a16:creationId xmlns:a16="http://schemas.microsoft.com/office/drawing/2014/main" id="{C8669309-52EB-472E-B640-1BA9179E9939}"/>
+              </a:ext>
+            </a:extLst>
+          </p:cNvPr>
+          <p:cNvSpPr>
+            <a:spLocks noGrp="1"/>
+          </p:cNvSpPr>
+          <p:nvPr>
+            <p:ph type="title"/>
+          </p:nvPr>
+        </p:nvSpPr>
+        <p:spPr>
+          <a:xfrm>
+            <a:off x="6628732" y="2822414"/>
+            <a:ext cx="4798243" cy="1067482"/>
+          </a:xfrm>
+        </p:spPr>
+        <p:txBody>
+          <a:bodyPr vert="horz" lIns="91440" tIns="45720" rIns="91440" bIns="45720" rtlCol="0" anchor="b">
+            <a:normAutofit/>
+          </a:bodyPr>
+          <a:lstStyle/>
+          <a:p>
+            <a:pPr algn="ctr"/>
+            <a:r>
+              <a:rPr lang="zh-TW" altLang="en-US" sz="6000" cap="all" dirty="0"/>
+              <a:t>課後回饋問卷</a:t>
+            </a:r>
+            <a:endParaRPr lang="en-US" altLang="zh-TW" sz="6000" cap="all" dirty="0"/>
+          </a:p>
+        </p:txBody>
+      </p:sp>
+      <p:sp>
+        <p:nvSpPr>
+          <p:cNvPr id="16" name="Freeform 6">
+            <a:extLst>
+              <a:ext uri="{FF2B5EF4-FFF2-40B4-BE49-F238E27FC236}">
+                <a16:creationId xmlns:a16="http://schemas.microsoft.com/office/drawing/2014/main" id="{B4734F2F-19FC-4D35-9BDE-5CEAD57D9B55}"/>
+              </a:ext>
+              <a:ext uri="{C183D7F6-B498-43B3-948B-1728B52AA6E4}">
+                <adec:decorative xmlns:adec="http://schemas.microsoft.com/office/drawing/2017/decorative" val="1"/>
+              </a:ext>
+            </a:extLst>
+          </p:cNvPr>
+          <p:cNvSpPr>
+            <a:spLocks noGrp="1" noRot="1" noChangeAspect="1" noMove="1" noResize="1" noEditPoints="1" noAdjustHandles="1" noChangeArrowheads="1" noChangeShapeType="1" noTextEdit="1"/>
+          </p:cNvSpPr>
+          <p:nvPr>
+            <p:extLst>
+              <p:ext uri="{386F3935-93C4-4BCD-93E2-E3B085C9AB24}">
+                <p16:designElem xmlns:p16="http://schemas.microsoft.com/office/powerpoint/2015/main" val="1"/>
+              </p:ext>
+            </p:extLst>
+          </p:nvPr>
+        </p:nvSpPr>
+        <p:spPr bwMode="auto">
+          <a:xfrm>
+            <a:off x="3027878" y="2016617"/>
+            <a:ext cx="3275013" cy="4408488"/>
+          </a:xfrm>
+          <a:custGeom>
+            <a:avLst/>
+            <a:gdLst/>
+            <a:ahLst/>
+            <a:cxnLst/>
+            <a:rect l="l" t="t" r="r" b="b"/>
+            <a:pathLst>
+              <a:path w="10000" h="10000">
+                <a:moveTo>
+                  <a:pt x="8761" y="0"/>
+                </a:moveTo>
+                <a:lnTo>
+                  <a:pt x="10000" y="0"/>
+                </a:lnTo>
+                <a:lnTo>
+                  <a:pt x="10000" y="10000"/>
+                </a:lnTo>
+                <a:lnTo>
+                  <a:pt x="0" y="10000"/>
+                </a:lnTo>
+                <a:lnTo>
+                  <a:pt x="0" y="9126"/>
+                </a:lnTo>
+                <a:lnTo>
+                  <a:pt x="8761" y="9127"/>
+                </a:lnTo>
+                <a:lnTo>
+                  <a:pt x="8761" y="0"/>
+                </a:lnTo>
+                <a:close/>
+              </a:path>
+            </a:pathLst>
+          </a:custGeom>
+          <a:solidFill>
+            <a:schemeClr val="tx2"/>
+          </a:solidFill>
+          <a:ln w="0">
+            <a:noFill/>
+            <a:prstDash val="solid"/>
+            <a:round/>
+            <a:headEnd/>
+            <a:tailEnd/>
+          </a:ln>
+        </p:spPr>
+      </p:sp>
+      <p:sp>
+        <p:nvSpPr>
+          <p:cNvPr id="18" name="Freeform 6">
+            <a:extLst>
+              <a:ext uri="{FF2B5EF4-FFF2-40B4-BE49-F238E27FC236}">
+                <a16:creationId xmlns:a16="http://schemas.microsoft.com/office/drawing/2014/main" id="{D97A8A26-FD96-4968-A34A-727382AC7E46}"/>
+              </a:ext>
+              <a:ext uri="{C183D7F6-B498-43B3-948B-1728B52AA6E4}">
+                <adec:decorative xmlns:adec="http://schemas.microsoft.com/office/drawing/2017/decorative" val="1"/>
+              </a:ext>
+            </a:extLst>
+          </p:cNvPr>
+          <p:cNvSpPr>
+            <a:spLocks noGrp="1" noRot="1" noChangeAspect="1" noMove="1" noResize="1" noEditPoints="1" noAdjustHandles="1" noChangeArrowheads="1" noChangeShapeType="1" noTextEdit="1"/>
+          </p:cNvSpPr>
+          <p:nvPr>
+            <p:extLst>
+              <p:ext uri="{386F3935-93C4-4BCD-93E2-E3B085C9AB24}">
+                <p16:designElem xmlns:p16="http://schemas.microsoft.com/office/powerpoint/2015/main" val="1"/>
+              </p:ext>
+            </p:extLst>
+          </p:nvPr>
+        </p:nvSpPr>
+        <p:spPr bwMode="auto">
+          <a:xfrm flipH="1" flipV="1">
+            <a:off x="649163" y="634028"/>
+            <a:ext cx="3275668" cy="4408488"/>
+          </a:xfrm>
+          <a:custGeom>
+            <a:avLst/>
+            <a:gdLst/>
+            <a:ahLst/>
+            <a:cxnLst/>
+            <a:rect l="l" t="t" r="r" b="b"/>
+            <a:pathLst>
+              <a:path w="10002" h="10000">
+                <a:moveTo>
+                  <a:pt x="8763" y="0"/>
+                </a:moveTo>
+                <a:lnTo>
+                  <a:pt x="10002" y="0"/>
+                </a:lnTo>
+                <a:lnTo>
+                  <a:pt x="10002" y="10000"/>
+                </a:lnTo>
+                <a:lnTo>
+                  <a:pt x="2" y="10000"/>
+                </a:lnTo>
+                <a:cubicBezTo>
+                  <a:pt x="-2" y="9698"/>
+                  <a:pt x="4" y="9427"/>
+                  <a:pt x="0" y="9125"/>
+                </a:cubicBezTo>
+                <a:lnTo>
+                  <a:pt x="8763" y="9128"/>
+                </a:lnTo>
+                <a:lnTo>
+                  <a:pt x="8763" y="0"/>
+                </a:lnTo>
+                <a:close/>
+              </a:path>
+            </a:pathLst>
+          </a:custGeom>
+          <a:solidFill>
+            <a:schemeClr val="tx2"/>
+          </a:solidFill>
+          <a:ln w="0">
+            <a:noFill/>
+            <a:prstDash val="solid"/>
+            <a:round/>
+            <a:headEnd/>
+            <a:tailEnd/>
+          </a:ln>
+        </p:spPr>
+      </p:sp>
+      <p:pic>
+        <p:nvPicPr>
+          <p:cNvPr id="5" name="內容版面配置區 4">
+            <a:extLst>
+              <a:ext uri="{FF2B5EF4-FFF2-40B4-BE49-F238E27FC236}">
+                <a16:creationId xmlns:a16="http://schemas.microsoft.com/office/drawing/2014/main" id="{C7079470-B0ED-4EC6-80AB-19C4CA806331}"/>
+              </a:ext>
+            </a:extLst>
+          </p:cNvPr>
+          <p:cNvPicPr>
+            <a:picLocks noGrp="1" noChangeAspect="1"/>
+          </p:cNvPicPr>
+          <p:nvPr>
+            <p:ph idx="1"/>
+          </p:nvPr>
+        </p:nvPicPr>
+        <p:blipFill>
+          <a:blip r:embed="rId2"/>
+          <a:stretch>
+            <a:fillRect/>
+          </a:stretch>
+        </p:blipFill>
+        <p:spPr>
+          <a:xfrm>
+            <a:off x="1371403" y="1425173"/>
+            <a:ext cx="4207669" cy="4207669"/>
+          </a:xfrm>
+          <a:prstGeom prst="rect">
+            <a:avLst/>
+          </a:prstGeom>
+        </p:spPr>
+      </p:pic>
     </p:spTree>
     <p:extLst>
       <p:ext uri="{BB962C8B-B14F-4D97-AF65-F5344CB8AC3E}">
-        <p14:creationId xmlns:p14="http://schemas.microsoft.com/office/powerpoint/2010/main" val="3127590772"/>
+        <p14:creationId xmlns:p14="http://schemas.microsoft.com/office/powerpoint/2010/main" val="1375688771"/>
       </p:ext>
     </p:extLst>
   </p:cSld>
@@ -8639,6 +9302,13 @@
               <a:rPr lang="zh-TW" altLang="en-US" dirty="0"/>
               <a:t>不同步</a:t>
             </a:r>
+            <a:endParaRPr lang="en-US" altLang="zh-TW" dirty="0"/>
+          </a:p>
+          <a:p>
+            <a:r>
+              <a:rPr lang="zh-TW" altLang="en-US" dirty="0"/>
+              <a:t>等待時不閒置</a:t>
+            </a:r>
           </a:p>
         </p:txBody>
       </p:sp>
@@ -8981,16 +9651,14 @@
           </a:prstGeom>
         </p:spPr>
         <p:style>
-          <a:lnRef idx="2">
-            <a:schemeClr val="accent1">
-              <a:shade val="50000"/>
-            </a:schemeClr>
+          <a:lnRef idx="3">
+            <a:schemeClr val="lt1"/>
           </a:lnRef>
           <a:fillRef idx="1">
-            <a:schemeClr val="accent1"/>
+            <a:schemeClr val="accent5"/>
           </a:fillRef>
-          <a:effectRef idx="0">
-            <a:schemeClr val="accent1"/>
+          <a:effectRef idx="1">
+            <a:schemeClr val="accent5"/>
           </a:effectRef>
           <a:fontRef idx="minor">
             <a:schemeClr val="lt1"/>

--- a/.NET非同步入門.pptx
+++ b/.NET非同步入門.pptx
@@ -10,27 +10,32 @@
     <p:sldId id="258" r:id="rId4"/>
     <p:sldId id="261" r:id="rId5"/>
     <p:sldId id="281" r:id="rId6"/>
-    <p:sldId id="260" r:id="rId7"/>
-    <p:sldId id="277" r:id="rId8"/>
-    <p:sldId id="279" r:id="rId9"/>
-    <p:sldId id="278" r:id="rId10"/>
-    <p:sldId id="262" r:id="rId11"/>
-    <p:sldId id="263" r:id="rId12"/>
-    <p:sldId id="269" r:id="rId13"/>
-    <p:sldId id="264" r:id="rId14"/>
-    <p:sldId id="265" r:id="rId15"/>
-    <p:sldId id="268" r:id="rId16"/>
-    <p:sldId id="266" r:id="rId17"/>
-    <p:sldId id="267" r:id="rId18"/>
-    <p:sldId id="274" r:id="rId19"/>
-    <p:sldId id="282" r:id="rId20"/>
-    <p:sldId id="276" r:id="rId21"/>
-    <p:sldId id="271" r:id="rId22"/>
-    <p:sldId id="280" r:id="rId23"/>
-    <p:sldId id="272" r:id="rId24"/>
-    <p:sldId id="275" r:id="rId25"/>
-    <p:sldId id="273" r:id="rId26"/>
-    <p:sldId id="284" r:id="rId27"/>
+    <p:sldId id="266" r:id="rId7"/>
+    <p:sldId id="267" r:id="rId8"/>
+    <p:sldId id="274" r:id="rId9"/>
+    <p:sldId id="282" r:id="rId10"/>
+    <p:sldId id="276" r:id="rId11"/>
+    <p:sldId id="288" r:id="rId12"/>
+    <p:sldId id="260" r:id="rId13"/>
+    <p:sldId id="277" r:id="rId14"/>
+    <p:sldId id="279" r:id="rId15"/>
+    <p:sldId id="287" r:id="rId16"/>
+    <p:sldId id="278" r:id="rId17"/>
+    <p:sldId id="262" r:id="rId18"/>
+    <p:sldId id="263" r:id="rId19"/>
+    <p:sldId id="269" r:id="rId20"/>
+    <p:sldId id="264" r:id="rId21"/>
+    <p:sldId id="265" r:id="rId22"/>
+    <p:sldId id="268" r:id="rId23"/>
+    <p:sldId id="271" r:id="rId24"/>
+    <p:sldId id="285" r:id="rId25"/>
+    <p:sldId id="280" r:id="rId26"/>
+    <p:sldId id="272" r:id="rId27"/>
+    <p:sldId id="286" r:id="rId28"/>
+    <p:sldId id="289" r:id="rId29"/>
+    <p:sldId id="275" r:id="rId30"/>
+    <p:sldId id="273" r:id="rId31"/>
+    <p:sldId id="284" r:id="rId32"/>
   </p:sldIdLst>
   <p:sldSz cx="12192000" cy="6858000"/>
   <p:notesSz cx="6858000" cy="9144000"/>
@@ -145,11 +150,22 @@
             <p14:sldId id="281"/>
           </p14:sldIdLst>
         </p14:section>
+        <p14:section name="how" id="{542B763A-1D32-4B98-B553-9350250128A4}">
+          <p14:sldIdLst>
+            <p14:sldId id="266"/>
+            <p14:sldId id="267"/>
+            <p14:sldId id="274"/>
+            <p14:sldId id="282"/>
+            <p14:sldId id="276"/>
+            <p14:sldId id="288"/>
+          </p14:sldIdLst>
+        </p14:section>
         <p14:section name="why" id="{3CECC8AB-BE2A-452E-9952-B003BF8B70EF}">
           <p14:sldIdLst>
             <p14:sldId id="260"/>
             <p14:sldId id="277"/>
             <p14:sldId id="279"/>
+            <p14:sldId id="287"/>
             <p14:sldId id="278"/>
           </p14:sldIdLst>
         </p14:section>
@@ -167,20 +183,14 @@
             <p14:sldId id="268"/>
           </p14:sldIdLst>
         </p14:section>
-        <p14:section name="how" id="{542B763A-1D32-4B98-B553-9350250128A4}">
-          <p14:sldIdLst>
-            <p14:sldId id="266"/>
-            <p14:sldId id="267"/>
-            <p14:sldId id="274"/>
-            <p14:sldId id="282"/>
-            <p14:sldId id="276"/>
-          </p14:sldIdLst>
-        </p14:section>
         <p14:section name="warning" id="{7FBA17BD-7DEE-4730-9694-BA0BE8AFBBF2}">
           <p14:sldIdLst>
             <p14:sldId id="271"/>
+            <p14:sldId id="285"/>
             <p14:sldId id="280"/>
             <p14:sldId id="272"/>
+            <p14:sldId id="286"/>
+            <p14:sldId id="289"/>
             <p14:sldId id="275"/>
           </p14:sldIdLst>
         </p14:section>
@@ -3983,10 +3993,10 @@
       </p:grpSpPr>
       <p:sp>
         <p:nvSpPr>
-          <p:cNvPr id="4" name="標題 3">
+          <p:cNvPr id="2" name="標題 1">
             <a:extLst>
               <a:ext uri="{FF2B5EF4-FFF2-40B4-BE49-F238E27FC236}">
-                <a16:creationId xmlns:a16="http://schemas.microsoft.com/office/drawing/2014/main" id="{BD4D1AC1-EA7F-4517-B8A1-C8C04888B929}"/>
+                <a16:creationId xmlns:a16="http://schemas.microsoft.com/office/drawing/2014/main" id="{375E1AF3-3882-40CA-A050-39AC4380C4C4}"/>
               </a:ext>
             </a:extLst>
           </p:cNvPr>
@@ -4004,8 +4014,106 @@
           <a:p>
             <a:r>
               <a:rPr lang="zh-TW" altLang="en-US" dirty="0"/>
-              <a:t>什麼時候要用非同步</a:t>
-            </a:r>
+              <a:t>怎麼用非同步</a:t>
+            </a:r>
+            <a:r>
+              <a:rPr lang="en-US" altLang="zh-TW" dirty="0"/>
+              <a:t>—Lambda</a:t>
+            </a:r>
+            <a:endParaRPr lang="zh-TW" altLang="en-US" dirty="0"/>
+          </a:p>
+        </p:txBody>
+      </p:sp>
+      <p:sp>
+        <p:nvSpPr>
+          <p:cNvPr id="4" name="文字版面配置區 3">
+            <a:extLst>
+              <a:ext uri="{FF2B5EF4-FFF2-40B4-BE49-F238E27FC236}">
+                <a16:creationId xmlns:a16="http://schemas.microsoft.com/office/drawing/2014/main" id="{181CE145-9952-493A-888F-38A8E2327298}"/>
+              </a:ext>
+            </a:extLst>
+          </p:cNvPr>
+          <p:cNvSpPr>
+            <a:spLocks noGrp="1"/>
+          </p:cNvSpPr>
+          <p:nvPr>
+            <p:ph type="body" idx="1"/>
+          </p:nvPr>
+        </p:nvSpPr>
+        <p:spPr>
+          <a:xfrm>
+            <a:off x="1371600" y="1516952"/>
+            <a:ext cx="4443984" cy="823912"/>
+          </a:xfrm>
+        </p:spPr>
+        <p:txBody>
+          <a:bodyPr/>
+          <a:lstStyle/>
+          <a:p>
+            <a:r>
+              <a:rPr lang="zh-TW" altLang="en-US" dirty="0"/>
+              <a:t>同步</a:t>
+            </a:r>
+          </a:p>
+        </p:txBody>
+      </p:sp>
+      <p:sp>
+        <p:nvSpPr>
+          <p:cNvPr id="3" name="內容版面配置區 2">
+            <a:extLst>
+              <a:ext uri="{FF2B5EF4-FFF2-40B4-BE49-F238E27FC236}">
+                <a16:creationId xmlns:a16="http://schemas.microsoft.com/office/drawing/2014/main" id="{4877105D-F782-4702-BD7A-A4E0F46A3650}"/>
+              </a:ext>
+            </a:extLst>
+          </p:cNvPr>
+          <p:cNvSpPr>
+            <a:spLocks noGrp="1"/>
+          </p:cNvSpPr>
+          <p:nvPr>
+            <p:ph sz="half" idx="2"/>
+          </p:nvPr>
+        </p:nvSpPr>
+        <p:spPr>
+          <a:xfrm>
+            <a:off x="1371600" y="2340865"/>
+            <a:ext cx="4443984" cy="3526536"/>
+          </a:xfrm>
+        </p:spPr>
+        <p:txBody>
+          <a:bodyPr/>
+          <a:lstStyle/>
+          <a:p>
+            <a:r>
+              <a:rPr lang="en-US" altLang="zh-TW" dirty="0">
+                <a:latin typeface="Consolas" panose="020B0609020204030204" pitchFamily="49" charset="0"/>
+              </a:rPr>
+              <a:t>Foo(()=&gt;{</a:t>
+            </a:r>
+          </a:p>
+          <a:p>
+            <a:pPr marL="0" indent="0">
+              <a:buNone/>
+            </a:pPr>
+            <a:r>
+              <a:rPr lang="en-US" altLang="zh-TW" dirty="0">
+                <a:latin typeface="Consolas" panose="020B0609020204030204" pitchFamily="49" charset="0"/>
+              </a:rPr>
+              <a:t>  	Bar();</a:t>
+            </a:r>
+          </a:p>
+          <a:p>
+            <a:pPr marL="0" indent="0">
+              <a:buNone/>
+            </a:pPr>
+            <a:r>
+              <a:rPr lang="en-US" altLang="zh-TW" dirty="0">
+                <a:latin typeface="Consolas" panose="020B0609020204030204" pitchFamily="49" charset="0"/>
+              </a:rPr>
+              <a:t>  })</a:t>
+            </a:r>
+            <a:endParaRPr lang="zh-TW" altLang="en-US" dirty="0">
+              <a:latin typeface="Consolas" panose="020B0609020204030204" pitchFamily="49" charset="0"/>
+            </a:endParaRPr>
           </a:p>
         </p:txBody>
       </p:sp>
@@ -4014,7 +4122,7 @@
           <p:cNvPr id="5" name="文字版面配置區 4">
             <a:extLst>
               <a:ext uri="{FF2B5EF4-FFF2-40B4-BE49-F238E27FC236}">
-                <a16:creationId xmlns:a16="http://schemas.microsoft.com/office/drawing/2014/main" id="{FB99B319-881C-4A6A-9C57-D26A187CAADA}"/>
+                <a16:creationId xmlns:a16="http://schemas.microsoft.com/office/drawing/2014/main" id="{942B86E4-C93F-49AE-B1E3-B5BD1344E2BB}"/>
               </a:ext>
             </a:extLst>
           </p:cNvPr>
@@ -4022,22 +4130,114 @@
             <a:spLocks noGrp="1"/>
           </p:cNvSpPr>
           <p:nvPr>
-            <p:ph type="body" idx="1"/>
-          </p:nvPr>
-        </p:nvSpPr>
-        <p:spPr/>
-        <p:txBody>
-          <a:bodyPr/>
-          <a:lstStyle/>
-          <a:p>
-            <a:endParaRPr lang="zh-TW" altLang="en-US"/>
+            <p:ph type="body" sz="quarter" idx="3"/>
+          </p:nvPr>
+        </p:nvSpPr>
+        <p:spPr>
+          <a:xfrm>
+            <a:off x="6525014" y="1516952"/>
+            <a:ext cx="4443984" cy="823912"/>
+          </a:xfrm>
+        </p:spPr>
+        <p:txBody>
+          <a:bodyPr/>
+          <a:lstStyle/>
+          <a:p>
+            <a:r>
+              <a:rPr lang="zh-TW" altLang="en-US" dirty="0"/>
+              <a:t>非同步</a:t>
+            </a:r>
+          </a:p>
+        </p:txBody>
+      </p:sp>
+      <p:sp>
+        <p:nvSpPr>
+          <p:cNvPr id="6" name="內容版面配置區 5">
+            <a:extLst>
+              <a:ext uri="{FF2B5EF4-FFF2-40B4-BE49-F238E27FC236}">
+                <a16:creationId xmlns:a16="http://schemas.microsoft.com/office/drawing/2014/main" id="{53C35351-5CFA-4BAB-8FA2-88082AB12F8E}"/>
+              </a:ext>
+            </a:extLst>
+          </p:cNvPr>
+          <p:cNvSpPr>
+            <a:spLocks noGrp="1"/>
+          </p:cNvSpPr>
+          <p:nvPr>
+            <p:ph sz="quarter" idx="4"/>
+          </p:nvPr>
+        </p:nvSpPr>
+        <p:spPr>
+          <a:xfrm>
+            <a:off x="6525013" y="2340865"/>
+            <a:ext cx="5153415" cy="3526536"/>
+          </a:xfrm>
+        </p:spPr>
+        <p:txBody>
+          <a:bodyPr/>
+          <a:lstStyle/>
+          <a:p>
+            <a:r>
+              <a:rPr lang="en-US" altLang="zh-TW" dirty="0">
+                <a:latin typeface="Consolas" panose="020B0609020204030204" pitchFamily="49" charset="0"/>
+              </a:rPr>
+              <a:t>Foo(async ()=&gt;{</a:t>
+            </a:r>
+          </a:p>
+          <a:p>
+            <a:pPr marL="0" indent="0">
+              <a:buNone/>
+            </a:pPr>
+            <a:r>
+              <a:rPr lang="en-US" altLang="zh-TW" dirty="0">
+                <a:latin typeface="Consolas" panose="020B0609020204030204" pitchFamily="49" charset="0"/>
+              </a:rPr>
+              <a:t>  	await </a:t>
+            </a:r>
+            <a:r>
+              <a:rPr lang="en-US" altLang="zh-TW" dirty="0" err="1">
+                <a:latin typeface="Consolas" panose="020B0609020204030204" pitchFamily="49" charset="0"/>
+              </a:rPr>
+              <a:t>BarAsync</a:t>
+            </a:r>
+            <a:r>
+              <a:rPr lang="en-US" altLang="zh-TW" dirty="0">
+                <a:latin typeface="Consolas" panose="020B0609020204030204" pitchFamily="49" charset="0"/>
+              </a:rPr>
+              <a:t>();</a:t>
+            </a:r>
+          </a:p>
+          <a:p>
+            <a:pPr marL="0" indent="0">
+              <a:buNone/>
+            </a:pPr>
+            <a:r>
+              <a:rPr lang="en-US" altLang="zh-TW" dirty="0">
+                <a:latin typeface="Consolas" panose="020B0609020204030204" pitchFamily="49" charset="0"/>
+              </a:rPr>
+              <a:t>  })</a:t>
+            </a:r>
+          </a:p>
+          <a:p>
+            <a:pPr lvl="1"/>
+            <a:r>
+              <a:rPr lang="en-US" altLang="zh-TW" dirty="0">
+                <a:latin typeface="Consolas" panose="020B0609020204030204" pitchFamily="49" charset="0"/>
+              </a:rPr>
+              <a:t>delegate</a:t>
+            </a:r>
+            <a:r>
+              <a:rPr lang="zh-TW" altLang="en-US" dirty="0">
+                <a:latin typeface="Consolas" panose="020B0609020204030204" pitchFamily="49" charset="0"/>
+              </a:rPr>
+              <a:t>型別與同步不同</a:t>
+            </a:r>
           </a:p>
         </p:txBody>
       </p:sp>
     </p:spTree>
     <p:extLst>
       <p:ext uri="{BB962C8B-B14F-4D97-AF65-F5344CB8AC3E}">
-        <p14:creationId xmlns:p14="http://schemas.microsoft.com/office/powerpoint/2010/main" val="2293390487"/>
+        <p14:creationId xmlns:p14="http://schemas.microsoft.com/office/powerpoint/2010/main" val="861732010"/>
       </p:ext>
     </p:extLst>
   </p:cSld>
@@ -4066,10 +4266,10 @@
       </p:grpSpPr>
       <p:sp>
         <p:nvSpPr>
-          <p:cNvPr id="2" name="標題 1">
+          <p:cNvPr id="7" name="標題 6">
             <a:extLst>
               <a:ext uri="{FF2B5EF4-FFF2-40B4-BE49-F238E27FC236}">
-                <a16:creationId xmlns:a16="http://schemas.microsoft.com/office/drawing/2014/main" id="{52A2B961-E106-42D9-99DB-5B48152E8833}"/>
+                <a16:creationId xmlns:a16="http://schemas.microsoft.com/office/drawing/2014/main" id="{09A503DC-9054-4BF5-89D2-6165149C32F6}"/>
               </a:ext>
             </a:extLst>
           </p:cNvPr>
@@ -4087,17 +4287,17 @@
           <a:p>
             <a:r>
               <a:rPr lang="zh-TW" altLang="en-US" dirty="0"/>
-              <a:t>什麼時候要用非同步</a:t>
-            </a:r>
-          </a:p>
-        </p:txBody>
-      </p:sp>
-      <p:sp>
-        <p:nvSpPr>
-          <p:cNvPr id="3" name="內容版面配置區 2">
+              <a:t>怎麼用非同步</a:t>
+            </a:r>
+          </a:p>
+        </p:txBody>
+      </p:sp>
+      <p:sp>
+        <p:nvSpPr>
+          <p:cNvPr id="8" name="內容版面配置區 7">
             <a:extLst>
               <a:ext uri="{FF2B5EF4-FFF2-40B4-BE49-F238E27FC236}">
-                <a16:creationId xmlns:a16="http://schemas.microsoft.com/office/drawing/2014/main" id="{43B9F297-2F6E-4462-BDD1-8F868F25DC5B}"/>
+                <a16:creationId xmlns:a16="http://schemas.microsoft.com/office/drawing/2014/main" id="{52B3D862-C8D3-479C-B423-F1B23EEE4811}"/>
               </a:ext>
             </a:extLst>
           </p:cNvPr>
@@ -4108,87 +4308,23 @@
             <p:ph idx="1"/>
           </p:nvPr>
         </p:nvSpPr>
-        <p:spPr>
-          <a:xfrm>
-            <a:off x="1371600" y="2285999"/>
-            <a:ext cx="9601200" cy="4029959"/>
-          </a:xfrm>
-        </p:spPr>
-        <p:txBody>
-          <a:bodyPr>
-            <a:normAutofit/>
-          </a:bodyPr>
+        <p:spPr/>
+        <p:txBody>
+          <a:bodyPr/>
           <a:lstStyle/>
           <a:p>
             <a:r>
               <a:rPr lang="en-US" altLang="zh-TW" dirty="0"/>
-              <a:t>IO</a:t>
-            </a:r>
-          </a:p>
-          <a:p>
-            <a:pPr lvl="1"/>
-            <a:r>
-              <a:rPr lang="en-US" altLang="zh-TW" dirty="0"/>
-              <a:t>Disk</a:t>
-            </a:r>
-          </a:p>
-          <a:p>
-            <a:r>
-              <a:rPr lang="en-US" altLang="zh-TW" dirty="0"/>
-              <a:t>Network</a:t>
-            </a:r>
-          </a:p>
-          <a:p>
-            <a:pPr lvl="1"/>
-            <a:r>
-              <a:rPr lang="en-US" altLang="zh-TW" dirty="0"/>
-              <a:t>HTTP</a:t>
-            </a:r>
-          </a:p>
-          <a:p>
-            <a:pPr lvl="1"/>
-            <a:r>
-              <a:rPr lang="en-US" altLang="zh-TW" dirty="0"/>
-              <a:t>Database</a:t>
-            </a:r>
-          </a:p>
-          <a:p>
-            <a:pPr lvl="1"/>
-            <a:r>
-              <a:rPr lang="en-US" altLang="zh-TW" dirty="0"/>
-              <a:t>Redis</a:t>
-            </a:r>
-          </a:p>
-          <a:p>
-            <a:r>
-              <a:rPr lang="en-US" altLang="zh-TW" dirty="0"/>
-              <a:t>Library</a:t>
+              <a:t>Sample Code</a:t>
             </a:r>
             <a:r>
               <a:rPr lang="zh-TW" altLang="en-US" dirty="0"/>
-              <a:t>或</a:t>
-            </a:r>
-            <a:r>
-              <a:rPr lang="en-US" altLang="zh-TW" dirty="0"/>
-              <a:t>Framework</a:t>
-            </a:r>
-            <a:r>
-              <a:rPr lang="zh-TW" altLang="en-US" dirty="0"/>
-              <a:t>只提供非同步</a:t>
-            </a:r>
-            <a:r>
-              <a:rPr lang="en-US" altLang="zh-TW" dirty="0"/>
-              <a:t>API</a:t>
-            </a:r>
-          </a:p>
-          <a:p>
-            <a:pPr lvl="1"/>
-            <a:r>
-              <a:rPr lang="en-US" altLang="zh-TW" dirty="0"/>
-              <a:t>.NET Core</a:t>
-            </a:r>
-          </a:p>
-          <a:p>
+              <a:t>：</a:t>
+            </a:r>
+            <a:r>
+              <a:rPr lang="en-US" altLang="zh-TW" dirty="0" err="1"/>
+              <a:t>HowToUseAsync</a:t>
+            </a:r>
             <a:endParaRPr lang="zh-TW" altLang="en-US" dirty="0"/>
           </a:p>
         </p:txBody>
@@ -4196,7 +4332,7 @@
     </p:spTree>
     <p:extLst>
       <p:ext uri="{BB962C8B-B14F-4D97-AF65-F5344CB8AC3E}">
-        <p14:creationId xmlns:p14="http://schemas.microsoft.com/office/powerpoint/2010/main" val="1457471737"/>
+        <p14:creationId xmlns:p14="http://schemas.microsoft.com/office/powerpoint/2010/main" val="1118247907"/>
       </p:ext>
     </p:extLst>
   </p:cSld>
@@ -4225,10 +4361,10 @@
       </p:grpSpPr>
       <p:sp>
         <p:nvSpPr>
-          <p:cNvPr id="2" name="標題 1">
+          <p:cNvPr id="4" name="標題 3">
             <a:extLst>
               <a:ext uri="{FF2B5EF4-FFF2-40B4-BE49-F238E27FC236}">
-                <a16:creationId xmlns:a16="http://schemas.microsoft.com/office/drawing/2014/main" id="{FFE36D1B-5ED2-4A00-878C-6CAF180DBE55}"/>
+                <a16:creationId xmlns:a16="http://schemas.microsoft.com/office/drawing/2014/main" id="{BD4D1AC1-EA7F-4517-B8A1-C8C04888B929}"/>
               </a:ext>
             </a:extLst>
           </p:cNvPr>
@@ -4246,17 +4382,17 @@
           <a:p>
             <a:r>
               <a:rPr lang="zh-TW" altLang="en-US" dirty="0"/>
-              <a:t>什麼時候要用非同步</a:t>
-            </a:r>
-          </a:p>
-        </p:txBody>
-      </p:sp>
-      <p:sp>
-        <p:nvSpPr>
-          <p:cNvPr id="3" name="內容版面配置區 2">
+              <a:t>為什麼要用非同步</a:t>
+            </a:r>
+          </a:p>
+        </p:txBody>
+      </p:sp>
+      <p:sp>
+        <p:nvSpPr>
+          <p:cNvPr id="5" name="文字版面配置區 4">
             <a:extLst>
               <a:ext uri="{FF2B5EF4-FFF2-40B4-BE49-F238E27FC236}">
-                <a16:creationId xmlns:a16="http://schemas.microsoft.com/office/drawing/2014/main" id="{464FCDCB-32CE-482F-9AD7-B6C09B96468B}"/>
+                <a16:creationId xmlns:a16="http://schemas.microsoft.com/office/drawing/2014/main" id="{FB99B319-881C-4A6A-9C57-D26A187CAADA}"/>
               </a:ext>
             </a:extLst>
           </p:cNvPr>
@@ -4264,7 +4400,7 @@
             <a:spLocks noGrp="1"/>
           </p:cNvSpPr>
           <p:nvPr>
-            <p:ph idx="1"/>
+            <p:ph type="body" idx="1"/>
           </p:nvPr>
         </p:nvSpPr>
         <p:spPr/>
@@ -4272,48 +4408,14 @@
           <a:bodyPr/>
           <a:lstStyle/>
           <a:p>
-            <a:r>
-              <a:rPr lang="zh-TW" altLang="en-US" dirty="0"/>
-              <a:t>有</a:t>
-            </a:r>
-            <a:r>
-              <a:rPr lang="en-US" altLang="zh-TW" dirty="0"/>
-              <a:t>UI</a:t>
-            </a:r>
-            <a:r>
-              <a:rPr lang="zh-TW" altLang="en-US" dirty="0"/>
-              <a:t>的程式</a:t>
-            </a:r>
-            <a:endParaRPr lang="en-US" altLang="zh-TW" dirty="0"/>
-          </a:p>
-          <a:p>
-            <a:pPr lvl="1"/>
-            <a:r>
-              <a:rPr lang="zh-TW" altLang="en-US" dirty="0"/>
-              <a:t>視窗程式</a:t>
-            </a:r>
-            <a:endParaRPr lang="en-US" altLang="zh-TW" dirty="0"/>
-          </a:p>
-          <a:p>
-            <a:pPr lvl="1"/>
-            <a:r>
-              <a:rPr lang="en-US" altLang="zh-TW" dirty="0"/>
-              <a:t>APP</a:t>
-            </a:r>
-          </a:p>
-          <a:p>
-            <a:r>
-              <a:rPr lang="zh-TW" altLang="en-US" dirty="0"/>
-              <a:t>等待</a:t>
-            </a:r>
-            <a:endParaRPr lang="en-US" altLang="zh-TW" dirty="0"/>
+            <a:endParaRPr lang="zh-TW" altLang="en-US"/>
           </a:p>
         </p:txBody>
       </p:sp>
     </p:spTree>
     <p:extLst>
       <p:ext uri="{BB962C8B-B14F-4D97-AF65-F5344CB8AC3E}">
-        <p14:creationId xmlns:p14="http://schemas.microsoft.com/office/powerpoint/2010/main" val="470413712"/>
+        <p14:creationId xmlns:p14="http://schemas.microsoft.com/office/powerpoint/2010/main" val="3082163501"/>
       </p:ext>
     </p:extLst>
   </p:cSld>
@@ -4345,7 +4447,7 @@
           <p:cNvPr id="4" name="標題 3">
             <a:extLst>
               <a:ext uri="{FF2B5EF4-FFF2-40B4-BE49-F238E27FC236}">
-                <a16:creationId xmlns:a16="http://schemas.microsoft.com/office/drawing/2014/main" id="{BD4D1AC1-EA7F-4517-B8A1-C8C04888B929}"/>
+                <a16:creationId xmlns:a16="http://schemas.microsoft.com/office/drawing/2014/main" id="{14F95218-3B03-4269-A044-869A20EE9F61}"/>
               </a:ext>
             </a:extLst>
           </p:cNvPr>
@@ -4363,17 +4465,17 @@
           <a:p>
             <a:r>
               <a:rPr lang="zh-TW" altLang="en-US" dirty="0"/>
-              <a:t>非同步的優缺點</a:t>
-            </a:r>
-          </a:p>
-        </p:txBody>
-      </p:sp>
-      <p:sp>
-        <p:nvSpPr>
-          <p:cNvPr id="5" name="文字版面配置區 4">
+              <a:t>為什麼要用非同步</a:t>
+            </a:r>
+          </a:p>
+        </p:txBody>
+      </p:sp>
+      <p:sp>
+        <p:nvSpPr>
+          <p:cNvPr id="5" name="內容版面配置區 4">
             <a:extLst>
               <a:ext uri="{FF2B5EF4-FFF2-40B4-BE49-F238E27FC236}">
-                <a16:creationId xmlns:a16="http://schemas.microsoft.com/office/drawing/2014/main" id="{FB99B319-881C-4A6A-9C57-D26A187CAADA}"/>
+                <a16:creationId xmlns:a16="http://schemas.microsoft.com/office/drawing/2014/main" id="{EB79FF3C-27F9-4BAE-9CCD-639565478040}"/>
               </a:ext>
             </a:extLst>
           </p:cNvPr>
@@ -4381,7 +4483,7 @@
             <a:spLocks noGrp="1"/>
           </p:cNvSpPr>
           <p:nvPr>
-            <p:ph type="body" idx="1"/>
+            <p:ph idx="1"/>
           </p:nvPr>
         </p:nvSpPr>
         <p:spPr/>
@@ -4389,14 +4491,24 @@
           <a:bodyPr/>
           <a:lstStyle/>
           <a:p>
-            <a:endParaRPr lang="zh-TW" altLang="en-US"/>
+            <a:r>
+              <a:rPr lang="zh-TW" altLang="en-US" dirty="0"/>
+              <a:t>避免閒置資源浪費</a:t>
+            </a:r>
+            <a:endParaRPr lang="en-US" altLang="zh-TW" dirty="0"/>
+          </a:p>
+          <a:p>
+            <a:r>
+              <a:rPr lang="zh-TW" altLang="en-US" dirty="0"/>
+              <a:t>避免資源鎖死耗光執行續</a:t>
+            </a:r>
           </a:p>
         </p:txBody>
       </p:sp>
     </p:spTree>
     <p:extLst>
       <p:ext uri="{BB962C8B-B14F-4D97-AF65-F5344CB8AC3E}">
-        <p14:creationId xmlns:p14="http://schemas.microsoft.com/office/powerpoint/2010/main" val="1493767524"/>
+        <p14:creationId xmlns:p14="http://schemas.microsoft.com/office/powerpoint/2010/main" val="3933891694"/>
       </p:ext>
     </p:extLst>
   </p:cSld>
@@ -4428,7 +4540,7 @@
           <p:cNvPr id="2" name="標題 1">
             <a:extLst>
               <a:ext uri="{FF2B5EF4-FFF2-40B4-BE49-F238E27FC236}">
-                <a16:creationId xmlns:a16="http://schemas.microsoft.com/office/drawing/2014/main" id="{52A2B961-E106-42D9-99DB-5B48152E8833}"/>
+                <a16:creationId xmlns:a16="http://schemas.microsoft.com/office/drawing/2014/main" id="{426AEE67-012D-4338-9530-8800B9C9F8F4}"/>
               </a:ext>
             </a:extLst>
           </p:cNvPr>
@@ -4446,7 +4558,7 @@
           <a:p>
             <a:r>
               <a:rPr lang="zh-TW" altLang="en-US" dirty="0"/>
-              <a:t>非同步的優點</a:t>
+              <a:t>非同步運作</a:t>
             </a:r>
           </a:p>
         </p:txBody>
@@ -4456,7 +4568,7 @@
           <p:cNvPr id="3" name="內容版面配置區 2">
             <a:extLst>
               <a:ext uri="{FF2B5EF4-FFF2-40B4-BE49-F238E27FC236}">
-                <a16:creationId xmlns:a16="http://schemas.microsoft.com/office/drawing/2014/main" id="{43B9F297-2F6E-4462-BDD1-8F868F25DC5B}"/>
+                <a16:creationId xmlns:a16="http://schemas.microsoft.com/office/drawing/2014/main" id="{1F093A41-DA8D-4A21-8FBB-D655ED468F1A}"/>
               </a:ext>
             </a:extLst>
           </p:cNvPr>
@@ -4472,31 +4584,14 @@
           <a:bodyPr/>
           <a:lstStyle/>
           <a:p>
-            <a:r>
-              <a:rPr lang="zh-TW" altLang="en-US" dirty="0"/>
-              <a:t>整體效能提升</a:t>
-            </a:r>
-            <a:endParaRPr lang="en-US" altLang="zh-TW" dirty="0"/>
-          </a:p>
-          <a:p>
-            <a:r>
-              <a:rPr lang="zh-TW" altLang="en-US" dirty="0"/>
-              <a:t>降低大流量時的執行續負擔</a:t>
-            </a:r>
-            <a:endParaRPr lang="en-US" altLang="zh-TW" dirty="0"/>
-          </a:p>
-          <a:p>
-            <a:r>
-              <a:rPr lang="zh-TW" altLang="en-US" dirty="0"/>
-              <a:t>避免資源鎖死</a:t>
-            </a:r>
+            <a:endParaRPr lang="zh-TW" altLang="en-US"/>
           </a:p>
         </p:txBody>
       </p:sp>
     </p:spTree>
     <p:extLst>
       <p:ext uri="{BB962C8B-B14F-4D97-AF65-F5344CB8AC3E}">
-        <p14:creationId xmlns:p14="http://schemas.microsoft.com/office/powerpoint/2010/main" val="739057728"/>
+        <p14:creationId xmlns:p14="http://schemas.microsoft.com/office/powerpoint/2010/main" val="4269757158"/>
       </p:ext>
     </p:extLst>
   </p:cSld>
@@ -4525,10 +4620,10 @@
       </p:grpSpPr>
       <p:sp>
         <p:nvSpPr>
-          <p:cNvPr id="2" name="標題 1">
+          <p:cNvPr id="7" name="標題 6">
             <a:extLst>
               <a:ext uri="{FF2B5EF4-FFF2-40B4-BE49-F238E27FC236}">
-                <a16:creationId xmlns:a16="http://schemas.microsoft.com/office/drawing/2014/main" id="{52A2B961-E106-42D9-99DB-5B48152E8833}"/>
+                <a16:creationId xmlns:a16="http://schemas.microsoft.com/office/drawing/2014/main" id="{09A503DC-9054-4BF5-89D2-6165149C32F6}"/>
               </a:ext>
             </a:extLst>
           </p:cNvPr>
@@ -4546,17 +4641,17 @@
           <a:p>
             <a:r>
               <a:rPr lang="zh-TW" altLang="en-US" dirty="0"/>
-              <a:t>非同步的缺點</a:t>
-            </a:r>
-          </a:p>
-        </p:txBody>
-      </p:sp>
-      <p:sp>
-        <p:nvSpPr>
-          <p:cNvPr id="3" name="內容版面配置區 2">
+              <a:t>怎麼用非同步</a:t>
+            </a:r>
+          </a:p>
+        </p:txBody>
+      </p:sp>
+      <p:sp>
+        <p:nvSpPr>
+          <p:cNvPr id="8" name="內容版面配置區 7">
             <a:extLst>
               <a:ext uri="{FF2B5EF4-FFF2-40B4-BE49-F238E27FC236}">
-                <a16:creationId xmlns:a16="http://schemas.microsoft.com/office/drawing/2014/main" id="{43B9F297-2F6E-4462-BDD1-8F868F25DC5B}"/>
+                <a16:creationId xmlns:a16="http://schemas.microsoft.com/office/drawing/2014/main" id="{52B3D862-C8D3-479C-B423-F1B23EEE4811}"/>
               </a:ext>
             </a:extLst>
           </p:cNvPr>
@@ -4573,75 +4668,25 @@
           <a:lstStyle/>
           <a:p>
             <a:r>
+              <a:rPr lang="en-US" altLang="zh-TW" dirty="0"/>
+              <a:t>Sample Code</a:t>
+            </a:r>
+            <a:r>
               <a:rPr lang="zh-TW" altLang="en-US" dirty="0"/>
-              <a:t>輸出程式所占空間變大</a:t>
-            </a:r>
-            <a:endParaRPr lang="en-US" altLang="zh-TW" dirty="0"/>
-          </a:p>
-          <a:p>
-            <a:pPr lvl="1"/>
-            <a:r>
-              <a:rPr lang="zh-TW" altLang="en-US" dirty="0"/>
-              <a:t>每個帶有 </a:t>
-            </a:r>
-            <a:r>
-              <a:rPr lang="en-US" altLang="zh-TW" dirty="0"/>
-              <a:t>async </a:t>
-            </a:r>
-            <a:r>
-              <a:rPr lang="zh-TW" altLang="en-US" dirty="0"/>
-              <a:t>詞墜的方法大約會多 </a:t>
-            </a:r>
-            <a:r>
-              <a:rPr lang="en-US" altLang="zh-TW" dirty="0"/>
-              <a:t>100</a:t>
-            </a:r>
-            <a:r>
-              <a:rPr lang="zh-TW" altLang="en-US" dirty="0"/>
-              <a:t> </a:t>
-            </a:r>
-            <a:r>
-              <a:rPr lang="en-US" altLang="zh-TW" dirty="0"/>
-              <a:t>bytes</a:t>
-            </a:r>
-          </a:p>
-          <a:p>
-            <a:r>
-              <a:rPr lang="zh-TW" altLang="en-US" dirty="0"/>
-              <a:t>較難</a:t>
-            </a:r>
-            <a:r>
-              <a:rPr lang="en-US" altLang="zh-TW" dirty="0"/>
-              <a:t>Debug</a:t>
-            </a:r>
-          </a:p>
-          <a:p>
-            <a:r>
-              <a:rPr lang="zh-TW" altLang="en-US" dirty="0"/>
-              <a:t>非同步的傳遞性</a:t>
-            </a:r>
-            <a:endParaRPr lang="en-US" altLang="zh-TW" dirty="0"/>
-          </a:p>
-          <a:p>
-            <a:r>
-              <a:rPr lang="zh-TW" altLang="en-US" dirty="0"/>
-              <a:t>單一回應時間稍微變長</a:t>
-            </a:r>
-            <a:endParaRPr lang="en-US" altLang="zh-TW" dirty="0"/>
-          </a:p>
-          <a:p>
-            <a:pPr lvl="1"/>
-            <a:r>
-              <a:rPr lang="zh-TW" altLang="en-US" dirty="0"/>
-              <a:t>幾乎可以忽略</a:t>
-            </a:r>
+              <a:t>：</a:t>
+            </a:r>
+            <a:r>
+              <a:rPr lang="en-US" altLang="zh-TW" dirty="0" err="1"/>
+              <a:t>AsyncThread</a:t>
+            </a:r>
+            <a:endParaRPr lang="zh-TW" altLang="en-US" dirty="0"/>
           </a:p>
         </p:txBody>
       </p:sp>
     </p:spTree>
     <p:extLst>
       <p:ext uri="{BB962C8B-B14F-4D97-AF65-F5344CB8AC3E}">
-        <p14:creationId xmlns:p14="http://schemas.microsoft.com/office/powerpoint/2010/main" val="2391344383"/>
+        <p14:creationId xmlns:p14="http://schemas.microsoft.com/office/powerpoint/2010/main" val="2146646246"/>
       </p:ext>
     </p:extLst>
   </p:cSld>
@@ -4670,10 +4715,10 @@
       </p:grpSpPr>
       <p:sp>
         <p:nvSpPr>
-          <p:cNvPr id="4" name="標題 3">
+          <p:cNvPr id="2" name="標題 1">
             <a:extLst>
               <a:ext uri="{FF2B5EF4-FFF2-40B4-BE49-F238E27FC236}">
-                <a16:creationId xmlns:a16="http://schemas.microsoft.com/office/drawing/2014/main" id="{BD4D1AC1-EA7F-4517-B8A1-C8C04888B929}"/>
+                <a16:creationId xmlns:a16="http://schemas.microsoft.com/office/drawing/2014/main" id="{65311F84-6372-4050-9117-32BF100DE40A}"/>
               </a:ext>
             </a:extLst>
           </p:cNvPr>
@@ -4691,40 +4736,646 @@
           <a:p>
             <a:r>
               <a:rPr lang="zh-TW" altLang="en-US" dirty="0"/>
-              <a:t>怎麼用非同步</a:t>
-            </a:r>
-          </a:p>
-        </p:txBody>
-      </p:sp>
-      <p:sp>
-        <p:nvSpPr>
-          <p:cNvPr id="5" name="文字版面配置區 4">
+              <a:t>資源鎖死</a:t>
+            </a:r>
+          </a:p>
+        </p:txBody>
+      </p:sp>
+      <p:sp>
+        <p:nvSpPr>
+          <p:cNvPr id="4" name="矩形 3">
             <a:extLst>
               <a:ext uri="{FF2B5EF4-FFF2-40B4-BE49-F238E27FC236}">
-                <a16:creationId xmlns:a16="http://schemas.microsoft.com/office/drawing/2014/main" id="{FB99B319-881C-4A6A-9C57-D26A187CAADA}"/>
+                <a16:creationId xmlns:a16="http://schemas.microsoft.com/office/drawing/2014/main" id="{1D260D78-F2FA-41FB-BAFA-094ECDAA9709}"/>
               </a:ext>
             </a:extLst>
           </p:cNvPr>
-          <p:cNvSpPr>
-            <a:spLocks noGrp="1"/>
-          </p:cNvSpPr>
-          <p:nvPr>
-            <p:ph type="body" idx="1"/>
-          </p:nvPr>
-        </p:nvSpPr>
-        <p:spPr/>
-        <p:txBody>
-          <a:bodyPr/>
-          <a:lstStyle/>
-          <a:p>
-            <a:endParaRPr lang="zh-TW" altLang="en-US"/>
-          </a:p>
-        </p:txBody>
-      </p:sp>
+          <p:cNvSpPr/>
+          <p:nvPr/>
+        </p:nvSpPr>
+        <p:spPr>
+          <a:xfrm>
+            <a:off x="2691414" y="1733364"/>
+            <a:ext cx="6809172" cy="4483223"/>
+          </a:xfrm>
+          <a:prstGeom prst="rect">
+            <a:avLst/>
+          </a:prstGeom>
+        </p:spPr>
+        <p:style>
+          <a:lnRef idx="3">
+            <a:schemeClr val="lt1"/>
+          </a:lnRef>
+          <a:fillRef idx="1">
+            <a:schemeClr val="accent5"/>
+          </a:fillRef>
+          <a:effectRef idx="1">
+            <a:schemeClr val="accent5"/>
+          </a:effectRef>
+          <a:fontRef idx="minor">
+            <a:schemeClr val="lt1"/>
+          </a:fontRef>
+        </p:style>
+        <p:txBody>
+          <a:bodyPr rtlCol="0" anchor="t" anchorCtr="0"/>
+          <a:lstStyle/>
+          <a:p>
+            <a:r>
+              <a:rPr lang="en-US" altLang="zh-TW" dirty="0"/>
+              <a:t>Application</a:t>
+            </a:r>
+          </a:p>
+        </p:txBody>
+      </p:sp>
+      <p:sp>
+        <p:nvSpPr>
+          <p:cNvPr id="5" name="橢圓 4">
+            <a:extLst>
+              <a:ext uri="{FF2B5EF4-FFF2-40B4-BE49-F238E27FC236}">
+                <a16:creationId xmlns:a16="http://schemas.microsoft.com/office/drawing/2014/main" id="{75CE581B-9BCB-45E3-873A-0B4775B3AF0B}"/>
+              </a:ext>
+            </a:extLst>
+          </p:cNvPr>
+          <p:cNvSpPr/>
+          <p:nvPr/>
+        </p:nvSpPr>
+        <p:spPr>
+          <a:xfrm>
+            <a:off x="9756559" y="2059619"/>
+            <a:ext cx="1961965" cy="1083076"/>
+          </a:xfrm>
+          <a:prstGeom prst="ellipse">
+            <a:avLst/>
+          </a:prstGeom>
+        </p:spPr>
+        <p:style>
+          <a:lnRef idx="2">
+            <a:schemeClr val="accent1">
+              <a:shade val="50000"/>
+            </a:schemeClr>
+          </a:lnRef>
+          <a:fillRef idx="1">
+            <a:schemeClr val="accent1"/>
+          </a:fillRef>
+          <a:effectRef idx="0">
+            <a:schemeClr val="accent1"/>
+          </a:effectRef>
+          <a:fontRef idx="minor">
+            <a:schemeClr val="lt1"/>
+          </a:fontRef>
+        </p:style>
+        <p:txBody>
+          <a:bodyPr rtlCol="0" anchor="ctr"/>
+          <a:lstStyle/>
+          <a:p>
+            <a:pPr algn="ctr"/>
+            <a:r>
+              <a:rPr lang="zh-TW" altLang="en-US" dirty="0"/>
+              <a:t>某個</a:t>
+            </a:r>
+            <a:r>
+              <a:rPr lang="en-US" altLang="zh-TW" dirty="0"/>
+              <a:t>API</a:t>
+            </a:r>
+            <a:endParaRPr lang="zh-TW" altLang="en-US" dirty="0"/>
+          </a:p>
+        </p:txBody>
+      </p:sp>
+      <p:sp>
+        <p:nvSpPr>
+          <p:cNvPr id="6" name="橢圓 5">
+            <a:extLst>
+              <a:ext uri="{FF2B5EF4-FFF2-40B4-BE49-F238E27FC236}">
+                <a16:creationId xmlns:a16="http://schemas.microsoft.com/office/drawing/2014/main" id="{5EB2F3B0-320A-489C-8851-9E89956FB0DE}"/>
+              </a:ext>
+            </a:extLst>
+          </p:cNvPr>
+          <p:cNvSpPr/>
+          <p:nvPr/>
+        </p:nvSpPr>
+        <p:spPr>
+          <a:xfrm>
+            <a:off x="9756559" y="3433438"/>
+            <a:ext cx="1961965" cy="1083076"/>
+          </a:xfrm>
+          <a:prstGeom prst="ellipse">
+            <a:avLst/>
+          </a:prstGeom>
+        </p:spPr>
+        <p:style>
+          <a:lnRef idx="2">
+            <a:schemeClr val="accent1">
+              <a:shade val="50000"/>
+            </a:schemeClr>
+          </a:lnRef>
+          <a:fillRef idx="1">
+            <a:schemeClr val="accent1"/>
+          </a:fillRef>
+          <a:effectRef idx="0">
+            <a:schemeClr val="accent1"/>
+          </a:effectRef>
+          <a:fontRef idx="minor">
+            <a:schemeClr val="lt1"/>
+          </a:fontRef>
+        </p:style>
+        <p:txBody>
+          <a:bodyPr rtlCol="0" anchor="ctr"/>
+          <a:lstStyle/>
+          <a:p>
+            <a:pPr algn="ctr"/>
+            <a:r>
+              <a:rPr lang="zh-TW" altLang="en-US" dirty="0"/>
+              <a:t>某個</a:t>
+            </a:r>
+            <a:r>
+              <a:rPr lang="en-US" altLang="zh-TW" dirty="0"/>
+              <a:t>DB</a:t>
+            </a:r>
+            <a:endParaRPr lang="zh-TW" altLang="en-US" dirty="0"/>
+          </a:p>
+        </p:txBody>
+      </p:sp>
+      <p:sp>
+        <p:nvSpPr>
+          <p:cNvPr id="3" name="矩形: 圓角 2">
+            <a:extLst>
+              <a:ext uri="{FF2B5EF4-FFF2-40B4-BE49-F238E27FC236}">
+                <a16:creationId xmlns:a16="http://schemas.microsoft.com/office/drawing/2014/main" id="{920FE186-F7EB-4216-BB70-0066E1B55630}"/>
+              </a:ext>
+            </a:extLst>
+          </p:cNvPr>
+          <p:cNvSpPr/>
+          <p:nvPr/>
+        </p:nvSpPr>
+        <p:spPr>
+          <a:xfrm>
+            <a:off x="3140697" y="2422220"/>
+            <a:ext cx="5910606" cy="1006780"/>
+          </a:xfrm>
+          <a:prstGeom prst="roundRect">
+            <a:avLst/>
+          </a:prstGeom>
+        </p:spPr>
+        <p:style>
+          <a:lnRef idx="2">
+            <a:schemeClr val="accent2">
+              <a:shade val="50000"/>
+            </a:schemeClr>
+          </a:lnRef>
+          <a:fillRef idx="1">
+            <a:schemeClr val="accent2"/>
+          </a:fillRef>
+          <a:effectRef idx="0">
+            <a:schemeClr val="accent2"/>
+          </a:effectRef>
+          <a:fontRef idx="minor">
+            <a:schemeClr val="lt1"/>
+          </a:fontRef>
+        </p:style>
+        <p:txBody>
+          <a:bodyPr rot="0" spcFirstLastPara="0" vertOverflow="overflow" horzOverflow="overflow" vert="horz" wrap="square" lIns="91440" tIns="45720" rIns="91440" bIns="45720" numCol="1" spcCol="0" rtlCol="0" fromWordArt="0" anchor="ctr" anchorCtr="0" forceAA="0" compatLnSpc="1">
+            <a:prstTxWarp prst="textNoShape">
+              <a:avLst/>
+            </a:prstTxWarp>
+            <a:noAutofit/>
+          </a:bodyPr>
+          <a:lstStyle/>
+          <a:p>
+            <a:pPr algn="ctr"/>
+            <a:r>
+              <a:rPr lang="zh-TW" altLang="en-US" dirty="0">
+                <a:ln w="0"/>
+                <a:solidFill>
+                  <a:schemeClr val="tx1"/>
+                </a:solidFill>
+                <a:effectLst>
+                  <a:outerShdw blurRad="38100" dist="19050" dir="2700000" algn="tl" rotWithShape="0">
+                    <a:schemeClr val="dk1">
+                      <a:alpha val="40000"/>
+                    </a:schemeClr>
+                  </a:outerShdw>
+                </a:effectLst>
+              </a:rPr>
+              <a:t>執行續</a:t>
+            </a:r>
+            <a:r>
+              <a:rPr lang="en-US" altLang="zh-TW" dirty="0">
+                <a:ln w="0"/>
+                <a:solidFill>
+                  <a:schemeClr val="tx1"/>
+                </a:solidFill>
+                <a:effectLst>
+                  <a:outerShdw blurRad="38100" dist="19050" dir="2700000" algn="tl" rotWithShape="0">
+                    <a:schemeClr val="dk1">
+                      <a:alpha val="40000"/>
+                    </a:schemeClr>
+                  </a:outerShdw>
+                </a:effectLst>
+              </a:rPr>
+              <a:t>A</a:t>
+            </a:r>
+            <a:endParaRPr lang="zh-TW" altLang="en-US" dirty="0">
+              <a:ln w="0"/>
+              <a:solidFill>
+                <a:schemeClr val="tx1"/>
+              </a:solidFill>
+              <a:effectLst>
+                <a:outerShdw blurRad="38100" dist="19050" dir="2700000" algn="tl" rotWithShape="0">
+                  <a:schemeClr val="dk1">
+                    <a:alpha val="40000"/>
+                  </a:schemeClr>
+                </a:outerShdw>
+              </a:effectLst>
+            </a:endParaRPr>
+          </a:p>
+        </p:txBody>
+      </p:sp>
+      <p:sp>
+        <p:nvSpPr>
+          <p:cNvPr id="7" name="矩形: 圓角 6">
+            <a:extLst>
+              <a:ext uri="{FF2B5EF4-FFF2-40B4-BE49-F238E27FC236}">
+                <a16:creationId xmlns:a16="http://schemas.microsoft.com/office/drawing/2014/main" id="{09FDB238-C6F6-42BD-9DE4-A754D680F41E}"/>
+              </a:ext>
+            </a:extLst>
+          </p:cNvPr>
+          <p:cNvSpPr/>
+          <p:nvPr/>
+        </p:nvSpPr>
+        <p:spPr>
+          <a:xfrm>
+            <a:off x="3140697" y="3540388"/>
+            <a:ext cx="5910606" cy="1006780"/>
+          </a:xfrm>
+          <a:prstGeom prst="roundRect">
+            <a:avLst/>
+          </a:prstGeom>
+        </p:spPr>
+        <p:style>
+          <a:lnRef idx="2">
+            <a:schemeClr val="accent2">
+              <a:shade val="50000"/>
+            </a:schemeClr>
+          </a:lnRef>
+          <a:fillRef idx="1">
+            <a:schemeClr val="accent2"/>
+          </a:fillRef>
+          <a:effectRef idx="0">
+            <a:schemeClr val="accent2"/>
+          </a:effectRef>
+          <a:fontRef idx="minor">
+            <a:schemeClr val="lt1"/>
+          </a:fontRef>
+        </p:style>
+        <p:txBody>
+          <a:bodyPr rot="0" spcFirstLastPara="0" vertOverflow="overflow" horzOverflow="overflow" vert="horz" wrap="square" lIns="91440" tIns="45720" rIns="91440" bIns="45720" numCol="1" spcCol="0" rtlCol="0" fromWordArt="0" anchor="ctr" anchorCtr="0" forceAA="0" compatLnSpc="1">
+            <a:prstTxWarp prst="textNoShape">
+              <a:avLst/>
+            </a:prstTxWarp>
+            <a:noAutofit/>
+          </a:bodyPr>
+          <a:lstStyle/>
+          <a:p>
+            <a:pPr algn="ctr"/>
+            <a:r>
+              <a:rPr lang="zh-TW" altLang="en-US" dirty="0">
+                <a:ln w="0"/>
+                <a:solidFill>
+                  <a:schemeClr val="tx1"/>
+                </a:solidFill>
+                <a:effectLst>
+                  <a:outerShdw blurRad="38100" dist="19050" dir="2700000" algn="tl" rotWithShape="0">
+                    <a:schemeClr val="dk1">
+                      <a:alpha val="40000"/>
+                    </a:schemeClr>
+                  </a:outerShdw>
+                </a:effectLst>
+              </a:rPr>
+              <a:t>執行續</a:t>
+            </a:r>
+            <a:r>
+              <a:rPr lang="en-US" altLang="zh-TW" dirty="0">
+                <a:ln w="0"/>
+                <a:solidFill>
+                  <a:schemeClr val="tx1"/>
+                </a:solidFill>
+                <a:effectLst>
+                  <a:outerShdw blurRad="38100" dist="19050" dir="2700000" algn="tl" rotWithShape="0">
+                    <a:schemeClr val="dk1">
+                      <a:alpha val="40000"/>
+                    </a:schemeClr>
+                  </a:outerShdw>
+                </a:effectLst>
+              </a:rPr>
+              <a:t>B</a:t>
+            </a:r>
+            <a:endParaRPr lang="zh-TW" altLang="en-US" dirty="0">
+              <a:ln w="0"/>
+              <a:solidFill>
+                <a:schemeClr val="tx1"/>
+              </a:solidFill>
+              <a:effectLst>
+                <a:outerShdw blurRad="38100" dist="19050" dir="2700000" algn="tl" rotWithShape="0">
+                  <a:schemeClr val="dk1">
+                    <a:alpha val="40000"/>
+                  </a:schemeClr>
+                </a:outerShdw>
+              </a:effectLst>
+            </a:endParaRPr>
+          </a:p>
+        </p:txBody>
+      </p:sp>
+      <p:sp>
+        <p:nvSpPr>
+          <p:cNvPr id="8" name="矩形: 圓角 7">
+            <a:extLst>
+              <a:ext uri="{FF2B5EF4-FFF2-40B4-BE49-F238E27FC236}">
+                <a16:creationId xmlns:a16="http://schemas.microsoft.com/office/drawing/2014/main" id="{3321E835-137C-4704-83A6-D3F62C83DE88}"/>
+              </a:ext>
+            </a:extLst>
+          </p:cNvPr>
+          <p:cNvSpPr/>
+          <p:nvPr/>
+        </p:nvSpPr>
+        <p:spPr>
+          <a:xfrm>
+            <a:off x="3140697" y="4656755"/>
+            <a:ext cx="5910606" cy="1006780"/>
+          </a:xfrm>
+          <a:prstGeom prst="roundRect">
+            <a:avLst/>
+          </a:prstGeom>
+        </p:spPr>
+        <p:style>
+          <a:lnRef idx="2">
+            <a:schemeClr val="accent2">
+              <a:shade val="50000"/>
+            </a:schemeClr>
+          </a:lnRef>
+          <a:fillRef idx="1">
+            <a:schemeClr val="accent2"/>
+          </a:fillRef>
+          <a:effectRef idx="0">
+            <a:schemeClr val="accent2"/>
+          </a:effectRef>
+          <a:fontRef idx="minor">
+            <a:schemeClr val="lt1"/>
+          </a:fontRef>
+        </p:style>
+        <p:txBody>
+          <a:bodyPr rot="0" spcFirstLastPara="0" vertOverflow="overflow" horzOverflow="overflow" vert="horz" wrap="square" lIns="91440" tIns="45720" rIns="91440" bIns="45720" numCol="1" spcCol="0" rtlCol="0" fromWordArt="0" anchor="ctr" anchorCtr="0" forceAA="0" compatLnSpc="1">
+            <a:prstTxWarp prst="textNoShape">
+              <a:avLst/>
+            </a:prstTxWarp>
+            <a:noAutofit/>
+          </a:bodyPr>
+          <a:lstStyle/>
+          <a:p>
+            <a:pPr algn="ctr"/>
+            <a:r>
+              <a:rPr lang="zh-TW" altLang="en-US" dirty="0">
+                <a:ln w="0"/>
+                <a:solidFill>
+                  <a:schemeClr val="tx1"/>
+                </a:solidFill>
+                <a:effectLst>
+                  <a:outerShdw blurRad="38100" dist="19050" dir="2700000" algn="tl" rotWithShape="0">
+                    <a:schemeClr val="dk1">
+                      <a:alpha val="40000"/>
+                    </a:schemeClr>
+                  </a:outerShdw>
+                </a:effectLst>
+              </a:rPr>
+              <a:t>執行續</a:t>
+            </a:r>
+            <a:r>
+              <a:rPr lang="en-US" altLang="zh-TW" dirty="0">
+                <a:ln w="0"/>
+                <a:solidFill>
+                  <a:schemeClr val="tx1"/>
+                </a:solidFill>
+                <a:effectLst>
+                  <a:outerShdw blurRad="38100" dist="19050" dir="2700000" algn="tl" rotWithShape="0">
+                    <a:schemeClr val="dk1">
+                      <a:alpha val="40000"/>
+                    </a:schemeClr>
+                  </a:outerShdw>
+                </a:effectLst>
+              </a:rPr>
+              <a:t>C</a:t>
+            </a:r>
+            <a:endParaRPr lang="zh-TW" altLang="en-US" dirty="0">
+              <a:ln w="0"/>
+              <a:solidFill>
+                <a:schemeClr val="tx1"/>
+              </a:solidFill>
+              <a:effectLst>
+                <a:outerShdw blurRad="38100" dist="19050" dir="2700000" algn="tl" rotWithShape="0">
+                  <a:schemeClr val="dk1">
+                    <a:alpha val="40000"/>
+                  </a:schemeClr>
+                </a:outerShdw>
+              </a:effectLst>
+            </a:endParaRPr>
+          </a:p>
+        </p:txBody>
+      </p:sp>
+      <p:sp>
+        <p:nvSpPr>
+          <p:cNvPr id="9" name="橢圓 8">
+            <a:extLst>
+              <a:ext uri="{FF2B5EF4-FFF2-40B4-BE49-F238E27FC236}">
+                <a16:creationId xmlns:a16="http://schemas.microsoft.com/office/drawing/2014/main" id="{8B21D2D8-7A31-4D1C-93D7-1DC64F946A5F}"/>
+              </a:ext>
+            </a:extLst>
+          </p:cNvPr>
+          <p:cNvSpPr/>
+          <p:nvPr/>
+        </p:nvSpPr>
+        <p:spPr>
+          <a:xfrm>
+            <a:off x="826103" y="1880682"/>
+            <a:ext cx="1640669" cy="1083076"/>
+          </a:xfrm>
+          <a:prstGeom prst="ellipse">
+            <a:avLst/>
+          </a:prstGeom>
+        </p:spPr>
+        <p:style>
+          <a:lnRef idx="2">
+            <a:schemeClr val="accent1">
+              <a:shade val="50000"/>
+            </a:schemeClr>
+          </a:lnRef>
+          <a:fillRef idx="1">
+            <a:schemeClr val="accent1"/>
+          </a:fillRef>
+          <a:effectRef idx="0">
+            <a:schemeClr val="accent1"/>
+          </a:effectRef>
+          <a:fontRef idx="minor">
+            <a:schemeClr val="lt1"/>
+          </a:fontRef>
+        </p:style>
+        <p:txBody>
+          <a:bodyPr rtlCol="0" anchor="ctr"/>
+          <a:lstStyle/>
+          <a:p>
+            <a:pPr algn="ctr"/>
+            <a:r>
+              <a:rPr lang="en-US" altLang="zh-TW" dirty="0"/>
+              <a:t>Client</a:t>
+            </a:r>
+          </a:p>
+        </p:txBody>
+      </p:sp>
+      <p:cxnSp>
+        <p:nvCxnSpPr>
+          <p:cNvPr id="11" name="接點: 肘形 10">
+            <a:extLst>
+              <a:ext uri="{FF2B5EF4-FFF2-40B4-BE49-F238E27FC236}">
+                <a16:creationId xmlns:a16="http://schemas.microsoft.com/office/drawing/2014/main" id="{8C2BC0AE-3F16-415F-88BA-F67ED9D9EB26}"/>
+              </a:ext>
+            </a:extLst>
+          </p:cNvPr>
+          <p:cNvCxnSpPr>
+            <a:stCxn id="9" idx="6"/>
+            <a:endCxn id="3" idx="1"/>
+          </p:cNvCxnSpPr>
+          <p:nvPr/>
+        </p:nvCxnSpPr>
+        <p:spPr>
+          <a:xfrm>
+            <a:off x="2466772" y="2422220"/>
+            <a:ext cx="673925" cy="503390"/>
+          </a:xfrm>
+          <a:prstGeom prst="bentConnector3">
+            <a:avLst/>
+          </a:prstGeom>
+          <a:ln w="38100">
+            <a:solidFill>
+              <a:schemeClr val="accent6">
+                <a:lumMod val="75000"/>
+              </a:schemeClr>
+            </a:solidFill>
+            <a:tailEnd type="triangle"/>
+          </a:ln>
+        </p:spPr>
+        <p:style>
+          <a:lnRef idx="1">
+            <a:schemeClr val="accent1"/>
+          </a:lnRef>
+          <a:fillRef idx="0">
+            <a:schemeClr val="accent1"/>
+          </a:fillRef>
+          <a:effectRef idx="0">
+            <a:schemeClr val="accent1"/>
+          </a:effectRef>
+          <a:fontRef idx="minor">
+            <a:schemeClr val="tx1"/>
+          </a:fontRef>
+        </p:style>
+      </p:cxnSp>
+      <p:cxnSp>
+        <p:nvCxnSpPr>
+          <p:cNvPr id="12" name="接點: 肘形 11">
+            <a:extLst>
+              <a:ext uri="{FF2B5EF4-FFF2-40B4-BE49-F238E27FC236}">
+                <a16:creationId xmlns:a16="http://schemas.microsoft.com/office/drawing/2014/main" id="{3902E88E-2EA3-44AC-9751-1DFC5527A301}"/>
+              </a:ext>
+            </a:extLst>
+          </p:cNvPr>
+          <p:cNvCxnSpPr>
+            <a:cxnSpLocks/>
+            <a:stCxn id="9" idx="6"/>
+            <a:endCxn id="7" idx="1"/>
+          </p:cNvCxnSpPr>
+          <p:nvPr/>
+        </p:nvCxnSpPr>
+        <p:spPr>
+          <a:xfrm>
+            <a:off x="2466772" y="2422220"/>
+            <a:ext cx="673925" cy="1621558"/>
+          </a:xfrm>
+          <a:prstGeom prst="bentConnector3">
+            <a:avLst/>
+          </a:prstGeom>
+          <a:ln w="38100">
+            <a:solidFill>
+              <a:schemeClr val="accent6">
+                <a:lumMod val="75000"/>
+              </a:schemeClr>
+            </a:solidFill>
+            <a:tailEnd type="triangle"/>
+          </a:ln>
+        </p:spPr>
+        <p:style>
+          <a:lnRef idx="1">
+            <a:schemeClr val="accent1"/>
+          </a:lnRef>
+          <a:fillRef idx="0">
+            <a:schemeClr val="accent1"/>
+          </a:fillRef>
+          <a:effectRef idx="0">
+            <a:schemeClr val="accent1"/>
+          </a:effectRef>
+          <a:fontRef idx="minor">
+            <a:schemeClr val="tx1"/>
+          </a:fontRef>
+        </p:style>
+      </p:cxnSp>
+      <p:cxnSp>
+        <p:nvCxnSpPr>
+          <p:cNvPr id="15" name="接點: 肘形 14">
+            <a:extLst>
+              <a:ext uri="{FF2B5EF4-FFF2-40B4-BE49-F238E27FC236}">
+                <a16:creationId xmlns:a16="http://schemas.microsoft.com/office/drawing/2014/main" id="{1B4A52C8-AA92-452D-A1B3-126987AF8485}"/>
+              </a:ext>
+            </a:extLst>
+          </p:cNvPr>
+          <p:cNvCxnSpPr>
+            <a:cxnSpLocks/>
+            <a:stCxn id="9" idx="6"/>
+            <a:endCxn id="8" idx="1"/>
+          </p:cNvCxnSpPr>
+          <p:nvPr/>
+        </p:nvCxnSpPr>
+        <p:spPr>
+          <a:xfrm>
+            <a:off x="2466772" y="2422220"/>
+            <a:ext cx="673925" cy="2737925"/>
+          </a:xfrm>
+          <a:prstGeom prst="bentConnector3">
+            <a:avLst/>
+          </a:prstGeom>
+          <a:ln w="38100">
+            <a:solidFill>
+              <a:schemeClr val="accent6">
+                <a:lumMod val="75000"/>
+              </a:schemeClr>
+            </a:solidFill>
+            <a:tailEnd type="triangle"/>
+          </a:ln>
+        </p:spPr>
+        <p:style>
+          <a:lnRef idx="1">
+            <a:schemeClr val="accent1"/>
+          </a:lnRef>
+          <a:fillRef idx="0">
+            <a:schemeClr val="accent1"/>
+          </a:fillRef>
+          <a:effectRef idx="0">
+            <a:schemeClr val="accent1"/>
+          </a:effectRef>
+          <a:fontRef idx="minor">
+            <a:schemeClr val="tx1"/>
+          </a:fontRef>
+        </p:style>
+      </p:cxnSp>
     </p:spTree>
     <p:extLst>
       <p:ext uri="{BB962C8B-B14F-4D97-AF65-F5344CB8AC3E}">
-        <p14:creationId xmlns:p14="http://schemas.microsoft.com/office/powerpoint/2010/main" val="4186980254"/>
+        <p14:creationId xmlns:p14="http://schemas.microsoft.com/office/powerpoint/2010/main" val="1140812029"/>
       </p:ext>
     </p:extLst>
   </p:cSld>
@@ -4753,10 +5404,10 @@
       </p:grpSpPr>
       <p:sp>
         <p:nvSpPr>
-          <p:cNvPr id="2" name="標題 1">
+          <p:cNvPr id="4" name="標題 3">
             <a:extLst>
               <a:ext uri="{FF2B5EF4-FFF2-40B4-BE49-F238E27FC236}">
-                <a16:creationId xmlns:a16="http://schemas.microsoft.com/office/drawing/2014/main" id="{52A2B961-E106-42D9-99DB-5B48152E8833}"/>
+                <a16:creationId xmlns:a16="http://schemas.microsoft.com/office/drawing/2014/main" id="{BD4D1AC1-EA7F-4517-B8A1-C8C04888B929}"/>
               </a:ext>
             </a:extLst>
           </p:cNvPr>
@@ -4774,17 +5425,17 @@
           <a:p>
             <a:r>
               <a:rPr lang="zh-TW" altLang="en-US" dirty="0"/>
-              <a:t>怎麼用非同步</a:t>
-            </a:r>
-          </a:p>
-        </p:txBody>
-      </p:sp>
-      <p:sp>
-        <p:nvSpPr>
-          <p:cNvPr id="3" name="內容版面配置區 2">
+              <a:t>什麼時候要用非同步</a:t>
+            </a:r>
+          </a:p>
+        </p:txBody>
+      </p:sp>
+      <p:sp>
+        <p:nvSpPr>
+          <p:cNvPr id="5" name="文字版面配置區 4">
             <a:extLst>
               <a:ext uri="{FF2B5EF4-FFF2-40B4-BE49-F238E27FC236}">
-                <a16:creationId xmlns:a16="http://schemas.microsoft.com/office/drawing/2014/main" id="{43B9F297-2F6E-4462-BDD1-8F868F25DC5B}"/>
+                <a16:creationId xmlns:a16="http://schemas.microsoft.com/office/drawing/2014/main" id="{FB99B319-881C-4A6A-9C57-D26A187CAADA}"/>
               </a:ext>
             </a:extLst>
           </p:cNvPr>
@@ -4792,444 +5443,28 @@
             <a:spLocks noGrp="1"/>
           </p:cNvSpPr>
           <p:nvPr>
-            <p:ph idx="1"/>
+            <p:ph type="body" idx="1"/>
           </p:nvPr>
         </p:nvSpPr>
         <p:spPr/>
         <p:txBody>
-          <a:bodyPr>
-            <a:normAutofit lnSpcReduction="10000"/>
-          </a:bodyPr>
-          <a:lstStyle/>
-          <a:p>
-            <a:r>
-              <a:rPr lang="en-US" altLang="zh-TW" dirty="0"/>
-              <a:t>Task</a:t>
-            </a:r>
-            <a:r>
-              <a:rPr lang="zh-TW" altLang="en-US" dirty="0"/>
-              <a:t> </a:t>
-            </a:r>
-            <a:r>
-              <a:rPr lang="en-US" altLang="zh-TW" dirty="0"/>
-              <a:t>&amp;</a:t>
-            </a:r>
-            <a:r>
-              <a:rPr lang="zh-TW" altLang="en-US" dirty="0"/>
-              <a:t> </a:t>
-            </a:r>
-            <a:r>
-              <a:rPr lang="en-US" altLang="zh-TW" dirty="0"/>
-              <a:t>Task&lt;T&gt;</a:t>
-            </a:r>
-          </a:p>
-          <a:p>
-            <a:pPr lvl="1"/>
-            <a:r>
-              <a:rPr lang="zh-TW" altLang="en-US" dirty="0"/>
-              <a:t>類別</a:t>
-            </a:r>
-            <a:endParaRPr lang="en-US" altLang="zh-TW" dirty="0"/>
-          </a:p>
-          <a:p>
-            <a:pPr lvl="1"/>
-            <a:r>
-              <a:rPr lang="zh-TW" altLang="en-US" dirty="0"/>
-              <a:t>命名空間：</a:t>
-            </a:r>
-            <a:r>
-              <a:rPr lang="en-US" altLang="zh-TW" dirty="0" err="1"/>
-              <a:t>System.Threading.Tasks</a:t>
-            </a:r>
-            <a:endParaRPr lang="en-US" altLang="zh-TW" dirty="0"/>
-          </a:p>
-          <a:p>
-            <a:pPr lvl="1"/>
-            <a:r>
-              <a:rPr lang="zh-TW" altLang="en-US" dirty="0"/>
-              <a:t>代表一個工作</a:t>
-            </a:r>
-            <a:endParaRPr lang="en-US" altLang="zh-TW" dirty="0"/>
-          </a:p>
-          <a:p>
-            <a:r>
-              <a:rPr lang="en-US" altLang="zh-TW" dirty="0"/>
-              <a:t>async await</a:t>
-            </a:r>
-          </a:p>
-          <a:p>
-            <a:pPr lvl="1"/>
-            <a:r>
-              <a:rPr lang="zh-TW" altLang="en-US" dirty="0"/>
-              <a:t>關鍵字</a:t>
-            </a:r>
-            <a:endParaRPr lang="en-US" altLang="zh-TW" dirty="0"/>
-          </a:p>
-          <a:p>
-            <a:pPr lvl="1"/>
-            <a:r>
-              <a:rPr lang="en-US" altLang="zh-TW" dirty="0"/>
-              <a:t>async</a:t>
-            </a:r>
-            <a:r>
-              <a:rPr lang="zh-TW" altLang="en-US" dirty="0"/>
-              <a:t>： </a:t>
-            </a:r>
-            <a:r>
-              <a:rPr lang="en-US" altLang="zh-TW" dirty="0"/>
-              <a:t>Asynchronous</a:t>
-            </a:r>
-          </a:p>
-          <a:p>
-            <a:pPr lvl="1"/>
-            <a:r>
-              <a:rPr lang="en-US" altLang="zh-TW" dirty="0"/>
-              <a:t>await</a:t>
-            </a:r>
-            <a:r>
-              <a:rPr lang="zh-TW" altLang="en-US" dirty="0"/>
-              <a:t>： </a:t>
-            </a:r>
-            <a:r>
-              <a:rPr lang="en-US" altLang="zh-TW" dirty="0"/>
-              <a:t>Asynchronous</a:t>
-            </a:r>
-            <a:r>
-              <a:rPr lang="zh-TW" altLang="en-US" dirty="0"/>
-              <a:t> </a:t>
-            </a:r>
-            <a:r>
-              <a:rPr lang="en-US" altLang="zh-TW" dirty="0"/>
-              <a:t>Wait</a:t>
-            </a:r>
-            <a:endParaRPr lang="zh-TW" altLang="en-US" dirty="0"/>
+          <a:bodyPr/>
+          <a:lstStyle/>
+          <a:p>
+            <a:endParaRPr lang="zh-TW" altLang="en-US"/>
           </a:p>
         </p:txBody>
       </p:sp>
     </p:spTree>
     <p:extLst>
       <p:ext uri="{BB962C8B-B14F-4D97-AF65-F5344CB8AC3E}">
-        <p14:creationId xmlns:p14="http://schemas.microsoft.com/office/powerpoint/2010/main" val="675659155"/>
+        <p14:creationId xmlns:p14="http://schemas.microsoft.com/office/powerpoint/2010/main" val="2293390487"/>
       </p:ext>
     </p:extLst>
   </p:cSld>
   <p:clrMapOvr>
     <a:masterClrMapping/>
   </p:clrMapOvr>
-  <p:timing>
-    <p:tnLst>
-      <p:par>
-        <p:cTn id="1" dur="indefinite" restart="never" nodeType="tmRoot">
-          <p:childTnLst>
-            <p:seq concurrent="1" nextAc="seek">
-              <p:cTn id="2" dur="indefinite" nodeType="mainSeq">
-                <p:childTnLst>
-                  <p:par>
-                    <p:cTn id="3" fill="hold">
-                      <p:stCondLst>
-                        <p:cond delay="indefinite"/>
-                      </p:stCondLst>
-                      <p:childTnLst>
-                        <p:par>
-                          <p:cTn id="4" fill="hold">
-                            <p:stCondLst>
-                              <p:cond delay="0"/>
-                            </p:stCondLst>
-                            <p:childTnLst>
-                              <p:par>
-                                <p:cTn id="5" presetID="1" presetClass="entr" presetSubtype="0" fill="hold" nodeType="clickEffect">
-                                  <p:stCondLst>
-                                    <p:cond delay="0"/>
-                                  </p:stCondLst>
-                                  <p:childTnLst>
-                                    <p:set>
-                                      <p:cBhvr>
-                                        <p:cTn id="6" dur="1" fill="hold">
-                                          <p:stCondLst>
-                                            <p:cond delay="0"/>
-                                          </p:stCondLst>
-                                        </p:cTn>
-                                        <p:tgtEl>
-                                          <p:spTgt spid="3">
-                                            <p:txEl>
-                                              <p:pRg st="0" end="0"/>
-                                            </p:txEl>
-                                          </p:spTgt>
-                                        </p:tgtEl>
-                                        <p:attrNameLst>
-                                          <p:attrName>style.visibility</p:attrName>
-                                        </p:attrNameLst>
-                                      </p:cBhvr>
-                                      <p:to>
-                                        <p:strVal val="visible"/>
-                                      </p:to>
-                                    </p:set>
-                                  </p:childTnLst>
-                                </p:cTn>
-                              </p:par>
-                              <p:par>
-                                <p:cTn id="7" presetID="1" presetClass="entr" presetSubtype="0" fill="hold" nodeType="withEffect">
-                                  <p:stCondLst>
-                                    <p:cond delay="0"/>
-                                  </p:stCondLst>
-                                  <p:childTnLst>
-                                    <p:set>
-                                      <p:cBhvr>
-                                        <p:cTn id="8" dur="1" fill="hold">
-                                          <p:stCondLst>
-                                            <p:cond delay="0"/>
-                                          </p:stCondLst>
-                                        </p:cTn>
-                                        <p:tgtEl>
-                                          <p:spTgt spid="3">
-                                            <p:txEl>
-                                              <p:pRg st="1" end="1"/>
-                                            </p:txEl>
-                                          </p:spTgt>
-                                        </p:tgtEl>
-                                        <p:attrNameLst>
-                                          <p:attrName>style.visibility</p:attrName>
-                                        </p:attrNameLst>
-                                      </p:cBhvr>
-                                      <p:to>
-                                        <p:strVal val="visible"/>
-                                      </p:to>
-                                    </p:set>
-                                  </p:childTnLst>
-                                </p:cTn>
-                              </p:par>
-                              <p:par>
-                                <p:cTn id="9" presetID="1" presetClass="entr" presetSubtype="0" fill="hold" nodeType="withEffect">
-                                  <p:stCondLst>
-                                    <p:cond delay="0"/>
-                                  </p:stCondLst>
-                                  <p:childTnLst>
-                                    <p:set>
-                                      <p:cBhvr>
-                                        <p:cTn id="10" dur="1" fill="hold">
-                                          <p:stCondLst>
-                                            <p:cond delay="0"/>
-                                          </p:stCondLst>
-                                        </p:cTn>
-                                        <p:tgtEl>
-                                          <p:spTgt spid="3">
-                                            <p:txEl>
-                                              <p:pRg st="2" end="2"/>
-                                            </p:txEl>
-                                          </p:spTgt>
-                                        </p:tgtEl>
-                                        <p:attrNameLst>
-                                          <p:attrName>style.visibility</p:attrName>
-                                        </p:attrNameLst>
-                                      </p:cBhvr>
-                                      <p:to>
-                                        <p:strVal val="visible"/>
-                                      </p:to>
-                                    </p:set>
-                                  </p:childTnLst>
-                                </p:cTn>
-                              </p:par>
-                              <p:par>
-                                <p:cTn id="11" presetID="1" presetClass="entr" presetSubtype="0" fill="hold" nodeType="withEffect">
-                                  <p:stCondLst>
-                                    <p:cond delay="0"/>
-                                  </p:stCondLst>
-                                  <p:childTnLst>
-                                    <p:set>
-                                      <p:cBhvr>
-                                        <p:cTn id="12" dur="1" fill="hold">
-                                          <p:stCondLst>
-                                            <p:cond delay="0"/>
-                                          </p:stCondLst>
-                                        </p:cTn>
-                                        <p:tgtEl>
-                                          <p:spTgt spid="3">
-                                            <p:txEl>
-                                              <p:pRg st="3" end="3"/>
-                                            </p:txEl>
-                                          </p:spTgt>
-                                        </p:tgtEl>
-                                        <p:attrNameLst>
-                                          <p:attrName>style.visibility</p:attrName>
-                                        </p:attrNameLst>
-                                      </p:cBhvr>
-                                      <p:to>
-                                        <p:strVal val="visible"/>
-                                      </p:to>
-                                    </p:set>
-                                  </p:childTnLst>
-                                </p:cTn>
-                              </p:par>
-                            </p:childTnLst>
-                          </p:cTn>
-                        </p:par>
-                      </p:childTnLst>
-                    </p:cTn>
-                  </p:par>
-                  <p:par>
-                    <p:cTn id="13" fill="hold">
-                      <p:stCondLst>
-                        <p:cond delay="indefinite"/>
-                      </p:stCondLst>
-                      <p:childTnLst>
-                        <p:par>
-                          <p:cTn id="14" fill="hold">
-                            <p:stCondLst>
-                              <p:cond delay="0"/>
-                            </p:stCondLst>
-                            <p:childTnLst>
-                              <p:par>
-                                <p:cTn id="15" presetID="1" presetClass="entr" presetSubtype="0" fill="hold" nodeType="clickEffect">
-                                  <p:stCondLst>
-                                    <p:cond delay="0"/>
-                                  </p:stCondLst>
-                                  <p:childTnLst>
-                                    <p:set>
-                                      <p:cBhvr>
-                                        <p:cTn id="16" dur="1" fill="hold">
-                                          <p:stCondLst>
-                                            <p:cond delay="0"/>
-                                          </p:stCondLst>
-                                        </p:cTn>
-                                        <p:tgtEl>
-                                          <p:spTgt spid="3">
-                                            <p:txEl>
-                                              <p:pRg st="4" end="4"/>
-                                            </p:txEl>
-                                          </p:spTgt>
-                                        </p:tgtEl>
-                                        <p:attrNameLst>
-                                          <p:attrName>style.visibility</p:attrName>
-                                        </p:attrNameLst>
-                                      </p:cBhvr>
-                                      <p:to>
-                                        <p:strVal val="visible"/>
-                                      </p:to>
-                                    </p:set>
-                                  </p:childTnLst>
-                                </p:cTn>
-                              </p:par>
-                              <p:par>
-                                <p:cTn id="17" presetID="1" presetClass="entr" presetSubtype="0" fill="hold" nodeType="withEffect">
-                                  <p:stCondLst>
-                                    <p:cond delay="0"/>
-                                  </p:stCondLst>
-                                  <p:childTnLst>
-                                    <p:set>
-                                      <p:cBhvr>
-                                        <p:cTn id="18" dur="1" fill="hold">
-                                          <p:stCondLst>
-                                            <p:cond delay="0"/>
-                                          </p:stCondLst>
-                                        </p:cTn>
-                                        <p:tgtEl>
-                                          <p:spTgt spid="3">
-                                            <p:txEl>
-                                              <p:pRg st="5" end="5"/>
-                                            </p:txEl>
-                                          </p:spTgt>
-                                        </p:tgtEl>
-                                        <p:attrNameLst>
-                                          <p:attrName>style.visibility</p:attrName>
-                                        </p:attrNameLst>
-                                      </p:cBhvr>
-                                      <p:to>
-                                        <p:strVal val="visible"/>
-                                      </p:to>
-                                    </p:set>
-                                  </p:childTnLst>
-                                </p:cTn>
-                              </p:par>
-                              <p:par>
-                                <p:cTn id="19" presetID="1" presetClass="entr" presetSubtype="0" fill="hold" nodeType="withEffect">
-                                  <p:stCondLst>
-                                    <p:cond delay="0"/>
-                                  </p:stCondLst>
-                                  <p:childTnLst>
-                                    <p:set>
-                                      <p:cBhvr>
-                                        <p:cTn id="20" dur="1" fill="hold">
-                                          <p:stCondLst>
-                                            <p:cond delay="0"/>
-                                          </p:stCondLst>
-                                        </p:cTn>
-                                        <p:tgtEl>
-                                          <p:spTgt spid="3">
-                                            <p:txEl>
-                                              <p:pRg st="6" end="6"/>
-                                            </p:txEl>
-                                          </p:spTgt>
-                                        </p:tgtEl>
-                                        <p:attrNameLst>
-                                          <p:attrName>style.visibility</p:attrName>
-                                        </p:attrNameLst>
-                                      </p:cBhvr>
-                                      <p:to>
-                                        <p:strVal val="visible"/>
-                                      </p:to>
-                                    </p:set>
-                                  </p:childTnLst>
-                                </p:cTn>
-                              </p:par>
-                              <p:par>
-                                <p:cTn id="21" presetID="1" presetClass="entr" presetSubtype="0" fill="hold" nodeType="withEffect">
-                                  <p:stCondLst>
-                                    <p:cond delay="0"/>
-                                  </p:stCondLst>
-                                  <p:childTnLst>
-                                    <p:set>
-                                      <p:cBhvr>
-                                        <p:cTn id="22" dur="1" fill="hold">
-                                          <p:stCondLst>
-                                            <p:cond delay="0"/>
-                                          </p:stCondLst>
-                                        </p:cTn>
-                                        <p:tgtEl>
-                                          <p:spTgt spid="3">
-                                            <p:txEl>
-                                              <p:pRg st="7" end="7"/>
-                                            </p:txEl>
-                                          </p:spTgt>
-                                        </p:tgtEl>
-                                        <p:attrNameLst>
-                                          <p:attrName>style.visibility</p:attrName>
-                                        </p:attrNameLst>
-                                      </p:cBhvr>
-                                      <p:to>
-                                        <p:strVal val="visible"/>
-                                      </p:to>
-                                    </p:set>
-                                  </p:childTnLst>
-                                </p:cTn>
-                              </p:par>
-                            </p:childTnLst>
-                          </p:cTn>
-                        </p:par>
-                      </p:childTnLst>
-                    </p:cTn>
-                  </p:par>
-                </p:childTnLst>
-              </p:cTn>
-              <p:prevCondLst>
-                <p:cond evt="onPrev" delay="0">
-                  <p:tgtEl>
-                    <p:sldTgt/>
-                  </p:tgtEl>
-                </p:cond>
-              </p:prevCondLst>
-              <p:nextCondLst>
-                <p:cond evt="onNext" delay="0">
-                  <p:tgtEl>
-                    <p:sldTgt/>
-                  </p:tgtEl>
-                </p:cond>
-              </p:nextCondLst>
-            </p:seq>
-          </p:childTnLst>
-        </p:cTn>
-      </p:par>
-    </p:tnLst>
-  </p:timing>
 </p:sld>
 </file>
 
@@ -5255,7 +5490,7 @@
           <p:cNvPr id="2" name="標題 1">
             <a:extLst>
               <a:ext uri="{FF2B5EF4-FFF2-40B4-BE49-F238E27FC236}">
-                <a16:creationId xmlns:a16="http://schemas.microsoft.com/office/drawing/2014/main" id="{375E1AF3-3882-40CA-A050-39AC4380C4C4}"/>
+                <a16:creationId xmlns:a16="http://schemas.microsoft.com/office/drawing/2014/main" id="{52A2B961-E106-42D9-99DB-5B48152E8833}"/>
               </a:ext>
             </a:extLst>
           </p:cNvPr>
@@ -5273,25 +5508,17 @@
           <a:p>
             <a:r>
               <a:rPr lang="zh-TW" altLang="en-US" dirty="0"/>
-              <a:t>怎麼用非同步</a:t>
-            </a:r>
-            <a:r>
-              <a:rPr lang="en-US" altLang="zh-TW" dirty="0"/>
-              <a:t>—</a:t>
-            </a:r>
-            <a:r>
-              <a:rPr lang="zh-TW" altLang="en-US" dirty="0"/>
-              <a:t>宣告</a:t>
-            </a:r>
-          </a:p>
-        </p:txBody>
-      </p:sp>
-      <p:sp>
-        <p:nvSpPr>
-          <p:cNvPr id="4" name="文字版面配置區 3">
+              <a:t>什麼時候要用非同步</a:t>
+            </a:r>
+          </a:p>
+        </p:txBody>
+      </p:sp>
+      <p:sp>
+        <p:nvSpPr>
+          <p:cNvPr id="3" name="內容版面配置區 2">
             <a:extLst>
               <a:ext uri="{FF2B5EF4-FFF2-40B4-BE49-F238E27FC236}">
-                <a16:creationId xmlns:a16="http://schemas.microsoft.com/office/drawing/2014/main" id="{181CE145-9952-493A-888F-38A8E2327298}"/>
+                <a16:creationId xmlns:a16="http://schemas.microsoft.com/office/drawing/2014/main" id="{43B9F297-2F6E-4462-BDD1-8F868F25DC5B}"/>
               </a:ext>
             </a:extLst>
           </p:cNvPr>
@@ -5299,466 +5526,104 @@
             <a:spLocks noGrp="1"/>
           </p:cNvSpPr>
           <p:nvPr>
-            <p:ph type="body" idx="1"/>
+            <p:ph idx="1"/>
           </p:nvPr>
         </p:nvSpPr>
         <p:spPr>
           <a:xfrm>
-            <a:off x="1371600" y="1516952"/>
-            <a:ext cx="4443984" cy="823912"/>
+            <a:off x="1371600" y="2285999"/>
+            <a:ext cx="9601200" cy="4029959"/>
           </a:xfrm>
         </p:spPr>
         <p:txBody>
-          <a:bodyPr/>
-          <a:lstStyle/>
-          <a:p>
+          <a:bodyPr>
+            <a:normAutofit/>
+          </a:bodyPr>
+          <a:lstStyle/>
+          <a:p>
+            <a:r>
+              <a:rPr lang="en-US" altLang="zh-TW" dirty="0"/>
+              <a:t>IO</a:t>
+            </a:r>
+          </a:p>
+          <a:p>
+            <a:pPr lvl="1"/>
+            <a:r>
+              <a:rPr lang="en-US" altLang="zh-TW" dirty="0"/>
+              <a:t>Disk</a:t>
+            </a:r>
+          </a:p>
+          <a:p>
+            <a:r>
+              <a:rPr lang="en-US" altLang="zh-TW" dirty="0"/>
+              <a:t>Network</a:t>
+            </a:r>
+          </a:p>
+          <a:p>
+            <a:pPr lvl="1"/>
+            <a:r>
+              <a:rPr lang="en-US" altLang="zh-TW" dirty="0"/>
+              <a:t>HTTP</a:t>
+            </a:r>
+          </a:p>
+          <a:p>
+            <a:pPr lvl="1"/>
+            <a:r>
+              <a:rPr lang="en-US" altLang="zh-TW" dirty="0"/>
+              <a:t>Database</a:t>
+            </a:r>
+          </a:p>
+          <a:p>
+            <a:pPr lvl="1"/>
+            <a:r>
+              <a:rPr lang="en-US" altLang="zh-TW" dirty="0"/>
+              <a:t>Redis</a:t>
+            </a:r>
+          </a:p>
+          <a:p>
+            <a:r>
+              <a:rPr lang="en-US" altLang="zh-TW" dirty="0"/>
+              <a:t>Library</a:t>
+            </a:r>
             <a:r>
               <a:rPr lang="zh-TW" altLang="en-US" dirty="0"/>
-              <a:t>同步</a:t>
-            </a:r>
-          </a:p>
-        </p:txBody>
-      </p:sp>
-      <p:sp>
-        <p:nvSpPr>
-          <p:cNvPr id="3" name="內容版面配置區 2">
-            <a:extLst>
-              <a:ext uri="{FF2B5EF4-FFF2-40B4-BE49-F238E27FC236}">
-                <a16:creationId xmlns:a16="http://schemas.microsoft.com/office/drawing/2014/main" id="{4877105D-F782-4702-BD7A-A4E0F46A3650}"/>
-              </a:ext>
-            </a:extLst>
-          </p:cNvPr>
-          <p:cNvSpPr>
-            <a:spLocks noGrp="1"/>
-          </p:cNvSpPr>
-          <p:nvPr>
-            <p:ph sz="half" idx="2"/>
-          </p:nvPr>
-        </p:nvSpPr>
-        <p:spPr>
-          <a:xfrm>
-            <a:off x="1371600" y="2340865"/>
-            <a:ext cx="4443984" cy="3526536"/>
-          </a:xfrm>
-        </p:spPr>
-        <p:txBody>
-          <a:bodyPr/>
-          <a:lstStyle/>
-          <a:p>
-            <a:r>
-              <a:rPr lang="en-US" altLang="zh-TW" dirty="0">
-                <a:latin typeface="Consolas" panose="020B0609020204030204" pitchFamily="49" charset="0"/>
-              </a:rPr>
-              <a:t>void Foo()</a:t>
-            </a:r>
-          </a:p>
-          <a:p>
-            <a:r>
-              <a:rPr lang="en-US" altLang="zh-TW" dirty="0" err="1">
-                <a:latin typeface="Consolas" panose="020B0609020204030204" pitchFamily="49" charset="0"/>
-              </a:rPr>
-              <a:t>SomeClass</a:t>
-            </a:r>
-            <a:r>
-              <a:rPr lang="en-US" altLang="zh-TW" dirty="0">
-                <a:latin typeface="Consolas" panose="020B0609020204030204" pitchFamily="49" charset="0"/>
-              </a:rPr>
-              <a:t> Bar()</a:t>
-            </a:r>
-            <a:endParaRPr lang="zh-TW" altLang="en-US" dirty="0">
-              <a:latin typeface="Consolas" panose="020B0609020204030204" pitchFamily="49" charset="0"/>
-            </a:endParaRPr>
-          </a:p>
-        </p:txBody>
-      </p:sp>
-      <p:sp>
-        <p:nvSpPr>
-          <p:cNvPr id="5" name="文字版面配置區 4">
-            <a:extLst>
-              <a:ext uri="{FF2B5EF4-FFF2-40B4-BE49-F238E27FC236}">
-                <a16:creationId xmlns:a16="http://schemas.microsoft.com/office/drawing/2014/main" id="{942B86E4-C93F-49AE-B1E3-B5BD1344E2BB}"/>
-              </a:ext>
-            </a:extLst>
-          </p:cNvPr>
-          <p:cNvSpPr>
-            <a:spLocks noGrp="1"/>
-          </p:cNvSpPr>
-          <p:nvPr>
-            <p:ph type="body" sz="quarter" idx="3"/>
-          </p:nvPr>
-        </p:nvSpPr>
-        <p:spPr>
-          <a:xfrm>
-            <a:off x="6525014" y="1516952"/>
-            <a:ext cx="4443984" cy="823912"/>
-          </a:xfrm>
-        </p:spPr>
-        <p:txBody>
-          <a:bodyPr/>
-          <a:lstStyle/>
-          <a:p>
+              <a:t>或</a:t>
+            </a:r>
+            <a:r>
+              <a:rPr lang="en-US" altLang="zh-TW" dirty="0"/>
+              <a:t>Framework</a:t>
+            </a:r>
             <a:r>
               <a:rPr lang="zh-TW" altLang="en-US" dirty="0"/>
-              <a:t>非同步</a:t>
-            </a:r>
-          </a:p>
-        </p:txBody>
-      </p:sp>
-      <p:sp>
-        <p:nvSpPr>
-          <p:cNvPr id="6" name="內容版面配置區 5">
-            <a:extLst>
-              <a:ext uri="{FF2B5EF4-FFF2-40B4-BE49-F238E27FC236}">
-                <a16:creationId xmlns:a16="http://schemas.microsoft.com/office/drawing/2014/main" id="{53C35351-5CFA-4BAB-8FA2-88082AB12F8E}"/>
-              </a:ext>
-            </a:extLst>
-          </p:cNvPr>
-          <p:cNvSpPr>
-            <a:spLocks noGrp="1"/>
-          </p:cNvSpPr>
-          <p:nvPr>
-            <p:ph sz="quarter" idx="4"/>
-          </p:nvPr>
-        </p:nvSpPr>
-        <p:spPr>
-          <a:xfrm>
-            <a:off x="6525014" y="2340865"/>
-            <a:ext cx="5079382" cy="3526536"/>
-          </a:xfrm>
-        </p:spPr>
-        <p:txBody>
-          <a:bodyPr/>
-          <a:lstStyle/>
-          <a:p>
-            <a:r>
-              <a:rPr lang="en-US" altLang="zh-TW" dirty="0">
-                <a:latin typeface="Consolas" panose="020B0609020204030204" pitchFamily="49" charset="0"/>
-              </a:rPr>
-              <a:t>async Task </a:t>
-            </a:r>
-            <a:r>
-              <a:rPr lang="en-US" altLang="zh-TW" dirty="0" err="1">
-                <a:latin typeface="Consolas" panose="020B0609020204030204" pitchFamily="49" charset="0"/>
-              </a:rPr>
-              <a:t>FooAsync</a:t>
-            </a:r>
-            <a:r>
-              <a:rPr lang="en-US" altLang="zh-TW" dirty="0">
-                <a:latin typeface="Consolas" panose="020B0609020204030204" pitchFamily="49" charset="0"/>
-              </a:rPr>
-              <a:t>()</a:t>
-            </a:r>
-          </a:p>
-          <a:p>
-            <a:r>
-              <a:rPr lang="en-US" altLang="zh-TW" dirty="0">
-                <a:latin typeface="Consolas" panose="020B0609020204030204" pitchFamily="49" charset="0"/>
-              </a:rPr>
-              <a:t>async Task&lt;</a:t>
-            </a:r>
-            <a:r>
-              <a:rPr lang="en-US" altLang="zh-TW" dirty="0" err="1">
-                <a:latin typeface="Consolas" panose="020B0609020204030204" pitchFamily="49" charset="0"/>
-              </a:rPr>
-              <a:t>SomeClass</a:t>
-            </a:r>
-            <a:r>
-              <a:rPr lang="en-US" altLang="zh-TW" dirty="0">
-                <a:latin typeface="Consolas" panose="020B0609020204030204" pitchFamily="49" charset="0"/>
-              </a:rPr>
-              <a:t>&gt; </a:t>
-            </a:r>
-            <a:r>
-              <a:rPr lang="en-US" altLang="zh-TW" dirty="0" err="1">
-                <a:latin typeface="Consolas" panose="020B0609020204030204" pitchFamily="49" charset="0"/>
-              </a:rPr>
-              <a:t>BarAsync</a:t>
-            </a:r>
-            <a:r>
-              <a:rPr lang="en-US" altLang="zh-TW" dirty="0">
-                <a:latin typeface="Consolas" panose="020B0609020204030204" pitchFamily="49" charset="0"/>
-              </a:rPr>
-              <a:t>()</a:t>
-            </a:r>
-          </a:p>
-          <a:p>
-            <a:r>
-              <a:rPr lang="en-US" altLang="zh-TW" strike="sngStrike" dirty="0">
-                <a:latin typeface="Consolas" panose="020B0609020204030204" pitchFamily="49" charset="0"/>
-              </a:rPr>
-              <a:t>async void </a:t>
-            </a:r>
-            <a:r>
-              <a:rPr lang="en-US" altLang="zh-TW" strike="sngStrike" dirty="0" err="1">
-                <a:latin typeface="Consolas" panose="020B0609020204030204" pitchFamily="49" charset="0"/>
-              </a:rPr>
-              <a:t>BazAsync</a:t>
-            </a:r>
-            <a:r>
-              <a:rPr lang="en-US" altLang="zh-TW" strike="sngStrike" dirty="0">
-                <a:latin typeface="Consolas" panose="020B0609020204030204" pitchFamily="49" charset="0"/>
-              </a:rPr>
-              <a:t>()</a:t>
-            </a:r>
-            <a:endParaRPr lang="zh-TW" altLang="en-US" strike="sngStrike" dirty="0">
-              <a:latin typeface="Consolas" panose="020B0609020204030204" pitchFamily="49" charset="0"/>
-            </a:endParaRPr>
+              <a:t>只提供非同步</a:t>
+            </a:r>
+            <a:r>
+              <a:rPr lang="en-US" altLang="zh-TW" dirty="0"/>
+              <a:t>API</a:t>
+            </a:r>
+          </a:p>
+          <a:p>
+            <a:pPr lvl="1"/>
+            <a:r>
+              <a:rPr lang="en-US" altLang="zh-TW" dirty="0"/>
+              <a:t>.NET Core</a:t>
+            </a:r>
+          </a:p>
+          <a:p>
+            <a:endParaRPr lang="zh-TW" altLang="en-US" dirty="0"/>
           </a:p>
         </p:txBody>
       </p:sp>
     </p:spTree>
     <p:extLst>
       <p:ext uri="{BB962C8B-B14F-4D97-AF65-F5344CB8AC3E}">
-        <p14:creationId xmlns:p14="http://schemas.microsoft.com/office/powerpoint/2010/main" val="3865575567"/>
+        <p14:creationId xmlns:p14="http://schemas.microsoft.com/office/powerpoint/2010/main" val="1457471737"/>
       </p:ext>
     </p:extLst>
   </p:cSld>
   <p:clrMapOvr>
     <a:masterClrMapping/>
   </p:clrMapOvr>
-  <p:timing>
-    <p:tnLst>
-      <p:par>
-        <p:cTn id="1" dur="indefinite" restart="never" nodeType="tmRoot">
-          <p:childTnLst>
-            <p:seq concurrent="1" nextAc="seek">
-              <p:cTn id="2" dur="indefinite" nodeType="mainSeq">
-                <p:childTnLst>
-                  <p:par>
-                    <p:cTn id="3" fill="hold">
-                      <p:stCondLst>
-                        <p:cond delay="indefinite"/>
-                      </p:stCondLst>
-                      <p:childTnLst>
-                        <p:par>
-                          <p:cTn id="4" fill="hold">
-                            <p:stCondLst>
-                              <p:cond delay="0"/>
-                            </p:stCondLst>
-                            <p:childTnLst>
-                              <p:par>
-                                <p:cTn id="5" presetID="1" presetClass="entr" presetSubtype="0" fill="hold" grpId="0" nodeType="clickEffect">
-                                  <p:stCondLst>
-                                    <p:cond delay="0"/>
-                                  </p:stCondLst>
-                                  <p:childTnLst>
-                                    <p:set>
-                                      <p:cBhvr>
-                                        <p:cTn id="6" dur="1" fill="hold">
-                                          <p:stCondLst>
-                                            <p:cond delay="0"/>
-                                          </p:stCondLst>
-                                        </p:cTn>
-                                        <p:tgtEl>
-                                          <p:spTgt spid="3">
-                                            <p:txEl>
-                                              <p:pRg st="0" end="0"/>
-                                            </p:txEl>
-                                          </p:spTgt>
-                                        </p:tgtEl>
-                                        <p:attrNameLst>
-                                          <p:attrName>style.visibility</p:attrName>
-                                        </p:attrNameLst>
-                                      </p:cBhvr>
-                                      <p:to>
-                                        <p:strVal val="visible"/>
-                                      </p:to>
-                                    </p:set>
-                                  </p:childTnLst>
-                                </p:cTn>
-                              </p:par>
-                              <p:par>
-                                <p:cTn id="7" presetID="1" presetClass="entr" presetSubtype="0" fill="hold" grpId="0" nodeType="withEffect">
-                                  <p:stCondLst>
-                                    <p:cond delay="0"/>
-                                  </p:stCondLst>
-                                  <p:childTnLst>
-                                    <p:set>
-                                      <p:cBhvr>
-                                        <p:cTn id="8" dur="1" fill="hold">
-                                          <p:stCondLst>
-                                            <p:cond delay="0"/>
-                                          </p:stCondLst>
-                                        </p:cTn>
-                                        <p:tgtEl>
-                                          <p:spTgt spid="6">
-                                            <p:txEl>
-                                              <p:pRg st="0" end="0"/>
-                                            </p:txEl>
-                                          </p:spTgt>
-                                        </p:tgtEl>
-                                        <p:attrNameLst>
-                                          <p:attrName>style.visibility</p:attrName>
-                                        </p:attrNameLst>
-                                      </p:cBhvr>
-                                      <p:to>
-                                        <p:strVal val="visible"/>
-                                      </p:to>
-                                    </p:set>
-                                  </p:childTnLst>
-                                </p:cTn>
-                              </p:par>
-                            </p:childTnLst>
-                          </p:cTn>
-                        </p:par>
-                      </p:childTnLst>
-                    </p:cTn>
-                  </p:par>
-                  <p:par>
-                    <p:cTn id="9" fill="hold">
-                      <p:stCondLst>
-                        <p:cond delay="indefinite"/>
-                      </p:stCondLst>
-                      <p:childTnLst>
-                        <p:par>
-                          <p:cTn id="10" fill="hold">
-                            <p:stCondLst>
-                              <p:cond delay="0"/>
-                            </p:stCondLst>
-                            <p:childTnLst>
-                              <p:par>
-                                <p:cTn id="11" presetID="1" presetClass="entr" presetSubtype="0" fill="hold" grpId="0" nodeType="clickEffect">
-                                  <p:stCondLst>
-                                    <p:cond delay="0"/>
-                                  </p:stCondLst>
-                                  <p:childTnLst>
-                                    <p:set>
-                                      <p:cBhvr>
-                                        <p:cTn id="12" dur="1" fill="hold">
-                                          <p:stCondLst>
-                                            <p:cond delay="0"/>
-                                          </p:stCondLst>
-                                        </p:cTn>
-                                        <p:tgtEl>
-                                          <p:spTgt spid="3">
-                                            <p:txEl>
-                                              <p:pRg st="1" end="1"/>
-                                            </p:txEl>
-                                          </p:spTgt>
-                                        </p:tgtEl>
-                                        <p:attrNameLst>
-                                          <p:attrName>style.visibility</p:attrName>
-                                        </p:attrNameLst>
-                                      </p:cBhvr>
-                                      <p:to>
-                                        <p:strVal val="visible"/>
-                                      </p:to>
-                                    </p:set>
-                                  </p:childTnLst>
-                                </p:cTn>
-                              </p:par>
-                              <p:par>
-                                <p:cTn id="13" presetID="1" presetClass="entr" presetSubtype="0" fill="hold" grpId="0" nodeType="withEffect">
-                                  <p:stCondLst>
-                                    <p:cond delay="0"/>
-                                  </p:stCondLst>
-                                  <p:childTnLst>
-                                    <p:set>
-                                      <p:cBhvr>
-                                        <p:cTn id="14" dur="1" fill="hold">
-                                          <p:stCondLst>
-                                            <p:cond delay="0"/>
-                                          </p:stCondLst>
-                                        </p:cTn>
-                                        <p:tgtEl>
-                                          <p:spTgt spid="6">
-                                            <p:txEl>
-                                              <p:pRg st="1" end="1"/>
-                                            </p:txEl>
-                                          </p:spTgt>
-                                        </p:tgtEl>
-                                        <p:attrNameLst>
-                                          <p:attrName>style.visibility</p:attrName>
-                                        </p:attrNameLst>
-                                      </p:cBhvr>
-                                      <p:to>
-                                        <p:strVal val="visible"/>
-                                      </p:to>
-                                    </p:set>
-                                  </p:childTnLst>
-                                </p:cTn>
-                              </p:par>
-                            </p:childTnLst>
-                          </p:cTn>
-                        </p:par>
-                      </p:childTnLst>
-                    </p:cTn>
-                  </p:par>
-                  <p:par>
-                    <p:cTn id="15" fill="hold">
-                      <p:stCondLst>
-                        <p:cond delay="indefinite"/>
-                      </p:stCondLst>
-                      <p:childTnLst>
-                        <p:par>
-                          <p:cTn id="16" fill="hold">
-                            <p:stCondLst>
-                              <p:cond delay="0"/>
-                            </p:stCondLst>
-                            <p:childTnLst>
-                              <p:par>
-                                <p:cTn id="17" presetID="1" presetClass="entr" presetSubtype="0" fill="hold" grpId="0" nodeType="clickEffect">
-                                  <p:stCondLst>
-                                    <p:cond delay="0"/>
-                                  </p:stCondLst>
-                                  <p:childTnLst>
-                                    <p:set>
-                                      <p:cBhvr>
-                                        <p:cTn id="18" dur="1" fill="hold">
-                                          <p:stCondLst>
-                                            <p:cond delay="0"/>
-                                          </p:stCondLst>
-                                        </p:cTn>
-                                        <p:tgtEl>
-                                          <p:spTgt spid="6">
-                                            <p:txEl>
-                                              <p:pRg st="2" end="2"/>
-                                            </p:txEl>
-                                          </p:spTgt>
-                                        </p:tgtEl>
-                                        <p:attrNameLst>
-                                          <p:attrName>style.visibility</p:attrName>
-                                        </p:attrNameLst>
-                                      </p:cBhvr>
-                                      <p:to>
-                                        <p:strVal val="visible"/>
-                                      </p:to>
-                                    </p:set>
-                                  </p:childTnLst>
-                                </p:cTn>
-                              </p:par>
-                            </p:childTnLst>
-                          </p:cTn>
-                        </p:par>
-                      </p:childTnLst>
-                    </p:cTn>
-                  </p:par>
-                </p:childTnLst>
-              </p:cTn>
-              <p:prevCondLst>
-                <p:cond evt="onPrev" delay="0">
-                  <p:tgtEl>
-                    <p:sldTgt/>
-                  </p:tgtEl>
-                </p:cond>
-              </p:prevCondLst>
-              <p:nextCondLst>
-                <p:cond evt="onNext" delay="0">
-                  <p:tgtEl>
-                    <p:sldTgt/>
-                  </p:tgtEl>
-                </p:cond>
-              </p:nextCondLst>
-            </p:seq>
-          </p:childTnLst>
-        </p:cTn>
-      </p:par>
-    </p:tnLst>
-    <p:bldLst>
-      <p:bldP spid="3" grpId="0" uiExpand="1" build="p"/>
-      <p:bldP spid="6" grpId="0" uiExpand="1" build="p"/>
-    </p:bldLst>
-  </p:timing>
 </p:sld>
 </file>
 
@@ -5784,7 +5649,7 @@
           <p:cNvPr id="2" name="標題 1">
             <a:extLst>
               <a:ext uri="{FF2B5EF4-FFF2-40B4-BE49-F238E27FC236}">
-                <a16:creationId xmlns:a16="http://schemas.microsoft.com/office/drawing/2014/main" id="{375E1AF3-3882-40CA-A050-39AC4380C4C4}"/>
+                <a16:creationId xmlns:a16="http://schemas.microsoft.com/office/drawing/2014/main" id="{FFE36D1B-5ED2-4A00-878C-6CAF180DBE55}"/>
               </a:ext>
             </a:extLst>
           </p:cNvPr>
@@ -5802,25 +5667,17 @@
           <a:p>
             <a:r>
               <a:rPr lang="zh-TW" altLang="en-US" dirty="0"/>
-              <a:t>怎麼用非同步</a:t>
-            </a:r>
-            <a:r>
-              <a:rPr lang="en-US" altLang="zh-TW" dirty="0"/>
-              <a:t>—</a:t>
-            </a:r>
-            <a:r>
-              <a:rPr lang="zh-TW" altLang="en-US" dirty="0"/>
-              <a:t>呼叫</a:t>
-            </a:r>
-          </a:p>
-        </p:txBody>
-      </p:sp>
-      <p:sp>
-        <p:nvSpPr>
-          <p:cNvPr id="4" name="文字版面配置區 3">
+              <a:t>什麼時候要用非同步</a:t>
+            </a:r>
+          </a:p>
+        </p:txBody>
+      </p:sp>
+      <p:sp>
+        <p:nvSpPr>
+          <p:cNvPr id="3" name="內容版面配置區 2">
             <a:extLst>
               <a:ext uri="{FF2B5EF4-FFF2-40B4-BE49-F238E27FC236}">
-                <a16:creationId xmlns:a16="http://schemas.microsoft.com/office/drawing/2014/main" id="{181CE145-9952-493A-888F-38A8E2327298}"/>
+                <a16:creationId xmlns:a16="http://schemas.microsoft.com/office/drawing/2014/main" id="{464FCDCB-32CE-482F-9AD7-B6C09B96468B}"/>
               </a:ext>
             </a:extLst>
           </p:cNvPr>
@@ -5828,375 +5685,62 @@
             <a:spLocks noGrp="1"/>
           </p:cNvSpPr>
           <p:nvPr>
-            <p:ph type="body" idx="1"/>
-          </p:nvPr>
-        </p:nvSpPr>
-        <p:spPr>
-          <a:xfrm>
-            <a:off x="1371600" y="1516952"/>
-            <a:ext cx="4443984" cy="823912"/>
-          </a:xfrm>
-        </p:spPr>
+            <p:ph idx="1"/>
+          </p:nvPr>
+        </p:nvSpPr>
+        <p:spPr/>
         <p:txBody>
           <a:bodyPr/>
           <a:lstStyle/>
           <a:p>
             <a:r>
               <a:rPr lang="zh-TW" altLang="en-US" dirty="0"/>
-              <a:t>同步</a:t>
-            </a:r>
-          </a:p>
-        </p:txBody>
-      </p:sp>
-      <p:sp>
-        <p:nvSpPr>
-          <p:cNvPr id="3" name="內容版面配置區 2">
-            <a:extLst>
-              <a:ext uri="{FF2B5EF4-FFF2-40B4-BE49-F238E27FC236}">
-                <a16:creationId xmlns:a16="http://schemas.microsoft.com/office/drawing/2014/main" id="{4877105D-F782-4702-BD7A-A4E0F46A3650}"/>
-              </a:ext>
-            </a:extLst>
-          </p:cNvPr>
-          <p:cNvSpPr>
-            <a:spLocks noGrp="1"/>
-          </p:cNvSpPr>
-          <p:nvPr>
-            <p:ph sz="half" idx="2"/>
-          </p:nvPr>
-        </p:nvSpPr>
-        <p:spPr>
-          <a:xfrm>
-            <a:off x="1371600" y="2340865"/>
-            <a:ext cx="4443984" cy="3526536"/>
-          </a:xfrm>
-        </p:spPr>
-        <p:txBody>
-          <a:bodyPr/>
-          <a:lstStyle/>
-          <a:p>
-            <a:r>
-              <a:rPr lang="en-US" altLang="zh-TW" dirty="0">
-                <a:latin typeface="Consolas" panose="020B0609020204030204" pitchFamily="49" charset="0"/>
-              </a:rPr>
-              <a:t>Foo();</a:t>
-            </a:r>
-          </a:p>
-          <a:p>
-            <a:r>
-              <a:rPr lang="en-US" altLang="zh-TW" dirty="0">
-                <a:latin typeface="Consolas" panose="020B0609020204030204" pitchFamily="49" charset="0"/>
-              </a:rPr>
-              <a:t>var a = Bar();</a:t>
-            </a:r>
-            <a:endParaRPr lang="zh-TW" altLang="en-US" dirty="0">
-              <a:latin typeface="Consolas" panose="020B0609020204030204" pitchFamily="49" charset="0"/>
-            </a:endParaRPr>
-          </a:p>
-        </p:txBody>
-      </p:sp>
-      <p:sp>
-        <p:nvSpPr>
-          <p:cNvPr id="5" name="文字版面配置區 4">
-            <a:extLst>
-              <a:ext uri="{FF2B5EF4-FFF2-40B4-BE49-F238E27FC236}">
-                <a16:creationId xmlns:a16="http://schemas.microsoft.com/office/drawing/2014/main" id="{942B86E4-C93F-49AE-B1E3-B5BD1344E2BB}"/>
-              </a:ext>
-            </a:extLst>
-          </p:cNvPr>
-          <p:cNvSpPr>
-            <a:spLocks noGrp="1"/>
-          </p:cNvSpPr>
-          <p:nvPr>
-            <p:ph type="body" sz="quarter" idx="3"/>
-          </p:nvPr>
-        </p:nvSpPr>
-        <p:spPr>
-          <a:xfrm>
-            <a:off x="6525014" y="1516952"/>
-            <a:ext cx="4443984" cy="823912"/>
-          </a:xfrm>
-        </p:spPr>
-        <p:txBody>
-          <a:bodyPr/>
-          <a:lstStyle/>
-          <a:p>
+              <a:t>有</a:t>
+            </a:r>
+            <a:r>
+              <a:rPr lang="en-US" altLang="zh-TW" dirty="0"/>
+              <a:t>UI</a:t>
+            </a:r>
             <a:r>
               <a:rPr lang="zh-TW" altLang="en-US" dirty="0"/>
-              <a:t>非同步</a:t>
-            </a:r>
-          </a:p>
-        </p:txBody>
-      </p:sp>
-      <p:sp>
-        <p:nvSpPr>
-          <p:cNvPr id="6" name="內容版面配置區 5">
-            <a:extLst>
-              <a:ext uri="{FF2B5EF4-FFF2-40B4-BE49-F238E27FC236}">
-                <a16:creationId xmlns:a16="http://schemas.microsoft.com/office/drawing/2014/main" id="{53C35351-5CFA-4BAB-8FA2-88082AB12F8E}"/>
-              </a:ext>
-            </a:extLst>
-          </p:cNvPr>
-          <p:cNvSpPr>
-            <a:spLocks noGrp="1"/>
-          </p:cNvSpPr>
-          <p:nvPr>
-            <p:ph sz="quarter" idx="4"/>
-          </p:nvPr>
-        </p:nvSpPr>
-        <p:spPr>
-          <a:xfrm>
-            <a:off x="6525013" y="2340865"/>
-            <a:ext cx="5465881" cy="3526536"/>
-          </a:xfrm>
-        </p:spPr>
-        <p:txBody>
-          <a:bodyPr/>
-          <a:lstStyle/>
-          <a:p>
-            <a:r>
-              <a:rPr lang="en-US" altLang="zh-TW" dirty="0">
-                <a:latin typeface="Consolas" panose="020B0609020204030204" pitchFamily="49" charset="0"/>
-              </a:rPr>
-              <a:t>await </a:t>
-            </a:r>
-            <a:r>
-              <a:rPr lang="en-US" altLang="zh-TW" dirty="0" err="1">
-                <a:latin typeface="Consolas" panose="020B0609020204030204" pitchFamily="49" charset="0"/>
-              </a:rPr>
-              <a:t>FooAsync</a:t>
-            </a:r>
-            <a:r>
-              <a:rPr lang="en-US" altLang="zh-TW" dirty="0">
-                <a:latin typeface="Consolas" panose="020B0609020204030204" pitchFamily="49" charset="0"/>
-              </a:rPr>
-              <a:t>();</a:t>
-            </a:r>
-          </a:p>
-          <a:p>
-            <a:r>
-              <a:rPr lang="en-US" altLang="zh-TW" dirty="0">
-                <a:latin typeface="Consolas" panose="020B0609020204030204" pitchFamily="49" charset="0"/>
-              </a:rPr>
-              <a:t>var a = await </a:t>
-            </a:r>
-            <a:r>
-              <a:rPr lang="en-US" altLang="zh-TW" dirty="0" err="1">
-                <a:latin typeface="Consolas" panose="020B0609020204030204" pitchFamily="49" charset="0"/>
-              </a:rPr>
-              <a:t>BarAsync</a:t>
-            </a:r>
-            <a:r>
-              <a:rPr lang="en-US" altLang="zh-TW" dirty="0">
-                <a:latin typeface="Consolas" panose="020B0609020204030204" pitchFamily="49" charset="0"/>
-              </a:rPr>
-              <a:t>();</a:t>
-            </a:r>
-            <a:endParaRPr lang="zh-TW" altLang="en-US" strike="sngStrike" dirty="0">
-              <a:latin typeface="Consolas" panose="020B0609020204030204" pitchFamily="49" charset="0"/>
-            </a:endParaRPr>
+              <a:t>的程式</a:t>
+            </a:r>
+            <a:endParaRPr lang="en-US" altLang="zh-TW" dirty="0"/>
+          </a:p>
+          <a:p>
+            <a:pPr lvl="1"/>
+            <a:r>
+              <a:rPr lang="zh-TW" altLang="en-US" dirty="0"/>
+              <a:t>視窗程式</a:t>
+            </a:r>
+            <a:endParaRPr lang="en-US" altLang="zh-TW" dirty="0"/>
+          </a:p>
+          <a:p>
+            <a:pPr lvl="1"/>
+            <a:r>
+              <a:rPr lang="en-US" altLang="zh-TW" dirty="0"/>
+              <a:t>APP</a:t>
+            </a:r>
+          </a:p>
+          <a:p>
+            <a:r>
+              <a:rPr lang="zh-TW" altLang="en-US" dirty="0"/>
+              <a:t>等待</a:t>
+            </a:r>
+            <a:endParaRPr lang="en-US" altLang="zh-TW" dirty="0"/>
           </a:p>
         </p:txBody>
       </p:sp>
     </p:spTree>
     <p:extLst>
       <p:ext uri="{BB962C8B-B14F-4D97-AF65-F5344CB8AC3E}">
-        <p14:creationId xmlns:p14="http://schemas.microsoft.com/office/powerpoint/2010/main" val="3670598019"/>
+        <p14:creationId xmlns:p14="http://schemas.microsoft.com/office/powerpoint/2010/main" val="470413712"/>
       </p:ext>
     </p:extLst>
   </p:cSld>
   <p:clrMapOvr>
     <a:masterClrMapping/>
   </p:clrMapOvr>
-  <p:timing>
-    <p:tnLst>
-      <p:par>
-        <p:cTn id="1" dur="indefinite" restart="never" nodeType="tmRoot">
-          <p:childTnLst>
-            <p:seq concurrent="1" nextAc="seek">
-              <p:cTn id="2" dur="indefinite" nodeType="mainSeq">
-                <p:childTnLst>
-                  <p:par>
-                    <p:cTn id="3" fill="hold">
-                      <p:stCondLst>
-                        <p:cond delay="indefinite"/>
-                      </p:stCondLst>
-                      <p:childTnLst>
-                        <p:par>
-                          <p:cTn id="4" fill="hold">
-                            <p:stCondLst>
-                              <p:cond delay="0"/>
-                            </p:stCondLst>
-                            <p:childTnLst>
-                              <p:par>
-                                <p:cTn id="5" presetID="1" presetClass="entr" presetSubtype="0" fill="hold" nodeType="clickEffect">
-                                  <p:stCondLst>
-                                    <p:cond delay="0"/>
-                                  </p:stCondLst>
-                                  <p:childTnLst>
-                                    <p:set>
-                                      <p:cBhvr>
-                                        <p:cTn id="6" dur="1" fill="hold">
-                                          <p:stCondLst>
-                                            <p:cond delay="0"/>
-                                          </p:stCondLst>
-                                        </p:cTn>
-                                        <p:tgtEl>
-                                          <p:spTgt spid="3">
-                                            <p:txEl>
-                                              <p:pRg st="0" end="0"/>
-                                            </p:txEl>
-                                          </p:spTgt>
-                                        </p:tgtEl>
-                                        <p:attrNameLst>
-                                          <p:attrName>style.visibility</p:attrName>
-                                        </p:attrNameLst>
-                                      </p:cBhvr>
-                                      <p:to>
-                                        <p:strVal val="visible"/>
-                                      </p:to>
-                                    </p:set>
-                                  </p:childTnLst>
-                                </p:cTn>
-                              </p:par>
-                              <p:par>
-                                <p:cTn id="7" presetID="1" presetClass="entr" presetSubtype="0" fill="hold" nodeType="withEffect">
-                                  <p:stCondLst>
-                                    <p:cond delay="0"/>
-                                  </p:stCondLst>
-                                  <p:childTnLst>
-                                    <p:set>
-                                      <p:cBhvr>
-                                        <p:cTn id="8" dur="1" fill="hold">
-                                          <p:stCondLst>
-                                            <p:cond delay="0"/>
-                                          </p:stCondLst>
-                                        </p:cTn>
-                                        <p:tgtEl>
-                                          <p:spTgt spid="6">
-                                            <p:txEl>
-                                              <p:pRg st="0" end="0"/>
-                                            </p:txEl>
-                                          </p:spTgt>
-                                        </p:tgtEl>
-                                        <p:attrNameLst>
-                                          <p:attrName>style.visibility</p:attrName>
-                                        </p:attrNameLst>
-                                      </p:cBhvr>
-                                      <p:to>
-                                        <p:strVal val="visible"/>
-                                      </p:to>
-                                    </p:set>
-                                  </p:childTnLst>
-                                </p:cTn>
-                              </p:par>
-                            </p:childTnLst>
-                          </p:cTn>
-                        </p:par>
-                      </p:childTnLst>
-                    </p:cTn>
-                  </p:par>
-                  <p:par>
-                    <p:cTn id="9" fill="hold">
-                      <p:stCondLst>
-                        <p:cond delay="indefinite"/>
-                      </p:stCondLst>
-                      <p:childTnLst>
-                        <p:par>
-                          <p:cTn id="10" fill="hold">
-                            <p:stCondLst>
-                              <p:cond delay="0"/>
-                            </p:stCondLst>
-                            <p:childTnLst>
-                              <p:par>
-                                <p:cTn id="11" presetID="1" presetClass="entr" presetSubtype="0" fill="hold" nodeType="clickEffect">
-                                  <p:stCondLst>
-                                    <p:cond delay="0"/>
-                                  </p:stCondLst>
-                                  <p:childTnLst>
-                                    <p:set>
-                                      <p:cBhvr>
-                                        <p:cTn id="12" dur="1" fill="hold">
-                                          <p:stCondLst>
-                                            <p:cond delay="0"/>
-                                          </p:stCondLst>
-                                        </p:cTn>
-                                        <p:tgtEl>
-                                          <p:spTgt spid="3">
-                                            <p:txEl>
-                                              <p:pRg st="1" end="1"/>
-                                            </p:txEl>
-                                          </p:spTgt>
-                                        </p:tgtEl>
-                                        <p:attrNameLst>
-                                          <p:attrName>style.visibility</p:attrName>
-                                        </p:attrNameLst>
-                                      </p:cBhvr>
-                                      <p:to>
-                                        <p:strVal val="visible"/>
-                                      </p:to>
-                                    </p:set>
-                                  </p:childTnLst>
-                                </p:cTn>
-                              </p:par>
-                              <p:par>
-                                <p:cTn id="13" presetID="1" presetClass="entr" presetSubtype="0" fill="hold" nodeType="withEffect">
-                                  <p:stCondLst>
-                                    <p:cond delay="0"/>
-                                  </p:stCondLst>
-                                  <p:childTnLst>
-                                    <p:set>
-                                      <p:cBhvr>
-                                        <p:cTn id="14" dur="1" fill="hold">
-                                          <p:stCondLst>
-                                            <p:cond delay="0"/>
-                                          </p:stCondLst>
-                                        </p:cTn>
-                                        <p:tgtEl>
-                                          <p:spTgt spid="6">
-                                            <p:txEl>
-                                              <p:pRg st="1" end="1"/>
-                                            </p:txEl>
-                                          </p:spTgt>
-                                        </p:tgtEl>
-                                        <p:attrNameLst>
-                                          <p:attrName>style.visibility</p:attrName>
-                                        </p:attrNameLst>
-                                      </p:cBhvr>
-                                      <p:to>
-                                        <p:strVal val="visible"/>
-                                      </p:to>
-                                    </p:set>
-                                  </p:childTnLst>
-                                </p:cTn>
-                              </p:par>
-                            </p:childTnLst>
-                          </p:cTn>
-                        </p:par>
-                      </p:childTnLst>
-                    </p:cTn>
-                  </p:par>
-                </p:childTnLst>
-              </p:cTn>
-              <p:prevCondLst>
-                <p:cond evt="onPrev" delay="0">
-                  <p:tgtEl>
-                    <p:sldTgt/>
-                  </p:tgtEl>
-                </p:cond>
-              </p:prevCondLst>
-              <p:nextCondLst>
-                <p:cond evt="onNext" delay="0">
-                  <p:tgtEl>
-                    <p:sldTgt/>
-                  </p:tgtEl>
-                </p:cond>
-              </p:nextCondLst>
-            </p:seq>
-          </p:childTnLst>
-        </p:cTn>
-      </p:par>
-    </p:tnLst>
-  </p:timing>
 </p:sld>
 </file>
 
@@ -6302,10 +5846,10 @@
       </p:grpSpPr>
       <p:sp>
         <p:nvSpPr>
-          <p:cNvPr id="2" name="標題 1">
+          <p:cNvPr id="4" name="標題 3">
             <a:extLst>
               <a:ext uri="{FF2B5EF4-FFF2-40B4-BE49-F238E27FC236}">
-                <a16:creationId xmlns:a16="http://schemas.microsoft.com/office/drawing/2014/main" id="{375E1AF3-3882-40CA-A050-39AC4380C4C4}"/>
+                <a16:creationId xmlns:a16="http://schemas.microsoft.com/office/drawing/2014/main" id="{BD4D1AC1-EA7F-4517-B8A1-C8C04888B929}"/>
               </a:ext>
             </a:extLst>
           </p:cNvPr>
@@ -6323,22 +5867,17 @@
           <a:p>
             <a:r>
               <a:rPr lang="zh-TW" altLang="en-US" dirty="0"/>
-              <a:t>怎麼用非同步</a:t>
-            </a:r>
-            <a:r>
-              <a:rPr lang="en-US" altLang="zh-TW" dirty="0"/>
-              <a:t>—Lambda</a:t>
-            </a:r>
-            <a:endParaRPr lang="zh-TW" altLang="en-US" dirty="0"/>
-          </a:p>
-        </p:txBody>
-      </p:sp>
-      <p:sp>
-        <p:nvSpPr>
-          <p:cNvPr id="4" name="文字版面配置區 3">
+              <a:t>非同步的優缺點</a:t>
+            </a:r>
+          </a:p>
+        </p:txBody>
+      </p:sp>
+      <p:sp>
+        <p:nvSpPr>
+          <p:cNvPr id="5" name="文字版面配置區 4">
             <a:extLst>
               <a:ext uri="{FF2B5EF4-FFF2-40B4-BE49-F238E27FC236}">
-                <a16:creationId xmlns:a16="http://schemas.microsoft.com/office/drawing/2014/main" id="{181CE145-9952-493A-888F-38A8E2327298}"/>
+                <a16:creationId xmlns:a16="http://schemas.microsoft.com/office/drawing/2014/main" id="{FB99B319-881C-4A6A-9C57-D26A187CAADA}"/>
               </a:ext>
             </a:extLst>
           </p:cNvPr>
@@ -6349,192 +5888,19 @@
             <p:ph type="body" idx="1"/>
           </p:nvPr>
         </p:nvSpPr>
-        <p:spPr>
-          <a:xfrm>
-            <a:off x="1371600" y="1516952"/>
-            <a:ext cx="4443984" cy="823912"/>
-          </a:xfrm>
-        </p:spPr>
-        <p:txBody>
-          <a:bodyPr/>
-          <a:lstStyle/>
-          <a:p>
-            <a:r>
-              <a:rPr lang="zh-TW" altLang="en-US" dirty="0"/>
-              <a:t>同步</a:t>
-            </a:r>
-          </a:p>
-        </p:txBody>
-      </p:sp>
-      <p:sp>
-        <p:nvSpPr>
-          <p:cNvPr id="3" name="內容版面配置區 2">
-            <a:extLst>
-              <a:ext uri="{FF2B5EF4-FFF2-40B4-BE49-F238E27FC236}">
-                <a16:creationId xmlns:a16="http://schemas.microsoft.com/office/drawing/2014/main" id="{4877105D-F782-4702-BD7A-A4E0F46A3650}"/>
-              </a:ext>
-            </a:extLst>
-          </p:cNvPr>
-          <p:cNvSpPr>
-            <a:spLocks noGrp="1"/>
-          </p:cNvSpPr>
-          <p:nvPr>
-            <p:ph sz="half" idx="2"/>
-          </p:nvPr>
-        </p:nvSpPr>
-        <p:spPr>
-          <a:xfrm>
-            <a:off x="1371600" y="2340865"/>
-            <a:ext cx="4443984" cy="3526536"/>
-          </a:xfrm>
-        </p:spPr>
-        <p:txBody>
-          <a:bodyPr/>
-          <a:lstStyle/>
-          <a:p>
-            <a:r>
-              <a:rPr lang="en-US" altLang="zh-TW" dirty="0">
-                <a:latin typeface="Consolas" panose="020B0609020204030204" pitchFamily="49" charset="0"/>
-              </a:rPr>
-              <a:t>Foo(()=&gt;{</a:t>
-            </a:r>
-          </a:p>
-          <a:p>
-            <a:pPr marL="0" indent="0">
-              <a:buNone/>
-            </a:pPr>
-            <a:r>
-              <a:rPr lang="en-US" altLang="zh-TW" dirty="0">
-                <a:latin typeface="Consolas" panose="020B0609020204030204" pitchFamily="49" charset="0"/>
-              </a:rPr>
-              <a:t>  	Bar();</a:t>
-            </a:r>
-          </a:p>
-          <a:p>
-            <a:pPr marL="0" indent="0">
-              <a:buNone/>
-            </a:pPr>
-            <a:r>
-              <a:rPr lang="en-US" altLang="zh-TW" dirty="0">
-                <a:latin typeface="Consolas" panose="020B0609020204030204" pitchFamily="49" charset="0"/>
-              </a:rPr>
-              <a:t>  })</a:t>
-            </a:r>
-            <a:endParaRPr lang="zh-TW" altLang="en-US" dirty="0">
-              <a:latin typeface="Consolas" panose="020B0609020204030204" pitchFamily="49" charset="0"/>
-            </a:endParaRPr>
-          </a:p>
-        </p:txBody>
-      </p:sp>
-      <p:sp>
-        <p:nvSpPr>
-          <p:cNvPr id="5" name="文字版面配置區 4">
-            <a:extLst>
-              <a:ext uri="{FF2B5EF4-FFF2-40B4-BE49-F238E27FC236}">
-                <a16:creationId xmlns:a16="http://schemas.microsoft.com/office/drawing/2014/main" id="{942B86E4-C93F-49AE-B1E3-B5BD1344E2BB}"/>
-              </a:ext>
-            </a:extLst>
-          </p:cNvPr>
-          <p:cNvSpPr>
-            <a:spLocks noGrp="1"/>
-          </p:cNvSpPr>
-          <p:nvPr>
-            <p:ph type="body" sz="quarter" idx="3"/>
-          </p:nvPr>
-        </p:nvSpPr>
-        <p:spPr>
-          <a:xfrm>
-            <a:off x="6525014" y="1516952"/>
-            <a:ext cx="4443984" cy="823912"/>
-          </a:xfrm>
-        </p:spPr>
-        <p:txBody>
-          <a:bodyPr/>
-          <a:lstStyle/>
-          <a:p>
-            <a:r>
-              <a:rPr lang="zh-TW" altLang="en-US" dirty="0"/>
-              <a:t>非同步</a:t>
-            </a:r>
-          </a:p>
-        </p:txBody>
-      </p:sp>
-      <p:sp>
-        <p:nvSpPr>
-          <p:cNvPr id="6" name="內容版面配置區 5">
-            <a:extLst>
-              <a:ext uri="{FF2B5EF4-FFF2-40B4-BE49-F238E27FC236}">
-                <a16:creationId xmlns:a16="http://schemas.microsoft.com/office/drawing/2014/main" id="{53C35351-5CFA-4BAB-8FA2-88082AB12F8E}"/>
-              </a:ext>
-            </a:extLst>
-          </p:cNvPr>
-          <p:cNvSpPr>
-            <a:spLocks noGrp="1"/>
-          </p:cNvSpPr>
-          <p:nvPr>
-            <p:ph sz="quarter" idx="4"/>
-          </p:nvPr>
-        </p:nvSpPr>
-        <p:spPr>
-          <a:xfrm>
-            <a:off x="6525013" y="2340865"/>
-            <a:ext cx="5153415" cy="3526536"/>
-          </a:xfrm>
-        </p:spPr>
-        <p:txBody>
-          <a:bodyPr/>
-          <a:lstStyle/>
-          <a:p>
-            <a:r>
-              <a:rPr lang="en-US" altLang="zh-TW" dirty="0">
-                <a:latin typeface="Consolas" panose="020B0609020204030204" pitchFamily="49" charset="0"/>
-              </a:rPr>
-              <a:t>Foo(async ()=&gt;{</a:t>
-            </a:r>
-          </a:p>
-          <a:p>
-            <a:pPr marL="0" indent="0">
-              <a:buNone/>
-            </a:pPr>
-            <a:r>
-              <a:rPr lang="en-US" altLang="zh-TW" dirty="0">
-                <a:latin typeface="Consolas" panose="020B0609020204030204" pitchFamily="49" charset="0"/>
-              </a:rPr>
-              <a:t>  	await </a:t>
-            </a:r>
-            <a:r>
-              <a:rPr lang="en-US" altLang="zh-TW" dirty="0" err="1">
-                <a:latin typeface="Consolas" panose="020B0609020204030204" pitchFamily="49" charset="0"/>
-              </a:rPr>
-              <a:t>BarAsync</a:t>
-            </a:r>
-            <a:r>
-              <a:rPr lang="en-US" altLang="zh-TW" dirty="0">
-                <a:latin typeface="Consolas" panose="020B0609020204030204" pitchFamily="49" charset="0"/>
-              </a:rPr>
-              <a:t>();</a:t>
-            </a:r>
-          </a:p>
-          <a:p>
-            <a:pPr marL="0" indent="0">
-              <a:buNone/>
-            </a:pPr>
-            <a:r>
-              <a:rPr lang="en-US" altLang="zh-TW" dirty="0">
-                <a:latin typeface="Consolas" panose="020B0609020204030204" pitchFamily="49" charset="0"/>
-              </a:rPr>
-              <a:t>  })</a:t>
-            </a:r>
-            <a:endParaRPr lang="zh-TW" altLang="en-US" dirty="0">
-              <a:latin typeface="Consolas" panose="020B0609020204030204" pitchFamily="49" charset="0"/>
-            </a:endParaRPr>
+        <p:spPr/>
+        <p:txBody>
+          <a:bodyPr/>
+          <a:lstStyle/>
+          <a:p>
+            <a:endParaRPr lang="zh-TW" altLang="en-US"/>
           </a:p>
         </p:txBody>
       </p:sp>
     </p:spTree>
     <p:extLst>
       <p:ext uri="{BB962C8B-B14F-4D97-AF65-F5344CB8AC3E}">
-        <p14:creationId xmlns:p14="http://schemas.microsoft.com/office/powerpoint/2010/main" val="861732010"/>
+        <p14:creationId xmlns:p14="http://schemas.microsoft.com/office/powerpoint/2010/main" val="1493767524"/>
       </p:ext>
     </p:extLst>
   </p:cSld>
@@ -6563,6 +5929,251 @@
       </p:grpSpPr>
       <p:sp>
         <p:nvSpPr>
+          <p:cNvPr id="2" name="標題 1">
+            <a:extLst>
+              <a:ext uri="{FF2B5EF4-FFF2-40B4-BE49-F238E27FC236}">
+                <a16:creationId xmlns:a16="http://schemas.microsoft.com/office/drawing/2014/main" id="{52A2B961-E106-42D9-99DB-5B48152E8833}"/>
+              </a:ext>
+            </a:extLst>
+          </p:cNvPr>
+          <p:cNvSpPr>
+            <a:spLocks noGrp="1"/>
+          </p:cNvSpPr>
+          <p:nvPr>
+            <p:ph type="title"/>
+          </p:nvPr>
+        </p:nvSpPr>
+        <p:spPr/>
+        <p:txBody>
+          <a:bodyPr/>
+          <a:lstStyle/>
+          <a:p>
+            <a:r>
+              <a:rPr lang="zh-TW" altLang="en-US" dirty="0"/>
+              <a:t>非同步的優點</a:t>
+            </a:r>
+          </a:p>
+        </p:txBody>
+      </p:sp>
+      <p:sp>
+        <p:nvSpPr>
+          <p:cNvPr id="3" name="內容版面配置區 2">
+            <a:extLst>
+              <a:ext uri="{FF2B5EF4-FFF2-40B4-BE49-F238E27FC236}">
+                <a16:creationId xmlns:a16="http://schemas.microsoft.com/office/drawing/2014/main" id="{43B9F297-2F6E-4462-BDD1-8F868F25DC5B}"/>
+              </a:ext>
+            </a:extLst>
+          </p:cNvPr>
+          <p:cNvSpPr>
+            <a:spLocks noGrp="1"/>
+          </p:cNvSpPr>
+          <p:nvPr>
+            <p:ph idx="1"/>
+          </p:nvPr>
+        </p:nvSpPr>
+        <p:spPr/>
+        <p:txBody>
+          <a:bodyPr/>
+          <a:lstStyle/>
+          <a:p>
+            <a:r>
+              <a:rPr lang="zh-TW" altLang="en-US" dirty="0"/>
+              <a:t>整體效能提升</a:t>
+            </a:r>
+            <a:endParaRPr lang="en-US" altLang="zh-TW" dirty="0"/>
+          </a:p>
+          <a:p>
+            <a:r>
+              <a:rPr lang="zh-TW" altLang="en-US" dirty="0"/>
+              <a:t>降低大流量時的執行續負擔</a:t>
+            </a:r>
+            <a:endParaRPr lang="en-US" altLang="zh-TW" dirty="0"/>
+          </a:p>
+          <a:p>
+            <a:r>
+              <a:rPr lang="zh-TW" altLang="en-US" dirty="0"/>
+              <a:t>避免資源鎖死</a:t>
+            </a:r>
+          </a:p>
+        </p:txBody>
+      </p:sp>
+    </p:spTree>
+    <p:extLst>
+      <p:ext uri="{BB962C8B-B14F-4D97-AF65-F5344CB8AC3E}">
+        <p14:creationId xmlns:p14="http://schemas.microsoft.com/office/powerpoint/2010/main" val="739057728"/>
+      </p:ext>
+    </p:extLst>
+  </p:cSld>
+  <p:clrMapOvr>
+    <a:masterClrMapping/>
+  </p:clrMapOvr>
+</p:sld>
+</file>
+
+<file path=ppt/slides/slide22.xml><?xml version="1.0" encoding="utf-8"?>
+<p:sld xmlns:a="http://schemas.openxmlformats.org/drawingml/2006/main" xmlns:r="http://schemas.openxmlformats.org/officeDocument/2006/relationships" xmlns:p="http://schemas.openxmlformats.org/presentationml/2006/main">
+  <p:cSld>
+    <p:spTree>
+      <p:nvGrpSpPr>
+        <p:cNvPr id="1" name=""/>
+        <p:cNvGrpSpPr/>
+        <p:nvPr/>
+      </p:nvGrpSpPr>
+      <p:grpSpPr>
+        <a:xfrm>
+          <a:off x="0" y="0"/>
+          <a:ext cx="0" cy="0"/>
+          <a:chOff x="0" y="0"/>
+          <a:chExt cx="0" cy="0"/>
+        </a:xfrm>
+      </p:grpSpPr>
+      <p:sp>
+        <p:nvSpPr>
+          <p:cNvPr id="2" name="標題 1">
+            <a:extLst>
+              <a:ext uri="{FF2B5EF4-FFF2-40B4-BE49-F238E27FC236}">
+                <a16:creationId xmlns:a16="http://schemas.microsoft.com/office/drawing/2014/main" id="{52A2B961-E106-42D9-99DB-5B48152E8833}"/>
+              </a:ext>
+            </a:extLst>
+          </p:cNvPr>
+          <p:cNvSpPr>
+            <a:spLocks noGrp="1"/>
+          </p:cNvSpPr>
+          <p:nvPr>
+            <p:ph type="title"/>
+          </p:nvPr>
+        </p:nvSpPr>
+        <p:spPr/>
+        <p:txBody>
+          <a:bodyPr/>
+          <a:lstStyle/>
+          <a:p>
+            <a:r>
+              <a:rPr lang="zh-TW" altLang="en-US" dirty="0"/>
+              <a:t>非同步的缺點</a:t>
+            </a:r>
+          </a:p>
+        </p:txBody>
+      </p:sp>
+      <p:sp>
+        <p:nvSpPr>
+          <p:cNvPr id="3" name="內容版面配置區 2">
+            <a:extLst>
+              <a:ext uri="{FF2B5EF4-FFF2-40B4-BE49-F238E27FC236}">
+                <a16:creationId xmlns:a16="http://schemas.microsoft.com/office/drawing/2014/main" id="{43B9F297-2F6E-4462-BDD1-8F868F25DC5B}"/>
+              </a:ext>
+            </a:extLst>
+          </p:cNvPr>
+          <p:cNvSpPr>
+            <a:spLocks noGrp="1"/>
+          </p:cNvSpPr>
+          <p:nvPr>
+            <p:ph idx="1"/>
+          </p:nvPr>
+        </p:nvSpPr>
+        <p:spPr/>
+        <p:txBody>
+          <a:bodyPr/>
+          <a:lstStyle/>
+          <a:p>
+            <a:r>
+              <a:rPr lang="zh-TW" altLang="en-US" dirty="0"/>
+              <a:t>輸出程式所占空間變大</a:t>
+            </a:r>
+            <a:endParaRPr lang="en-US" altLang="zh-TW" dirty="0"/>
+          </a:p>
+          <a:p>
+            <a:pPr lvl="1"/>
+            <a:r>
+              <a:rPr lang="zh-TW" altLang="en-US" dirty="0"/>
+              <a:t>每個帶有 </a:t>
+            </a:r>
+            <a:r>
+              <a:rPr lang="en-US" altLang="zh-TW" dirty="0"/>
+              <a:t>async </a:t>
+            </a:r>
+            <a:r>
+              <a:rPr lang="zh-TW" altLang="en-US" dirty="0"/>
+              <a:t>詞墜的方法大約會多 </a:t>
+            </a:r>
+            <a:r>
+              <a:rPr lang="en-US" altLang="zh-TW" dirty="0"/>
+              <a:t>100</a:t>
+            </a:r>
+            <a:r>
+              <a:rPr lang="zh-TW" altLang="en-US" dirty="0"/>
+              <a:t> </a:t>
+            </a:r>
+            <a:r>
+              <a:rPr lang="en-US" altLang="zh-TW" dirty="0"/>
+              <a:t>bytes</a:t>
+            </a:r>
+          </a:p>
+          <a:p>
+            <a:r>
+              <a:rPr lang="zh-TW" altLang="en-US" dirty="0"/>
+              <a:t>較難</a:t>
+            </a:r>
+            <a:r>
+              <a:rPr lang="en-US" altLang="zh-TW" dirty="0"/>
+              <a:t>Debug</a:t>
+            </a:r>
+          </a:p>
+          <a:p>
+            <a:r>
+              <a:rPr lang="zh-TW" altLang="en-US" dirty="0"/>
+              <a:t>非同步的傳遞性</a:t>
+            </a:r>
+            <a:endParaRPr lang="en-US" altLang="zh-TW" dirty="0"/>
+          </a:p>
+          <a:p>
+            <a:r>
+              <a:rPr lang="zh-TW" altLang="en-US" dirty="0"/>
+              <a:t>單一回應時間稍微變長</a:t>
+            </a:r>
+            <a:endParaRPr lang="en-US" altLang="zh-TW" dirty="0"/>
+          </a:p>
+          <a:p>
+            <a:pPr lvl="1"/>
+            <a:r>
+              <a:rPr lang="zh-TW" altLang="en-US" dirty="0"/>
+              <a:t>幾乎可以忽略</a:t>
+            </a:r>
+          </a:p>
+        </p:txBody>
+      </p:sp>
+    </p:spTree>
+    <p:extLst>
+      <p:ext uri="{BB962C8B-B14F-4D97-AF65-F5344CB8AC3E}">
+        <p14:creationId xmlns:p14="http://schemas.microsoft.com/office/powerpoint/2010/main" val="2391344383"/>
+      </p:ext>
+    </p:extLst>
+  </p:cSld>
+  <p:clrMapOvr>
+    <a:masterClrMapping/>
+  </p:clrMapOvr>
+</p:sld>
+</file>
+
+<file path=ppt/slides/slide23.xml><?xml version="1.0" encoding="utf-8"?>
+<p:sld xmlns:a="http://schemas.openxmlformats.org/drawingml/2006/main" xmlns:r="http://schemas.openxmlformats.org/officeDocument/2006/relationships" xmlns:p="http://schemas.openxmlformats.org/presentationml/2006/main">
+  <p:cSld>
+    <p:spTree>
+      <p:nvGrpSpPr>
+        <p:cNvPr id="1" name=""/>
+        <p:cNvGrpSpPr/>
+        <p:nvPr/>
+      </p:nvGrpSpPr>
+      <p:grpSpPr>
+        <a:xfrm>
+          <a:off x="0" y="0"/>
+          <a:ext cx="0" cy="0"/>
+          <a:chOff x="0" y="0"/>
+          <a:chExt cx="0" cy="0"/>
+        </a:xfrm>
+      </p:grpSpPr>
+      <p:sp>
+        <p:nvSpPr>
           <p:cNvPr id="4" name="標題 3">
             <a:extLst>
               <a:ext uri="{FF2B5EF4-FFF2-40B4-BE49-F238E27FC236}">
@@ -6627,7 +6238,116 @@
 </p:sld>
 </file>
 
-<file path=ppt/slides/slide22.xml><?xml version="1.0" encoding="utf-8"?>
+<file path=ppt/slides/slide24.xml><?xml version="1.0" encoding="utf-8"?>
+<p:sld xmlns:a="http://schemas.openxmlformats.org/drawingml/2006/main" xmlns:r="http://schemas.openxmlformats.org/officeDocument/2006/relationships" xmlns:p="http://schemas.openxmlformats.org/presentationml/2006/main">
+  <p:cSld>
+    <p:spTree>
+      <p:nvGrpSpPr>
+        <p:cNvPr id="1" name=""/>
+        <p:cNvGrpSpPr/>
+        <p:nvPr/>
+      </p:nvGrpSpPr>
+      <p:grpSpPr>
+        <a:xfrm>
+          <a:off x="0" y="0"/>
+          <a:ext cx="0" cy="0"/>
+          <a:chOff x="0" y="0"/>
+          <a:chExt cx="0" cy="0"/>
+        </a:xfrm>
+      </p:grpSpPr>
+      <p:sp>
+        <p:nvSpPr>
+          <p:cNvPr id="2" name="標題 1">
+            <a:extLst>
+              <a:ext uri="{FF2B5EF4-FFF2-40B4-BE49-F238E27FC236}">
+                <a16:creationId xmlns:a16="http://schemas.microsoft.com/office/drawing/2014/main" id="{3C16F79F-FFB0-4F61-944D-5A0F280FCBE6}"/>
+              </a:ext>
+            </a:extLst>
+          </p:cNvPr>
+          <p:cNvSpPr>
+            <a:spLocks noGrp="1"/>
+          </p:cNvSpPr>
+          <p:nvPr>
+            <p:ph type="title"/>
+          </p:nvPr>
+        </p:nvSpPr>
+        <p:spPr/>
+        <p:txBody>
+          <a:bodyPr/>
+          <a:lstStyle/>
+          <a:p>
+            <a:r>
+              <a:rPr lang="zh-TW" altLang="en-US" dirty="0"/>
+              <a:t>避免以同步呼叫非同步</a:t>
+            </a:r>
+          </a:p>
+        </p:txBody>
+      </p:sp>
+      <p:sp>
+        <p:nvSpPr>
+          <p:cNvPr id="3" name="內容版面配置區 2">
+            <a:extLst>
+              <a:ext uri="{FF2B5EF4-FFF2-40B4-BE49-F238E27FC236}">
+                <a16:creationId xmlns:a16="http://schemas.microsoft.com/office/drawing/2014/main" id="{52BCE793-D890-447C-9284-639D9D6187AD}"/>
+              </a:ext>
+            </a:extLst>
+          </p:cNvPr>
+          <p:cNvSpPr>
+            <a:spLocks noGrp="1"/>
+          </p:cNvSpPr>
+          <p:nvPr>
+            <p:ph idx="1"/>
+          </p:nvPr>
+        </p:nvSpPr>
+        <p:spPr/>
+        <p:txBody>
+          <a:bodyPr/>
+          <a:lstStyle/>
+          <a:p>
+            <a:r>
+              <a:rPr lang="zh-TW" altLang="en-US" dirty="0"/>
+              <a:t>消耗額外資源</a:t>
+            </a:r>
+            <a:endParaRPr lang="en-US" altLang="zh-TW" dirty="0"/>
+          </a:p>
+          <a:p>
+            <a:r>
+              <a:rPr lang="zh-TW" altLang="en-US" dirty="0"/>
+              <a:t>可能造成</a:t>
+            </a:r>
+            <a:r>
+              <a:rPr lang="en-US" altLang="zh-TW" dirty="0" err="1"/>
+              <a:t>DeadLock</a:t>
+            </a:r>
+            <a:endParaRPr lang="en-US" altLang="zh-TW" dirty="0"/>
+          </a:p>
+          <a:p>
+            <a:r>
+              <a:rPr lang="zh-TW" altLang="en-US" dirty="0"/>
+              <a:t>更難</a:t>
+            </a:r>
+            <a:r>
+              <a:rPr lang="en-US" altLang="zh-TW" dirty="0"/>
+              <a:t>Debug</a:t>
+            </a:r>
+            <a:endParaRPr lang="zh-TW" altLang="en-US" dirty="0"/>
+          </a:p>
+        </p:txBody>
+      </p:sp>
+    </p:spTree>
+    <p:extLst>
+      <p:ext uri="{BB962C8B-B14F-4D97-AF65-F5344CB8AC3E}">
+        <p14:creationId xmlns:p14="http://schemas.microsoft.com/office/powerpoint/2010/main" val="3523517937"/>
+      </p:ext>
+    </p:extLst>
+  </p:cSld>
+  <p:clrMapOvr>
+    <a:masterClrMapping/>
+  </p:clrMapOvr>
+</p:sld>
+</file>
+
+<file path=ppt/slides/slide25.xml><?xml version="1.0" encoding="utf-8"?>
 <p:sld xmlns:a="http://schemas.openxmlformats.org/drawingml/2006/main" xmlns:r="http://schemas.openxmlformats.org/officeDocument/2006/relationships" xmlns:p="http://schemas.openxmlformats.org/presentationml/2006/main">
   <p:cSld>
     <p:spTree>
@@ -7358,7 +7078,7 @@
 </p:sld>
 </file>
 
-<file path=ppt/slides/slide23.xml><?xml version="1.0" encoding="utf-8"?>
+<file path=ppt/slides/slide26.xml><?xml version="1.0" encoding="utf-8"?>
 <p:sld xmlns:a="http://schemas.openxmlformats.org/drawingml/2006/main" xmlns:r="http://schemas.openxmlformats.org/officeDocument/2006/relationships" xmlns:p="http://schemas.openxmlformats.org/presentationml/2006/main">
   <p:cSld>
     <p:spTree>
@@ -7477,14 +7197,6 @@
               <a:rPr lang="en-US" altLang="zh-TW" dirty="0" err="1"/>
               <a:t>AggregateException</a:t>
             </a:r>
-            <a:endParaRPr lang="en-US" altLang="zh-TW" dirty="0"/>
-          </a:p>
-          <a:p>
-            <a:pPr lvl="1"/>
-            <a:r>
-              <a:rPr lang="en-US" altLang="zh-TW" dirty="0" err="1"/>
-              <a:t>DeadLock</a:t>
-            </a:r>
             <a:endParaRPr lang="zh-TW" altLang="en-US" dirty="0"/>
           </a:p>
         </p:txBody>
@@ -7493,6 +7205,365 @@
     <p:extLst>
       <p:ext uri="{BB962C8B-B14F-4D97-AF65-F5344CB8AC3E}">
         <p14:creationId xmlns:p14="http://schemas.microsoft.com/office/powerpoint/2010/main" val="700056660"/>
+      </p:ext>
+    </p:extLst>
+  </p:cSld>
+  <p:clrMapOvr>
+    <a:masterClrMapping/>
+  </p:clrMapOvr>
+</p:sld>
+</file>
+
+<file path=ppt/slides/slide27.xml><?xml version="1.0" encoding="utf-8"?>
+<p:sld xmlns:a="http://schemas.openxmlformats.org/drawingml/2006/main" xmlns:r="http://schemas.openxmlformats.org/officeDocument/2006/relationships" xmlns:p="http://schemas.openxmlformats.org/presentationml/2006/main">
+  <p:cSld>
+    <p:spTree>
+      <p:nvGrpSpPr>
+        <p:cNvPr id="1" name=""/>
+        <p:cNvGrpSpPr/>
+        <p:nvPr/>
+      </p:nvGrpSpPr>
+      <p:grpSpPr>
+        <a:xfrm>
+          <a:off x="0" y="0"/>
+          <a:ext cx="0" cy="0"/>
+          <a:chOff x="0" y="0"/>
+          <a:chExt cx="0" cy="0"/>
+        </a:xfrm>
+      </p:grpSpPr>
+      <p:sp>
+        <p:nvSpPr>
+          <p:cNvPr id="2" name="標題 1">
+            <a:extLst>
+              <a:ext uri="{FF2B5EF4-FFF2-40B4-BE49-F238E27FC236}">
+                <a16:creationId xmlns:a16="http://schemas.microsoft.com/office/drawing/2014/main" id="{D3D9E101-9010-4ABE-9468-060B0EE11ACC}"/>
+              </a:ext>
+            </a:extLst>
+          </p:cNvPr>
+          <p:cNvSpPr>
+            <a:spLocks noGrp="1"/>
+          </p:cNvSpPr>
+          <p:nvPr>
+            <p:ph type="title"/>
+          </p:nvPr>
+        </p:nvSpPr>
+        <p:spPr/>
+        <p:txBody>
+          <a:bodyPr/>
+          <a:lstStyle/>
+          <a:p>
+            <a:r>
+              <a:rPr lang="zh-TW" altLang="en-US" dirty="0"/>
+              <a:t>避免以同步呼叫非同步</a:t>
+            </a:r>
+          </a:p>
+        </p:txBody>
+      </p:sp>
+      <p:sp>
+        <p:nvSpPr>
+          <p:cNvPr id="3" name="內容版面配置區 2">
+            <a:extLst>
+              <a:ext uri="{FF2B5EF4-FFF2-40B4-BE49-F238E27FC236}">
+                <a16:creationId xmlns:a16="http://schemas.microsoft.com/office/drawing/2014/main" id="{B10D9C24-902B-4571-BF48-82E8560105EF}"/>
+              </a:ext>
+            </a:extLst>
+          </p:cNvPr>
+          <p:cNvSpPr>
+            <a:spLocks noGrp="1"/>
+          </p:cNvSpPr>
+          <p:nvPr>
+            <p:ph idx="1"/>
+          </p:nvPr>
+        </p:nvSpPr>
+        <p:spPr/>
+        <p:txBody>
+          <a:bodyPr/>
+          <a:lstStyle/>
+          <a:p>
+            <a:r>
+              <a:rPr lang="en-US" altLang="zh-TW" dirty="0"/>
+              <a:t>Sample Code</a:t>
+            </a:r>
+            <a:r>
+              <a:rPr lang="zh-TW" altLang="en-US" dirty="0"/>
+              <a:t>：</a:t>
+            </a:r>
+            <a:r>
+              <a:rPr lang="en-US" altLang="zh-TW" dirty="0" err="1"/>
+              <a:t>WinFormDeadLock</a:t>
+            </a:r>
+            <a:endParaRPr lang="zh-TW" altLang="en-US" dirty="0"/>
+          </a:p>
+        </p:txBody>
+      </p:sp>
+    </p:spTree>
+    <p:extLst>
+      <p:ext uri="{BB962C8B-B14F-4D97-AF65-F5344CB8AC3E}">
+        <p14:creationId xmlns:p14="http://schemas.microsoft.com/office/powerpoint/2010/main" val="3992750907"/>
+      </p:ext>
+    </p:extLst>
+  </p:cSld>
+  <p:clrMapOvr>
+    <a:masterClrMapping/>
+  </p:clrMapOvr>
+</p:sld>
+</file>
+
+<file path=ppt/slides/slide28.xml><?xml version="1.0" encoding="utf-8"?>
+<p:sld xmlns:a="http://schemas.openxmlformats.org/drawingml/2006/main" xmlns:r="http://schemas.openxmlformats.org/officeDocument/2006/relationships" xmlns:p="http://schemas.openxmlformats.org/presentationml/2006/main">
+  <p:cSld>
+    <p:spTree>
+      <p:nvGrpSpPr>
+        <p:cNvPr id="1" name=""/>
+        <p:cNvGrpSpPr/>
+        <p:nvPr/>
+      </p:nvGrpSpPr>
+      <p:grpSpPr>
+        <a:xfrm>
+          <a:off x="0" y="0"/>
+          <a:ext cx="0" cy="0"/>
+          <a:chOff x="0" y="0"/>
+          <a:chExt cx="0" cy="0"/>
+        </a:xfrm>
+      </p:grpSpPr>
+      <p:sp>
+        <p:nvSpPr>
+          <p:cNvPr id="2" name="標題 1">
+            <a:extLst>
+              <a:ext uri="{FF2B5EF4-FFF2-40B4-BE49-F238E27FC236}">
+                <a16:creationId xmlns:a16="http://schemas.microsoft.com/office/drawing/2014/main" id="{A7D8A269-6FA3-4981-BADD-0CF21F5D7094}"/>
+              </a:ext>
+            </a:extLst>
+          </p:cNvPr>
+          <p:cNvSpPr>
+            <a:spLocks noGrp="1"/>
+          </p:cNvSpPr>
+          <p:nvPr>
+            <p:ph type="title"/>
+          </p:nvPr>
+        </p:nvSpPr>
+        <p:spPr/>
+        <p:txBody>
+          <a:bodyPr/>
+          <a:lstStyle/>
+          <a:p>
+            <a:r>
+              <a:rPr lang="en-US" altLang="zh-TW" dirty="0" err="1"/>
+              <a:t>ConfigureAwait</a:t>
+            </a:r>
+            <a:r>
+              <a:rPr lang="en-US" altLang="zh-TW" dirty="0"/>
+              <a:t>(false)</a:t>
+            </a:r>
+            <a:endParaRPr lang="zh-TW" altLang="en-US" dirty="0"/>
+          </a:p>
+        </p:txBody>
+      </p:sp>
+      <p:sp>
+        <p:nvSpPr>
+          <p:cNvPr id="3" name="內容版面配置區 2">
+            <a:extLst>
+              <a:ext uri="{FF2B5EF4-FFF2-40B4-BE49-F238E27FC236}">
+                <a16:creationId xmlns:a16="http://schemas.microsoft.com/office/drawing/2014/main" id="{D5A43034-3C0C-43F3-81AE-A9342E07B60F}"/>
+              </a:ext>
+            </a:extLst>
+          </p:cNvPr>
+          <p:cNvSpPr>
+            <a:spLocks noGrp="1"/>
+          </p:cNvSpPr>
+          <p:nvPr>
+            <p:ph idx="1"/>
+          </p:nvPr>
+        </p:nvSpPr>
+        <p:spPr/>
+        <p:txBody>
+          <a:bodyPr/>
+          <a:lstStyle/>
+          <a:p>
+            <a:endParaRPr lang="zh-TW" altLang="en-US"/>
+          </a:p>
+        </p:txBody>
+      </p:sp>
+    </p:spTree>
+    <p:extLst>
+      <p:ext uri="{BB962C8B-B14F-4D97-AF65-F5344CB8AC3E}">
+        <p14:creationId xmlns:p14="http://schemas.microsoft.com/office/powerpoint/2010/main" val="3515822487"/>
+      </p:ext>
+    </p:extLst>
+  </p:cSld>
+  <p:clrMapOvr>
+    <a:masterClrMapping/>
+  </p:clrMapOvr>
+</p:sld>
+</file>
+
+<file path=ppt/slides/slide29.xml><?xml version="1.0" encoding="utf-8"?>
+<p:sld xmlns:a="http://schemas.openxmlformats.org/drawingml/2006/main" xmlns:r="http://schemas.openxmlformats.org/officeDocument/2006/relationships" xmlns:p="http://schemas.openxmlformats.org/presentationml/2006/main">
+  <p:cSld>
+    <p:spTree>
+      <p:nvGrpSpPr>
+        <p:cNvPr id="1" name=""/>
+        <p:cNvGrpSpPr/>
+        <p:nvPr/>
+      </p:nvGrpSpPr>
+      <p:grpSpPr>
+        <a:xfrm>
+          <a:off x="0" y="0"/>
+          <a:ext cx="0" cy="0"/>
+          <a:chOff x="0" y="0"/>
+          <a:chExt cx="0" cy="0"/>
+        </a:xfrm>
+      </p:grpSpPr>
+      <p:sp>
+        <p:nvSpPr>
+          <p:cNvPr id="2" name="標題 1">
+            <a:extLst>
+              <a:ext uri="{FF2B5EF4-FFF2-40B4-BE49-F238E27FC236}">
+                <a16:creationId xmlns:a16="http://schemas.microsoft.com/office/drawing/2014/main" id="{90240F52-59BE-4459-8FC7-1027F21A8322}"/>
+              </a:ext>
+            </a:extLst>
+          </p:cNvPr>
+          <p:cNvSpPr>
+            <a:spLocks noGrp="1"/>
+          </p:cNvSpPr>
+          <p:nvPr>
+            <p:ph type="title"/>
+          </p:nvPr>
+        </p:nvSpPr>
+        <p:spPr/>
+        <p:txBody>
+          <a:bodyPr/>
+          <a:lstStyle/>
+          <a:p>
+            <a:r>
+              <a:rPr lang="zh-TW" altLang="en-US" dirty="0"/>
+              <a:t>避免射後不理</a:t>
+            </a:r>
+          </a:p>
+        </p:txBody>
+      </p:sp>
+      <p:sp>
+        <p:nvSpPr>
+          <p:cNvPr id="3" name="內容版面配置區 2">
+            <a:extLst>
+              <a:ext uri="{FF2B5EF4-FFF2-40B4-BE49-F238E27FC236}">
+                <a16:creationId xmlns:a16="http://schemas.microsoft.com/office/drawing/2014/main" id="{37B99059-7847-43F7-A09C-5BB5349A24E4}"/>
+              </a:ext>
+            </a:extLst>
+          </p:cNvPr>
+          <p:cNvSpPr>
+            <a:spLocks noGrp="1"/>
+          </p:cNvSpPr>
+          <p:nvPr>
+            <p:ph idx="1"/>
+          </p:nvPr>
+        </p:nvSpPr>
+        <p:spPr/>
+        <p:txBody>
+          <a:bodyPr/>
+          <a:lstStyle/>
+          <a:p>
+            <a:r>
+              <a:rPr lang="en-US" altLang="zh-TW" dirty="0">
+                <a:latin typeface="Consolas" panose="020B0609020204030204" pitchFamily="49" charset="0"/>
+              </a:rPr>
+              <a:t>(O)</a:t>
+            </a:r>
+            <a:r>
+              <a:rPr lang="zh-TW" altLang="en-US" dirty="0">
+                <a:latin typeface="Consolas" panose="020B0609020204030204" pitchFamily="49" charset="0"/>
+              </a:rPr>
+              <a:t> </a:t>
+            </a:r>
+            <a:r>
+              <a:rPr lang="en-US" altLang="zh-TW" dirty="0">
+                <a:latin typeface="Consolas" panose="020B0609020204030204" pitchFamily="49" charset="0"/>
+              </a:rPr>
+              <a:t>await </a:t>
+            </a:r>
+            <a:r>
+              <a:rPr lang="en-US" altLang="zh-TW" dirty="0" err="1">
+                <a:latin typeface="Consolas" panose="020B0609020204030204" pitchFamily="49" charset="0"/>
+              </a:rPr>
+              <a:t>FooAsync</a:t>
+            </a:r>
+            <a:r>
+              <a:rPr lang="en-US" altLang="zh-TW" dirty="0">
+                <a:latin typeface="Consolas" panose="020B0609020204030204" pitchFamily="49" charset="0"/>
+              </a:rPr>
+              <a:t>();</a:t>
+            </a:r>
+          </a:p>
+          <a:p>
+            <a:r>
+              <a:rPr lang="en-US" altLang="zh-TW" dirty="0">
+                <a:latin typeface="Consolas" panose="020B0609020204030204" pitchFamily="49" charset="0"/>
+              </a:rPr>
+              <a:t>(X) </a:t>
+            </a:r>
+            <a:r>
+              <a:rPr lang="en-US" altLang="zh-TW" dirty="0" err="1">
+                <a:latin typeface="Consolas" panose="020B0609020204030204" pitchFamily="49" charset="0"/>
+              </a:rPr>
+              <a:t>FooAsync</a:t>
+            </a:r>
+            <a:r>
+              <a:rPr lang="en-US" altLang="zh-TW" dirty="0">
+                <a:latin typeface="Consolas" panose="020B0609020204030204" pitchFamily="49" charset="0"/>
+              </a:rPr>
+              <a:t>();</a:t>
+            </a:r>
+          </a:p>
+          <a:p>
+            <a:pPr lvl="1"/>
+            <a:r>
+              <a:rPr lang="zh-TW" altLang="en-US" dirty="0">
+                <a:latin typeface="Consolas" panose="020B0609020204030204" pitchFamily="49" charset="0"/>
+              </a:rPr>
+              <a:t>編譯器會產生警告</a:t>
+            </a:r>
+            <a:endParaRPr lang="en-US" altLang="zh-TW" dirty="0">
+              <a:latin typeface="Consolas" panose="020B0609020204030204" pitchFamily="49" charset="0"/>
+            </a:endParaRPr>
+          </a:p>
+          <a:p>
+            <a:pPr lvl="1"/>
+            <a:r>
+              <a:rPr lang="zh-TW" altLang="en-US" dirty="0">
+                <a:latin typeface="Consolas" panose="020B0609020204030204" pitchFamily="49" charset="0"/>
+              </a:rPr>
+              <a:t>產生的例外會丟失</a:t>
+            </a:r>
+            <a:endParaRPr lang="en-US" altLang="zh-TW" dirty="0">
+              <a:latin typeface="Consolas" panose="020B0609020204030204" pitchFamily="49" charset="0"/>
+            </a:endParaRPr>
+          </a:p>
+          <a:p>
+            <a:r>
+              <a:rPr lang="en-US" altLang="zh-TW" dirty="0"/>
+              <a:t>Sample Code</a:t>
+            </a:r>
+            <a:r>
+              <a:rPr lang="zh-TW" altLang="en-US" dirty="0"/>
+              <a:t>：</a:t>
+            </a:r>
+            <a:r>
+              <a:rPr lang="en-US" altLang="zh-TW" dirty="0" err="1"/>
+              <a:t>FireAndForgot</a:t>
+            </a:r>
+            <a:endParaRPr lang="en-US" altLang="zh-TW" dirty="0">
+              <a:latin typeface="Consolas" panose="020B0609020204030204" pitchFamily="49" charset="0"/>
+            </a:endParaRPr>
+          </a:p>
+          <a:p>
+            <a:endParaRPr lang="zh-TW" altLang="en-US" dirty="0"/>
+          </a:p>
+        </p:txBody>
+      </p:sp>
+    </p:spTree>
+    <p:extLst>
+      <p:ext uri="{BB962C8B-B14F-4D97-AF65-F5344CB8AC3E}">
+        <p14:creationId xmlns:p14="http://schemas.microsoft.com/office/powerpoint/2010/main" val="2333696039"/>
       </p:ext>
     </p:extLst>
   </p:cSld>
@@ -7533,118 +7604,7 @@
                                           </p:stCondLst>
                                         </p:cTn>
                                         <p:tgtEl>
-                                          <p:spTgt spid="5">
-                                            <p:txEl>
-                                              <p:pRg st="1" end="1"/>
-                                            </p:txEl>
-                                          </p:spTgt>
-                                        </p:tgtEl>
-                                        <p:attrNameLst>
-                                          <p:attrName>style.visibility</p:attrName>
-                                        </p:attrNameLst>
-                                      </p:cBhvr>
-                                      <p:to>
-                                        <p:strVal val="visible"/>
-                                      </p:to>
-                                    </p:set>
-                                  </p:childTnLst>
-                                </p:cTn>
-                              </p:par>
-                              <p:par>
-                                <p:cTn id="7" presetID="1" presetClass="entr" presetSubtype="0" fill="hold" nodeType="withEffect">
-                                  <p:stCondLst>
-                                    <p:cond delay="0"/>
-                                  </p:stCondLst>
-                                  <p:childTnLst>
-                                    <p:set>
-                                      <p:cBhvr>
-                                        <p:cTn id="8" dur="1" fill="hold">
-                                          <p:stCondLst>
-                                            <p:cond delay="0"/>
-                                          </p:stCondLst>
-                                        </p:cTn>
-                                        <p:tgtEl>
-                                          <p:spTgt spid="5">
-                                            <p:txEl>
-                                              <p:pRg st="2" end="2"/>
-                                            </p:txEl>
-                                          </p:spTgt>
-                                        </p:tgtEl>
-                                        <p:attrNameLst>
-                                          <p:attrName>style.visibility</p:attrName>
-                                        </p:attrNameLst>
-                                      </p:cBhvr>
-                                      <p:to>
-                                        <p:strVal val="visible"/>
-                                      </p:to>
-                                    </p:set>
-                                  </p:childTnLst>
-                                </p:cTn>
-                              </p:par>
-                            </p:childTnLst>
-                          </p:cTn>
-                        </p:par>
-                      </p:childTnLst>
-                    </p:cTn>
-                  </p:par>
-                  <p:par>
-                    <p:cTn id="9" fill="hold">
-                      <p:stCondLst>
-                        <p:cond delay="indefinite"/>
-                      </p:stCondLst>
-                      <p:childTnLst>
-                        <p:par>
-                          <p:cTn id="10" fill="hold">
-                            <p:stCondLst>
-                              <p:cond delay="0"/>
-                            </p:stCondLst>
-                            <p:childTnLst>
-                              <p:par>
-                                <p:cTn id="11" presetID="1" presetClass="entr" presetSubtype="0" fill="hold" nodeType="clickEffect">
-                                  <p:stCondLst>
-                                    <p:cond delay="0"/>
-                                  </p:stCondLst>
-                                  <p:childTnLst>
-                                    <p:set>
-                                      <p:cBhvr>
-                                        <p:cTn id="12" dur="1" fill="hold">
-                                          <p:stCondLst>
-                                            <p:cond delay="0"/>
-                                          </p:stCondLst>
-                                        </p:cTn>
-                                        <p:tgtEl>
-                                          <p:spTgt spid="5">
-                                            <p:txEl>
-                                              <p:pRg st="3" end="3"/>
-                                            </p:txEl>
-                                          </p:spTgt>
-                                        </p:tgtEl>
-                                        <p:attrNameLst>
-                                          <p:attrName>style.visibility</p:attrName>
-                                        </p:attrNameLst>
-                                      </p:cBhvr>
-                                      <p:to>
-                                        <p:strVal val="visible"/>
-                                      </p:to>
-                                    </p:set>
-                                  </p:childTnLst>
-                                </p:cTn>
-                              </p:par>
-                              <p:par>
-                                <p:cTn id="13" presetID="1" presetClass="entr" presetSubtype="0" fill="hold" nodeType="withEffect">
-                                  <p:stCondLst>
-                                    <p:cond delay="0"/>
-                                  </p:stCondLst>
-                                  <p:childTnLst>
-                                    <p:set>
-                                      <p:cBhvr>
-                                        <p:cTn id="14" dur="1" fill="hold">
-                                          <p:stCondLst>
-                                            <p:cond delay="0"/>
-                                          </p:stCondLst>
-                                        </p:cTn>
-                                        <p:tgtEl>
-                                          <p:spTgt spid="5">
+                                          <p:spTgt spid="3">
                                             <p:txEl>
                                               <p:pRg st="4" end="4"/>
                                             </p:txEl>
@@ -7692,7 +7652,7 @@
 </p:sld>
 </file>
 
-<file path=ppt/slides/slide24.xml><?xml version="1.0" encoding="utf-8"?>
+<file path=ppt/slides/slide3.xml><?xml version="1.0" encoding="utf-8"?>
 <p:sld xmlns:a="http://schemas.openxmlformats.org/drawingml/2006/main" xmlns:r="http://schemas.openxmlformats.org/officeDocument/2006/relationships" xmlns:p="http://schemas.openxmlformats.org/presentationml/2006/main">
   <p:cSld>
     <p:spTree>
@@ -7714,7 +7674,7 @@
           <p:cNvPr id="2" name="標題 1">
             <a:extLst>
               <a:ext uri="{FF2B5EF4-FFF2-40B4-BE49-F238E27FC236}">
-                <a16:creationId xmlns:a16="http://schemas.microsoft.com/office/drawing/2014/main" id="{90240F52-59BE-4459-8FC7-1027F21A8322}"/>
+                <a16:creationId xmlns:a16="http://schemas.microsoft.com/office/drawing/2014/main" id="{52A2B961-E106-42D9-99DB-5B48152E8833}"/>
               </a:ext>
             </a:extLst>
           </p:cNvPr>
@@ -7732,7 +7692,7 @@
           <a:p>
             <a:r>
               <a:rPr lang="zh-TW" altLang="en-US" dirty="0"/>
-              <a:t>避免射後不理</a:t>
+              <a:t>什麼是非同步</a:t>
             </a:r>
           </a:p>
         </p:txBody>
@@ -7742,7 +7702,7 @@
           <p:cNvPr id="3" name="內容版面配置區 2">
             <a:extLst>
               <a:ext uri="{FF2B5EF4-FFF2-40B4-BE49-F238E27FC236}">
-                <a16:creationId xmlns:a16="http://schemas.microsoft.com/office/drawing/2014/main" id="{37B99059-7847-43F7-A09C-5BB5349A24E4}"/>
+                <a16:creationId xmlns:a16="http://schemas.microsoft.com/office/drawing/2014/main" id="{43B9F297-2F6E-4462-BDD1-8F868F25DC5B}"/>
               </a:ext>
             </a:extLst>
           </p:cNvPr>
@@ -7759,65 +7719,22 @@
           <a:lstStyle/>
           <a:p>
             <a:r>
-              <a:rPr lang="en-US" altLang="zh-TW" dirty="0">
-                <a:latin typeface="Consolas" panose="020B0609020204030204" pitchFamily="49" charset="0"/>
-              </a:rPr>
-              <a:t>(O)</a:t>
-            </a:r>
-            <a:r>
-              <a:rPr lang="zh-TW" altLang="en-US" dirty="0">
-                <a:latin typeface="Consolas" panose="020B0609020204030204" pitchFamily="49" charset="0"/>
-              </a:rPr>
-              <a:t> </a:t>
-            </a:r>
-            <a:r>
-              <a:rPr lang="en-US" altLang="zh-TW" dirty="0">
-                <a:latin typeface="Consolas" panose="020B0609020204030204" pitchFamily="49" charset="0"/>
-              </a:rPr>
-              <a:t>await </a:t>
-            </a:r>
-            <a:r>
-              <a:rPr lang="en-US" altLang="zh-TW" dirty="0" err="1">
-                <a:latin typeface="Consolas" panose="020B0609020204030204" pitchFamily="49" charset="0"/>
-              </a:rPr>
-              <a:t>FooAsync</a:t>
-            </a:r>
-            <a:r>
-              <a:rPr lang="en-US" altLang="zh-TW" dirty="0">
-                <a:latin typeface="Consolas" panose="020B0609020204030204" pitchFamily="49" charset="0"/>
-              </a:rPr>
-              <a:t>();</a:t>
-            </a:r>
-          </a:p>
-          <a:p>
-            <a:r>
-              <a:rPr lang="en-US" altLang="zh-TW" dirty="0">
-                <a:latin typeface="Consolas" panose="020B0609020204030204" pitchFamily="49" charset="0"/>
-              </a:rPr>
-              <a:t>(X) </a:t>
-            </a:r>
-            <a:r>
-              <a:rPr lang="en-US" altLang="zh-TW" dirty="0" err="1">
-                <a:latin typeface="Consolas" panose="020B0609020204030204" pitchFamily="49" charset="0"/>
-              </a:rPr>
-              <a:t>FooAsync</a:t>
-            </a:r>
-            <a:r>
-              <a:rPr lang="en-US" altLang="zh-TW" dirty="0">
-                <a:latin typeface="Consolas" panose="020B0609020204030204" pitchFamily="49" charset="0"/>
-              </a:rPr>
-              <a:t>();</a:t>
-            </a:r>
-          </a:p>
-          <a:p>
-            <a:endParaRPr lang="zh-TW" altLang="en-US" dirty="0"/>
+              <a:rPr lang="en-US" altLang="zh-TW" dirty="0"/>
+              <a:t>Asynchronous</a:t>
+            </a:r>
+          </a:p>
+          <a:p>
+            <a:r>
+              <a:rPr lang="zh-TW" altLang="en-US" dirty="0"/>
+              <a:t>不同步</a:t>
+            </a:r>
           </a:p>
         </p:txBody>
       </p:sp>
     </p:spTree>
     <p:extLst>
       <p:ext uri="{BB962C8B-B14F-4D97-AF65-F5344CB8AC3E}">
-        <p14:creationId xmlns:p14="http://schemas.microsoft.com/office/powerpoint/2010/main" val="2333696039"/>
+        <p14:creationId xmlns:p14="http://schemas.microsoft.com/office/powerpoint/2010/main" val="2357062388"/>
       </p:ext>
     </p:extLst>
   </p:cSld>
@@ -7827,7 +7744,7 @@
 </p:sld>
 </file>
 
-<file path=ppt/slides/slide25.xml><?xml version="1.0" encoding="utf-8"?>
+<file path=ppt/slides/slide30.xml><?xml version="1.0" encoding="utf-8"?>
 <p:sld xmlns:a="http://schemas.openxmlformats.org/drawingml/2006/main" xmlns:r="http://schemas.openxmlformats.org/officeDocument/2006/relationships" xmlns:p="http://schemas.openxmlformats.org/presentationml/2006/main">
   <p:cSld>
     <p:spTree>
@@ -7911,7 +7828,7 @@
 </p:sld>
 </file>
 
-<file path=ppt/slides/slide26.xml><?xml version="1.0" encoding="utf-8"?>
+<file path=ppt/slides/slide31.xml><?xml version="1.0" encoding="utf-8"?>
 <p:sld xmlns:a="http://schemas.openxmlformats.org/drawingml/2006/main" xmlns:r="http://schemas.openxmlformats.org/officeDocument/2006/relationships" xmlns:p="http://schemas.openxmlformats.org/presentationml/2006/main">
   <p:cSld>
     <p:bg>
@@ -8393,98 +8310,6 @@
     <p:extLst>
       <p:ext uri="{BB962C8B-B14F-4D97-AF65-F5344CB8AC3E}">
         <p14:creationId xmlns:p14="http://schemas.microsoft.com/office/powerpoint/2010/main" val="1375688771"/>
-      </p:ext>
-    </p:extLst>
-  </p:cSld>
-  <p:clrMapOvr>
-    <a:masterClrMapping/>
-  </p:clrMapOvr>
-</p:sld>
-</file>
-
-<file path=ppt/slides/slide3.xml><?xml version="1.0" encoding="utf-8"?>
-<p:sld xmlns:a="http://schemas.openxmlformats.org/drawingml/2006/main" xmlns:r="http://schemas.openxmlformats.org/officeDocument/2006/relationships" xmlns:p="http://schemas.openxmlformats.org/presentationml/2006/main">
-  <p:cSld>
-    <p:spTree>
-      <p:nvGrpSpPr>
-        <p:cNvPr id="1" name=""/>
-        <p:cNvGrpSpPr/>
-        <p:nvPr/>
-      </p:nvGrpSpPr>
-      <p:grpSpPr>
-        <a:xfrm>
-          <a:off x="0" y="0"/>
-          <a:ext cx="0" cy="0"/>
-          <a:chOff x="0" y="0"/>
-          <a:chExt cx="0" cy="0"/>
-        </a:xfrm>
-      </p:grpSpPr>
-      <p:sp>
-        <p:nvSpPr>
-          <p:cNvPr id="2" name="標題 1">
-            <a:extLst>
-              <a:ext uri="{FF2B5EF4-FFF2-40B4-BE49-F238E27FC236}">
-                <a16:creationId xmlns:a16="http://schemas.microsoft.com/office/drawing/2014/main" id="{52A2B961-E106-42D9-99DB-5B48152E8833}"/>
-              </a:ext>
-            </a:extLst>
-          </p:cNvPr>
-          <p:cNvSpPr>
-            <a:spLocks noGrp="1"/>
-          </p:cNvSpPr>
-          <p:nvPr>
-            <p:ph type="title"/>
-          </p:nvPr>
-        </p:nvSpPr>
-        <p:spPr/>
-        <p:txBody>
-          <a:bodyPr/>
-          <a:lstStyle/>
-          <a:p>
-            <a:r>
-              <a:rPr lang="zh-TW" altLang="en-US" dirty="0"/>
-              <a:t>什麼是非同步</a:t>
-            </a:r>
-          </a:p>
-        </p:txBody>
-      </p:sp>
-      <p:sp>
-        <p:nvSpPr>
-          <p:cNvPr id="3" name="內容版面配置區 2">
-            <a:extLst>
-              <a:ext uri="{FF2B5EF4-FFF2-40B4-BE49-F238E27FC236}">
-                <a16:creationId xmlns:a16="http://schemas.microsoft.com/office/drawing/2014/main" id="{43B9F297-2F6E-4462-BDD1-8F868F25DC5B}"/>
-              </a:ext>
-            </a:extLst>
-          </p:cNvPr>
-          <p:cNvSpPr>
-            <a:spLocks noGrp="1"/>
-          </p:cNvSpPr>
-          <p:nvPr>
-            <p:ph idx="1"/>
-          </p:nvPr>
-        </p:nvSpPr>
-        <p:spPr/>
-        <p:txBody>
-          <a:bodyPr/>
-          <a:lstStyle/>
-          <a:p>
-            <a:r>
-              <a:rPr lang="en-US" altLang="zh-TW" dirty="0"/>
-              <a:t>Asynchronous</a:t>
-            </a:r>
-          </a:p>
-          <a:p>
-            <a:r>
-              <a:rPr lang="zh-TW" altLang="en-US" dirty="0"/>
-              <a:t>不同步</a:t>
-            </a:r>
-          </a:p>
-        </p:txBody>
-      </p:sp>
-    </p:spTree>
-    <p:extLst>
-      <p:ext uri="{BB962C8B-B14F-4D97-AF65-F5344CB8AC3E}">
-        <p14:creationId xmlns:p14="http://schemas.microsoft.com/office/powerpoint/2010/main" val="2357062388"/>
       </p:ext>
     </p:extLst>
   </p:cSld>
@@ -9365,7 +9190,7 @@
           <a:p>
             <a:r>
               <a:rPr lang="zh-TW" altLang="en-US" dirty="0"/>
-              <a:t>為什麼要用非同步</a:t>
+              <a:t>怎麼用非同步</a:t>
             </a:r>
           </a:p>
         </p:txBody>
@@ -9398,7 +9223,7 @@
     </p:spTree>
     <p:extLst>
       <p:ext uri="{BB962C8B-B14F-4D97-AF65-F5344CB8AC3E}">
-        <p14:creationId xmlns:p14="http://schemas.microsoft.com/office/powerpoint/2010/main" val="3082163501"/>
+        <p14:creationId xmlns:p14="http://schemas.microsoft.com/office/powerpoint/2010/main" val="4186980254"/>
       </p:ext>
     </p:extLst>
   </p:cSld>
@@ -9427,10 +9252,10 @@
       </p:grpSpPr>
       <p:sp>
         <p:nvSpPr>
-          <p:cNvPr id="4" name="標題 3">
+          <p:cNvPr id="2" name="標題 1">
             <a:extLst>
               <a:ext uri="{FF2B5EF4-FFF2-40B4-BE49-F238E27FC236}">
-                <a16:creationId xmlns:a16="http://schemas.microsoft.com/office/drawing/2014/main" id="{14F95218-3B03-4269-A044-869A20EE9F61}"/>
+                <a16:creationId xmlns:a16="http://schemas.microsoft.com/office/drawing/2014/main" id="{52A2B961-E106-42D9-99DB-5B48152E8833}"/>
               </a:ext>
             </a:extLst>
           </p:cNvPr>
@@ -9448,17 +9273,17 @@
           <a:p>
             <a:r>
               <a:rPr lang="zh-TW" altLang="en-US" dirty="0"/>
-              <a:t>為什麼要用非同步</a:t>
-            </a:r>
-          </a:p>
-        </p:txBody>
-      </p:sp>
-      <p:sp>
-        <p:nvSpPr>
-          <p:cNvPr id="5" name="內容版面配置區 4">
+              <a:t>怎麼用非同步</a:t>
+            </a:r>
+          </a:p>
+        </p:txBody>
+      </p:sp>
+      <p:sp>
+        <p:nvSpPr>
+          <p:cNvPr id="3" name="內容版面配置區 2">
             <a:extLst>
               <a:ext uri="{FF2B5EF4-FFF2-40B4-BE49-F238E27FC236}">
-                <a16:creationId xmlns:a16="http://schemas.microsoft.com/office/drawing/2014/main" id="{EB79FF3C-27F9-4BAE-9CCD-639565478040}"/>
+                <a16:creationId xmlns:a16="http://schemas.microsoft.com/office/drawing/2014/main" id="{43B9F297-2F6E-4462-BDD1-8F868F25DC5B}"/>
               </a:ext>
             </a:extLst>
           </p:cNvPr>
@@ -9469,35 +9294,446 @@
             <p:ph idx="1"/>
           </p:nvPr>
         </p:nvSpPr>
-        <p:spPr/>
-        <p:txBody>
-          <a:bodyPr/>
-          <a:lstStyle/>
-          <a:p>
+        <p:spPr>
+          <a:xfrm>
+            <a:off x="1371600" y="2286000"/>
+            <a:ext cx="9601200" cy="3954544"/>
+          </a:xfrm>
+        </p:spPr>
+        <p:txBody>
+          <a:bodyPr>
+            <a:normAutofit/>
+          </a:bodyPr>
+          <a:lstStyle/>
+          <a:p>
+            <a:r>
+              <a:rPr lang="en-US" altLang="zh-TW" dirty="0"/>
+              <a:t>Task</a:t>
+            </a:r>
             <a:r>
               <a:rPr lang="zh-TW" altLang="en-US" dirty="0"/>
-              <a:t>避免閒置資源浪費</a:t>
+              <a:t> </a:t>
+            </a:r>
+            <a:r>
+              <a:rPr lang="en-US" altLang="zh-TW" dirty="0"/>
+              <a:t>&amp;</a:t>
+            </a:r>
+            <a:r>
+              <a:rPr lang="zh-TW" altLang="en-US" dirty="0"/>
+              <a:t> </a:t>
+            </a:r>
+            <a:r>
+              <a:rPr lang="en-US" altLang="zh-TW" dirty="0"/>
+              <a:t>Task&lt;T&gt;</a:t>
+            </a:r>
+          </a:p>
+          <a:p>
+            <a:pPr lvl="1"/>
+            <a:r>
+              <a:rPr lang="zh-TW" altLang="en-US" dirty="0"/>
+              <a:t>類別</a:t>
             </a:r>
             <a:endParaRPr lang="en-US" altLang="zh-TW" dirty="0"/>
           </a:p>
           <a:p>
+            <a:pPr lvl="1"/>
             <a:r>
               <a:rPr lang="zh-TW" altLang="en-US" dirty="0"/>
-              <a:t>避免資源鎖死耗光執行續</a:t>
-            </a:r>
+              <a:t>命名空間：</a:t>
+            </a:r>
+            <a:r>
+              <a:rPr lang="en-US" altLang="zh-TW" dirty="0" err="1"/>
+              <a:t>System.Threading.Tasks</a:t>
+            </a:r>
+            <a:endParaRPr lang="en-US" altLang="zh-TW" dirty="0"/>
+          </a:p>
+          <a:p>
+            <a:pPr lvl="1"/>
+            <a:r>
+              <a:rPr lang="zh-TW" altLang="en-US" dirty="0"/>
+              <a:t>代表一個工作</a:t>
+            </a:r>
+            <a:endParaRPr lang="en-US" altLang="zh-TW" dirty="0"/>
+          </a:p>
+          <a:p>
+            <a:r>
+              <a:rPr lang="en-US" altLang="zh-TW" dirty="0"/>
+              <a:t>async await</a:t>
+            </a:r>
+          </a:p>
+          <a:p>
+            <a:pPr lvl="1"/>
+            <a:r>
+              <a:rPr lang="zh-TW" altLang="en-US" dirty="0"/>
+              <a:t>關鍵字</a:t>
+            </a:r>
+            <a:endParaRPr lang="en-US" altLang="zh-TW" dirty="0"/>
+          </a:p>
+          <a:p>
+            <a:pPr lvl="1"/>
+            <a:r>
+              <a:rPr lang="en-US" altLang="zh-TW" dirty="0"/>
+              <a:t>async</a:t>
+            </a:r>
+            <a:r>
+              <a:rPr lang="zh-TW" altLang="en-US" dirty="0"/>
+              <a:t>： </a:t>
+            </a:r>
+            <a:r>
+              <a:rPr lang="en-US" altLang="zh-TW" dirty="0"/>
+              <a:t>Asynchronous</a:t>
+            </a:r>
+          </a:p>
+          <a:p>
+            <a:pPr lvl="1"/>
+            <a:r>
+              <a:rPr lang="en-US" altLang="zh-TW" dirty="0"/>
+              <a:t>await</a:t>
+            </a:r>
+            <a:r>
+              <a:rPr lang="zh-TW" altLang="en-US" dirty="0"/>
+              <a:t>： </a:t>
+            </a:r>
+            <a:r>
+              <a:rPr lang="en-US" altLang="zh-TW" dirty="0"/>
+              <a:t>Asynchronous</a:t>
+            </a:r>
+            <a:r>
+              <a:rPr lang="zh-TW" altLang="en-US" dirty="0"/>
+              <a:t> </a:t>
+            </a:r>
+            <a:r>
+              <a:rPr lang="en-US" altLang="zh-TW" dirty="0"/>
+              <a:t>Wait</a:t>
+            </a:r>
+            <a:endParaRPr lang="zh-TW" altLang="en-US" dirty="0"/>
           </a:p>
         </p:txBody>
       </p:sp>
     </p:spTree>
     <p:extLst>
       <p:ext uri="{BB962C8B-B14F-4D97-AF65-F5344CB8AC3E}">
-        <p14:creationId xmlns:p14="http://schemas.microsoft.com/office/powerpoint/2010/main" val="3933891694"/>
+        <p14:creationId xmlns:p14="http://schemas.microsoft.com/office/powerpoint/2010/main" val="675659155"/>
       </p:ext>
     </p:extLst>
   </p:cSld>
   <p:clrMapOvr>
     <a:masterClrMapping/>
   </p:clrMapOvr>
+  <p:timing>
+    <p:tnLst>
+      <p:par>
+        <p:cTn id="1" dur="indefinite" restart="never" nodeType="tmRoot">
+          <p:childTnLst>
+            <p:seq concurrent="1" nextAc="seek">
+              <p:cTn id="2" dur="indefinite" nodeType="mainSeq">
+                <p:childTnLst>
+                  <p:par>
+                    <p:cTn id="3" fill="hold">
+                      <p:stCondLst>
+                        <p:cond delay="indefinite"/>
+                      </p:stCondLst>
+                      <p:childTnLst>
+                        <p:par>
+                          <p:cTn id="4" fill="hold">
+                            <p:stCondLst>
+                              <p:cond delay="0"/>
+                            </p:stCondLst>
+                            <p:childTnLst>
+                              <p:par>
+                                <p:cTn id="5" presetID="1" presetClass="entr" presetSubtype="0" fill="hold" nodeType="clickEffect">
+                                  <p:stCondLst>
+                                    <p:cond delay="0"/>
+                                  </p:stCondLst>
+                                  <p:childTnLst>
+                                    <p:set>
+                                      <p:cBhvr>
+                                        <p:cTn id="6" dur="1" fill="hold">
+                                          <p:stCondLst>
+                                            <p:cond delay="0"/>
+                                          </p:stCondLst>
+                                        </p:cTn>
+                                        <p:tgtEl>
+                                          <p:spTgt spid="3">
+                                            <p:txEl>
+                                              <p:pRg st="0" end="0"/>
+                                            </p:txEl>
+                                          </p:spTgt>
+                                        </p:tgtEl>
+                                        <p:attrNameLst>
+                                          <p:attrName>style.visibility</p:attrName>
+                                        </p:attrNameLst>
+                                      </p:cBhvr>
+                                      <p:to>
+                                        <p:strVal val="visible"/>
+                                      </p:to>
+                                    </p:set>
+                                  </p:childTnLst>
+                                </p:cTn>
+                              </p:par>
+                              <p:par>
+                                <p:cTn id="7" presetID="1" presetClass="entr" presetSubtype="0" fill="hold" nodeType="withEffect">
+                                  <p:stCondLst>
+                                    <p:cond delay="0"/>
+                                  </p:stCondLst>
+                                  <p:childTnLst>
+                                    <p:set>
+                                      <p:cBhvr>
+                                        <p:cTn id="8" dur="1" fill="hold">
+                                          <p:stCondLst>
+                                            <p:cond delay="0"/>
+                                          </p:stCondLst>
+                                        </p:cTn>
+                                        <p:tgtEl>
+                                          <p:spTgt spid="3">
+                                            <p:txEl>
+                                              <p:pRg st="1" end="1"/>
+                                            </p:txEl>
+                                          </p:spTgt>
+                                        </p:tgtEl>
+                                        <p:attrNameLst>
+                                          <p:attrName>style.visibility</p:attrName>
+                                        </p:attrNameLst>
+                                      </p:cBhvr>
+                                      <p:to>
+                                        <p:strVal val="visible"/>
+                                      </p:to>
+                                    </p:set>
+                                  </p:childTnLst>
+                                </p:cTn>
+                              </p:par>
+                              <p:par>
+                                <p:cTn id="9" presetID="1" presetClass="entr" presetSubtype="0" fill="hold" nodeType="withEffect">
+                                  <p:stCondLst>
+                                    <p:cond delay="0"/>
+                                  </p:stCondLst>
+                                  <p:childTnLst>
+                                    <p:set>
+                                      <p:cBhvr>
+                                        <p:cTn id="10" dur="1" fill="hold">
+                                          <p:stCondLst>
+                                            <p:cond delay="0"/>
+                                          </p:stCondLst>
+                                        </p:cTn>
+                                        <p:tgtEl>
+                                          <p:spTgt spid="3">
+                                            <p:txEl>
+                                              <p:pRg st="2" end="2"/>
+                                            </p:txEl>
+                                          </p:spTgt>
+                                        </p:tgtEl>
+                                        <p:attrNameLst>
+                                          <p:attrName>style.visibility</p:attrName>
+                                        </p:attrNameLst>
+                                      </p:cBhvr>
+                                      <p:to>
+                                        <p:strVal val="visible"/>
+                                      </p:to>
+                                    </p:set>
+                                  </p:childTnLst>
+                                </p:cTn>
+                              </p:par>
+                              <p:par>
+                                <p:cTn id="11" presetID="1" presetClass="entr" presetSubtype="0" fill="hold" nodeType="withEffect">
+                                  <p:stCondLst>
+                                    <p:cond delay="0"/>
+                                  </p:stCondLst>
+                                  <p:childTnLst>
+                                    <p:set>
+                                      <p:cBhvr>
+                                        <p:cTn id="12" dur="1" fill="hold">
+                                          <p:stCondLst>
+                                            <p:cond delay="0"/>
+                                          </p:stCondLst>
+                                        </p:cTn>
+                                        <p:tgtEl>
+                                          <p:spTgt spid="3">
+                                            <p:txEl>
+                                              <p:pRg st="3" end="3"/>
+                                            </p:txEl>
+                                          </p:spTgt>
+                                        </p:tgtEl>
+                                        <p:attrNameLst>
+                                          <p:attrName>style.visibility</p:attrName>
+                                        </p:attrNameLst>
+                                      </p:cBhvr>
+                                      <p:to>
+                                        <p:strVal val="visible"/>
+                                      </p:to>
+                                    </p:set>
+                                  </p:childTnLst>
+                                </p:cTn>
+                              </p:par>
+                            </p:childTnLst>
+                          </p:cTn>
+                        </p:par>
+                      </p:childTnLst>
+                    </p:cTn>
+                  </p:par>
+                  <p:par>
+                    <p:cTn id="13" fill="hold">
+                      <p:stCondLst>
+                        <p:cond delay="indefinite"/>
+                      </p:stCondLst>
+                      <p:childTnLst>
+                        <p:par>
+                          <p:cTn id="14" fill="hold">
+                            <p:stCondLst>
+                              <p:cond delay="0"/>
+                            </p:stCondLst>
+                            <p:childTnLst>
+                              <p:par>
+                                <p:cTn id="15" presetID="1" presetClass="entr" presetSubtype="0" fill="hold" nodeType="clickEffect">
+                                  <p:stCondLst>
+                                    <p:cond delay="0"/>
+                                  </p:stCondLst>
+                                  <p:childTnLst>
+                                    <p:set>
+                                      <p:cBhvr>
+                                        <p:cTn id="16" dur="1" fill="hold">
+                                          <p:stCondLst>
+                                            <p:cond delay="0"/>
+                                          </p:stCondLst>
+                                        </p:cTn>
+                                        <p:tgtEl>
+                                          <p:spTgt spid="3">
+                                            <p:txEl>
+                                              <p:pRg st="4" end="4"/>
+                                            </p:txEl>
+                                          </p:spTgt>
+                                        </p:tgtEl>
+                                        <p:attrNameLst>
+                                          <p:attrName>style.visibility</p:attrName>
+                                        </p:attrNameLst>
+                                      </p:cBhvr>
+                                      <p:to>
+                                        <p:strVal val="visible"/>
+                                      </p:to>
+                                    </p:set>
+                                  </p:childTnLst>
+                                </p:cTn>
+                              </p:par>
+                              <p:par>
+                                <p:cTn id="17" presetID="1" presetClass="entr" presetSubtype="0" fill="hold" nodeType="withEffect">
+                                  <p:stCondLst>
+                                    <p:cond delay="0"/>
+                                  </p:stCondLst>
+                                  <p:childTnLst>
+                                    <p:set>
+                                      <p:cBhvr>
+                                        <p:cTn id="18" dur="1" fill="hold">
+                                          <p:stCondLst>
+                                            <p:cond delay="0"/>
+                                          </p:stCondLst>
+                                        </p:cTn>
+                                        <p:tgtEl>
+                                          <p:spTgt spid="3">
+                                            <p:txEl>
+                                              <p:pRg st="5" end="5"/>
+                                            </p:txEl>
+                                          </p:spTgt>
+                                        </p:tgtEl>
+                                        <p:attrNameLst>
+                                          <p:attrName>style.visibility</p:attrName>
+                                        </p:attrNameLst>
+                                      </p:cBhvr>
+                                      <p:to>
+                                        <p:strVal val="visible"/>
+                                      </p:to>
+                                    </p:set>
+                                  </p:childTnLst>
+                                </p:cTn>
+                              </p:par>
+                              <p:par>
+                                <p:cTn id="19" presetID="1" presetClass="entr" presetSubtype="0" fill="hold" nodeType="withEffect">
+                                  <p:stCondLst>
+                                    <p:cond delay="0"/>
+                                  </p:stCondLst>
+                                  <p:childTnLst>
+                                    <p:set>
+                                      <p:cBhvr>
+                                        <p:cTn id="20" dur="1" fill="hold">
+                                          <p:stCondLst>
+                                            <p:cond delay="0"/>
+                                          </p:stCondLst>
+                                        </p:cTn>
+                                        <p:tgtEl>
+                                          <p:spTgt spid="3">
+                                            <p:txEl>
+                                              <p:pRg st="6" end="6"/>
+                                            </p:txEl>
+                                          </p:spTgt>
+                                        </p:tgtEl>
+                                        <p:attrNameLst>
+                                          <p:attrName>style.visibility</p:attrName>
+                                        </p:attrNameLst>
+                                      </p:cBhvr>
+                                      <p:to>
+                                        <p:strVal val="visible"/>
+                                      </p:to>
+                                    </p:set>
+                                  </p:childTnLst>
+                                </p:cTn>
+                              </p:par>
+                              <p:par>
+                                <p:cTn id="21" presetID="1" presetClass="entr" presetSubtype="0" fill="hold" nodeType="withEffect">
+                                  <p:stCondLst>
+                                    <p:cond delay="0"/>
+                                  </p:stCondLst>
+                                  <p:childTnLst>
+                                    <p:set>
+                                      <p:cBhvr>
+                                        <p:cTn id="22" dur="1" fill="hold">
+                                          <p:stCondLst>
+                                            <p:cond delay="0"/>
+                                          </p:stCondLst>
+                                        </p:cTn>
+                                        <p:tgtEl>
+                                          <p:spTgt spid="3">
+                                            <p:txEl>
+                                              <p:pRg st="7" end="7"/>
+                                            </p:txEl>
+                                          </p:spTgt>
+                                        </p:tgtEl>
+                                        <p:attrNameLst>
+                                          <p:attrName>style.visibility</p:attrName>
+                                        </p:attrNameLst>
+                                      </p:cBhvr>
+                                      <p:to>
+                                        <p:strVal val="visible"/>
+                                      </p:to>
+                                    </p:set>
+                                  </p:childTnLst>
+                                </p:cTn>
+                              </p:par>
+                            </p:childTnLst>
+                          </p:cTn>
+                        </p:par>
+                      </p:childTnLst>
+                    </p:cTn>
+                  </p:par>
+                </p:childTnLst>
+              </p:cTn>
+              <p:prevCondLst>
+                <p:cond evt="onPrev" delay="0">
+                  <p:tgtEl>
+                    <p:sldTgt/>
+                  </p:tgtEl>
+                </p:cond>
+              </p:prevCondLst>
+              <p:nextCondLst>
+                <p:cond evt="onNext" delay="0">
+                  <p:tgtEl>
+                    <p:sldTgt/>
+                  </p:tgtEl>
+                </p:cond>
+              </p:nextCondLst>
+            </p:seq>
+          </p:childTnLst>
+        </p:cTn>
+      </p:par>
+    </p:tnLst>
+  </p:timing>
 </p:sld>
 </file>
 
@@ -9523,7 +9759,7 @@
           <p:cNvPr id="2" name="標題 1">
             <a:extLst>
               <a:ext uri="{FF2B5EF4-FFF2-40B4-BE49-F238E27FC236}">
-                <a16:creationId xmlns:a16="http://schemas.microsoft.com/office/drawing/2014/main" id="{426AEE67-012D-4338-9530-8800B9C9F8F4}"/>
+                <a16:creationId xmlns:a16="http://schemas.microsoft.com/office/drawing/2014/main" id="{375E1AF3-3882-40CA-A050-39AC4380C4C4}"/>
               </a:ext>
             </a:extLst>
           </p:cNvPr>
@@ -9541,7 +9777,48 @@
           <a:p>
             <a:r>
               <a:rPr lang="zh-TW" altLang="en-US" dirty="0"/>
-              <a:t>非同步運作</a:t>
+              <a:t>怎麼用非同步</a:t>
+            </a:r>
+            <a:r>
+              <a:rPr lang="en-US" altLang="zh-TW" dirty="0"/>
+              <a:t>—</a:t>
+            </a:r>
+            <a:r>
+              <a:rPr lang="zh-TW" altLang="en-US" dirty="0"/>
+              <a:t>宣告</a:t>
+            </a:r>
+          </a:p>
+        </p:txBody>
+      </p:sp>
+      <p:sp>
+        <p:nvSpPr>
+          <p:cNvPr id="4" name="文字版面配置區 3">
+            <a:extLst>
+              <a:ext uri="{FF2B5EF4-FFF2-40B4-BE49-F238E27FC236}">
+                <a16:creationId xmlns:a16="http://schemas.microsoft.com/office/drawing/2014/main" id="{181CE145-9952-493A-888F-38A8E2327298}"/>
+              </a:ext>
+            </a:extLst>
+          </p:cNvPr>
+          <p:cNvSpPr>
+            <a:spLocks noGrp="1"/>
+          </p:cNvSpPr>
+          <p:nvPr>
+            <p:ph type="body" idx="1"/>
+          </p:nvPr>
+        </p:nvSpPr>
+        <p:spPr>
+          <a:xfrm>
+            <a:off x="1371600" y="1516952"/>
+            <a:ext cx="4443984" cy="823912"/>
+          </a:xfrm>
+        </p:spPr>
+        <p:txBody>
+          <a:bodyPr/>
+          <a:lstStyle/>
+          <a:p>
+            <a:r>
+              <a:rPr lang="zh-TW" altLang="en-US" dirty="0"/>
+              <a:t>同步</a:t>
             </a:r>
           </a:p>
         </p:txBody>
@@ -9551,7 +9828,7 @@
           <p:cNvPr id="3" name="內容版面配置區 2">
             <a:extLst>
               <a:ext uri="{FF2B5EF4-FFF2-40B4-BE49-F238E27FC236}">
-                <a16:creationId xmlns:a16="http://schemas.microsoft.com/office/drawing/2014/main" id="{1F093A41-DA8D-4A21-8FBB-D655ED468F1A}"/>
+                <a16:creationId xmlns:a16="http://schemas.microsoft.com/office/drawing/2014/main" id="{4877105D-F782-4702-BD7A-A4E0F46A3650}"/>
               </a:ext>
             </a:extLst>
           </p:cNvPr>
@@ -9559,28 +9836,433 @@
             <a:spLocks noGrp="1"/>
           </p:cNvSpPr>
           <p:nvPr>
-            <p:ph idx="1"/>
-          </p:nvPr>
-        </p:nvSpPr>
-        <p:spPr/>
-        <p:txBody>
-          <a:bodyPr/>
-          <a:lstStyle/>
-          <a:p>
-            <a:endParaRPr lang="zh-TW" altLang="en-US"/>
+            <p:ph sz="half" idx="2"/>
+          </p:nvPr>
+        </p:nvSpPr>
+        <p:spPr>
+          <a:xfrm>
+            <a:off x="1371600" y="2340865"/>
+            <a:ext cx="4443984" cy="3526536"/>
+          </a:xfrm>
+        </p:spPr>
+        <p:txBody>
+          <a:bodyPr/>
+          <a:lstStyle/>
+          <a:p>
+            <a:r>
+              <a:rPr lang="en-US" altLang="zh-TW" dirty="0">
+                <a:latin typeface="Consolas" panose="020B0609020204030204" pitchFamily="49" charset="0"/>
+              </a:rPr>
+              <a:t>void Foo()</a:t>
+            </a:r>
+          </a:p>
+          <a:p>
+            <a:r>
+              <a:rPr lang="en-US" altLang="zh-TW" dirty="0" err="1">
+                <a:latin typeface="Consolas" panose="020B0609020204030204" pitchFamily="49" charset="0"/>
+              </a:rPr>
+              <a:t>SomeClass</a:t>
+            </a:r>
+            <a:r>
+              <a:rPr lang="en-US" altLang="zh-TW" dirty="0">
+                <a:latin typeface="Consolas" panose="020B0609020204030204" pitchFamily="49" charset="0"/>
+              </a:rPr>
+              <a:t> Bar()</a:t>
+            </a:r>
+            <a:endParaRPr lang="zh-TW" altLang="en-US" dirty="0">
+              <a:latin typeface="Consolas" panose="020B0609020204030204" pitchFamily="49" charset="0"/>
+            </a:endParaRPr>
+          </a:p>
+        </p:txBody>
+      </p:sp>
+      <p:sp>
+        <p:nvSpPr>
+          <p:cNvPr id="5" name="文字版面配置區 4">
+            <a:extLst>
+              <a:ext uri="{FF2B5EF4-FFF2-40B4-BE49-F238E27FC236}">
+                <a16:creationId xmlns:a16="http://schemas.microsoft.com/office/drawing/2014/main" id="{942B86E4-C93F-49AE-B1E3-B5BD1344E2BB}"/>
+              </a:ext>
+            </a:extLst>
+          </p:cNvPr>
+          <p:cNvSpPr>
+            <a:spLocks noGrp="1"/>
+          </p:cNvSpPr>
+          <p:nvPr>
+            <p:ph type="body" sz="quarter" idx="3"/>
+          </p:nvPr>
+        </p:nvSpPr>
+        <p:spPr>
+          <a:xfrm>
+            <a:off x="6525014" y="1516952"/>
+            <a:ext cx="4443984" cy="823912"/>
+          </a:xfrm>
+        </p:spPr>
+        <p:txBody>
+          <a:bodyPr/>
+          <a:lstStyle/>
+          <a:p>
+            <a:r>
+              <a:rPr lang="zh-TW" altLang="en-US" dirty="0"/>
+              <a:t>非同步</a:t>
+            </a:r>
+          </a:p>
+        </p:txBody>
+      </p:sp>
+      <p:sp>
+        <p:nvSpPr>
+          <p:cNvPr id="6" name="內容版面配置區 5">
+            <a:extLst>
+              <a:ext uri="{FF2B5EF4-FFF2-40B4-BE49-F238E27FC236}">
+                <a16:creationId xmlns:a16="http://schemas.microsoft.com/office/drawing/2014/main" id="{53C35351-5CFA-4BAB-8FA2-88082AB12F8E}"/>
+              </a:ext>
+            </a:extLst>
+          </p:cNvPr>
+          <p:cNvSpPr>
+            <a:spLocks noGrp="1"/>
+          </p:cNvSpPr>
+          <p:nvPr>
+            <p:ph sz="quarter" idx="4"/>
+          </p:nvPr>
+        </p:nvSpPr>
+        <p:spPr>
+          <a:xfrm>
+            <a:off x="6525014" y="2340865"/>
+            <a:ext cx="5079382" cy="3526536"/>
+          </a:xfrm>
+        </p:spPr>
+        <p:txBody>
+          <a:bodyPr/>
+          <a:lstStyle/>
+          <a:p>
+            <a:r>
+              <a:rPr lang="en-US" altLang="zh-TW" dirty="0">
+                <a:latin typeface="Consolas" panose="020B0609020204030204" pitchFamily="49" charset="0"/>
+              </a:rPr>
+              <a:t>async Task </a:t>
+            </a:r>
+            <a:r>
+              <a:rPr lang="en-US" altLang="zh-TW" dirty="0" err="1">
+                <a:latin typeface="Consolas" panose="020B0609020204030204" pitchFamily="49" charset="0"/>
+              </a:rPr>
+              <a:t>FooAsync</a:t>
+            </a:r>
+            <a:r>
+              <a:rPr lang="en-US" altLang="zh-TW" dirty="0">
+                <a:latin typeface="Consolas" panose="020B0609020204030204" pitchFamily="49" charset="0"/>
+              </a:rPr>
+              <a:t>()</a:t>
+            </a:r>
+          </a:p>
+          <a:p>
+            <a:r>
+              <a:rPr lang="en-US" altLang="zh-TW" dirty="0">
+                <a:latin typeface="Consolas" panose="020B0609020204030204" pitchFamily="49" charset="0"/>
+              </a:rPr>
+              <a:t>async Task&lt;</a:t>
+            </a:r>
+            <a:r>
+              <a:rPr lang="en-US" altLang="zh-TW" dirty="0" err="1">
+                <a:latin typeface="Consolas" panose="020B0609020204030204" pitchFamily="49" charset="0"/>
+              </a:rPr>
+              <a:t>SomeClass</a:t>
+            </a:r>
+            <a:r>
+              <a:rPr lang="en-US" altLang="zh-TW" dirty="0">
+                <a:latin typeface="Consolas" panose="020B0609020204030204" pitchFamily="49" charset="0"/>
+              </a:rPr>
+              <a:t>&gt; </a:t>
+            </a:r>
+            <a:r>
+              <a:rPr lang="en-US" altLang="zh-TW" dirty="0" err="1">
+                <a:latin typeface="Consolas" panose="020B0609020204030204" pitchFamily="49" charset="0"/>
+              </a:rPr>
+              <a:t>BarAsync</a:t>
+            </a:r>
+            <a:r>
+              <a:rPr lang="en-US" altLang="zh-TW" dirty="0">
+                <a:latin typeface="Consolas" panose="020B0609020204030204" pitchFamily="49" charset="0"/>
+              </a:rPr>
+              <a:t>()</a:t>
+            </a:r>
+          </a:p>
+          <a:p>
+            <a:r>
+              <a:rPr lang="en-US" altLang="zh-TW" strike="sngStrike" dirty="0">
+                <a:latin typeface="Consolas" panose="020B0609020204030204" pitchFamily="49" charset="0"/>
+              </a:rPr>
+              <a:t>async void </a:t>
+            </a:r>
+            <a:r>
+              <a:rPr lang="en-US" altLang="zh-TW" strike="sngStrike" dirty="0" err="1">
+                <a:latin typeface="Consolas" panose="020B0609020204030204" pitchFamily="49" charset="0"/>
+              </a:rPr>
+              <a:t>BazAsync</a:t>
+            </a:r>
+            <a:r>
+              <a:rPr lang="en-US" altLang="zh-TW" strike="sngStrike" dirty="0">
+                <a:latin typeface="Consolas" panose="020B0609020204030204" pitchFamily="49" charset="0"/>
+              </a:rPr>
+              <a:t>()</a:t>
+            </a:r>
+            <a:endParaRPr lang="zh-TW" altLang="en-US" strike="sngStrike" dirty="0">
+              <a:latin typeface="Consolas" panose="020B0609020204030204" pitchFamily="49" charset="0"/>
+            </a:endParaRPr>
           </a:p>
         </p:txBody>
       </p:sp>
     </p:spTree>
     <p:extLst>
       <p:ext uri="{BB962C8B-B14F-4D97-AF65-F5344CB8AC3E}">
-        <p14:creationId xmlns:p14="http://schemas.microsoft.com/office/powerpoint/2010/main" val="4269757158"/>
+        <p14:creationId xmlns:p14="http://schemas.microsoft.com/office/powerpoint/2010/main" val="3865575567"/>
       </p:ext>
     </p:extLst>
   </p:cSld>
   <p:clrMapOvr>
     <a:masterClrMapping/>
   </p:clrMapOvr>
+  <p:timing>
+    <p:tnLst>
+      <p:par>
+        <p:cTn id="1" dur="indefinite" restart="never" nodeType="tmRoot">
+          <p:childTnLst>
+            <p:seq concurrent="1" nextAc="seek">
+              <p:cTn id="2" dur="indefinite" nodeType="mainSeq">
+                <p:childTnLst>
+                  <p:par>
+                    <p:cTn id="3" fill="hold">
+                      <p:stCondLst>
+                        <p:cond delay="indefinite"/>
+                      </p:stCondLst>
+                      <p:childTnLst>
+                        <p:par>
+                          <p:cTn id="4" fill="hold">
+                            <p:stCondLst>
+                              <p:cond delay="0"/>
+                            </p:stCondLst>
+                            <p:childTnLst>
+                              <p:par>
+                                <p:cTn id="5" presetID="1" presetClass="entr" presetSubtype="0" fill="hold" grpId="0" nodeType="clickEffect">
+                                  <p:stCondLst>
+                                    <p:cond delay="0"/>
+                                  </p:stCondLst>
+                                  <p:childTnLst>
+                                    <p:set>
+                                      <p:cBhvr>
+                                        <p:cTn id="6" dur="1" fill="hold">
+                                          <p:stCondLst>
+                                            <p:cond delay="0"/>
+                                          </p:stCondLst>
+                                        </p:cTn>
+                                        <p:tgtEl>
+                                          <p:spTgt spid="3">
+                                            <p:txEl>
+                                              <p:pRg st="0" end="0"/>
+                                            </p:txEl>
+                                          </p:spTgt>
+                                        </p:tgtEl>
+                                        <p:attrNameLst>
+                                          <p:attrName>style.visibility</p:attrName>
+                                        </p:attrNameLst>
+                                      </p:cBhvr>
+                                      <p:to>
+                                        <p:strVal val="visible"/>
+                                      </p:to>
+                                    </p:set>
+                                  </p:childTnLst>
+                                </p:cTn>
+                              </p:par>
+                              <p:par>
+                                <p:cTn id="7" presetID="1" presetClass="entr" presetSubtype="0" fill="hold" grpId="0" nodeType="withEffect">
+                                  <p:stCondLst>
+                                    <p:cond delay="0"/>
+                                  </p:stCondLst>
+                                  <p:childTnLst>
+                                    <p:set>
+                                      <p:cBhvr>
+                                        <p:cTn id="8" dur="1" fill="hold">
+                                          <p:stCondLst>
+                                            <p:cond delay="0"/>
+                                          </p:stCondLst>
+                                        </p:cTn>
+                                        <p:tgtEl>
+                                          <p:spTgt spid="6">
+                                            <p:txEl>
+                                              <p:pRg st="0" end="0"/>
+                                            </p:txEl>
+                                          </p:spTgt>
+                                        </p:tgtEl>
+                                        <p:attrNameLst>
+                                          <p:attrName>style.visibility</p:attrName>
+                                        </p:attrNameLst>
+                                      </p:cBhvr>
+                                      <p:to>
+                                        <p:strVal val="visible"/>
+                                      </p:to>
+                                    </p:set>
+                                  </p:childTnLst>
+                                </p:cTn>
+                              </p:par>
+                            </p:childTnLst>
+                          </p:cTn>
+                        </p:par>
+                      </p:childTnLst>
+                    </p:cTn>
+                  </p:par>
+                  <p:par>
+                    <p:cTn id="9" fill="hold">
+                      <p:stCondLst>
+                        <p:cond delay="indefinite"/>
+                      </p:stCondLst>
+                      <p:childTnLst>
+                        <p:par>
+                          <p:cTn id="10" fill="hold">
+                            <p:stCondLst>
+                              <p:cond delay="0"/>
+                            </p:stCondLst>
+                            <p:childTnLst>
+                              <p:par>
+                                <p:cTn id="11" presetID="1" presetClass="entr" presetSubtype="0" fill="hold" grpId="0" nodeType="clickEffect">
+                                  <p:stCondLst>
+                                    <p:cond delay="0"/>
+                                  </p:stCondLst>
+                                  <p:childTnLst>
+                                    <p:set>
+                                      <p:cBhvr>
+                                        <p:cTn id="12" dur="1" fill="hold">
+                                          <p:stCondLst>
+                                            <p:cond delay="0"/>
+                                          </p:stCondLst>
+                                        </p:cTn>
+                                        <p:tgtEl>
+                                          <p:spTgt spid="3">
+                                            <p:txEl>
+                                              <p:pRg st="1" end="1"/>
+                                            </p:txEl>
+                                          </p:spTgt>
+                                        </p:tgtEl>
+                                        <p:attrNameLst>
+                                          <p:attrName>style.visibility</p:attrName>
+                                        </p:attrNameLst>
+                                      </p:cBhvr>
+                                      <p:to>
+                                        <p:strVal val="visible"/>
+                                      </p:to>
+                                    </p:set>
+                                  </p:childTnLst>
+                                </p:cTn>
+                              </p:par>
+                              <p:par>
+                                <p:cTn id="13" presetID="1" presetClass="entr" presetSubtype="0" fill="hold" grpId="0" nodeType="withEffect">
+                                  <p:stCondLst>
+                                    <p:cond delay="0"/>
+                                  </p:stCondLst>
+                                  <p:childTnLst>
+                                    <p:set>
+                                      <p:cBhvr>
+                                        <p:cTn id="14" dur="1" fill="hold">
+                                          <p:stCondLst>
+                                            <p:cond delay="0"/>
+                                          </p:stCondLst>
+                                        </p:cTn>
+                                        <p:tgtEl>
+                                          <p:spTgt spid="6">
+                                            <p:txEl>
+                                              <p:pRg st="1" end="1"/>
+                                            </p:txEl>
+                                          </p:spTgt>
+                                        </p:tgtEl>
+                                        <p:attrNameLst>
+                                          <p:attrName>style.visibility</p:attrName>
+                                        </p:attrNameLst>
+                                      </p:cBhvr>
+                                      <p:to>
+                                        <p:strVal val="visible"/>
+                                      </p:to>
+                                    </p:set>
+                                  </p:childTnLst>
+                                </p:cTn>
+                              </p:par>
+                            </p:childTnLst>
+                          </p:cTn>
+                        </p:par>
+                      </p:childTnLst>
+                    </p:cTn>
+                  </p:par>
+                  <p:par>
+                    <p:cTn id="15" fill="hold">
+                      <p:stCondLst>
+                        <p:cond delay="indefinite"/>
+                      </p:stCondLst>
+                      <p:childTnLst>
+                        <p:par>
+                          <p:cTn id="16" fill="hold">
+                            <p:stCondLst>
+                              <p:cond delay="0"/>
+                            </p:stCondLst>
+                            <p:childTnLst>
+                              <p:par>
+                                <p:cTn id="17" presetID="1" presetClass="entr" presetSubtype="0" fill="hold" grpId="0" nodeType="clickEffect">
+                                  <p:stCondLst>
+                                    <p:cond delay="0"/>
+                                  </p:stCondLst>
+                                  <p:childTnLst>
+                                    <p:set>
+                                      <p:cBhvr>
+                                        <p:cTn id="18" dur="1" fill="hold">
+                                          <p:stCondLst>
+                                            <p:cond delay="0"/>
+                                          </p:stCondLst>
+                                        </p:cTn>
+                                        <p:tgtEl>
+                                          <p:spTgt spid="6">
+                                            <p:txEl>
+                                              <p:pRg st="2" end="2"/>
+                                            </p:txEl>
+                                          </p:spTgt>
+                                        </p:tgtEl>
+                                        <p:attrNameLst>
+                                          <p:attrName>style.visibility</p:attrName>
+                                        </p:attrNameLst>
+                                      </p:cBhvr>
+                                      <p:to>
+                                        <p:strVal val="visible"/>
+                                      </p:to>
+                                    </p:set>
+                                  </p:childTnLst>
+                                </p:cTn>
+                              </p:par>
+                            </p:childTnLst>
+                          </p:cTn>
+                        </p:par>
+                      </p:childTnLst>
+                    </p:cTn>
+                  </p:par>
+                </p:childTnLst>
+              </p:cTn>
+              <p:prevCondLst>
+                <p:cond evt="onPrev" delay="0">
+                  <p:tgtEl>
+                    <p:sldTgt/>
+                  </p:tgtEl>
+                </p:cond>
+              </p:prevCondLst>
+              <p:nextCondLst>
+                <p:cond evt="onNext" delay="0">
+                  <p:tgtEl>
+                    <p:sldTgt/>
+                  </p:tgtEl>
+                </p:cond>
+              </p:nextCondLst>
+            </p:seq>
+          </p:childTnLst>
+        </p:cTn>
+      </p:par>
+    </p:tnLst>
+    <p:bldLst>
+      <p:bldP spid="3" grpId="0" uiExpand="1" build="p"/>
+      <p:bldP spid="6" grpId="0" uiExpand="1" build="p"/>
+    </p:bldLst>
+  </p:timing>
 </p:sld>
 </file>
 
@@ -9606,7 +10288,7 @@
           <p:cNvPr id="2" name="標題 1">
             <a:extLst>
               <a:ext uri="{FF2B5EF4-FFF2-40B4-BE49-F238E27FC236}">
-                <a16:creationId xmlns:a16="http://schemas.microsoft.com/office/drawing/2014/main" id="{65311F84-6372-4050-9117-32BF100DE40A}"/>
+                <a16:creationId xmlns:a16="http://schemas.microsoft.com/office/drawing/2014/main" id="{375E1AF3-3882-40CA-A050-39AC4380C4C4}"/>
               </a:ext>
             </a:extLst>
           </p:cNvPr>
@@ -9624,509 +10306,401 @@
           <a:p>
             <a:r>
               <a:rPr lang="zh-TW" altLang="en-US" dirty="0"/>
-              <a:t>資源鎖死</a:t>
-            </a:r>
-          </a:p>
-        </p:txBody>
-      </p:sp>
-      <p:sp>
-        <p:nvSpPr>
-          <p:cNvPr id="4" name="矩形 3">
+              <a:t>怎麼用非同步</a:t>
+            </a:r>
+            <a:r>
+              <a:rPr lang="en-US" altLang="zh-TW" dirty="0"/>
+              <a:t>—</a:t>
+            </a:r>
+            <a:r>
+              <a:rPr lang="zh-TW" altLang="en-US" dirty="0"/>
+              <a:t>呼叫</a:t>
+            </a:r>
+          </a:p>
+        </p:txBody>
+      </p:sp>
+      <p:sp>
+        <p:nvSpPr>
+          <p:cNvPr id="4" name="文字版面配置區 3">
             <a:extLst>
               <a:ext uri="{FF2B5EF4-FFF2-40B4-BE49-F238E27FC236}">
-                <a16:creationId xmlns:a16="http://schemas.microsoft.com/office/drawing/2014/main" id="{1D260D78-F2FA-41FB-BAFA-094ECDAA9709}"/>
+                <a16:creationId xmlns:a16="http://schemas.microsoft.com/office/drawing/2014/main" id="{181CE145-9952-493A-888F-38A8E2327298}"/>
               </a:ext>
             </a:extLst>
           </p:cNvPr>
-          <p:cNvSpPr/>
-          <p:nvPr/>
+          <p:cNvSpPr>
+            <a:spLocks noGrp="1"/>
+          </p:cNvSpPr>
+          <p:nvPr>
+            <p:ph type="body" idx="1"/>
+          </p:nvPr>
         </p:nvSpPr>
         <p:spPr>
           <a:xfrm>
-            <a:off x="2691414" y="1733364"/>
-            <a:ext cx="6809172" cy="4483223"/>
+            <a:off x="1371600" y="1516952"/>
+            <a:ext cx="4443984" cy="823912"/>
           </a:xfrm>
-          <a:prstGeom prst="rect">
-            <a:avLst/>
-          </a:prstGeom>
         </p:spPr>
-        <p:style>
-          <a:lnRef idx="3">
-            <a:schemeClr val="lt1"/>
-          </a:lnRef>
-          <a:fillRef idx="1">
-            <a:schemeClr val="accent5"/>
-          </a:fillRef>
-          <a:effectRef idx="1">
-            <a:schemeClr val="accent5"/>
-          </a:effectRef>
-          <a:fontRef idx="minor">
-            <a:schemeClr val="lt1"/>
-          </a:fontRef>
-        </p:style>
-        <p:txBody>
-          <a:bodyPr rtlCol="0" anchor="t" anchorCtr="0"/>
-          <a:lstStyle/>
-          <a:p>
-            <a:r>
-              <a:rPr lang="en-US" altLang="zh-TW" dirty="0"/>
-              <a:t>Application</a:t>
-            </a:r>
-          </a:p>
-        </p:txBody>
-      </p:sp>
-      <p:sp>
-        <p:nvSpPr>
-          <p:cNvPr id="5" name="橢圓 4">
+        <p:txBody>
+          <a:bodyPr/>
+          <a:lstStyle/>
+          <a:p>
+            <a:r>
+              <a:rPr lang="zh-TW" altLang="en-US" dirty="0"/>
+              <a:t>同步</a:t>
+            </a:r>
+          </a:p>
+        </p:txBody>
+      </p:sp>
+      <p:sp>
+        <p:nvSpPr>
+          <p:cNvPr id="3" name="內容版面配置區 2">
             <a:extLst>
               <a:ext uri="{FF2B5EF4-FFF2-40B4-BE49-F238E27FC236}">
-                <a16:creationId xmlns:a16="http://schemas.microsoft.com/office/drawing/2014/main" id="{75CE581B-9BCB-45E3-873A-0B4775B3AF0B}"/>
+                <a16:creationId xmlns:a16="http://schemas.microsoft.com/office/drawing/2014/main" id="{4877105D-F782-4702-BD7A-A4E0F46A3650}"/>
               </a:ext>
             </a:extLst>
           </p:cNvPr>
-          <p:cNvSpPr/>
-          <p:nvPr/>
+          <p:cNvSpPr>
+            <a:spLocks noGrp="1"/>
+          </p:cNvSpPr>
+          <p:nvPr>
+            <p:ph sz="half" idx="2"/>
+          </p:nvPr>
         </p:nvSpPr>
         <p:spPr>
           <a:xfrm>
-            <a:off x="9756559" y="2059619"/>
-            <a:ext cx="1961965" cy="1083076"/>
+            <a:off x="1371600" y="2340865"/>
+            <a:ext cx="4443984" cy="3526536"/>
           </a:xfrm>
-          <a:prstGeom prst="ellipse">
-            <a:avLst/>
-          </a:prstGeom>
         </p:spPr>
-        <p:style>
-          <a:lnRef idx="2">
-            <a:schemeClr val="accent1">
-              <a:shade val="50000"/>
-            </a:schemeClr>
-          </a:lnRef>
-          <a:fillRef idx="1">
-            <a:schemeClr val="accent1"/>
-          </a:fillRef>
-          <a:effectRef idx="0">
-            <a:schemeClr val="accent1"/>
-          </a:effectRef>
-          <a:fontRef idx="minor">
-            <a:schemeClr val="lt1"/>
-          </a:fontRef>
-        </p:style>
-        <p:txBody>
-          <a:bodyPr rtlCol="0" anchor="ctr"/>
-          <a:lstStyle/>
-          <a:p>
-            <a:pPr algn="ctr"/>
-            <a:r>
-              <a:rPr lang="zh-TW" altLang="en-US" dirty="0"/>
-              <a:t>某個</a:t>
-            </a:r>
-            <a:r>
-              <a:rPr lang="en-US" altLang="zh-TW" dirty="0"/>
-              <a:t>API</a:t>
-            </a:r>
-            <a:endParaRPr lang="zh-TW" altLang="en-US" dirty="0"/>
-          </a:p>
-        </p:txBody>
-      </p:sp>
-      <p:sp>
-        <p:nvSpPr>
-          <p:cNvPr id="6" name="橢圓 5">
+        <p:txBody>
+          <a:bodyPr/>
+          <a:lstStyle/>
+          <a:p>
+            <a:r>
+              <a:rPr lang="en-US" altLang="zh-TW" dirty="0">
+                <a:latin typeface="Consolas" panose="020B0609020204030204" pitchFamily="49" charset="0"/>
+              </a:rPr>
+              <a:t>Foo();</a:t>
+            </a:r>
+          </a:p>
+          <a:p>
+            <a:r>
+              <a:rPr lang="en-US" altLang="zh-TW" dirty="0">
+                <a:latin typeface="Consolas" panose="020B0609020204030204" pitchFamily="49" charset="0"/>
+              </a:rPr>
+              <a:t>var a = Bar();</a:t>
+            </a:r>
+            <a:endParaRPr lang="zh-TW" altLang="en-US" dirty="0">
+              <a:latin typeface="Consolas" panose="020B0609020204030204" pitchFamily="49" charset="0"/>
+            </a:endParaRPr>
+          </a:p>
+        </p:txBody>
+      </p:sp>
+      <p:sp>
+        <p:nvSpPr>
+          <p:cNvPr id="5" name="文字版面配置區 4">
             <a:extLst>
               <a:ext uri="{FF2B5EF4-FFF2-40B4-BE49-F238E27FC236}">
-                <a16:creationId xmlns:a16="http://schemas.microsoft.com/office/drawing/2014/main" id="{5EB2F3B0-320A-489C-8851-9E89956FB0DE}"/>
+                <a16:creationId xmlns:a16="http://schemas.microsoft.com/office/drawing/2014/main" id="{942B86E4-C93F-49AE-B1E3-B5BD1344E2BB}"/>
               </a:ext>
             </a:extLst>
           </p:cNvPr>
-          <p:cNvSpPr/>
-          <p:nvPr/>
+          <p:cNvSpPr>
+            <a:spLocks noGrp="1"/>
+          </p:cNvSpPr>
+          <p:nvPr>
+            <p:ph type="body" sz="quarter" idx="3"/>
+          </p:nvPr>
         </p:nvSpPr>
         <p:spPr>
           <a:xfrm>
-            <a:off x="9756559" y="3433438"/>
-            <a:ext cx="1961965" cy="1083076"/>
+            <a:off x="6525014" y="1516952"/>
+            <a:ext cx="4443984" cy="823912"/>
           </a:xfrm>
-          <a:prstGeom prst="ellipse">
-            <a:avLst/>
-          </a:prstGeom>
         </p:spPr>
-        <p:style>
-          <a:lnRef idx="2">
-            <a:schemeClr val="accent1">
-              <a:shade val="50000"/>
-            </a:schemeClr>
-          </a:lnRef>
-          <a:fillRef idx="1">
-            <a:schemeClr val="accent1"/>
-          </a:fillRef>
-          <a:effectRef idx="0">
-            <a:schemeClr val="accent1"/>
-          </a:effectRef>
-          <a:fontRef idx="minor">
-            <a:schemeClr val="lt1"/>
-          </a:fontRef>
-        </p:style>
-        <p:txBody>
-          <a:bodyPr rtlCol="0" anchor="ctr"/>
-          <a:lstStyle/>
-          <a:p>
-            <a:pPr algn="ctr"/>
+        <p:txBody>
+          <a:bodyPr/>
+          <a:lstStyle/>
+          <a:p>
             <a:r>
               <a:rPr lang="zh-TW" altLang="en-US" dirty="0"/>
-              <a:t>某個</a:t>
-            </a:r>
-            <a:r>
-              <a:rPr lang="en-US" altLang="zh-TW" dirty="0"/>
-              <a:t>DB</a:t>
-            </a:r>
-            <a:endParaRPr lang="zh-TW" altLang="en-US" dirty="0"/>
-          </a:p>
-        </p:txBody>
-      </p:sp>
-      <p:sp>
-        <p:nvSpPr>
-          <p:cNvPr id="3" name="矩形: 圓角 2">
+              <a:t>非同步</a:t>
+            </a:r>
+          </a:p>
+        </p:txBody>
+      </p:sp>
+      <p:sp>
+        <p:nvSpPr>
+          <p:cNvPr id="6" name="內容版面配置區 5">
             <a:extLst>
               <a:ext uri="{FF2B5EF4-FFF2-40B4-BE49-F238E27FC236}">
-                <a16:creationId xmlns:a16="http://schemas.microsoft.com/office/drawing/2014/main" id="{920FE186-F7EB-4216-BB70-0066E1B55630}"/>
+                <a16:creationId xmlns:a16="http://schemas.microsoft.com/office/drawing/2014/main" id="{53C35351-5CFA-4BAB-8FA2-88082AB12F8E}"/>
               </a:ext>
             </a:extLst>
           </p:cNvPr>
-          <p:cNvSpPr/>
-          <p:nvPr/>
+          <p:cNvSpPr>
+            <a:spLocks noGrp="1"/>
+          </p:cNvSpPr>
+          <p:nvPr>
+            <p:ph sz="quarter" idx="4"/>
+          </p:nvPr>
         </p:nvSpPr>
         <p:spPr>
           <a:xfrm>
-            <a:off x="3140697" y="2422220"/>
-            <a:ext cx="5910606" cy="1006780"/>
+            <a:off x="6525013" y="2340865"/>
+            <a:ext cx="5465881" cy="3526536"/>
           </a:xfrm>
-          <a:prstGeom prst="roundRect">
-            <a:avLst/>
-          </a:prstGeom>
         </p:spPr>
-        <p:style>
-          <a:lnRef idx="2">
-            <a:schemeClr val="accent2">
-              <a:shade val="50000"/>
-            </a:schemeClr>
-          </a:lnRef>
-          <a:fillRef idx="1">
-            <a:schemeClr val="accent2"/>
-          </a:fillRef>
-          <a:effectRef idx="0">
-            <a:schemeClr val="accent2"/>
-          </a:effectRef>
-          <a:fontRef idx="minor">
-            <a:schemeClr val="lt1"/>
-          </a:fontRef>
-        </p:style>
-        <p:txBody>
-          <a:bodyPr rot="0" spcFirstLastPara="0" vertOverflow="overflow" horzOverflow="overflow" vert="horz" wrap="square" lIns="91440" tIns="45720" rIns="91440" bIns="45720" numCol="1" spcCol="0" rtlCol="0" fromWordArt="0" anchor="ctr" anchorCtr="0" forceAA="0" compatLnSpc="1">
-            <a:prstTxWarp prst="textNoShape">
-              <a:avLst/>
-            </a:prstTxWarp>
-            <a:noAutofit/>
-          </a:bodyPr>
-          <a:lstStyle/>
-          <a:p>
-            <a:pPr algn="ctr"/>
-            <a:r>
-              <a:rPr lang="zh-TW" altLang="en-US" dirty="0">
-                <a:ln w="0"/>
-                <a:solidFill>
-                  <a:schemeClr val="tx1"/>
-                </a:solidFill>
-                <a:effectLst>
-                  <a:outerShdw blurRad="38100" dist="19050" dir="2700000" algn="tl" rotWithShape="0">
-                    <a:schemeClr val="dk1">
-                      <a:alpha val="40000"/>
-                    </a:schemeClr>
-                  </a:outerShdw>
-                </a:effectLst>
+        <p:txBody>
+          <a:bodyPr/>
+          <a:lstStyle/>
+          <a:p>
+            <a:r>
+              <a:rPr lang="en-US" altLang="zh-TW" dirty="0">
+                <a:latin typeface="Consolas" panose="020B0609020204030204" pitchFamily="49" charset="0"/>
               </a:rPr>
-              <a:t>執行續</a:t>
+              <a:t>await </a:t>
+            </a:r>
+            <a:r>
+              <a:rPr lang="en-US" altLang="zh-TW" dirty="0" err="1">
+                <a:latin typeface="Consolas" panose="020B0609020204030204" pitchFamily="49" charset="0"/>
+              </a:rPr>
+              <a:t>FooAsync</a:t>
             </a:r>
             <a:r>
               <a:rPr lang="en-US" altLang="zh-TW" dirty="0">
-                <a:ln w="0"/>
-                <a:solidFill>
-                  <a:schemeClr val="tx1"/>
-                </a:solidFill>
-                <a:effectLst>
-                  <a:outerShdw blurRad="38100" dist="19050" dir="2700000" algn="tl" rotWithShape="0">
-                    <a:schemeClr val="dk1">
-                      <a:alpha val="40000"/>
-                    </a:schemeClr>
-                  </a:outerShdw>
-                </a:effectLst>
+                <a:latin typeface="Consolas" panose="020B0609020204030204" pitchFamily="49" charset="0"/>
               </a:rPr>
-              <a:t>A</a:t>
-            </a:r>
-            <a:endParaRPr lang="zh-TW" altLang="en-US" dirty="0">
-              <a:ln w="0"/>
-              <a:solidFill>
-                <a:schemeClr val="tx1"/>
-              </a:solidFill>
-              <a:effectLst>
-                <a:outerShdw blurRad="38100" dist="19050" dir="2700000" algn="tl" rotWithShape="0">
-                  <a:schemeClr val="dk1">
-                    <a:alpha val="40000"/>
-                  </a:schemeClr>
-                </a:outerShdw>
-              </a:effectLst>
+              <a:t>();</a:t>
+            </a:r>
+          </a:p>
+          <a:p>
+            <a:r>
+              <a:rPr lang="en-US" altLang="zh-TW" dirty="0">
+                <a:latin typeface="Consolas" panose="020B0609020204030204" pitchFamily="49" charset="0"/>
+              </a:rPr>
+              <a:t>var a = await </a:t>
+            </a:r>
+            <a:r>
+              <a:rPr lang="en-US" altLang="zh-TW" dirty="0" err="1">
+                <a:latin typeface="Consolas" panose="020B0609020204030204" pitchFamily="49" charset="0"/>
+              </a:rPr>
+              <a:t>BarAsync</a:t>
+            </a:r>
+            <a:r>
+              <a:rPr lang="en-US" altLang="zh-TW" dirty="0">
+                <a:latin typeface="Consolas" panose="020B0609020204030204" pitchFamily="49" charset="0"/>
+              </a:rPr>
+              <a:t>();</a:t>
+            </a:r>
+            <a:endParaRPr lang="zh-TW" altLang="en-US" strike="sngStrike" dirty="0">
+              <a:latin typeface="Consolas" panose="020B0609020204030204" pitchFamily="49" charset="0"/>
             </a:endParaRPr>
-          </a:p>
-        </p:txBody>
-      </p:sp>
-      <p:sp>
-        <p:nvSpPr>
-          <p:cNvPr id="7" name="矩形: 圓角 6">
-            <a:extLst>
-              <a:ext uri="{FF2B5EF4-FFF2-40B4-BE49-F238E27FC236}">
-                <a16:creationId xmlns:a16="http://schemas.microsoft.com/office/drawing/2014/main" id="{09FDB238-C6F6-42BD-9DE4-A754D680F41E}"/>
-              </a:ext>
-            </a:extLst>
-          </p:cNvPr>
-          <p:cNvSpPr/>
-          <p:nvPr/>
-        </p:nvSpPr>
-        <p:spPr>
-          <a:xfrm>
-            <a:off x="3140697" y="3540388"/>
-            <a:ext cx="5910606" cy="1006780"/>
-          </a:xfrm>
-          <a:prstGeom prst="roundRect">
-            <a:avLst/>
-          </a:prstGeom>
-        </p:spPr>
-        <p:style>
-          <a:lnRef idx="2">
-            <a:schemeClr val="accent2">
-              <a:shade val="50000"/>
-            </a:schemeClr>
-          </a:lnRef>
-          <a:fillRef idx="1">
-            <a:schemeClr val="accent2"/>
-          </a:fillRef>
-          <a:effectRef idx="0">
-            <a:schemeClr val="accent2"/>
-          </a:effectRef>
-          <a:fontRef idx="minor">
-            <a:schemeClr val="lt1"/>
-          </a:fontRef>
-        </p:style>
-        <p:txBody>
-          <a:bodyPr rot="0" spcFirstLastPara="0" vertOverflow="overflow" horzOverflow="overflow" vert="horz" wrap="square" lIns="91440" tIns="45720" rIns="91440" bIns="45720" numCol="1" spcCol="0" rtlCol="0" fromWordArt="0" anchor="ctr" anchorCtr="0" forceAA="0" compatLnSpc="1">
-            <a:prstTxWarp prst="textNoShape">
-              <a:avLst/>
-            </a:prstTxWarp>
-            <a:noAutofit/>
-          </a:bodyPr>
-          <a:lstStyle/>
-          <a:p>
-            <a:pPr algn="ctr"/>
-            <a:r>
-              <a:rPr lang="zh-TW" altLang="en-US" dirty="0">
-                <a:ln w="0"/>
-                <a:solidFill>
-                  <a:schemeClr val="tx1"/>
-                </a:solidFill>
-                <a:effectLst>
-                  <a:outerShdw blurRad="38100" dist="19050" dir="2700000" algn="tl" rotWithShape="0">
-                    <a:schemeClr val="dk1">
-                      <a:alpha val="40000"/>
-                    </a:schemeClr>
-                  </a:outerShdw>
-                </a:effectLst>
-              </a:rPr>
-              <a:t>執行續</a:t>
-            </a:r>
-            <a:r>
-              <a:rPr lang="en-US" altLang="zh-TW" dirty="0">
-                <a:ln w="0"/>
-                <a:solidFill>
-                  <a:schemeClr val="tx1"/>
-                </a:solidFill>
-                <a:effectLst>
-                  <a:outerShdw blurRad="38100" dist="19050" dir="2700000" algn="tl" rotWithShape="0">
-                    <a:schemeClr val="dk1">
-                      <a:alpha val="40000"/>
-                    </a:schemeClr>
-                  </a:outerShdw>
-                </a:effectLst>
-              </a:rPr>
-              <a:t>B</a:t>
-            </a:r>
-            <a:endParaRPr lang="zh-TW" altLang="en-US" dirty="0">
-              <a:ln w="0"/>
-              <a:solidFill>
-                <a:schemeClr val="tx1"/>
-              </a:solidFill>
-              <a:effectLst>
-                <a:outerShdw blurRad="38100" dist="19050" dir="2700000" algn="tl" rotWithShape="0">
-                  <a:schemeClr val="dk1">
-                    <a:alpha val="40000"/>
-                  </a:schemeClr>
-                </a:outerShdw>
-              </a:effectLst>
-            </a:endParaRPr>
-          </a:p>
-        </p:txBody>
-      </p:sp>
-      <p:sp>
-        <p:nvSpPr>
-          <p:cNvPr id="8" name="矩形: 圓角 7">
-            <a:extLst>
-              <a:ext uri="{FF2B5EF4-FFF2-40B4-BE49-F238E27FC236}">
-                <a16:creationId xmlns:a16="http://schemas.microsoft.com/office/drawing/2014/main" id="{3321E835-137C-4704-83A6-D3F62C83DE88}"/>
-              </a:ext>
-            </a:extLst>
-          </p:cNvPr>
-          <p:cNvSpPr/>
-          <p:nvPr/>
-        </p:nvSpPr>
-        <p:spPr>
-          <a:xfrm>
-            <a:off x="3140697" y="4656755"/>
-            <a:ext cx="5910606" cy="1006780"/>
-          </a:xfrm>
-          <a:prstGeom prst="roundRect">
-            <a:avLst/>
-          </a:prstGeom>
-        </p:spPr>
-        <p:style>
-          <a:lnRef idx="2">
-            <a:schemeClr val="accent2">
-              <a:shade val="50000"/>
-            </a:schemeClr>
-          </a:lnRef>
-          <a:fillRef idx="1">
-            <a:schemeClr val="accent2"/>
-          </a:fillRef>
-          <a:effectRef idx="0">
-            <a:schemeClr val="accent2"/>
-          </a:effectRef>
-          <a:fontRef idx="minor">
-            <a:schemeClr val="lt1"/>
-          </a:fontRef>
-        </p:style>
-        <p:txBody>
-          <a:bodyPr rot="0" spcFirstLastPara="0" vertOverflow="overflow" horzOverflow="overflow" vert="horz" wrap="square" lIns="91440" tIns="45720" rIns="91440" bIns="45720" numCol="1" spcCol="0" rtlCol="0" fromWordArt="0" anchor="ctr" anchorCtr="0" forceAA="0" compatLnSpc="1">
-            <a:prstTxWarp prst="textNoShape">
-              <a:avLst/>
-            </a:prstTxWarp>
-            <a:noAutofit/>
-          </a:bodyPr>
-          <a:lstStyle/>
-          <a:p>
-            <a:pPr algn="ctr"/>
-            <a:r>
-              <a:rPr lang="zh-TW" altLang="en-US" dirty="0">
-                <a:ln w="0"/>
-                <a:solidFill>
-                  <a:schemeClr val="tx1"/>
-                </a:solidFill>
-                <a:effectLst>
-                  <a:outerShdw blurRad="38100" dist="19050" dir="2700000" algn="tl" rotWithShape="0">
-                    <a:schemeClr val="dk1">
-                      <a:alpha val="40000"/>
-                    </a:schemeClr>
-                  </a:outerShdw>
-                </a:effectLst>
-              </a:rPr>
-              <a:t>執行續</a:t>
-            </a:r>
-            <a:r>
-              <a:rPr lang="en-US" altLang="zh-TW" dirty="0">
-                <a:ln w="0"/>
-                <a:solidFill>
-                  <a:schemeClr val="tx1"/>
-                </a:solidFill>
-                <a:effectLst>
-                  <a:outerShdw blurRad="38100" dist="19050" dir="2700000" algn="tl" rotWithShape="0">
-                    <a:schemeClr val="dk1">
-                      <a:alpha val="40000"/>
-                    </a:schemeClr>
-                  </a:outerShdw>
-                </a:effectLst>
-              </a:rPr>
-              <a:t>C</a:t>
-            </a:r>
-            <a:endParaRPr lang="zh-TW" altLang="en-US" dirty="0">
-              <a:ln w="0"/>
-              <a:solidFill>
-                <a:schemeClr val="tx1"/>
-              </a:solidFill>
-              <a:effectLst>
-                <a:outerShdw blurRad="38100" dist="19050" dir="2700000" algn="tl" rotWithShape="0">
-                  <a:schemeClr val="dk1">
-                    <a:alpha val="40000"/>
-                  </a:schemeClr>
-                </a:outerShdw>
-              </a:effectLst>
-            </a:endParaRPr>
-          </a:p>
-        </p:txBody>
-      </p:sp>
-      <p:sp>
-        <p:nvSpPr>
-          <p:cNvPr id="9" name="橢圓 8">
-            <a:extLst>
-              <a:ext uri="{FF2B5EF4-FFF2-40B4-BE49-F238E27FC236}">
-                <a16:creationId xmlns:a16="http://schemas.microsoft.com/office/drawing/2014/main" id="{8B21D2D8-7A31-4D1C-93D7-1DC64F946A5F}"/>
-              </a:ext>
-            </a:extLst>
-          </p:cNvPr>
-          <p:cNvSpPr/>
-          <p:nvPr/>
-        </p:nvSpPr>
-        <p:spPr>
-          <a:xfrm>
-            <a:off x="826103" y="1880682"/>
-            <a:ext cx="1640669" cy="1083076"/>
-          </a:xfrm>
-          <a:prstGeom prst="ellipse">
-            <a:avLst/>
-          </a:prstGeom>
-        </p:spPr>
-        <p:style>
-          <a:lnRef idx="2">
-            <a:schemeClr val="accent1">
-              <a:shade val="50000"/>
-            </a:schemeClr>
-          </a:lnRef>
-          <a:fillRef idx="1">
-            <a:schemeClr val="accent1"/>
-          </a:fillRef>
-          <a:effectRef idx="0">
-            <a:schemeClr val="accent1"/>
-          </a:effectRef>
-          <a:fontRef idx="minor">
-            <a:schemeClr val="lt1"/>
-          </a:fontRef>
-        </p:style>
-        <p:txBody>
-          <a:bodyPr rtlCol="0" anchor="ctr"/>
-          <a:lstStyle/>
-          <a:p>
-            <a:pPr algn="ctr"/>
-            <a:r>
-              <a:rPr lang="en-US" altLang="zh-TW" dirty="0"/>
-              <a:t>Client</a:t>
-            </a:r>
           </a:p>
         </p:txBody>
       </p:sp>
     </p:spTree>
     <p:extLst>
       <p:ext uri="{BB962C8B-B14F-4D97-AF65-F5344CB8AC3E}">
-        <p14:creationId xmlns:p14="http://schemas.microsoft.com/office/powerpoint/2010/main" val="1140812029"/>
+        <p14:creationId xmlns:p14="http://schemas.microsoft.com/office/powerpoint/2010/main" val="3670598019"/>
       </p:ext>
     </p:extLst>
   </p:cSld>
   <p:clrMapOvr>
     <a:masterClrMapping/>
   </p:clrMapOvr>
+  <p:timing>
+    <p:tnLst>
+      <p:par>
+        <p:cTn id="1" dur="indefinite" restart="never" nodeType="tmRoot">
+          <p:childTnLst>
+            <p:seq concurrent="1" nextAc="seek">
+              <p:cTn id="2" dur="indefinite" nodeType="mainSeq">
+                <p:childTnLst>
+                  <p:par>
+                    <p:cTn id="3" fill="hold">
+                      <p:stCondLst>
+                        <p:cond delay="indefinite"/>
+                      </p:stCondLst>
+                      <p:childTnLst>
+                        <p:par>
+                          <p:cTn id="4" fill="hold">
+                            <p:stCondLst>
+                              <p:cond delay="0"/>
+                            </p:stCondLst>
+                            <p:childTnLst>
+                              <p:par>
+                                <p:cTn id="5" presetID="1" presetClass="entr" presetSubtype="0" fill="hold" nodeType="clickEffect">
+                                  <p:stCondLst>
+                                    <p:cond delay="0"/>
+                                  </p:stCondLst>
+                                  <p:childTnLst>
+                                    <p:set>
+                                      <p:cBhvr>
+                                        <p:cTn id="6" dur="1" fill="hold">
+                                          <p:stCondLst>
+                                            <p:cond delay="0"/>
+                                          </p:stCondLst>
+                                        </p:cTn>
+                                        <p:tgtEl>
+                                          <p:spTgt spid="3">
+                                            <p:txEl>
+                                              <p:pRg st="0" end="0"/>
+                                            </p:txEl>
+                                          </p:spTgt>
+                                        </p:tgtEl>
+                                        <p:attrNameLst>
+                                          <p:attrName>style.visibility</p:attrName>
+                                        </p:attrNameLst>
+                                      </p:cBhvr>
+                                      <p:to>
+                                        <p:strVal val="visible"/>
+                                      </p:to>
+                                    </p:set>
+                                  </p:childTnLst>
+                                </p:cTn>
+                              </p:par>
+                              <p:par>
+                                <p:cTn id="7" presetID="1" presetClass="entr" presetSubtype="0" fill="hold" nodeType="withEffect">
+                                  <p:stCondLst>
+                                    <p:cond delay="0"/>
+                                  </p:stCondLst>
+                                  <p:childTnLst>
+                                    <p:set>
+                                      <p:cBhvr>
+                                        <p:cTn id="8" dur="1" fill="hold">
+                                          <p:stCondLst>
+                                            <p:cond delay="0"/>
+                                          </p:stCondLst>
+                                        </p:cTn>
+                                        <p:tgtEl>
+                                          <p:spTgt spid="6">
+                                            <p:txEl>
+                                              <p:pRg st="0" end="0"/>
+                                            </p:txEl>
+                                          </p:spTgt>
+                                        </p:tgtEl>
+                                        <p:attrNameLst>
+                                          <p:attrName>style.visibility</p:attrName>
+                                        </p:attrNameLst>
+                                      </p:cBhvr>
+                                      <p:to>
+                                        <p:strVal val="visible"/>
+                                      </p:to>
+                                    </p:set>
+                                  </p:childTnLst>
+                                </p:cTn>
+                              </p:par>
+                            </p:childTnLst>
+                          </p:cTn>
+                        </p:par>
+                      </p:childTnLst>
+                    </p:cTn>
+                  </p:par>
+                  <p:par>
+                    <p:cTn id="9" fill="hold">
+                      <p:stCondLst>
+                        <p:cond delay="indefinite"/>
+                      </p:stCondLst>
+                      <p:childTnLst>
+                        <p:par>
+                          <p:cTn id="10" fill="hold">
+                            <p:stCondLst>
+                              <p:cond delay="0"/>
+                            </p:stCondLst>
+                            <p:childTnLst>
+                              <p:par>
+                                <p:cTn id="11" presetID="1" presetClass="entr" presetSubtype="0" fill="hold" nodeType="clickEffect">
+                                  <p:stCondLst>
+                                    <p:cond delay="0"/>
+                                  </p:stCondLst>
+                                  <p:childTnLst>
+                                    <p:set>
+                                      <p:cBhvr>
+                                        <p:cTn id="12" dur="1" fill="hold">
+                                          <p:stCondLst>
+                                            <p:cond delay="0"/>
+                                          </p:stCondLst>
+                                        </p:cTn>
+                                        <p:tgtEl>
+                                          <p:spTgt spid="3">
+                                            <p:txEl>
+                                              <p:pRg st="1" end="1"/>
+                                            </p:txEl>
+                                          </p:spTgt>
+                                        </p:tgtEl>
+                                        <p:attrNameLst>
+                                          <p:attrName>style.visibility</p:attrName>
+                                        </p:attrNameLst>
+                                      </p:cBhvr>
+                                      <p:to>
+                                        <p:strVal val="visible"/>
+                                      </p:to>
+                                    </p:set>
+                                  </p:childTnLst>
+                                </p:cTn>
+                              </p:par>
+                              <p:par>
+                                <p:cTn id="13" presetID="1" presetClass="entr" presetSubtype="0" fill="hold" nodeType="withEffect">
+                                  <p:stCondLst>
+                                    <p:cond delay="0"/>
+                                  </p:stCondLst>
+                                  <p:childTnLst>
+                                    <p:set>
+                                      <p:cBhvr>
+                                        <p:cTn id="14" dur="1" fill="hold">
+                                          <p:stCondLst>
+                                            <p:cond delay="0"/>
+                                          </p:stCondLst>
+                                        </p:cTn>
+                                        <p:tgtEl>
+                                          <p:spTgt spid="6">
+                                            <p:txEl>
+                                              <p:pRg st="1" end="1"/>
+                                            </p:txEl>
+                                          </p:spTgt>
+                                        </p:tgtEl>
+                                        <p:attrNameLst>
+                                          <p:attrName>style.visibility</p:attrName>
+                                        </p:attrNameLst>
+                                      </p:cBhvr>
+                                      <p:to>
+                                        <p:strVal val="visible"/>
+                                      </p:to>
+                                    </p:set>
+                                  </p:childTnLst>
+                                </p:cTn>
+                              </p:par>
+                            </p:childTnLst>
+                          </p:cTn>
+                        </p:par>
+                      </p:childTnLst>
+                    </p:cTn>
+                  </p:par>
+                </p:childTnLst>
+              </p:cTn>
+              <p:prevCondLst>
+                <p:cond evt="onPrev" delay="0">
+                  <p:tgtEl>
+                    <p:sldTgt/>
+                  </p:tgtEl>
+                </p:cond>
+              </p:prevCondLst>
+              <p:nextCondLst>
+                <p:cond evt="onNext" delay="0">
+                  <p:tgtEl>
+                    <p:sldTgt/>
+                  </p:tgtEl>
+                </p:cond>
+              </p:nextCondLst>
+            </p:seq>
+          </p:childTnLst>
+        </p:cTn>
+      </p:par>
+    </p:tnLst>
+  </p:timing>
 </p:sld>
 </file>
 

--- a/.NET非同步入門.pptx
+++ b/.NET非同步入門.pptx
@@ -24,18 +24,20 @@
     <p:sldId id="262" r:id="rId18"/>
     <p:sldId id="263" r:id="rId19"/>
     <p:sldId id="269" r:id="rId20"/>
-    <p:sldId id="264" r:id="rId21"/>
-    <p:sldId id="265" r:id="rId22"/>
-    <p:sldId id="268" r:id="rId23"/>
-    <p:sldId id="271" r:id="rId24"/>
-    <p:sldId id="285" r:id="rId25"/>
-    <p:sldId id="280" r:id="rId26"/>
-    <p:sldId id="272" r:id="rId27"/>
-    <p:sldId id="286" r:id="rId28"/>
-    <p:sldId id="289" r:id="rId29"/>
-    <p:sldId id="275" r:id="rId30"/>
-    <p:sldId id="273" r:id="rId31"/>
-    <p:sldId id="284" r:id="rId32"/>
+    <p:sldId id="290" r:id="rId21"/>
+    <p:sldId id="264" r:id="rId22"/>
+    <p:sldId id="265" r:id="rId23"/>
+    <p:sldId id="268" r:id="rId24"/>
+    <p:sldId id="271" r:id="rId25"/>
+    <p:sldId id="291" r:id="rId26"/>
+    <p:sldId id="285" r:id="rId27"/>
+    <p:sldId id="280" r:id="rId28"/>
+    <p:sldId id="272" r:id="rId29"/>
+    <p:sldId id="286" r:id="rId30"/>
+    <p:sldId id="289" r:id="rId31"/>
+    <p:sldId id="275" r:id="rId32"/>
+    <p:sldId id="273" r:id="rId33"/>
+    <p:sldId id="284" r:id="rId34"/>
   </p:sldIdLst>
   <p:sldSz cx="12192000" cy="6858000"/>
   <p:notesSz cx="6858000" cy="9144000"/>
@@ -174,6 +176,7 @@
             <p14:sldId id="262"/>
             <p14:sldId id="263"/>
             <p14:sldId id="269"/>
+            <p14:sldId id="290"/>
           </p14:sldIdLst>
         </p14:section>
         <p14:section name="pros and cons" id="{EC747A84-7DB3-443B-9208-DBAAED97970D}">
@@ -186,6 +189,7 @@
         <p14:section name="warning" id="{7FBA17BD-7DEE-4730-9694-BA0BE8AFBBF2}">
           <p14:sldIdLst>
             <p14:sldId id="271"/>
+            <p14:sldId id="291"/>
             <p14:sldId id="285"/>
             <p14:sldId id="280"/>
             <p14:sldId id="272"/>
@@ -379,7 +383,7 @@
             <a:fld id="{87DE6118-2437-4B30-8E3C-4D2BE6020583}" type="datetimeFigureOut">
               <a:rPr lang="en-US" dirty="0"/>
               <a:pPr/>
-              <a:t>11/10/2020</a:t>
+              <a:t>11/11/2020</a:t>
             </a:fld>
             <a:endParaRPr lang="en-US" dirty="0"/>
           </a:p>
@@ -705,7 +709,7 @@
           <a:p>
             <a:fld id="{87DE6118-2437-4B30-8E3C-4D2BE6020583}" type="datetimeFigureOut">
               <a:rPr lang="en-US" dirty="0"/>
-              <a:t>11/10/2020</a:t>
+              <a:t>11/11/2020</a:t>
             </a:fld>
             <a:endParaRPr lang="en-US" dirty="0"/>
           </a:p>
@@ -880,7 +884,7 @@
           <a:p>
             <a:fld id="{87DE6118-2437-4B30-8E3C-4D2BE6020583}" type="datetimeFigureOut">
               <a:rPr lang="en-US" dirty="0"/>
-              <a:t>11/10/2020</a:t>
+              <a:t>11/11/2020</a:t>
             </a:fld>
             <a:endParaRPr lang="en-US" dirty="0"/>
           </a:p>
@@ -1045,7 +1049,7 @@
           <a:p>
             <a:fld id="{87DE6118-2437-4B30-8E3C-4D2BE6020583}" type="datetimeFigureOut">
               <a:rPr lang="en-US" dirty="0"/>
-              <a:t>11/10/2020</a:t>
+              <a:t>11/11/2020</a:t>
             </a:fld>
             <a:endParaRPr lang="en-US" dirty="0"/>
           </a:p>
@@ -1318,7 +1322,7 @@
             <a:fld id="{87DE6118-2437-4B30-8E3C-4D2BE6020583}" type="datetimeFigureOut">
               <a:rPr lang="en-US" dirty="0"/>
               <a:pPr/>
-              <a:t>11/10/2020</a:t>
+              <a:t>11/11/2020</a:t>
             </a:fld>
             <a:endParaRPr lang="en-US" dirty="0"/>
           </a:p>
@@ -1708,7 +1712,7 @@
           <a:p>
             <a:fld id="{87DE6118-2437-4B30-8E3C-4D2BE6020583}" type="datetimeFigureOut">
               <a:rPr lang="en-US" dirty="0"/>
-              <a:t>11/10/2020</a:t>
+              <a:t>11/11/2020</a:t>
             </a:fld>
             <a:endParaRPr lang="en-US" dirty="0"/>
           </a:p>
@@ -2180,7 +2184,7 @@
           <a:p>
             <a:fld id="{87DE6118-2437-4B30-8E3C-4D2BE6020583}" type="datetimeFigureOut">
               <a:rPr lang="en-US" dirty="0"/>
-              <a:t>11/10/2020</a:t>
+              <a:t>11/11/2020</a:t>
             </a:fld>
             <a:endParaRPr lang="en-US" dirty="0"/>
           </a:p>
@@ -2293,7 +2297,7 @@
           <a:p>
             <a:fld id="{87DE6118-2437-4B30-8E3C-4D2BE6020583}" type="datetimeFigureOut">
               <a:rPr lang="en-US" dirty="0"/>
-              <a:t>11/10/2020</a:t>
+              <a:t>11/11/2020</a:t>
             </a:fld>
             <a:endParaRPr lang="en-US" dirty="0"/>
           </a:p>
@@ -2383,7 +2387,7 @@
           <a:p>
             <a:fld id="{87DE6118-2437-4B30-8E3C-4D2BE6020583}" type="datetimeFigureOut">
               <a:rPr lang="en-US" dirty="0"/>
-              <a:t>11/10/2020</a:t>
+              <a:t>11/11/2020</a:t>
             </a:fld>
             <a:endParaRPr lang="en-US" dirty="0"/>
           </a:p>
@@ -2725,7 +2729,7 @@
             <a:fld id="{87DE6118-2437-4B30-8E3C-4D2BE6020583}" type="datetimeFigureOut">
               <a:rPr lang="en-US" dirty="0"/>
               <a:pPr/>
-              <a:t>11/10/2020</a:t>
+              <a:t>11/11/2020</a:t>
             </a:fld>
             <a:endParaRPr lang="en-US" dirty="0"/>
           </a:p>
@@ -3110,7 +3114,7 @@
             <a:fld id="{87DE6118-2437-4B30-8E3C-4D2BE6020583}" type="datetimeFigureOut">
               <a:rPr lang="en-US" dirty="0"/>
               <a:pPr/>
-              <a:t>11/10/2020</a:t>
+              <a:t>11/11/2020</a:t>
             </a:fld>
             <a:endParaRPr lang="en-US" dirty="0"/>
           </a:p>
@@ -3385,7 +3389,7 @@
             <a:fld id="{87DE6118-2437-4B30-8E3C-4D2BE6020583}" type="datetimeFigureOut">
               <a:rPr lang="en-US" dirty="0"/>
               <a:pPr/>
-              <a:t>11/10/2020</a:t>
+              <a:t>11/11/2020</a:t>
             </a:fld>
             <a:endParaRPr lang="en-US" dirty="0"/>
           </a:p>
@@ -5846,10 +5850,10 @@
       </p:grpSpPr>
       <p:sp>
         <p:nvSpPr>
-          <p:cNvPr id="4" name="標題 3">
+          <p:cNvPr id="2" name="標題 1">
             <a:extLst>
               <a:ext uri="{FF2B5EF4-FFF2-40B4-BE49-F238E27FC236}">
-                <a16:creationId xmlns:a16="http://schemas.microsoft.com/office/drawing/2014/main" id="{BD4D1AC1-EA7F-4517-B8A1-C8C04888B929}"/>
+                <a16:creationId xmlns:a16="http://schemas.microsoft.com/office/drawing/2014/main" id="{96C869CC-D6B6-45DD-A089-83B1BA3A2081}"/>
               </a:ext>
             </a:extLst>
           </p:cNvPr>
@@ -5867,17 +5871,29 @@
           <a:p>
             <a:r>
               <a:rPr lang="zh-TW" altLang="en-US" dirty="0"/>
-              <a:t>非同步的優缺點</a:t>
-            </a:r>
-          </a:p>
-        </p:txBody>
-      </p:sp>
-      <p:sp>
-        <p:nvSpPr>
-          <p:cNvPr id="5" name="文字版面配置區 4">
+              <a:t>甚麼時候</a:t>
+            </a:r>
+            <a:r>
+              <a:rPr lang="zh-TW" altLang="en-US" dirty="0">
+                <a:solidFill>
+                  <a:srgbClr val="FF0000"/>
+                </a:solidFill>
+              </a:rPr>
+              <a:t>不要</a:t>
+            </a:r>
+            <a:r>
+              <a:rPr lang="zh-TW" altLang="en-US" dirty="0"/>
+              <a:t>用非同步</a:t>
+            </a:r>
+          </a:p>
+        </p:txBody>
+      </p:sp>
+      <p:sp>
+        <p:nvSpPr>
+          <p:cNvPr id="3" name="內容版面配置區 2">
             <a:extLst>
               <a:ext uri="{FF2B5EF4-FFF2-40B4-BE49-F238E27FC236}">
-                <a16:creationId xmlns:a16="http://schemas.microsoft.com/office/drawing/2014/main" id="{FB99B319-881C-4A6A-9C57-D26A187CAADA}"/>
+                <a16:creationId xmlns:a16="http://schemas.microsoft.com/office/drawing/2014/main" id="{879DC065-7C78-46F6-B805-6A01266BA727}"/>
               </a:ext>
             </a:extLst>
           </p:cNvPr>
@@ -5885,7 +5901,7 @@
             <a:spLocks noGrp="1"/>
           </p:cNvSpPr>
           <p:nvPr>
-            <p:ph type="body" idx="1"/>
+            <p:ph idx="1"/>
           </p:nvPr>
         </p:nvSpPr>
         <p:spPr/>
@@ -5893,14 +5909,14 @@
           <a:bodyPr/>
           <a:lstStyle/>
           <a:p>
-            <a:endParaRPr lang="zh-TW" altLang="en-US"/>
+            <a:endParaRPr lang="zh-TW" altLang="en-US" dirty="0"/>
           </a:p>
         </p:txBody>
       </p:sp>
     </p:spTree>
     <p:extLst>
       <p:ext uri="{BB962C8B-B14F-4D97-AF65-F5344CB8AC3E}">
-        <p14:creationId xmlns:p14="http://schemas.microsoft.com/office/powerpoint/2010/main" val="1493767524"/>
+        <p14:creationId xmlns:p14="http://schemas.microsoft.com/office/powerpoint/2010/main" val="352902106"/>
       </p:ext>
     </p:extLst>
   </p:cSld>
@@ -5929,10 +5945,10 @@
       </p:grpSpPr>
       <p:sp>
         <p:nvSpPr>
-          <p:cNvPr id="2" name="標題 1">
+          <p:cNvPr id="4" name="標題 3">
             <a:extLst>
               <a:ext uri="{FF2B5EF4-FFF2-40B4-BE49-F238E27FC236}">
-                <a16:creationId xmlns:a16="http://schemas.microsoft.com/office/drawing/2014/main" id="{52A2B961-E106-42D9-99DB-5B48152E8833}"/>
+                <a16:creationId xmlns:a16="http://schemas.microsoft.com/office/drawing/2014/main" id="{BD4D1AC1-EA7F-4517-B8A1-C8C04888B929}"/>
               </a:ext>
             </a:extLst>
           </p:cNvPr>
@@ -5950,17 +5966,17 @@
           <a:p>
             <a:r>
               <a:rPr lang="zh-TW" altLang="en-US" dirty="0"/>
-              <a:t>非同步的優點</a:t>
-            </a:r>
-          </a:p>
-        </p:txBody>
-      </p:sp>
-      <p:sp>
-        <p:nvSpPr>
-          <p:cNvPr id="3" name="內容版面配置區 2">
+              <a:t>非同步的優缺點</a:t>
+            </a:r>
+          </a:p>
+        </p:txBody>
+      </p:sp>
+      <p:sp>
+        <p:nvSpPr>
+          <p:cNvPr id="5" name="文字版面配置區 4">
             <a:extLst>
               <a:ext uri="{FF2B5EF4-FFF2-40B4-BE49-F238E27FC236}">
-                <a16:creationId xmlns:a16="http://schemas.microsoft.com/office/drawing/2014/main" id="{43B9F297-2F6E-4462-BDD1-8F868F25DC5B}"/>
+                <a16:creationId xmlns:a16="http://schemas.microsoft.com/office/drawing/2014/main" id="{FB99B319-881C-4A6A-9C57-D26A187CAADA}"/>
               </a:ext>
             </a:extLst>
           </p:cNvPr>
@@ -5968,7 +5984,7 @@
             <a:spLocks noGrp="1"/>
           </p:cNvSpPr>
           <p:nvPr>
-            <p:ph idx="1"/>
+            <p:ph type="body" idx="1"/>
           </p:nvPr>
         </p:nvSpPr>
         <p:spPr/>
@@ -5976,31 +5992,14 @@
           <a:bodyPr/>
           <a:lstStyle/>
           <a:p>
-            <a:r>
-              <a:rPr lang="zh-TW" altLang="en-US" dirty="0"/>
-              <a:t>整體效能提升</a:t>
-            </a:r>
-            <a:endParaRPr lang="en-US" altLang="zh-TW" dirty="0"/>
-          </a:p>
-          <a:p>
-            <a:r>
-              <a:rPr lang="zh-TW" altLang="en-US" dirty="0"/>
-              <a:t>降低大流量時的執行續負擔</a:t>
-            </a:r>
-            <a:endParaRPr lang="en-US" altLang="zh-TW" dirty="0"/>
-          </a:p>
-          <a:p>
-            <a:r>
-              <a:rPr lang="zh-TW" altLang="en-US" dirty="0"/>
-              <a:t>避免資源鎖死</a:t>
-            </a:r>
+            <a:endParaRPr lang="zh-TW" altLang="en-US"/>
           </a:p>
         </p:txBody>
       </p:sp>
     </p:spTree>
     <p:extLst>
       <p:ext uri="{BB962C8B-B14F-4D97-AF65-F5344CB8AC3E}">
-        <p14:creationId xmlns:p14="http://schemas.microsoft.com/office/powerpoint/2010/main" val="739057728"/>
+        <p14:creationId xmlns:p14="http://schemas.microsoft.com/office/powerpoint/2010/main" val="1493767524"/>
       </p:ext>
     </p:extLst>
   </p:cSld>
@@ -6050,7 +6049,7 @@
           <a:p>
             <a:r>
               <a:rPr lang="zh-TW" altLang="en-US" dirty="0"/>
-              <a:t>非同步的缺點</a:t>
+              <a:t>非同步的優點</a:t>
             </a:r>
           </a:p>
         </p:txBody>
@@ -6078,66 +6077,21 @@
           <a:p>
             <a:r>
               <a:rPr lang="zh-TW" altLang="en-US" dirty="0"/>
-              <a:t>輸出程式所占空間變大</a:t>
+              <a:t>整體效能提升</a:t>
             </a:r>
             <a:endParaRPr lang="en-US" altLang="zh-TW" dirty="0"/>
           </a:p>
           <a:p>
-            <a:pPr lvl="1"/>
             <a:r>
               <a:rPr lang="zh-TW" altLang="en-US" dirty="0"/>
-              <a:t>每個帶有 </a:t>
-            </a:r>
-            <a:r>
-              <a:rPr lang="en-US" altLang="zh-TW" dirty="0"/>
-              <a:t>async </a:t>
-            </a:r>
+              <a:t>降低大流量時的執行續負擔</a:t>
+            </a:r>
+            <a:endParaRPr lang="en-US" altLang="zh-TW" dirty="0"/>
+          </a:p>
+          <a:p>
             <a:r>
               <a:rPr lang="zh-TW" altLang="en-US" dirty="0"/>
-              <a:t>詞墜的方法大約會多 </a:t>
-            </a:r>
-            <a:r>
-              <a:rPr lang="en-US" altLang="zh-TW" dirty="0"/>
-              <a:t>100</a:t>
-            </a:r>
-            <a:r>
-              <a:rPr lang="zh-TW" altLang="en-US" dirty="0"/>
-              <a:t> </a:t>
-            </a:r>
-            <a:r>
-              <a:rPr lang="en-US" altLang="zh-TW" dirty="0"/>
-              <a:t>bytes</a:t>
-            </a:r>
-          </a:p>
-          <a:p>
-            <a:r>
-              <a:rPr lang="zh-TW" altLang="en-US" dirty="0"/>
-              <a:t>較難</a:t>
-            </a:r>
-            <a:r>
-              <a:rPr lang="en-US" altLang="zh-TW" dirty="0"/>
-              <a:t>Debug</a:t>
-            </a:r>
-          </a:p>
-          <a:p>
-            <a:r>
-              <a:rPr lang="zh-TW" altLang="en-US" dirty="0"/>
-              <a:t>非同步的傳遞性</a:t>
-            </a:r>
-            <a:endParaRPr lang="en-US" altLang="zh-TW" dirty="0"/>
-          </a:p>
-          <a:p>
-            <a:r>
-              <a:rPr lang="zh-TW" altLang="en-US" dirty="0"/>
-              <a:t>單一回應時間稍微變長</a:t>
-            </a:r>
-            <a:endParaRPr lang="en-US" altLang="zh-TW" dirty="0"/>
-          </a:p>
-          <a:p>
-            <a:pPr lvl="1"/>
-            <a:r>
-              <a:rPr lang="zh-TW" altLang="en-US" dirty="0"/>
-              <a:t>幾乎可以忽略</a:t>
+              <a:t>避免資源鎖死</a:t>
             </a:r>
           </a:p>
         </p:txBody>
@@ -6145,7 +6099,7 @@
     </p:spTree>
     <p:extLst>
       <p:ext uri="{BB962C8B-B14F-4D97-AF65-F5344CB8AC3E}">
-        <p14:creationId xmlns:p14="http://schemas.microsoft.com/office/powerpoint/2010/main" val="2391344383"/>
+        <p14:creationId xmlns:p14="http://schemas.microsoft.com/office/powerpoint/2010/main" val="739057728"/>
       </p:ext>
     </p:extLst>
   </p:cSld>
@@ -6174,10 +6128,10 @@
       </p:grpSpPr>
       <p:sp>
         <p:nvSpPr>
-          <p:cNvPr id="4" name="標題 3">
+          <p:cNvPr id="2" name="標題 1">
             <a:extLst>
               <a:ext uri="{FF2B5EF4-FFF2-40B4-BE49-F238E27FC236}">
-                <a16:creationId xmlns:a16="http://schemas.microsoft.com/office/drawing/2014/main" id="{B30D21D9-FC15-4EFB-B6EE-82937DD0EC5E}"/>
+                <a16:creationId xmlns:a16="http://schemas.microsoft.com/office/drawing/2014/main" id="{52A2B961-E106-42D9-99DB-5B48152E8833}"/>
               </a:ext>
             </a:extLst>
           </p:cNvPr>
@@ -6195,17 +6149,17 @@
           <a:p>
             <a:r>
               <a:rPr lang="zh-TW" altLang="en-US" dirty="0"/>
-              <a:t>避免與注意事項</a:t>
-            </a:r>
-          </a:p>
-        </p:txBody>
-      </p:sp>
-      <p:sp>
-        <p:nvSpPr>
-          <p:cNvPr id="5" name="文字版面配置區 4">
+              <a:t>非同步的缺點</a:t>
+            </a:r>
+          </a:p>
+        </p:txBody>
+      </p:sp>
+      <p:sp>
+        <p:nvSpPr>
+          <p:cNvPr id="3" name="內容版面配置區 2">
             <a:extLst>
               <a:ext uri="{FF2B5EF4-FFF2-40B4-BE49-F238E27FC236}">
-                <a16:creationId xmlns:a16="http://schemas.microsoft.com/office/drawing/2014/main" id="{529E6886-9147-475B-8604-5ED7D95D23A5}"/>
+                <a16:creationId xmlns:a16="http://schemas.microsoft.com/office/drawing/2014/main" id="{43B9F297-2F6E-4462-BDD1-8F868F25DC5B}"/>
               </a:ext>
             </a:extLst>
           </p:cNvPr>
@@ -6213,7 +6167,7 @@
             <a:spLocks noGrp="1"/>
           </p:cNvSpPr>
           <p:nvPr>
-            <p:ph type="body" idx="1"/>
+            <p:ph idx="1"/>
           </p:nvPr>
         </p:nvSpPr>
         <p:spPr/>
@@ -6221,14 +6175,76 @@
           <a:bodyPr/>
           <a:lstStyle/>
           <a:p>
-            <a:endParaRPr lang="zh-TW" altLang="en-US"/>
+            <a:r>
+              <a:rPr lang="zh-TW" altLang="en-US" dirty="0"/>
+              <a:t>輸出程式所占空間變大</a:t>
+            </a:r>
+            <a:endParaRPr lang="en-US" altLang="zh-TW" dirty="0"/>
+          </a:p>
+          <a:p>
+            <a:pPr lvl="1"/>
+            <a:r>
+              <a:rPr lang="zh-TW" altLang="en-US" dirty="0"/>
+              <a:t>每個帶有 </a:t>
+            </a:r>
+            <a:r>
+              <a:rPr lang="en-US" altLang="zh-TW" dirty="0"/>
+              <a:t>async </a:t>
+            </a:r>
+            <a:r>
+              <a:rPr lang="zh-TW" altLang="en-US" dirty="0"/>
+              <a:t>詞墜的方法大約會多 </a:t>
+            </a:r>
+            <a:r>
+              <a:rPr lang="en-US" altLang="zh-TW" dirty="0"/>
+              <a:t>100</a:t>
+            </a:r>
+            <a:r>
+              <a:rPr lang="zh-TW" altLang="en-US" dirty="0"/>
+              <a:t> </a:t>
+            </a:r>
+            <a:r>
+              <a:rPr lang="en-US" altLang="zh-TW" dirty="0"/>
+              <a:t>bytes</a:t>
+            </a:r>
+          </a:p>
+          <a:p>
+            <a:r>
+              <a:rPr lang="zh-TW" altLang="en-US" dirty="0"/>
+              <a:t>較難</a:t>
+            </a:r>
+            <a:r>
+              <a:rPr lang="en-US" altLang="zh-TW" dirty="0"/>
+              <a:t>Debug</a:t>
+            </a:r>
+          </a:p>
+          <a:p>
+            <a:r>
+              <a:rPr lang="zh-TW" altLang="en-US" dirty="0"/>
+              <a:t>非同步的傳遞性</a:t>
+            </a:r>
+            <a:endParaRPr lang="en-US" altLang="zh-TW" dirty="0"/>
+          </a:p>
+          <a:p>
+            <a:r>
+              <a:rPr lang="zh-TW" altLang="en-US" dirty="0"/>
+              <a:t>單一回應時間稍微變長</a:t>
+            </a:r>
+            <a:endParaRPr lang="en-US" altLang="zh-TW" dirty="0"/>
+          </a:p>
+          <a:p>
+            <a:pPr lvl="1"/>
+            <a:r>
+              <a:rPr lang="zh-TW" altLang="en-US" dirty="0"/>
+              <a:t>幾乎可以忽略</a:t>
+            </a:r>
           </a:p>
         </p:txBody>
       </p:sp>
     </p:spTree>
     <p:extLst>
       <p:ext uri="{BB962C8B-B14F-4D97-AF65-F5344CB8AC3E}">
-        <p14:creationId xmlns:p14="http://schemas.microsoft.com/office/powerpoint/2010/main" val="1484087901"/>
+        <p14:creationId xmlns:p14="http://schemas.microsoft.com/office/powerpoint/2010/main" val="2391344383"/>
       </p:ext>
     </p:extLst>
   </p:cSld>
@@ -6257,6 +6273,180 @@
       </p:grpSpPr>
       <p:sp>
         <p:nvSpPr>
+          <p:cNvPr id="4" name="標題 3">
+            <a:extLst>
+              <a:ext uri="{FF2B5EF4-FFF2-40B4-BE49-F238E27FC236}">
+                <a16:creationId xmlns:a16="http://schemas.microsoft.com/office/drawing/2014/main" id="{B30D21D9-FC15-4EFB-B6EE-82937DD0EC5E}"/>
+              </a:ext>
+            </a:extLst>
+          </p:cNvPr>
+          <p:cNvSpPr>
+            <a:spLocks noGrp="1"/>
+          </p:cNvSpPr>
+          <p:nvPr>
+            <p:ph type="title"/>
+          </p:nvPr>
+        </p:nvSpPr>
+        <p:spPr/>
+        <p:txBody>
+          <a:bodyPr/>
+          <a:lstStyle/>
+          <a:p>
+            <a:r>
+              <a:rPr lang="zh-TW" altLang="en-US" dirty="0"/>
+              <a:t>避免與注意事項</a:t>
+            </a:r>
+          </a:p>
+        </p:txBody>
+      </p:sp>
+      <p:sp>
+        <p:nvSpPr>
+          <p:cNvPr id="5" name="文字版面配置區 4">
+            <a:extLst>
+              <a:ext uri="{FF2B5EF4-FFF2-40B4-BE49-F238E27FC236}">
+                <a16:creationId xmlns:a16="http://schemas.microsoft.com/office/drawing/2014/main" id="{529E6886-9147-475B-8604-5ED7D95D23A5}"/>
+              </a:ext>
+            </a:extLst>
+          </p:cNvPr>
+          <p:cNvSpPr>
+            <a:spLocks noGrp="1"/>
+          </p:cNvSpPr>
+          <p:nvPr>
+            <p:ph type="body" idx="1"/>
+          </p:nvPr>
+        </p:nvSpPr>
+        <p:spPr/>
+        <p:txBody>
+          <a:bodyPr/>
+          <a:lstStyle/>
+          <a:p>
+            <a:endParaRPr lang="zh-TW" altLang="en-US"/>
+          </a:p>
+        </p:txBody>
+      </p:sp>
+    </p:spTree>
+    <p:extLst>
+      <p:ext uri="{BB962C8B-B14F-4D97-AF65-F5344CB8AC3E}">
+        <p14:creationId xmlns:p14="http://schemas.microsoft.com/office/powerpoint/2010/main" val="1484087901"/>
+      </p:ext>
+    </p:extLst>
+  </p:cSld>
+  <p:clrMapOvr>
+    <a:masterClrMapping/>
+  </p:clrMapOvr>
+</p:sld>
+</file>
+
+<file path=ppt/slides/slide25.xml><?xml version="1.0" encoding="utf-8"?>
+<p:sld xmlns:a="http://schemas.openxmlformats.org/drawingml/2006/main" xmlns:r="http://schemas.openxmlformats.org/officeDocument/2006/relationships" xmlns:p="http://schemas.openxmlformats.org/presentationml/2006/main">
+  <p:cSld>
+    <p:spTree>
+      <p:nvGrpSpPr>
+        <p:cNvPr id="1" name=""/>
+        <p:cNvGrpSpPr/>
+        <p:nvPr/>
+      </p:nvGrpSpPr>
+      <p:grpSpPr>
+        <a:xfrm>
+          <a:off x="0" y="0"/>
+          <a:ext cx="0" cy="0"/>
+          <a:chOff x="0" y="0"/>
+          <a:chExt cx="0" cy="0"/>
+        </a:xfrm>
+      </p:grpSpPr>
+      <p:sp>
+        <p:nvSpPr>
+          <p:cNvPr id="2" name="標題 1">
+            <a:extLst>
+              <a:ext uri="{FF2B5EF4-FFF2-40B4-BE49-F238E27FC236}">
+                <a16:creationId xmlns:a16="http://schemas.microsoft.com/office/drawing/2014/main" id="{382214ED-1BC6-4378-A17E-115DED3F41D9}"/>
+              </a:ext>
+            </a:extLst>
+          </p:cNvPr>
+          <p:cNvSpPr>
+            <a:spLocks noGrp="1"/>
+          </p:cNvSpPr>
+          <p:nvPr>
+            <p:ph type="title"/>
+          </p:nvPr>
+        </p:nvSpPr>
+        <p:spPr/>
+        <p:txBody>
+          <a:bodyPr/>
+          <a:lstStyle/>
+          <a:p>
+            <a:r>
+              <a:rPr lang="zh-TW" altLang="en-US" dirty="0"/>
+              <a:t>非同步在</a:t>
+            </a:r>
+            <a:r>
+              <a:rPr lang="en-US" altLang="zh-TW" dirty="0"/>
+              <a:t>ASP.NET</a:t>
+            </a:r>
+            <a:r>
+              <a:rPr lang="zh-TW" altLang="en-US" dirty="0"/>
+              <a:t>運用</a:t>
+            </a:r>
+          </a:p>
+        </p:txBody>
+      </p:sp>
+      <p:sp>
+        <p:nvSpPr>
+          <p:cNvPr id="3" name="內容版面配置區 2">
+            <a:extLst>
+              <a:ext uri="{FF2B5EF4-FFF2-40B4-BE49-F238E27FC236}">
+                <a16:creationId xmlns:a16="http://schemas.microsoft.com/office/drawing/2014/main" id="{277E6CF6-03CB-4D1E-9840-8014A5312DFF}"/>
+              </a:ext>
+            </a:extLst>
+          </p:cNvPr>
+          <p:cNvSpPr>
+            <a:spLocks noGrp="1"/>
+          </p:cNvSpPr>
+          <p:nvPr>
+            <p:ph idx="1"/>
+          </p:nvPr>
+        </p:nvSpPr>
+        <p:spPr/>
+        <p:txBody>
+          <a:bodyPr/>
+          <a:lstStyle/>
+          <a:p>
+            <a:endParaRPr lang="zh-TW" altLang="en-US"/>
+          </a:p>
+        </p:txBody>
+      </p:sp>
+    </p:spTree>
+    <p:extLst>
+      <p:ext uri="{BB962C8B-B14F-4D97-AF65-F5344CB8AC3E}">
+        <p14:creationId xmlns:p14="http://schemas.microsoft.com/office/powerpoint/2010/main" val="939468924"/>
+      </p:ext>
+    </p:extLst>
+  </p:cSld>
+  <p:clrMapOvr>
+    <a:masterClrMapping/>
+  </p:clrMapOvr>
+</p:sld>
+</file>
+
+<file path=ppt/slides/slide26.xml><?xml version="1.0" encoding="utf-8"?>
+<p:sld xmlns:a="http://schemas.openxmlformats.org/drawingml/2006/main" xmlns:r="http://schemas.openxmlformats.org/officeDocument/2006/relationships" xmlns:p="http://schemas.openxmlformats.org/presentationml/2006/main">
+  <p:cSld>
+    <p:spTree>
+      <p:nvGrpSpPr>
+        <p:cNvPr id="1" name=""/>
+        <p:cNvGrpSpPr/>
+        <p:nvPr/>
+      </p:nvGrpSpPr>
+      <p:grpSpPr>
+        <a:xfrm>
+          <a:off x="0" y="0"/>
+          <a:ext cx="0" cy="0"/>
+          <a:chOff x="0" y="0"/>
+          <a:chExt cx="0" cy="0"/>
+        </a:xfrm>
+      </p:grpSpPr>
+      <p:sp>
+        <p:nvSpPr>
           <p:cNvPr id="2" name="標題 1">
             <a:extLst>
               <a:ext uri="{FF2B5EF4-FFF2-40B4-BE49-F238E27FC236}">
@@ -6347,7 +6537,7 @@
 </p:sld>
 </file>
 
-<file path=ppt/slides/slide25.xml><?xml version="1.0" encoding="utf-8"?>
+<file path=ppt/slides/slide27.xml><?xml version="1.0" encoding="utf-8"?>
 <p:sld xmlns:a="http://schemas.openxmlformats.org/drawingml/2006/main" xmlns:r="http://schemas.openxmlformats.org/officeDocument/2006/relationships" xmlns:p="http://schemas.openxmlformats.org/presentationml/2006/main">
   <p:cSld>
     <p:spTree>
@@ -7078,237 +7268,6 @@
 </p:sld>
 </file>
 
-<file path=ppt/slides/slide26.xml><?xml version="1.0" encoding="utf-8"?>
-<p:sld xmlns:a="http://schemas.openxmlformats.org/drawingml/2006/main" xmlns:r="http://schemas.openxmlformats.org/officeDocument/2006/relationships" xmlns:p="http://schemas.openxmlformats.org/presentationml/2006/main">
-  <p:cSld>
-    <p:spTree>
-      <p:nvGrpSpPr>
-        <p:cNvPr id="1" name=""/>
-        <p:cNvGrpSpPr/>
-        <p:nvPr/>
-      </p:nvGrpSpPr>
-      <p:grpSpPr>
-        <a:xfrm>
-          <a:off x="0" y="0"/>
-          <a:ext cx="0" cy="0"/>
-          <a:chOff x="0" y="0"/>
-          <a:chExt cx="0" cy="0"/>
-        </a:xfrm>
-      </p:grpSpPr>
-      <p:sp>
-        <p:nvSpPr>
-          <p:cNvPr id="4" name="標題 3">
-            <a:extLst>
-              <a:ext uri="{FF2B5EF4-FFF2-40B4-BE49-F238E27FC236}">
-                <a16:creationId xmlns:a16="http://schemas.microsoft.com/office/drawing/2014/main" id="{CAE88269-831B-47F3-BCCB-ADB55761B458}"/>
-              </a:ext>
-            </a:extLst>
-          </p:cNvPr>
-          <p:cNvSpPr>
-            <a:spLocks noGrp="1"/>
-          </p:cNvSpPr>
-          <p:nvPr>
-            <p:ph type="title"/>
-          </p:nvPr>
-        </p:nvSpPr>
-        <p:spPr/>
-        <p:txBody>
-          <a:bodyPr/>
-          <a:lstStyle/>
-          <a:p>
-            <a:r>
-              <a:rPr lang="zh-TW" altLang="en-US" dirty="0"/>
-              <a:t>避免以同步呼叫非同步</a:t>
-            </a:r>
-          </a:p>
-        </p:txBody>
-      </p:sp>
-      <p:sp>
-        <p:nvSpPr>
-          <p:cNvPr id="5" name="內容版面配置區 4">
-            <a:extLst>
-              <a:ext uri="{FF2B5EF4-FFF2-40B4-BE49-F238E27FC236}">
-                <a16:creationId xmlns:a16="http://schemas.microsoft.com/office/drawing/2014/main" id="{072A1A9B-4EB9-4970-A8FB-B51BAA8645EA}"/>
-              </a:ext>
-            </a:extLst>
-          </p:cNvPr>
-          <p:cNvSpPr>
-            <a:spLocks noGrp="1"/>
-          </p:cNvSpPr>
-          <p:nvPr>
-            <p:ph idx="1"/>
-          </p:nvPr>
-        </p:nvSpPr>
-        <p:spPr/>
-        <p:txBody>
-          <a:bodyPr/>
-          <a:lstStyle/>
-          <a:p>
-            <a:r>
-              <a:rPr lang="en-US" altLang="zh-TW" dirty="0">
-                <a:latin typeface="Consolas" panose="020B0609020204030204" pitchFamily="49" charset="0"/>
-              </a:rPr>
-              <a:t>(O) .</a:t>
-            </a:r>
-            <a:r>
-              <a:rPr lang="en-US" altLang="zh-TW" dirty="0" err="1">
-                <a:latin typeface="Consolas" panose="020B0609020204030204" pitchFamily="49" charset="0"/>
-              </a:rPr>
-              <a:t>GetAwaiter</a:t>
-            </a:r>
-            <a:r>
-              <a:rPr lang="en-US" altLang="zh-TW" dirty="0">
-                <a:latin typeface="Consolas" panose="020B0609020204030204" pitchFamily="49" charset="0"/>
-              </a:rPr>
-              <a:t>().</a:t>
-            </a:r>
-            <a:r>
-              <a:rPr lang="en-US" altLang="zh-TW" dirty="0" err="1">
-                <a:latin typeface="Consolas" panose="020B0609020204030204" pitchFamily="49" charset="0"/>
-              </a:rPr>
-              <a:t>GetResult</a:t>
-            </a:r>
-            <a:r>
-              <a:rPr lang="en-US" altLang="zh-TW" dirty="0">
-                <a:latin typeface="Consolas" panose="020B0609020204030204" pitchFamily="49" charset="0"/>
-              </a:rPr>
-              <a:t>()</a:t>
-            </a:r>
-          </a:p>
-          <a:p>
-            <a:r>
-              <a:rPr lang="en-US" altLang="zh-TW" dirty="0">
-                <a:latin typeface="Consolas" panose="020B0609020204030204" pitchFamily="49" charset="0"/>
-              </a:rPr>
-              <a:t>(X) .Result</a:t>
-            </a:r>
-          </a:p>
-          <a:p>
-            <a:r>
-              <a:rPr lang="en-US" altLang="zh-TW" dirty="0">
-                <a:latin typeface="Consolas" panose="020B0609020204030204" pitchFamily="49" charset="0"/>
-              </a:rPr>
-              <a:t>(X) .Wait()</a:t>
-            </a:r>
-          </a:p>
-          <a:p>
-            <a:pPr lvl="1"/>
-            <a:r>
-              <a:rPr lang="en-US" altLang="zh-TW" dirty="0" err="1"/>
-              <a:t>AggregateException</a:t>
-            </a:r>
-            <a:endParaRPr lang="zh-TW" altLang="en-US" dirty="0"/>
-          </a:p>
-        </p:txBody>
-      </p:sp>
-    </p:spTree>
-    <p:extLst>
-      <p:ext uri="{BB962C8B-B14F-4D97-AF65-F5344CB8AC3E}">
-        <p14:creationId xmlns:p14="http://schemas.microsoft.com/office/powerpoint/2010/main" val="700056660"/>
-      </p:ext>
-    </p:extLst>
-  </p:cSld>
-  <p:clrMapOvr>
-    <a:masterClrMapping/>
-  </p:clrMapOvr>
-</p:sld>
-</file>
-
-<file path=ppt/slides/slide27.xml><?xml version="1.0" encoding="utf-8"?>
-<p:sld xmlns:a="http://schemas.openxmlformats.org/drawingml/2006/main" xmlns:r="http://schemas.openxmlformats.org/officeDocument/2006/relationships" xmlns:p="http://schemas.openxmlformats.org/presentationml/2006/main">
-  <p:cSld>
-    <p:spTree>
-      <p:nvGrpSpPr>
-        <p:cNvPr id="1" name=""/>
-        <p:cNvGrpSpPr/>
-        <p:nvPr/>
-      </p:nvGrpSpPr>
-      <p:grpSpPr>
-        <a:xfrm>
-          <a:off x="0" y="0"/>
-          <a:ext cx="0" cy="0"/>
-          <a:chOff x="0" y="0"/>
-          <a:chExt cx="0" cy="0"/>
-        </a:xfrm>
-      </p:grpSpPr>
-      <p:sp>
-        <p:nvSpPr>
-          <p:cNvPr id="2" name="標題 1">
-            <a:extLst>
-              <a:ext uri="{FF2B5EF4-FFF2-40B4-BE49-F238E27FC236}">
-                <a16:creationId xmlns:a16="http://schemas.microsoft.com/office/drawing/2014/main" id="{D3D9E101-9010-4ABE-9468-060B0EE11ACC}"/>
-              </a:ext>
-            </a:extLst>
-          </p:cNvPr>
-          <p:cNvSpPr>
-            <a:spLocks noGrp="1"/>
-          </p:cNvSpPr>
-          <p:nvPr>
-            <p:ph type="title"/>
-          </p:nvPr>
-        </p:nvSpPr>
-        <p:spPr/>
-        <p:txBody>
-          <a:bodyPr/>
-          <a:lstStyle/>
-          <a:p>
-            <a:r>
-              <a:rPr lang="zh-TW" altLang="en-US" dirty="0"/>
-              <a:t>避免以同步呼叫非同步</a:t>
-            </a:r>
-          </a:p>
-        </p:txBody>
-      </p:sp>
-      <p:sp>
-        <p:nvSpPr>
-          <p:cNvPr id="3" name="內容版面配置區 2">
-            <a:extLst>
-              <a:ext uri="{FF2B5EF4-FFF2-40B4-BE49-F238E27FC236}">
-                <a16:creationId xmlns:a16="http://schemas.microsoft.com/office/drawing/2014/main" id="{B10D9C24-902B-4571-BF48-82E8560105EF}"/>
-              </a:ext>
-            </a:extLst>
-          </p:cNvPr>
-          <p:cNvSpPr>
-            <a:spLocks noGrp="1"/>
-          </p:cNvSpPr>
-          <p:nvPr>
-            <p:ph idx="1"/>
-          </p:nvPr>
-        </p:nvSpPr>
-        <p:spPr/>
-        <p:txBody>
-          <a:bodyPr/>
-          <a:lstStyle/>
-          <a:p>
-            <a:r>
-              <a:rPr lang="en-US" altLang="zh-TW" dirty="0"/>
-              <a:t>Sample Code</a:t>
-            </a:r>
-            <a:r>
-              <a:rPr lang="zh-TW" altLang="en-US" dirty="0"/>
-              <a:t>：</a:t>
-            </a:r>
-            <a:r>
-              <a:rPr lang="en-US" altLang="zh-TW" dirty="0" err="1"/>
-              <a:t>WinFormDeadLock</a:t>
-            </a:r>
-            <a:endParaRPr lang="zh-TW" altLang="en-US" dirty="0"/>
-          </a:p>
-        </p:txBody>
-      </p:sp>
-    </p:spTree>
-    <p:extLst>
-      <p:ext uri="{BB962C8B-B14F-4D97-AF65-F5344CB8AC3E}">
-        <p14:creationId xmlns:p14="http://schemas.microsoft.com/office/powerpoint/2010/main" val="3992750907"/>
-      </p:ext>
-    </p:extLst>
-  </p:cSld>
-  <p:clrMapOvr>
-    <a:masterClrMapping/>
-  </p:clrMapOvr>
-</p:sld>
-</file>
-
 <file path=ppt/slides/slide28.xml><?xml version="1.0" encoding="utf-8"?>
 <p:sld xmlns:a="http://schemas.openxmlformats.org/drawingml/2006/main" xmlns:r="http://schemas.openxmlformats.org/officeDocument/2006/relationships" xmlns:p="http://schemas.openxmlformats.org/presentationml/2006/main">
   <p:cSld>
@@ -7328,6 +7287,329 @@
       </p:grpSpPr>
       <p:sp>
         <p:nvSpPr>
+          <p:cNvPr id="4" name="標題 3">
+            <a:extLst>
+              <a:ext uri="{FF2B5EF4-FFF2-40B4-BE49-F238E27FC236}">
+                <a16:creationId xmlns:a16="http://schemas.microsoft.com/office/drawing/2014/main" id="{CAE88269-831B-47F3-BCCB-ADB55761B458}"/>
+              </a:ext>
+            </a:extLst>
+          </p:cNvPr>
+          <p:cNvSpPr>
+            <a:spLocks noGrp="1"/>
+          </p:cNvSpPr>
+          <p:nvPr>
+            <p:ph type="title"/>
+          </p:nvPr>
+        </p:nvSpPr>
+        <p:spPr/>
+        <p:txBody>
+          <a:bodyPr/>
+          <a:lstStyle/>
+          <a:p>
+            <a:r>
+              <a:rPr lang="zh-TW" altLang="en-US" dirty="0"/>
+              <a:t>避免以同步呼叫非同步</a:t>
+            </a:r>
+          </a:p>
+        </p:txBody>
+      </p:sp>
+      <p:sp>
+        <p:nvSpPr>
+          <p:cNvPr id="5" name="內容版面配置區 4">
+            <a:extLst>
+              <a:ext uri="{FF2B5EF4-FFF2-40B4-BE49-F238E27FC236}">
+                <a16:creationId xmlns:a16="http://schemas.microsoft.com/office/drawing/2014/main" id="{072A1A9B-4EB9-4970-A8FB-B51BAA8645EA}"/>
+              </a:ext>
+            </a:extLst>
+          </p:cNvPr>
+          <p:cNvSpPr>
+            <a:spLocks noGrp="1"/>
+          </p:cNvSpPr>
+          <p:nvPr>
+            <p:ph idx="1"/>
+          </p:nvPr>
+        </p:nvSpPr>
+        <p:spPr/>
+        <p:txBody>
+          <a:bodyPr/>
+          <a:lstStyle/>
+          <a:p>
+            <a:r>
+              <a:rPr lang="en-US" altLang="zh-TW" dirty="0">
+                <a:latin typeface="Consolas" panose="020B0609020204030204" pitchFamily="49" charset="0"/>
+              </a:rPr>
+              <a:t>(O) .</a:t>
+            </a:r>
+            <a:r>
+              <a:rPr lang="en-US" altLang="zh-TW" dirty="0" err="1">
+                <a:latin typeface="Consolas" panose="020B0609020204030204" pitchFamily="49" charset="0"/>
+              </a:rPr>
+              <a:t>GetAwaiter</a:t>
+            </a:r>
+            <a:r>
+              <a:rPr lang="en-US" altLang="zh-TW" dirty="0">
+                <a:latin typeface="Consolas" panose="020B0609020204030204" pitchFamily="49" charset="0"/>
+              </a:rPr>
+              <a:t>().</a:t>
+            </a:r>
+            <a:r>
+              <a:rPr lang="en-US" altLang="zh-TW" dirty="0" err="1">
+                <a:latin typeface="Consolas" panose="020B0609020204030204" pitchFamily="49" charset="0"/>
+              </a:rPr>
+              <a:t>GetResult</a:t>
+            </a:r>
+            <a:r>
+              <a:rPr lang="en-US" altLang="zh-TW" dirty="0">
+                <a:latin typeface="Consolas" panose="020B0609020204030204" pitchFamily="49" charset="0"/>
+              </a:rPr>
+              <a:t>()</a:t>
+            </a:r>
+          </a:p>
+          <a:p>
+            <a:r>
+              <a:rPr lang="en-US" altLang="zh-TW" dirty="0">
+                <a:latin typeface="Consolas" panose="020B0609020204030204" pitchFamily="49" charset="0"/>
+              </a:rPr>
+              <a:t>(X) .Result</a:t>
+            </a:r>
+          </a:p>
+          <a:p>
+            <a:r>
+              <a:rPr lang="en-US" altLang="zh-TW" dirty="0">
+                <a:latin typeface="Consolas" panose="020B0609020204030204" pitchFamily="49" charset="0"/>
+              </a:rPr>
+              <a:t>(X) .Wait()</a:t>
+            </a:r>
+          </a:p>
+          <a:p>
+            <a:pPr lvl="1"/>
+            <a:r>
+              <a:rPr lang="en-US" altLang="zh-TW" dirty="0" err="1"/>
+              <a:t>AggregateException</a:t>
+            </a:r>
+            <a:endParaRPr lang="zh-TW" altLang="en-US" dirty="0"/>
+          </a:p>
+        </p:txBody>
+      </p:sp>
+    </p:spTree>
+    <p:extLst>
+      <p:ext uri="{BB962C8B-B14F-4D97-AF65-F5344CB8AC3E}">
+        <p14:creationId xmlns:p14="http://schemas.microsoft.com/office/powerpoint/2010/main" val="700056660"/>
+      </p:ext>
+    </p:extLst>
+  </p:cSld>
+  <p:clrMapOvr>
+    <a:masterClrMapping/>
+  </p:clrMapOvr>
+</p:sld>
+</file>
+
+<file path=ppt/slides/slide29.xml><?xml version="1.0" encoding="utf-8"?>
+<p:sld xmlns:a="http://schemas.openxmlformats.org/drawingml/2006/main" xmlns:r="http://schemas.openxmlformats.org/officeDocument/2006/relationships" xmlns:p="http://schemas.openxmlformats.org/presentationml/2006/main">
+  <p:cSld>
+    <p:spTree>
+      <p:nvGrpSpPr>
+        <p:cNvPr id="1" name=""/>
+        <p:cNvGrpSpPr/>
+        <p:nvPr/>
+      </p:nvGrpSpPr>
+      <p:grpSpPr>
+        <a:xfrm>
+          <a:off x="0" y="0"/>
+          <a:ext cx="0" cy="0"/>
+          <a:chOff x="0" y="0"/>
+          <a:chExt cx="0" cy="0"/>
+        </a:xfrm>
+      </p:grpSpPr>
+      <p:sp>
+        <p:nvSpPr>
+          <p:cNvPr id="2" name="標題 1">
+            <a:extLst>
+              <a:ext uri="{FF2B5EF4-FFF2-40B4-BE49-F238E27FC236}">
+                <a16:creationId xmlns:a16="http://schemas.microsoft.com/office/drawing/2014/main" id="{D3D9E101-9010-4ABE-9468-060B0EE11ACC}"/>
+              </a:ext>
+            </a:extLst>
+          </p:cNvPr>
+          <p:cNvSpPr>
+            <a:spLocks noGrp="1"/>
+          </p:cNvSpPr>
+          <p:nvPr>
+            <p:ph type="title"/>
+          </p:nvPr>
+        </p:nvSpPr>
+        <p:spPr/>
+        <p:txBody>
+          <a:bodyPr/>
+          <a:lstStyle/>
+          <a:p>
+            <a:r>
+              <a:rPr lang="zh-TW" altLang="en-US" dirty="0"/>
+              <a:t>避免以同步呼叫非同步</a:t>
+            </a:r>
+          </a:p>
+        </p:txBody>
+      </p:sp>
+      <p:sp>
+        <p:nvSpPr>
+          <p:cNvPr id="3" name="內容版面配置區 2">
+            <a:extLst>
+              <a:ext uri="{FF2B5EF4-FFF2-40B4-BE49-F238E27FC236}">
+                <a16:creationId xmlns:a16="http://schemas.microsoft.com/office/drawing/2014/main" id="{B10D9C24-902B-4571-BF48-82E8560105EF}"/>
+              </a:ext>
+            </a:extLst>
+          </p:cNvPr>
+          <p:cNvSpPr>
+            <a:spLocks noGrp="1"/>
+          </p:cNvSpPr>
+          <p:nvPr>
+            <p:ph idx="1"/>
+          </p:nvPr>
+        </p:nvSpPr>
+        <p:spPr/>
+        <p:txBody>
+          <a:bodyPr/>
+          <a:lstStyle/>
+          <a:p>
+            <a:r>
+              <a:rPr lang="en-US" altLang="zh-TW" dirty="0"/>
+              <a:t>Sample Code</a:t>
+            </a:r>
+            <a:r>
+              <a:rPr lang="zh-TW" altLang="en-US" dirty="0"/>
+              <a:t>：</a:t>
+            </a:r>
+            <a:r>
+              <a:rPr lang="en-US" altLang="zh-TW" dirty="0" err="1"/>
+              <a:t>WinFormDeadLock</a:t>
+            </a:r>
+            <a:endParaRPr lang="zh-TW" altLang="en-US" dirty="0"/>
+          </a:p>
+        </p:txBody>
+      </p:sp>
+    </p:spTree>
+    <p:extLst>
+      <p:ext uri="{BB962C8B-B14F-4D97-AF65-F5344CB8AC3E}">
+        <p14:creationId xmlns:p14="http://schemas.microsoft.com/office/powerpoint/2010/main" val="3992750907"/>
+      </p:ext>
+    </p:extLst>
+  </p:cSld>
+  <p:clrMapOvr>
+    <a:masterClrMapping/>
+  </p:clrMapOvr>
+</p:sld>
+</file>
+
+<file path=ppt/slides/slide3.xml><?xml version="1.0" encoding="utf-8"?>
+<p:sld xmlns:a="http://schemas.openxmlformats.org/drawingml/2006/main" xmlns:r="http://schemas.openxmlformats.org/officeDocument/2006/relationships" xmlns:p="http://schemas.openxmlformats.org/presentationml/2006/main">
+  <p:cSld>
+    <p:spTree>
+      <p:nvGrpSpPr>
+        <p:cNvPr id="1" name=""/>
+        <p:cNvGrpSpPr/>
+        <p:nvPr/>
+      </p:nvGrpSpPr>
+      <p:grpSpPr>
+        <a:xfrm>
+          <a:off x="0" y="0"/>
+          <a:ext cx="0" cy="0"/>
+          <a:chOff x="0" y="0"/>
+          <a:chExt cx="0" cy="0"/>
+        </a:xfrm>
+      </p:grpSpPr>
+      <p:sp>
+        <p:nvSpPr>
+          <p:cNvPr id="2" name="標題 1">
+            <a:extLst>
+              <a:ext uri="{FF2B5EF4-FFF2-40B4-BE49-F238E27FC236}">
+                <a16:creationId xmlns:a16="http://schemas.microsoft.com/office/drawing/2014/main" id="{52A2B961-E106-42D9-99DB-5B48152E8833}"/>
+              </a:ext>
+            </a:extLst>
+          </p:cNvPr>
+          <p:cNvSpPr>
+            <a:spLocks noGrp="1"/>
+          </p:cNvSpPr>
+          <p:nvPr>
+            <p:ph type="title"/>
+          </p:nvPr>
+        </p:nvSpPr>
+        <p:spPr/>
+        <p:txBody>
+          <a:bodyPr/>
+          <a:lstStyle/>
+          <a:p>
+            <a:r>
+              <a:rPr lang="zh-TW" altLang="en-US" dirty="0"/>
+              <a:t>什麼是非同步</a:t>
+            </a:r>
+          </a:p>
+        </p:txBody>
+      </p:sp>
+      <p:sp>
+        <p:nvSpPr>
+          <p:cNvPr id="3" name="內容版面配置區 2">
+            <a:extLst>
+              <a:ext uri="{FF2B5EF4-FFF2-40B4-BE49-F238E27FC236}">
+                <a16:creationId xmlns:a16="http://schemas.microsoft.com/office/drawing/2014/main" id="{43B9F297-2F6E-4462-BDD1-8F868F25DC5B}"/>
+              </a:ext>
+            </a:extLst>
+          </p:cNvPr>
+          <p:cNvSpPr>
+            <a:spLocks noGrp="1"/>
+          </p:cNvSpPr>
+          <p:nvPr>
+            <p:ph idx="1"/>
+          </p:nvPr>
+        </p:nvSpPr>
+        <p:spPr/>
+        <p:txBody>
+          <a:bodyPr/>
+          <a:lstStyle/>
+          <a:p>
+            <a:r>
+              <a:rPr lang="en-US" altLang="zh-TW" dirty="0"/>
+              <a:t>Asynchronous</a:t>
+            </a:r>
+          </a:p>
+          <a:p>
+            <a:r>
+              <a:rPr lang="zh-TW" altLang="en-US" dirty="0"/>
+              <a:t>不同步</a:t>
+            </a:r>
+          </a:p>
+        </p:txBody>
+      </p:sp>
+    </p:spTree>
+    <p:extLst>
+      <p:ext uri="{BB962C8B-B14F-4D97-AF65-F5344CB8AC3E}">
+        <p14:creationId xmlns:p14="http://schemas.microsoft.com/office/powerpoint/2010/main" val="2357062388"/>
+      </p:ext>
+    </p:extLst>
+  </p:cSld>
+  <p:clrMapOvr>
+    <a:masterClrMapping/>
+  </p:clrMapOvr>
+</p:sld>
+</file>
+
+<file path=ppt/slides/slide30.xml><?xml version="1.0" encoding="utf-8"?>
+<p:sld xmlns:a="http://schemas.openxmlformats.org/drawingml/2006/main" xmlns:r="http://schemas.openxmlformats.org/officeDocument/2006/relationships" xmlns:p="http://schemas.openxmlformats.org/presentationml/2006/main">
+  <p:cSld>
+    <p:spTree>
+      <p:nvGrpSpPr>
+        <p:cNvPr id="1" name=""/>
+        <p:cNvGrpSpPr/>
+        <p:nvPr/>
+      </p:nvGrpSpPr>
+      <p:grpSpPr>
+        <a:xfrm>
+          <a:off x="0" y="0"/>
+          <a:ext cx="0" cy="0"/>
+          <a:chOff x="0" y="0"/>
+          <a:chExt cx="0" cy="0"/>
+        </a:xfrm>
+      </p:grpSpPr>
+      <p:sp>
+        <p:nvSpPr>
           <p:cNvPr id="2" name="標題 1">
             <a:extLst>
               <a:ext uri="{FF2B5EF4-FFF2-40B4-BE49-F238E27FC236}">
@@ -7397,7 +7679,7 @@
 </p:sld>
 </file>
 
-<file path=ppt/slides/slide29.xml><?xml version="1.0" encoding="utf-8"?>
+<file path=ppt/slides/slide31.xml><?xml version="1.0" encoding="utf-8"?>
 <p:sld xmlns:a="http://schemas.openxmlformats.org/drawingml/2006/main" xmlns:r="http://schemas.openxmlformats.org/officeDocument/2006/relationships" xmlns:p="http://schemas.openxmlformats.org/presentationml/2006/main">
   <p:cSld>
     <p:spTree>
@@ -7652,7 +7934,7 @@
 </p:sld>
 </file>
 
-<file path=ppt/slides/slide3.xml><?xml version="1.0" encoding="utf-8"?>
+<file path=ppt/slides/slide32.xml><?xml version="1.0" encoding="utf-8"?>
 <p:sld xmlns:a="http://schemas.openxmlformats.org/drawingml/2006/main" xmlns:r="http://schemas.openxmlformats.org/officeDocument/2006/relationships" xmlns:p="http://schemas.openxmlformats.org/presentationml/2006/main">
   <p:cSld>
     <p:spTree>
@@ -7671,98 +7953,6 @@
       </p:grpSpPr>
       <p:sp>
         <p:nvSpPr>
-          <p:cNvPr id="2" name="標題 1">
-            <a:extLst>
-              <a:ext uri="{FF2B5EF4-FFF2-40B4-BE49-F238E27FC236}">
-                <a16:creationId xmlns:a16="http://schemas.microsoft.com/office/drawing/2014/main" id="{52A2B961-E106-42D9-99DB-5B48152E8833}"/>
-              </a:ext>
-            </a:extLst>
-          </p:cNvPr>
-          <p:cNvSpPr>
-            <a:spLocks noGrp="1"/>
-          </p:cNvSpPr>
-          <p:nvPr>
-            <p:ph type="title"/>
-          </p:nvPr>
-        </p:nvSpPr>
-        <p:spPr/>
-        <p:txBody>
-          <a:bodyPr/>
-          <a:lstStyle/>
-          <a:p>
-            <a:r>
-              <a:rPr lang="zh-TW" altLang="en-US" dirty="0"/>
-              <a:t>什麼是非同步</a:t>
-            </a:r>
-          </a:p>
-        </p:txBody>
-      </p:sp>
-      <p:sp>
-        <p:nvSpPr>
-          <p:cNvPr id="3" name="內容版面配置區 2">
-            <a:extLst>
-              <a:ext uri="{FF2B5EF4-FFF2-40B4-BE49-F238E27FC236}">
-                <a16:creationId xmlns:a16="http://schemas.microsoft.com/office/drawing/2014/main" id="{43B9F297-2F6E-4462-BDD1-8F868F25DC5B}"/>
-              </a:ext>
-            </a:extLst>
-          </p:cNvPr>
-          <p:cNvSpPr>
-            <a:spLocks noGrp="1"/>
-          </p:cNvSpPr>
-          <p:nvPr>
-            <p:ph idx="1"/>
-          </p:nvPr>
-        </p:nvSpPr>
-        <p:spPr/>
-        <p:txBody>
-          <a:bodyPr/>
-          <a:lstStyle/>
-          <a:p>
-            <a:r>
-              <a:rPr lang="en-US" altLang="zh-TW" dirty="0"/>
-              <a:t>Asynchronous</a:t>
-            </a:r>
-          </a:p>
-          <a:p>
-            <a:r>
-              <a:rPr lang="zh-TW" altLang="en-US" dirty="0"/>
-              <a:t>不同步</a:t>
-            </a:r>
-          </a:p>
-        </p:txBody>
-      </p:sp>
-    </p:spTree>
-    <p:extLst>
-      <p:ext uri="{BB962C8B-B14F-4D97-AF65-F5344CB8AC3E}">
-        <p14:creationId xmlns:p14="http://schemas.microsoft.com/office/powerpoint/2010/main" val="2357062388"/>
-      </p:ext>
-    </p:extLst>
-  </p:cSld>
-  <p:clrMapOvr>
-    <a:masterClrMapping/>
-  </p:clrMapOvr>
-</p:sld>
-</file>
-
-<file path=ppt/slides/slide30.xml><?xml version="1.0" encoding="utf-8"?>
-<p:sld xmlns:a="http://schemas.openxmlformats.org/drawingml/2006/main" xmlns:r="http://schemas.openxmlformats.org/officeDocument/2006/relationships" xmlns:p="http://schemas.openxmlformats.org/presentationml/2006/main">
-  <p:cSld>
-    <p:spTree>
-      <p:nvGrpSpPr>
-        <p:cNvPr id="1" name=""/>
-        <p:cNvGrpSpPr/>
-        <p:nvPr/>
-      </p:nvGrpSpPr>
-      <p:grpSpPr>
-        <a:xfrm>
-          <a:off x="0" y="0"/>
-          <a:ext cx="0" cy="0"/>
-          <a:chOff x="0" y="0"/>
-          <a:chExt cx="0" cy="0"/>
-        </a:xfrm>
-      </p:grpSpPr>
-      <p:sp>
-        <p:nvSpPr>
           <p:cNvPr id="4" name="標題 3">
             <a:extLst>
               <a:ext uri="{FF2B5EF4-FFF2-40B4-BE49-F238E27FC236}">
@@ -7828,7 +8018,7 @@
 </p:sld>
 </file>
 
-<file path=ppt/slides/slide31.xml><?xml version="1.0" encoding="utf-8"?>
+<file path=ppt/slides/slide33.xml><?xml version="1.0" encoding="utf-8"?>
 <p:sld xmlns:a="http://schemas.openxmlformats.org/drawingml/2006/main" xmlns:r="http://schemas.openxmlformats.org/officeDocument/2006/relationships" xmlns:p="http://schemas.openxmlformats.org/presentationml/2006/main">
   <p:cSld>
     <p:bg>

--- a/.NET非同步入門.pptx
+++ b/.NET非同步入門.pptx
@@ -29,15 +29,14 @@
     <p:sldId id="265" r:id="rId23"/>
     <p:sldId id="268" r:id="rId24"/>
     <p:sldId id="271" r:id="rId25"/>
-    <p:sldId id="291" r:id="rId26"/>
-    <p:sldId id="285" r:id="rId27"/>
-    <p:sldId id="280" r:id="rId28"/>
-    <p:sldId id="272" r:id="rId29"/>
-    <p:sldId id="286" r:id="rId30"/>
-    <p:sldId id="289" r:id="rId31"/>
-    <p:sldId id="275" r:id="rId32"/>
-    <p:sldId id="273" r:id="rId33"/>
-    <p:sldId id="284" r:id="rId34"/>
+    <p:sldId id="285" r:id="rId26"/>
+    <p:sldId id="280" r:id="rId27"/>
+    <p:sldId id="272" r:id="rId28"/>
+    <p:sldId id="286" r:id="rId29"/>
+    <p:sldId id="289" r:id="rId30"/>
+    <p:sldId id="275" r:id="rId31"/>
+    <p:sldId id="273" r:id="rId32"/>
+    <p:sldId id="284" r:id="rId33"/>
   </p:sldIdLst>
   <p:sldSz cx="12192000" cy="6858000"/>
   <p:notesSz cx="6858000" cy="9144000"/>
@@ -189,7 +188,6 @@
         <p14:section name="warning" id="{7FBA17BD-7DEE-4730-9694-BA0BE8AFBBF2}">
           <p14:sldIdLst>
             <p14:sldId id="271"/>
-            <p14:sldId id="291"/>
             <p14:sldId id="285"/>
             <p14:sldId id="280"/>
             <p14:sldId id="272"/>
@@ -5376,6 +5374,196 @@
           </a:fontRef>
         </p:style>
       </p:cxnSp>
+      <p:cxnSp>
+        <p:nvCxnSpPr>
+          <p:cNvPr id="13" name="接點: 肘形 12">
+            <a:extLst>
+              <a:ext uri="{FF2B5EF4-FFF2-40B4-BE49-F238E27FC236}">
+                <a16:creationId xmlns:a16="http://schemas.microsoft.com/office/drawing/2014/main" id="{34660611-4031-4C1C-B392-68BD5F3C1B92}"/>
+              </a:ext>
+            </a:extLst>
+          </p:cNvPr>
+          <p:cNvCxnSpPr>
+            <a:cxnSpLocks/>
+            <a:stCxn id="3" idx="3"/>
+            <a:endCxn id="5" idx="2"/>
+          </p:cNvCxnSpPr>
+          <p:nvPr/>
+        </p:nvCxnSpPr>
+        <p:spPr>
+          <a:xfrm flipV="1">
+            <a:off x="9051303" y="2601157"/>
+            <a:ext cx="705256" cy="324453"/>
+          </a:xfrm>
+          <a:prstGeom prst="bentConnector3">
+            <a:avLst/>
+          </a:prstGeom>
+          <a:ln w="38100">
+            <a:solidFill>
+              <a:srgbClr val="7030A0"/>
+            </a:solidFill>
+            <a:tailEnd type="triangle"/>
+          </a:ln>
+        </p:spPr>
+        <p:style>
+          <a:lnRef idx="1">
+            <a:schemeClr val="accent1"/>
+          </a:lnRef>
+          <a:fillRef idx="0">
+            <a:schemeClr val="accent1"/>
+          </a:fillRef>
+          <a:effectRef idx="0">
+            <a:schemeClr val="accent1"/>
+          </a:effectRef>
+          <a:fontRef idx="minor">
+            <a:schemeClr val="tx1"/>
+          </a:fontRef>
+        </p:style>
+      </p:cxnSp>
+      <p:cxnSp>
+        <p:nvCxnSpPr>
+          <p:cNvPr id="16" name="接點: 肘形 15">
+            <a:extLst>
+              <a:ext uri="{FF2B5EF4-FFF2-40B4-BE49-F238E27FC236}">
+                <a16:creationId xmlns:a16="http://schemas.microsoft.com/office/drawing/2014/main" id="{29CA712D-7003-47A8-AD6B-E674B28F14D8}"/>
+              </a:ext>
+            </a:extLst>
+          </p:cNvPr>
+          <p:cNvCxnSpPr>
+            <a:cxnSpLocks/>
+            <a:stCxn id="7" idx="3"/>
+            <a:endCxn id="5" idx="2"/>
+          </p:cNvCxnSpPr>
+          <p:nvPr/>
+        </p:nvCxnSpPr>
+        <p:spPr>
+          <a:xfrm flipV="1">
+            <a:off x="9051303" y="2601157"/>
+            <a:ext cx="705256" cy="1442621"/>
+          </a:xfrm>
+          <a:prstGeom prst="bentConnector3">
+            <a:avLst>
+              <a:gd name="adj1" fmla="val 50000"/>
+            </a:avLst>
+          </a:prstGeom>
+          <a:ln w="38100">
+            <a:solidFill>
+              <a:srgbClr val="7030A0"/>
+            </a:solidFill>
+            <a:tailEnd type="triangle"/>
+          </a:ln>
+        </p:spPr>
+        <p:style>
+          <a:lnRef idx="1">
+            <a:schemeClr val="accent1"/>
+          </a:lnRef>
+          <a:fillRef idx="0">
+            <a:schemeClr val="accent1"/>
+          </a:fillRef>
+          <a:effectRef idx="0">
+            <a:schemeClr val="accent1"/>
+          </a:effectRef>
+          <a:fontRef idx="minor">
+            <a:schemeClr val="tx1"/>
+          </a:fontRef>
+        </p:style>
+      </p:cxnSp>
+      <p:cxnSp>
+        <p:nvCxnSpPr>
+          <p:cNvPr id="19" name="接點: 肘形 18">
+            <a:extLst>
+              <a:ext uri="{FF2B5EF4-FFF2-40B4-BE49-F238E27FC236}">
+                <a16:creationId xmlns:a16="http://schemas.microsoft.com/office/drawing/2014/main" id="{4FCABB43-7ACC-4BEC-BC61-7F6D5177858D}"/>
+              </a:ext>
+            </a:extLst>
+          </p:cNvPr>
+          <p:cNvCxnSpPr>
+            <a:cxnSpLocks/>
+            <a:stCxn id="8" idx="3"/>
+            <a:endCxn id="5" idx="2"/>
+          </p:cNvCxnSpPr>
+          <p:nvPr/>
+        </p:nvCxnSpPr>
+        <p:spPr>
+          <a:xfrm flipV="1">
+            <a:off x="9051303" y="2601157"/>
+            <a:ext cx="705256" cy="2558988"/>
+          </a:xfrm>
+          <a:prstGeom prst="bentConnector3">
+            <a:avLst>
+              <a:gd name="adj1" fmla="val 50000"/>
+            </a:avLst>
+          </a:prstGeom>
+          <a:ln w="38100">
+            <a:solidFill>
+              <a:srgbClr val="7030A0"/>
+            </a:solidFill>
+            <a:tailEnd type="triangle"/>
+          </a:ln>
+        </p:spPr>
+        <p:style>
+          <a:lnRef idx="1">
+            <a:schemeClr val="accent1"/>
+          </a:lnRef>
+          <a:fillRef idx="0">
+            <a:schemeClr val="accent1"/>
+          </a:fillRef>
+          <a:effectRef idx="0">
+            <a:schemeClr val="accent1"/>
+          </a:effectRef>
+          <a:fontRef idx="minor">
+            <a:schemeClr val="tx1"/>
+          </a:fontRef>
+        </p:style>
+      </p:cxnSp>
+      <p:cxnSp>
+        <p:nvCxnSpPr>
+          <p:cNvPr id="24" name="接點: 肘形 23">
+            <a:extLst>
+              <a:ext uri="{FF2B5EF4-FFF2-40B4-BE49-F238E27FC236}">
+                <a16:creationId xmlns:a16="http://schemas.microsoft.com/office/drawing/2014/main" id="{5726D782-B423-4C9C-BDD0-07CAA874B2A8}"/>
+              </a:ext>
+            </a:extLst>
+          </p:cNvPr>
+          <p:cNvCxnSpPr>
+            <a:cxnSpLocks/>
+            <a:stCxn id="3" idx="3"/>
+            <a:endCxn id="6" idx="2"/>
+          </p:cNvCxnSpPr>
+          <p:nvPr/>
+        </p:nvCxnSpPr>
+        <p:spPr>
+          <a:xfrm>
+            <a:off x="9051303" y="2925610"/>
+            <a:ext cx="705256" cy="1049366"/>
+          </a:xfrm>
+          <a:prstGeom prst="bentConnector3">
+            <a:avLst>
+              <a:gd name="adj1" fmla="val 78186"/>
+            </a:avLst>
+          </a:prstGeom>
+          <a:ln w="38100">
+            <a:solidFill>
+              <a:srgbClr val="7030A0"/>
+            </a:solidFill>
+            <a:tailEnd type="triangle"/>
+          </a:ln>
+        </p:spPr>
+        <p:style>
+          <a:lnRef idx="1">
+            <a:schemeClr val="accent1"/>
+          </a:lnRef>
+          <a:fillRef idx="0">
+            <a:schemeClr val="accent1"/>
+          </a:fillRef>
+          <a:effectRef idx="0">
+            <a:schemeClr val="accent1"/>
+          </a:effectRef>
+          <a:fontRef idx="minor">
+            <a:schemeClr val="tx1"/>
+          </a:fontRef>
+        </p:style>
+      </p:cxnSp>
     </p:spTree>
     <p:extLst>
       <p:ext uri="{BB962C8B-B14F-4D97-AF65-F5344CB8AC3E}">
@@ -5876,10 +6064,18 @@
             <a:r>
               <a:rPr lang="zh-TW" altLang="en-US" dirty="0">
                 <a:solidFill>
+                  <a:schemeClr val="tx1"/>
+                </a:solidFill>
+              </a:rPr>
+              <a:t>要</a:t>
+            </a:r>
+            <a:r>
+              <a:rPr lang="zh-TW" altLang="en-US" dirty="0">
+                <a:solidFill>
                   <a:srgbClr val="FF0000"/>
                 </a:solidFill>
               </a:rPr>
-              <a:t>不要</a:t>
+              <a:t>避免</a:t>
             </a:r>
             <a:r>
               <a:rPr lang="zh-TW" altLang="en-US" dirty="0"/>
@@ -5909,6 +6105,36 @@
           <a:bodyPr/>
           <a:lstStyle/>
           <a:p>
+            <a:r>
+              <a:rPr lang="en-US" altLang="zh-TW" dirty="0"/>
+              <a:t>CPU</a:t>
+            </a:r>
+            <a:r>
+              <a:rPr lang="zh-TW" altLang="en-US" dirty="0"/>
+              <a:t>運算</a:t>
+            </a:r>
+            <a:endParaRPr lang="en-US" altLang="zh-TW" dirty="0"/>
+          </a:p>
+          <a:p>
+            <a:r>
+              <a:rPr lang="zh-TW" altLang="en-US" dirty="0"/>
+              <a:t>記憶體存取</a:t>
+            </a:r>
+            <a:endParaRPr lang="en-US" altLang="zh-TW" dirty="0"/>
+          </a:p>
+          <a:p>
+            <a:pPr lvl="1"/>
+            <a:r>
+              <a:rPr lang="en-US" altLang="zh-TW" dirty="0" err="1"/>
+              <a:t>MemoryStream</a:t>
+            </a:r>
+            <a:endParaRPr lang="en-US" altLang="zh-TW" dirty="0"/>
+          </a:p>
+          <a:p>
+            <a:r>
+              <a:rPr lang="en-US" altLang="zh-TW" dirty="0"/>
+              <a:t>Webform</a:t>
+            </a:r>
             <a:endParaRPr lang="zh-TW" altLang="en-US" dirty="0"/>
           </a:p>
         </p:txBody>
@@ -6359,97 +6585,6 @@
           <p:cNvPr id="2" name="標題 1">
             <a:extLst>
               <a:ext uri="{FF2B5EF4-FFF2-40B4-BE49-F238E27FC236}">
-                <a16:creationId xmlns:a16="http://schemas.microsoft.com/office/drawing/2014/main" id="{382214ED-1BC6-4378-A17E-115DED3F41D9}"/>
-              </a:ext>
-            </a:extLst>
-          </p:cNvPr>
-          <p:cNvSpPr>
-            <a:spLocks noGrp="1"/>
-          </p:cNvSpPr>
-          <p:nvPr>
-            <p:ph type="title"/>
-          </p:nvPr>
-        </p:nvSpPr>
-        <p:spPr/>
-        <p:txBody>
-          <a:bodyPr/>
-          <a:lstStyle/>
-          <a:p>
-            <a:r>
-              <a:rPr lang="zh-TW" altLang="en-US" dirty="0"/>
-              <a:t>非同步在</a:t>
-            </a:r>
-            <a:r>
-              <a:rPr lang="en-US" altLang="zh-TW" dirty="0"/>
-              <a:t>ASP.NET</a:t>
-            </a:r>
-            <a:r>
-              <a:rPr lang="zh-TW" altLang="en-US" dirty="0"/>
-              <a:t>運用</a:t>
-            </a:r>
-          </a:p>
-        </p:txBody>
-      </p:sp>
-      <p:sp>
-        <p:nvSpPr>
-          <p:cNvPr id="3" name="內容版面配置區 2">
-            <a:extLst>
-              <a:ext uri="{FF2B5EF4-FFF2-40B4-BE49-F238E27FC236}">
-                <a16:creationId xmlns:a16="http://schemas.microsoft.com/office/drawing/2014/main" id="{277E6CF6-03CB-4D1E-9840-8014A5312DFF}"/>
-              </a:ext>
-            </a:extLst>
-          </p:cNvPr>
-          <p:cNvSpPr>
-            <a:spLocks noGrp="1"/>
-          </p:cNvSpPr>
-          <p:nvPr>
-            <p:ph idx="1"/>
-          </p:nvPr>
-        </p:nvSpPr>
-        <p:spPr/>
-        <p:txBody>
-          <a:bodyPr/>
-          <a:lstStyle/>
-          <a:p>
-            <a:endParaRPr lang="zh-TW" altLang="en-US"/>
-          </a:p>
-        </p:txBody>
-      </p:sp>
-    </p:spTree>
-    <p:extLst>
-      <p:ext uri="{BB962C8B-B14F-4D97-AF65-F5344CB8AC3E}">
-        <p14:creationId xmlns:p14="http://schemas.microsoft.com/office/powerpoint/2010/main" val="939468924"/>
-      </p:ext>
-    </p:extLst>
-  </p:cSld>
-  <p:clrMapOvr>
-    <a:masterClrMapping/>
-  </p:clrMapOvr>
-</p:sld>
-</file>
-
-<file path=ppt/slides/slide26.xml><?xml version="1.0" encoding="utf-8"?>
-<p:sld xmlns:a="http://schemas.openxmlformats.org/drawingml/2006/main" xmlns:r="http://schemas.openxmlformats.org/officeDocument/2006/relationships" xmlns:p="http://schemas.openxmlformats.org/presentationml/2006/main">
-  <p:cSld>
-    <p:spTree>
-      <p:nvGrpSpPr>
-        <p:cNvPr id="1" name=""/>
-        <p:cNvGrpSpPr/>
-        <p:nvPr/>
-      </p:nvGrpSpPr>
-      <p:grpSpPr>
-        <a:xfrm>
-          <a:off x="0" y="0"/>
-          <a:ext cx="0" cy="0"/>
-          <a:chOff x="0" y="0"/>
-          <a:chExt cx="0" cy="0"/>
-        </a:xfrm>
-      </p:grpSpPr>
-      <p:sp>
-        <p:nvSpPr>
-          <p:cNvPr id="2" name="標題 1">
-            <a:extLst>
-              <a:ext uri="{FF2B5EF4-FFF2-40B4-BE49-F238E27FC236}">
                 <a16:creationId xmlns:a16="http://schemas.microsoft.com/office/drawing/2014/main" id="{3C16F79F-FFB0-4F61-944D-5A0F280FCBE6}"/>
               </a:ext>
             </a:extLst>
@@ -6537,7 +6672,7 @@
 </p:sld>
 </file>
 
-<file path=ppt/slides/slide27.xml><?xml version="1.0" encoding="utf-8"?>
+<file path=ppt/slides/slide26.xml><?xml version="1.0" encoding="utf-8"?>
 <p:sld xmlns:a="http://schemas.openxmlformats.org/drawingml/2006/main" xmlns:r="http://schemas.openxmlformats.org/officeDocument/2006/relationships" xmlns:p="http://schemas.openxmlformats.org/presentationml/2006/main">
   <p:cSld>
     <p:spTree>
@@ -7268,6 +7403,142 @@
 </p:sld>
 </file>
 
+<file path=ppt/slides/slide27.xml><?xml version="1.0" encoding="utf-8"?>
+<p:sld xmlns:a="http://schemas.openxmlformats.org/drawingml/2006/main" xmlns:r="http://schemas.openxmlformats.org/officeDocument/2006/relationships" xmlns:p="http://schemas.openxmlformats.org/presentationml/2006/main">
+  <p:cSld>
+    <p:spTree>
+      <p:nvGrpSpPr>
+        <p:cNvPr id="1" name=""/>
+        <p:cNvGrpSpPr/>
+        <p:nvPr/>
+      </p:nvGrpSpPr>
+      <p:grpSpPr>
+        <a:xfrm>
+          <a:off x="0" y="0"/>
+          <a:ext cx="0" cy="0"/>
+          <a:chOff x="0" y="0"/>
+          <a:chExt cx="0" cy="0"/>
+        </a:xfrm>
+      </p:grpSpPr>
+      <p:sp>
+        <p:nvSpPr>
+          <p:cNvPr id="4" name="標題 3">
+            <a:extLst>
+              <a:ext uri="{FF2B5EF4-FFF2-40B4-BE49-F238E27FC236}">
+                <a16:creationId xmlns:a16="http://schemas.microsoft.com/office/drawing/2014/main" id="{CAE88269-831B-47F3-BCCB-ADB55761B458}"/>
+              </a:ext>
+            </a:extLst>
+          </p:cNvPr>
+          <p:cNvSpPr>
+            <a:spLocks noGrp="1"/>
+          </p:cNvSpPr>
+          <p:nvPr>
+            <p:ph type="title"/>
+          </p:nvPr>
+        </p:nvSpPr>
+        <p:spPr/>
+        <p:txBody>
+          <a:bodyPr/>
+          <a:lstStyle/>
+          <a:p>
+            <a:r>
+              <a:rPr lang="zh-TW" altLang="en-US" dirty="0"/>
+              <a:t>避免以同步呼叫非同步</a:t>
+            </a:r>
+          </a:p>
+        </p:txBody>
+      </p:sp>
+      <p:sp>
+        <p:nvSpPr>
+          <p:cNvPr id="5" name="內容版面配置區 4">
+            <a:extLst>
+              <a:ext uri="{FF2B5EF4-FFF2-40B4-BE49-F238E27FC236}">
+                <a16:creationId xmlns:a16="http://schemas.microsoft.com/office/drawing/2014/main" id="{072A1A9B-4EB9-4970-A8FB-B51BAA8645EA}"/>
+              </a:ext>
+            </a:extLst>
+          </p:cNvPr>
+          <p:cNvSpPr>
+            <a:spLocks noGrp="1"/>
+          </p:cNvSpPr>
+          <p:nvPr>
+            <p:ph idx="1"/>
+          </p:nvPr>
+        </p:nvSpPr>
+        <p:spPr/>
+        <p:txBody>
+          <a:bodyPr/>
+          <a:lstStyle/>
+          <a:p>
+            <a:r>
+              <a:rPr lang="en-US" altLang="zh-TW" dirty="0">
+                <a:latin typeface="Consolas" panose="020B0609020204030204" pitchFamily="49" charset="0"/>
+              </a:rPr>
+              <a:t>(O) .</a:t>
+            </a:r>
+            <a:r>
+              <a:rPr lang="en-US" altLang="zh-TW" dirty="0" err="1">
+                <a:latin typeface="Consolas" panose="020B0609020204030204" pitchFamily="49" charset="0"/>
+              </a:rPr>
+              <a:t>GetAwaiter</a:t>
+            </a:r>
+            <a:r>
+              <a:rPr lang="en-US" altLang="zh-TW" dirty="0">
+                <a:latin typeface="Consolas" panose="020B0609020204030204" pitchFamily="49" charset="0"/>
+              </a:rPr>
+              <a:t>().</a:t>
+            </a:r>
+            <a:r>
+              <a:rPr lang="en-US" altLang="zh-TW" dirty="0" err="1">
+                <a:latin typeface="Consolas" panose="020B0609020204030204" pitchFamily="49" charset="0"/>
+              </a:rPr>
+              <a:t>GetResult</a:t>
+            </a:r>
+            <a:r>
+              <a:rPr lang="en-US" altLang="zh-TW" dirty="0">
+                <a:latin typeface="Consolas" panose="020B0609020204030204" pitchFamily="49" charset="0"/>
+              </a:rPr>
+              <a:t>()</a:t>
+            </a:r>
+          </a:p>
+          <a:p>
+            <a:r>
+              <a:rPr lang="en-US" altLang="zh-TW" dirty="0">
+                <a:latin typeface="Consolas" panose="020B0609020204030204" pitchFamily="49" charset="0"/>
+              </a:rPr>
+              <a:t>(X) .Result</a:t>
+            </a:r>
+          </a:p>
+          <a:p>
+            <a:r>
+              <a:rPr lang="en-US" altLang="zh-TW" dirty="0">
+                <a:latin typeface="Consolas" panose="020B0609020204030204" pitchFamily="49" charset="0"/>
+              </a:rPr>
+              <a:t>(X) .Wait()</a:t>
+            </a:r>
+          </a:p>
+          <a:p>
+            <a:pPr lvl="1"/>
+            <a:r>
+              <a:rPr lang="en-US" altLang="zh-TW" dirty="0" err="1"/>
+              <a:t>AggregateException</a:t>
+            </a:r>
+            <a:endParaRPr lang="zh-TW" altLang="en-US" dirty="0"/>
+          </a:p>
+        </p:txBody>
+      </p:sp>
+    </p:spTree>
+    <p:extLst>
+      <p:ext uri="{BB962C8B-B14F-4D97-AF65-F5344CB8AC3E}">
+        <p14:creationId xmlns:p14="http://schemas.microsoft.com/office/powerpoint/2010/main" val="700056660"/>
+      </p:ext>
+    </p:extLst>
+  </p:cSld>
+  <p:clrMapOvr>
+    <a:masterClrMapping/>
+  </p:clrMapOvr>
+</p:sld>
+</file>
+
 <file path=ppt/slides/slide28.xml><?xml version="1.0" encoding="utf-8"?>
 <p:sld xmlns:a="http://schemas.openxmlformats.org/drawingml/2006/main" xmlns:r="http://schemas.openxmlformats.org/officeDocument/2006/relationships" xmlns:p="http://schemas.openxmlformats.org/presentationml/2006/main">
   <p:cSld>
@@ -7287,10 +7558,10 @@
       </p:grpSpPr>
       <p:sp>
         <p:nvSpPr>
-          <p:cNvPr id="4" name="標題 3">
+          <p:cNvPr id="2" name="標題 1">
             <a:extLst>
               <a:ext uri="{FF2B5EF4-FFF2-40B4-BE49-F238E27FC236}">
-                <a16:creationId xmlns:a16="http://schemas.microsoft.com/office/drawing/2014/main" id="{CAE88269-831B-47F3-BCCB-ADB55761B458}"/>
+                <a16:creationId xmlns:a16="http://schemas.microsoft.com/office/drawing/2014/main" id="{D3D9E101-9010-4ABE-9468-060B0EE11ACC}"/>
               </a:ext>
             </a:extLst>
           </p:cNvPr>
@@ -7315,10 +7586,10 @@
       </p:sp>
       <p:sp>
         <p:nvSpPr>
-          <p:cNvPr id="5" name="內容版面配置區 4">
+          <p:cNvPr id="3" name="內容版面配置區 2">
             <a:extLst>
               <a:ext uri="{FF2B5EF4-FFF2-40B4-BE49-F238E27FC236}">
-                <a16:creationId xmlns:a16="http://schemas.microsoft.com/office/drawing/2014/main" id="{072A1A9B-4EB9-4970-A8FB-B51BAA8645EA}"/>
+                <a16:creationId xmlns:a16="http://schemas.microsoft.com/office/drawing/2014/main" id="{B10D9C24-902B-4571-BF48-82E8560105EF}"/>
               </a:ext>
             </a:extLst>
           </p:cNvPr>
@@ -7335,57 +7606,16 @@
           <a:lstStyle/>
           <a:p>
             <a:r>
-              <a:rPr lang="en-US" altLang="zh-TW" dirty="0">
-                <a:latin typeface="Consolas" panose="020B0609020204030204" pitchFamily="49" charset="0"/>
-              </a:rPr>
-              <a:t>(O) .</a:t>
-            </a:r>
-            <a:r>
-              <a:rPr lang="en-US" altLang="zh-TW" dirty="0" err="1">
-                <a:latin typeface="Consolas" panose="020B0609020204030204" pitchFamily="49" charset="0"/>
-              </a:rPr>
-              <a:t>GetAwaiter</a:t>
-            </a:r>
-            <a:r>
-              <a:rPr lang="en-US" altLang="zh-TW" dirty="0">
-                <a:latin typeface="Consolas" panose="020B0609020204030204" pitchFamily="49" charset="0"/>
-              </a:rPr>
-              <a:t>().</a:t>
-            </a:r>
-            <a:r>
-              <a:rPr lang="en-US" altLang="zh-TW" dirty="0" err="1">
-                <a:latin typeface="Consolas" panose="020B0609020204030204" pitchFamily="49" charset="0"/>
-              </a:rPr>
-              <a:t>GetResult</a:t>
-            </a:r>
-            <a:r>
-              <a:rPr lang="en-US" altLang="zh-TW" dirty="0">
-                <a:latin typeface="Consolas" panose="020B0609020204030204" pitchFamily="49" charset="0"/>
-              </a:rPr>
-              <a:t>()</a:t>
-            </a:r>
-          </a:p>
-          <a:p>
-            <a:r>
-              <a:rPr lang="en-US" altLang="zh-TW" dirty="0">
-                <a:latin typeface="Consolas" panose="020B0609020204030204" pitchFamily="49" charset="0"/>
-              </a:rPr>
-              <a:t>(X) .Result</a:t>
-            </a:r>
-          </a:p>
-          <a:p>
-            <a:r>
-              <a:rPr lang="en-US" altLang="zh-TW" dirty="0">
-                <a:latin typeface="Consolas" panose="020B0609020204030204" pitchFamily="49" charset="0"/>
-              </a:rPr>
-              <a:t>(X) .Wait()</a:t>
-            </a:r>
-          </a:p>
-          <a:p>
-            <a:pPr lvl="1"/>
+              <a:rPr lang="en-US" altLang="zh-TW" dirty="0"/>
+              <a:t>Sample Code</a:t>
+            </a:r>
+            <a:r>
+              <a:rPr lang="zh-TW" altLang="en-US" dirty="0"/>
+              <a:t>：</a:t>
+            </a:r>
             <a:r>
               <a:rPr lang="en-US" altLang="zh-TW" dirty="0" err="1"/>
-              <a:t>AggregateException</a:t>
+              <a:t>WinFormDeadLock</a:t>
             </a:r>
             <a:endParaRPr lang="zh-TW" altLang="en-US" dirty="0"/>
           </a:p>
@@ -7394,7 +7624,7 @@
     </p:spTree>
     <p:extLst>
       <p:ext uri="{BB962C8B-B14F-4D97-AF65-F5344CB8AC3E}">
-        <p14:creationId xmlns:p14="http://schemas.microsoft.com/office/powerpoint/2010/main" val="700056660"/>
+        <p14:creationId xmlns:p14="http://schemas.microsoft.com/office/powerpoint/2010/main" val="3992750907"/>
       </p:ext>
     </p:extLst>
   </p:cSld>
@@ -7426,7 +7656,7 @@
           <p:cNvPr id="2" name="標題 1">
             <a:extLst>
               <a:ext uri="{FF2B5EF4-FFF2-40B4-BE49-F238E27FC236}">
-                <a16:creationId xmlns:a16="http://schemas.microsoft.com/office/drawing/2014/main" id="{D3D9E101-9010-4ABE-9468-060B0EE11ACC}"/>
+                <a16:creationId xmlns:a16="http://schemas.microsoft.com/office/drawing/2014/main" id="{A7D8A269-6FA3-4981-BADD-0CF21F5D7094}"/>
               </a:ext>
             </a:extLst>
           </p:cNvPr>
@@ -7443,9 +7673,14 @@
           <a:lstStyle/>
           <a:p>
             <a:r>
-              <a:rPr lang="zh-TW" altLang="en-US" dirty="0"/>
-              <a:t>避免以同步呼叫非同步</a:t>
-            </a:r>
+              <a:rPr lang="en-US" altLang="zh-TW" dirty="0" err="1"/>
+              <a:t>ConfigureAwait</a:t>
+            </a:r>
+            <a:r>
+              <a:rPr lang="en-US" altLang="zh-TW" dirty="0"/>
+              <a:t>(false)</a:t>
+            </a:r>
+            <a:endParaRPr lang="zh-TW" altLang="en-US" dirty="0"/>
           </a:p>
         </p:txBody>
       </p:sp>
@@ -7454,7 +7689,7 @@
           <p:cNvPr id="3" name="內容版面配置區 2">
             <a:extLst>
               <a:ext uri="{FF2B5EF4-FFF2-40B4-BE49-F238E27FC236}">
-                <a16:creationId xmlns:a16="http://schemas.microsoft.com/office/drawing/2014/main" id="{B10D9C24-902B-4571-BF48-82E8560105EF}"/>
+                <a16:creationId xmlns:a16="http://schemas.microsoft.com/office/drawing/2014/main" id="{D5A43034-3C0C-43F3-81AE-A9342E07B60F}"/>
               </a:ext>
             </a:extLst>
           </p:cNvPr>
@@ -7470,26 +7705,14 @@
           <a:bodyPr/>
           <a:lstStyle/>
           <a:p>
-            <a:r>
-              <a:rPr lang="en-US" altLang="zh-TW" dirty="0"/>
-              <a:t>Sample Code</a:t>
-            </a:r>
-            <a:r>
-              <a:rPr lang="zh-TW" altLang="en-US" dirty="0"/>
-              <a:t>：</a:t>
-            </a:r>
-            <a:r>
-              <a:rPr lang="en-US" altLang="zh-TW" dirty="0" err="1"/>
-              <a:t>WinFormDeadLock</a:t>
-            </a:r>
-            <a:endParaRPr lang="zh-TW" altLang="en-US" dirty="0"/>
+            <a:endParaRPr lang="zh-TW" altLang="en-US"/>
           </a:p>
         </p:txBody>
       </p:sp>
     </p:spTree>
     <p:extLst>
       <p:ext uri="{BB962C8B-B14F-4D97-AF65-F5344CB8AC3E}">
-        <p14:creationId xmlns:p14="http://schemas.microsoft.com/office/powerpoint/2010/main" val="3992750907"/>
+        <p14:creationId xmlns:p14="http://schemas.microsoft.com/office/powerpoint/2010/main" val="3515822487"/>
       </p:ext>
     </p:extLst>
   </p:cSld>
@@ -7592,94 +7815,6 @@
 </file>
 
 <file path=ppt/slides/slide30.xml><?xml version="1.0" encoding="utf-8"?>
-<p:sld xmlns:a="http://schemas.openxmlformats.org/drawingml/2006/main" xmlns:r="http://schemas.openxmlformats.org/officeDocument/2006/relationships" xmlns:p="http://schemas.openxmlformats.org/presentationml/2006/main">
-  <p:cSld>
-    <p:spTree>
-      <p:nvGrpSpPr>
-        <p:cNvPr id="1" name=""/>
-        <p:cNvGrpSpPr/>
-        <p:nvPr/>
-      </p:nvGrpSpPr>
-      <p:grpSpPr>
-        <a:xfrm>
-          <a:off x="0" y="0"/>
-          <a:ext cx="0" cy="0"/>
-          <a:chOff x="0" y="0"/>
-          <a:chExt cx="0" cy="0"/>
-        </a:xfrm>
-      </p:grpSpPr>
-      <p:sp>
-        <p:nvSpPr>
-          <p:cNvPr id="2" name="標題 1">
-            <a:extLst>
-              <a:ext uri="{FF2B5EF4-FFF2-40B4-BE49-F238E27FC236}">
-                <a16:creationId xmlns:a16="http://schemas.microsoft.com/office/drawing/2014/main" id="{A7D8A269-6FA3-4981-BADD-0CF21F5D7094}"/>
-              </a:ext>
-            </a:extLst>
-          </p:cNvPr>
-          <p:cNvSpPr>
-            <a:spLocks noGrp="1"/>
-          </p:cNvSpPr>
-          <p:nvPr>
-            <p:ph type="title"/>
-          </p:nvPr>
-        </p:nvSpPr>
-        <p:spPr/>
-        <p:txBody>
-          <a:bodyPr/>
-          <a:lstStyle/>
-          <a:p>
-            <a:r>
-              <a:rPr lang="en-US" altLang="zh-TW" dirty="0" err="1"/>
-              <a:t>ConfigureAwait</a:t>
-            </a:r>
-            <a:r>
-              <a:rPr lang="en-US" altLang="zh-TW" dirty="0"/>
-              <a:t>(false)</a:t>
-            </a:r>
-            <a:endParaRPr lang="zh-TW" altLang="en-US" dirty="0"/>
-          </a:p>
-        </p:txBody>
-      </p:sp>
-      <p:sp>
-        <p:nvSpPr>
-          <p:cNvPr id="3" name="內容版面配置區 2">
-            <a:extLst>
-              <a:ext uri="{FF2B5EF4-FFF2-40B4-BE49-F238E27FC236}">
-                <a16:creationId xmlns:a16="http://schemas.microsoft.com/office/drawing/2014/main" id="{D5A43034-3C0C-43F3-81AE-A9342E07B60F}"/>
-              </a:ext>
-            </a:extLst>
-          </p:cNvPr>
-          <p:cNvSpPr>
-            <a:spLocks noGrp="1"/>
-          </p:cNvSpPr>
-          <p:nvPr>
-            <p:ph idx="1"/>
-          </p:nvPr>
-        </p:nvSpPr>
-        <p:spPr/>
-        <p:txBody>
-          <a:bodyPr/>
-          <a:lstStyle/>
-          <a:p>
-            <a:endParaRPr lang="zh-TW" altLang="en-US"/>
-          </a:p>
-        </p:txBody>
-      </p:sp>
-    </p:spTree>
-    <p:extLst>
-      <p:ext uri="{BB962C8B-B14F-4D97-AF65-F5344CB8AC3E}">
-        <p14:creationId xmlns:p14="http://schemas.microsoft.com/office/powerpoint/2010/main" val="3515822487"/>
-      </p:ext>
-    </p:extLst>
-  </p:cSld>
-  <p:clrMapOvr>
-    <a:masterClrMapping/>
-  </p:clrMapOvr>
-</p:sld>
-</file>
-
-<file path=ppt/slides/slide31.xml><?xml version="1.0" encoding="utf-8"?>
 <p:sld xmlns:a="http://schemas.openxmlformats.org/drawingml/2006/main" xmlns:r="http://schemas.openxmlformats.org/officeDocument/2006/relationships" xmlns:p="http://schemas.openxmlformats.org/presentationml/2006/main">
   <p:cSld>
     <p:spTree>
@@ -7934,7 +8069,7 @@
 </p:sld>
 </file>
 
-<file path=ppt/slides/slide32.xml><?xml version="1.0" encoding="utf-8"?>
+<file path=ppt/slides/slide31.xml><?xml version="1.0" encoding="utf-8"?>
 <p:sld xmlns:a="http://schemas.openxmlformats.org/drawingml/2006/main" xmlns:r="http://schemas.openxmlformats.org/officeDocument/2006/relationships" xmlns:p="http://schemas.openxmlformats.org/presentationml/2006/main">
   <p:cSld>
     <p:spTree>
@@ -8018,7 +8153,7 @@
 </p:sld>
 </file>
 
-<file path=ppt/slides/slide33.xml><?xml version="1.0" encoding="utf-8"?>
+<file path=ppt/slides/slide32.xml><?xml version="1.0" encoding="utf-8"?>
 <p:sld xmlns:a="http://schemas.openxmlformats.org/drawingml/2006/main" xmlns:r="http://schemas.openxmlformats.org/officeDocument/2006/relationships" xmlns:p="http://schemas.openxmlformats.org/presentationml/2006/main">
   <p:cSld>
     <p:bg>

--- a/.NET非同步入門.pptx
+++ b/.NET非同步入門.pptx
@@ -381,7 +381,7 @@
             <a:fld id="{87DE6118-2437-4B30-8E3C-4D2BE6020583}" type="datetimeFigureOut">
               <a:rPr lang="en-US" dirty="0"/>
               <a:pPr/>
-              <a:t>11/11/2020</a:t>
+              <a:t>11/12/2020</a:t>
             </a:fld>
             <a:endParaRPr lang="en-US" dirty="0"/>
           </a:p>
@@ -707,7 +707,7 @@
           <a:p>
             <a:fld id="{87DE6118-2437-4B30-8E3C-4D2BE6020583}" type="datetimeFigureOut">
               <a:rPr lang="en-US" dirty="0"/>
-              <a:t>11/11/2020</a:t>
+              <a:t>11/12/2020</a:t>
             </a:fld>
             <a:endParaRPr lang="en-US" dirty="0"/>
           </a:p>
@@ -882,7 +882,7 @@
           <a:p>
             <a:fld id="{87DE6118-2437-4B30-8E3C-4D2BE6020583}" type="datetimeFigureOut">
               <a:rPr lang="en-US" dirty="0"/>
-              <a:t>11/11/2020</a:t>
+              <a:t>11/12/2020</a:t>
             </a:fld>
             <a:endParaRPr lang="en-US" dirty="0"/>
           </a:p>
@@ -1047,7 +1047,7 @@
           <a:p>
             <a:fld id="{87DE6118-2437-4B30-8E3C-4D2BE6020583}" type="datetimeFigureOut">
               <a:rPr lang="en-US" dirty="0"/>
-              <a:t>11/11/2020</a:t>
+              <a:t>11/12/2020</a:t>
             </a:fld>
             <a:endParaRPr lang="en-US" dirty="0"/>
           </a:p>
@@ -1320,7 +1320,7 @@
             <a:fld id="{87DE6118-2437-4B30-8E3C-4D2BE6020583}" type="datetimeFigureOut">
               <a:rPr lang="en-US" dirty="0"/>
               <a:pPr/>
-              <a:t>11/11/2020</a:t>
+              <a:t>11/12/2020</a:t>
             </a:fld>
             <a:endParaRPr lang="en-US" dirty="0"/>
           </a:p>
@@ -1710,7 +1710,7 @@
           <a:p>
             <a:fld id="{87DE6118-2437-4B30-8E3C-4D2BE6020583}" type="datetimeFigureOut">
               <a:rPr lang="en-US" dirty="0"/>
-              <a:t>11/11/2020</a:t>
+              <a:t>11/12/2020</a:t>
             </a:fld>
             <a:endParaRPr lang="en-US" dirty="0"/>
           </a:p>
@@ -2182,7 +2182,7 @@
           <a:p>
             <a:fld id="{87DE6118-2437-4B30-8E3C-4D2BE6020583}" type="datetimeFigureOut">
               <a:rPr lang="en-US" dirty="0"/>
-              <a:t>11/11/2020</a:t>
+              <a:t>11/12/2020</a:t>
             </a:fld>
             <a:endParaRPr lang="en-US" dirty="0"/>
           </a:p>
@@ -2295,7 +2295,7 @@
           <a:p>
             <a:fld id="{87DE6118-2437-4B30-8E3C-4D2BE6020583}" type="datetimeFigureOut">
               <a:rPr lang="en-US" dirty="0"/>
-              <a:t>11/11/2020</a:t>
+              <a:t>11/12/2020</a:t>
             </a:fld>
             <a:endParaRPr lang="en-US" dirty="0"/>
           </a:p>
@@ -2385,7 +2385,7 @@
           <a:p>
             <a:fld id="{87DE6118-2437-4B30-8E3C-4D2BE6020583}" type="datetimeFigureOut">
               <a:rPr lang="en-US" dirty="0"/>
-              <a:t>11/11/2020</a:t>
+              <a:t>11/12/2020</a:t>
             </a:fld>
             <a:endParaRPr lang="en-US" dirty="0"/>
           </a:p>
@@ -2727,7 +2727,7 @@
             <a:fld id="{87DE6118-2437-4B30-8E3C-4D2BE6020583}" type="datetimeFigureOut">
               <a:rPr lang="en-US" dirty="0"/>
               <a:pPr/>
-              <a:t>11/11/2020</a:t>
+              <a:t>11/12/2020</a:t>
             </a:fld>
             <a:endParaRPr lang="en-US" dirty="0"/>
           </a:p>
@@ -3112,7 +3112,7 @@
             <a:fld id="{87DE6118-2437-4B30-8E3C-4D2BE6020583}" type="datetimeFigureOut">
               <a:rPr lang="en-US" dirty="0"/>
               <a:pPr/>
-              <a:t>11/11/2020</a:t>
+              <a:t>11/12/2020</a:t>
             </a:fld>
             <a:endParaRPr lang="en-US" dirty="0"/>
           </a:p>
@@ -3387,7 +3387,7 @@
             <a:fld id="{87DE6118-2437-4B30-8E3C-4D2BE6020583}" type="datetimeFigureOut">
               <a:rPr lang="en-US" dirty="0"/>
               <a:pPr/>
-              <a:t>11/11/2020</a:t>
+              <a:t>11/12/2020</a:t>
             </a:fld>
             <a:endParaRPr lang="en-US" dirty="0"/>
           </a:p>
@@ -5564,6 +5564,102 @@
           </a:fontRef>
         </p:style>
       </p:cxnSp>
+      <p:cxnSp>
+        <p:nvCxnSpPr>
+          <p:cNvPr id="17" name="接點: 肘形 16">
+            <a:extLst>
+              <a:ext uri="{FF2B5EF4-FFF2-40B4-BE49-F238E27FC236}">
+                <a16:creationId xmlns:a16="http://schemas.microsoft.com/office/drawing/2014/main" id="{51CB55B5-C5FC-4308-885E-B18B0C2CCE6F}"/>
+              </a:ext>
+            </a:extLst>
+          </p:cNvPr>
+          <p:cNvCxnSpPr>
+            <a:cxnSpLocks/>
+            <a:stCxn id="7" idx="3"/>
+            <a:endCxn id="6" idx="2"/>
+          </p:cNvCxnSpPr>
+          <p:nvPr/>
+        </p:nvCxnSpPr>
+        <p:spPr>
+          <a:xfrm flipV="1">
+            <a:off x="9051303" y="3974976"/>
+            <a:ext cx="705256" cy="68802"/>
+          </a:xfrm>
+          <a:prstGeom prst="bentConnector3">
+            <a:avLst>
+              <a:gd name="adj1" fmla="val 50000"/>
+            </a:avLst>
+          </a:prstGeom>
+          <a:ln w="38100">
+            <a:solidFill>
+              <a:srgbClr val="7030A0"/>
+            </a:solidFill>
+            <a:tailEnd type="triangle"/>
+          </a:ln>
+        </p:spPr>
+        <p:style>
+          <a:lnRef idx="1">
+            <a:schemeClr val="accent1"/>
+          </a:lnRef>
+          <a:fillRef idx="0">
+            <a:schemeClr val="accent1"/>
+          </a:fillRef>
+          <a:effectRef idx="0">
+            <a:schemeClr val="accent1"/>
+          </a:effectRef>
+          <a:fontRef idx="minor">
+            <a:schemeClr val="tx1"/>
+          </a:fontRef>
+        </p:style>
+      </p:cxnSp>
+      <p:cxnSp>
+        <p:nvCxnSpPr>
+          <p:cNvPr id="20" name="接點: 肘形 19">
+            <a:extLst>
+              <a:ext uri="{FF2B5EF4-FFF2-40B4-BE49-F238E27FC236}">
+                <a16:creationId xmlns:a16="http://schemas.microsoft.com/office/drawing/2014/main" id="{EE5257C3-0000-412B-9E77-1C9EB2C75A79}"/>
+              </a:ext>
+            </a:extLst>
+          </p:cNvPr>
+          <p:cNvCxnSpPr>
+            <a:cxnSpLocks/>
+            <a:stCxn id="8" idx="3"/>
+            <a:endCxn id="6" idx="2"/>
+          </p:cNvCxnSpPr>
+          <p:nvPr/>
+        </p:nvCxnSpPr>
+        <p:spPr>
+          <a:xfrm flipV="1">
+            <a:off x="9051303" y="3974976"/>
+            <a:ext cx="705256" cy="1185169"/>
+          </a:xfrm>
+          <a:prstGeom prst="bentConnector3">
+            <a:avLst>
+              <a:gd name="adj1" fmla="val 50000"/>
+            </a:avLst>
+          </a:prstGeom>
+          <a:ln w="38100">
+            <a:solidFill>
+              <a:srgbClr val="7030A0"/>
+            </a:solidFill>
+            <a:tailEnd type="triangle"/>
+          </a:ln>
+        </p:spPr>
+        <p:style>
+          <a:lnRef idx="1">
+            <a:schemeClr val="accent1"/>
+          </a:lnRef>
+          <a:fillRef idx="0">
+            <a:schemeClr val="accent1"/>
+          </a:fillRef>
+          <a:effectRef idx="0">
+            <a:schemeClr val="accent1"/>
+          </a:effectRef>
+          <a:fontRef idx="minor">
+            <a:schemeClr val="tx1"/>
+          </a:fontRef>
+        </p:style>
+      </p:cxnSp>
     </p:spTree>
     <p:extLst>
       <p:ext uri="{BB962C8B-B14F-4D97-AF65-F5344CB8AC3E}">
@@ -5574,6 +5670,297 @@
   <p:clrMapOvr>
     <a:masterClrMapping/>
   </p:clrMapOvr>
+  <p:timing>
+    <p:tnLst>
+      <p:par>
+        <p:cTn id="1" dur="indefinite" restart="never" nodeType="tmRoot">
+          <p:childTnLst>
+            <p:seq concurrent="1" nextAc="seek">
+              <p:cTn id="2" dur="indefinite" nodeType="mainSeq">
+                <p:childTnLst>
+                  <p:par>
+                    <p:cTn id="3" fill="hold">
+                      <p:stCondLst>
+                        <p:cond delay="indefinite"/>
+                      </p:stCondLst>
+                      <p:childTnLst>
+                        <p:par>
+                          <p:cTn id="4" fill="hold">
+                            <p:stCondLst>
+                              <p:cond delay="0"/>
+                            </p:stCondLst>
+                            <p:childTnLst>
+                              <p:par>
+                                <p:cTn id="5" presetID="1" presetClass="exit" presetSubtype="0" fill="hold" nodeType="clickEffect">
+                                  <p:stCondLst>
+                                    <p:cond delay="0"/>
+                                  </p:stCondLst>
+                                  <p:childTnLst>
+                                    <p:set>
+                                      <p:cBhvr>
+                                        <p:cTn id="6" dur="1" fill="hold">
+                                          <p:stCondLst>
+                                            <p:cond delay="0"/>
+                                          </p:stCondLst>
+                                        </p:cTn>
+                                        <p:tgtEl>
+                                          <p:spTgt spid="11"/>
+                                        </p:tgtEl>
+                                        <p:attrNameLst>
+                                          <p:attrName>style.visibility</p:attrName>
+                                        </p:attrNameLst>
+                                      </p:cBhvr>
+                                      <p:to>
+                                        <p:strVal val="hidden"/>
+                                      </p:to>
+                                    </p:set>
+                                  </p:childTnLst>
+                                </p:cTn>
+                              </p:par>
+                              <p:par>
+                                <p:cTn id="7" presetID="1" presetClass="exit" presetSubtype="0" fill="hold" nodeType="withEffect">
+                                  <p:stCondLst>
+                                    <p:cond delay="0"/>
+                                  </p:stCondLst>
+                                  <p:childTnLst>
+                                    <p:set>
+                                      <p:cBhvr>
+                                        <p:cTn id="8" dur="1" fill="hold">
+                                          <p:stCondLst>
+                                            <p:cond delay="0"/>
+                                          </p:stCondLst>
+                                        </p:cTn>
+                                        <p:tgtEl>
+                                          <p:spTgt spid="12"/>
+                                        </p:tgtEl>
+                                        <p:attrNameLst>
+                                          <p:attrName>style.visibility</p:attrName>
+                                        </p:attrNameLst>
+                                      </p:cBhvr>
+                                      <p:to>
+                                        <p:strVal val="hidden"/>
+                                      </p:to>
+                                    </p:set>
+                                  </p:childTnLst>
+                                </p:cTn>
+                              </p:par>
+                              <p:par>
+                                <p:cTn id="9" presetID="1" presetClass="exit" presetSubtype="0" fill="hold" nodeType="withEffect">
+                                  <p:stCondLst>
+                                    <p:cond delay="0"/>
+                                  </p:stCondLst>
+                                  <p:childTnLst>
+                                    <p:set>
+                                      <p:cBhvr>
+                                        <p:cTn id="10" dur="1" fill="hold">
+                                          <p:stCondLst>
+                                            <p:cond delay="0"/>
+                                          </p:stCondLst>
+                                        </p:cTn>
+                                        <p:tgtEl>
+                                          <p:spTgt spid="15"/>
+                                        </p:tgtEl>
+                                        <p:attrNameLst>
+                                          <p:attrName>style.visibility</p:attrName>
+                                        </p:attrNameLst>
+                                      </p:cBhvr>
+                                      <p:to>
+                                        <p:strVal val="hidden"/>
+                                      </p:to>
+                                    </p:set>
+                                  </p:childTnLst>
+                                </p:cTn>
+                              </p:par>
+                              <p:par>
+                                <p:cTn id="11" presetID="1" presetClass="exit" presetSubtype="0" fill="hold" nodeType="withEffect">
+                                  <p:stCondLst>
+                                    <p:cond delay="0"/>
+                                  </p:stCondLst>
+                                  <p:childTnLst>
+                                    <p:set>
+                                      <p:cBhvr>
+                                        <p:cTn id="12" dur="1" fill="hold">
+                                          <p:stCondLst>
+                                            <p:cond delay="0"/>
+                                          </p:stCondLst>
+                                        </p:cTn>
+                                        <p:tgtEl>
+                                          <p:spTgt spid="13"/>
+                                        </p:tgtEl>
+                                        <p:attrNameLst>
+                                          <p:attrName>style.visibility</p:attrName>
+                                        </p:attrNameLst>
+                                      </p:cBhvr>
+                                      <p:to>
+                                        <p:strVal val="hidden"/>
+                                      </p:to>
+                                    </p:set>
+                                  </p:childTnLst>
+                                </p:cTn>
+                              </p:par>
+                              <p:par>
+                                <p:cTn id="13" presetID="1" presetClass="exit" presetSubtype="0" fill="hold" nodeType="withEffect">
+                                  <p:stCondLst>
+                                    <p:cond delay="0"/>
+                                  </p:stCondLst>
+                                  <p:childTnLst>
+                                    <p:set>
+                                      <p:cBhvr>
+                                        <p:cTn id="14" dur="1" fill="hold">
+                                          <p:stCondLst>
+                                            <p:cond delay="0"/>
+                                          </p:stCondLst>
+                                        </p:cTn>
+                                        <p:tgtEl>
+                                          <p:spTgt spid="16"/>
+                                        </p:tgtEl>
+                                        <p:attrNameLst>
+                                          <p:attrName>style.visibility</p:attrName>
+                                        </p:attrNameLst>
+                                      </p:cBhvr>
+                                      <p:to>
+                                        <p:strVal val="hidden"/>
+                                      </p:to>
+                                    </p:set>
+                                  </p:childTnLst>
+                                </p:cTn>
+                              </p:par>
+                              <p:par>
+                                <p:cTn id="15" presetID="1" presetClass="exit" presetSubtype="0" fill="hold" nodeType="withEffect">
+                                  <p:stCondLst>
+                                    <p:cond delay="0"/>
+                                  </p:stCondLst>
+                                  <p:childTnLst>
+                                    <p:set>
+                                      <p:cBhvr>
+                                        <p:cTn id="16" dur="1" fill="hold">
+                                          <p:stCondLst>
+                                            <p:cond delay="0"/>
+                                          </p:stCondLst>
+                                        </p:cTn>
+                                        <p:tgtEl>
+                                          <p:spTgt spid="19"/>
+                                        </p:tgtEl>
+                                        <p:attrNameLst>
+                                          <p:attrName>style.visibility</p:attrName>
+                                        </p:attrNameLst>
+                                      </p:cBhvr>
+                                      <p:to>
+                                        <p:strVal val="hidden"/>
+                                      </p:to>
+                                    </p:set>
+                                  </p:childTnLst>
+                                </p:cTn>
+                              </p:par>
+                              <p:par>
+                                <p:cTn id="17" presetID="1" presetClass="exit" presetSubtype="0" fill="hold" nodeType="withEffect">
+                                  <p:stCondLst>
+                                    <p:cond delay="0"/>
+                                  </p:stCondLst>
+                                  <p:childTnLst>
+                                    <p:set>
+                                      <p:cBhvr>
+                                        <p:cTn id="18" dur="1" fill="hold">
+                                          <p:stCondLst>
+                                            <p:cond delay="0"/>
+                                          </p:stCondLst>
+                                        </p:cTn>
+                                        <p:tgtEl>
+                                          <p:spTgt spid="24"/>
+                                        </p:tgtEl>
+                                        <p:attrNameLst>
+                                          <p:attrName>style.visibility</p:attrName>
+                                        </p:attrNameLst>
+                                      </p:cBhvr>
+                                      <p:to>
+                                        <p:strVal val="hidden"/>
+                                      </p:to>
+                                    </p:set>
+                                  </p:childTnLst>
+                                </p:cTn>
+                              </p:par>
+                              <p:par>
+                                <p:cTn id="19" presetID="1" presetClass="exit" presetSubtype="0" fill="hold" nodeType="withEffect">
+                                  <p:stCondLst>
+                                    <p:cond delay="0"/>
+                                  </p:stCondLst>
+                                  <p:childTnLst>
+                                    <p:set>
+                                      <p:cBhvr>
+                                        <p:cTn id="20" dur="1" fill="hold">
+                                          <p:stCondLst>
+                                            <p:cond delay="0"/>
+                                          </p:stCondLst>
+                                        </p:cTn>
+                                        <p:tgtEl>
+                                          <p:spTgt spid="17"/>
+                                        </p:tgtEl>
+                                        <p:attrNameLst>
+                                          <p:attrName>style.visibility</p:attrName>
+                                        </p:attrNameLst>
+                                      </p:cBhvr>
+                                      <p:to>
+                                        <p:strVal val="hidden"/>
+                                      </p:to>
+                                    </p:set>
+                                  </p:childTnLst>
+                                </p:cTn>
+                              </p:par>
+                              <p:par>
+                                <p:cTn id="21" presetID="1" presetClass="exit" presetSubtype="0" fill="hold" nodeType="withEffect">
+                                  <p:stCondLst>
+                                    <p:cond delay="0"/>
+                                  </p:stCondLst>
+                                  <p:childTnLst>
+                                    <p:set>
+                                      <p:cBhvr>
+                                        <p:cTn id="22" dur="1" fill="hold">
+                                          <p:stCondLst>
+                                            <p:cond delay="0"/>
+                                          </p:stCondLst>
+                                        </p:cTn>
+                                        <p:tgtEl>
+                                          <p:spTgt spid="20"/>
+                                        </p:tgtEl>
+                                        <p:attrNameLst>
+                                          <p:attrName>style.visibility</p:attrName>
+                                        </p:attrNameLst>
+                                      </p:cBhvr>
+                                      <p:to>
+                                        <p:strVal val="hidden"/>
+                                      </p:to>
+                                    </p:set>
+                                  </p:childTnLst>
+                                </p:cTn>
+                              </p:par>
+                            </p:childTnLst>
+                          </p:cTn>
+                        </p:par>
+                      </p:childTnLst>
+                    </p:cTn>
+                  </p:par>
+                </p:childTnLst>
+              </p:cTn>
+              <p:prevCondLst>
+                <p:cond evt="onPrev" delay="0">
+                  <p:tgtEl>
+                    <p:sldTgt/>
+                  </p:tgtEl>
+                </p:cond>
+              </p:prevCondLst>
+              <p:nextCondLst>
+                <p:cond evt="onNext" delay="0">
+                  <p:tgtEl>
+                    <p:sldTgt/>
+                  </p:tgtEl>
+                </p:cond>
+              </p:nextCondLst>
+            </p:seq>
+          </p:childTnLst>
+        </p:cTn>
+      </p:par>
+    </p:tnLst>
+  </p:timing>
 </p:sld>
 </file>
 

--- a/.NET非同步入門.pptx
+++ b/.NET非同步入門.pptx
@@ -19,24 +19,26 @@
     <p:sldId id="260" r:id="rId13"/>
     <p:sldId id="277" r:id="rId14"/>
     <p:sldId id="279" r:id="rId15"/>
-    <p:sldId id="287" r:id="rId16"/>
-    <p:sldId id="278" r:id="rId17"/>
-    <p:sldId id="262" r:id="rId18"/>
-    <p:sldId id="263" r:id="rId19"/>
-    <p:sldId id="269" r:id="rId20"/>
-    <p:sldId id="290" r:id="rId21"/>
-    <p:sldId id="264" r:id="rId22"/>
-    <p:sldId id="265" r:id="rId23"/>
-    <p:sldId id="268" r:id="rId24"/>
-    <p:sldId id="271" r:id="rId25"/>
-    <p:sldId id="285" r:id="rId26"/>
-    <p:sldId id="280" r:id="rId27"/>
-    <p:sldId id="272" r:id="rId28"/>
-    <p:sldId id="286" r:id="rId29"/>
-    <p:sldId id="289" r:id="rId30"/>
-    <p:sldId id="275" r:id="rId31"/>
-    <p:sldId id="273" r:id="rId32"/>
-    <p:sldId id="284" r:id="rId33"/>
+    <p:sldId id="291" r:id="rId16"/>
+    <p:sldId id="287" r:id="rId17"/>
+    <p:sldId id="278" r:id="rId18"/>
+    <p:sldId id="262" r:id="rId19"/>
+    <p:sldId id="263" r:id="rId20"/>
+    <p:sldId id="269" r:id="rId21"/>
+    <p:sldId id="290" r:id="rId22"/>
+    <p:sldId id="264" r:id="rId23"/>
+    <p:sldId id="265" r:id="rId24"/>
+    <p:sldId id="268" r:id="rId25"/>
+    <p:sldId id="271" r:id="rId26"/>
+    <p:sldId id="285" r:id="rId27"/>
+    <p:sldId id="280" r:id="rId28"/>
+    <p:sldId id="272" r:id="rId29"/>
+    <p:sldId id="286" r:id="rId30"/>
+    <p:sldId id="292" r:id="rId31"/>
+    <p:sldId id="289" r:id="rId32"/>
+    <p:sldId id="275" r:id="rId33"/>
+    <p:sldId id="273" r:id="rId34"/>
+    <p:sldId id="284" r:id="rId35"/>
   </p:sldIdLst>
   <p:sldSz cx="12192000" cy="6858000"/>
   <p:notesSz cx="6858000" cy="9144000"/>
@@ -166,6 +168,7 @@
             <p14:sldId id="260"/>
             <p14:sldId id="277"/>
             <p14:sldId id="279"/>
+            <p14:sldId id="291"/>
             <p14:sldId id="287"/>
             <p14:sldId id="278"/>
           </p14:sldIdLst>
@@ -192,6 +195,7 @@
             <p14:sldId id="280"/>
             <p14:sldId id="272"/>
             <p14:sldId id="286"/>
+            <p14:sldId id="292"/>
             <p14:sldId id="289"/>
             <p14:sldId id="275"/>
           </p14:sldIdLst>
@@ -4562,30 +4566,736 @@
               <a:rPr lang="zh-TW" altLang="en-US" dirty="0"/>
               <a:t>非同步運作</a:t>
             </a:r>
-          </a:p>
-        </p:txBody>
-      </p:sp>
-      <p:sp>
-        <p:nvSpPr>
-          <p:cNvPr id="3" name="內容版面配置區 2">
+            <a:r>
+              <a:rPr lang="en-US" altLang="zh-TW" dirty="0"/>
+              <a:t>—</a:t>
+            </a:r>
+            <a:r>
+              <a:rPr lang="zh-TW" altLang="en-US" dirty="0"/>
+              <a:t>同步</a:t>
+            </a:r>
+          </a:p>
+        </p:txBody>
+      </p:sp>
+      <p:sp>
+        <p:nvSpPr>
+          <p:cNvPr id="4" name="矩形 3">
             <a:extLst>
               <a:ext uri="{FF2B5EF4-FFF2-40B4-BE49-F238E27FC236}">
-                <a16:creationId xmlns:a16="http://schemas.microsoft.com/office/drawing/2014/main" id="{1F093A41-DA8D-4A21-8FBB-D655ED468F1A}"/>
+                <a16:creationId xmlns:a16="http://schemas.microsoft.com/office/drawing/2014/main" id="{93B27A1D-AF66-421E-8714-F3A1E15E8619}"/>
               </a:ext>
             </a:extLst>
           </p:cNvPr>
-          <p:cNvSpPr>
-            <a:spLocks noGrp="1"/>
-          </p:cNvSpPr>
-          <p:nvPr>
-            <p:ph idx="1"/>
-          </p:nvPr>
-        </p:nvSpPr>
-        <p:spPr/>
-        <p:txBody>
-          <a:bodyPr/>
+          <p:cNvSpPr/>
+          <p:nvPr/>
+        </p:nvSpPr>
+        <p:spPr>
+          <a:xfrm>
+            <a:off x="1640264" y="1989000"/>
+            <a:ext cx="9332536" cy="1440000"/>
+          </a:xfrm>
+          <a:prstGeom prst="rect">
+            <a:avLst/>
+          </a:prstGeom>
+        </p:spPr>
+        <p:style>
+          <a:lnRef idx="2">
+            <a:schemeClr val="accent1">
+              <a:shade val="50000"/>
+            </a:schemeClr>
+          </a:lnRef>
+          <a:fillRef idx="1">
+            <a:schemeClr val="accent1"/>
+          </a:fillRef>
+          <a:effectRef idx="0">
+            <a:schemeClr val="accent1"/>
+          </a:effectRef>
+          <a:fontRef idx="minor">
+            <a:schemeClr val="lt1"/>
+          </a:fontRef>
+        </p:style>
+        <p:txBody>
+          <a:bodyPr rtlCol="0" anchor="ctr"/>
           <a:lstStyle/>
           <a:p>
+            <a:pPr algn="ctr"/>
+            <a:endParaRPr lang="zh-TW" altLang="en-US" dirty="0"/>
+          </a:p>
+        </p:txBody>
+      </p:sp>
+      <p:sp>
+        <p:nvSpPr>
+          <p:cNvPr id="5" name="矩形 4">
+            <a:extLst>
+              <a:ext uri="{FF2B5EF4-FFF2-40B4-BE49-F238E27FC236}">
+                <a16:creationId xmlns:a16="http://schemas.microsoft.com/office/drawing/2014/main" id="{5542F213-FB22-42A5-AE32-F70216E57F30}"/>
+              </a:ext>
+            </a:extLst>
+          </p:cNvPr>
+          <p:cNvSpPr/>
+          <p:nvPr/>
+        </p:nvSpPr>
+        <p:spPr>
+          <a:xfrm>
+            <a:off x="2287978" y="4117964"/>
+            <a:ext cx="1440000" cy="1440000"/>
+          </a:xfrm>
+          <a:prstGeom prst="rect">
+            <a:avLst/>
+          </a:prstGeom>
+        </p:spPr>
+        <p:style>
+          <a:lnRef idx="2">
+            <a:schemeClr val="accent2">
+              <a:shade val="50000"/>
+            </a:schemeClr>
+          </a:lnRef>
+          <a:fillRef idx="1">
+            <a:schemeClr val="accent2"/>
+          </a:fillRef>
+          <a:effectRef idx="0">
+            <a:schemeClr val="accent2"/>
+          </a:effectRef>
+          <a:fontRef idx="minor">
+            <a:schemeClr val="lt1"/>
+          </a:fontRef>
+        </p:style>
+        <p:txBody>
+          <a:bodyPr rtlCol="0" anchor="ctr"/>
+          <a:lstStyle/>
+          <a:p>
+            <a:pPr algn="ctr"/>
+            <a:endParaRPr lang="en-US" altLang="zh-TW" dirty="0"/>
+          </a:p>
+        </p:txBody>
+      </p:sp>
+      <p:sp>
+        <p:nvSpPr>
+          <p:cNvPr id="6" name="矩形 5">
+            <a:extLst>
+              <a:ext uri="{FF2B5EF4-FFF2-40B4-BE49-F238E27FC236}">
+                <a16:creationId xmlns:a16="http://schemas.microsoft.com/office/drawing/2014/main" id="{DCE613F6-F28B-4E66-A8A3-58C234DB3AF2}"/>
+              </a:ext>
+            </a:extLst>
+          </p:cNvPr>
+          <p:cNvSpPr/>
+          <p:nvPr/>
+        </p:nvSpPr>
+        <p:spPr>
+          <a:xfrm>
+            <a:off x="1772238" y="2169000"/>
+            <a:ext cx="1080000" cy="1080000"/>
+          </a:xfrm>
+          <a:prstGeom prst="rect">
+            <a:avLst/>
+          </a:prstGeom>
+          <a:ln/>
+        </p:spPr>
+        <p:style>
+          <a:lnRef idx="3">
+            <a:schemeClr val="lt1"/>
+          </a:lnRef>
+          <a:fillRef idx="1">
+            <a:schemeClr val="accent5"/>
+          </a:fillRef>
+          <a:effectRef idx="1">
+            <a:schemeClr val="accent5"/>
+          </a:effectRef>
+          <a:fontRef idx="minor">
+            <a:schemeClr val="lt1"/>
+          </a:fontRef>
+        </p:style>
+        <p:txBody>
+          <a:bodyPr rtlCol="0" anchor="ctr"/>
+          <a:lstStyle/>
+          <a:p>
+            <a:pPr algn="ctr"/>
+            <a:r>
+              <a:rPr lang="en-US" altLang="zh-TW" sz="2800" dirty="0"/>
+              <a:t>A</a:t>
+            </a:r>
+            <a:r>
+              <a:rPr lang="en-US" altLang="zh-TW" sz="2000" dirty="0"/>
+              <a:t>*</a:t>
+            </a:r>
+          </a:p>
+        </p:txBody>
+      </p:sp>
+      <p:sp>
+        <p:nvSpPr>
+          <p:cNvPr id="8" name="文字方塊 7">
+            <a:extLst>
+              <a:ext uri="{FF2B5EF4-FFF2-40B4-BE49-F238E27FC236}">
+                <a16:creationId xmlns:a16="http://schemas.microsoft.com/office/drawing/2014/main" id="{60C25B3E-BC71-4637-B961-828CB6D5A7A8}"/>
+              </a:ext>
+            </a:extLst>
+          </p:cNvPr>
+          <p:cNvSpPr txBox="1"/>
+          <p:nvPr/>
+        </p:nvSpPr>
+        <p:spPr>
+          <a:xfrm>
+            <a:off x="7981122" y="1428750"/>
+            <a:ext cx="1997765" cy="461665"/>
+          </a:xfrm>
+          <a:prstGeom prst="rect">
+            <a:avLst/>
+          </a:prstGeom>
+          <a:noFill/>
+        </p:spPr>
+        <p:txBody>
+          <a:bodyPr wrap="square" rtlCol="0">
+            <a:spAutoFit/>
+          </a:bodyPr>
+          <a:lstStyle/>
+          <a:p>
+            <a:pPr algn="ctr"/>
+            <a:r>
+              <a:rPr lang="en-US" altLang="zh-TW" sz="2400" dirty="0"/>
+              <a:t>Task Queue</a:t>
+            </a:r>
+          </a:p>
+        </p:txBody>
+      </p:sp>
+      <p:sp>
+        <p:nvSpPr>
+          <p:cNvPr id="9" name="文字方塊 8">
+            <a:extLst>
+              <a:ext uri="{FF2B5EF4-FFF2-40B4-BE49-F238E27FC236}">
+                <a16:creationId xmlns:a16="http://schemas.microsoft.com/office/drawing/2014/main" id="{141F2BEC-EB51-4A92-93B3-EE82E86ED5AE}"/>
+              </a:ext>
+            </a:extLst>
+          </p:cNvPr>
+          <p:cNvSpPr txBox="1"/>
+          <p:nvPr/>
+        </p:nvSpPr>
+        <p:spPr>
+          <a:xfrm>
+            <a:off x="2287978" y="5557964"/>
+            <a:ext cx="1440000" cy="400110"/>
+          </a:xfrm>
+          <a:prstGeom prst="rect">
+            <a:avLst/>
+          </a:prstGeom>
+          <a:noFill/>
+        </p:spPr>
+        <p:txBody>
+          <a:bodyPr wrap="square" rtlCol="0">
+            <a:spAutoFit/>
+          </a:bodyPr>
+          <a:lstStyle/>
+          <a:p>
+            <a:pPr algn="ctr"/>
+            <a:r>
+              <a:rPr lang="en-US" altLang="zh-TW" sz="2000" dirty="0"/>
+              <a:t>Thread 1</a:t>
+            </a:r>
+          </a:p>
+        </p:txBody>
+      </p:sp>
+      <p:sp>
+        <p:nvSpPr>
+          <p:cNvPr id="10" name="矩形 9">
+            <a:extLst>
+              <a:ext uri="{FF2B5EF4-FFF2-40B4-BE49-F238E27FC236}">
+                <a16:creationId xmlns:a16="http://schemas.microsoft.com/office/drawing/2014/main" id="{697635DA-AF52-4F40-AC7A-30E8BDBF43DC}"/>
+              </a:ext>
+            </a:extLst>
+          </p:cNvPr>
+          <p:cNvSpPr/>
+          <p:nvPr/>
+        </p:nvSpPr>
+        <p:spPr>
+          <a:xfrm>
+            <a:off x="5376000" y="4117964"/>
+            <a:ext cx="1440000" cy="1440000"/>
+          </a:xfrm>
+          <a:prstGeom prst="rect">
+            <a:avLst/>
+          </a:prstGeom>
+        </p:spPr>
+        <p:style>
+          <a:lnRef idx="2">
+            <a:schemeClr val="accent2">
+              <a:shade val="50000"/>
+            </a:schemeClr>
+          </a:lnRef>
+          <a:fillRef idx="1">
+            <a:schemeClr val="accent2"/>
+          </a:fillRef>
+          <a:effectRef idx="0">
+            <a:schemeClr val="accent2"/>
+          </a:effectRef>
+          <a:fontRef idx="minor">
+            <a:schemeClr val="lt1"/>
+          </a:fontRef>
+        </p:style>
+        <p:txBody>
+          <a:bodyPr rtlCol="0" anchor="ctr"/>
+          <a:lstStyle/>
+          <a:p>
+            <a:pPr algn="ctr"/>
+            <a:endParaRPr lang="en-US" altLang="zh-TW" dirty="0"/>
+          </a:p>
+        </p:txBody>
+      </p:sp>
+      <p:sp>
+        <p:nvSpPr>
+          <p:cNvPr id="11" name="文字方塊 10">
+            <a:extLst>
+              <a:ext uri="{FF2B5EF4-FFF2-40B4-BE49-F238E27FC236}">
+                <a16:creationId xmlns:a16="http://schemas.microsoft.com/office/drawing/2014/main" id="{D07403C8-6CEA-469A-B0CA-29229C476B2D}"/>
+              </a:ext>
+            </a:extLst>
+          </p:cNvPr>
+          <p:cNvSpPr txBox="1"/>
+          <p:nvPr/>
+        </p:nvSpPr>
+        <p:spPr>
+          <a:xfrm>
+            <a:off x="5376000" y="5557964"/>
+            <a:ext cx="1440000" cy="400110"/>
+          </a:xfrm>
+          <a:prstGeom prst="rect">
+            <a:avLst/>
+          </a:prstGeom>
+          <a:noFill/>
+        </p:spPr>
+        <p:txBody>
+          <a:bodyPr wrap="square" rtlCol="0">
+            <a:spAutoFit/>
+          </a:bodyPr>
+          <a:lstStyle/>
+          <a:p>
+            <a:pPr algn="ctr"/>
+            <a:r>
+              <a:rPr lang="en-US" altLang="zh-TW" sz="2000" dirty="0"/>
+              <a:t>Thread 2</a:t>
+            </a:r>
+          </a:p>
+        </p:txBody>
+      </p:sp>
+      <p:sp>
+        <p:nvSpPr>
+          <p:cNvPr id="12" name="矩形 11">
+            <a:extLst>
+              <a:ext uri="{FF2B5EF4-FFF2-40B4-BE49-F238E27FC236}">
+                <a16:creationId xmlns:a16="http://schemas.microsoft.com/office/drawing/2014/main" id="{657FFF84-3C70-4B18-9ADB-DC7C0970472A}"/>
+              </a:ext>
+            </a:extLst>
+          </p:cNvPr>
+          <p:cNvSpPr/>
+          <p:nvPr/>
+        </p:nvSpPr>
+        <p:spPr>
+          <a:xfrm>
+            <a:off x="8354161" y="4117964"/>
+            <a:ext cx="1440000" cy="1440000"/>
+          </a:xfrm>
+          <a:prstGeom prst="rect">
+            <a:avLst/>
+          </a:prstGeom>
+        </p:spPr>
+        <p:style>
+          <a:lnRef idx="2">
+            <a:schemeClr val="accent2">
+              <a:shade val="50000"/>
+            </a:schemeClr>
+          </a:lnRef>
+          <a:fillRef idx="1">
+            <a:schemeClr val="accent2"/>
+          </a:fillRef>
+          <a:effectRef idx="0">
+            <a:schemeClr val="accent2"/>
+          </a:effectRef>
+          <a:fontRef idx="minor">
+            <a:schemeClr val="lt1"/>
+          </a:fontRef>
+        </p:style>
+        <p:txBody>
+          <a:bodyPr rtlCol="0" anchor="ctr"/>
+          <a:lstStyle/>
+          <a:p>
+            <a:pPr algn="ctr"/>
+            <a:endParaRPr lang="en-US" altLang="zh-TW" dirty="0"/>
+          </a:p>
+        </p:txBody>
+      </p:sp>
+      <p:sp>
+        <p:nvSpPr>
+          <p:cNvPr id="13" name="文字方塊 12">
+            <a:extLst>
+              <a:ext uri="{FF2B5EF4-FFF2-40B4-BE49-F238E27FC236}">
+                <a16:creationId xmlns:a16="http://schemas.microsoft.com/office/drawing/2014/main" id="{C61C40C2-3BD9-40EE-BCD6-A114098A21D2}"/>
+              </a:ext>
+            </a:extLst>
+          </p:cNvPr>
+          <p:cNvSpPr txBox="1"/>
+          <p:nvPr/>
+        </p:nvSpPr>
+        <p:spPr>
+          <a:xfrm>
+            <a:off x="8354161" y="5557964"/>
+            <a:ext cx="1440000" cy="400110"/>
+          </a:xfrm>
+          <a:prstGeom prst="rect">
+            <a:avLst/>
+          </a:prstGeom>
+          <a:noFill/>
+        </p:spPr>
+        <p:txBody>
+          <a:bodyPr wrap="square" rtlCol="0">
+            <a:spAutoFit/>
+          </a:bodyPr>
+          <a:lstStyle/>
+          <a:p>
+            <a:pPr algn="ctr"/>
+            <a:r>
+              <a:rPr lang="en-US" altLang="zh-TW" sz="2000" dirty="0"/>
+              <a:t>Thread 3</a:t>
+            </a:r>
+          </a:p>
+        </p:txBody>
+      </p:sp>
+      <p:sp>
+        <p:nvSpPr>
+          <p:cNvPr id="14" name="矩形 13">
+            <a:extLst>
+              <a:ext uri="{FF2B5EF4-FFF2-40B4-BE49-F238E27FC236}">
+                <a16:creationId xmlns:a16="http://schemas.microsoft.com/office/drawing/2014/main" id="{769177C8-BCFC-48C6-8EA0-50C95BEC4565}"/>
+              </a:ext>
+            </a:extLst>
+          </p:cNvPr>
+          <p:cNvSpPr/>
+          <p:nvPr/>
+        </p:nvSpPr>
+        <p:spPr>
+          <a:xfrm>
+            <a:off x="2984212" y="2169000"/>
+            <a:ext cx="1080000" cy="1080000"/>
+          </a:xfrm>
+          <a:prstGeom prst="rect">
+            <a:avLst/>
+          </a:prstGeom>
+          <a:ln/>
+        </p:spPr>
+        <p:style>
+          <a:lnRef idx="3">
+            <a:schemeClr val="lt1"/>
+          </a:lnRef>
+          <a:fillRef idx="1">
+            <a:schemeClr val="accent5"/>
+          </a:fillRef>
+          <a:effectRef idx="1">
+            <a:schemeClr val="accent5"/>
+          </a:effectRef>
+          <a:fontRef idx="minor">
+            <a:schemeClr val="lt1"/>
+          </a:fontRef>
+        </p:style>
+        <p:txBody>
+          <a:bodyPr rtlCol="0" anchor="ctr"/>
+          <a:lstStyle/>
+          <a:p>
+            <a:pPr algn="ctr"/>
+            <a:r>
+              <a:rPr lang="en-US" altLang="zh-TW" sz="2800" dirty="0"/>
+              <a:t>B</a:t>
+            </a:r>
+          </a:p>
+        </p:txBody>
+      </p:sp>
+      <p:sp>
+        <p:nvSpPr>
+          <p:cNvPr id="15" name="矩形 14">
+            <a:extLst>
+              <a:ext uri="{FF2B5EF4-FFF2-40B4-BE49-F238E27FC236}">
+                <a16:creationId xmlns:a16="http://schemas.microsoft.com/office/drawing/2014/main" id="{B5778759-51CA-40B4-92A8-D7F296F560E2}"/>
+              </a:ext>
+            </a:extLst>
+          </p:cNvPr>
+          <p:cNvSpPr/>
+          <p:nvPr/>
+        </p:nvSpPr>
+        <p:spPr>
+          <a:xfrm>
+            <a:off x="4196186" y="2169000"/>
+            <a:ext cx="1080000" cy="1080000"/>
+          </a:xfrm>
+          <a:prstGeom prst="rect">
+            <a:avLst/>
+          </a:prstGeom>
+          <a:ln/>
+        </p:spPr>
+        <p:style>
+          <a:lnRef idx="3">
+            <a:schemeClr val="lt1"/>
+          </a:lnRef>
+          <a:fillRef idx="1">
+            <a:schemeClr val="accent5"/>
+          </a:fillRef>
+          <a:effectRef idx="1">
+            <a:schemeClr val="accent5"/>
+          </a:effectRef>
+          <a:fontRef idx="minor">
+            <a:schemeClr val="lt1"/>
+          </a:fontRef>
+        </p:style>
+        <p:txBody>
+          <a:bodyPr rtlCol="0" anchor="ctr"/>
+          <a:lstStyle/>
+          <a:p>
+            <a:pPr algn="ctr"/>
+            <a:r>
+              <a:rPr lang="en-US" altLang="zh-TW" sz="2800" dirty="0"/>
+              <a:t>C</a:t>
+            </a:r>
+            <a:r>
+              <a:rPr lang="en-US" altLang="zh-TW" sz="2000" dirty="0">
+                <a:solidFill>
+                  <a:prstClr val="white"/>
+                </a:solidFill>
+              </a:rPr>
+              <a:t>*</a:t>
+            </a:r>
+            <a:endParaRPr lang="en-US" altLang="zh-TW" sz="2800" dirty="0"/>
+          </a:p>
+        </p:txBody>
+      </p:sp>
+      <p:sp>
+        <p:nvSpPr>
+          <p:cNvPr id="16" name="矩形 15">
+            <a:extLst>
+              <a:ext uri="{FF2B5EF4-FFF2-40B4-BE49-F238E27FC236}">
+                <a16:creationId xmlns:a16="http://schemas.microsoft.com/office/drawing/2014/main" id="{A23C8E19-6F15-4381-B9B2-EFB440946773}"/>
+              </a:ext>
+            </a:extLst>
+          </p:cNvPr>
+          <p:cNvSpPr/>
+          <p:nvPr/>
+        </p:nvSpPr>
+        <p:spPr>
+          <a:xfrm>
+            <a:off x="5376000" y="2169000"/>
+            <a:ext cx="1080000" cy="1080000"/>
+          </a:xfrm>
+          <a:prstGeom prst="rect">
+            <a:avLst/>
+          </a:prstGeom>
+          <a:ln/>
+        </p:spPr>
+        <p:style>
+          <a:lnRef idx="3">
+            <a:schemeClr val="lt1"/>
+          </a:lnRef>
+          <a:fillRef idx="1">
+            <a:schemeClr val="accent5"/>
+          </a:fillRef>
+          <a:effectRef idx="1">
+            <a:schemeClr val="accent5"/>
+          </a:effectRef>
+          <a:fontRef idx="minor">
+            <a:schemeClr val="lt1"/>
+          </a:fontRef>
+        </p:style>
+        <p:txBody>
+          <a:bodyPr rtlCol="0" anchor="ctr"/>
+          <a:lstStyle/>
+          <a:p>
+            <a:pPr algn="ctr"/>
+            <a:r>
+              <a:rPr lang="en-US" altLang="zh-TW" sz="2800" dirty="0"/>
+              <a:t>D</a:t>
+            </a:r>
+          </a:p>
+        </p:txBody>
+      </p:sp>
+      <p:sp>
+        <p:nvSpPr>
+          <p:cNvPr id="17" name="矩形 16">
+            <a:extLst>
+              <a:ext uri="{FF2B5EF4-FFF2-40B4-BE49-F238E27FC236}">
+                <a16:creationId xmlns:a16="http://schemas.microsoft.com/office/drawing/2014/main" id="{C6AB5CE8-9AD3-447C-9011-352953C17104}"/>
+              </a:ext>
+            </a:extLst>
+          </p:cNvPr>
+          <p:cNvSpPr/>
+          <p:nvPr/>
+        </p:nvSpPr>
+        <p:spPr>
+          <a:xfrm>
+            <a:off x="6555814" y="2169000"/>
+            <a:ext cx="1080000" cy="1080000"/>
+          </a:xfrm>
+          <a:prstGeom prst="rect">
+            <a:avLst/>
+          </a:prstGeom>
+          <a:ln/>
+        </p:spPr>
+        <p:style>
+          <a:lnRef idx="3">
+            <a:schemeClr val="lt1"/>
+          </a:lnRef>
+          <a:fillRef idx="1">
+            <a:schemeClr val="accent5"/>
+          </a:fillRef>
+          <a:effectRef idx="1">
+            <a:schemeClr val="accent5"/>
+          </a:effectRef>
+          <a:fontRef idx="minor">
+            <a:schemeClr val="lt1"/>
+          </a:fontRef>
+        </p:style>
+        <p:txBody>
+          <a:bodyPr rtlCol="0" anchor="ctr"/>
+          <a:lstStyle/>
+          <a:p>
+            <a:pPr algn="ctr"/>
+            <a:r>
+              <a:rPr lang="en-US" altLang="zh-TW" sz="2800" dirty="0"/>
+              <a:t>E</a:t>
+            </a:r>
+          </a:p>
+        </p:txBody>
+      </p:sp>
+      <p:sp>
+        <p:nvSpPr>
+          <p:cNvPr id="18" name="圓柱形 17">
+            <a:extLst>
+              <a:ext uri="{FF2B5EF4-FFF2-40B4-BE49-F238E27FC236}">
+                <a16:creationId xmlns:a16="http://schemas.microsoft.com/office/drawing/2014/main" id="{C69685C9-8349-4F2C-9E43-AF1E9D8A8161}"/>
+              </a:ext>
+            </a:extLst>
+          </p:cNvPr>
+          <p:cNvSpPr/>
+          <p:nvPr/>
+        </p:nvSpPr>
+        <p:spPr>
+          <a:xfrm>
+            <a:off x="1008668" y="4025245"/>
+            <a:ext cx="763570" cy="1253765"/>
+          </a:xfrm>
+          <a:prstGeom prst="can">
+            <a:avLst/>
+          </a:prstGeom>
+        </p:spPr>
+        <p:style>
+          <a:lnRef idx="2">
+            <a:schemeClr val="accent3">
+              <a:shade val="50000"/>
+            </a:schemeClr>
+          </a:lnRef>
+          <a:fillRef idx="1">
+            <a:schemeClr val="accent3"/>
+          </a:fillRef>
+          <a:effectRef idx="0">
+            <a:schemeClr val="accent3"/>
+          </a:effectRef>
+          <a:fontRef idx="minor">
+            <a:schemeClr val="lt1"/>
+          </a:fontRef>
+        </p:style>
+        <p:txBody>
+          <a:bodyPr rtlCol="0" anchor="ctr"/>
+          <a:lstStyle/>
+          <a:p>
+            <a:pPr algn="ctr"/>
+            <a:r>
+              <a:rPr lang="en-US" altLang="zh-TW" dirty="0"/>
+              <a:t>DB</a:t>
+            </a:r>
+            <a:endParaRPr lang="zh-TW" altLang="en-US" dirty="0"/>
+          </a:p>
+        </p:txBody>
+      </p:sp>
+      <p:sp>
+        <p:nvSpPr>
+          <p:cNvPr id="19" name="箭號: 向左 18">
+            <a:extLst>
+              <a:ext uri="{FF2B5EF4-FFF2-40B4-BE49-F238E27FC236}">
+                <a16:creationId xmlns:a16="http://schemas.microsoft.com/office/drawing/2014/main" id="{2D9C80A0-E09B-44FB-A36B-4E4D2C3D78E5}"/>
+              </a:ext>
+            </a:extLst>
+          </p:cNvPr>
+          <p:cNvSpPr/>
+          <p:nvPr/>
+        </p:nvSpPr>
+        <p:spPr>
+          <a:xfrm>
+            <a:off x="1772238" y="4689000"/>
+            <a:ext cx="688158" cy="175231"/>
+          </a:xfrm>
+          <a:prstGeom prst="leftArrow">
+            <a:avLst/>
+          </a:prstGeom>
+        </p:spPr>
+        <p:style>
+          <a:lnRef idx="2">
+            <a:schemeClr val="accent1">
+              <a:shade val="50000"/>
+            </a:schemeClr>
+          </a:lnRef>
+          <a:fillRef idx="1">
+            <a:schemeClr val="accent1"/>
+          </a:fillRef>
+          <a:effectRef idx="0">
+            <a:schemeClr val="accent1"/>
+          </a:effectRef>
+          <a:fontRef idx="minor">
+            <a:schemeClr val="lt1"/>
+          </a:fontRef>
+        </p:style>
+        <p:txBody>
+          <a:bodyPr rtlCol="0" anchor="ctr"/>
+          <a:lstStyle/>
+          <a:p>
+            <a:pPr algn="ctr"/>
+            <a:endParaRPr lang="zh-TW" altLang="en-US"/>
+          </a:p>
+        </p:txBody>
+      </p:sp>
+      <p:sp>
+        <p:nvSpPr>
+          <p:cNvPr id="20" name="箭號: 向左 19">
+            <a:extLst>
+              <a:ext uri="{FF2B5EF4-FFF2-40B4-BE49-F238E27FC236}">
+                <a16:creationId xmlns:a16="http://schemas.microsoft.com/office/drawing/2014/main" id="{E5ED56B1-BAF0-4943-B4F5-174C6FF8F42A}"/>
+              </a:ext>
+            </a:extLst>
+          </p:cNvPr>
+          <p:cNvSpPr/>
+          <p:nvPr/>
+        </p:nvSpPr>
+        <p:spPr>
+          <a:xfrm>
+            <a:off x="1772238" y="4318250"/>
+            <a:ext cx="6691784" cy="175231"/>
+          </a:xfrm>
+          <a:prstGeom prst="leftArrow">
+            <a:avLst/>
+          </a:prstGeom>
+        </p:spPr>
+        <p:style>
+          <a:lnRef idx="2">
+            <a:schemeClr val="accent1">
+              <a:shade val="50000"/>
+            </a:schemeClr>
+          </a:lnRef>
+          <a:fillRef idx="1">
+            <a:schemeClr val="accent1"/>
+          </a:fillRef>
+          <a:effectRef idx="0">
+            <a:schemeClr val="accent1"/>
+          </a:effectRef>
+          <a:fontRef idx="minor">
+            <a:schemeClr val="lt1"/>
+          </a:fontRef>
+        </p:style>
+        <p:txBody>
+          <a:bodyPr rtlCol="0" anchor="ctr"/>
+          <a:lstStyle/>
+          <a:p>
+            <a:pPr algn="ctr"/>
             <a:endParaRPr lang="zh-TW" altLang="en-US"/>
           </a:p>
         </p:txBody>
@@ -4600,6 +5310,790 @@
   <p:clrMapOvr>
     <a:masterClrMapping/>
   </p:clrMapOvr>
+  <p:timing>
+    <p:tnLst>
+      <p:par>
+        <p:cTn id="1" dur="indefinite" restart="never" nodeType="tmRoot">
+          <p:childTnLst>
+            <p:seq concurrent="1" nextAc="seek">
+              <p:cTn id="2" dur="indefinite" nodeType="mainSeq">
+                <p:childTnLst>
+                  <p:par>
+                    <p:cTn id="3" fill="hold">
+                      <p:stCondLst>
+                        <p:cond delay="indefinite"/>
+                        <p:cond evt="onBegin" delay="0">
+                          <p:tn val="2"/>
+                        </p:cond>
+                      </p:stCondLst>
+                      <p:childTnLst>
+                        <p:par>
+                          <p:cTn id="4" fill="hold">
+                            <p:stCondLst>
+                              <p:cond delay="0"/>
+                            </p:stCondLst>
+                            <p:childTnLst>
+                              <p:par>
+                                <p:cTn id="5" presetID="1" presetClass="exit" presetSubtype="0" fill="hold" grpId="0" nodeType="withEffect">
+                                  <p:stCondLst>
+                                    <p:cond delay="0"/>
+                                  </p:stCondLst>
+                                  <p:childTnLst>
+                                    <p:set>
+                                      <p:cBhvr>
+                                        <p:cTn id="6" dur="1" fill="hold">
+                                          <p:stCondLst>
+                                            <p:cond delay="0"/>
+                                          </p:stCondLst>
+                                        </p:cTn>
+                                        <p:tgtEl>
+                                          <p:spTgt spid="19"/>
+                                        </p:tgtEl>
+                                        <p:attrNameLst>
+                                          <p:attrName>style.visibility</p:attrName>
+                                        </p:attrNameLst>
+                                      </p:cBhvr>
+                                      <p:to>
+                                        <p:strVal val="hidden"/>
+                                      </p:to>
+                                    </p:set>
+                                  </p:childTnLst>
+                                </p:cTn>
+                              </p:par>
+                              <p:par>
+                                <p:cTn id="7" presetID="1" presetClass="exit" presetSubtype="0" fill="hold" grpId="0" nodeType="withEffect">
+                                  <p:stCondLst>
+                                    <p:cond delay="0"/>
+                                  </p:stCondLst>
+                                  <p:childTnLst>
+                                    <p:set>
+                                      <p:cBhvr>
+                                        <p:cTn id="8" dur="1" fill="hold">
+                                          <p:stCondLst>
+                                            <p:cond delay="0"/>
+                                          </p:stCondLst>
+                                        </p:cTn>
+                                        <p:tgtEl>
+                                          <p:spTgt spid="18"/>
+                                        </p:tgtEl>
+                                        <p:attrNameLst>
+                                          <p:attrName>style.visibility</p:attrName>
+                                        </p:attrNameLst>
+                                      </p:cBhvr>
+                                      <p:to>
+                                        <p:strVal val="hidden"/>
+                                      </p:to>
+                                    </p:set>
+                                  </p:childTnLst>
+                                </p:cTn>
+                              </p:par>
+                              <p:par>
+                                <p:cTn id="9" presetID="1" presetClass="exit" presetSubtype="0" fill="hold" grpId="0" nodeType="withEffect">
+                                  <p:stCondLst>
+                                    <p:cond delay="0"/>
+                                  </p:stCondLst>
+                                  <p:childTnLst>
+                                    <p:set>
+                                      <p:cBhvr>
+                                        <p:cTn id="10" dur="1" fill="hold">
+                                          <p:stCondLst>
+                                            <p:cond delay="0"/>
+                                          </p:stCondLst>
+                                        </p:cTn>
+                                        <p:tgtEl>
+                                          <p:spTgt spid="20"/>
+                                        </p:tgtEl>
+                                        <p:attrNameLst>
+                                          <p:attrName>style.visibility</p:attrName>
+                                        </p:attrNameLst>
+                                      </p:cBhvr>
+                                      <p:to>
+                                        <p:strVal val="hidden"/>
+                                      </p:to>
+                                    </p:set>
+                                  </p:childTnLst>
+                                </p:cTn>
+                              </p:par>
+                            </p:childTnLst>
+                          </p:cTn>
+                        </p:par>
+                      </p:childTnLst>
+                    </p:cTn>
+                  </p:par>
+                  <p:par>
+                    <p:cTn id="11" fill="hold">
+                      <p:stCondLst>
+                        <p:cond delay="indefinite"/>
+                      </p:stCondLst>
+                      <p:childTnLst>
+                        <p:par>
+                          <p:cTn id="12" fill="hold">
+                            <p:stCondLst>
+                              <p:cond delay="0"/>
+                            </p:stCondLst>
+                            <p:childTnLst>
+                              <p:par>
+                                <p:cTn id="13" presetID="42" presetClass="path" presetSubtype="0" accel="50000" decel="50000" fill="hold" grpId="0" nodeType="clickEffect">
+                                  <p:stCondLst>
+                                    <p:cond delay="0"/>
+                                  </p:stCondLst>
+                                  <p:childTnLst>
+                                    <p:animMotion origin="layout" path="M -3.33333E-6 2.59259E-6 L 0.05521 0.31504 " pathEditMode="relative" rAng="0" ptsTypes="AA">
+                                      <p:cBhvr>
+                                        <p:cTn id="14" dur="500" fill="hold"/>
+                                        <p:tgtEl>
+                                          <p:spTgt spid="6"/>
+                                        </p:tgtEl>
+                                        <p:attrNameLst>
+                                          <p:attrName>ppt_x</p:attrName>
+                                          <p:attrName>ppt_y</p:attrName>
+                                        </p:attrNameLst>
+                                      </p:cBhvr>
+                                      <p:rCtr x="2760" y="15741"/>
+                                    </p:animMotion>
+                                  </p:childTnLst>
+                                </p:cTn>
+                              </p:par>
+                            </p:childTnLst>
+                          </p:cTn>
+                        </p:par>
+                        <p:par>
+                          <p:cTn id="15" fill="hold">
+                            <p:stCondLst>
+                              <p:cond delay="500"/>
+                            </p:stCondLst>
+                            <p:childTnLst>
+                              <p:par>
+                                <p:cTn id="16" presetID="42" presetClass="path" presetSubtype="0" accel="50000" decel="50000" fill="hold" grpId="0" nodeType="afterEffect">
+                                  <p:stCondLst>
+                                    <p:cond delay="0"/>
+                                  </p:stCondLst>
+                                  <p:childTnLst>
+                                    <p:animMotion origin="layout" path="M -2.5E-6 2.59259E-6 L 0.21094 0.31504 " pathEditMode="relative" rAng="0" ptsTypes="AA">
+                                      <p:cBhvr>
+                                        <p:cTn id="17" dur="500" fill="hold"/>
+                                        <p:tgtEl>
+                                          <p:spTgt spid="14"/>
+                                        </p:tgtEl>
+                                        <p:attrNameLst>
+                                          <p:attrName>ppt_x</p:attrName>
+                                          <p:attrName>ppt_y</p:attrName>
+                                        </p:attrNameLst>
+                                      </p:cBhvr>
+                                      <p:rCtr x="10547" y="15741"/>
+                                    </p:animMotion>
+                                  </p:childTnLst>
+                                </p:cTn>
+                              </p:par>
+                            </p:childTnLst>
+                          </p:cTn>
+                        </p:par>
+                        <p:par>
+                          <p:cTn id="18" fill="hold">
+                            <p:stCondLst>
+                              <p:cond delay="1000"/>
+                            </p:stCondLst>
+                            <p:childTnLst>
+                              <p:par>
+                                <p:cTn id="19" presetID="42" presetClass="path" presetSubtype="0" accel="50000" decel="50000" fill="hold" grpId="0" nodeType="afterEffect">
+                                  <p:stCondLst>
+                                    <p:cond delay="0"/>
+                                  </p:stCondLst>
+                                  <p:childTnLst>
+                                    <p:animMotion origin="layout" path="M -1.45833E-6 2.59259E-6 L 0.35768 0.31504 " pathEditMode="relative" rAng="0" ptsTypes="AA">
+                                      <p:cBhvr>
+                                        <p:cTn id="20" dur="500" fill="hold"/>
+                                        <p:tgtEl>
+                                          <p:spTgt spid="15"/>
+                                        </p:tgtEl>
+                                        <p:attrNameLst>
+                                          <p:attrName>ppt_x</p:attrName>
+                                          <p:attrName>ppt_y</p:attrName>
+                                        </p:attrNameLst>
+                                      </p:cBhvr>
+                                      <p:rCtr x="17878" y="15741"/>
+                                    </p:animMotion>
+                                  </p:childTnLst>
+                                </p:cTn>
+                              </p:par>
+                            </p:childTnLst>
+                          </p:cTn>
+                        </p:par>
+                        <p:par>
+                          <p:cTn id="21" fill="hold">
+                            <p:stCondLst>
+                              <p:cond delay="1500"/>
+                            </p:stCondLst>
+                            <p:childTnLst>
+                              <p:par>
+                                <p:cTn id="22" presetID="42" presetClass="path" presetSubtype="0" accel="50000" decel="50000" fill="hold" grpId="0" nodeType="afterEffect">
+                                  <p:stCondLst>
+                                    <p:cond delay="0"/>
+                                  </p:stCondLst>
+                                  <p:childTnLst>
+                                    <p:animMotion origin="layout" path="M 3.75E-6 2.59259E-6 L -0.29557 -4.44444E-6 " pathEditMode="relative" rAng="0" ptsTypes="AA">
+                                      <p:cBhvr>
+                                        <p:cTn id="23" dur="500" fill="hold"/>
+                                        <p:tgtEl>
+                                          <p:spTgt spid="16"/>
+                                        </p:tgtEl>
+                                        <p:attrNameLst>
+                                          <p:attrName>ppt_x</p:attrName>
+                                          <p:attrName>ppt_y</p:attrName>
+                                        </p:attrNameLst>
+                                      </p:cBhvr>
+                                      <p:rCtr x="-14714" y="-23"/>
+                                    </p:animMotion>
+                                  </p:childTnLst>
+                                </p:cTn>
+                              </p:par>
+                              <p:par>
+                                <p:cTn id="24" presetID="42" presetClass="path" presetSubtype="0" accel="50000" decel="50000" fill="hold" grpId="0" nodeType="withEffect">
+                                  <p:stCondLst>
+                                    <p:cond delay="0"/>
+                                  </p:stCondLst>
+                                  <p:childTnLst>
+                                    <p:animMotion origin="layout" path="M -1.25E-6 2.59259E-6 L -0.29297 -3.33333E-6 " pathEditMode="relative" rAng="0" ptsTypes="AA">
+                                      <p:cBhvr>
+                                        <p:cTn id="25" dur="500" fill="hold"/>
+                                        <p:tgtEl>
+                                          <p:spTgt spid="17"/>
+                                        </p:tgtEl>
+                                        <p:attrNameLst>
+                                          <p:attrName>ppt_x</p:attrName>
+                                          <p:attrName>ppt_y</p:attrName>
+                                        </p:attrNameLst>
+                                      </p:cBhvr>
+                                      <p:rCtr x="-14609" y="46"/>
+                                    </p:animMotion>
+                                  </p:childTnLst>
+                                </p:cTn>
+                              </p:par>
+                            </p:childTnLst>
+                          </p:cTn>
+                        </p:par>
+                      </p:childTnLst>
+                    </p:cTn>
+                  </p:par>
+                  <p:par>
+                    <p:cTn id="26" fill="hold">
+                      <p:stCondLst>
+                        <p:cond delay="indefinite"/>
+                      </p:stCondLst>
+                      <p:childTnLst>
+                        <p:par>
+                          <p:cTn id="27" fill="hold">
+                            <p:stCondLst>
+                              <p:cond delay="0"/>
+                            </p:stCondLst>
+                            <p:childTnLst>
+                              <p:par>
+                                <p:cTn id="28" presetID="1" presetClass="entr" presetSubtype="0" fill="hold" grpId="1" nodeType="clickEffect">
+                                  <p:stCondLst>
+                                    <p:cond delay="0"/>
+                                  </p:stCondLst>
+                                  <p:childTnLst>
+                                    <p:set>
+                                      <p:cBhvr>
+                                        <p:cTn id="29" dur="1" fill="hold">
+                                          <p:stCondLst>
+                                            <p:cond delay="0"/>
+                                          </p:stCondLst>
+                                        </p:cTn>
+                                        <p:tgtEl>
+                                          <p:spTgt spid="19"/>
+                                        </p:tgtEl>
+                                        <p:attrNameLst>
+                                          <p:attrName>style.visibility</p:attrName>
+                                        </p:attrNameLst>
+                                      </p:cBhvr>
+                                      <p:to>
+                                        <p:strVal val="visible"/>
+                                      </p:to>
+                                    </p:set>
+                                  </p:childTnLst>
+                                </p:cTn>
+                              </p:par>
+                              <p:par>
+                                <p:cTn id="30" presetID="1" presetClass="entr" presetSubtype="0" fill="hold" grpId="1" nodeType="withEffect">
+                                  <p:stCondLst>
+                                    <p:cond delay="0"/>
+                                  </p:stCondLst>
+                                  <p:childTnLst>
+                                    <p:set>
+                                      <p:cBhvr>
+                                        <p:cTn id="31" dur="1" fill="hold">
+                                          <p:stCondLst>
+                                            <p:cond delay="0"/>
+                                          </p:stCondLst>
+                                        </p:cTn>
+                                        <p:tgtEl>
+                                          <p:spTgt spid="18"/>
+                                        </p:tgtEl>
+                                        <p:attrNameLst>
+                                          <p:attrName>style.visibility</p:attrName>
+                                        </p:attrNameLst>
+                                      </p:cBhvr>
+                                      <p:to>
+                                        <p:strVal val="visible"/>
+                                      </p:to>
+                                    </p:set>
+                                  </p:childTnLst>
+                                </p:cTn>
+                              </p:par>
+                              <p:par>
+                                <p:cTn id="32" presetID="1" presetClass="entr" presetSubtype="0" fill="hold" grpId="1" nodeType="withEffect">
+                                  <p:stCondLst>
+                                    <p:cond delay="0"/>
+                                  </p:stCondLst>
+                                  <p:childTnLst>
+                                    <p:set>
+                                      <p:cBhvr>
+                                        <p:cTn id="33" dur="1" fill="hold">
+                                          <p:stCondLst>
+                                            <p:cond delay="0"/>
+                                          </p:stCondLst>
+                                        </p:cTn>
+                                        <p:tgtEl>
+                                          <p:spTgt spid="20"/>
+                                        </p:tgtEl>
+                                        <p:attrNameLst>
+                                          <p:attrName>style.visibility</p:attrName>
+                                        </p:attrNameLst>
+                                      </p:cBhvr>
+                                      <p:to>
+                                        <p:strVal val="visible"/>
+                                      </p:to>
+                                    </p:set>
+                                  </p:childTnLst>
+                                </p:cTn>
+                              </p:par>
+                            </p:childTnLst>
+                          </p:cTn>
+                        </p:par>
+                      </p:childTnLst>
+                    </p:cTn>
+                  </p:par>
+                  <p:par>
+                    <p:cTn id="34" fill="hold">
+                      <p:stCondLst>
+                        <p:cond delay="indefinite"/>
+                      </p:stCondLst>
+                      <p:childTnLst>
+                        <p:par>
+                          <p:cTn id="35" fill="hold">
+                            <p:stCondLst>
+                              <p:cond delay="0"/>
+                            </p:stCondLst>
+                            <p:childTnLst>
+                              <p:par>
+                                <p:cTn id="36" presetID="42" presetClass="path" presetSubtype="0" accel="50000" decel="50000" fill="hold" grpId="1" nodeType="clickEffect">
+                                  <p:stCondLst>
+                                    <p:cond delay="0"/>
+                                  </p:stCondLst>
+                                  <p:childTnLst>
+                                    <p:animMotion origin="layout" path="M 0.21094 0.31504 L 0.21094 0.7074 " pathEditMode="relative" rAng="0" ptsTypes="AA">
+                                      <p:cBhvr>
+                                        <p:cTn id="37" dur="500" fill="hold"/>
+                                        <p:tgtEl>
+                                          <p:spTgt spid="14"/>
+                                        </p:tgtEl>
+                                        <p:attrNameLst>
+                                          <p:attrName>ppt_x</p:attrName>
+                                          <p:attrName>ppt_y</p:attrName>
+                                        </p:attrNameLst>
+                                      </p:cBhvr>
+                                      <p:rCtr x="0" y="19606"/>
+                                    </p:animMotion>
+                                  </p:childTnLst>
+                                </p:cTn>
+                              </p:par>
+                            </p:childTnLst>
+                          </p:cTn>
+                        </p:par>
+                        <p:par>
+                          <p:cTn id="38" fill="hold">
+                            <p:stCondLst>
+                              <p:cond delay="500"/>
+                            </p:stCondLst>
+                            <p:childTnLst>
+                              <p:par>
+                                <p:cTn id="39" presetID="42" presetClass="path" presetSubtype="0" accel="50000" decel="50000" fill="hold" grpId="1" nodeType="afterEffect">
+                                  <p:stCondLst>
+                                    <p:cond delay="0"/>
+                                  </p:stCondLst>
+                                  <p:childTnLst>
+                                    <p:animMotion origin="layout" path="M -0.29558 2.59259E-6 L 0.01484 0.31504 " pathEditMode="relative" rAng="0" ptsTypes="AA">
+                                      <p:cBhvr>
+                                        <p:cTn id="40" dur="500" fill="hold"/>
+                                        <p:tgtEl>
+                                          <p:spTgt spid="16"/>
+                                        </p:tgtEl>
+                                        <p:attrNameLst>
+                                          <p:attrName>ppt_x</p:attrName>
+                                          <p:attrName>ppt_y</p:attrName>
+                                        </p:attrNameLst>
+                                      </p:cBhvr>
+                                      <p:rCtr x="15534" y="15579"/>
+                                    </p:animMotion>
+                                  </p:childTnLst>
+                                </p:cTn>
+                              </p:par>
+                            </p:childTnLst>
+                          </p:cTn>
+                        </p:par>
+                        <p:par>
+                          <p:cTn id="41" fill="hold">
+                            <p:stCondLst>
+                              <p:cond delay="1000"/>
+                            </p:stCondLst>
+                            <p:childTnLst>
+                              <p:par>
+                                <p:cTn id="42" presetID="42" presetClass="path" presetSubtype="0" accel="50000" decel="50000" fill="hold" grpId="1" nodeType="afterEffect">
+                                  <p:stCondLst>
+                                    <p:cond delay="0"/>
+                                  </p:stCondLst>
+                                  <p:childTnLst>
+                                    <p:animMotion origin="layout" path="M -0.29297 2.59259E-6 L -0.39245 4.44444E-6 " pathEditMode="relative" rAng="0" ptsTypes="AA">
+                                      <p:cBhvr>
+                                        <p:cTn id="43" dur="500" fill="hold"/>
+                                        <p:tgtEl>
+                                          <p:spTgt spid="17"/>
+                                        </p:tgtEl>
+                                        <p:attrNameLst>
+                                          <p:attrName>ppt_x</p:attrName>
+                                          <p:attrName>ppt_y</p:attrName>
+                                        </p:attrNameLst>
+                                      </p:cBhvr>
+                                      <p:rCtr x="-4948" y="-93"/>
+                                    </p:animMotion>
+                                  </p:childTnLst>
+                                </p:cTn>
+                              </p:par>
+                            </p:childTnLst>
+                          </p:cTn>
+                        </p:par>
+                      </p:childTnLst>
+                    </p:cTn>
+                  </p:par>
+                  <p:par>
+                    <p:cTn id="44" fill="hold">
+                      <p:stCondLst>
+                        <p:cond delay="indefinite"/>
+                      </p:stCondLst>
+                      <p:childTnLst>
+                        <p:par>
+                          <p:cTn id="45" fill="hold">
+                            <p:stCondLst>
+                              <p:cond delay="0"/>
+                            </p:stCondLst>
+                            <p:childTnLst>
+                              <p:par>
+                                <p:cTn id="46" presetID="42" presetClass="path" presetSubtype="0" accel="50000" decel="50000" fill="hold" grpId="2" nodeType="clickEffect">
+                                  <p:stCondLst>
+                                    <p:cond delay="0"/>
+                                  </p:stCondLst>
+                                  <p:childTnLst>
+                                    <p:animMotion origin="layout" path="M 0.01484 0.31504 L 0.01484 0.70347 " pathEditMode="relative" rAng="0" ptsTypes="AA">
+                                      <p:cBhvr>
+                                        <p:cTn id="47" dur="500" fill="hold"/>
+                                        <p:tgtEl>
+                                          <p:spTgt spid="16"/>
+                                        </p:tgtEl>
+                                        <p:attrNameLst>
+                                          <p:attrName>ppt_x</p:attrName>
+                                          <p:attrName>ppt_y</p:attrName>
+                                        </p:attrNameLst>
+                                      </p:cBhvr>
+                                      <p:rCtr x="0" y="19421"/>
+                                    </p:animMotion>
+                                  </p:childTnLst>
+                                </p:cTn>
+                              </p:par>
+                            </p:childTnLst>
+                          </p:cTn>
+                        </p:par>
+                        <p:par>
+                          <p:cTn id="48" fill="hold">
+                            <p:stCondLst>
+                              <p:cond delay="500"/>
+                            </p:stCondLst>
+                            <p:childTnLst>
+                              <p:par>
+                                <p:cTn id="49" presetID="42" presetClass="path" presetSubtype="0" accel="50000" decel="50000" fill="hold" grpId="2" nodeType="afterEffect">
+                                  <p:stCondLst>
+                                    <p:cond delay="0"/>
+                                  </p:stCondLst>
+                                  <p:childTnLst>
+                                    <p:animMotion origin="layout" path="M -0.39245 2.59259E-6 L -0.08203 0.31505 " pathEditMode="relative" rAng="0" ptsTypes="AA">
+                                      <p:cBhvr>
+                                        <p:cTn id="50" dur="500" fill="hold"/>
+                                        <p:tgtEl>
+                                          <p:spTgt spid="17"/>
+                                        </p:tgtEl>
+                                        <p:attrNameLst>
+                                          <p:attrName>ppt_x</p:attrName>
+                                          <p:attrName>ppt_y</p:attrName>
+                                        </p:attrNameLst>
+                                      </p:cBhvr>
+                                      <p:rCtr x="15521" y="15718"/>
+                                    </p:animMotion>
+                                  </p:childTnLst>
+                                </p:cTn>
+                              </p:par>
+                            </p:childTnLst>
+                          </p:cTn>
+                        </p:par>
+                      </p:childTnLst>
+                    </p:cTn>
+                  </p:par>
+                  <p:par>
+                    <p:cTn id="51" fill="hold">
+                      <p:stCondLst>
+                        <p:cond delay="indefinite"/>
+                      </p:stCondLst>
+                      <p:childTnLst>
+                        <p:par>
+                          <p:cTn id="52" fill="hold">
+                            <p:stCondLst>
+                              <p:cond delay="0"/>
+                            </p:stCondLst>
+                            <p:childTnLst>
+                              <p:par>
+                                <p:cTn id="53" presetID="42" presetClass="path" presetSubtype="0" accel="50000" decel="50000" fill="hold" grpId="3" nodeType="clickEffect">
+                                  <p:stCondLst>
+                                    <p:cond delay="0"/>
+                                  </p:stCondLst>
+                                  <p:childTnLst>
+                                    <p:animMotion origin="layout" path="M -0.08203 0.31504 L -0.08203 0.69791 " pathEditMode="relative" rAng="0" ptsTypes="AA">
+                                      <p:cBhvr>
+                                        <p:cTn id="54" dur="500" fill="hold"/>
+                                        <p:tgtEl>
+                                          <p:spTgt spid="17"/>
+                                        </p:tgtEl>
+                                        <p:attrNameLst>
+                                          <p:attrName>ppt_x</p:attrName>
+                                          <p:attrName>ppt_y</p:attrName>
+                                        </p:attrNameLst>
+                                      </p:cBhvr>
+                                      <p:rCtr x="0" y="19144"/>
+                                    </p:animMotion>
+                                  </p:childTnLst>
+                                </p:cTn>
+                              </p:par>
+                            </p:childTnLst>
+                          </p:cTn>
+                        </p:par>
+                      </p:childTnLst>
+                    </p:cTn>
+                  </p:par>
+                  <p:par>
+                    <p:cTn id="55" fill="hold">
+                      <p:stCondLst>
+                        <p:cond delay="indefinite"/>
+                      </p:stCondLst>
+                      <p:childTnLst>
+                        <p:par>
+                          <p:cTn id="56" fill="hold">
+                            <p:stCondLst>
+                              <p:cond delay="0"/>
+                            </p:stCondLst>
+                            <p:childTnLst>
+                              <p:par>
+                                <p:cTn id="57" presetID="1" presetClass="exit" presetSubtype="0" fill="hold" grpId="2" nodeType="clickEffect">
+                                  <p:stCondLst>
+                                    <p:cond delay="0"/>
+                                  </p:stCondLst>
+                                  <p:childTnLst>
+                                    <p:set>
+                                      <p:cBhvr>
+                                        <p:cTn id="58" dur="1" fill="hold">
+                                          <p:stCondLst>
+                                            <p:cond delay="0"/>
+                                          </p:stCondLst>
+                                        </p:cTn>
+                                        <p:tgtEl>
+                                          <p:spTgt spid="19"/>
+                                        </p:tgtEl>
+                                        <p:attrNameLst>
+                                          <p:attrName>style.visibility</p:attrName>
+                                        </p:attrNameLst>
+                                      </p:cBhvr>
+                                      <p:to>
+                                        <p:strVal val="hidden"/>
+                                      </p:to>
+                                    </p:set>
+                                  </p:childTnLst>
+                                </p:cTn>
+                              </p:par>
+                              <p:par>
+                                <p:cTn id="59" presetID="1" presetClass="exit" presetSubtype="0" fill="hold" grpId="2" nodeType="withEffect">
+                                  <p:stCondLst>
+                                    <p:cond delay="0"/>
+                                  </p:stCondLst>
+                                  <p:childTnLst>
+                                    <p:set>
+                                      <p:cBhvr>
+                                        <p:cTn id="60" dur="1" fill="hold">
+                                          <p:stCondLst>
+                                            <p:cond delay="0"/>
+                                          </p:stCondLst>
+                                        </p:cTn>
+                                        <p:tgtEl>
+                                          <p:spTgt spid="18"/>
+                                        </p:tgtEl>
+                                        <p:attrNameLst>
+                                          <p:attrName>style.visibility</p:attrName>
+                                        </p:attrNameLst>
+                                      </p:cBhvr>
+                                      <p:to>
+                                        <p:strVal val="hidden"/>
+                                      </p:to>
+                                    </p:set>
+                                  </p:childTnLst>
+                                </p:cTn>
+                              </p:par>
+                              <p:par>
+                                <p:cTn id="61" presetID="1" presetClass="exit" presetSubtype="0" fill="hold" grpId="2" nodeType="withEffect">
+                                  <p:stCondLst>
+                                    <p:cond delay="0"/>
+                                  </p:stCondLst>
+                                  <p:childTnLst>
+                                    <p:set>
+                                      <p:cBhvr>
+                                        <p:cTn id="62" dur="1" fill="hold">
+                                          <p:stCondLst>
+                                            <p:cond delay="0"/>
+                                          </p:stCondLst>
+                                        </p:cTn>
+                                        <p:tgtEl>
+                                          <p:spTgt spid="20"/>
+                                        </p:tgtEl>
+                                        <p:attrNameLst>
+                                          <p:attrName>style.visibility</p:attrName>
+                                        </p:attrNameLst>
+                                      </p:cBhvr>
+                                      <p:to>
+                                        <p:strVal val="hidden"/>
+                                      </p:to>
+                                    </p:set>
+                                  </p:childTnLst>
+                                </p:cTn>
+                              </p:par>
+                            </p:childTnLst>
+                          </p:cTn>
+                        </p:par>
+                      </p:childTnLst>
+                    </p:cTn>
+                  </p:par>
+                  <p:par>
+                    <p:cTn id="63" fill="hold">
+                      <p:stCondLst>
+                        <p:cond delay="indefinite"/>
+                      </p:stCondLst>
+                      <p:childTnLst>
+                        <p:par>
+                          <p:cTn id="64" fill="hold">
+                            <p:stCondLst>
+                              <p:cond delay="0"/>
+                            </p:stCondLst>
+                            <p:childTnLst>
+                              <p:par>
+                                <p:cTn id="65" presetID="42" presetClass="path" presetSubtype="0" accel="50000" decel="50000" fill="hold" grpId="1" nodeType="clickEffect">
+                                  <p:stCondLst>
+                                    <p:cond delay="0"/>
+                                  </p:stCondLst>
+                                  <p:childTnLst>
+                                    <p:animMotion origin="layout" path="M 0.05521 0.31504 L 0.05521 0.69375 " pathEditMode="relative" rAng="0" ptsTypes="AA">
+                                      <p:cBhvr>
+                                        <p:cTn id="66" dur="500" fill="hold"/>
+                                        <p:tgtEl>
+                                          <p:spTgt spid="6"/>
+                                        </p:tgtEl>
+                                        <p:attrNameLst>
+                                          <p:attrName>ppt_x</p:attrName>
+                                          <p:attrName>ppt_y</p:attrName>
+                                        </p:attrNameLst>
+                                      </p:cBhvr>
+                                      <p:rCtr x="0" y="18935"/>
+                                    </p:animMotion>
+                                  </p:childTnLst>
+                                </p:cTn>
+                              </p:par>
+                              <p:par>
+                                <p:cTn id="67" presetID="42" presetClass="path" presetSubtype="0" accel="50000" decel="50000" fill="hold" grpId="1" nodeType="withEffect">
+                                  <p:stCondLst>
+                                    <p:cond delay="0"/>
+                                  </p:stCondLst>
+                                  <p:childTnLst>
+                                    <p:animMotion origin="layout" path="M 0.35768 0.31504 L 0.35612 0.6993 " pathEditMode="relative" rAng="0" ptsTypes="AA">
+                                      <p:cBhvr>
+                                        <p:cTn id="68" dur="500" fill="hold"/>
+                                        <p:tgtEl>
+                                          <p:spTgt spid="15"/>
+                                        </p:tgtEl>
+                                        <p:attrNameLst>
+                                          <p:attrName>ppt_x</p:attrName>
+                                          <p:attrName>ppt_y</p:attrName>
+                                        </p:attrNameLst>
+                                      </p:cBhvr>
+                                      <p:rCtr x="-78" y="19213"/>
+                                    </p:animMotion>
+                                  </p:childTnLst>
+                                </p:cTn>
+                              </p:par>
+                            </p:childTnLst>
+                          </p:cTn>
+                        </p:par>
+                      </p:childTnLst>
+                    </p:cTn>
+                  </p:par>
+                </p:childTnLst>
+              </p:cTn>
+              <p:prevCondLst>
+                <p:cond evt="onPrev" delay="0">
+                  <p:tgtEl>
+                    <p:sldTgt/>
+                  </p:tgtEl>
+                </p:cond>
+              </p:prevCondLst>
+              <p:nextCondLst>
+                <p:cond evt="onNext" delay="0">
+                  <p:tgtEl>
+                    <p:sldTgt/>
+                  </p:tgtEl>
+                </p:cond>
+              </p:nextCondLst>
+            </p:seq>
+          </p:childTnLst>
+        </p:cTn>
+      </p:par>
+    </p:tnLst>
+    <p:bldLst>
+      <p:bldP spid="6" grpId="0" animBg="1"/>
+      <p:bldP spid="6" grpId="1" animBg="1"/>
+      <p:bldP spid="14" grpId="0" animBg="1"/>
+      <p:bldP spid="14" grpId="1" animBg="1"/>
+      <p:bldP spid="15" grpId="0" animBg="1"/>
+      <p:bldP spid="15" grpId="1" animBg="1"/>
+      <p:bldP spid="16" grpId="0" animBg="1"/>
+      <p:bldP spid="16" grpId="1" animBg="1"/>
+      <p:bldP spid="16" grpId="2" animBg="1"/>
+      <p:bldP spid="17" grpId="0" animBg="1"/>
+      <p:bldP spid="17" grpId="1" animBg="1"/>
+      <p:bldP spid="17" grpId="2" animBg="1"/>
+      <p:bldP spid="17" grpId="3" animBg="1"/>
+      <p:bldP spid="18" grpId="0" animBg="1"/>
+      <p:bldP spid="18" grpId="1" animBg="1"/>
+      <p:bldP spid="18" grpId="2" animBg="1"/>
+      <p:bldP spid="19" grpId="0" animBg="1"/>
+      <p:bldP spid="19" grpId="1" animBg="1"/>
+      <p:bldP spid="19" grpId="2" animBg="1"/>
+      <p:bldP spid="20" grpId="0" animBg="1"/>
+      <p:bldP spid="20" grpId="1" animBg="1"/>
+      <p:bldP spid="20" grpId="2" animBg="1"/>
+    </p:bldLst>
+  </p:timing>
 </p:sld>
 </file>
 
@@ -4622,6 +6116,2384 @@
       </p:grpSpPr>
       <p:sp>
         <p:nvSpPr>
+          <p:cNvPr id="12" name="矩形 11">
+            <a:extLst>
+              <a:ext uri="{FF2B5EF4-FFF2-40B4-BE49-F238E27FC236}">
+                <a16:creationId xmlns:a16="http://schemas.microsoft.com/office/drawing/2014/main" id="{657FFF84-3C70-4B18-9ADB-DC7C0970472A}"/>
+              </a:ext>
+            </a:extLst>
+          </p:cNvPr>
+          <p:cNvSpPr/>
+          <p:nvPr/>
+        </p:nvSpPr>
+        <p:spPr>
+          <a:xfrm>
+            <a:off x="8354161" y="4117964"/>
+            <a:ext cx="1440000" cy="1440000"/>
+          </a:xfrm>
+          <a:prstGeom prst="rect">
+            <a:avLst/>
+          </a:prstGeom>
+        </p:spPr>
+        <p:style>
+          <a:lnRef idx="2">
+            <a:schemeClr val="accent2">
+              <a:shade val="50000"/>
+            </a:schemeClr>
+          </a:lnRef>
+          <a:fillRef idx="1">
+            <a:schemeClr val="accent2"/>
+          </a:fillRef>
+          <a:effectRef idx="0">
+            <a:schemeClr val="accent2"/>
+          </a:effectRef>
+          <a:fontRef idx="minor">
+            <a:schemeClr val="lt1"/>
+          </a:fontRef>
+        </p:style>
+        <p:txBody>
+          <a:bodyPr rtlCol="0" anchor="ctr"/>
+          <a:lstStyle/>
+          <a:p>
+            <a:pPr algn="ctr"/>
+            <a:endParaRPr lang="en-US" altLang="zh-TW" dirty="0"/>
+          </a:p>
+        </p:txBody>
+      </p:sp>
+      <p:sp>
+        <p:nvSpPr>
+          <p:cNvPr id="10" name="矩形 9">
+            <a:extLst>
+              <a:ext uri="{FF2B5EF4-FFF2-40B4-BE49-F238E27FC236}">
+                <a16:creationId xmlns:a16="http://schemas.microsoft.com/office/drawing/2014/main" id="{697635DA-AF52-4F40-AC7A-30E8BDBF43DC}"/>
+              </a:ext>
+            </a:extLst>
+          </p:cNvPr>
+          <p:cNvSpPr/>
+          <p:nvPr/>
+        </p:nvSpPr>
+        <p:spPr>
+          <a:xfrm>
+            <a:off x="5376000" y="4117964"/>
+            <a:ext cx="1440000" cy="1440000"/>
+          </a:xfrm>
+          <a:prstGeom prst="rect">
+            <a:avLst/>
+          </a:prstGeom>
+        </p:spPr>
+        <p:style>
+          <a:lnRef idx="2">
+            <a:schemeClr val="accent2">
+              <a:shade val="50000"/>
+            </a:schemeClr>
+          </a:lnRef>
+          <a:fillRef idx="1">
+            <a:schemeClr val="accent2"/>
+          </a:fillRef>
+          <a:effectRef idx="0">
+            <a:schemeClr val="accent2"/>
+          </a:effectRef>
+          <a:fontRef idx="minor">
+            <a:schemeClr val="lt1"/>
+          </a:fontRef>
+        </p:style>
+        <p:txBody>
+          <a:bodyPr rtlCol="0" anchor="ctr"/>
+          <a:lstStyle/>
+          <a:p>
+            <a:pPr algn="ctr"/>
+            <a:endParaRPr lang="en-US" altLang="zh-TW" dirty="0"/>
+          </a:p>
+        </p:txBody>
+      </p:sp>
+      <p:sp>
+        <p:nvSpPr>
+          <p:cNvPr id="5" name="矩形 4">
+            <a:extLst>
+              <a:ext uri="{FF2B5EF4-FFF2-40B4-BE49-F238E27FC236}">
+                <a16:creationId xmlns:a16="http://schemas.microsoft.com/office/drawing/2014/main" id="{5542F213-FB22-42A5-AE32-F70216E57F30}"/>
+              </a:ext>
+            </a:extLst>
+          </p:cNvPr>
+          <p:cNvSpPr/>
+          <p:nvPr/>
+        </p:nvSpPr>
+        <p:spPr>
+          <a:xfrm>
+            <a:off x="2287978" y="4117964"/>
+            <a:ext cx="1440000" cy="1440000"/>
+          </a:xfrm>
+          <a:prstGeom prst="rect">
+            <a:avLst/>
+          </a:prstGeom>
+        </p:spPr>
+        <p:style>
+          <a:lnRef idx="2">
+            <a:schemeClr val="accent2">
+              <a:shade val="50000"/>
+            </a:schemeClr>
+          </a:lnRef>
+          <a:fillRef idx="1">
+            <a:schemeClr val="accent2"/>
+          </a:fillRef>
+          <a:effectRef idx="0">
+            <a:schemeClr val="accent2"/>
+          </a:effectRef>
+          <a:fontRef idx="minor">
+            <a:schemeClr val="lt1"/>
+          </a:fontRef>
+        </p:style>
+        <p:txBody>
+          <a:bodyPr rtlCol="0" anchor="ctr"/>
+          <a:lstStyle/>
+          <a:p>
+            <a:pPr algn="ctr"/>
+            <a:endParaRPr lang="en-US" altLang="zh-TW" dirty="0"/>
+          </a:p>
+        </p:txBody>
+      </p:sp>
+      <p:sp>
+        <p:nvSpPr>
+          <p:cNvPr id="3" name="矩形 2">
+            <a:extLst>
+              <a:ext uri="{FF2B5EF4-FFF2-40B4-BE49-F238E27FC236}">
+                <a16:creationId xmlns:a16="http://schemas.microsoft.com/office/drawing/2014/main" id="{583E587C-63BC-4F9B-B196-4760913B8081}"/>
+              </a:ext>
+            </a:extLst>
+          </p:cNvPr>
+          <p:cNvSpPr/>
+          <p:nvPr/>
+        </p:nvSpPr>
+        <p:spPr>
+          <a:xfrm>
+            <a:off x="10252800" y="3714162"/>
+            <a:ext cx="1440000" cy="2880000"/>
+          </a:xfrm>
+          <a:prstGeom prst="rect">
+            <a:avLst/>
+          </a:prstGeom>
+        </p:spPr>
+        <p:style>
+          <a:lnRef idx="2">
+            <a:schemeClr val="accent4">
+              <a:shade val="50000"/>
+            </a:schemeClr>
+          </a:lnRef>
+          <a:fillRef idx="1">
+            <a:schemeClr val="accent4"/>
+          </a:fillRef>
+          <a:effectRef idx="0">
+            <a:schemeClr val="accent4"/>
+          </a:effectRef>
+          <a:fontRef idx="minor">
+            <a:schemeClr val="lt1"/>
+          </a:fontRef>
+        </p:style>
+        <p:txBody>
+          <a:bodyPr rtlCol="0" anchor="ctr"/>
+          <a:lstStyle/>
+          <a:p>
+            <a:pPr algn="ctr"/>
+            <a:endParaRPr lang="zh-TW" altLang="en-US"/>
+          </a:p>
+        </p:txBody>
+      </p:sp>
+      <p:sp>
+        <p:nvSpPr>
+          <p:cNvPr id="2" name="標題 1">
+            <a:extLst>
+              <a:ext uri="{FF2B5EF4-FFF2-40B4-BE49-F238E27FC236}">
+                <a16:creationId xmlns:a16="http://schemas.microsoft.com/office/drawing/2014/main" id="{426AEE67-012D-4338-9530-8800B9C9F8F4}"/>
+              </a:ext>
+            </a:extLst>
+          </p:cNvPr>
+          <p:cNvSpPr>
+            <a:spLocks noGrp="1"/>
+          </p:cNvSpPr>
+          <p:nvPr>
+            <p:ph type="title"/>
+          </p:nvPr>
+        </p:nvSpPr>
+        <p:spPr/>
+        <p:txBody>
+          <a:bodyPr/>
+          <a:lstStyle/>
+          <a:p>
+            <a:r>
+              <a:rPr lang="zh-TW" altLang="en-US" dirty="0"/>
+              <a:t>非同步運作</a:t>
+            </a:r>
+            <a:r>
+              <a:rPr lang="en-US" altLang="zh-TW" dirty="0"/>
+              <a:t>—</a:t>
+            </a:r>
+            <a:r>
+              <a:rPr lang="zh-TW" altLang="en-US" dirty="0"/>
+              <a:t>非同步</a:t>
+            </a:r>
+          </a:p>
+        </p:txBody>
+      </p:sp>
+      <p:sp>
+        <p:nvSpPr>
+          <p:cNvPr id="4" name="矩形 3">
+            <a:extLst>
+              <a:ext uri="{FF2B5EF4-FFF2-40B4-BE49-F238E27FC236}">
+                <a16:creationId xmlns:a16="http://schemas.microsoft.com/office/drawing/2014/main" id="{93B27A1D-AF66-421E-8714-F3A1E15E8619}"/>
+              </a:ext>
+            </a:extLst>
+          </p:cNvPr>
+          <p:cNvSpPr/>
+          <p:nvPr/>
+        </p:nvSpPr>
+        <p:spPr>
+          <a:xfrm>
+            <a:off x="1640264" y="1989000"/>
+            <a:ext cx="9332536" cy="1440000"/>
+          </a:xfrm>
+          <a:prstGeom prst="rect">
+            <a:avLst/>
+          </a:prstGeom>
+        </p:spPr>
+        <p:style>
+          <a:lnRef idx="2">
+            <a:schemeClr val="accent1">
+              <a:shade val="50000"/>
+            </a:schemeClr>
+          </a:lnRef>
+          <a:fillRef idx="1">
+            <a:schemeClr val="accent1"/>
+          </a:fillRef>
+          <a:effectRef idx="0">
+            <a:schemeClr val="accent1"/>
+          </a:effectRef>
+          <a:fontRef idx="minor">
+            <a:schemeClr val="lt1"/>
+          </a:fontRef>
+        </p:style>
+        <p:txBody>
+          <a:bodyPr rtlCol="0" anchor="ctr"/>
+          <a:lstStyle/>
+          <a:p>
+            <a:pPr algn="ctr"/>
+            <a:endParaRPr lang="zh-TW" altLang="en-US" dirty="0"/>
+          </a:p>
+        </p:txBody>
+      </p:sp>
+      <p:sp>
+        <p:nvSpPr>
+          <p:cNvPr id="6" name="矩形 5">
+            <a:extLst>
+              <a:ext uri="{FF2B5EF4-FFF2-40B4-BE49-F238E27FC236}">
+                <a16:creationId xmlns:a16="http://schemas.microsoft.com/office/drawing/2014/main" id="{DCE613F6-F28B-4E66-A8A3-58C234DB3AF2}"/>
+              </a:ext>
+            </a:extLst>
+          </p:cNvPr>
+          <p:cNvSpPr/>
+          <p:nvPr/>
+        </p:nvSpPr>
+        <p:spPr>
+          <a:xfrm>
+            <a:off x="1772238" y="2169000"/>
+            <a:ext cx="1080000" cy="1080000"/>
+          </a:xfrm>
+          <a:prstGeom prst="rect">
+            <a:avLst/>
+          </a:prstGeom>
+          <a:ln/>
+        </p:spPr>
+        <p:style>
+          <a:lnRef idx="3">
+            <a:schemeClr val="lt1"/>
+          </a:lnRef>
+          <a:fillRef idx="1">
+            <a:schemeClr val="accent5"/>
+          </a:fillRef>
+          <a:effectRef idx="1">
+            <a:schemeClr val="accent5"/>
+          </a:effectRef>
+          <a:fontRef idx="minor">
+            <a:schemeClr val="lt1"/>
+          </a:fontRef>
+        </p:style>
+        <p:txBody>
+          <a:bodyPr rtlCol="0" anchor="ctr"/>
+          <a:lstStyle/>
+          <a:p>
+            <a:pPr algn="ctr"/>
+            <a:r>
+              <a:rPr lang="en-US" altLang="zh-TW" sz="2800" dirty="0"/>
+              <a:t>A</a:t>
+            </a:r>
+            <a:r>
+              <a:rPr lang="en-US" altLang="zh-TW" sz="2000" dirty="0"/>
+              <a:t>*</a:t>
+            </a:r>
+          </a:p>
+        </p:txBody>
+      </p:sp>
+      <p:sp>
+        <p:nvSpPr>
+          <p:cNvPr id="8" name="文字方塊 7">
+            <a:extLst>
+              <a:ext uri="{FF2B5EF4-FFF2-40B4-BE49-F238E27FC236}">
+                <a16:creationId xmlns:a16="http://schemas.microsoft.com/office/drawing/2014/main" id="{60C25B3E-BC71-4637-B961-828CB6D5A7A8}"/>
+              </a:ext>
+            </a:extLst>
+          </p:cNvPr>
+          <p:cNvSpPr txBox="1"/>
+          <p:nvPr/>
+        </p:nvSpPr>
+        <p:spPr>
+          <a:xfrm>
+            <a:off x="7981122" y="1428750"/>
+            <a:ext cx="1997765" cy="461665"/>
+          </a:xfrm>
+          <a:prstGeom prst="rect">
+            <a:avLst/>
+          </a:prstGeom>
+          <a:noFill/>
+        </p:spPr>
+        <p:txBody>
+          <a:bodyPr wrap="square" rtlCol="0">
+            <a:spAutoFit/>
+          </a:bodyPr>
+          <a:lstStyle/>
+          <a:p>
+            <a:pPr algn="ctr"/>
+            <a:r>
+              <a:rPr lang="en-US" altLang="zh-TW" sz="2400" dirty="0"/>
+              <a:t>Task Queue</a:t>
+            </a:r>
+          </a:p>
+        </p:txBody>
+      </p:sp>
+      <p:sp>
+        <p:nvSpPr>
+          <p:cNvPr id="9" name="文字方塊 8">
+            <a:extLst>
+              <a:ext uri="{FF2B5EF4-FFF2-40B4-BE49-F238E27FC236}">
+                <a16:creationId xmlns:a16="http://schemas.microsoft.com/office/drawing/2014/main" id="{141F2BEC-EB51-4A92-93B3-EE82E86ED5AE}"/>
+              </a:ext>
+            </a:extLst>
+          </p:cNvPr>
+          <p:cNvSpPr txBox="1"/>
+          <p:nvPr/>
+        </p:nvSpPr>
+        <p:spPr>
+          <a:xfrm>
+            <a:off x="2287978" y="5557964"/>
+            <a:ext cx="1440000" cy="400110"/>
+          </a:xfrm>
+          <a:prstGeom prst="rect">
+            <a:avLst/>
+          </a:prstGeom>
+          <a:noFill/>
+        </p:spPr>
+        <p:txBody>
+          <a:bodyPr wrap="square" rtlCol="0">
+            <a:spAutoFit/>
+          </a:bodyPr>
+          <a:lstStyle/>
+          <a:p>
+            <a:pPr algn="ctr"/>
+            <a:r>
+              <a:rPr lang="en-US" altLang="zh-TW" sz="2000" dirty="0"/>
+              <a:t>Thread 1</a:t>
+            </a:r>
+          </a:p>
+        </p:txBody>
+      </p:sp>
+      <p:sp>
+        <p:nvSpPr>
+          <p:cNvPr id="11" name="文字方塊 10">
+            <a:extLst>
+              <a:ext uri="{FF2B5EF4-FFF2-40B4-BE49-F238E27FC236}">
+                <a16:creationId xmlns:a16="http://schemas.microsoft.com/office/drawing/2014/main" id="{D07403C8-6CEA-469A-B0CA-29229C476B2D}"/>
+              </a:ext>
+            </a:extLst>
+          </p:cNvPr>
+          <p:cNvSpPr txBox="1"/>
+          <p:nvPr/>
+        </p:nvSpPr>
+        <p:spPr>
+          <a:xfrm>
+            <a:off x="5376000" y="5557964"/>
+            <a:ext cx="1440000" cy="400110"/>
+          </a:xfrm>
+          <a:prstGeom prst="rect">
+            <a:avLst/>
+          </a:prstGeom>
+          <a:noFill/>
+        </p:spPr>
+        <p:txBody>
+          <a:bodyPr wrap="square" rtlCol="0">
+            <a:spAutoFit/>
+          </a:bodyPr>
+          <a:lstStyle/>
+          <a:p>
+            <a:pPr algn="ctr"/>
+            <a:r>
+              <a:rPr lang="en-US" altLang="zh-TW" sz="2000" dirty="0"/>
+              <a:t>Thread 2</a:t>
+            </a:r>
+          </a:p>
+        </p:txBody>
+      </p:sp>
+      <p:sp>
+        <p:nvSpPr>
+          <p:cNvPr id="13" name="文字方塊 12">
+            <a:extLst>
+              <a:ext uri="{FF2B5EF4-FFF2-40B4-BE49-F238E27FC236}">
+                <a16:creationId xmlns:a16="http://schemas.microsoft.com/office/drawing/2014/main" id="{C61C40C2-3BD9-40EE-BCD6-A114098A21D2}"/>
+              </a:ext>
+            </a:extLst>
+          </p:cNvPr>
+          <p:cNvSpPr txBox="1"/>
+          <p:nvPr/>
+        </p:nvSpPr>
+        <p:spPr>
+          <a:xfrm>
+            <a:off x="8354161" y="5557964"/>
+            <a:ext cx="1440000" cy="400110"/>
+          </a:xfrm>
+          <a:prstGeom prst="rect">
+            <a:avLst/>
+          </a:prstGeom>
+          <a:noFill/>
+        </p:spPr>
+        <p:txBody>
+          <a:bodyPr wrap="square" rtlCol="0">
+            <a:spAutoFit/>
+          </a:bodyPr>
+          <a:lstStyle/>
+          <a:p>
+            <a:pPr algn="ctr"/>
+            <a:r>
+              <a:rPr lang="en-US" altLang="zh-TW" sz="2000" dirty="0"/>
+              <a:t>Thread 3</a:t>
+            </a:r>
+          </a:p>
+        </p:txBody>
+      </p:sp>
+      <p:sp>
+        <p:nvSpPr>
+          <p:cNvPr id="14" name="矩形 13">
+            <a:extLst>
+              <a:ext uri="{FF2B5EF4-FFF2-40B4-BE49-F238E27FC236}">
+                <a16:creationId xmlns:a16="http://schemas.microsoft.com/office/drawing/2014/main" id="{769177C8-BCFC-48C6-8EA0-50C95BEC4565}"/>
+              </a:ext>
+            </a:extLst>
+          </p:cNvPr>
+          <p:cNvSpPr/>
+          <p:nvPr/>
+        </p:nvSpPr>
+        <p:spPr>
+          <a:xfrm>
+            <a:off x="2984212" y="2169000"/>
+            <a:ext cx="1080000" cy="1080000"/>
+          </a:xfrm>
+          <a:prstGeom prst="rect">
+            <a:avLst/>
+          </a:prstGeom>
+          <a:ln/>
+        </p:spPr>
+        <p:style>
+          <a:lnRef idx="3">
+            <a:schemeClr val="lt1"/>
+          </a:lnRef>
+          <a:fillRef idx="1">
+            <a:schemeClr val="accent5"/>
+          </a:fillRef>
+          <a:effectRef idx="1">
+            <a:schemeClr val="accent5"/>
+          </a:effectRef>
+          <a:fontRef idx="minor">
+            <a:schemeClr val="lt1"/>
+          </a:fontRef>
+        </p:style>
+        <p:txBody>
+          <a:bodyPr rtlCol="0" anchor="ctr"/>
+          <a:lstStyle/>
+          <a:p>
+            <a:pPr algn="ctr"/>
+            <a:r>
+              <a:rPr lang="en-US" altLang="zh-TW" sz="2800" dirty="0"/>
+              <a:t>B</a:t>
+            </a:r>
+          </a:p>
+        </p:txBody>
+      </p:sp>
+      <p:sp>
+        <p:nvSpPr>
+          <p:cNvPr id="15" name="矩形 14">
+            <a:extLst>
+              <a:ext uri="{FF2B5EF4-FFF2-40B4-BE49-F238E27FC236}">
+                <a16:creationId xmlns:a16="http://schemas.microsoft.com/office/drawing/2014/main" id="{B5778759-51CA-40B4-92A8-D7F296F560E2}"/>
+              </a:ext>
+            </a:extLst>
+          </p:cNvPr>
+          <p:cNvSpPr/>
+          <p:nvPr/>
+        </p:nvSpPr>
+        <p:spPr>
+          <a:xfrm>
+            <a:off x="4196186" y="2169000"/>
+            <a:ext cx="1080000" cy="1080000"/>
+          </a:xfrm>
+          <a:prstGeom prst="rect">
+            <a:avLst/>
+          </a:prstGeom>
+          <a:ln/>
+        </p:spPr>
+        <p:style>
+          <a:lnRef idx="3">
+            <a:schemeClr val="lt1"/>
+          </a:lnRef>
+          <a:fillRef idx="1">
+            <a:schemeClr val="accent5"/>
+          </a:fillRef>
+          <a:effectRef idx="1">
+            <a:schemeClr val="accent5"/>
+          </a:effectRef>
+          <a:fontRef idx="minor">
+            <a:schemeClr val="lt1"/>
+          </a:fontRef>
+        </p:style>
+        <p:txBody>
+          <a:bodyPr rtlCol="0" anchor="ctr"/>
+          <a:lstStyle/>
+          <a:p>
+            <a:pPr algn="ctr"/>
+            <a:r>
+              <a:rPr lang="en-US" altLang="zh-TW" sz="2800" dirty="0"/>
+              <a:t>C</a:t>
+            </a:r>
+            <a:r>
+              <a:rPr lang="en-US" altLang="zh-TW" sz="2000" dirty="0"/>
+              <a:t>*</a:t>
+            </a:r>
+            <a:endParaRPr lang="en-US" altLang="zh-TW" sz="2800" dirty="0"/>
+          </a:p>
+        </p:txBody>
+      </p:sp>
+      <p:sp>
+        <p:nvSpPr>
+          <p:cNvPr id="16" name="矩形 15">
+            <a:extLst>
+              <a:ext uri="{FF2B5EF4-FFF2-40B4-BE49-F238E27FC236}">
+                <a16:creationId xmlns:a16="http://schemas.microsoft.com/office/drawing/2014/main" id="{A23C8E19-6F15-4381-B9B2-EFB440946773}"/>
+              </a:ext>
+            </a:extLst>
+          </p:cNvPr>
+          <p:cNvSpPr/>
+          <p:nvPr/>
+        </p:nvSpPr>
+        <p:spPr>
+          <a:xfrm>
+            <a:off x="5376000" y="2169000"/>
+            <a:ext cx="1080000" cy="1080000"/>
+          </a:xfrm>
+          <a:prstGeom prst="rect">
+            <a:avLst/>
+          </a:prstGeom>
+          <a:ln/>
+        </p:spPr>
+        <p:style>
+          <a:lnRef idx="3">
+            <a:schemeClr val="lt1"/>
+          </a:lnRef>
+          <a:fillRef idx="1">
+            <a:schemeClr val="accent5"/>
+          </a:fillRef>
+          <a:effectRef idx="1">
+            <a:schemeClr val="accent5"/>
+          </a:effectRef>
+          <a:fontRef idx="minor">
+            <a:schemeClr val="lt1"/>
+          </a:fontRef>
+        </p:style>
+        <p:txBody>
+          <a:bodyPr rtlCol="0" anchor="ctr"/>
+          <a:lstStyle/>
+          <a:p>
+            <a:pPr algn="ctr"/>
+            <a:r>
+              <a:rPr lang="en-US" altLang="zh-TW" sz="2800" dirty="0"/>
+              <a:t>D</a:t>
+            </a:r>
+          </a:p>
+        </p:txBody>
+      </p:sp>
+      <p:sp>
+        <p:nvSpPr>
+          <p:cNvPr id="17" name="矩形 16">
+            <a:extLst>
+              <a:ext uri="{FF2B5EF4-FFF2-40B4-BE49-F238E27FC236}">
+                <a16:creationId xmlns:a16="http://schemas.microsoft.com/office/drawing/2014/main" id="{C6AB5CE8-9AD3-447C-9011-352953C17104}"/>
+              </a:ext>
+            </a:extLst>
+          </p:cNvPr>
+          <p:cNvSpPr/>
+          <p:nvPr/>
+        </p:nvSpPr>
+        <p:spPr>
+          <a:xfrm>
+            <a:off x="6555814" y="2169000"/>
+            <a:ext cx="1080000" cy="1080000"/>
+          </a:xfrm>
+          <a:prstGeom prst="rect">
+            <a:avLst/>
+          </a:prstGeom>
+          <a:ln/>
+        </p:spPr>
+        <p:style>
+          <a:lnRef idx="3">
+            <a:schemeClr val="lt1"/>
+          </a:lnRef>
+          <a:fillRef idx="1">
+            <a:schemeClr val="accent5"/>
+          </a:fillRef>
+          <a:effectRef idx="1">
+            <a:schemeClr val="accent5"/>
+          </a:effectRef>
+          <a:fontRef idx="minor">
+            <a:schemeClr val="lt1"/>
+          </a:fontRef>
+        </p:style>
+        <p:txBody>
+          <a:bodyPr rtlCol="0" anchor="ctr"/>
+          <a:lstStyle/>
+          <a:p>
+            <a:pPr algn="ctr"/>
+            <a:r>
+              <a:rPr lang="en-US" altLang="zh-TW" sz="2800" dirty="0"/>
+              <a:t>E</a:t>
+            </a:r>
+          </a:p>
+        </p:txBody>
+      </p:sp>
+      <p:sp>
+        <p:nvSpPr>
+          <p:cNvPr id="18" name="圓柱形 17">
+            <a:extLst>
+              <a:ext uri="{FF2B5EF4-FFF2-40B4-BE49-F238E27FC236}">
+                <a16:creationId xmlns:a16="http://schemas.microsoft.com/office/drawing/2014/main" id="{3C370A3C-8884-4E60-B76A-C4DC42FC7441}"/>
+              </a:ext>
+            </a:extLst>
+          </p:cNvPr>
+          <p:cNvSpPr/>
+          <p:nvPr/>
+        </p:nvSpPr>
+        <p:spPr>
+          <a:xfrm>
+            <a:off x="1008668" y="4025245"/>
+            <a:ext cx="763570" cy="1253765"/>
+          </a:xfrm>
+          <a:prstGeom prst="can">
+            <a:avLst/>
+          </a:prstGeom>
+        </p:spPr>
+        <p:style>
+          <a:lnRef idx="2">
+            <a:schemeClr val="accent3">
+              <a:shade val="50000"/>
+            </a:schemeClr>
+          </a:lnRef>
+          <a:fillRef idx="1">
+            <a:schemeClr val="accent3"/>
+          </a:fillRef>
+          <a:effectRef idx="0">
+            <a:schemeClr val="accent3"/>
+          </a:effectRef>
+          <a:fontRef idx="minor">
+            <a:schemeClr val="lt1"/>
+          </a:fontRef>
+        </p:style>
+        <p:txBody>
+          <a:bodyPr rtlCol="0" anchor="ctr"/>
+          <a:lstStyle/>
+          <a:p>
+            <a:pPr algn="ctr"/>
+            <a:r>
+              <a:rPr lang="en-US" altLang="zh-TW" dirty="0"/>
+              <a:t>DB</a:t>
+            </a:r>
+            <a:endParaRPr lang="zh-TW" altLang="en-US" dirty="0"/>
+          </a:p>
+        </p:txBody>
+      </p:sp>
+      <p:sp>
+        <p:nvSpPr>
+          <p:cNvPr id="19" name="箭號: 向左 18">
+            <a:extLst>
+              <a:ext uri="{FF2B5EF4-FFF2-40B4-BE49-F238E27FC236}">
+                <a16:creationId xmlns:a16="http://schemas.microsoft.com/office/drawing/2014/main" id="{505A857F-BF38-43CC-AA3A-E8B302B4627F}"/>
+              </a:ext>
+            </a:extLst>
+          </p:cNvPr>
+          <p:cNvSpPr/>
+          <p:nvPr/>
+        </p:nvSpPr>
+        <p:spPr>
+          <a:xfrm>
+            <a:off x="1772238" y="4689000"/>
+            <a:ext cx="688158" cy="175231"/>
+          </a:xfrm>
+          <a:prstGeom prst="leftArrow">
+            <a:avLst/>
+          </a:prstGeom>
+        </p:spPr>
+        <p:style>
+          <a:lnRef idx="2">
+            <a:schemeClr val="accent1">
+              <a:shade val="50000"/>
+            </a:schemeClr>
+          </a:lnRef>
+          <a:fillRef idx="1">
+            <a:schemeClr val="accent1"/>
+          </a:fillRef>
+          <a:effectRef idx="0">
+            <a:schemeClr val="accent1"/>
+          </a:effectRef>
+          <a:fontRef idx="minor">
+            <a:schemeClr val="lt1"/>
+          </a:fontRef>
+        </p:style>
+        <p:txBody>
+          <a:bodyPr rtlCol="0" anchor="ctr"/>
+          <a:lstStyle/>
+          <a:p>
+            <a:pPr algn="ctr"/>
+            <a:endParaRPr lang="zh-TW" altLang="en-US"/>
+          </a:p>
+        </p:txBody>
+      </p:sp>
+      <p:sp>
+        <p:nvSpPr>
+          <p:cNvPr id="20" name="箭號: 向左 19">
+            <a:extLst>
+              <a:ext uri="{FF2B5EF4-FFF2-40B4-BE49-F238E27FC236}">
+                <a16:creationId xmlns:a16="http://schemas.microsoft.com/office/drawing/2014/main" id="{2B7505BC-76CB-4F2B-8B75-04DF40AB7B24}"/>
+              </a:ext>
+            </a:extLst>
+          </p:cNvPr>
+          <p:cNvSpPr/>
+          <p:nvPr/>
+        </p:nvSpPr>
+        <p:spPr>
+          <a:xfrm>
+            <a:off x="1772238" y="4318250"/>
+            <a:ext cx="6691784" cy="175231"/>
+          </a:xfrm>
+          <a:prstGeom prst="leftArrow">
+            <a:avLst/>
+          </a:prstGeom>
+        </p:spPr>
+        <p:style>
+          <a:lnRef idx="2">
+            <a:schemeClr val="accent1">
+              <a:shade val="50000"/>
+            </a:schemeClr>
+          </a:lnRef>
+          <a:fillRef idx="1">
+            <a:schemeClr val="accent1"/>
+          </a:fillRef>
+          <a:effectRef idx="0">
+            <a:schemeClr val="accent1"/>
+          </a:effectRef>
+          <a:fontRef idx="minor">
+            <a:schemeClr val="lt1"/>
+          </a:fontRef>
+        </p:style>
+        <p:txBody>
+          <a:bodyPr rtlCol="0" anchor="ctr"/>
+          <a:lstStyle/>
+          <a:p>
+            <a:pPr algn="ctr"/>
+            <a:endParaRPr lang="zh-TW" altLang="en-US"/>
+          </a:p>
+        </p:txBody>
+      </p:sp>
+      <p:sp>
+        <p:nvSpPr>
+          <p:cNvPr id="21" name="文字方塊 20">
+            <a:extLst>
+              <a:ext uri="{FF2B5EF4-FFF2-40B4-BE49-F238E27FC236}">
+                <a16:creationId xmlns:a16="http://schemas.microsoft.com/office/drawing/2014/main" id="{A387A907-8C1D-4A13-9F2E-415D87EAB21E}"/>
+              </a:ext>
+            </a:extLst>
+          </p:cNvPr>
+          <p:cNvSpPr txBox="1"/>
+          <p:nvPr/>
+        </p:nvSpPr>
+        <p:spPr>
+          <a:xfrm>
+            <a:off x="10252800" y="6194052"/>
+            <a:ext cx="1440000" cy="400110"/>
+          </a:xfrm>
+          <a:prstGeom prst="rect">
+            <a:avLst/>
+          </a:prstGeom>
+          <a:noFill/>
+        </p:spPr>
+        <p:txBody>
+          <a:bodyPr wrap="square" rtlCol="0">
+            <a:spAutoFit/>
+          </a:bodyPr>
+          <a:lstStyle/>
+          <a:p>
+            <a:pPr algn="ctr"/>
+            <a:r>
+              <a:rPr lang="en-US" altLang="zh-TW" sz="2000" dirty="0"/>
+              <a:t>Async Pool</a:t>
+            </a:r>
+          </a:p>
+        </p:txBody>
+      </p:sp>
+      <p:sp>
+        <p:nvSpPr>
+          <p:cNvPr id="22" name="箭號: 向左 21">
+            <a:extLst>
+              <a:ext uri="{FF2B5EF4-FFF2-40B4-BE49-F238E27FC236}">
+                <a16:creationId xmlns:a16="http://schemas.microsoft.com/office/drawing/2014/main" id="{41533BD0-B9A4-4732-AA40-0A184A742ABC}"/>
+              </a:ext>
+            </a:extLst>
+          </p:cNvPr>
+          <p:cNvSpPr/>
+          <p:nvPr/>
+        </p:nvSpPr>
+        <p:spPr>
+          <a:xfrm rot="10800000">
+            <a:off x="1772237" y="4138249"/>
+            <a:ext cx="8766929" cy="175233"/>
+          </a:xfrm>
+          <a:prstGeom prst="leftArrow">
+            <a:avLst/>
+          </a:prstGeom>
+        </p:spPr>
+        <p:style>
+          <a:lnRef idx="2">
+            <a:schemeClr val="accent1">
+              <a:shade val="50000"/>
+            </a:schemeClr>
+          </a:lnRef>
+          <a:fillRef idx="1">
+            <a:schemeClr val="accent1"/>
+          </a:fillRef>
+          <a:effectRef idx="0">
+            <a:schemeClr val="accent1"/>
+          </a:effectRef>
+          <a:fontRef idx="minor">
+            <a:schemeClr val="lt1"/>
+          </a:fontRef>
+        </p:style>
+        <p:txBody>
+          <a:bodyPr rtlCol="0" anchor="ctr"/>
+          <a:lstStyle/>
+          <a:p>
+            <a:pPr algn="ctr"/>
+            <a:endParaRPr lang="zh-TW" altLang="en-US"/>
+          </a:p>
+        </p:txBody>
+      </p:sp>
+      <p:sp>
+        <p:nvSpPr>
+          <p:cNvPr id="23" name="箭號: 向左 22">
+            <a:extLst>
+              <a:ext uri="{FF2B5EF4-FFF2-40B4-BE49-F238E27FC236}">
+                <a16:creationId xmlns:a16="http://schemas.microsoft.com/office/drawing/2014/main" id="{AE1BA88A-D874-4284-9A70-2EFD60B19BE9}"/>
+              </a:ext>
+            </a:extLst>
+          </p:cNvPr>
+          <p:cNvSpPr/>
+          <p:nvPr/>
+        </p:nvSpPr>
+        <p:spPr>
+          <a:xfrm rot="11070778">
+            <a:off x="1712536" y="5211679"/>
+            <a:ext cx="8766929" cy="175233"/>
+          </a:xfrm>
+          <a:prstGeom prst="leftArrow">
+            <a:avLst/>
+          </a:prstGeom>
+        </p:spPr>
+        <p:style>
+          <a:lnRef idx="2">
+            <a:schemeClr val="accent1">
+              <a:shade val="50000"/>
+            </a:schemeClr>
+          </a:lnRef>
+          <a:fillRef idx="1">
+            <a:schemeClr val="accent1"/>
+          </a:fillRef>
+          <a:effectRef idx="0">
+            <a:schemeClr val="accent1"/>
+          </a:effectRef>
+          <a:fontRef idx="minor">
+            <a:schemeClr val="lt1"/>
+          </a:fontRef>
+        </p:style>
+        <p:txBody>
+          <a:bodyPr rtlCol="0" anchor="ctr"/>
+          <a:lstStyle/>
+          <a:p>
+            <a:pPr algn="ctr"/>
+            <a:endParaRPr lang="zh-TW" altLang="en-US"/>
+          </a:p>
+        </p:txBody>
+      </p:sp>
+    </p:spTree>
+    <p:extLst>
+      <p:ext uri="{BB962C8B-B14F-4D97-AF65-F5344CB8AC3E}">
+        <p14:creationId xmlns:p14="http://schemas.microsoft.com/office/powerpoint/2010/main" val="1558383052"/>
+      </p:ext>
+    </p:extLst>
+  </p:cSld>
+  <p:clrMapOvr>
+    <a:masterClrMapping/>
+  </p:clrMapOvr>
+  <p:timing>
+    <p:tnLst>
+      <p:par>
+        <p:cTn id="1" dur="indefinite" restart="never" nodeType="tmRoot">
+          <p:childTnLst>
+            <p:seq concurrent="1" nextAc="seek">
+              <p:cTn id="2" dur="indefinite" nodeType="mainSeq">
+                <p:childTnLst>
+                  <p:par>
+                    <p:cTn id="3" fill="hold">
+                      <p:stCondLst>
+                        <p:cond delay="indefinite"/>
+                        <p:cond evt="onBegin" delay="0">
+                          <p:tn val="2"/>
+                        </p:cond>
+                      </p:stCondLst>
+                      <p:childTnLst>
+                        <p:par>
+                          <p:cTn id="4" fill="hold">
+                            <p:stCondLst>
+                              <p:cond delay="0"/>
+                            </p:stCondLst>
+                            <p:childTnLst>
+                              <p:par>
+                                <p:cTn id="5" presetID="1" presetClass="exit" presetSubtype="0" fill="hold" grpId="0" nodeType="withEffect">
+                                  <p:stCondLst>
+                                    <p:cond delay="0"/>
+                                  </p:stCondLst>
+                                  <p:childTnLst>
+                                    <p:set>
+                                      <p:cBhvr>
+                                        <p:cTn id="6" dur="1" fill="hold">
+                                          <p:stCondLst>
+                                            <p:cond delay="0"/>
+                                          </p:stCondLst>
+                                        </p:cTn>
+                                        <p:tgtEl>
+                                          <p:spTgt spid="19"/>
+                                        </p:tgtEl>
+                                        <p:attrNameLst>
+                                          <p:attrName>style.visibility</p:attrName>
+                                        </p:attrNameLst>
+                                      </p:cBhvr>
+                                      <p:to>
+                                        <p:strVal val="hidden"/>
+                                      </p:to>
+                                    </p:set>
+                                  </p:childTnLst>
+                                </p:cTn>
+                              </p:par>
+                              <p:par>
+                                <p:cTn id="7" presetID="1" presetClass="exit" presetSubtype="0" fill="hold" grpId="0" nodeType="withEffect">
+                                  <p:stCondLst>
+                                    <p:cond delay="0"/>
+                                  </p:stCondLst>
+                                  <p:childTnLst>
+                                    <p:set>
+                                      <p:cBhvr>
+                                        <p:cTn id="8" dur="1" fill="hold">
+                                          <p:stCondLst>
+                                            <p:cond delay="0"/>
+                                          </p:stCondLst>
+                                        </p:cTn>
+                                        <p:tgtEl>
+                                          <p:spTgt spid="18"/>
+                                        </p:tgtEl>
+                                        <p:attrNameLst>
+                                          <p:attrName>style.visibility</p:attrName>
+                                        </p:attrNameLst>
+                                      </p:cBhvr>
+                                      <p:to>
+                                        <p:strVal val="hidden"/>
+                                      </p:to>
+                                    </p:set>
+                                  </p:childTnLst>
+                                </p:cTn>
+                              </p:par>
+                              <p:par>
+                                <p:cTn id="9" presetID="1" presetClass="exit" presetSubtype="0" fill="hold" grpId="0" nodeType="withEffect">
+                                  <p:stCondLst>
+                                    <p:cond delay="0"/>
+                                  </p:stCondLst>
+                                  <p:childTnLst>
+                                    <p:set>
+                                      <p:cBhvr>
+                                        <p:cTn id="10" dur="1" fill="hold">
+                                          <p:stCondLst>
+                                            <p:cond delay="0"/>
+                                          </p:stCondLst>
+                                        </p:cTn>
+                                        <p:tgtEl>
+                                          <p:spTgt spid="20"/>
+                                        </p:tgtEl>
+                                        <p:attrNameLst>
+                                          <p:attrName>style.visibility</p:attrName>
+                                        </p:attrNameLst>
+                                      </p:cBhvr>
+                                      <p:to>
+                                        <p:strVal val="hidden"/>
+                                      </p:to>
+                                    </p:set>
+                                  </p:childTnLst>
+                                </p:cTn>
+                              </p:par>
+                              <p:par>
+                                <p:cTn id="11" presetID="1" presetClass="exit" presetSubtype="0" fill="hold" grpId="0" nodeType="withEffect">
+                                  <p:stCondLst>
+                                    <p:cond delay="0"/>
+                                  </p:stCondLst>
+                                  <p:childTnLst>
+                                    <p:set>
+                                      <p:cBhvr>
+                                        <p:cTn id="12" dur="1" fill="hold">
+                                          <p:stCondLst>
+                                            <p:cond delay="0"/>
+                                          </p:stCondLst>
+                                        </p:cTn>
+                                        <p:tgtEl>
+                                          <p:spTgt spid="22"/>
+                                        </p:tgtEl>
+                                        <p:attrNameLst>
+                                          <p:attrName>style.visibility</p:attrName>
+                                        </p:attrNameLst>
+                                      </p:cBhvr>
+                                      <p:to>
+                                        <p:strVal val="hidden"/>
+                                      </p:to>
+                                    </p:set>
+                                  </p:childTnLst>
+                                </p:cTn>
+                              </p:par>
+                              <p:par>
+                                <p:cTn id="13" presetID="1" presetClass="exit" presetSubtype="0" fill="hold" grpId="0" nodeType="withEffect">
+                                  <p:stCondLst>
+                                    <p:cond delay="0"/>
+                                  </p:stCondLst>
+                                  <p:childTnLst>
+                                    <p:set>
+                                      <p:cBhvr>
+                                        <p:cTn id="14" dur="1" fill="hold">
+                                          <p:stCondLst>
+                                            <p:cond delay="0"/>
+                                          </p:stCondLst>
+                                        </p:cTn>
+                                        <p:tgtEl>
+                                          <p:spTgt spid="23"/>
+                                        </p:tgtEl>
+                                        <p:attrNameLst>
+                                          <p:attrName>style.visibility</p:attrName>
+                                        </p:attrNameLst>
+                                      </p:cBhvr>
+                                      <p:to>
+                                        <p:strVal val="hidden"/>
+                                      </p:to>
+                                    </p:set>
+                                  </p:childTnLst>
+                                </p:cTn>
+                              </p:par>
+                            </p:childTnLst>
+                          </p:cTn>
+                        </p:par>
+                      </p:childTnLst>
+                    </p:cTn>
+                  </p:par>
+                  <p:par>
+                    <p:cTn id="15" fill="hold">
+                      <p:stCondLst>
+                        <p:cond delay="indefinite"/>
+                      </p:stCondLst>
+                      <p:childTnLst>
+                        <p:par>
+                          <p:cTn id="16" fill="hold">
+                            <p:stCondLst>
+                              <p:cond delay="0"/>
+                            </p:stCondLst>
+                            <p:childTnLst>
+                              <p:par>
+                                <p:cTn id="17" presetID="42" presetClass="path" presetSubtype="0" accel="50000" decel="50000" fill="hold" grpId="0" nodeType="clickEffect">
+                                  <p:stCondLst>
+                                    <p:cond delay="0"/>
+                                  </p:stCondLst>
+                                  <p:childTnLst>
+                                    <p:animMotion origin="layout" path="M -3.33333E-6 2.59259E-6 L 0.05521 0.31504 " pathEditMode="relative" rAng="0" ptsTypes="AA">
+                                      <p:cBhvr>
+                                        <p:cTn id="18" dur="500" fill="hold"/>
+                                        <p:tgtEl>
+                                          <p:spTgt spid="6"/>
+                                        </p:tgtEl>
+                                        <p:attrNameLst>
+                                          <p:attrName>ppt_x</p:attrName>
+                                          <p:attrName>ppt_y</p:attrName>
+                                        </p:attrNameLst>
+                                      </p:cBhvr>
+                                      <p:rCtr x="2760" y="15741"/>
+                                    </p:animMotion>
+                                  </p:childTnLst>
+                                </p:cTn>
+                              </p:par>
+                            </p:childTnLst>
+                          </p:cTn>
+                        </p:par>
+                        <p:par>
+                          <p:cTn id="19" fill="hold">
+                            <p:stCondLst>
+                              <p:cond delay="500"/>
+                            </p:stCondLst>
+                            <p:childTnLst>
+                              <p:par>
+                                <p:cTn id="20" presetID="42" presetClass="path" presetSubtype="0" accel="50000" decel="50000" fill="hold" grpId="0" nodeType="afterEffect">
+                                  <p:stCondLst>
+                                    <p:cond delay="0"/>
+                                  </p:stCondLst>
+                                  <p:childTnLst>
+                                    <p:animMotion origin="layout" path="M -2.5E-6 2.59259E-6 L 0.21094 0.31504 " pathEditMode="relative" rAng="0" ptsTypes="AA">
+                                      <p:cBhvr>
+                                        <p:cTn id="21" dur="500" fill="hold"/>
+                                        <p:tgtEl>
+                                          <p:spTgt spid="14"/>
+                                        </p:tgtEl>
+                                        <p:attrNameLst>
+                                          <p:attrName>ppt_x</p:attrName>
+                                          <p:attrName>ppt_y</p:attrName>
+                                        </p:attrNameLst>
+                                      </p:cBhvr>
+                                      <p:rCtr x="10547" y="15741"/>
+                                    </p:animMotion>
+                                  </p:childTnLst>
+                                </p:cTn>
+                              </p:par>
+                            </p:childTnLst>
+                          </p:cTn>
+                        </p:par>
+                        <p:par>
+                          <p:cTn id="22" fill="hold">
+                            <p:stCondLst>
+                              <p:cond delay="1000"/>
+                            </p:stCondLst>
+                            <p:childTnLst>
+                              <p:par>
+                                <p:cTn id="23" presetID="42" presetClass="path" presetSubtype="0" accel="50000" decel="50000" fill="hold" grpId="0" nodeType="afterEffect">
+                                  <p:stCondLst>
+                                    <p:cond delay="0"/>
+                                  </p:stCondLst>
+                                  <p:childTnLst>
+                                    <p:animMotion origin="layout" path="M -1.45833E-6 2.59259E-6 L 0.35768 0.31504 " pathEditMode="relative" rAng="0" ptsTypes="AA">
+                                      <p:cBhvr>
+                                        <p:cTn id="24" dur="500" fill="hold"/>
+                                        <p:tgtEl>
+                                          <p:spTgt spid="15"/>
+                                        </p:tgtEl>
+                                        <p:attrNameLst>
+                                          <p:attrName>ppt_x</p:attrName>
+                                          <p:attrName>ppt_y</p:attrName>
+                                        </p:attrNameLst>
+                                      </p:cBhvr>
+                                      <p:rCtr x="17878" y="15741"/>
+                                    </p:animMotion>
+                                  </p:childTnLst>
+                                </p:cTn>
+                              </p:par>
+                            </p:childTnLst>
+                          </p:cTn>
+                        </p:par>
+                        <p:par>
+                          <p:cTn id="25" fill="hold">
+                            <p:stCondLst>
+                              <p:cond delay="1500"/>
+                            </p:stCondLst>
+                            <p:childTnLst>
+                              <p:par>
+                                <p:cTn id="26" presetID="42" presetClass="path" presetSubtype="0" accel="50000" decel="50000" fill="hold" grpId="0" nodeType="afterEffect">
+                                  <p:stCondLst>
+                                    <p:cond delay="0"/>
+                                  </p:stCondLst>
+                                  <p:childTnLst>
+                                    <p:animMotion origin="layout" path="M 3.75E-6 2.59259E-6 L -0.29557 -4.44444E-6 " pathEditMode="relative" rAng="0" ptsTypes="AA">
+                                      <p:cBhvr>
+                                        <p:cTn id="27" dur="500" fill="hold"/>
+                                        <p:tgtEl>
+                                          <p:spTgt spid="16"/>
+                                        </p:tgtEl>
+                                        <p:attrNameLst>
+                                          <p:attrName>ppt_x</p:attrName>
+                                          <p:attrName>ppt_y</p:attrName>
+                                        </p:attrNameLst>
+                                      </p:cBhvr>
+                                      <p:rCtr x="-14714" y="-23"/>
+                                    </p:animMotion>
+                                  </p:childTnLst>
+                                </p:cTn>
+                              </p:par>
+                              <p:par>
+                                <p:cTn id="28" presetID="42" presetClass="path" presetSubtype="0" accel="50000" decel="50000" fill="hold" grpId="0" nodeType="withEffect">
+                                  <p:stCondLst>
+                                    <p:cond delay="0"/>
+                                  </p:stCondLst>
+                                  <p:childTnLst>
+                                    <p:animMotion origin="layout" path="M -1.25E-6 2.59259E-6 L -0.29297 -3.33333E-6 " pathEditMode="relative" rAng="0" ptsTypes="AA">
+                                      <p:cBhvr>
+                                        <p:cTn id="29" dur="500" fill="hold"/>
+                                        <p:tgtEl>
+                                          <p:spTgt spid="17"/>
+                                        </p:tgtEl>
+                                        <p:attrNameLst>
+                                          <p:attrName>ppt_x</p:attrName>
+                                          <p:attrName>ppt_y</p:attrName>
+                                        </p:attrNameLst>
+                                      </p:cBhvr>
+                                      <p:rCtr x="-14609" y="46"/>
+                                    </p:animMotion>
+                                  </p:childTnLst>
+                                </p:cTn>
+                              </p:par>
+                            </p:childTnLst>
+                          </p:cTn>
+                        </p:par>
+                      </p:childTnLst>
+                    </p:cTn>
+                  </p:par>
+                  <p:par>
+                    <p:cTn id="30" fill="hold">
+                      <p:stCondLst>
+                        <p:cond delay="indefinite"/>
+                      </p:stCondLst>
+                      <p:childTnLst>
+                        <p:par>
+                          <p:cTn id="31" fill="hold">
+                            <p:stCondLst>
+                              <p:cond delay="0"/>
+                            </p:stCondLst>
+                            <p:childTnLst>
+                              <p:par>
+                                <p:cTn id="32" presetID="1" presetClass="entr" presetSubtype="0" fill="hold" grpId="1" nodeType="clickEffect">
+                                  <p:stCondLst>
+                                    <p:cond delay="0"/>
+                                  </p:stCondLst>
+                                  <p:childTnLst>
+                                    <p:set>
+                                      <p:cBhvr>
+                                        <p:cTn id="33" dur="1" fill="hold">
+                                          <p:stCondLst>
+                                            <p:cond delay="0"/>
+                                          </p:stCondLst>
+                                        </p:cTn>
+                                        <p:tgtEl>
+                                          <p:spTgt spid="19"/>
+                                        </p:tgtEl>
+                                        <p:attrNameLst>
+                                          <p:attrName>style.visibility</p:attrName>
+                                        </p:attrNameLst>
+                                      </p:cBhvr>
+                                      <p:to>
+                                        <p:strVal val="visible"/>
+                                      </p:to>
+                                    </p:set>
+                                  </p:childTnLst>
+                                </p:cTn>
+                              </p:par>
+                              <p:par>
+                                <p:cTn id="34" presetID="1" presetClass="entr" presetSubtype="0" fill="hold" grpId="1" nodeType="withEffect">
+                                  <p:stCondLst>
+                                    <p:cond delay="0"/>
+                                  </p:stCondLst>
+                                  <p:childTnLst>
+                                    <p:set>
+                                      <p:cBhvr>
+                                        <p:cTn id="35" dur="1" fill="hold">
+                                          <p:stCondLst>
+                                            <p:cond delay="0"/>
+                                          </p:stCondLst>
+                                        </p:cTn>
+                                        <p:tgtEl>
+                                          <p:spTgt spid="18"/>
+                                        </p:tgtEl>
+                                        <p:attrNameLst>
+                                          <p:attrName>style.visibility</p:attrName>
+                                        </p:attrNameLst>
+                                      </p:cBhvr>
+                                      <p:to>
+                                        <p:strVal val="visible"/>
+                                      </p:to>
+                                    </p:set>
+                                  </p:childTnLst>
+                                </p:cTn>
+                              </p:par>
+                            </p:childTnLst>
+                          </p:cTn>
+                        </p:par>
+                      </p:childTnLst>
+                    </p:cTn>
+                  </p:par>
+                  <p:par>
+                    <p:cTn id="36" fill="hold">
+                      <p:stCondLst>
+                        <p:cond delay="indefinite"/>
+                      </p:stCondLst>
+                      <p:childTnLst>
+                        <p:par>
+                          <p:cTn id="37" fill="hold">
+                            <p:stCondLst>
+                              <p:cond delay="0"/>
+                            </p:stCondLst>
+                            <p:childTnLst>
+                              <p:par>
+                                <p:cTn id="38" presetID="21" presetClass="emph" presetSubtype="0" fill="hold" grpId="1" nodeType="clickEffect">
+                                  <p:stCondLst>
+                                    <p:cond delay="0"/>
+                                  </p:stCondLst>
+                                  <p:childTnLst>
+                                    <p:animClr clrSpc="hsl" dir="cw">
+                                      <p:cBhvr override="childStyle">
+                                        <p:cTn id="39" dur="500" fill="hold"/>
+                                        <p:tgtEl>
+                                          <p:spTgt spid="6"/>
+                                        </p:tgtEl>
+                                        <p:attrNameLst>
+                                          <p:attrName>style.color</p:attrName>
+                                        </p:attrNameLst>
+                                      </p:cBhvr>
+                                      <p:by>
+                                        <p:hsl h="7200000" s="0" l="0"/>
+                                      </p:by>
+                                    </p:animClr>
+                                    <p:animClr clrSpc="hsl" dir="cw">
+                                      <p:cBhvr>
+                                        <p:cTn id="40" dur="500" fill="hold"/>
+                                        <p:tgtEl>
+                                          <p:spTgt spid="6"/>
+                                        </p:tgtEl>
+                                        <p:attrNameLst>
+                                          <p:attrName>fillcolor</p:attrName>
+                                        </p:attrNameLst>
+                                      </p:cBhvr>
+                                      <p:by>
+                                        <p:hsl h="7200000" s="0" l="0"/>
+                                      </p:by>
+                                    </p:animClr>
+                                    <p:animClr clrSpc="hsl" dir="cw">
+                                      <p:cBhvr>
+                                        <p:cTn id="41" dur="500" fill="hold"/>
+                                        <p:tgtEl>
+                                          <p:spTgt spid="6"/>
+                                        </p:tgtEl>
+                                        <p:attrNameLst>
+                                          <p:attrName>stroke.color</p:attrName>
+                                        </p:attrNameLst>
+                                      </p:cBhvr>
+                                      <p:by>
+                                        <p:hsl h="7200000" s="0" l="0"/>
+                                      </p:by>
+                                    </p:animClr>
+                                    <p:set>
+                                      <p:cBhvr>
+                                        <p:cTn id="42" dur="500" fill="hold"/>
+                                        <p:tgtEl>
+                                          <p:spTgt spid="6"/>
+                                        </p:tgtEl>
+                                        <p:attrNameLst>
+                                          <p:attrName>fill.type</p:attrName>
+                                        </p:attrNameLst>
+                                      </p:cBhvr>
+                                      <p:to>
+                                        <p:strVal val="solid"/>
+                                      </p:to>
+                                    </p:set>
+                                  </p:childTnLst>
+                                </p:cTn>
+                              </p:par>
+                            </p:childTnLst>
+                          </p:cTn>
+                        </p:par>
+                      </p:childTnLst>
+                    </p:cTn>
+                  </p:par>
+                  <p:par>
+                    <p:cTn id="43" fill="hold">
+                      <p:stCondLst>
+                        <p:cond delay="indefinite"/>
+                      </p:stCondLst>
+                      <p:childTnLst>
+                        <p:par>
+                          <p:cTn id="44" fill="hold">
+                            <p:stCondLst>
+                              <p:cond delay="0"/>
+                            </p:stCondLst>
+                            <p:childTnLst>
+                              <p:par>
+                                <p:cTn id="45" presetID="1" presetClass="exit" presetSubtype="0" fill="hold" grpId="2" nodeType="clickEffect">
+                                  <p:stCondLst>
+                                    <p:cond delay="0"/>
+                                  </p:stCondLst>
+                                  <p:childTnLst>
+                                    <p:set>
+                                      <p:cBhvr>
+                                        <p:cTn id="46" dur="1" fill="hold">
+                                          <p:stCondLst>
+                                            <p:cond delay="0"/>
+                                          </p:stCondLst>
+                                        </p:cTn>
+                                        <p:tgtEl>
+                                          <p:spTgt spid="19"/>
+                                        </p:tgtEl>
+                                        <p:attrNameLst>
+                                          <p:attrName>style.visibility</p:attrName>
+                                        </p:attrNameLst>
+                                      </p:cBhvr>
+                                      <p:to>
+                                        <p:strVal val="hidden"/>
+                                      </p:to>
+                                    </p:set>
+                                  </p:childTnLst>
+                                </p:cTn>
+                              </p:par>
+                            </p:childTnLst>
+                          </p:cTn>
+                        </p:par>
+                        <p:par>
+                          <p:cTn id="47" fill="hold">
+                            <p:stCondLst>
+                              <p:cond delay="0"/>
+                            </p:stCondLst>
+                            <p:childTnLst>
+                              <p:par>
+                                <p:cTn id="48" presetID="42" presetClass="path" presetSubtype="0" accel="50000" decel="50000" fill="hold" grpId="2" nodeType="afterEffect">
+                                  <p:stCondLst>
+                                    <p:cond delay="0"/>
+                                  </p:stCondLst>
+                                  <p:childTnLst>
+                                    <p:animMotion origin="layout" path="M 0.05521 0.31504 L 0.71042 0.25671 " pathEditMode="relative" rAng="0" ptsTypes="AA">
+                                      <p:cBhvr>
+                                        <p:cTn id="49" dur="500" fill="hold"/>
+                                        <p:tgtEl>
+                                          <p:spTgt spid="6"/>
+                                        </p:tgtEl>
+                                        <p:attrNameLst>
+                                          <p:attrName>ppt_x</p:attrName>
+                                          <p:attrName>ppt_y</p:attrName>
+                                        </p:attrNameLst>
+                                      </p:cBhvr>
+                                      <p:rCtr x="32760" y="-2917"/>
+                                    </p:animMotion>
+                                  </p:childTnLst>
+                                </p:cTn>
+                              </p:par>
+                            </p:childTnLst>
+                          </p:cTn>
+                        </p:par>
+                      </p:childTnLst>
+                    </p:cTn>
+                  </p:par>
+                  <p:par>
+                    <p:cTn id="50" fill="hold">
+                      <p:stCondLst>
+                        <p:cond delay="indefinite"/>
+                      </p:stCondLst>
+                      <p:childTnLst>
+                        <p:par>
+                          <p:cTn id="51" fill="hold">
+                            <p:stCondLst>
+                              <p:cond delay="0"/>
+                            </p:stCondLst>
+                            <p:childTnLst>
+                              <p:par>
+                                <p:cTn id="52" presetID="42" presetClass="path" presetSubtype="0" accel="50000" decel="50000" fill="hold" grpId="1" nodeType="clickEffect">
+                                  <p:stCondLst>
+                                    <p:cond delay="0"/>
+                                  </p:stCondLst>
+                                  <p:childTnLst>
+                                    <p:animMotion origin="layout" path="M -0.29558 2.59259E-6 L -0.24037 0.31505 " pathEditMode="relative" rAng="0" ptsTypes="AA">
+                                      <p:cBhvr>
+                                        <p:cTn id="53" dur="500" fill="hold"/>
+                                        <p:tgtEl>
+                                          <p:spTgt spid="16"/>
+                                        </p:tgtEl>
+                                        <p:attrNameLst>
+                                          <p:attrName>ppt_x</p:attrName>
+                                          <p:attrName>ppt_y</p:attrName>
+                                        </p:attrNameLst>
+                                      </p:cBhvr>
+                                      <p:rCtr x="2760" y="15718"/>
+                                    </p:animMotion>
+                                  </p:childTnLst>
+                                </p:cTn>
+                              </p:par>
+                            </p:childTnLst>
+                          </p:cTn>
+                        </p:par>
+                        <p:par>
+                          <p:cTn id="54" fill="hold">
+                            <p:stCondLst>
+                              <p:cond delay="500"/>
+                            </p:stCondLst>
+                            <p:childTnLst>
+                              <p:par>
+                                <p:cTn id="55" presetID="42" presetClass="path" presetSubtype="0" accel="50000" decel="50000" fill="hold" grpId="1" nodeType="afterEffect">
+                                  <p:stCondLst>
+                                    <p:cond delay="0"/>
+                                  </p:stCondLst>
+                                  <p:childTnLst>
+                                    <p:animMotion origin="layout" path="M -0.29297 2.59259E-6 L -0.39245 -4.44444E-6 " pathEditMode="relative" rAng="0" ptsTypes="AA">
+                                      <p:cBhvr>
+                                        <p:cTn id="56" dur="500" fill="hold"/>
+                                        <p:tgtEl>
+                                          <p:spTgt spid="17"/>
+                                        </p:tgtEl>
+                                        <p:attrNameLst>
+                                          <p:attrName>ppt_x</p:attrName>
+                                          <p:attrName>ppt_y</p:attrName>
+                                        </p:attrNameLst>
+                                      </p:cBhvr>
+                                      <p:rCtr x="-4987" y="-23"/>
+                                    </p:animMotion>
+                                  </p:childTnLst>
+                                </p:cTn>
+                              </p:par>
+                            </p:childTnLst>
+                          </p:cTn>
+                        </p:par>
+                      </p:childTnLst>
+                    </p:cTn>
+                  </p:par>
+                  <p:par>
+                    <p:cTn id="57" fill="hold">
+                      <p:stCondLst>
+                        <p:cond delay="indefinite"/>
+                      </p:stCondLst>
+                      <p:childTnLst>
+                        <p:par>
+                          <p:cTn id="58" fill="hold">
+                            <p:stCondLst>
+                              <p:cond delay="0"/>
+                            </p:stCondLst>
+                            <p:childTnLst>
+                              <p:par>
+                                <p:cTn id="59" presetID="1" presetClass="entr" presetSubtype="0" fill="hold" grpId="1" nodeType="clickEffect">
+                                  <p:stCondLst>
+                                    <p:cond delay="0"/>
+                                  </p:stCondLst>
+                                  <p:childTnLst>
+                                    <p:set>
+                                      <p:cBhvr>
+                                        <p:cTn id="60" dur="1" fill="hold">
+                                          <p:stCondLst>
+                                            <p:cond delay="0"/>
+                                          </p:stCondLst>
+                                        </p:cTn>
+                                        <p:tgtEl>
+                                          <p:spTgt spid="20"/>
+                                        </p:tgtEl>
+                                        <p:attrNameLst>
+                                          <p:attrName>style.visibility</p:attrName>
+                                        </p:attrNameLst>
+                                      </p:cBhvr>
+                                      <p:to>
+                                        <p:strVal val="visible"/>
+                                      </p:to>
+                                    </p:set>
+                                  </p:childTnLst>
+                                </p:cTn>
+                              </p:par>
+                            </p:childTnLst>
+                          </p:cTn>
+                        </p:par>
+                      </p:childTnLst>
+                    </p:cTn>
+                  </p:par>
+                  <p:par>
+                    <p:cTn id="61" fill="hold">
+                      <p:stCondLst>
+                        <p:cond delay="indefinite"/>
+                      </p:stCondLst>
+                      <p:childTnLst>
+                        <p:par>
+                          <p:cTn id="62" fill="hold">
+                            <p:stCondLst>
+                              <p:cond delay="0"/>
+                            </p:stCondLst>
+                            <p:childTnLst>
+                              <p:par>
+                                <p:cTn id="63" presetID="21" presetClass="emph" presetSubtype="0" fill="hold" grpId="1" nodeType="clickEffect">
+                                  <p:stCondLst>
+                                    <p:cond delay="0"/>
+                                  </p:stCondLst>
+                                  <p:childTnLst>
+                                    <p:animClr clrSpc="hsl" dir="cw">
+                                      <p:cBhvr override="childStyle">
+                                        <p:cTn id="64" dur="500" fill="hold"/>
+                                        <p:tgtEl>
+                                          <p:spTgt spid="15"/>
+                                        </p:tgtEl>
+                                        <p:attrNameLst>
+                                          <p:attrName>style.color</p:attrName>
+                                        </p:attrNameLst>
+                                      </p:cBhvr>
+                                      <p:by>
+                                        <p:hsl h="7200000" s="0" l="0"/>
+                                      </p:by>
+                                    </p:animClr>
+                                    <p:animClr clrSpc="hsl" dir="cw">
+                                      <p:cBhvr>
+                                        <p:cTn id="65" dur="500" fill="hold"/>
+                                        <p:tgtEl>
+                                          <p:spTgt spid="15"/>
+                                        </p:tgtEl>
+                                        <p:attrNameLst>
+                                          <p:attrName>fillcolor</p:attrName>
+                                        </p:attrNameLst>
+                                      </p:cBhvr>
+                                      <p:by>
+                                        <p:hsl h="7200000" s="0" l="0"/>
+                                      </p:by>
+                                    </p:animClr>
+                                    <p:animClr clrSpc="hsl" dir="cw">
+                                      <p:cBhvr>
+                                        <p:cTn id="66" dur="500" fill="hold"/>
+                                        <p:tgtEl>
+                                          <p:spTgt spid="15"/>
+                                        </p:tgtEl>
+                                        <p:attrNameLst>
+                                          <p:attrName>stroke.color</p:attrName>
+                                        </p:attrNameLst>
+                                      </p:cBhvr>
+                                      <p:by>
+                                        <p:hsl h="7200000" s="0" l="0"/>
+                                      </p:by>
+                                    </p:animClr>
+                                    <p:set>
+                                      <p:cBhvr>
+                                        <p:cTn id="67" dur="500" fill="hold"/>
+                                        <p:tgtEl>
+                                          <p:spTgt spid="15"/>
+                                        </p:tgtEl>
+                                        <p:attrNameLst>
+                                          <p:attrName>fill.type</p:attrName>
+                                        </p:attrNameLst>
+                                      </p:cBhvr>
+                                      <p:to>
+                                        <p:strVal val="solid"/>
+                                      </p:to>
+                                    </p:set>
+                                  </p:childTnLst>
+                                </p:cTn>
+                              </p:par>
+                            </p:childTnLst>
+                          </p:cTn>
+                        </p:par>
+                      </p:childTnLst>
+                    </p:cTn>
+                  </p:par>
+                  <p:par>
+                    <p:cTn id="68" fill="hold">
+                      <p:stCondLst>
+                        <p:cond delay="indefinite"/>
+                      </p:stCondLst>
+                      <p:childTnLst>
+                        <p:par>
+                          <p:cTn id="69" fill="hold">
+                            <p:stCondLst>
+                              <p:cond delay="0"/>
+                            </p:stCondLst>
+                            <p:childTnLst>
+                              <p:par>
+                                <p:cTn id="70" presetID="1" presetClass="exit" presetSubtype="0" fill="hold" grpId="2" nodeType="clickEffect">
+                                  <p:stCondLst>
+                                    <p:cond delay="0"/>
+                                  </p:stCondLst>
+                                  <p:childTnLst>
+                                    <p:set>
+                                      <p:cBhvr>
+                                        <p:cTn id="71" dur="1" fill="hold">
+                                          <p:stCondLst>
+                                            <p:cond delay="0"/>
+                                          </p:stCondLst>
+                                        </p:cTn>
+                                        <p:tgtEl>
+                                          <p:spTgt spid="20"/>
+                                        </p:tgtEl>
+                                        <p:attrNameLst>
+                                          <p:attrName>style.visibility</p:attrName>
+                                        </p:attrNameLst>
+                                      </p:cBhvr>
+                                      <p:to>
+                                        <p:strVal val="hidden"/>
+                                      </p:to>
+                                    </p:set>
+                                  </p:childTnLst>
+                                </p:cTn>
+                              </p:par>
+                            </p:childTnLst>
+                          </p:cTn>
+                        </p:par>
+                        <p:par>
+                          <p:cTn id="72" fill="hold">
+                            <p:stCondLst>
+                              <p:cond delay="0"/>
+                            </p:stCondLst>
+                            <p:childTnLst>
+                              <p:par>
+                                <p:cTn id="73" presetID="42" presetClass="path" presetSubtype="0" accel="50000" decel="50000" fill="hold" grpId="2" nodeType="afterEffect">
+                                  <p:stCondLst>
+                                    <p:cond delay="0"/>
+                                  </p:stCondLst>
+                                  <p:childTnLst>
+                                    <p:animMotion origin="layout" path="M 0.35768 0.31504 L 0.50899 0.42847 " pathEditMode="relative" rAng="0" ptsTypes="AA">
+                                      <p:cBhvr>
+                                        <p:cTn id="74" dur="500" fill="hold"/>
+                                        <p:tgtEl>
+                                          <p:spTgt spid="15"/>
+                                        </p:tgtEl>
+                                        <p:attrNameLst>
+                                          <p:attrName>ppt_x</p:attrName>
+                                          <p:attrName>ppt_y</p:attrName>
+                                        </p:attrNameLst>
+                                      </p:cBhvr>
+                                      <p:rCtr x="7565" y="5671"/>
+                                    </p:animMotion>
+                                  </p:childTnLst>
+                                </p:cTn>
+                              </p:par>
+                            </p:childTnLst>
+                          </p:cTn>
+                        </p:par>
+                      </p:childTnLst>
+                    </p:cTn>
+                  </p:par>
+                  <p:par>
+                    <p:cTn id="75" fill="hold">
+                      <p:stCondLst>
+                        <p:cond delay="indefinite"/>
+                      </p:stCondLst>
+                      <p:childTnLst>
+                        <p:par>
+                          <p:cTn id="76" fill="hold">
+                            <p:stCondLst>
+                              <p:cond delay="0"/>
+                            </p:stCondLst>
+                            <p:childTnLst>
+                              <p:par>
+                                <p:cTn id="77" presetID="42" presetClass="path" presetSubtype="0" accel="50000" decel="50000" fill="hold" grpId="2" nodeType="clickEffect">
+                                  <p:stCondLst>
+                                    <p:cond delay="0"/>
+                                  </p:stCondLst>
+                                  <p:childTnLst>
+                                    <p:animMotion origin="layout" path="M -0.39245 2.59259E-6 L 0.16406 0.31505 " pathEditMode="relative" rAng="0" ptsTypes="AA">
+                                      <p:cBhvr>
+                                        <p:cTn id="78" dur="500" fill="hold"/>
+                                        <p:tgtEl>
+                                          <p:spTgt spid="17"/>
+                                        </p:tgtEl>
+                                        <p:attrNameLst>
+                                          <p:attrName>ppt_x</p:attrName>
+                                          <p:attrName>ppt_y</p:attrName>
+                                        </p:attrNameLst>
+                                      </p:cBhvr>
+                                      <p:rCtr x="27747" y="15718"/>
+                                    </p:animMotion>
+                                  </p:childTnLst>
+                                </p:cTn>
+                              </p:par>
+                            </p:childTnLst>
+                          </p:cTn>
+                        </p:par>
+                      </p:childTnLst>
+                    </p:cTn>
+                  </p:par>
+                  <p:par>
+                    <p:cTn id="79" fill="hold">
+                      <p:stCondLst>
+                        <p:cond delay="indefinite"/>
+                      </p:stCondLst>
+                      <p:childTnLst>
+                        <p:par>
+                          <p:cTn id="80" fill="hold">
+                            <p:stCondLst>
+                              <p:cond delay="0"/>
+                            </p:stCondLst>
+                            <p:childTnLst>
+                              <p:par>
+                                <p:cTn id="81" presetID="42" presetClass="path" presetSubtype="0" accel="50000" decel="50000" fill="hold" grpId="1" nodeType="clickEffect">
+                                  <p:stCondLst>
+                                    <p:cond delay="0"/>
+                                  </p:stCondLst>
+                                  <p:childTnLst>
+                                    <p:animMotion origin="layout" path="M 0.21094 0.31504 L 0.21094 0.71157 " pathEditMode="relative" rAng="0" ptsTypes="AA">
+                                      <p:cBhvr>
+                                        <p:cTn id="82" dur="500" fill="hold"/>
+                                        <p:tgtEl>
+                                          <p:spTgt spid="14"/>
+                                        </p:tgtEl>
+                                        <p:attrNameLst>
+                                          <p:attrName>ppt_x</p:attrName>
+                                          <p:attrName>ppt_y</p:attrName>
+                                        </p:attrNameLst>
+                                      </p:cBhvr>
+                                      <p:rCtr x="0" y="19815"/>
+                                    </p:animMotion>
+                                  </p:childTnLst>
+                                </p:cTn>
+                              </p:par>
+                            </p:childTnLst>
+                          </p:cTn>
+                        </p:par>
+                      </p:childTnLst>
+                    </p:cTn>
+                  </p:par>
+                  <p:par>
+                    <p:cTn id="83" fill="hold">
+                      <p:stCondLst>
+                        <p:cond delay="indefinite"/>
+                      </p:stCondLst>
+                      <p:childTnLst>
+                        <p:par>
+                          <p:cTn id="84" fill="hold">
+                            <p:stCondLst>
+                              <p:cond delay="0"/>
+                            </p:stCondLst>
+                            <p:childTnLst>
+                              <p:par>
+                                <p:cTn id="85" presetID="1" presetClass="entr" presetSubtype="0" fill="hold" grpId="1" nodeType="clickEffect">
+                                  <p:stCondLst>
+                                    <p:cond delay="0"/>
+                                  </p:stCondLst>
+                                  <p:childTnLst>
+                                    <p:set>
+                                      <p:cBhvr>
+                                        <p:cTn id="86" dur="1" fill="hold">
+                                          <p:stCondLst>
+                                            <p:cond delay="0"/>
+                                          </p:stCondLst>
+                                        </p:cTn>
+                                        <p:tgtEl>
+                                          <p:spTgt spid="22"/>
+                                        </p:tgtEl>
+                                        <p:attrNameLst>
+                                          <p:attrName>style.visibility</p:attrName>
+                                        </p:attrNameLst>
+                                      </p:cBhvr>
+                                      <p:to>
+                                        <p:strVal val="visible"/>
+                                      </p:to>
+                                    </p:set>
+                                  </p:childTnLst>
+                                </p:cTn>
+                              </p:par>
+                            </p:childTnLst>
+                          </p:cTn>
+                        </p:par>
+                      </p:childTnLst>
+                    </p:cTn>
+                  </p:par>
+                  <p:par>
+                    <p:cTn id="87" fill="hold">
+                      <p:stCondLst>
+                        <p:cond delay="indefinite"/>
+                      </p:stCondLst>
+                      <p:childTnLst>
+                        <p:par>
+                          <p:cTn id="88" fill="hold">
+                            <p:stCondLst>
+                              <p:cond delay="0"/>
+                            </p:stCondLst>
+                            <p:childTnLst>
+                              <p:par>
+                                <p:cTn id="89" presetID="1" presetClass="exit" presetSubtype="0" fill="hold" grpId="2" nodeType="clickEffect">
+                                  <p:stCondLst>
+                                    <p:cond delay="0"/>
+                                  </p:stCondLst>
+                                  <p:childTnLst>
+                                    <p:set>
+                                      <p:cBhvr>
+                                        <p:cTn id="90" dur="1" fill="hold">
+                                          <p:stCondLst>
+                                            <p:cond delay="0"/>
+                                          </p:stCondLst>
+                                        </p:cTn>
+                                        <p:tgtEl>
+                                          <p:spTgt spid="22"/>
+                                        </p:tgtEl>
+                                        <p:attrNameLst>
+                                          <p:attrName>style.visibility</p:attrName>
+                                        </p:attrNameLst>
+                                      </p:cBhvr>
+                                      <p:to>
+                                        <p:strVal val="hidden"/>
+                                      </p:to>
+                                    </p:set>
+                                  </p:childTnLst>
+                                </p:cTn>
+                              </p:par>
+                            </p:childTnLst>
+                          </p:cTn>
+                        </p:par>
+                        <p:par>
+                          <p:cTn id="91" fill="hold">
+                            <p:stCondLst>
+                              <p:cond delay="0"/>
+                            </p:stCondLst>
+                            <p:childTnLst>
+                              <p:par>
+                                <p:cTn id="92" presetID="42" presetClass="path" presetSubtype="0" accel="50000" decel="50000" fill="hold" grpId="3" nodeType="afterEffect">
+                                  <p:stCondLst>
+                                    <p:cond delay="0"/>
+                                  </p:stCondLst>
+                                  <p:childTnLst>
+                                    <p:animMotion origin="layout" path="M 0.71042 0.25671 L -1.875E-6 -2.22222E-6 " pathEditMode="relative" rAng="0" ptsTypes="AA">
+                                      <p:cBhvr>
+                                        <p:cTn id="93" dur="500" fill="hold"/>
+                                        <p:tgtEl>
+                                          <p:spTgt spid="6"/>
+                                        </p:tgtEl>
+                                        <p:attrNameLst>
+                                          <p:attrName>ppt_x</p:attrName>
+                                          <p:attrName>ppt_y</p:attrName>
+                                        </p:attrNameLst>
+                                      </p:cBhvr>
+                                      <p:rCtr x="-35573" y="-12731"/>
+                                    </p:animMotion>
+                                  </p:childTnLst>
+                                </p:cTn>
+                              </p:par>
+                            </p:childTnLst>
+                          </p:cTn>
+                        </p:par>
+                      </p:childTnLst>
+                    </p:cTn>
+                  </p:par>
+                  <p:par>
+                    <p:cTn id="94" fill="hold">
+                      <p:stCondLst>
+                        <p:cond delay="indefinite"/>
+                      </p:stCondLst>
+                      <p:childTnLst>
+                        <p:par>
+                          <p:cTn id="95" fill="hold">
+                            <p:stCondLst>
+                              <p:cond delay="0"/>
+                            </p:stCondLst>
+                            <p:childTnLst>
+                              <p:par>
+                                <p:cTn id="96" presetID="42" presetClass="path" presetSubtype="0" accel="50000" decel="50000" fill="hold" grpId="4" nodeType="clickEffect">
+                                  <p:stCondLst>
+                                    <p:cond delay="0"/>
+                                  </p:stCondLst>
+                                  <p:childTnLst>
+                                    <p:animMotion origin="layout" path="M -3.33333E-6 2.59259E-6 L 0.31042 0.31505 " pathEditMode="relative" rAng="0" ptsTypes="AA">
+                                      <p:cBhvr>
+                                        <p:cTn id="97" dur="500" fill="hold"/>
+                                        <p:tgtEl>
+                                          <p:spTgt spid="6"/>
+                                        </p:tgtEl>
+                                        <p:attrNameLst>
+                                          <p:attrName>ppt_x</p:attrName>
+                                          <p:attrName>ppt_y</p:attrName>
+                                        </p:attrNameLst>
+                                      </p:cBhvr>
+                                      <p:rCtr x="15521" y="15718"/>
+                                    </p:animMotion>
+                                  </p:childTnLst>
+                                </p:cTn>
+                              </p:par>
+                            </p:childTnLst>
+                          </p:cTn>
+                        </p:par>
+                      </p:childTnLst>
+                    </p:cTn>
+                  </p:par>
+                  <p:par>
+                    <p:cTn id="98" fill="hold">
+                      <p:stCondLst>
+                        <p:cond delay="indefinite"/>
+                      </p:stCondLst>
+                      <p:childTnLst>
+                        <p:par>
+                          <p:cTn id="99" fill="hold">
+                            <p:stCondLst>
+                              <p:cond delay="0"/>
+                            </p:stCondLst>
+                            <p:childTnLst>
+                              <p:par>
+                                <p:cTn id="100" presetID="42" presetClass="path" presetSubtype="0" accel="50000" decel="50000" fill="hold" grpId="2" nodeType="clickEffect">
+                                  <p:stCondLst>
+                                    <p:cond delay="0"/>
+                                  </p:stCondLst>
+                                  <p:childTnLst>
+                                    <p:animMotion origin="layout" path="M -0.24037 0.31504 L -0.24102 0.68958 " pathEditMode="relative" rAng="0" ptsTypes="AA">
+                                      <p:cBhvr>
+                                        <p:cTn id="101" dur="500" fill="hold"/>
+                                        <p:tgtEl>
+                                          <p:spTgt spid="16"/>
+                                        </p:tgtEl>
+                                        <p:attrNameLst>
+                                          <p:attrName>ppt_x</p:attrName>
+                                          <p:attrName>ppt_y</p:attrName>
+                                        </p:attrNameLst>
+                                      </p:cBhvr>
+                                      <p:rCtr x="-39" y="18727"/>
+                                    </p:animMotion>
+                                  </p:childTnLst>
+                                </p:cTn>
+                              </p:par>
+                              <p:par>
+                                <p:cTn id="102" presetID="42" presetClass="path" presetSubtype="0" accel="50000" decel="50000" fill="hold" grpId="3" nodeType="withEffect">
+                                  <p:stCondLst>
+                                    <p:cond delay="0"/>
+                                  </p:stCondLst>
+                                  <p:childTnLst>
+                                    <p:animMotion origin="layout" path="M 0.16406 0.31504 L 0.16563 0.69514 " pathEditMode="relative" rAng="0" ptsTypes="AA">
+                                      <p:cBhvr>
+                                        <p:cTn id="103" dur="500" fill="hold"/>
+                                        <p:tgtEl>
+                                          <p:spTgt spid="17"/>
+                                        </p:tgtEl>
+                                        <p:attrNameLst>
+                                          <p:attrName>ppt_x</p:attrName>
+                                          <p:attrName>ppt_y</p:attrName>
+                                        </p:attrNameLst>
+                                      </p:cBhvr>
+                                      <p:rCtr x="78" y="19005"/>
+                                    </p:animMotion>
+                                  </p:childTnLst>
+                                </p:cTn>
+                              </p:par>
+                            </p:childTnLst>
+                          </p:cTn>
+                        </p:par>
+                      </p:childTnLst>
+                    </p:cTn>
+                  </p:par>
+                  <p:par>
+                    <p:cTn id="104" fill="hold">
+                      <p:stCondLst>
+                        <p:cond delay="indefinite"/>
+                      </p:stCondLst>
+                      <p:childTnLst>
+                        <p:par>
+                          <p:cTn id="105" fill="hold">
+                            <p:stCondLst>
+                              <p:cond delay="0"/>
+                            </p:stCondLst>
+                            <p:childTnLst>
+                              <p:par>
+                                <p:cTn id="106" presetID="1" presetClass="entr" presetSubtype="0" fill="hold" grpId="1" nodeType="clickEffect">
+                                  <p:stCondLst>
+                                    <p:cond delay="0"/>
+                                  </p:stCondLst>
+                                  <p:childTnLst>
+                                    <p:set>
+                                      <p:cBhvr>
+                                        <p:cTn id="107" dur="1" fill="hold">
+                                          <p:stCondLst>
+                                            <p:cond delay="0"/>
+                                          </p:stCondLst>
+                                        </p:cTn>
+                                        <p:tgtEl>
+                                          <p:spTgt spid="23"/>
+                                        </p:tgtEl>
+                                        <p:attrNameLst>
+                                          <p:attrName>style.visibility</p:attrName>
+                                        </p:attrNameLst>
+                                      </p:cBhvr>
+                                      <p:to>
+                                        <p:strVal val="visible"/>
+                                      </p:to>
+                                    </p:set>
+                                  </p:childTnLst>
+                                </p:cTn>
+                              </p:par>
+                            </p:childTnLst>
+                          </p:cTn>
+                        </p:par>
+                      </p:childTnLst>
+                    </p:cTn>
+                  </p:par>
+                  <p:par>
+                    <p:cTn id="108" fill="hold">
+                      <p:stCondLst>
+                        <p:cond delay="indefinite"/>
+                      </p:stCondLst>
+                      <p:childTnLst>
+                        <p:par>
+                          <p:cTn id="109" fill="hold">
+                            <p:stCondLst>
+                              <p:cond delay="0"/>
+                            </p:stCondLst>
+                            <p:childTnLst>
+                              <p:par>
+                                <p:cTn id="110" presetID="1" presetClass="exit" presetSubtype="0" fill="hold" grpId="2" nodeType="clickEffect">
+                                  <p:stCondLst>
+                                    <p:cond delay="0"/>
+                                  </p:stCondLst>
+                                  <p:childTnLst>
+                                    <p:set>
+                                      <p:cBhvr>
+                                        <p:cTn id="111" dur="1" fill="hold">
+                                          <p:stCondLst>
+                                            <p:cond delay="0"/>
+                                          </p:stCondLst>
+                                        </p:cTn>
+                                        <p:tgtEl>
+                                          <p:spTgt spid="23"/>
+                                        </p:tgtEl>
+                                        <p:attrNameLst>
+                                          <p:attrName>style.visibility</p:attrName>
+                                        </p:attrNameLst>
+                                      </p:cBhvr>
+                                      <p:to>
+                                        <p:strVal val="hidden"/>
+                                      </p:to>
+                                    </p:set>
+                                  </p:childTnLst>
+                                </p:cTn>
+                              </p:par>
+                            </p:childTnLst>
+                          </p:cTn>
+                        </p:par>
+                        <p:par>
+                          <p:cTn id="112" fill="hold">
+                            <p:stCondLst>
+                              <p:cond delay="0"/>
+                            </p:stCondLst>
+                            <p:childTnLst>
+                              <p:par>
+                                <p:cTn id="113" presetID="42" presetClass="path" presetSubtype="0" accel="50000" decel="50000" fill="hold" grpId="3" nodeType="afterEffect">
+                                  <p:stCondLst>
+                                    <p:cond delay="0"/>
+                                  </p:stCondLst>
+                                  <p:childTnLst>
+                                    <p:animMotion origin="layout" path="M 0.50899 0.42847 L -0.19883 -4.44444E-6 " pathEditMode="relative" rAng="0" ptsTypes="AA">
+                                      <p:cBhvr>
+                                        <p:cTn id="114" dur="500" fill="hold"/>
+                                        <p:tgtEl>
+                                          <p:spTgt spid="15"/>
+                                        </p:tgtEl>
+                                        <p:attrNameLst>
+                                          <p:attrName>ppt_x</p:attrName>
+                                          <p:attrName>ppt_y</p:attrName>
+                                        </p:attrNameLst>
+                                      </p:cBhvr>
+                                      <p:rCtr x="-35404" y="-21458"/>
+                                    </p:animMotion>
+                                  </p:childTnLst>
+                                </p:cTn>
+                              </p:par>
+                            </p:childTnLst>
+                          </p:cTn>
+                        </p:par>
+                      </p:childTnLst>
+                    </p:cTn>
+                  </p:par>
+                  <p:par>
+                    <p:cTn id="115" fill="hold">
+                      <p:stCondLst>
+                        <p:cond delay="indefinite"/>
+                      </p:stCondLst>
+                      <p:childTnLst>
+                        <p:par>
+                          <p:cTn id="116" fill="hold">
+                            <p:stCondLst>
+                              <p:cond delay="0"/>
+                            </p:stCondLst>
+                            <p:childTnLst>
+                              <p:par>
+                                <p:cTn id="117" presetID="42" presetClass="path" presetSubtype="0" accel="50000" decel="50000" fill="hold" grpId="4" nodeType="clickEffect">
+                                  <p:stCondLst>
+                                    <p:cond delay="0"/>
+                                  </p:stCondLst>
+                                  <p:childTnLst>
+                                    <p:animMotion origin="layout" path="M -0.19883 2.59259E-6 L -0.14362 0.31505 " pathEditMode="relative" rAng="0" ptsTypes="AA">
+                                      <p:cBhvr>
+                                        <p:cTn id="118" dur="500" fill="hold"/>
+                                        <p:tgtEl>
+                                          <p:spTgt spid="15"/>
+                                        </p:tgtEl>
+                                        <p:attrNameLst>
+                                          <p:attrName>ppt_x</p:attrName>
+                                          <p:attrName>ppt_y</p:attrName>
+                                        </p:attrNameLst>
+                                      </p:cBhvr>
+                                      <p:rCtr x="2760" y="15718"/>
+                                    </p:animMotion>
+                                  </p:childTnLst>
+                                </p:cTn>
+                              </p:par>
+                            </p:childTnLst>
+                          </p:cTn>
+                        </p:par>
+                      </p:childTnLst>
+                    </p:cTn>
+                  </p:par>
+                  <p:par>
+                    <p:cTn id="119" fill="hold">
+                      <p:stCondLst>
+                        <p:cond delay="indefinite"/>
+                      </p:stCondLst>
+                      <p:childTnLst>
+                        <p:par>
+                          <p:cTn id="120" fill="hold">
+                            <p:stCondLst>
+                              <p:cond delay="0"/>
+                            </p:stCondLst>
+                            <p:childTnLst>
+                              <p:par>
+                                <p:cTn id="121" presetID="42" presetClass="path" presetSubtype="0" accel="50000" decel="50000" fill="hold" grpId="5" nodeType="clickEffect">
+                                  <p:stCondLst>
+                                    <p:cond delay="0"/>
+                                  </p:stCondLst>
+                                  <p:childTnLst>
+                                    <p:animMotion origin="layout" path="M -0.14362 0.31504 L -0.14427 0.69375 " pathEditMode="relative" rAng="0" ptsTypes="AA">
+                                      <p:cBhvr>
+                                        <p:cTn id="122" dur="500" fill="hold"/>
+                                        <p:tgtEl>
+                                          <p:spTgt spid="15"/>
+                                        </p:tgtEl>
+                                        <p:attrNameLst>
+                                          <p:attrName>ppt_x</p:attrName>
+                                          <p:attrName>ppt_y</p:attrName>
+                                        </p:attrNameLst>
+                                      </p:cBhvr>
+                                      <p:rCtr x="-39" y="18935"/>
+                                    </p:animMotion>
+                                  </p:childTnLst>
+                                </p:cTn>
+                              </p:par>
+                            </p:childTnLst>
+                          </p:cTn>
+                        </p:par>
+                        <p:par>
+                          <p:cTn id="123" fill="hold">
+                            <p:stCondLst>
+                              <p:cond delay="500"/>
+                            </p:stCondLst>
+                            <p:childTnLst>
+                              <p:par>
+                                <p:cTn id="124" presetID="42" presetClass="path" presetSubtype="0" accel="50000" decel="50000" fill="hold" grpId="5" nodeType="afterEffect">
+                                  <p:stCondLst>
+                                    <p:cond delay="0"/>
+                                  </p:stCondLst>
+                                  <p:childTnLst>
+                                    <p:animMotion origin="layout" path="M 0.31042 0.31504 L 0.31042 0.7074 " pathEditMode="relative" rAng="0" ptsTypes="AA">
+                                      <p:cBhvr>
+                                        <p:cTn id="125" dur="500" fill="hold"/>
+                                        <p:tgtEl>
+                                          <p:spTgt spid="6"/>
+                                        </p:tgtEl>
+                                        <p:attrNameLst>
+                                          <p:attrName>ppt_x</p:attrName>
+                                          <p:attrName>ppt_y</p:attrName>
+                                        </p:attrNameLst>
+                                      </p:cBhvr>
+                                      <p:rCtr x="0" y="19606"/>
+                                    </p:animMotion>
+                                  </p:childTnLst>
+                                </p:cTn>
+                              </p:par>
+                            </p:childTnLst>
+                          </p:cTn>
+                        </p:par>
+                      </p:childTnLst>
+                    </p:cTn>
+                  </p:par>
+                </p:childTnLst>
+              </p:cTn>
+              <p:prevCondLst>
+                <p:cond evt="onPrev" delay="0">
+                  <p:tgtEl>
+                    <p:sldTgt/>
+                  </p:tgtEl>
+                </p:cond>
+              </p:prevCondLst>
+              <p:nextCondLst>
+                <p:cond evt="onNext" delay="0">
+                  <p:tgtEl>
+                    <p:sldTgt/>
+                  </p:tgtEl>
+                </p:cond>
+              </p:nextCondLst>
+            </p:seq>
+          </p:childTnLst>
+        </p:cTn>
+      </p:par>
+    </p:tnLst>
+    <p:bldLst>
+      <p:bldP spid="6" grpId="0" animBg="1"/>
+      <p:bldP spid="6" grpId="1" animBg="1"/>
+      <p:bldP spid="6" grpId="2" animBg="1"/>
+      <p:bldP spid="6" grpId="3" animBg="1"/>
+      <p:bldP spid="6" grpId="4" animBg="1"/>
+      <p:bldP spid="6" grpId="5" animBg="1"/>
+      <p:bldP spid="14" grpId="0" animBg="1"/>
+      <p:bldP spid="14" grpId="1" animBg="1"/>
+      <p:bldP spid="15" grpId="0" animBg="1"/>
+      <p:bldP spid="15" grpId="1" animBg="1"/>
+      <p:bldP spid="15" grpId="2" animBg="1"/>
+      <p:bldP spid="15" grpId="3" animBg="1"/>
+      <p:bldP spid="15" grpId="4" animBg="1"/>
+      <p:bldP spid="15" grpId="5" animBg="1"/>
+      <p:bldP spid="16" grpId="0" animBg="1"/>
+      <p:bldP spid="16" grpId="1" animBg="1"/>
+      <p:bldP spid="16" grpId="2" animBg="1"/>
+      <p:bldP spid="17" grpId="0" animBg="1"/>
+      <p:bldP spid="17" grpId="1" animBg="1"/>
+      <p:bldP spid="17" grpId="2" animBg="1"/>
+      <p:bldP spid="17" grpId="3" animBg="1"/>
+      <p:bldP spid="18" grpId="0" animBg="1"/>
+      <p:bldP spid="18" grpId="1" animBg="1"/>
+      <p:bldP spid="19" grpId="0" animBg="1"/>
+      <p:bldP spid="19" grpId="1" animBg="1"/>
+      <p:bldP spid="19" grpId="2" animBg="1"/>
+      <p:bldP spid="20" grpId="0" animBg="1"/>
+      <p:bldP spid="20" grpId="1" animBg="1"/>
+      <p:bldP spid="20" grpId="2" animBg="1"/>
+      <p:bldP spid="22" grpId="0" animBg="1"/>
+      <p:bldP spid="22" grpId="1" animBg="1"/>
+      <p:bldP spid="22" grpId="2" animBg="1"/>
+      <p:bldP spid="23" grpId="0" animBg="1"/>
+      <p:bldP spid="23" grpId="1" animBg="1"/>
+      <p:bldP spid="23" grpId="2" animBg="1"/>
+    </p:bldLst>
+  </p:timing>
+</p:sld>
+</file>
+
+<file path=ppt/slides/slide16.xml><?xml version="1.0" encoding="utf-8"?>
+<p:sld xmlns:a="http://schemas.openxmlformats.org/drawingml/2006/main" xmlns:r="http://schemas.openxmlformats.org/officeDocument/2006/relationships" xmlns:p="http://schemas.openxmlformats.org/presentationml/2006/main">
+  <p:cSld>
+    <p:spTree>
+      <p:nvGrpSpPr>
+        <p:cNvPr id="1" name=""/>
+        <p:cNvGrpSpPr/>
+        <p:nvPr/>
+      </p:nvGrpSpPr>
+      <p:grpSpPr>
+        <a:xfrm>
+          <a:off x="0" y="0"/>
+          <a:ext cx="0" cy="0"/>
+          <a:chOff x="0" y="0"/>
+          <a:chExt cx="0" cy="0"/>
+        </a:xfrm>
+      </p:grpSpPr>
+      <p:sp>
+        <p:nvSpPr>
           <p:cNvPr id="7" name="標題 6">
             <a:extLst>
               <a:ext uri="{FF2B5EF4-FFF2-40B4-BE49-F238E27FC236}">
@@ -4643,7 +8515,7 @@
           <a:p>
             <a:r>
               <a:rPr lang="zh-TW" altLang="en-US" dirty="0"/>
-              <a:t>怎麼用非同步</a:t>
+              <a:t>非同步運作</a:t>
             </a:r>
           </a:p>
         </p:txBody>
@@ -4670,6 +8542,65 @@
           <a:lstStyle/>
           <a:p>
             <a:r>
+              <a:rPr lang="zh-TW" altLang="en-US" dirty="0"/>
+              <a:t>非同步工作開始後系統就會釋放</a:t>
+            </a:r>
+            <a:r>
+              <a:rPr lang="en-US" altLang="zh-TW" dirty="0"/>
+              <a:t>Thread</a:t>
+            </a:r>
+          </a:p>
+          <a:p>
+            <a:r>
+              <a:rPr lang="zh-TW" altLang="en-US" dirty="0"/>
+              <a:t>工作完成後再將</a:t>
+            </a:r>
+            <a:r>
+              <a:rPr lang="en-US" altLang="zh-TW" dirty="0"/>
+              <a:t>Task</a:t>
+            </a:r>
+            <a:r>
+              <a:rPr lang="zh-TW" altLang="en-US" dirty="0"/>
+              <a:t>放入</a:t>
+            </a:r>
+            <a:r>
+              <a:rPr lang="en-US" altLang="zh-TW" dirty="0"/>
+              <a:t>Queue</a:t>
+            </a:r>
+            <a:r>
+              <a:rPr lang="zh-TW" altLang="en-US" dirty="0"/>
+              <a:t>中</a:t>
+            </a:r>
+            <a:endParaRPr lang="en-US" altLang="zh-TW" dirty="0"/>
+          </a:p>
+          <a:p>
+            <a:r>
+              <a:rPr lang="zh-TW" altLang="en-US" dirty="0"/>
+              <a:t>底層演算法自動從</a:t>
+            </a:r>
+            <a:r>
+              <a:rPr lang="en-US" altLang="zh-TW" dirty="0"/>
+              <a:t>Thread</a:t>
+            </a:r>
+            <a:r>
+              <a:rPr lang="zh-TW" altLang="en-US" dirty="0"/>
+              <a:t> </a:t>
+            </a:r>
+            <a:r>
+              <a:rPr lang="en-US" altLang="zh-TW" dirty="0"/>
+              <a:t>Pool</a:t>
+            </a:r>
+            <a:r>
+              <a:rPr lang="zh-TW" altLang="en-US" dirty="0"/>
+              <a:t>指派</a:t>
+            </a:r>
+            <a:r>
+              <a:rPr lang="en-US" altLang="zh-TW" dirty="0"/>
+              <a:t>Thread</a:t>
+            </a:r>
+          </a:p>
+          <a:p>
+            <a:r>
               <a:rPr lang="en-US" altLang="zh-TW" dirty="0"/>
               <a:t>Sample Code</a:t>
             </a:r>
@@ -4695,10 +8626,89 @@
   <p:clrMapOvr>
     <a:masterClrMapping/>
   </p:clrMapOvr>
+  <p:timing>
+    <p:tnLst>
+      <p:par>
+        <p:cTn id="1" dur="indefinite" restart="never" nodeType="tmRoot">
+          <p:childTnLst>
+            <p:seq concurrent="1" nextAc="seek">
+              <p:cTn id="2" dur="indefinite" nodeType="mainSeq">
+                <p:childTnLst>
+                  <p:par>
+                    <p:cTn id="3" fill="hold">
+                      <p:stCondLst>
+                        <p:cond delay="indefinite"/>
+                      </p:stCondLst>
+                      <p:childTnLst>
+                        <p:par>
+                          <p:cTn id="4" fill="hold">
+                            <p:stCondLst>
+                              <p:cond delay="0"/>
+                            </p:stCondLst>
+                            <p:childTnLst>
+                              <p:par>
+                                <p:cTn id="5" presetID="1" presetClass="entr" presetSubtype="0" fill="hold" nodeType="clickEffect">
+                                  <p:stCondLst>
+                                    <p:cond delay="0"/>
+                                  </p:stCondLst>
+                                  <p:childTnLst>
+                                    <p:set>
+                                      <p:cBhvr>
+                                        <p:cTn id="6" dur="1" fill="hold">
+                                          <p:stCondLst>
+                                            <p:cond delay="0"/>
+                                          </p:stCondLst>
+                                        </p:cTn>
+                                        <p:tgtEl>
+                                          <p:spTgt spid="8">
+                                            <p:txEl>
+                                              <p:pRg st="3" end="3"/>
+                                            </p:txEl>
+                                          </p:spTgt>
+                                        </p:tgtEl>
+                                        <p:attrNameLst>
+                                          <p:attrName>style.visibility</p:attrName>
+                                        </p:attrNameLst>
+                                      </p:cBhvr>
+                                      <p:to>
+                                        <p:strVal val="visible"/>
+                                      </p:to>
+                                    </p:set>
+                                  </p:childTnLst>
+                                </p:cTn>
+                              </p:par>
+                            </p:childTnLst>
+                          </p:cTn>
+                        </p:par>
+                      </p:childTnLst>
+                    </p:cTn>
+                  </p:par>
+                </p:childTnLst>
+              </p:cTn>
+              <p:prevCondLst>
+                <p:cond evt="onPrev" delay="0">
+                  <p:tgtEl>
+                    <p:sldTgt/>
+                  </p:tgtEl>
+                </p:cond>
+              </p:prevCondLst>
+              <p:nextCondLst>
+                <p:cond evt="onNext" delay="0">
+                  <p:tgtEl>
+                    <p:sldTgt/>
+                  </p:tgtEl>
+                </p:cond>
+              </p:nextCondLst>
+            </p:seq>
+          </p:childTnLst>
+        </p:cTn>
+      </p:par>
+    </p:tnLst>
+  </p:timing>
 </p:sld>
 </file>
 
-<file path=ppt/slides/slide16.xml><?xml version="1.0" encoding="utf-8"?>
+<file path=ppt/slides/slide17.xml><?xml version="1.0" encoding="utf-8"?>
 <p:sld xmlns:a="http://schemas.openxmlformats.org/drawingml/2006/main" xmlns:r="http://schemas.openxmlformats.org/officeDocument/2006/relationships" xmlns:p="http://schemas.openxmlformats.org/presentationml/2006/main">
   <p:cSld>
     <p:spTree>
@@ -5431,14 +9441,12 @@
           </p:cNvPr>
           <p:cNvCxnSpPr>
             <a:cxnSpLocks/>
-            <a:stCxn id="7" idx="3"/>
-            <a:endCxn id="5" idx="2"/>
           </p:cNvCxnSpPr>
           <p:nvPr/>
         </p:nvCxnSpPr>
         <p:spPr>
           <a:xfrm flipV="1">
-            <a:off x="9051303" y="2601157"/>
+            <a:off x="9051303" y="2598032"/>
             <a:ext cx="705256" cy="1442621"/>
           </a:xfrm>
           <a:prstGeom prst="bentConnector3">
@@ -5479,14 +9487,12 @@
           </p:cNvPr>
           <p:cNvCxnSpPr>
             <a:cxnSpLocks/>
-            <a:stCxn id="8" idx="3"/>
-            <a:endCxn id="5" idx="2"/>
           </p:cNvCxnSpPr>
           <p:nvPr/>
         </p:nvCxnSpPr>
         <p:spPr>
           <a:xfrm flipV="1">
-            <a:off x="9051303" y="2601157"/>
+            <a:off x="9049358" y="2593054"/>
             <a:ext cx="705256" cy="2558988"/>
           </a:xfrm>
           <a:prstGeom prst="bentConnector3">
@@ -5623,14 +9629,12 @@
           </p:cNvPr>
           <p:cNvCxnSpPr>
             <a:cxnSpLocks/>
-            <a:stCxn id="8" idx="3"/>
-            <a:endCxn id="6" idx="2"/>
           </p:cNvCxnSpPr>
           <p:nvPr/>
         </p:nvCxnSpPr>
         <p:spPr>
           <a:xfrm flipV="1">
-            <a:off x="9051303" y="3974976"/>
+            <a:off x="9051303" y="3992731"/>
             <a:ext cx="705256" cy="1185169"/>
           </a:xfrm>
           <a:prstGeom prst="bentConnector3">
@@ -5660,6 +9664,266 @@
           </a:fontRef>
         </p:style>
       </p:cxnSp>
+      <p:sp>
+        <p:nvSpPr>
+          <p:cNvPr id="10" name="乘號 9">
+            <a:extLst>
+              <a:ext uri="{FF2B5EF4-FFF2-40B4-BE49-F238E27FC236}">
+                <a16:creationId xmlns:a16="http://schemas.microsoft.com/office/drawing/2014/main" id="{9FA5EC2C-F3BD-469C-AABA-9356D4AC183A}"/>
+              </a:ext>
+            </a:extLst>
+          </p:cNvPr>
+          <p:cNvSpPr/>
+          <p:nvPr/>
+        </p:nvSpPr>
+        <p:spPr>
+          <a:xfrm>
+            <a:off x="11091138" y="1942493"/>
+            <a:ext cx="829559" cy="829559"/>
+          </a:xfrm>
+          <a:prstGeom prst="mathMultiply">
+            <a:avLst/>
+          </a:prstGeom>
+          <a:solidFill>
+            <a:srgbClr val="C00000"/>
+          </a:solidFill>
+          <a:ln>
+            <a:noFill/>
+          </a:ln>
+        </p:spPr>
+        <p:style>
+          <a:lnRef idx="2">
+            <a:schemeClr val="accent6">
+              <a:shade val="50000"/>
+            </a:schemeClr>
+          </a:lnRef>
+          <a:fillRef idx="1">
+            <a:schemeClr val="accent6"/>
+          </a:fillRef>
+          <a:effectRef idx="0">
+            <a:schemeClr val="accent6"/>
+          </a:effectRef>
+          <a:fontRef idx="minor">
+            <a:schemeClr val="lt1"/>
+          </a:fontRef>
+        </p:style>
+        <p:txBody>
+          <a:bodyPr rtlCol="0" anchor="ctr"/>
+          <a:lstStyle/>
+          <a:p>
+            <a:pPr algn="ctr"/>
+            <a:endParaRPr lang="zh-TW" altLang="en-US"/>
+          </a:p>
+        </p:txBody>
+      </p:sp>
+      <p:sp>
+        <p:nvSpPr>
+          <p:cNvPr id="22" name="乘號 21">
+            <a:extLst>
+              <a:ext uri="{FF2B5EF4-FFF2-40B4-BE49-F238E27FC236}">
+                <a16:creationId xmlns:a16="http://schemas.microsoft.com/office/drawing/2014/main" id="{AACDC399-48A4-41C2-815C-5F16053B9DFB}"/>
+              </a:ext>
+            </a:extLst>
+          </p:cNvPr>
+          <p:cNvSpPr/>
+          <p:nvPr/>
+        </p:nvSpPr>
+        <p:spPr>
+          <a:xfrm>
+            <a:off x="8421980" y="2085080"/>
+            <a:ext cx="829559" cy="829559"/>
+          </a:xfrm>
+          <a:prstGeom prst="mathMultiply">
+            <a:avLst/>
+          </a:prstGeom>
+          <a:solidFill>
+            <a:srgbClr val="C00000"/>
+          </a:solidFill>
+          <a:ln>
+            <a:noFill/>
+          </a:ln>
+        </p:spPr>
+        <p:style>
+          <a:lnRef idx="2">
+            <a:schemeClr val="accent6">
+              <a:shade val="50000"/>
+            </a:schemeClr>
+          </a:lnRef>
+          <a:fillRef idx="1">
+            <a:schemeClr val="accent6"/>
+          </a:fillRef>
+          <a:effectRef idx="0">
+            <a:schemeClr val="accent6"/>
+          </a:effectRef>
+          <a:fontRef idx="minor">
+            <a:schemeClr val="lt1"/>
+          </a:fontRef>
+        </p:style>
+        <p:txBody>
+          <a:bodyPr rtlCol="0" anchor="ctr"/>
+          <a:lstStyle/>
+          <a:p>
+            <a:pPr algn="ctr"/>
+            <a:endParaRPr lang="zh-TW" altLang="en-US"/>
+          </a:p>
+        </p:txBody>
+      </p:sp>
+      <p:sp>
+        <p:nvSpPr>
+          <p:cNvPr id="23" name="乘號 22">
+            <a:extLst>
+              <a:ext uri="{FF2B5EF4-FFF2-40B4-BE49-F238E27FC236}">
+                <a16:creationId xmlns:a16="http://schemas.microsoft.com/office/drawing/2014/main" id="{9FE3424A-D90F-4810-AF9F-197256BF02E3}"/>
+              </a:ext>
+            </a:extLst>
+          </p:cNvPr>
+          <p:cNvSpPr/>
+          <p:nvPr/>
+        </p:nvSpPr>
+        <p:spPr>
+          <a:xfrm>
+            <a:off x="8421980" y="3317612"/>
+            <a:ext cx="829559" cy="829559"/>
+          </a:xfrm>
+          <a:prstGeom prst="mathMultiply">
+            <a:avLst/>
+          </a:prstGeom>
+          <a:solidFill>
+            <a:srgbClr val="C00000"/>
+          </a:solidFill>
+          <a:ln>
+            <a:noFill/>
+          </a:ln>
+        </p:spPr>
+        <p:style>
+          <a:lnRef idx="2">
+            <a:schemeClr val="accent6">
+              <a:shade val="50000"/>
+            </a:schemeClr>
+          </a:lnRef>
+          <a:fillRef idx="1">
+            <a:schemeClr val="accent6"/>
+          </a:fillRef>
+          <a:effectRef idx="0">
+            <a:schemeClr val="accent6"/>
+          </a:effectRef>
+          <a:fontRef idx="minor">
+            <a:schemeClr val="lt1"/>
+          </a:fontRef>
+        </p:style>
+        <p:txBody>
+          <a:bodyPr rtlCol="0" anchor="ctr"/>
+          <a:lstStyle/>
+          <a:p>
+            <a:pPr algn="ctr"/>
+            <a:endParaRPr lang="zh-TW" altLang="en-US"/>
+          </a:p>
+        </p:txBody>
+      </p:sp>
+      <p:sp>
+        <p:nvSpPr>
+          <p:cNvPr id="25" name="乘號 24">
+            <a:extLst>
+              <a:ext uri="{FF2B5EF4-FFF2-40B4-BE49-F238E27FC236}">
+                <a16:creationId xmlns:a16="http://schemas.microsoft.com/office/drawing/2014/main" id="{3D665A08-A60C-4681-8A1F-D32C2CA26872}"/>
+              </a:ext>
+            </a:extLst>
+          </p:cNvPr>
+          <p:cNvSpPr/>
+          <p:nvPr/>
+        </p:nvSpPr>
+        <p:spPr>
+          <a:xfrm>
+            <a:off x="8421979" y="4452905"/>
+            <a:ext cx="829559" cy="829559"/>
+          </a:xfrm>
+          <a:prstGeom prst="mathMultiply">
+            <a:avLst/>
+          </a:prstGeom>
+          <a:solidFill>
+            <a:srgbClr val="C00000"/>
+          </a:solidFill>
+          <a:ln>
+            <a:noFill/>
+          </a:ln>
+        </p:spPr>
+        <p:style>
+          <a:lnRef idx="2">
+            <a:schemeClr val="accent6">
+              <a:shade val="50000"/>
+            </a:schemeClr>
+          </a:lnRef>
+          <a:fillRef idx="1">
+            <a:schemeClr val="accent6"/>
+          </a:fillRef>
+          <a:effectRef idx="0">
+            <a:schemeClr val="accent6"/>
+          </a:effectRef>
+          <a:fontRef idx="minor">
+            <a:schemeClr val="lt1"/>
+          </a:fontRef>
+        </p:style>
+        <p:txBody>
+          <a:bodyPr rtlCol="0" anchor="ctr"/>
+          <a:lstStyle/>
+          <a:p>
+            <a:pPr algn="ctr"/>
+            <a:endParaRPr lang="zh-TW" altLang="en-US"/>
+          </a:p>
+        </p:txBody>
+      </p:sp>
+      <p:sp>
+        <p:nvSpPr>
+          <p:cNvPr id="26" name="乘號 25">
+            <a:extLst>
+              <a:ext uri="{FF2B5EF4-FFF2-40B4-BE49-F238E27FC236}">
+                <a16:creationId xmlns:a16="http://schemas.microsoft.com/office/drawing/2014/main" id="{43074E8D-C189-4140-A767-A13CAFA80422}"/>
+              </a:ext>
+            </a:extLst>
+          </p:cNvPr>
+          <p:cNvSpPr/>
+          <p:nvPr/>
+        </p:nvSpPr>
+        <p:spPr>
+          <a:xfrm>
+            <a:off x="5681220" y="1670871"/>
+            <a:ext cx="829559" cy="829559"/>
+          </a:xfrm>
+          <a:prstGeom prst="mathMultiply">
+            <a:avLst/>
+          </a:prstGeom>
+          <a:solidFill>
+            <a:srgbClr val="C00000"/>
+          </a:solidFill>
+          <a:ln>
+            <a:noFill/>
+          </a:ln>
+        </p:spPr>
+        <p:style>
+          <a:lnRef idx="2">
+            <a:schemeClr val="accent6">
+              <a:shade val="50000"/>
+            </a:schemeClr>
+          </a:lnRef>
+          <a:fillRef idx="1">
+            <a:schemeClr val="accent6"/>
+          </a:fillRef>
+          <a:effectRef idx="0">
+            <a:schemeClr val="accent6"/>
+          </a:effectRef>
+          <a:fontRef idx="minor">
+            <a:schemeClr val="lt1"/>
+          </a:fontRef>
+        </p:style>
+        <p:txBody>
+          <a:bodyPr rtlCol="0" anchor="ctr"/>
+          <a:lstStyle/>
+          <a:p>
+            <a:pPr algn="ctr"/>
+            <a:endParaRPr lang="zh-TW" altLang="en-US"/>
+          </a:p>
+        </p:txBody>
+      </p:sp>
     </p:spTree>
     <p:extLst>
       <p:ext uri="{BB962C8B-B14F-4D97-AF65-F5344CB8AC3E}">
@@ -5682,6 +9946,9 @@
                     <p:cTn id="3" fill="hold">
                       <p:stCondLst>
                         <p:cond delay="indefinite"/>
+                        <p:cond evt="onBegin" delay="0">
+                          <p:tn val="2"/>
+                        </p:cond>
                       </p:stCondLst>
                       <p:childTnLst>
                         <p:par>
@@ -5691,7 +9958,7 @@
                             </p:stCondLst>
                             <p:childTnLst>
                               <p:par>
-                                <p:cTn id="5" presetID="1" presetClass="exit" presetSubtype="0" fill="hold" nodeType="clickEffect">
+                                <p:cTn id="5" presetID="1" presetClass="exit" presetSubtype="0" fill="hold" grpId="0" nodeType="withEffect">
                                   <p:stCondLst>
                                     <p:cond delay="0"/>
                                   </p:stCondLst>
@@ -5704,7 +9971,7 @@
                                           </p:stCondLst>
                                         </p:cTn>
                                         <p:tgtEl>
-                                          <p:spTgt spid="11"/>
+                                          <p:spTgt spid="10"/>
                                         </p:tgtEl>
                                         <p:attrNameLst>
                                           <p:attrName>style.visibility</p:attrName>
@@ -5718,7 +9985,7 @@
                                 </p:cTn>
                               </p:par>
                               <p:par>
-                                <p:cTn id="7" presetID="1" presetClass="exit" presetSubtype="0" fill="hold" nodeType="withEffect">
+                                <p:cTn id="7" presetID="1" presetClass="exit" presetSubtype="0" fill="hold" grpId="0" nodeType="withEffect">
                                   <p:stCondLst>
                                     <p:cond delay="0"/>
                                   </p:stCondLst>
@@ -5731,7 +9998,7 @@
                                           </p:stCondLst>
                                         </p:cTn>
                                         <p:tgtEl>
-                                          <p:spTgt spid="12"/>
+                                          <p:spTgt spid="22"/>
                                         </p:tgtEl>
                                         <p:attrNameLst>
                                           <p:attrName>style.visibility</p:attrName>
@@ -5745,7 +10012,7 @@
                                 </p:cTn>
                               </p:par>
                               <p:par>
-                                <p:cTn id="9" presetID="1" presetClass="exit" presetSubtype="0" fill="hold" nodeType="withEffect">
+                                <p:cTn id="9" presetID="1" presetClass="exit" presetSubtype="0" fill="hold" grpId="0" nodeType="withEffect">
                                   <p:stCondLst>
                                     <p:cond delay="0"/>
                                   </p:stCondLst>
@@ -5758,7 +10025,7 @@
                                           </p:stCondLst>
                                         </p:cTn>
                                         <p:tgtEl>
-                                          <p:spTgt spid="15"/>
+                                          <p:spTgt spid="23"/>
                                         </p:tgtEl>
                                         <p:attrNameLst>
                                           <p:attrName>style.visibility</p:attrName>
@@ -5772,7 +10039,7 @@
                                 </p:cTn>
                               </p:par>
                               <p:par>
-                                <p:cTn id="11" presetID="1" presetClass="exit" presetSubtype="0" fill="hold" nodeType="withEffect">
+                                <p:cTn id="11" presetID="1" presetClass="exit" presetSubtype="0" fill="hold" grpId="0" nodeType="withEffect">
                                   <p:stCondLst>
                                     <p:cond delay="0"/>
                                   </p:stCondLst>
@@ -5785,7 +10052,7 @@
                                           </p:stCondLst>
                                         </p:cTn>
                                         <p:tgtEl>
-                                          <p:spTgt spid="13"/>
+                                          <p:spTgt spid="25"/>
                                         </p:tgtEl>
                                         <p:attrNameLst>
                                           <p:attrName>style.visibility</p:attrName>
@@ -5799,7 +10066,7 @@
                                 </p:cTn>
                               </p:par>
                               <p:par>
-                                <p:cTn id="13" presetID="1" presetClass="exit" presetSubtype="0" fill="hold" nodeType="withEffect">
+                                <p:cTn id="13" presetID="1" presetClass="exit" presetSubtype="0" fill="hold" grpId="0" nodeType="withEffect">
                                   <p:stCondLst>
                                     <p:cond delay="0"/>
                                   </p:stCondLst>
@@ -5812,7 +10079,7 @@
                                           </p:stCondLst>
                                         </p:cTn>
                                         <p:tgtEl>
-                                          <p:spTgt spid="16"/>
+                                          <p:spTgt spid="26"/>
                                         </p:tgtEl>
                                         <p:attrNameLst>
                                           <p:attrName>style.visibility</p:attrName>
@@ -5825,35 +10092,26 @@
                                   </p:childTnLst>
                                 </p:cTn>
                               </p:par>
+                            </p:childTnLst>
+                          </p:cTn>
+                        </p:par>
+                      </p:childTnLst>
+                    </p:cTn>
+                  </p:par>
+                  <p:par>
+                    <p:cTn id="15" fill="hold">
+                      <p:stCondLst>
+                        <p:cond delay="indefinite"/>
+                      </p:stCondLst>
+                      <p:childTnLst>
+                        <p:par>
+                          <p:cTn id="16" fill="hold">
+                            <p:stCondLst>
+                              <p:cond delay="0"/>
+                            </p:stCondLst>
+                            <p:childTnLst>
                               <p:par>
-                                <p:cTn id="15" presetID="1" presetClass="exit" presetSubtype="0" fill="hold" nodeType="withEffect">
-                                  <p:stCondLst>
-                                    <p:cond delay="0"/>
-                                  </p:stCondLst>
-                                  <p:childTnLst>
-                                    <p:set>
-                                      <p:cBhvr>
-                                        <p:cTn id="16" dur="1" fill="hold">
-                                          <p:stCondLst>
-                                            <p:cond delay="0"/>
-                                          </p:stCondLst>
-                                        </p:cTn>
-                                        <p:tgtEl>
-                                          <p:spTgt spid="19"/>
-                                        </p:tgtEl>
-                                        <p:attrNameLst>
-                                          <p:attrName>style.visibility</p:attrName>
-                                        </p:attrNameLst>
-                                      </p:cBhvr>
-                                      <p:to>
-                                        <p:strVal val="hidden"/>
-                                      </p:to>
-                                    </p:set>
-                                  </p:childTnLst>
-                                </p:cTn>
-                              </p:par>
-                              <p:par>
-                                <p:cTn id="17" presetID="1" presetClass="exit" presetSubtype="0" fill="hold" nodeType="withEffect">
+                                <p:cTn id="17" presetID="1" presetClass="exit" presetSubtype="0" fill="hold" nodeType="clickEffect">
                                   <p:stCondLst>
                                     <p:cond delay="0"/>
                                   </p:stCondLst>
@@ -5866,7 +10124,7 @@
                                           </p:stCondLst>
                                         </p:cTn>
                                         <p:tgtEl>
-                                          <p:spTgt spid="24"/>
+                                          <p:spTgt spid="11"/>
                                         </p:tgtEl>
                                         <p:attrNameLst>
                                           <p:attrName>style.visibility</p:attrName>
@@ -5893,7 +10151,7 @@
                                           </p:stCondLst>
                                         </p:cTn>
                                         <p:tgtEl>
-                                          <p:spTgt spid="17"/>
+                                          <p:spTgt spid="12"/>
                                         </p:tgtEl>
                                         <p:attrNameLst>
                                           <p:attrName>style.visibility</p:attrName>
@@ -5920,6 +10178,168 @@
                                           </p:stCondLst>
                                         </p:cTn>
                                         <p:tgtEl>
+                                          <p:spTgt spid="15"/>
+                                        </p:tgtEl>
+                                        <p:attrNameLst>
+                                          <p:attrName>style.visibility</p:attrName>
+                                        </p:attrNameLst>
+                                      </p:cBhvr>
+                                      <p:to>
+                                        <p:strVal val="hidden"/>
+                                      </p:to>
+                                    </p:set>
+                                  </p:childTnLst>
+                                </p:cTn>
+                              </p:par>
+                              <p:par>
+                                <p:cTn id="23" presetID="1" presetClass="exit" presetSubtype="0" fill="hold" nodeType="withEffect">
+                                  <p:stCondLst>
+                                    <p:cond delay="0"/>
+                                  </p:stCondLst>
+                                  <p:childTnLst>
+                                    <p:set>
+                                      <p:cBhvr>
+                                        <p:cTn id="24" dur="1" fill="hold">
+                                          <p:stCondLst>
+                                            <p:cond delay="0"/>
+                                          </p:stCondLst>
+                                        </p:cTn>
+                                        <p:tgtEl>
+                                          <p:spTgt spid="13"/>
+                                        </p:tgtEl>
+                                        <p:attrNameLst>
+                                          <p:attrName>style.visibility</p:attrName>
+                                        </p:attrNameLst>
+                                      </p:cBhvr>
+                                      <p:to>
+                                        <p:strVal val="hidden"/>
+                                      </p:to>
+                                    </p:set>
+                                  </p:childTnLst>
+                                </p:cTn>
+                              </p:par>
+                              <p:par>
+                                <p:cTn id="25" presetID="1" presetClass="exit" presetSubtype="0" fill="hold" nodeType="withEffect">
+                                  <p:stCondLst>
+                                    <p:cond delay="0"/>
+                                  </p:stCondLst>
+                                  <p:childTnLst>
+                                    <p:set>
+                                      <p:cBhvr>
+                                        <p:cTn id="26" dur="1" fill="hold">
+                                          <p:stCondLst>
+                                            <p:cond delay="0"/>
+                                          </p:stCondLst>
+                                        </p:cTn>
+                                        <p:tgtEl>
+                                          <p:spTgt spid="16"/>
+                                        </p:tgtEl>
+                                        <p:attrNameLst>
+                                          <p:attrName>style.visibility</p:attrName>
+                                        </p:attrNameLst>
+                                      </p:cBhvr>
+                                      <p:to>
+                                        <p:strVal val="hidden"/>
+                                      </p:to>
+                                    </p:set>
+                                  </p:childTnLst>
+                                </p:cTn>
+                              </p:par>
+                              <p:par>
+                                <p:cTn id="27" presetID="1" presetClass="exit" presetSubtype="0" fill="hold" nodeType="withEffect">
+                                  <p:stCondLst>
+                                    <p:cond delay="0"/>
+                                  </p:stCondLst>
+                                  <p:childTnLst>
+                                    <p:set>
+                                      <p:cBhvr>
+                                        <p:cTn id="28" dur="1" fill="hold">
+                                          <p:stCondLst>
+                                            <p:cond delay="0"/>
+                                          </p:stCondLst>
+                                        </p:cTn>
+                                        <p:tgtEl>
+                                          <p:spTgt spid="19"/>
+                                        </p:tgtEl>
+                                        <p:attrNameLst>
+                                          <p:attrName>style.visibility</p:attrName>
+                                        </p:attrNameLst>
+                                      </p:cBhvr>
+                                      <p:to>
+                                        <p:strVal val="hidden"/>
+                                      </p:to>
+                                    </p:set>
+                                  </p:childTnLst>
+                                </p:cTn>
+                              </p:par>
+                              <p:par>
+                                <p:cTn id="29" presetID="1" presetClass="exit" presetSubtype="0" fill="hold" nodeType="withEffect">
+                                  <p:stCondLst>
+                                    <p:cond delay="0"/>
+                                  </p:stCondLst>
+                                  <p:childTnLst>
+                                    <p:set>
+                                      <p:cBhvr>
+                                        <p:cTn id="30" dur="1" fill="hold">
+                                          <p:stCondLst>
+                                            <p:cond delay="0"/>
+                                          </p:stCondLst>
+                                        </p:cTn>
+                                        <p:tgtEl>
+                                          <p:spTgt spid="24"/>
+                                        </p:tgtEl>
+                                        <p:attrNameLst>
+                                          <p:attrName>style.visibility</p:attrName>
+                                        </p:attrNameLst>
+                                      </p:cBhvr>
+                                      <p:to>
+                                        <p:strVal val="hidden"/>
+                                      </p:to>
+                                    </p:set>
+                                  </p:childTnLst>
+                                </p:cTn>
+                              </p:par>
+                              <p:par>
+                                <p:cTn id="31" presetID="1" presetClass="exit" presetSubtype="0" fill="hold" nodeType="withEffect">
+                                  <p:stCondLst>
+                                    <p:cond delay="0"/>
+                                  </p:stCondLst>
+                                  <p:childTnLst>
+                                    <p:set>
+                                      <p:cBhvr>
+                                        <p:cTn id="32" dur="1" fill="hold">
+                                          <p:stCondLst>
+                                            <p:cond delay="0"/>
+                                          </p:stCondLst>
+                                        </p:cTn>
+                                        <p:tgtEl>
+                                          <p:spTgt spid="17"/>
+                                        </p:tgtEl>
+                                        <p:attrNameLst>
+                                          <p:attrName>style.visibility</p:attrName>
+                                        </p:attrNameLst>
+                                      </p:cBhvr>
+                                      <p:to>
+                                        <p:strVal val="hidden"/>
+                                      </p:to>
+                                    </p:set>
+                                  </p:childTnLst>
+                                </p:cTn>
+                              </p:par>
+                              <p:par>
+                                <p:cTn id="33" presetID="1" presetClass="exit" presetSubtype="0" fill="hold" nodeType="withEffect">
+                                  <p:stCondLst>
+                                    <p:cond delay="0"/>
+                                  </p:stCondLst>
+                                  <p:childTnLst>
+                                    <p:set>
+                                      <p:cBhvr>
+                                        <p:cTn id="34" dur="1" fill="hold">
+                                          <p:stCondLst>
+                                            <p:cond delay="0"/>
+                                          </p:stCondLst>
+                                        </p:cTn>
+                                        <p:tgtEl>
                                           <p:spTgt spid="20"/>
                                         </p:tgtEl>
                                         <p:attrNameLst>
@@ -5928,6 +10348,501 @@
                                       </p:cBhvr>
                                       <p:to>
                                         <p:strVal val="hidden"/>
+                                      </p:to>
+                                    </p:set>
+                                  </p:childTnLst>
+                                </p:cTn>
+                              </p:par>
+                            </p:childTnLst>
+                          </p:cTn>
+                        </p:par>
+                      </p:childTnLst>
+                    </p:cTn>
+                  </p:par>
+                  <p:par>
+                    <p:cTn id="35" fill="hold">
+                      <p:stCondLst>
+                        <p:cond delay="indefinite"/>
+                      </p:stCondLst>
+                      <p:childTnLst>
+                        <p:par>
+                          <p:cTn id="36" fill="hold">
+                            <p:stCondLst>
+                              <p:cond delay="0"/>
+                            </p:stCondLst>
+                            <p:childTnLst>
+                              <p:par>
+                                <p:cTn id="37" presetID="1" presetClass="entr" presetSubtype="0" fill="hold" grpId="1" nodeType="clickEffect">
+                                  <p:stCondLst>
+                                    <p:cond delay="0"/>
+                                  </p:stCondLst>
+                                  <p:childTnLst>
+                                    <p:set>
+                                      <p:cBhvr>
+                                        <p:cTn id="38" dur="1" fill="hold">
+                                          <p:stCondLst>
+                                            <p:cond delay="0"/>
+                                          </p:stCondLst>
+                                        </p:cTn>
+                                        <p:tgtEl>
+                                          <p:spTgt spid="10"/>
+                                        </p:tgtEl>
+                                        <p:attrNameLst>
+                                          <p:attrName>style.visibility</p:attrName>
+                                        </p:attrNameLst>
+                                      </p:cBhvr>
+                                      <p:to>
+                                        <p:strVal val="visible"/>
+                                      </p:to>
+                                    </p:set>
+                                  </p:childTnLst>
+                                </p:cTn>
+                              </p:par>
+                            </p:childTnLst>
+                          </p:cTn>
+                        </p:par>
+                      </p:childTnLst>
+                    </p:cTn>
+                  </p:par>
+                  <p:par>
+                    <p:cTn id="39" fill="hold">
+                      <p:stCondLst>
+                        <p:cond delay="indefinite"/>
+                      </p:stCondLst>
+                      <p:childTnLst>
+                        <p:par>
+                          <p:cTn id="40" fill="hold">
+                            <p:stCondLst>
+                              <p:cond delay="0"/>
+                            </p:stCondLst>
+                            <p:childTnLst>
+                              <p:par>
+                                <p:cTn id="41" presetID="1" presetClass="entr" presetSubtype="0" fill="hold" nodeType="clickEffect">
+                                  <p:stCondLst>
+                                    <p:cond delay="0"/>
+                                  </p:stCondLst>
+                                  <p:childTnLst>
+                                    <p:set>
+                                      <p:cBhvr>
+                                        <p:cTn id="42" dur="1" fill="hold">
+                                          <p:stCondLst>
+                                            <p:cond delay="0"/>
+                                          </p:stCondLst>
+                                        </p:cTn>
+                                        <p:tgtEl>
+                                          <p:spTgt spid="11"/>
+                                        </p:tgtEl>
+                                        <p:attrNameLst>
+                                          <p:attrName>style.visibility</p:attrName>
+                                        </p:attrNameLst>
+                                      </p:cBhvr>
+                                      <p:to>
+                                        <p:strVal val="visible"/>
+                                      </p:to>
+                                    </p:set>
+                                  </p:childTnLst>
+                                </p:cTn>
+                              </p:par>
+                            </p:childTnLst>
+                          </p:cTn>
+                        </p:par>
+                      </p:childTnLst>
+                    </p:cTn>
+                  </p:par>
+                  <p:par>
+                    <p:cTn id="43" fill="hold">
+                      <p:stCondLst>
+                        <p:cond delay="indefinite"/>
+                      </p:stCondLst>
+                      <p:childTnLst>
+                        <p:par>
+                          <p:cTn id="44" fill="hold">
+                            <p:stCondLst>
+                              <p:cond delay="0"/>
+                            </p:stCondLst>
+                            <p:childTnLst>
+                              <p:par>
+                                <p:cTn id="45" presetID="1" presetClass="entr" presetSubtype="0" fill="hold" nodeType="clickEffect">
+                                  <p:stCondLst>
+                                    <p:cond delay="0"/>
+                                  </p:stCondLst>
+                                  <p:childTnLst>
+                                    <p:set>
+                                      <p:cBhvr>
+                                        <p:cTn id="46" dur="1" fill="hold">
+                                          <p:stCondLst>
+                                            <p:cond delay="0"/>
+                                          </p:stCondLst>
+                                        </p:cTn>
+                                        <p:tgtEl>
+                                          <p:spTgt spid="13"/>
+                                        </p:tgtEl>
+                                        <p:attrNameLst>
+                                          <p:attrName>style.visibility</p:attrName>
+                                        </p:attrNameLst>
+                                      </p:cBhvr>
+                                      <p:to>
+                                        <p:strVal val="visible"/>
+                                      </p:to>
+                                    </p:set>
+                                  </p:childTnLst>
+                                </p:cTn>
+                              </p:par>
+                            </p:childTnLst>
+                          </p:cTn>
+                        </p:par>
+                      </p:childTnLst>
+                    </p:cTn>
+                  </p:par>
+                  <p:par>
+                    <p:cTn id="47" fill="hold">
+                      <p:stCondLst>
+                        <p:cond delay="indefinite"/>
+                      </p:stCondLst>
+                      <p:childTnLst>
+                        <p:par>
+                          <p:cTn id="48" fill="hold">
+                            <p:stCondLst>
+                              <p:cond delay="0"/>
+                            </p:stCondLst>
+                            <p:childTnLst>
+                              <p:par>
+                                <p:cTn id="49" presetID="1" presetClass="entr" presetSubtype="0" fill="hold" grpId="1" nodeType="clickEffect">
+                                  <p:stCondLst>
+                                    <p:cond delay="0"/>
+                                  </p:stCondLst>
+                                  <p:childTnLst>
+                                    <p:set>
+                                      <p:cBhvr>
+                                        <p:cTn id="50" dur="1" fill="hold">
+                                          <p:stCondLst>
+                                            <p:cond delay="0"/>
+                                          </p:stCondLst>
+                                        </p:cTn>
+                                        <p:tgtEl>
+                                          <p:spTgt spid="22"/>
+                                        </p:tgtEl>
+                                        <p:attrNameLst>
+                                          <p:attrName>style.visibility</p:attrName>
+                                        </p:attrNameLst>
+                                      </p:cBhvr>
+                                      <p:to>
+                                        <p:strVal val="visible"/>
+                                      </p:to>
+                                    </p:set>
+                                  </p:childTnLst>
+                                </p:cTn>
+                              </p:par>
+                            </p:childTnLst>
+                          </p:cTn>
+                        </p:par>
+                      </p:childTnLst>
+                    </p:cTn>
+                  </p:par>
+                  <p:par>
+                    <p:cTn id="51" fill="hold">
+                      <p:stCondLst>
+                        <p:cond delay="indefinite"/>
+                      </p:stCondLst>
+                      <p:childTnLst>
+                        <p:par>
+                          <p:cTn id="52" fill="hold">
+                            <p:stCondLst>
+                              <p:cond delay="0"/>
+                            </p:stCondLst>
+                            <p:childTnLst>
+                              <p:par>
+                                <p:cTn id="53" presetID="1" presetClass="entr" presetSubtype="0" fill="hold" nodeType="clickEffect">
+                                  <p:stCondLst>
+                                    <p:cond delay="0"/>
+                                  </p:stCondLst>
+                                  <p:childTnLst>
+                                    <p:set>
+                                      <p:cBhvr>
+                                        <p:cTn id="54" dur="1" fill="hold">
+                                          <p:stCondLst>
+                                            <p:cond delay="0"/>
+                                          </p:stCondLst>
+                                        </p:cTn>
+                                        <p:tgtEl>
+                                          <p:spTgt spid="12"/>
+                                        </p:tgtEl>
+                                        <p:attrNameLst>
+                                          <p:attrName>style.visibility</p:attrName>
+                                        </p:attrNameLst>
+                                      </p:cBhvr>
+                                      <p:to>
+                                        <p:strVal val="visible"/>
+                                      </p:to>
+                                    </p:set>
+                                  </p:childTnLst>
+                                </p:cTn>
+                              </p:par>
+                            </p:childTnLst>
+                          </p:cTn>
+                        </p:par>
+                      </p:childTnLst>
+                    </p:cTn>
+                  </p:par>
+                  <p:par>
+                    <p:cTn id="55" fill="hold">
+                      <p:stCondLst>
+                        <p:cond delay="indefinite"/>
+                      </p:stCondLst>
+                      <p:childTnLst>
+                        <p:par>
+                          <p:cTn id="56" fill="hold">
+                            <p:stCondLst>
+                              <p:cond delay="0"/>
+                            </p:stCondLst>
+                            <p:childTnLst>
+                              <p:par>
+                                <p:cTn id="57" presetID="1" presetClass="entr" presetSubtype="0" fill="hold" nodeType="clickEffect">
+                                  <p:stCondLst>
+                                    <p:cond delay="0"/>
+                                  </p:stCondLst>
+                                  <p:childTnLst>
+                                    <p:set>
+                                      <p:cBhvr>
+                                        <p:cTn id="58" dur="1" fill="hold">
+                                          <p:stCondLst>
+                                            <p:cond delay="0"/>
+                                          </p:stCondLst>
+                                        </p:cTn>
+                                        <p:tgtEl>
+                                          <p:spTgt spid="16"/>
+                                        </p:tgtEl>
+                                        <p:attrNameLst>
+                                          <p:attrName>style.visibility</p:attrName>
+                                        </p:attrNameLst>
+                                      </p:cBhvr>
+                                      <p:to>
+                                        <p:strVal val="visible"/>
+                                      </p:to>
+                                    </p:set>
+                                  </p:childTnLst>
+                                </p:cTn>
+                              </p:par>
+                            </p:childTnLst>
+                          </p:cTn>
+                        </p:par>
+                      </p:childTnLst>
+                    </p:cTn>
+                  </p:par>
+                  <p:par>
+                    <p:cTn id="59" fill="hold">
+                      <p:stCondLst>
+                        <p:cond delay="indefinite"/>
+                      </p:stCondLst>
+                      <p:childTnLst>
+                        <p:par>
+                          <p:cTn id="60" fill="hold">
+                            <p:stCondLst>
+                              <p:cond delay="0"/>
+                            </p:stCondLst>
+                            <p:childTnLst>
+                              <p:par>
+                                <p:cTn id="61" presetID="1" presetClass="entr" presetSubtype="0" fill="hold" grpId="1" nodeType="clickEffect">
+                                  <p:stCondLst>
+                                    <p:cond delay="0"/>
+                                  </p:stCondLst>
+                                  <p:childTnLst>
+                                    <p:set>
+                                      <p:cBhvr>
+                                        <p:cTn id="62" dur="1" fill="hold">
+                                          <p:stCondLst>
+                                            <p:cond delay="0"/>
+                                          </p:stCondLst>
+                                        </p:cTn>
+                                        <p:tgtEl>
+                                          <p:spTgt spid="23"/>
+                                        </p:tgtEl>
+                                        <p:attrNameLst>
+                                          <p:attrName>style.visibility</p:attrName>
+                                        </p:attrNameLst>
+                                      </p:cBhvr>
+                                      <p:to>
+                                        <p:strVal val="visible"/>
+                                      </p:to>
+                                    </p:set>
+                                  </p:childTnLst>
+                                </p:cTn>
+                              </p:par>
+                            </p:childTnLst>
+                          </p:cTn>
+                        </p:par>
+                      </p:childTnLst>
+                    </p:cTn>
+                  </p:par>
+                  <p:par>
+                    <p:cTn id="63" fill="hold">
+                      <p:stCondLst>
+                        <p:cond delay="indefinite"/>
+                      </p:stCondLst>
+                      <p:childTnLst>
+                        <p:par>
+                          <p:cTn id="64" fill="hold">
+                            <p:stCondLst>
+                              <p:cond delay="0"/>
+                            </p:stCondLst>
+                            <p:childTnLst>
+                              <p:par>
+                                <p:cTn id="65" presetID="1" presetClass="entr" presetSubtype="0" fill="hold" nodeType="clickEffect">
+                                  <p:stCondLst>
+                                    <p:cond delay="0"/>
+                                  </p:stCondLst>
+                                  <p:childTnLst>
+                                    <p:set>
+                                      <p:cBhvr>
+                                        <p:cTn id="66" dur="1" fill="hold">
+                                          <p:stCondLst>
+                                            <p:cond delay="0"/>
+                                          </p:stCondLst>
+                                        </p:cTn>
+                                        <p:tgtEl>
+                                          <p:spTgt spid="15"/>
+                                        </p:tgtEl>
+                                        <p:attrNameLst>
+                                          <p:attrName>style.visibility</p:attrName>
+                                        </p:attrNameLst>
+                                      </p:cBhvr>
+                                      <p:to>
+                                        <p:strVal val="visible"/>
+                                      </p:to>
+                                    </p:set>
+                                  </p:childTnLst>
+                                </p:cTn>
+                              </p:par>
+                            </p:childTnLst>
+                          </p:cTn>
+                        </p:par>
+                      </p:childTnLst>
+                    </p:cTn>
+                  </p:par>
+                  <p:par>
+                    <p:cTn id="67" fill="hold">
+                      <p:stCondLst>
+                        <p:cond delay="indefinite"/>
+                      </p:stCondLst>
+                      <p:childTnLst>
+                        <p:par>
+                          <p:cTn id="68" fill="hold">
+                            <p:stCondLst>
+                              <p:cond delay="0"/>
+                            </p:stCondLst>
+                            <p:childTnLst>
+                              <p:par>
+                                <p:cTn id="69" presetID="1" presetClass="entr" presetSubtype="0" fill="hold" nodeType="clickEffect">
+                                  <p:stCondLst>
+                                    <p:cond delay="0"/>
+                                  </p:stCondLst>
+                                  <p:childTnLst>
+                                    <p:set>
+                                      <p:cBhvr>
+                                        <p:cTn id="70" dur="1" fill="hold">
+                                          <p:stCondLst>
+                                            <p:cond delay="0"/>
+                                          </p:stCondLst>
+                                        </p:cTn>
+                                        <p:tgtEl>
+                                          <p:spTgt spid="19"/>
+                                        </p:tgtEl>
+                                        <p:attrNameLst>
+                                          <p:attrName>style.visibility</p:attrName>
+                                        </p:attrNameLst>
+                                      </p:cBhvr>
+                                      <p:to>
+                                        <p:strVal val="visible"/>
+                                      </p:to>
+                                    </p:set>
+                                  </p:childTnLst>
+                                </p:cTn>
+                              </p:par>
+                            </p:childTnLst>
+                          </p:cTn>
+                        </p:par>
+                      </p:childTnLst>
+                    </p:cTn>
+                  </p:par>
+                  <p:par>
+                    <p:cTn id="71" fill="hold">
+                      <p:stCondLst>
+                        <p:cond delay="indefinite"/>
+                      </p:stCondLst>
+                      <p:childTnLst>
+                        <p:par>
+                          <p:cTn id="72" fill="hold">
+                            <p:stCondLst>
+                              <p:cond delay="0"/>
+                            </p:stCondLst>
+                            <p:childTnLst>
+                              <p:par>
+                                <p:cTn id="73" presetID="1" presetClass="entr" presetSubtype="0" fill="hold" grpId="1" nodeType="clickEffect">
+                                  <p:stCondLst>
+                                    <p:cond delay="0"/>
+                                  </p:stCondLst>
+                                  <p:childTnLst>
+                                    <p:set>
+                                      <p:cBhvr>
+                                        <p:cTn id="74" dur="1" fill="hold">
+                                          <p:stCondLst>
+                                            <p:cond delay="0"/>
+                                          </p:stCondLst>
+                                        </p:cTn>
+                                        <p:tgtEl>
+                                          <p:spTgt spid="25"/>
+                                        </p:tgtEl>
+                                        <p:attrNameLst>
+                                          <p:attrName>style.visibility</p:attrName>
+                                        </p:attrNameLst>
+                                      </p:cBhvr>
+                                      <p:to>
+                                        <p:strVal val="visible"/>
+                                      </p:to>
+                                    </p:set>
+                                  </p:childTnLst>
+                                </p:cTn>
+                              </p:par>
+                            </p:childTnLst>
+                          </p:cTn>
+                        </p:par>
+                      </p:childTnLst>
+                    </p:cTn>
+                  </p:par>
+                  <p:par>
+                    <p:cTn id="75" fill="hold">
+                      <p:stCondLst>
+                        <p:cond delay="indefinite"/>
+                      </p:stCondLst>
+                      <p:childTnLst>
+                        <p:par>
+                          <p:cTn id="76" fill="hold">
+                            <p:stCondLst>
+                              <p:cond delay="0"/>
+                            </p:stCondLst>
+                            <p:childTnLst>
+                              <p:par>
+                                <p:cTn id="77" presetID="1" presetClass="entr" presetSubtype="0" fill="hold" grpId="1" nodeType="clickEffect">
+                                  <p:stCondLst>
+                                    <p:cond delay="0"/>
+                                  </p:stCondLst>
+                                  <p:childTnLst>
+                                    <p:set>
+                                      <p:cBhvr>
+                                        <p:cTn id="78" dur="1" fill="hold">
+                                          <p:stCondLst>
+                                            <p:cond delay="0"/>
+                                          </p:stCondLst>
+                                        </p:cTn>
+                                        <p:tgtEl>
+                                          <p:spTgt spid="26"/>
+                                        </p:tgtEl>
+                                        <p:attrNameLst>
+                                          <p:attrName>style.visibility</p:attrName>
+                                        </p:attrNameLst>
+                                      </p:cBhvr>
+                                      <p:to>
+                                        <p:strVal val="visible"/>
                                       </p:to>
                                     </p:set>
                                   </p:childTnLst>
@@ -5960,90 +10875,19 @@
         </p:cTn>
       </p:par>
     </p:tnLst>
+    <p:bldLst>
+      <p:bldP spid="10" grpId="0" animBg="1"/>
+      <p:bldP spid="10" grpId="1" animBg="1"/>
+      <p:bldP spid="22" grpId="0" animBg="1"/>
+      <p:bldP spid="22" grpId="1" animBg="1"/>
+      <p:bldP spid="23" grpId="0" animBg="1"/>
+      <p:bldP spid="23" grpId="1" animBg="1"/>
+      <p:bldP spid="25" grpId="0" animBg="1"/>
+      <p:bldP spid="25" grpId="1" animBg="1"/>
+      <p:bldP spid="26" grpId="0" animBg="1"/>
+      <p:bldP spid="26" grpId="1" animBg="1"/>
+    </p:bldLst>
   </p:timing>
-</p:sld>
-</file>
-
-<file path=ppt/slides/slide17.xml><?xml version="1.0" encoding="utf-8"?>
-<p:sld xmlns:a="http://schemas.openxmlformats.org/drawingml/2006/main" xmlns:r="http://schemas.openxmlformats.org/officeDocument/2006/relationships" xmlns:p="http://schemas.openxmlformats.org/presentationml/2006/main">
-  <p:cSld>
-    <p:spTree>
-      <p:nvGrpSpPr>
-        <p:cNvPr id="1" name=""/>
-        <p:cNvGrpSpPr/>
-        <p:nvPr/>
-      </p:nvGrpSpPr>
-      <p:grpSpPr>
-        <a:xfrm>
-          <a:off x="0" y="0"/>
-          <a:ext cx="0" cy="0"/>
-          <a:chOff x="0" y="0"/>
-          <a:chExt cx="0" cy="0"/>
-        </a:xfrm>
-      </p:grpSpPr>
-      <p:sp>
-        <p:nvSpPr>
-          <p:cNvPr id="4" name="標題 3">
-            <a:extLst>
-              <a:ext uri="{FF2B5EF4-FFF2-40B4-BE49-F238E27FC236}">
-                <a16:creationId xmlns:a16="http://schemas.microsoft.com/office/drawing/2014/main" id="{BD4D1AC1-EA7F-4517-B8A1-C8C04888B929}"/>
-              </a:ext>
-            </a:extLst>
-          </p:cNvPr>
-          <p:cNvSpPr>
-            <a:spLocks noGrp="1"/>
-          </p:cNvSpPr>
-          <p:nvPr>
-            <p:ph type="title"/>
-          </p:nvPr>
-        </p:nvSpPr>
-        <p:spPr/>
-        <p:txBody>
-          <a:bodyPr/>
-          <a:lstStyle/>
-          <a:p>
-            <a:r>
-              <a:rPr lang="zh-TW" altLang="en-US" dirty="0"/>
-              <a:t>什麼時候要用非同步</a:t>
-            </a:r>
-          </a:p>
-        </p:txBody>
-      </p:sp>
-      <p:sp>
-        <p:nvSpPr>
-          <p:cNvPr id="5" name="文字版面配置區 4">
-            <a:extLst>
-              <a:ext uri="{FF2B5EF4-FFF2-40B4-BE49-F238E27FC236}">
-                <a16:creationId xmlns:a16="http://schemas.microsoft.com/office/drawing/2014/main" id="{FB99B319-881C-4A6A-9C57-D26A187CAADA}"/>
-              </a:ext>
-            </a:extLst>
-          </p:cNvPr>
-          <p:cNvSpPr>
-            <a:spLocks noGrp="1"/>
-          </p:cNvSpPr>
-          <p:nvPr>
-            <p:ph type="body" idx="1"/>
-          </p:nvPr>
-        </p:nvSpPr>
-        <p:spPr/>
-        <p:txBody>
-          <a:bodyPr/>
-          <a:lstStyle/>
-          <a:p>
-            <a:endParaRPr lang="zh-TW" altLang="en-US"/>
-          </a:p>
-        </p:txBody>
-      </p:sp>
-    </p:spTree>
-    <p:extLst>
-      <p:ext uri="{BB962C8B-B14F-4D97-AF65-F5344CB8AC3E}">
-        <p14:creationId xmlns:p14="http://schemas.microsoft.com/office/powerpoint/2010/main" val="2293390487"/>
-      </p:ext>
-    </p:extLst>
-  </p:cSld>
-  <p:clrMapOvr>
-    <a:masterClrMapping/>
-  </p:clrMapOvr>
 </p:sld>
 </file>
 
@@ -6066,10 +10910,10 @@
       </p:grpSpPr>
       <p:sp>
         <p:nvSpPr>
-          <p:cNvPr id="2" name="標題 1">
+          <p:cNvPr id="4" name="標題 3">
             <a:extLst>
               <a:ext uri="{FF2B5EF4-FFF2-40B4-BE49-F238E27FC236}">
-                <a16:creationId xmlns:a16="http://schemas.microsoft.com/office/drawing/2014/main" id="{52A2B961-E106-42D9-99DB-5B48152E8833}"/>
+                <a16:creationId xmlns:a16="http://schemas.microsoft.com/office/drawing/2014/main" id="{BD4D1AC1-EA7F-4517-B8A1-C8C04888B929}"/>
               </a:ext>
             </a:extLst>
           </p:cNvPr>
@@ -6094,10 +10938,10 @@
       </p:sp>
       <p:sp>
         <p:nvSpPr>
-          <p:cNvPr id="3" name="內容版面配置區 2">
+          <p:cNvPr id="5" name="文字版面配置區 4">
             <a:extLst>
               <a:ext uri="{FF2B5EF4-FFF2-40B4-BE49-F238E27FC236}">
-                <a16:creationId xmlns:a16="http://schemas.microsoft.com/office/drawing/2014/main" id="{43B9F297-2F6E-4462-BDD1-8F868F25DC5B}"/>
+                <a16:creationId xmlns:a16="http://schemas.microsoft.com/office/drawing/2014/main" id="{FB99B319-881C-4A6A-9C57-D26A187CAADA}"/>
               </a:ext>
             </a:extLst>
           </p:cNvPr>
@@ -6105,98 +10949,22 @@
             <a:spLocks noGrp="1"/>
           </p:cNvSpPr>
           <p:nvPr>
-            <p:ph idx="1"/>
+            <p:ph type="body" idx="1"/>
           </p:nvPr>
         </p:nvSpPr>
-        <p:spPr>
-          <a:xfrm>
-            <a:off x="1371600" y="2285999"/>
-            <a:ext cx="9601200" cy="4029959"/>
-          </a:xfrm>
-        </p:spPr>
-        <p:txBody>
-          <a:bodyPr>
-            <a:normAutofit/>
-          </a:bodyPr>
+        <p:spPr/>
+        <p:txBody>
+          <a:bodyPr/>
           <a:lstStyle/>
           <a:p>
-            <a:r>
-              <a:rPr lang="en-US" altLang="zh-TW" dirty="0"/>
-              <a:t>IO</a:t>
-            </a:r>
-          </a:p>
-          <a:p>
-            <a:pPr lvl="1"/>
-            <a:r>
-              <a:rPr lang="en-US" altLang="zh-TW" dirty="0"/>
-              <a:t>Disk</a:t>
-            </a:r>
-          </a:p>
-          <a:p>
-            <a:r>
-              <a:rPr lang="en-US" altLang="zh-TW" dirty="0"/>
-              <a:t>Network</a:t>
-            </a:r>
-          </a:p>
-          <a:p>
-            <a:pPr lvl="1"/>
-            <a:r>
-              <a:rPr lang="en-US" altLang="zh-TW" dirty="0"/>
-              <a:t>HTTP</a:t>
-            </a:r>
-          </a:p>
-          <a:p>
-            <a:pPr lvl="1"/>
-            <a:r>
-              <a:rPr lang="en-US" altLang="zh-TW" dirty="0"/>
-              <a:t>Database</a:t>
-            </a:r>
-          </a:p>
-          <a:p>
-            <a:pPr lvl="1"/>
-            <a:r>
-              <a:rPr lang="en-US" altLang="zh-TW" dirty="0"/>
-              <a:t>Redis</a:t>
-            </a:r>
-          </a:p>
-          <a:p>
-            <a:r>
-              <a:rPr lang="en-US" altLang="zh-TW" dirty="0"/>
-              <a:t>Library</a:t>
-            </a:r>
-            <a:r>
-              <a:rPr lang="zh-TW" altLang="en-US" dirty="0"/>
-              <a:t>或</a:t>
-            </a:r>
-            <a:r>
-              <a:rPr lang="en-US" altLang="zh-TW" dirty="0"/>
-              <a:t>Framework</a:t>
-            </a:r>
-            <a:r>
-              <a:rPr lang="zh-TW" altLang="en-US" dirty="0"/>
-              <a:t>只提供非同步</a:t>
-            </a:r>
-            <a:r>
-              <a:rPr lang="en-US" altLang="zh-TW" dirty="0"/>
-              <a:t>API</a:t>
-            </a:r>
-          </a:p>
-          <a:p>
-            <a:pPr lvl="1"/>
-            <a:r>
-              <a:rPr lang="en-US" altLang="zh-TW" dirty="0"/>
-              <a:t>.NET Core</a:t>
-            </a:r>
-          </a:p>
-          <a:p>
-            <a:endParaRPr lang="zh-TW" altLang="en-US" dirty="0"/>
+            <a:endParaRPr lang="zh-TW" altLang="en-US"/>
           </a:p>
         </p:txBody>
       </p:sp>
     </p:spTree>
     <p:extLst>
       <p:ext uri="{BB962C8B-B14F-4D97-AF65-F5344CB8AC3E}">
-        <p14:creationId xmlns:p14="http://schemas.microsoft.com/office/powerpoint/2010/main" val="1457471737"/>
+        <p14:creationId xmlns:p14="http://schemas.microsoft.com/office/powerpoint/2010/main" val="2293390487"/>
       </p:ext>
     </p:extLst>
   </p:cSld>
@@ -6228,7 +10996,7 @@
           <p:cNvPr id="2" name="標題 1">
             <a:extLst>
               <a:ext uri="{FF2B5EF4-FFF2-40B4-BE49-F238E27FC236}">
-                <a16:creationId xmlns:a16="http://schemas.microsoft.com/office/drawing/2014/main" id="{FFE36D1B-5ED2-4A00-878C-6CAF180DBE55}"/>
+                <a16:creationId xmlns:a16="http://schemas.microsoft.com/office/drawing/2014/main" id="{52A2B961-E106-42D9-99DB-5B48152E8833}"/>
               </a:ext>
             </a:extLst>
           </p:cNvPr>
@@ -6256,7 +11024,7 @@
           <p:cNvPr id="3" name="內容版面配置區 2">
             <a:extLst>
               <a:ext uri="{FF2B5EF4-FFF2-40B4-BE49-F238E27FC236}">
-                <a16:creationId xmlns:a16="http://schemas.microsoft.com/office/drawing/2014/main" id="{464FCDCB-32CE-482F-9AD7-B6C09B96468B}"/>
+                <a16:creationId xmlns:a16="http://schemas.microsoft.com/office/drawing/2014/main" id="{43B9F297-2F6E-4462-BDD1-8F868F25DC5B}"/>
               </a:ext>
             </a:extLst>
           </p:cNvPr>
@@ -6267,53 +11035,95 @@
             <p:ph idx="1"/>
           </p:nvPr>
         </p:nvSpPr>
-        <p:spPr/>
-        <p:txBody>
-          <a:bodyPr/>
+        <p:spPr>
+          <a:xfrm>
+            <a:off x="1371600" y="2285999"/>
+            <a:ext cx="9601200" cy="4029959"/>
+          </a:xfrm>
+        </p:spPr>
+        <p:txBody>
+          <a:bodyPr>
+            <a:normAutofit/>
+          </a:bodyPr>
           <a:lstStyle/>
           <a:p>
             <a:r>
+              <a:rPr lang="en-US" altLang="zh-TW" dirty="0"/>
+              <a:t>IO</a:t>
+            </a:r>
+          </a:p>
+          <a:p>
+            <a:pPr lvl="1"/>
+            <a:r>
+              <a:rPr lang="en-US" altLang="zh-TW" dirty="0"/>
+              <a:t>Disk</a:t>
+            </a:r>
+          </a:p>
+          <a:p>
+            <a:r>
+              <a:rPr lang="en-US" altLang="zh-TW" dirty="0"/>
+              <a:t>Network</a:t>
+            </a:r>
+          </a:p>
+          <a:p>
+            <a:pPr lvl="1"/>
+            <a:r>
+              <a:rPr lang="en-US" altLang="zh-TW" dirty="0"/>
+              <a:t>HTTP</a:t>
+            </a:r>
+          </a:p>
+          <a:p>
+            <a:pPr lvl="1"/>
+            <a:r>
+              <a:rPr lang="en-US" altLang="zh-TW" dirty="0"/>
+              <a:t>Database</a:t>
+            </a:r>
+          </a:p>
+          <a:p>
+            <a:pPr lvl="1"/>
+            <a:r>
+              <a:rPr lang="en-US" altLang="zh-TW" dirty="0"/>
+              <a:t>Redis</a:t>
+            </a:r>
+          </a:p>
+          <a:p>
+            <a:r>
+              <a:rPr lang="en-US" altLang="zh-TW" dirty="0"/>
+              <a:t>Library</a:t>
+            </a:r>
+            <a:r>
               <a:rPr lang="zh-TW" altLang="en-US" dirty="0"/>
-              <a:t>有</a:t>
+              <a:t>或</a:t>
             </a:r>
             <a:r>
               <a:rPr lang="en-US" altLang="zh-TW" dirty="0"/>
-              <a:t>UI</a:t>
+              <a:t>Framework</a:t>
             </a:r>
             <a:r>
               <a:rPr lang="zh-TW" altLang="en-US" dirty="0"/>
-              <a:t>的程式</a:t>
-            </a:r>
-            <a:endParaRPr lang="en-US" altLang="zh-TW" dirty="0"/>
+              <a:t>只提供非同步</a:t>
+            </a:r>
+            <a:r>
+              <a:rPr lang="en-US" altLang="zh-TW" dirty="0"/>
+              <a:t>API</a:t>
+            </a:r>
           </a:p>
           <a:p>
             <a:pPr lvl="1"/>
             <a:r>
-              <a:rPr lang="zh-TW" altLang="en-US" dirty="0"/>
-              <a:t>視窗程式</a:t>
-            </a:r>
-            <a:endParaRPr lang="en-US" altLang="zh-TW" dirty="0"/>
-          </a:p>
-          <a:p>
-            <a:pPr lvl="1"/>
-            <a:r>
               <a:rPr lang="en-US" altLang="zh-TW" dirty="0"/>
-              <a:t>APP</a:t>
-            </a:r>
-          </a:p>
-          <a:p>
-            <a:r>
-              <a:rPr lang="zh-TW" altLang="en-US" dirty="0"/>
-              <a:t>等待</a:t>
-            </a:r>
-            <a:endParaRPr lang="en-US" altLang="zh-TW" dirty="0"/>
+              <a:t>.NET Core</a:t>
+            </a:r>
+          </a:p>
+          <a:p>
+            <a:endParaRPr lang="zh-TW" altLang="en-US" dirty="0"/>
           </a:p>
         </p:txBody>
       </p:sp>
     </p:spTree>
     <p:extLst>
       <p:ext uri="{BB962C8B-B14F-4D97-AF65-F5344CB8AC3E}">
-        <p14:creationId xmlns:p14="http://schemas.microsoft.com/office/powerpoint/2010/main" val="470413712"/>
+        <p14:creationId xmlns:p14="http://schemas.microsoft.com/office/powerpoint/2010/main" val="1457471737"/>
       </p:ext>
     </p:extLst>
   </p:cSld>
@@ -6428,7 +11238,7 @@
           <p:cNvPr id="2" name="標題 1">
             <a:extLst>
               <a:ext uri="{FF2B5EF4-FFF2-40B4-BE49-F238E27FC236}">
-                <a16:creationId xmlns:a16="http://schemas.microsoft.com/office/drawing/2014/main" id="{96C869CC-D6B6-45DD-A089-83B1BA3A2081}"/>
+                <a16:creationId xmlns:a16="http://schemas.microsoft.com/office/drawing/2014/main" id="{FFE36D1B-5ED2-4A00-878C-6CAF180DBE55}"/>
               </a:ext>
             </a:extLst>
           </p:cNvPr>
@@ -6446,27 +11256,7 @@
           <a:p>
             <a:r>
               <a:rPr lang="zh-TW" altLang="en-US" dirty="0"/>
-              <a:t>甚麼時候</a:t>
-            </a:r>
-            <a:r>
-              <a:rPr lang="zh-TW" altLang="en-US" dirty="0">
-                <a:solidFill>
-                  <a:schemeClr val="tx1"/>
-                </a:solidFill>
-              </a:rPr>
-              <a:t>要</a:t>
-            </a:r>
-            <a:r>
-              <a:rPr lang="zh-TW" altLang="en-US" dirty="0">
-                <a:solidFill>
-                  <a:srgbClr val="FF0000"/>
-                </a:solidFill>
-              </a:rPr>
-              <a:t>避免</a:t>
-            </a:r>
-            <a:r>
-              <a:rPr lang="zh-TW" altLang="en-US" dirty="0"/>
-              <a:t>用非同步</a:t>
+              <a:t>什麼時候要用非同步</a:t>
             </a:r>
           </a:p>
         </p:txBody>
@@ -6476,7 +11266,7 @@
           <p:cNvPr id="3" name="內容版面配置區 2">
             <a:extLst>
               <a:ext uri="{FF2B5EF4-FFF2-40B4-BE49-F238E27FC236}">
-                <a16:creationId xmlns:a16="http://schemas.microsoft.com/office/drawing/2014/main" id="{879DC065-7C78-46F6-B805-6A01266BA727}"/>
+                <a16:creationId xmlns:a16="http://schemas.microsoft.com/office/drawing/2014/main" id="{464FCDCB-32CE-482F-9AD7-B6C09B96468B}"/>
               </a:ext>
             </a:extLst>
           </p:cNvPr>
@@ -6493,43 +11283,47 @@
           <a:lstStyle/>
           <a:p>
             <a:r>
+              <a:rPr lang="zh-TW" altLang="en-US" dirty="0"/>
+              <a:t>有</a:t>
+            </a:r>
+            <a:r>
               <a:rPr lang="en-US" altLang="zh-TW" dirty="0"/>
-              <a:t>CPU</a:t>
+              <a:t>UI</a:t>
             </a:r>
             <a:r>
               <a:rPr lang="zh-TW" altLang="en-US" dirty="0"/>
-              <a:t>運算</a:t>
+              <a:t>的程式</a:t>
             </a:r>
             <a:endParaRPr lang="en-US" altLang="zh-TW" dirty="0"/>
           </a:p>
           <a:p>
+            <a:pPr lvl="1"/>
             <a:r>
               <a:rPr lang="zh-TW" altLang="en-US" dirty="0"/>
-              <a:t>記憶體存取</a:t>
+              <a:t>視窗程式</a:t>
             </a:r>
             <a:endParaRPr lang="en-US" altLang="zh-TW" dirty="0"/>
           </a:p>
           <a:p>
             <a:pPr lvl="1"/>
             <a:r>
-              <a:rPr lang="en-US" altLang="zh-TW" dirty="0" err="1"/>
-              <a:t>MemoryStream</a:t>
+              <a:rPr lang="en-US" altLang="zh-TW" dirty="0"/>
+              <a:t>APP</a:t>
+            </a:r>
+          </a:p>
+          <a:p>
+            <a:r>
+              <a:rPr lang="zh-TW" altLang="en-US" dirty="0"/>
+              <a:t>等待</a:t>
             </a:r>
             <a:endParaRPr lang="en-US" altLang="zh-TW" dirty="0"/>
-          </a:p>
-          <a:p>
-            <a:r>
-              <a:rPr lang="en-US" altLang="zh-TW" dirty="0"/>
-              <a:t>Webform</a:t>
-            </a:r>
-            <a:endParaRPr lang="zh-TW" altLang="en-US" dirty="0"/>
           </a:p>
         </p:txBody>
       </p:sp>
     </p:spTree>
     <p:extLst>
       <p:ext uri="{BB962C8B-B14F-4D97-AF65-F5344CB8AC3E}">
-        <p14:creationId xmlns:p14="http://schemas.microsoft.com/office/powerpoint/2010/main" val="352902106"/>
+        <p14:creationId xmlns:p14="http://schemas.microsoft.com/office/powerpoint/2010/main" val="470413712"/>
       </p:ext>
     </p:extLst>
   </p:cSld>
@@ -6558,10 +11352,10 @@
       </p:grpSpPr>
       <p:sp>
         <p:nvSpPr>
-          <p:cNvPr id="4" name="標題 3">
+          <p:cNvPr id="2" name="標題 1">
             <a:extLst>
               <a:ext uri="{FF2B5EF4-FFF2-40B4-BE49-F238E27FC236}">
-                <a16:creationId xmlns:a16="http://schemas.microsoft.com/office/drawing/2014/main" id="{BD4D1AC1-EA7F-4517-B8A1-C8C04888B929}"/>
+                <a16:creationId xmlns:a16="http://schemas.microsoft.com/office/drawing/2014/main" id="{96C869CC-D6B6-45DD-A089-83B1BA3A2081}"/>
               </a:ext>
             </a:extLst>
           </p:cNvPr>
@@ -6579,17 +11373,37 @@
           <a:p>
             <a:r>
               <a:rPr lang="zh-TW" altLang="en-US" dirty="0"/>
-              <a:t>非同步的優缺點</a:t>
-            </a:r>
-          </a:p>
-        </p:txBody>
-      </p:sp>
-      <p:sp>
-        <p:nvSpPr>
-          <p:cNvPr id="5" name="文字版面配置區 4">
+              <a:t>甚麼時候</a:t>
+            </a:r>
+            <a:r>
+              <a:rPr lang="zh-TW" altLang="en-US" dirty="0">
+                <a:solidFill>
+                  <a:schemeClr val="tx1"/>
+                </a:solidFill>
+              </a:rPr>
+              <a:t>要</a:t>
+            </a:r>
+            <a:r>
+              <a:rPr lang="zh-TW" altLang="en-US" dirty="0">
+                <a:solidFill>
+                  <a:srgbClr val="FF0000"/>
+                </a:solidFill>
+              </a:rPr>
+              <a:t>避免</a:t>
+            </a:r>
+            <a:r>
+              <a:rPr lang="zh-TW" altLang="en-US" dirty="0"/>
+              <a:t>用非同步</a:t>
+            </a:r>
+          </a:p>
+        </p:txBody>
+      </p:sp>
+      <p:sp>
+        <p:nvSpPr>
+          <p:cNvPr id="3" name="內容版面配置區 2">
             <a:extLst>
               <a:ext uri="{FF2B5EF4-FFF2-40B4-BE49-F238E27FC236}">
-                <a16:creationId xmlns:a16="http://schemas.microsoft.com/office/drawing/2014/main" id="{FB99B319-881C-4A6A-9C57-D26A187CAADA}"/>
+                <a16:creationId xmlns:a16="http://schemas.microsoft.com/office/drawing/2014/main" id="{879DC065-7C78-46F6-B805-6A01266BA727}"/>
               </a:ext>
             </a:extLst>
           </p:cNvPr>
@@ -6597,7 +11411,7 @@
             <a:spLocks noGrp="1"/>
           </p:cNvSpPr>
           <p:nvPr>
-            <p:ph type="body" idx="1"/>
+            <p:ph idx="1"/>
           </p:nvPr>
         </p:nvSpPr>
         <p:spPr/>
@@ -6605,14 +11419,49 @@
           <a:bodyPr/>
           <a:lstStyle/>
           <a:p>
-            <a:endParaRPr lang="zh-TW" altLang="en-US"/>
+            <a:r>
+              <a:rPr lang="en-US" altLang="zh-TW" dirty="0"/>
+              <a:t>CPU</a:t>
+            </a:r>
+            <a:r>
+              <a:rPr lang="zh-TW" altLang="en-US" dirty="0"/>
+              <a:t>運算</a:t>
+            </a:r>
+            <a:endParaRPr lang="en-US" altLang="zh-TW" dirty="0"/>
+          </a:p>
+          <a:p>
+            <a:r>
+              <a:rPr lang="zh-TW" altLang="en-US" dirty="0"/>
+              <a:t>記憶體存取</a:t>
+            </a:r>
+            <a:endParaRPr lang="en-US" altLang="zh-TW" dirty="0"/>
+          </a:p>
+          <a:p>
+            <a:pPr lvl="1"/>
+            <a:r>
+              <a:rPr lang="en-US" altLang="zh-TW" dirty="0" err="1"/>
+              <a:t>MemoryStream</a:t>
+            </a:r>
+            <a:endParaRPr lang="en-US" altLang="zh-TW" dirty="0"/>
+          </a:p>
+          <a:p>
+            <a:r>
+              <a:rPr lang="en-US" altLang="zh-TW" dirty="0"/>
+              <a:t>Webform</a:t>
+            </a:r>
+          </a:p>
+          <a:p>
+            <a:r>
+              <a:rPr lang="zh-TW" altLang="en-US" dirty="0"/>
+              <a:t>環境為單執行續</a:t>
+            </a:r>
           </a:p>
         </p:txBody>
       </p:sp>
     </p:spTree>
     <p:extLst>
       <p:ext uri="{BB962C8B-B14F-4D97-AF65-F5344CB8AC3E}">
-        <p14:creationId xmlns:p14="http://schemas.microsoft.com/office/powerpoint/2010/main" val="1493767524"/>
+        <p14:creationId xmlns:p14="http://schemas.microsoft.com/office/powerpoint/2010/main" val="352902106"/>
       </p:ext>
     </p:extLst>
   </p:cSld>
@@ -6641,10 +11490,10 @@
       </p:grpSpPr>
       <p:sp>
         <p:nvSpPr>
-          <p:cNvPr id="2" name="標題 1">
+          <p:cNvPr id="4" name="標題 3">
             <a:extLst>
               <a:ext uri="{FF2B5EF4-FFF2-40B4-BE49-F238E27FC236}">
-                <a16:creationId xmlns:a16="http://schemas.microsoft.com/office/drawing/2014/main" id="{52A2B961-E106-42D9-99DB-5B48152E8833}"/>
+                <a16:creationId xmlns:a16="http://schemas.microsoft.com/office/drawing/2014/main" id="{BD4D1AC1-EA7F-4517-B8A1-C8C04888B929}"/>
               </a:ext>
             </a:extLst>
           </p:cNvPr>
@@ -6662,17 +11511,17 @@
           <a:p>
             <a:r>
               <a:rPr lang="zh-TW" altLang="en-US" dirty="0"/>
-              <a:t>非同步的優點</a:t>
-            </a:r>
-          </a:p>
-        </p:txBody>
-      </p:sp>
-      <p:sp>
-        <p:nvSpPr>
-          <p:cNvPr id="3" name="內容版面配置區 2">
+              <a:t>非同步的優缺點</a:t>
+            </a:r>
+          </a:p>
+        </p:txBody>
+      </p:sp>
+      <p:sp>
+        <p:nvSpPr>
+          <p:cNvPr id="5" name="文字版面配置區 4">
             <a:extLst>
               <a:ext uri="{FF2B5EF4-FFF2-40B4-BE49-F238E27FC236}">
-                <a16:creationId xmlns:a16="http://schemas.microsoft.com/office/drawing/2014/main" id="{43B9F297-2F6E-4462-BDD1-8F868F25DC5B}"/>
+                <a16:creationId xmlns:a16="http://schemas.microsoft.com/office/drawing/2014/main" id="{FB99B319-881C-4A6A-9C57-D26A187CAADA}"/>
               </a:ext>
             </a:extLst>
           </p:cNvPr>
@@ -6680,7 +11529,7 @@
             <a:spLocks noGrp="1"/>
           </p:cNvSpPr>
           <p:nvPr>
-            <p:ph idx="1"/>
+            <p:ph type="body" idx="1"/>
           </p:nvPr>
         </p:nvSpPr>
         <p:spPr/>
@@ -6688,31 +11537,14 @@
           <a:bodyPr/>
           <a:lstStyle/>
           <a:p>
-            <a:r>
-              <a:rPr lang="zh-TW" altLang="en-US" dirty="0"/>
-              <a:t>整體效能提升</a:t>
-            </a:r>
-            <a:endParaRPr lang="en-US" altLang="zh-TW" dirty="0"/>
-          </a:p>
-          <a:p>
-            <a:r>
-              <a:rPr lang="zh-TW" altLang="en-US" dirty="0"/>
-              <a:t>降低大流量時的執行續負擔</a:t>
-            </a:r>
-            <a:endParaRPr lang="en-US" altLang="zh-TW" dirty="0"/>
-          </a:p>
-          <a:p>
-            <a:r>
-              <a:rPr lang="zh-TW" altLang="en-US" dirty="0"/>
-              <a:t>避免資源鎖死</a:t>
-            </a:r>
+            <a:endParaRPr lang="zh-TW" altLang="en-US"/>
           </a:p>
         </p:txBody>
       </p:sp>
     </p:spTree>
     <p:extLst>
       <p:ext uri="{BB962C8B-B14F-4D97-AF65-F5344CB8AC3E}">
-        <p14:creationId xmlns:p14="http://schemas.microsoft.com/office/powerpoint/2010/main" val="739057728"/>
+        <p14:creationId xmlns:p14="http://schemas.microsoft.com/office/powerpoint/2010/main" val="1493767524"/>
       </p:ext>
     </p:extLst>
   </p:cSld>
@@ -6762,7 +11594,7 @@
           <a:p>
             <a:r>
               <a:rPr lang="zh-TW" altLang="en-US" dirty="0"/>
-              <a:t>非同步的缺點</a:t>
+              <a:t>非同步的優點</a:t>
             </a:r>
           </a:p>
         </p:txBody>
@@ -6790,66 +11622,21 @@
           <a:p>
             <a:r>
               <a:rPr lang="zh-TW" altLang="en-US" dirty="0"/>
-              <a:t>輸出程式所占空間變大</a:t>
+              <a:t>整體效能提升</a:t>
             </a:r>
             <a:endParaRPr lang="en-US" altLang="zh-TW" dirty="0"/>
           </a:p>
           <a:p>
-            <a:pPr lvl="1"/>
             <a:r>
               <a:rPr lang="zh-TW" altLang="en-US" dirty="0"/>
-              <a:t>每個帶有 </a:t>
-            </a:r>
-            <a:r>
-              <a:rPr lang="en-US" altLang="zh-TW" dirty="0"/>
-              <a:t>async </a:t>
-            </a:r>
+              <a:t>降低大流量時的執行續負擔</a:t>
+            </a:r>
+            <a:endParaRPr lang="en-US" altLang="zh-TW" dirty="0"/>
+          </a:p>
+          <a:p>
             <a:r>
               <a:rPr lang="zh-TW" altLang="en-US" dirty="0"/>
-              <a:t>詞墜的方法大約會多 </a:t>
-            </a:r>
-            <a:r>
-              <a:rPr lang="en-US" altLang="zh-TW" dirty="0"/>
-              <a:t>100</a:t>
-            </a:r>
-            <a:r>
-              <a:rPr lang="zh-TW" altLang="en-US" dirty="0"/>
-              <a:t> </a:t>
-            </a:r>
-            <a:r>
-              <a:rPr lang="en-US" altLang="zh-TW" dirty="0"/>
-              <a:t>bytes</a:t>
-            </a:r>
-          </a:p>
-          <a:p>
-            <a:r>
-              <a:rPr lang="zh-TW" altLang="en-US" dirty="0"/>
-              <a:t>較難</a:t>
-            </a:r>
-            <a:r>
-              <a:rPr lang="en-US" altLang="zh-TW" dirty="0"/>
-              <a:t>Debug</a:t>
-            </a:r>
-          </a:p>
-          <a:p>
-            <a:r>
-              <a:rPr lang="zh-TW" altLang="en-US" dirty="0"/>
-              <a:t>非同步的傳遞性</a:t>
-            </a:r>
-            <a:endParaRPr lang="en-US" altLang="zh-TW" dirty="0"/>
-          </a:p>
-          <a:p>
-            <a:r>
-              <a:rPr lang="zh-TW" altLang="en-US" dirty="0"/>
-              <a:t>單一回應時間稍微變長</a:t>
-            </a:r>
-            <a:endParaRPr lang="en-US" altLang="zh-TW" dirty="0"/>
-          </a:p>
-          <a:p>
-            <a:pPr lvl="1"/>
-            <a:r>
-              <a:rPr lang="zh-TW" altLang="en-US" dirty="0"/>
-              <a:t>幾乎可以忽略</a:t>
+              <a:t>避免資源鎖死</a:t>
             </a:r>
           </a:p>
         </p:txBody>
@@ -6857,7 +11644,7 @@
     </p:spTree>
     <p:extLst>
       <p:ext uri="{BB962C8B-B14F-4D97-AF65-F5344CB8AC3E}">
-        <p14:creationId xmlns:p14="http://schemas.microsoft.com/office/powerpoint/2010/main" val="2391344383"/>
+        <p14:creationId xmlns:p14="http://schemas.microsoft.com/office/powerpoint/2010/main" val="739057728"/>
       </p:ext>
     </p:extLst>
   </p:cSld>
@@ -6886,10 +11673,10 @@
       </p:grpSpPr>
       <p:sp>
         <p:nvSpPr>
-          <p:cNvPr id="4" name="標題 3">
+          <p:cNvPr id="2" name="標題 1">
             <a:extLst>
               <a:ext uri="{FF2B5EF4-FFF2-40B4-BE49-F238E27FC236}">
-                <a16:creationId xmlns:a16="http://schemas.microsoft.com/office/drawing/2014/main" id="{B30D21D9-FC15-4EFB-B6EE-82937DD0EC5E}"/>
+                <a16:creationId xmlns:a16="http://schemas.microsoft.com/office/drawing/2014/main" id="{52A2B961-E106-42D9-99DB-5B48152E8833}"/>
               </a:ext>
             </a:extLst>
           </p:cNvPr>
@@ -6907,17 +11694,17 @@
           <a:p>
             <a:r>
               <a:rPr lang="zh-TW" altLang="en-US" dirty="0"/>
-              <a:t>避免與注意事項</a:t>
-            </a:r>
-          </a:p>
-        </p:txBody>
-      </p:sp>
-      <p:sp>
-        <p:nvSpPr>
-          <p:cNvPr id="5" name="文字版面配置區 4">
+              <a:t>非同步的缺點</a:t>
+            </a:r>
+          </a:p>
+        </p:txBody>
+      </p:sp>
+      <p:sp>
+        <p:nvSpPr>
+          <p:cNvPr id="3" name="內容版面配置區 2">
             <a:extLst>
               <a:ext uri="{FF2B5EF4-FFF2-40B4-BE49-F238E27FC236}">
-                <a16:creationId xmlns:a16="http://schemas.microsoft.com/office/drawing/2014/main" id="{529E6886-9147-475B-8604-5ED7D95D23A5}"/>
+                <a16:creationId xmlns:a16="http://schemas.microsoft.com/office/drawing/2014/main" id="{43B9F297-2F6E-4462-BDD1-8F868F25DC5B}"/>
               </a:ext>
             </a:extLst>
           </p:cNvPr>
@@ -6925,7 +11712,7 @@
             <a:spLocks noGrp="1"/>
           </p:cNvSpPr>
           <p:nvPr>
-            <p:ph type="body" idx="1"/>
+            <p:ph idx="1"/>
           </p:nvPr>
         </p:nvSpPr>
         <p:spPr/>
@@ -6933,14 +11720,76 @@
           <a:bodyPr/>
           <a:lstStyle/>
           <a:p>
-            <a:endParaRPr lang="zh-TW" altLang="en-US"/>
+            <a:r>
+              <a:rPr lang="zh-TW" altLang="en-US" dirty="0"/>
+              <a:t>輸出程式所占空間變大</a:t>
+            </a:r>
+            <a:endParaRPr lang="en-US" altLang="zh-TW" dirty="0"/>
+          </a:p>
+          <a:p>
+            <a:pPr lvl="1"/>
+            <a:r>
+              <a:rPr lang="zh-TW" altLang="en-US" dirty="0"/>
+              <a:t>每個帶有 </a:t>
+            </a:r>
+            <a:r>
+              <a:rPr lang="en-US" altLang="zh-TW" dirty="0"/>
+              <a:t>async </a:t>
+            </a:r>
+            <a:r>
+              <a:rPr lang="zh-TW" altLang="en-US" dirty="0"/>
+              <a:t>詞墜的方法大約會多 </a:t>
+            </a:r>
+            <a:r>
+              <a:rPr lang="en-US" altLang="zh-TW" dirty="0"/>
+              <a:t>100</a:t>
+            </a:r>
+            <a:r>
+              <a:rPr lang="zh-TW" altLang="en-US" dirty="0"/>
+              <a:t> </a:t>
+            </a:r>
+            <a:r>
+              <a:rPr lang="en-US" altLang="zh-TW" dirty="0"/>
+              <a:t>bytes</a:t>
+            </a:r>
+          </a:p>
+          <a:p>
+            <a:r>
+              <a:rPr lang="zh-TW" altLang="en-US" dirty="0"/>
+              <a:t>較難</a:t>
+            </a:r>
+            <a:r>
+              <a:rPr lang="en-US" altLang="zh-TW" dirty="0"/>
+              <a:t>Debug</a:t>
+            </a:r>
+          </a:p>
+          <a:p>
+            <a:r>
+              <a:rPr lang="zh-TW" altLang="en-US" dirty="0"/>
+              <a:t>非同步的傳遞性</a:t>
+            </a:r>
+            <a:endParaRPr lang="en-US" altLang="zh-TW" dirty="0"/>
+          </a:p>
+          <a:p>
+            <a:r>
+              <a:rPr lang="zh-TW" altLang="en-US" dirty="0"/>
+              <a:t>單一回應時間稍微變長</a:t>
+            </a:r>
+            <a:endParaRPr lang="en-US" altLang="zh-TW" dirty="0"/>
+          </a:p>
+          <a:p>
+            <a:pPr lvl="1"/>
+            <a:r>
+              <a:rPr lang="zh-TW" altLang="en-US" dirty="0"/>
+              <a:t>幾乎可以忽略</a:t>
+            </a:r>
           </a:p>
         </p:txBody>
       </p:sp>
     </p:spTree>
     <p:extLst>
       <p:ext uri="{BB962C8B-B14F-4D97-AF65-F5344CB8AC3E}">
-        <p14:creationId xmlns:p14="http://schemas.microsoft.com/office/powerpoint/2010/main" val="1484087901"/>
+        <p14:creationId xmlns:p14="http://schemas.microsoft.com/office/powerpoint/2010/main" val="2391344383"/>
       </p:ext>
     </p:extLst>
   </p:cSld>
@@ -6969,6 +11818,89 @@
       </p:grpSpPr>
       <p:sp>
         <p:nvSpPr>
+          <p:cNvPr id="4" name="標題 3">
+            <a:extLst>
+              <a:ext uri="{FF2B5EF4-FFF2-40B4-BE49-F238E27FC236}">
+                <a16:creationId xmlns:a16="http://schemas.microsoft.com/office/drawing/2014/main" id="{B30D21D9-FC15-4EFB-B6EE-82937DD0EC5E}"/>
+              </a:ext>
+            </a:extLst>
+          </p:cNvPr>
+          <p:cNvSpPr>
+            <a:spLocks noGrp="1"/>
+          </p:cNvSpPr>
+          <p:nvPr>
+            <p:ph type="title"/>
+          </p:nvPr>
+        </p:nvSpPr>
+        <p:spPr/>
+        <p:txBody>
+          <a:bodyPr/>
+          <a:lstStyle/>
+          <a:p>
+            <a:r>
+              <a:rPr lang="zh-TW" altLang="en-US" dirty="0"/>
+              <a:t>避免與注意事項</a:t>
+            </a:r>
+          </a:p>
+        </p:txBody>
+      </p:sp>
+      <p:sp>
+        <p:nvSpPr>
+          <p:cNvPr id="5" name="文字版面配置區 4">
+            <a:extLst>
+              <a:ext uri="{FF2B5EF4-FFF2-40B4-BE49-F238E27FC236}">
+                <a16:creationId xmlns:a16="http://schemas.microsoft.com/office/drawing/2014/main" id="{529E6886-9147-475B-8604-5ED7D95D23A5}"/>
+              </a:ext>
+            </a:extLst>
+          </p:cNvPr>
+          <p:cNvSpPr>
+            <a:spLocks noGrp="1"/>
+          </p:cNvSpPr>
+          <p:nvPr>
+            <p:ph type="body" idx="1"/>
+          </p:nvPr>
+        </p:nvSpPr>
+        <p:spPr/>
+        <p:txBody>
+          <a:bodyPr/>
+          <a:lstStyle/>
+          <a:p>
+            <a:endParaRPr lang="zh-TW" altLang="en-US"/>
+          </a:p>
+        </p:txBody>
+      </p:sp>
+    </p:spTree>
+    <p:extLst>
+      <p:ext uri="{BB962C8B-B14F-4D97-AF65-F5344CB8AC3E}">
+        <p14:creationId xmlns:p14="http://schemas.microsoft.com/office/powerpoint/2010/main" val="1484087901"/>
+      </p:ext>
+    </p:extLst>
+  </p:cSld>
+  <p:clrMapOvr>
+    <a:masterClrMapping/>
+  </p:clrMapOvr>
+</p:sld>
+</file>
+
+<file path=ppt/slides/slide26.xml><?xml version="1.0" encoding="utf-8"?>
+<p:sld xmlns:a="http://schemas.openxmlformats.org/drawingml/2006/main" xmlns:r="http://schemas.openxmlformats.org/officeDocument/2006/relationships" xmlns:p="http://schemas.openxmlformats.org/presentationml/2006/main">
+  <p:cSld>
+    <p:spTree>
+      <p:nvGrpSpPr>
+        <p:cNvPr id="1" name=""/>
+        <p:cNvGrpSpPr/>
+        <p:nvPr/>
+      </p:nvGrpSpPr>
+      <p:grpSpPr>
+        <a:xfrm>
+          <a:off x="0" y="0"/>
+          <a:ext cx="0" cy="0"/>
+          <a:chOff x="0" y="0"/>
+          <a:chExt cx="0" cy="0"/>
+        </a:xfrm>
+      </p:grpSpPr>
+      <p:sp>
+        <p:nvSpPr>
           <p:cNvPr id="2" name="標題 1">
             <a:extLst>
               <a:ext uri="{FF2B5EF4-FFF2-40B4-BE49-F238E27FC236}">
@@ -7059,7 +11991,7 @@
 </p:sld>
 </file>
 
-<file path=ppt/slides/slide26.xml><?xml version="1.0" encoding="utf-8"?>
+<file path=ppt/slides/slide27.xml><?xml version="1.0" encoding="utf-8"?>
 <p:sld xmlns:a="http://schemas.openxmlformats.org/drawingml/2006/main" xmlns:r="http://schemas.openxmlformats.org/officeDocument/2006/relationships" xmlns:p="http://schemas.openxmlformats.org/presentationml/2006/main">
   <p:cSld>
     <p:spTree>
@@ -7790,142 +12722,6 @@
 </p:sld>
 </file>
 
-<file path=ppt/slides/slide27.xml><?xml version="1.0" encoding="utf-8"?>
-<p:sld xmlns:a="http://schemas.openxmlformats.org/drawingml/2006/main" xmlns:r="http://schemas.openxmlformats.org/officeDocument/2006/relationships" xmlns:p="http://schemas.openxmlformats.org/presentationml/2006/main">
-  <p:cSld>
-    <p:spTree>
-      <p:nvGrpSpPr>
-        <p:cNvPr id="1" name=""/>
-        <p:cNvGrpSpPr/>
-        <p:nvPr/>
-      </p:nvGrpSpPr>
-      <p:grpSpPr>
-        <a:xfrm>
-          <a:off x="0" y="0"/>
-          <a:ext cx="0" cy="0"/>
-          <a:chOff x="0" y="0"/>
-          <a:chExt cx="0" cy="0"/>
-        </a:xfrm>
-      </p:grpSpPr>
-      <p:sp>
-        <p:nvSpPr>
-          <p:cNvPr id="4" name="標題 3">
-            <a:extLst>
-              <a:ext uri="{FF2B5EF4-FFF2-40B4-BE49-F238E27FC236}">
-                <a16:creationId xmlns:a16="http://schemas.microsoft.com/office/drawing/2014/main" id="{CAE88269-831B-47F3-BCCB-ADB55761B458}"/>
-              </a:ext>
-            </a:extLst>
-          </p:cNvPr>
-          <p:cNvSpPr>
-            <a:spLocks noGrp="1"/>
-          </p:cNvSpPr>
-          <p:nvPr>
-            <p:ph type="title"/>
-          </p:nvPr>
-        </p:nvSpPr>
-        <p:spPr/>
-        <p:txBody>
-          <a:bodyPr/>
-          <a:lstStyle/>
-          <a:p>
-            <a:r>
-              <a:rPr lang="zh-TW" altLang="en-US" dirty="0"/>
-              <a:t>避免以同步呼叫非同步</a:t>
-            </a:r>
-          </a:p>
-        </p:txBody>
-      </p:sp>
-      <p:sp>
-        <p:nvSpPr>
-          <p:cNvPr id="5" name="內容版面配置區 4">
-            <a:extLst>
-              <a:ext uri="{FF2B5EF4-FFF2-40B4-BE49-F238E27FC236}">
-                <a16:creationId xmlns:a16="http://schemas.microsoft.com/office/drawing/2014/main" id="{072A1A9B-4EB9-4970-A8FB-B51BAA8645EA}"/>
-              </a:ext>
-            </a:extLst>
-          </p:cNvPr>
-          <p:cNvSpPr>
-            <a:spLocks noGrp="1"/>
-          </p:cNvSpPr>
-          <p:nvPr>
-            <p:ph idx="1"/>
-          </p:nvPr>
-        </p:nvSpPr>
-        <p:spPr/>
-        <p:txBody>
-          <a:bodyPr/>
-          <a:lstStyle/>
-          <a:p>
-            <a:r>
-              <a:rPr lang="en-US" altLang="zh-TW" dirty="0">
-                <a:latin typeface="Consolas" panose="020B0609020204030204" pitchFamily="49" charset="0"/>
-              </a:rPr>
-              <a:t>(O) .</a:t>
-            </a:r>
-            <a:r>
-              <a:rPr lang="en-US" altLang="zh-TW" dirty="0" err="1">
-                <a:latin typeface="Consolas" panose="020B0609020204030204" pitchFamily="49" charset="0"/>
-              </a:rPr>
-              <a:t>GetAwaiter</a:t>
-            </a:r>
-            <a:r>
-              <a:rPr lang="en-US" altLang="zh-TW" dirty="0">
-                <a:latin typeface="Consolas" panose="020B0609020204030204" pitchFamily="49" charset="0"/>
-              </a:rPr>
-              <a:t>().</a:t>
-            </a:r>
-            <a:r>
-              <a:rPr lang="en-US" altLang="zh-TW" dirty="0" err="1">
-                <a:latin typeface="Consolas" panose="020B0609020204030204" pitchFamily="49" charset="0"/>
-              </a:rPr>
-              <a:t>GetResult</a:t>
-            </a:r>
-            <a:r>
-              <a:rPr lang="en-US" altLang="zh-TW" dirty="0">
-                <a:latin typeface="Consolas" panose="020B0609020204030204" pitchFamily="49" charset="0"/>
-              </a:rPr>
-              <a:t>()</a:t>
-            </a:r>
-          </a:p>
-          <a:p>
-            <a:r>
-              <a:rPr lang="en-US" altLang="zh-TW" dirty="0">
-                <a:latin typeface="Consolas" panose="020B0609020204030204" pitchFamily="49" charset="0"/>
-              </a:rPr>
-              <a:t>(X) .Result</a:t>
-            </a:r>
-          </a:p>
-          <a:p>
-            <a:r>
-              <a:rPr lang="en-US" altLang="zh-TW" dirty="0">
-                <a:latin typeface="Consolas" panose="020B0609020204030204" pitchFamily="49" charset="0"/>
-              </a:rPr>
-              <a:t>(X) .Wait()</a:t>
-            </a:r>
-          </a:p>
-          <a:p>
-            <a:pPr lvl="1"/>
-            <a:r>
-              <a:rPr lang="en-US" altLang="zh-TW" dirty="0" err="1"/>
-              <a:t>AggregateException</a:t>
-            </a:r>
-            <a:endParaRPr lang="zh-TW" altLang="en-US" dirty="0"/>
-          </a:p>
-        </p:txBody>
-      </p:sp>
-    </p:spTree>
-    <p:extLst>
-      <p:ext uri="{BB962C8B-B14F-4D97-AF65-F5344CB8AC3E}">
-        <p14:creationId xmlns:p14="http://schemas.microsoft.com/office/powerpoint/2010/main" val="700056660"/>
-      </p:ext>
-    </p:extLst>
-  </p:cSld>
-  <p:clrMapOvr>
-    <a:masterClrMapping/>
-  </p:clrMapOvr>
-</p:sld>
-</file>
-
 <file path=ppt/slides/slide28.xml><?xml version="1.0" encoding="utf-8"?>
 <p:sld xmlns:a="http://schemas.openxmlformats.org/drawingml/2006/main" xmlns:r="http://schemas.openxmlformats.org/officeDocument/2006/relationships" xmlns:p="http://schemas.openxmlformats.org/presentationml/2006/main">
   <p:cSld>
@@ -7945,10 +12741,10 @@
       </p:grpSpPr>
       <p:sp>
         <p:nvSpPr>
-          <p:cNvPr id="2" name="標題 1">
+          <p:cNvPr id="4" name="標題 3">
             <a:extLst>
               <a:ext uri="{FF2B5EF4-FFF2-40B4-BE49-F238E27FC236}">
-                <a16:creationId xmlns:a16="http://schemas.microsoft.com/office/drawing/2014/main" id="{D3D9E101-9010-4ABE-9468-060B0EE11ACC}"/>
+                <a16:creationId xmlns:a16="http://schemas.microsoft.com/office/drawing/2014/main" id="{CAE88269-831B-47F3-BCCB-ADB55761B458}"/>
               </a:ext>
             </a:extLst>
           </p:cNvPr>
@@ -7968,15 +12764,23 @@
               <a:rPr lang="zh-TW" altLang="en-US" dirty="0"/>
               <a:t>避免以同步呼叫非同步</a:t>
             </a:r>
-          </a:p>
-        </p:txBody>
-      </p:sp>
-      <p:sp>
-        <p:nvSpPr>
-          <p:cNvPr id="3" name="內容版面配置區 2">
+            <a:r>
+              <a:rPr lang="en-US" altLang="zh-TW" dirty="0"/>
+              <a:t>—</a:t>
+            </a:r>
+            <a:r>
+              <a:rPr lang="zh-TW" altLang="en-US" dirty="0"/>
+              <a:t>情非得已</a:t>
+            </a:r>
+          </a:p>
+        </p:txBody>
+      </p:sp>
+      <p:sp>
+        <p:nvSpPr>
+          <p:cNvPr id="5" name="內容版面配置區 4">
             <a:extLst>
               <a:ext uri="{FF2B5EF4-FFF2-40B4-BE49-F238E27FC236}">
-                <a16:creationId xmlns:a16="http://schemas.microsoft.com/office/drawing/2014/main" id="{B10D9C24-902B-4571-BF48-82E8560105EF}"/>
+                <a16:creationId xmlns:a16="http://schemas.microsoft.com/office/drawing/2014/main" id="{072A1A9B-4EB9-4970-A8FB-B51BAA8645EA}"/>
               </a:ext>
             </a:extLst>
           </p:cNvPr>
@@ -7993,16 +12797,57 @@
           <a:lstStyle/>
           <a:p>
             <a:r>
-              <a:rPr lang="en-US" altLang="zh-TW" dirty="0"/>
-              <a:t>Sample Code</a:t>
-            </a:r>
-            <a:r>
-              <a:rPr lang="zh-TW" altLang="en-US" dirty="0"/>
-              <a:t>：</a:t>
-            </a:r>
+              <a:rPr lang="en-US" altLang="zh-TW" dirty="0">
+                <a:latin typeface="Consolas" panose="020B0609020204030204" pitchFamily="49" charset="0"/>
+              </a:rPr>
+              <a:t>(O) .</a:t>
+            </a:r>
+            <a:r>
+              <a:rPr lang="en-US" altLang="zh-TW" dirty="0" err="1">
+                <a:latin typeface="Consolas" panose="020B0609020204030204" pitchFamily="49" charset="0"/>
+              </a:rPr>
+              <a:t>GetAwaiter</a:t>
+            </a:r>
+            <a:r>
+              <a:rPr lang="en-US" altLang="zh-TW" dirty="0">
+                <a:latin typeface="Consolas" panose="020B0609020204030204" pitchFamily="49" charset="0"/>
+              </a:rPr>
+              <a:t>().</a:t>
+            </a:r>
+            <a:r>
+              <a:rPr lang="en-US" altLang="zh-TW" dirty="0" err="1">
+                <a:latin typeface="Consolas" panose="020B0609020204030204" pitchFamily="49" charset="0"/>
+              </a:rPr>
+              <a:t>GetResult</a:t>
+            </a:r>
+            <a:r>
+              <a:rPr lang="en-US" altLang="zh-TW" dirty="0">
+                <a:latin typeface="Consolas" panose="020B0609020204030204" pitchFamily="49" charset="0"/>
+              </a:rPr>
+              <a:t>()</a:t>
+            </a:r>
+          </a:p>
+          <a:p>
+            <a:r>
+              <a:rPr lang="en-US" altLang="zh-TW" dirty="0">
+                <a:latin typeface="Consolas" panose="020B0609020204030204" pitchFamily="49" charset="0"/>
+              </a:rPr>
+              <a:t>(X) .Result</a:t>
+            </a:r>
+          </a:p>
+          <a:p>
+            <a:r>
+              <a:rPr lang="en-US" altLang="zh-TW" dirty="0">
+                <a:latin typeface="Consolas" panose="020B0609020204030204" pitchFamily="49" charset="0"/>
+              </a:rPr>
+              <a:t>(X) .Wait()</a:t>
+            </a:r>
+          </a:p>
+          <a:p>
+            <a:pPr lvl="1"/>
             <a:r>
               <a:rPr lang="en-US" altLang="zh-TW" dirty="0" err="1"/>
-              <a:t>WinFormDeadLock</a:t>
+              <a:t>AggregateException</a:t>
             </a:r>
             <a:endParaRPr lang="zh-TW" altLang="en-US" dirty="0"/>
           </a:p>
@@ -8011,7 +12856,7 @@
     </p:spTree>
     <p:extLst>
       <p:ext uri="{BB962C8B-B14F-4D97-AF65-F5344CB8AC3E}">
-        <p14:creationId xmlns:p14="http://schemas.microsoft.com/office/powerpoint/2010/main" val="3992750907"/>
+        <p14:creationId xmlns:p14="http://schemas.microsoft.com/office/powerpoint/2010/main" val="700056660"/>
       </p:ext>
     </p:extLst>
   </p:cSld>
@@ -8043,7 +12888,7 @@
           <p:cNvPr id="2" name="標題 1">
             <a:extLst>
               <a:ext uri="{FF2B5EF4-FFF2-40B4-BE49-F238E27FC236}">
-                <a16:creationId xmlns:a16="http://schemas.microsoft.com/office/drawing/2014/main" id="{A7D8A269-6FA3-4981-BADD-0CF21F5D7094}"/>
+                <a16:creationId xmlns:a16="http://schemas.microsoft.com/office/drawing/2014/main" id="{D3D9E101-9010-4ABE-9468-060B0EE11ACC}"/>
               </a:ext>
             </a:extLst>
           </p:cNvPr>
@@ -8060,14 +12905,9 @@
           <a:lstStyle/>
           <a:p>
             <a:r>
-              <a:rPr lang="en-US" altLang="zh-TW" dirty="0" err="1"/>
-              <a:t>ConfigureAwait</a:t>
-            </a:r>
-            <a:r>
-              <a:rPr lang="en-US" altLang="zh-TW" dirty="0"/>
-              <a:t>(false)</a:t>
-            </a:r>
-            <a:endParaRPr lang="zh-TW" altLang="en-US" dirty="0"/>
+              <a:rPr lang="zh-TW" altLang="en-US" dirty="0"/>
+              <a:t>避免以同步呼叫非同步</a:t>
+            </a:r>
           </a:p>
         </p:txBody>
       </p:sp>
@@ -8076,7 +12916,7 @@
           <p:cNvPr id="3" name="內容版面配置區 2">
             <a:extLst>
               <a:ext uri="{FF2B5EF4-FFF2-40B4-BE49-F238E27FC236}">
-                <a16:creationId xmlns:a16="http://schemas.microsoft.com/office/drawing/2014/main" id="{D5A43034-3C0C-43F3-81AE-A9342E07B60F}"/>
+                <a16:creationId xmlns:a16="http://schemas.microsoft.com/office/drawing/2014/main" id="{B10D9C24-902B-4571-BF48-82E8560105EF}"/>
               </a:ext>
             </a:extLst>
           </p:cNvPr>
@@ -8092,14 +12932,26 @@
           <a:bodyPr/>
           <a:lstStyle/>
           <a:p>
-            <a:endParaRPr lang="zh-TW" altLang="en-US"/>
+            <a:r>
+              <a:rPr lang="en-US" altLang="zh-TW" dirty="0"/>
+              <a:t>Sample Code</a:t>
+            </a:r>
+            <a:r>
+              <a:rPr lang="zh-TW" altLang="en-US" dirty="0"/>
+              <a:t>：</a:t>
+            </a:r>
+            <a:r>
+              <a:rPr lang="en-US" altLang="zh-TW" dirty="0" err="1"/>
+              <a:t>WinFormDeadLock</a:t>
+            </a:r>
+            <a:endParaRPr lang="zh-TW" altLang="en-US" dirty="0"/>
           </a:p>
         </p:txBody>
       </p:sp>
     </p:spTree>
     <p:extLst>
       <p:ext uri="{BB962C8B-B14F-4D97-AF65-F5344CB8AC3E}">
-        <p14:creationId xmlns:p14="http://schemas.microsoft.com/office/powerpoint/2010/main" val="3515822487"/>
+        <p14:creationId xmlns:p14="http://schemas.microsoft.com/office/powerpoint/2010/main" val="3992750907"/>
       </p:ext>
     </p:extLst>
   </p:cSld>
@@ -8202,6 +13054,548 @@
 </file>
 
 <file path=ppt/slides/slide30.xml><?xml version="1.0" encoding="utf-8"?>
+<p:sld xmlns:a="http://schemas.openxmlformats.org/drawingml/2006/main" xmlns:r="http://schemas.openxmlformats.org/officeDocument/2006/relationships" xmlns:p="http://schemas.openxmlformats.org/presentationml/2006/main">
+  <p:cSld>
+    <p:spTree>
+      <p:nvGrpSpPr>
+        <p:cNvPr id="1" name=""/>
+        <p:cNvGrpSpPr/>
+        <p:nvPr/>
+      </p:nvGrpSpPr>
+      <p:grpSpPr>
+        <a:xfrm>
+          <a:off x="0" y="0"/>
+          <a:ext cx="0" cy="0"/>
+          <a:chOff x="0" y="0"/>
+          <a:chExt cx="0" cy="0"/>
+        </a:xfrm>
+      </p:grpSpPr>
+      <p:sp>
+        <p:nvSpPr>
+          <p:cNvPr id="2" name="標題 1">
+            <a:extLst>
+              <a:ext uri="{FF2B5EF4-FFF2-40B4-BE49-F238E27FC236}">
+                <a16:creationId xmlns:a16="http://schemas.microsoft.com/office/drawing/2014/main" id="{D3D9E101-9010-4ABE-9468-060B0EE11ACC}"/>
+              </a:ext>
+            </a:extLst>
+          </p:cNvPr>
+          <p:cNvSpPr>
+            <a:spLocks noGrp="1"/>
+          </p:cNvSpPr>
+          <p:nvPr>
+            <p:ph type="title"/>
+          </p:nvPr>
+        </p:nvSpPr>
+        <p:spPr/>
+        <p:txBody>
+          <a:bodyPr/>
+          <a:lstStyle/>
+          <a:p>
+            <a:r>
+              <a:rPr lang="zh-TW" altLang="en-US" dirty="0"/>
+              <a:t>避免以同步呼叫非同步</a:t>
+            </a:r>
+            <a:r>
+              <a:rPr lang="en-US" altLang="zh-TW" dirty="0"/>
+              <a:t>—</a:t>
+            </a:r>
+            <a:r>
+              <a:rPr lang="zh-TW" altLang="en-US" dirty="0"/>
+              <a:t>建議</a:t>
+            </a:r>
+          </a:p>
+        </p:txBody>
+      </p:sp>
+      <p:sp>
+        <p:nvSpPr>
+          <p:cNvPr id="3" name="內容版面配置區 2">
+            <a:extLst>
+              <a:ext uri="{FF2B5EF4-FFF2-40B4-BE49-F238E27FC236}">
+                <a16:creationId xmlns:a16="http://schemas.microsoft.com/office/drawing/2014/main" id="{B10D9C24-902B-4571-BF48-82E8560105EF}"/>
+              </a:ext>
+            </a:extLst>
+          </p:cNvPr>
+          <p:cNvSpPr>
+            <a:spLocks noGrp="1"/>
+          </p:cNvSpPr>
+          <p:nvPr>
+            <p:ph idx="1"/>
+          </p:nvPr>
+        </p:nvSpPr>
+        <p:spPr/>
+        <p:txBody>
+          <a:bodyPr/>
+          <a:lstStyle/>
+          <a:p>
+            <a:r>
+              <a:rPr lang="zh-TW" altLang="en-US" dirty="0"/>
+              <a:t>建構子改為工廠模式以非同步方法初始化</a:t>
+            </a:r>
+            <a:endParaRPr lang="en-US" altLang="zh-TW" dirty="0"/>
+          </a:p>
+          <a:p>
+            <a:r>
+              <a:rPr lang="en-US" altLang="zh-TW" dirty="0"/>
+              <a:t>.NET MVC</a:t>
+            </a:r>
+            <a:r>
+              <a:rPr lang="zh-TW" altLang="en-US" dirty="0"/>
+              <a:t>可將</a:t>
+            </a:r>
+            <a:r>
+              <a:rPr lang="en-US" altLang="zh-TW" dirty="0"/>
+              <a:t>Action</a:t>
+            </a:r>
+            <a:r>
+              <a:rPr lang="zh-TW" altLang="en-US" dirty="0"/>
+              <a:t>直接改為同名的非同步方法</a:t>
+            </a:r>
+            <a:endParaRPr lang="en-US" altLang="zh-TW" dirty="0"/>
+          </a:p>
+          <a:p>
+            <a:r>
+              <a:rPr lang="en-US" altLang="zh-TW" dirty="0"/>
+              <a:t>.NET Core</a:t>
+            </a:r>
+            <a:r>
+              <a:rPr lang="zh-TW" altLang="en-US" dirty="0"/>
+              <a:t>幾乎各功能都有</a:t>
+            </a:r>
+            <a:r>
+              <a:rPr lang="en-US" altLang="zh-TW" dirty="0"/>
+              <a:t>/</a:t>
+            </a:r>
+            <a:r>
+              <a:rPr lang="zh-TW" altLang="en-US" dirty="0"/>
+              <a:t>只有非同步的版本</a:t>
+            </a:r>
+          </a:p>
+        </p:txBody>
+      </p:sp>
+    </p:spTree>
+    <p:extLst>
+      <p:ext uri="{BB962C8B-B14F-4D97-AF65-F5344CB8AC3E}">
+        <p14:creationId xmlns:p14="http://schemas.microsoft.com/office/powerpoint/2010/main" val="251500763"/>
+      </p:ext>
+    </p:extLst>
+  </p:cSld>
+  <p:clrMapOvr>
+    <a:masterClrMapping/>
+  </p:clrMapOvr>
+</p:sld>
+</file>
+
+<file path=ppt/slides/slide31.xml><?xml version="1.0" encoding="utf-8"?>
+<p:sld xmlns:a="http://schemas.openxmlformats.org/drawingml/2006/main" xmlns:r="http://schemas.openxmlformats.org/officeDocument/2006/relationships" xmlns:p="http://schemas.openxmlformats.org/presentationml/2006/main">
+  <p:cSld>
+    <p:spTree>
+      <p:nvGrpSpPr>
+        <p:cNvPr id="1" name=""/>
+        <p:cNvGrpSpPr/>
+        <p:nvPr/>
+      </p:nvGrpSpPr>
+      <p:grpSpPr>
+        <a:xfrm>
+          <a:off x="0" y="0"/>
+          <a:ext cx="0" cy="0"/>
+          <a:chOff x="0" y="0"/>
+          <a:chExt cx="0" cy="0"/>
+        </a:xfrm>
+      </p:grpSpPr>
+      <p:sp>
+        <p:nvSpPr>
+          <p:cNvPr id="2" name="標題 1">
+            <a:extLst>
+              <a:ext uri="{FF2B5EF4-FFF2-40B4-BE49-F238E27FC236}">
+                <a16:creationId xmlns:a16="http://schemas.microsoft.com/office/drawing/2014/main" id="{A7D8A269-6FA3-4981-BADD-0CF21F5D7094}"/>
+              </a:ext>
+            </a:extLst>
+          </p:cNvPr>
+          <p:cNvSpPr>
+            <a:spLocks noGrp="1"/>
+          </p:cNvSpPr>
+          <p:nvPr>
+            <p:ph type="title"/>
+          </p:nvPr>
+        </p:nvSpPr>
+        <p:spPr/>
+        <p:txBody>
+          <a:bodyPr/>
+          <a:lstStyle/>
+          <a:p>
+            <a:r>
+              <a:rPr lang="en-US" altLang="zh-TW" dirty="0"/>
+              <a:t>.</a:t>
+            </a:r>
+            <a:r>
+              <a:rPr lang="en-US" altLang="zh-TW" dirty="0" err="1"/>
+              <a:t>ConfigureAwait</a:t>
+            </a:r>
+            <a:r>
+              <a:rPr lang="en-US" altLang="zh-TW" dirty="0"/>
+              <a:t>(false)</a:t>
+            </a:r>
+            <a:endParaRPr lang="zh-TW" altLang="en-US" dirty="0"/>
+          </a:p>
+        </p:txBody>
+      </p:sp>
+      <p:sp>
+        <p:nvSpPr>
+          <p:cNvPr id="3" name="內容版面配置區 2">
+            <a:extLst>
+              <a:ext uri="{FF2B5EF4-FFF2-40B4-BE49-F238E27FC236}">
+                <a16:creationId xmlns:a16="http://schemas.microsoft.com/office/drawing/2014/main" id="{D5A43034-3C0C-43F3-81AE-A9342E07B60F}"/>
+              </a:ext>
+            </a:extLst>
+          </p:cNvPr>
+          <p:cNvSpPr>
+            <a:spLocks noGrp="1"/>
+          </p:cNvSpPr>
+          <p:nvPr>
+            <p:ph idx="1"/>
+          </p:nvPr>
+        </p:nvSpPr>
+        <p:spPr>
+          <a:xfrm>
+            <a:off x="1371600" y="2286000"/>
+            <a:ext cx="9601200" cy="4572000"/>
+          </a:xfrm>
+        </p:spPr>
+        <p:txBody>
+          <a:bodyPr>
+            <a:normAutofit/>
+          </a:bodyPr>
+          <a:lstStyle/>
+          <a:p>
+            <a:r>
+              <a:rPr lang="zh-TW" altLang="en-US" dirty="0"/>
+              <a:t>用於避免</a:t>
+            </a:r>
+            <a:r>
+              <a:rPr lang="en-US" altLang="zh-TW" dirty="0" err="1"/>
+              <a:t>DeadLock</a:t>
+            </a:r>
+            <a:endParaRPr lang="en-US" altLang="zh-TW" dirty="0"/>
+          </a:p>
+          <a:p>
+            <a:r>
+              <a:rPr lang="zh-TW" altLang="en-US" dirty="0"/>
+              <a:t>加在所有</a:t>
+            </a:r>
+            <a:r>
+              <a:rPr lang="en-US" altLang="zh-TW" dirty="0"/>
+              <a:t>await</a:t>
+            </a:r>
+            <a:r>
+              <a:rPr lang="zh-TW" altLang="en-US" dirty="0"/>
+              <a:t>的方法呼叫後</a:t>
+            </a:r>
+            <a:endParaRPr lang="en-US" altLang="zh-TW" dirty="0"/>
+          </a:p>
+          <a:p>
+            <a:pPr lvl="1"/>
+            <a:r>
+              <a:rPr lang="en-US" altLang="zh-TW" i="0" dirty="0">
+                <a:latin typeface="Consolas" panose="020B0609020204030204" pitchFamily="49" charset="0"/>
+              </a:rPr>
+              <a:t>await </a:t>
+            </a:r>
+            <a:r>
+              <a:rPr lang="en-US" altLang="zh-TW" i="0" dirty="0" err="1">
+                <a:latin typeface="Consolas" panose="020B0609020204030204" pitchFamily="49" charset="0"/>
+              </a:rPr>
+              <a:t>FooAsync</a:t>
+            </a:r>
+            <a:r>
+              <a:rPr lang="en-US" altLang="zh-TW" i="0" dirty="0">
+                <a:latin typeface="Consolas" panose="020B0609020204030204" pitchFamily="49" charset="0"/>
+              </a:rPr>
+              <a:t>().</a:t>
+            </a:r>
+            <a:r>
+              <a:rPr lang="en-US" altLang="zh-TW" i="0" dirty="0" err="1">
+                <a:latin typeface="Consolas" panose="020B0609020204030204" pitchFamily="49" charset="0"/>
+              </a:rPr>
+              <a:t>ConfigureAwait</a:t>
+            </a:r>
+            <a:r>
+              <a:rPr lang="en-US" altLang="zh-TW" i="0" dirty="0">
+                <a:latin typeface="Consolas" panose="020B0609020204030204" pitchFamily="49" charset="0"/>
+              </a:rPr>
+              <a:t>(false);</a:t>
+            </a:r>
+          </a:p>
+          <a:p>
+            <a:r>
+              <a:rPr lang="en-US" altLang="zh-TW" dirty="0" err="1"/>
+              <a:t>SynchronizationContext</a:t>
+            </a:r>
+            <a:endParaRPr lang="en-US" altLang="zh-TW" dirty="0"/>
+          </a:p>
+          <a:p>
+            <a:r>
+              <a:rPr lang="en-US" altLang="zh-TW" dirty="0"/>
+              <a:t>.NET Core</a:t>
+            </a:r>
+            <a:r>
+              <a:rPr lang="zh-TW" altLang="en-US" dirty="0"/>
+              <a:t>可以忽略</a:t>
+            </a:r>
+            <a:endParaRPr lang="en-US" altLang="zh-TW" dirty="0"/>
+          </a:p>
+          <a:p>
+            <a:r>
+              <a:rPr lang="zh-TW" altLang="en-US" dirty="0"/>
+              <a:t>不以同步呼叫非同步可以忽略</a:t>
+            </a:r>
+            <a:endParaRPr lang="en-US" altLang="zh-TW" dirty="0"/>
+          </a:p>
+          <a:p>
+            <a:r>
+              <a:rPr lang="zh-TW" altLang="en-US" dirty="0"/>
+              <a:t>開發非</a:t>
+            </a:r>
+            <a:r>
+              <a:rPr lang="en-US" altLang="zh-TW" dirty="0"/>
+              <a:t>.NET</a:t>
+            </a:r>
+            <a:r>
+              <a:rPr lang="zh-TW" altLang="en-US" dirty="0"/>
+              <a:t> </a:t>
+            </a:r>
+            <a:r>
+              <a:rPr lang="en-US" altLang="zh-TW" dirty="0"/>
+              <a:t>Core</a:t>
+            </a:r>
+            <a:r>
+              <a:rPr lang="zh-TW" altLang="en-US" dirty="0"/>
+              <a:t>的函式庫建議在非同步呼叫都加</a:t>
+            </a:r>
+          </a:p>
+        </p:txBody>
+      </p:sp>
+    </p:spTree>
+    <p:extLst>
+      <p:ext uri="{BB962C8B-B14F-4D97-AF65-F5344CB8AC3E}">
+        <p14:creationId xmlns:p14="http://schemas.microsoft.com/office/powerpoint/2010/main" val="3515822487"/>
+      </p:ext>
+    </p:extLst>
+  </p:cSld>
+  <p:clrMapOvr>
+    <a:masterClrMapping/>
+  </p:clrMapOvr>
+  <p:timing>
+    <p:tnLst>
+      <p:par>
+        <p:cTn id="1" dur="indefinite" restart="never" nodeType="tmRoot">
+          <p:childTnLst>
+            <p:seq concurrent="1" nextAc="seek">
+              <p:cTn id="2" dur="indefinite" nodeType="mainSeq">
+                <p:childTnLst>
+                  <p:par>
+                    <p:cTn id="3" fill="hold">
+                      <p:stCondLst>
+                        <p:cond delay="indefinite"/>
+                      </p:stCondLst>
+                      <p:childTnLst>
+                        <p:par>
+                          <p:cTn id="4" fill="hold">
+                            <p:stCondLst>
+                              <p:cond delay="0"/>
+                            </p:stCondLst>
+                            <p:childTnLst>
+                              <p:par>
+                                <p:cTn id="5" presetID="1" presetClass="entr" presetSubtype="0" fill="hold" nodeType="clickEffect">
+                                  <p:stCondLst>
+                                    <p:cond delay="0"/>
+                                  </p:stCondLst>
+                                  <p:childTnLst>
+                                    <p:set>
+                                      <p:cBhvr>
+                                        <p:cTn id="6" dur="1" fill="hold">
+                                          <p:stCondLst>
+                                            <p:cond delay="0"/>
+                                          </p:stCondLst>
+                                        </p:cTn>
+                                        <p:tgtEl>
+                                          <p:spTgt spid="3">
+                                            <p:txEl>
+                                              <p:pRg st="3" end="3"/>
+                                            </p:txEl>
+                                          </p:spTgt>
+                                        </p:tgtEl>
+                                        <p:attrNameLst>
+                                          <p:attrName>style.visibility</p:attrName>
+                                        </p:attrNameLst>
+                                      </p:cBhvr>
+                                      <p:to>
+                                        <p:strVal val="visible"/>
+                                      </p:to>
+                                    </p:set>
+                                  </p:childTnLst>
+                                </p:cTn>
+                              </p:par>
+                            </p:childTnLst>
+                          </p:cTn>
+                        </p:par>
+                      </p:childTnLst>
+                    </p:cTn>
+                  </p:par>
+                  <p:par>
+                    <p:cTn id="7" fill="hold">
+                      <p:stCondLst>
+                        <p:cond delay="indefinite"/>
+                      </p:stCondLst>
+                      <p:childTnLst>
+                        <p:par>
+                          <p:cTn id="8" fill="hold">
+                            <p:stCondLst>
+                              <p:cond delay="0"/>
+                            </p:stCondLst>
+                            <p:childTnLst>
+                              <p:par>
+                                <p:cTn id="9" presetID="1" presetClass="entr" presetSubtype="0" fill="hold" nodeType="clickEffect">
+                                  <p:stCondLst>
+                                    <p:cond delay="0"/>
+                                  </p:stCondLst>
+                                  <p:childTnLst>
+                                    <p:set>
+                                      <p:cBhvr>
+                                        <p:cTn id="10" dur="1" fill="hold">
+                                          <p:stCondLst>
+                                            <p:cond delay="0"/>
+                                          </p:stCondLst>
+                                        </p:cTn>
+                                        <p:tgtEl>
+                                          <p:spTgt spid="3">
+                                            <p:txEl>
+                                              <p:pRg st="4" end="4"/>
+                                            </p:txEl>
+                                          </p:spTgt>
+                                        </p:tgtEl>
+                                        <p:attrNameLst>
+                                          <p:attrName>style.visibility</p:attrName>
+                                        </p:attrNameLst>
+                                      </p:cBhvr>
+                                      <p:to>
+                                        <p:strVal val="visible"/>
+                                      </p:to>
+                                    </p:set>
+                                  </p:childTnLst>
+                                </p:cTn>
+                              </p:par>
+                              <p:par>
+                                <p:cTn id="11" presetID="1" presetClass="entr" presetSubtype="0" fill="hold" nodeType="withEffect">
+                                  <p:stCondLst>
+                                    <p:cond delay="0"/>
+                                  </p:stCondLst>
+                                  <p:childTnLst>
+                                    <p:set>
+                                      <p:cBhvr>
+                                        <p:cTn id="12" dur="1" fill="hold">
+                                          <p:stCondLst>
+                                            <p:cond delay="0"/>
+                                          </p:stCondLst>
+                                        </p:cTn>
+                                        <p:tgtEl>
+                                          <p:spTgt spid="3">
+                                            <p:txEl>
+                                              <p:pRg st="5" end="5"/>
+                                            </p:txEl>
+                                          </p:spTgt>
+                                        </p:tgtEl>
+                                        <p:attrNameLst>
+                                          <p:attrName>style.visibility</p:attrName>
+                                        </p:attrNameLst>
+                                      </p:cBhvr>
+                                      <p:to>
+                                        <p:strVal val="visible"/>
+                                      </p:to>
+                                    </p:set>
+                                  </p:childTnLst>
+                                </p:cTn>
+                              </p:par>
+                            </p:childTnLst>
+                          </p:cTn>
+                        </p:par>
+                      </p:childTnLst>
+                    </p:cTn>
+                  </p:par>
+                  <p:par>
+                    <p:cTn id="13" fill="hold">
+                      <p:stCondLst>
+                        <p:cond delay="indefinite"/>
+                      </p:stCondLst>
+                      <p:childTnLst>
+                        <p:par>
+                          <p:cTn id="14" fill="hold">
+                            <p:stCondLst>
+                              <p:cond delay="0"/>
+                            </p:stCondLst>
+                            <p:childTnLst>
+                              <p:par>
+                                <p:cTn id="15" presetID="1" presetClass="entr" presetSubtype="0" fill="hold" nodeType="clickEffect">
+                                  <p:stCondLst>
+                                    <p:cond delay="0"/>
+                                  </p:stCondLst>
+                                  <p:childTnLst>
+                                    <p:set>
+                                      <p:cBhvr>
+                                        <p:cTn id="16" dur="1" fill="hold">
+                                          <p:stCondLst>
+                                            <p:cond delay="0"/>
+                                          </p:stCondLst>
+                                        </p:cTn>
+                                        <p:tgtEl>
+                                          <p:spTgt spid="3">
+                                            <p:txEl>
+                                              <p:pRg st="6" end="6"/>
+                                            </p:txEl>
+                                          </p:spTgt>
+                                        </p:tgtEl>
+                                        <p:attrNameLst>
+                                          <p:attrName>style.visibility</p:attrName>
+                                        </p:attrNameLst>
+                                      </p:cBhvr>
+                                      <p:to>
+                                        <p:strVal val="visible"/>
+                                      </p:to>
+                                    </p:set>
+                                  </p:childTnLst>
+                                </p:cTn>
+                              </p:par>
+                            </p:childTnLst>
+                          </p:cTn>
+                        </p:par>
+                      </p:childTnLst>
+                    </p:cTn>
+                  </p:par>
+                </p:childTnLst>
+              </p:cTn>
+              <p:prevCondLst>
+                <p:cond evt="onPrev" delay="0">
+                  <p:tgtEl>
+                    <p:sldTgt/>
+                  </p:tgtEl>
+                </p:cond>
+              </p:prevCondLst>
+              <p:nextCondLst>
+                <p:cond evt="onNext" delay="0">
+                  <p:tgtEl>
+                    <p:sldTgt/>
+                  </p:tgtEl>
+                </p:cond>
+              </p:nextCondLst>
+            </p:seq>
+          </p:childTnLst>
+        </p:cTn>
+      </p:par>
+    </p:tnLst>
+  </p:timing>
+</p:sld>
+</file>
+
+<file path=ppt/slides/slide32.xml><?xml version="1.0" encoding="utf-8"?>
 <p:sld xmlns:a="http://schemas.openxmlformats.org/drawingml/2006/main" xmlns:r="http://schemas.openxmlformats.org/officeDocument/2006/relationships" xmlns:p="http://schemas.openxmlformats.org/presentationml/2006/main">
   <p:cSld>
     <p:spTree>
@@ -8456,7 +13850,7 @@
 </p:sld>
 </file>
 
-<file path=ppt/slides/slide31.xml><?xml version="1.0" encoding="utf-8"?>
+<file path=ppt/slides/slide33.xml><?xml version="1.0" encoding="utf-8"?>
 <p:sld xmlns:a="http://schemas.openxmlformats.org/drawingml/2006/main" xmlns:r="http://schemas.openxmlformats.org/officeDocument/2006/relationships" xmlns:p="http://schemas.openxmlformats.org/presentationml/2006/main">
   <p:cSld>
     <p:spTree>
@@ -8540,7 +13934,7 @@
 </p:sld>
 </file>
 
-<file path=ppt/slides/slide32.xml><?xml version="1.0" encoding="utf-8"?>
+<file path=ppt/slides/slide34.xml><?xml version="1.0" encoding="utf-8"?>
 <p:sld xmlns:a="http://schemas.openxmlformats.org/drawingml/2006/main" xmlns:r="http://schemas.openxmlformats.org/officeDocument/2006/relationships" xmlns:p="http://schemas.openxmlformats.org/presentationml/2006/main">
   <p:cSld>
     <p:bg>
@@ -10008,8 +15402,8 @@
         </p:nvSpPr>
         <p:spPr>
           <a:xfrm>
-            <a:off x="1371600" y="2286000"/>
-            <a:ext cx="9601200" cy="3954544"/>
+            <a:off x="1371600" y="1640263"/>
+            <a:ext cx="9601200" cy="4798243"/>
           </a:xfrm>
         </p:spPr>
         <p:txBody>
@@ -10068,6 +15462,18 @@
             <a:endParaRPr lang="en-US" altLang="zh-TW" dirty="0"/>
           </a:p>
           <a:p>
+            <a:pPr lvl="1"/>
+            <a:r>
+              <a:rPr lang="en-US" altLang="zh-TW" dirty="0"/>
+              <a:t>.NET Framework 4.0</a:t>
+            </a:r>
+            <a:r>
+              <a:rPr lang="zh-TW" altLang="en-US" dirty="0"/>
+              <a:t>以上</a:t>
+            </a:r>
+            <a:endParaRPr lang="en-US" altLang="zh-TW" dirty="0"/>
+          </a:p>
+          <a:p>
             <a:r>
               <a:rPr lang="en-US" altLang="zh-TW" dirty="0"/>
               <a:t>async await</a:t>
@@ -10118,7 +15524,17 @@
               <a:rPr lang="en-US" altLang="zh-TW" dirty="0"/>
               <a:t>Wait</a:t>
             </a:r>
-            <a:endParaRPr lang="zh-TW" altLang="en-US" dirty="0"/>
+          </a:p>
+          <a:p>
+            <a:pPr lvl="1"/>
+            <a:r>
+              <a:rPr lang="en-US" altLang="zh-TW" dirty="0"/>
+              <a:t>.NET Framework 4.5</a:t>
+            </a:r>
+            <a:r>
+              <a:rPr lang="zh-TW" altLang="en-US" dirty="0"/>
+              <a:t>以上</a:t>
+            </a:r>
           </a:p>
         </p:txBody>
       </p:sp>
@@ -10276,33 +15692,15 @@
                                   </p:childTnLst>
                                 </p:cTn>
                               </p:par>
-                            </p:childTnLst>
-                          </p:cTn>
-                        </p:par>
-                      </p:childTnLst>
-                    </p:cTn>
-                  </p:par>
-                  <p:par>
-                    <p:cTn id="13" fill="hold">
-                      <p:stCondLst>
-                        <p:cond delay="indefinite"/>
-                      </p:stCondLst>
-                      <p:childTnLst>
-                        <p:par>
-                          <p:cTn id="14" fill="hold">
-                            <p:stCondLst>
-                              <p:cond delay="0"/>
-                            </p:stCondLst>
-                            <p:childTnLst>
                               <p:par>
-                                <p:cTn id="15" presetID="1" presetClass="entr" presetSubtype="0" fill="hold" nodeType="clickEffect">
+                                <p:cTn id="13" presetID="1" presetClass="entr" presetSubtype="0" fill="hold" nodeType="withEffect">
                                   <p:stCondLst>
                                     <p:cond delay="0"/>
                                   </p:stCondLst>
                                   <p:childTnLst>
                                     <p:set>
                                       <p:cBhvr>
-                                        <p:cTn id="16" dur="1" fill="hold">
+                                        <p:cTn id="14" dur="1" fill="hold">
                                           <p:stCondLst>
                                             <p:cond delay="0"/>
                                           </p:stCondLst>
@@ -10325,8 +15723,26 @@
                                   </p:childTnLst>
                                 </p:cTn>
                               </p:par>
+                            </p:childTnLst>
+                          </p:cTn>
+                        </p:par>
+                      </p:childTnLst>
+                    </p:cTn>
+                  </p:par>
+                  <p:par>
+                    <p:cTn id="15" fill="hold">
+                      <p:stCondLst>
+                        <p:cond delay="indefinite"/>
+                      </p:stCondLst>
+                      <p:childTnLst>
+                        <p:par>
+                          <p:cTn id="16" fill="hold">
+                            <p:stCondLst>
+                              <p:cond delay="0"/>
+                            </p:stCondLst>
+                            <p:childTnLst>
                               <p:par>
-                                <p:cTn id="17" presetID="1" presetClass="entr" presetSubtype="0" fill="hold" nodeType="withEffect">
+                                <p:cTn id="17" presetID="1" presetClass="entr" presetSubtype="0" fill="hold" nodeType="clickEffect">
                                   <p:stCondLst>
                                     <p:cond delay="0"/>
                                   </p:stCondLst>
@@ -10418,6 +15834,68 @@
                                   </p:childTnLst>
                                 </p:cTn>
                               </p:par>
+                              <p:par>
+                                <p:cTn id="23" presetID="1" presetClass="entr" presetSubtype="0" fill="hold" nodeType="withEffect">
+                                  <p:stCondLst>
+                                    <p:cond delay="0"/>
+                                  </p:stCondLst>
+                                  <p:childTnLst>
+                                    <p:set>
+                                      <p:cBhvr>
+                                        <p:cTn id="24" dur="1" fill="hold">
+                                          <p:stCondLst>
+                                            <p:cond delay="0"/>
+                                          </p:stCondLst>
+                                        </p:cTn>
+                                        <p:tgtEl>
+                                          <p:spTgt spid="3">
+                                            <p:txEl>
+                                              <p:pRg st="8" end="8"/>
+                                            </p:txEl>
+                                          </p:spTgt>
+                                        </p:tgtEl>
+                                        <p:attrNameLst>
+                                          <p:attrName>style.visibility</p:attrName>
+                                        </p:attrNameLst>
+                                      </p:cBhvr>
+                                      <p:to>
+                                        <p:strVal val="visible"/>
+                                      </p:to>
+                                    </p:set>
+                                  </p:childTnLst>
+                                </p:cTn>
+                              </p:par>
+                              <p:par>
+                                <p:cTn id="25" presetID="1" presetClass="entr" presetSubtype="0" fill="hold" nodeType="withEffect">
+                                  <p:stCondLst>
+                                    <p:cond delay="0"/>
+                                  </p:stCondLst>
+                                  <p:childTnLst>
+                                    <p:set>
+                                      <p:cBhvr>
+                                        <p:cTn id="26" dur="1" fill="hold">
+                                          <p:stCondLst>
+                                            <p:cond delay="0"/>
+                                          </p:stCondLst>
+                                        </p:cTn>
+                                        <p:tgtEl>
+                                          <p:spTgt spid="3">
+                                            <p:txEl>
+                                              <p:pRg st="9" end="9"/>
+                                            </p:txEl>
+                                          </p:spTgt>
+                                        </p:tgtEl>
+                                        <p:attrNameLst>
+                                          <p:attrName>style.visibility</p:attrName>
+                                        </p:attrNameLst>
+                                      </p:cBhvr>
+                                      <p:to>
+                                        <p:strVal val="visible"/>
+                                      </p:to>
+                                    </p:set>
+                                  </p:childTnLst>
+                                </p:cTn>
+                              </p:par>
                             </p:childTnLst>
                           </p:cTn>
                         </p:par>
@@ -10716,9 +16194,39 @@
               </a:rPr>
               <a:t>()</a:t>
             </a:r>
-            <a:endParaRPr lang="zh-TW" altLang="en-US" strike="sngStrike" dirty="0">
-              <a:latin typeface="Consolas" panose="020B0609020204030204" pitchFamily="49" charset="0"/>
-            </a:endParaRPr>
+          </a:p>
+          <a:p>
+            <a:pPr lvl="1"/>
+            <a:r>
+              <a:rPr lang="zh-TW" altLang="en-US" dirty="0">
+                <a:latin typeface="Consolas" panose="020B0609020204030204" pitchFamily="49" charset="0"/>
+              </a:rPr>
+              <a:t>除非是</a:t>
+            </a:r>
+            <a:r>
+              <a:rPr lang="en-US" altLang="zh-TW" dirty="0">
+                <a:latin typeface="Consolas" panose="020B0609020204030204" pitchFamily="49" charset="0"/>
+              </a:rPr>
+              <a:t>Event Handler</a:t>
+            </a:r>
+            <a:r>
+              <a:rPr lang="zh-TW" altLang="en-US" dirty="0">
+                <a:latin typeface="Consolas" panose="020B0609020204030204" pitchFamily="49" charset="0"/>
+              </a:rPr>
+              <a:t>等必須回傳</a:t>
+            </a:r>
+            <a:r>
+              <a:rPr lang="en-US" altLang="zh-TW" dirty="0">
+                <a:latin typeface="Consolas" panose="020B0609020204030204" pitchFamily="49" charset="0"/>
+              </a:rPr>
+              <a:t>void</a:t>
+            </a:r>
+            <a:r>
+              <a:rPr lang="zh-TW" altLang="en-US" dirty="0">
+                <a:latin typeface="Consolas" panose="020B0609020204030204" pitchFamily="49" charset="0"/>
+              </a:rPr>
+              <a:t>的狀況</a:t>
+            </a:r>
           </a:p>
         </p:txBody>
       </p:sp>
@@ -10929,6 +16437,37 @@
                                           <p:spTgt spid="6">
                                             <p:txEl>
                                               <p:pRg st="2" end="2"/>
+                                            </p:txEl>
+                                          </p:spTgt>
+                                        </p:tgtEl>
+                                        <p:attrNameLst>
+                                          <p:attrName>style.visibility</p:attrName>
+                                        </p:attrNameLst>
+                                      </p:cBhvr>
+                                      <p:to>
+                                        <p:strVal val="visible"/>
+                                      </p:to>
+                                    </p:set>
+                                  </p:childTnLst>
+                                </p:cTn>
+                              </p:par>
+                              <p:par>
+                                <p:cTn id="19" presetID="1" presetClass="entr" presetSubtype="0" fill="hold" grpId="0" nodeType="withEffect">
+                                  <p:stCondLst>
+                                    <p:cond delay="0"/>
+                                  </p:stCondLst>
+                                  <p:childTnLst>
+                                    <p:set>
+                                      <p:cBhvr>
+                                        <p:cTn id="20" dur="1" fill="hold">
+                                          <p:stCondLst>
+                                            <p:cond delay="0"/>
+                                          </p:stCondLst>
+                                        </p:cTn>
+                                        <p:tgtEl>
+                                          <p:spTgt spid="6">
+                                            <p:txEl>
+                                              <p:pRg st="3" end="3"/>
                                             </p:txEl>
                                           </p:spTgt>
                                         </p:tgtEl>

--- a/.NET非同步入門.pptx
+++ b/.NET非同步入門.pptx
@@ -385,7 +385,7 @@
             <a:fld id="{87DE6118-2437-4B30-8E3C-4D2BE6020583}" type="datetimeFigureOut">
               <a:rPr lang="en-US" dirty="0"/>
               <a:pPr/>
-              <a:t>11/12/2020</a:t>
+              <a:t>11/13/2020</a:t>
             </a:fld>
             <a:endParaRPr lang="en-US" dirty="0"/>
           </a:p>
@@ -711,7 +711,7 @@
           <a:p>
             <a:fld id="{87DE6118-2437-4B30-8E3C-4D2BE6020583}" type="datetimeFigureOut">
               <a:rPr lang="en-US" dirty="0"/>
-              <a:t>11/12/2020</a:t>
+              <a:t>11/13/2020</a:t>
             </a:fld>
             <a:endParaRPr lang="en-US" dirty="0"/>
           </a:p>
@@ -886,7 +886,7 @@
           <a:p>
             <a:fld id="{87DE6118-2437-4B30-8E3C-4D2BE6020583}" type="datetimeFigureOut">
               <a:rPr lang="en-US" dirty="0"/>
-              <a:t>11/12/2020</a:t>
+              <a:t>11/13/2020</a:t>
             </a:fld>
             <a:endParaRPr lang="en-US" dirty="0"/>
           </a:p>
@@ -1051,7 +1051,7 @@
           <a:p>
             <a:fld id="{87DE6118-2437-4B30-8E3C-4D2BE6020583}" type="datetimeFigureOut">
               <a:rPr lang="en-US" dirty="0"/>
-              <a:t>11/12/2020</a:t>
+              <a:t>11/13/2020</a:t>
             </a:fld>
             <a:endParaRPr lang="en-US" dirty="0"/>
           </a:p>
@@ -1324,7 +1324,7 @@
             <a:fld id="{87DE6118-2437-4B30-8E3C-4D2BE6020583}" type="datetimeFigureOut">
               <a:rPr lang="en-US" dirty="0"/>
               <a:pPr/>
-              <a:t>11/12/2020</a:t>
+              <a:t>11/13/2020</a:t>
             </a:fld>
             <a:endParaRPr lang="en-US" dirty="0"/>
           </a:p>
@@ -1714,7 +1714,7 @@
           <a:p>
             <a:fld id="{87DE6118-2437-4B30-8E3C-4D2BE6020583}" type="datetimeFigureOut">
               <a:rPr lang="en-US" dirty="0"/>
-              <a:t>11/12/2020</a:t>
+              <a:t>11/13/2020</a:t>
             </a:fld>
             <a:endParaRPr lang="en-US" dirty="0"/>
           </a:p>
@@ -2186,7 +2186,7 @@
           <a:p>
             <a:fld id="{87DE6118-2437-4B30-8E3C-4D2BE6020583}" type="datetimeFigureOut">
               <a:rPr lang="en-US" dirty="0"/>
-              <a:t>11/12/2020</a:t>
+              <a:t>11/13/2020</a:t>
             </a:fld>
             <a:endParaRPr lang="en-US" dirty="0"/>
           </a:p>
@@ -2299,7 +2299,7 @@
           <a:p>
             <a:fld id="{87DE6118-2437-4B30-8E3C-4D2BE6020583}" type="datetimeFigureOut">
               <a:rPr lang="en-US" dirty="0"/>
-              <a:t>11/12/2020</a:t>
+              <a:t>11/13/2020</a:t>
             </a:fld>
             <a:endParaRPr lang="en-US" dirty="0"/>
           </a:p>
@@ -2389,7 +2389,7 @@
           <a:p>
             <a:fld id="{87DE6118-2437-4B30-8E3C-4D2BE6020583}" type="datetimeFigureOut">
               <a:rPr lang="en-US" dirty="0"/>
-              <a:t>11/12/2020</a:t>
+              <a:t>11/13/2020</a:t>
             </a:fld>
             <a:endParaRPr lang="en-US" dirty="0"/>
           </a:p>
@@ -2731,7 +2731,7 @@
             <a:fld id="{87DE6118-2437-4B30-8E3C-4D2BE6020583}" type="datetimeFigureOut">
               <a:rPr lang="en-US" dirty="0"/>
               <a:pPr/>
-              <a:t>11/12/2020</a:t>
+              <a:t>11/13/2020</a:t>
             </a:fld>
             <a:endParaRPr lang="en-US" dirty="0"/>
           </a:p>
@@ -3116,7 +3116,7 @@
             <a:fld id="{87DE6118-2437-4B30-8E3C-4D2BE6020583}" type="datetimeFigureOut">
               <a:rPr lang="en-US" dirty="0"/>
               <a:pPr/>
-              <a:t>11/12/2020</a:t>
+              <a:t>11/13/2020</a:t>
             </a:fld>
             <a:endParaRPr lang="en-US" dirty="0"/>
           </a:p>
@@ -3391,7 +3391,7 @@
             <a:fld id="{87DE6118-2437-4B30-8E3C-4D2BE6020583}" type="datetimeFigureOut">
               <a:rPr lang="en-US" dirty="0"/>
               <a:pPr/>
-              <a:t>11/12/2020</a:t>
+              <a:t>11/13/2020</a:t>
             </a:fld>
             <a:endParaRPr lang="en-US" dirty="0"/>
           </a:p>
@@ -4506,7 +4506,7 @@
           <a:p>
             <a:r>
               <a:rPr lang="zh-TW" altLang="en-US" dirty="0"/>
-              <a:t>避免資源鎖死耗光執行續</a:t>
+              <a:t>避免資源無法回應耗光執行續</a:t>
             </a:r>
           </a:p>
         </p:txBody>
@@ -8748,7 +8748,7 @@
           <a:p>
             <a:r>
               <a:rPr lang="zh-TW" altLang="en-US" dirty="0"/>
-              <a:t>資源鎖死</a:t>
+              <a:t>資源無法回應耗光執行續</a:t>
             </a:r>
           </a:p>
         </p:txBody>
@@ -11636,7 +11636,7 @@
           <a:p>
             <a:r>
               <a:rPr lang="zh-TW" altLang="en-US" dirty="0"/>
-              <a:t>避免資源鎖死</a:t>
+              <a:t>避免資源無法回應耗光執行續</a:t>
             </a:r>
           </a:p>
         </p:txBody>
@@ -11947,6 +11947,12 @@
         <p:txBody>
           <a:bodyPr/>
           <a:lstStyle/>
+          <a:p>
+            <a:r>
+              <a:rPr lang="en-US" altLang="zh-TW" dirty="0"/>
+              <a:t>Blocking Operation</a:t>
+            </a:r>
+          </a:p>
           <a:p>
             <a:r>
               <a:rPr lang="zh-TW" altLang="en-US" dirty="0"/>

--- a/.NET非同步入門.pptx
+++ b/.NET非同步入門.pptx
@@ -38,7 +38,8 @@
     <p:sldId id="289" r:id="rId32"/>
     <p:sldId id="275" r:id="rId33"/>
     <p:sldId id="273" r:id="rId34"/>
-    <p:sldId id="284" r:id="rId35"/>
+    <p:sldId id="293" r:id="rId35"/>
+    <p:sldId id="284" r:id="rId36"/>
   </p:sldIdLst>
   <p:sldSz cx="12192000" cy="6858000"/>
   <p:notesSz cx="6858000" cy="9144000"/>
@@ -203,6 +204,7 @@
         <p14:section name="end" id="{76AA96B0-9D19-471D-9213-1F9D7F2CBCD8}">
           <p14:sldIdLst>
             <p14:sldId id="273"/>
+            <p14:sldId id="293"/>
             <p14:sldId id="284"/>
           </p14:sldIdLst>
         </p14:section>
@@ -14206,6 +14208,497 @@
           <p:cNvPr id="2" name="標題 1">
             <a:extLst>
               <a:ext uri="{FF2B5EF4-FFF2-40B4-BE49-F238E27FC236}">
+                <a16:creationId xmlns:a16="http://schemas.microsoft.com/office/drawing/2014/main" id="{F734E283-B081-422A-A380-A82A401B654C}"/>
+              </a:ext>
+            </a:extLst>
+          </p:cNvPr>
+          <p:cNvSpPr>
+            <a:spLocks noGrp="1"/>
+          </p:cNvSpPr>
+          <p:nvPr>
+            <p:ph type="title"/>
+          </p:nvPr>
+        </p:nvSpPr>
+        <p:spPr>
+          <a:xfrm>
+            <a:off x="6711885" y="634028"/>
+            <a:ext cx="4798243" cy="3732835"/>
+          </a:xfrm>
+        </p:spPr>
+        <p:txBody>
+          <a:bodyPr vert="horz" lIns="91440" tIns="45720" rIns="91440" bIns="45720" rtlCol="0" anchor="b">
+            <a:normAutofit/>
+          </a:bodyPr>
+          <a:lstStyle/>
+          <a:p>
+            <a:pPr algn="ctr"/>
+            <a:r>
+              <a:rPr lang="zh-TW" altLang="en-US" sz="7200" cap="all" dirty="0"/>
+              <a:t>課後測驗</a:t>
+            </a:r>
+            <a:endParaRPr lang="en-US" altLang="zh-TW" sz="7200" cap="all" dirty="0"/>
+          </a:p>
+        </p:txBody>
+      </p:sp>
+      <p:sp>
+        <p:nvSpPr>
+          <p:cNvPr id="16" name="Freeform 6">
+            <a:extLst>
+              <a:ext uri="{FF2B5EF4-FFF2-40B4-BE49-F238E27FC236}">
+                <a16:creationId xmlns:a16="http://schemas.microsoft.com/office/drawing/2014/main" id="{B4734F2F-19FC-4D35-9BDE-5CEAD57D9B55}"/>
+              </a:ext>
+              <a:ext uri="{C183D7F6-B498-43B3-948B-1728B52AA6E4}">
+                <adec:decorative xmlns:adec="http://schemas.microsoft.com/office/drawing/2017/decorative" val="1"/>
+              </a:ext>
+            </a:extLst>
+          </p:cNvPr>
+          <p:cNvSpPr>
+            <a:spLocks noGrp="1" noRot="1" noChangeAspect="1" noMove="1" noResize="1" noEditPoints="1" noAdjustHandles="1" noChangeArrowheads="1" noChangeShapeType="1" noTextEdit="1"/>
+          </p:cNvSpPr>
+          <p:nvPr>
+            <p:extLst>
+              <p:ext uri="{386F3935-93C4-4BCD-93E2-E3B085C9AB24}">
+                <p16:designElem xmlns:p16="http://schemas.microsoft.com/office/powerpoint/2015/main" val="1"/>
+              </p:ext>
+            </p:extLst>
+          </p:nvPr>
+        </p:nvSpPr>
+        <p:spPr bwMode="auto">
+          <a:xfrm>
+            <a:off x="3027878" y="2016617"/>
+            <a:ext cx="3275013" cy="4408488"/>
+          </a:xfrm>
+          <a:custGeom>
+            <a:avLst/>
+            <a:gdLst/>
+            <a:ahLst/>
+            <a:cxnLst/>
+            <a:rect l="l" t="t" r="r" b="b"/>
+            <a:pathLst>
+              <a:path w="10000" h="10000">
+                <a:moveTo>
+                  <a:pt x="8761" y="0"/>
+                </a:moveTo>
+                <a:lnTo>
+                  <a:pt x="10000" y="0"/>
+                </a:lnTo>
+                <a:lnTo>
+                  <a:pt x="10000" y="10000"/>
+                </a:lnTo>
+                <a:lnTo>
+                  <a:pt x="0" y="10000"/>
+                </a:lnTo>
+                <a:lnTo>
+                  <a:pt x="0" y="9126"/>
+                </a:lnTo>
+                <a:lnTo>
+                  <a:pt x="8761" y="9127"/>
+                </a:lnTo>
+                <a:lnTo>
+                  <a:pt x="8761" y="0"/>
+                </a:lnTo>
+                <a:close/>
+              </a:path>
+            </a:pathLst>
+          </a:custGeom>
+          <a:solidFill>
+            <a:schemeClr val="tx2"/>
+          </a:solidFill>
+          <a:ln w="0">
+            <a:noFill/>
+            <a:prstDash val="solid"/>
+            <a:round/>
+            <a:headEnd/>
+            <a:tailEnd/>
+          </a:ln>
+        </p:spPr>
+      </p:sp>
+      <p:sp>
+        <p:nvSpPr>
+          <p:cNvPr id="18" name="Freeform 6">
+            <a:extLst>
+              <a:ext uri="{FF2B5EF4-FFF2-40B4-BE49-F238E27FC236}">
+                <a16:creationId xmlns:a16="http://schemas.microsoft.com/office/drawing/2014/main" id="{D97A8A26-FD96-4968-A34A-727382AC7E46}"/>
+              </a:ext>
+              <a:ext uri="{C183D7F6-B498-43B3-948B-1728B52AA6E4}">
+                <adec:decorative xmlns:adec="http://schemas.microsoft.com/office/drawing/2017/decorative" val="1"/>
+              </a:ext>
+            </a:extLst>
+          </p:cNvPr>
+          <p:cNvSpPr>
+            <a:spLocks noGrp="1" noRot="1" noChangeAspect="1" noMove="1" noResize="1" noEditPoints="1" noAdjustHandles="1" noChangeArrowheads="1" noChangeShapeType="1" noTextEdit="1"/>
+          </p:cNvSpPr>
+          <p:nvPr>
+            <p:extLst>
+              <p:ext uri="{386F3935-93C4-4BCD-93E2-E3B085C9AB24}">
+                <p16:designElem xmlns:p16="http://schemas.microsoft.com/office/powerpoint/2015/main" val="1"/>
+              </p:ext>
+            </p:extLst>
+          </p:nvPr>
+        </p:nvSpPr>
+        <p:spPr bwMode="auto">
+          <a:xfrm flipH="1" flipV="1">
+            <a:off x="649163" y="634028"/>
+            <a:ext cx="3275668" cy="4408488"/>
+          </a:xfrm>
+          <a:custGeom>
+            <a:avLst/>
+            <a:gdLst/>
+            <a:ahLst/>
+            <a:cxnLst/>
+            <a:rect l="l" t="t" r="r" b="b"/>
+            <a:pathLst>
+              <a:path w="10002" h="10000">
+                <a:moveTo>
+                  <a:pt x="8763" y="0"/>
+                </a:moveTo>
+                <a:lnTo>
+                  <a:pt x="10002" y="0"/>
+                </a:lnTo>
+                <a:lnTo>
+                  <a:pt x="10002" y="10000"/>
+                </a:lnTo>
+                <a:lnTo>
+                  <a:pt x="2" y="10000"/>
+                </a:lnTo>
+                <a:cubicBezTo>
+                  <a:pt x="-2" y="9698"/>
+                  <a:pt x="4" y="9427"/>
+                  <a:pt x="0" y="9125"/>
+                </a:cubicBezTo>
+                <a:lnTo>
+                  <a:pt x="8763" y="9128"/>
+                </a:lnTo>
+                <a:lnTo>
+                  <a:pt x="8763" y="0"/>
+                </a:lnTo>
+                <a:close/>
+              </a:path>
+            </a:pathLst>
+          </a:custGeom>
+          <a:solidFill>
+            <a:schemeClr val="tx2"/>
+          </a:solidFill>
+          <a:ln w="0">
+            <a:noFill/>
+            <a:prstDash val="solid"/>
+            <a:round/>
+            <a:headEnd/>
+            <a:tailEnd/>
+          </a:ln>
+        </p:spPr>
+      </p:sp>
+      <p:pic>
+        <p:nvPicPr>
+          <p:cNvPr id="5" name="內容版面配置區 4">
+            <a:extLst>
+              <a:ext uri="{FF2B5EF4-FFF2-40B4-BE49-F238E27FC236}">
+                <a16:creationId xmlns:a16="http://schemas.microsoft.com/office/drawing/2014/main" id="{8E678943-18B8-4F67-8D15-9744ED29B8C6}"/>
+              </a:ext>
+            </a:extLst>
+          </p:cNvPr>
+          <p:cNvPicPr>
+            <a:picLocks noGrp="1" noChangeAspect="1"/>
+          </p:cNvPicPr>
+          <p:nvPr>
+            <p:ph idx="1"/>
+          </p:nvPr>
+        </p:nvPicPr>
+        <p:blipFill>
+          <a:blip r:embed="rId2"/>
+          <a:stretch>
+            <a:fillRect/>
+          </a:stretch>
+        </p:blipFill>
+        <p:spPr>
+          <a:xfrm>
+            <a:off x="1371403" y="1425173"/>
+            <a:ext cx="4207669" cy="4207669"/>
+          </a:xfrm>
+          <a:prstGeom prst="rect">
+            <a:avLst/>
+          </a:prstGeom>
+        </p:spPr>
+      </p:pic>
+    </p:spTree>
+    <p:extLst>
+      <p:ext uri="{BB962C8B-B14F-4D97-AF65-F5344CB8AC3E}">
+        <p14:creationId xmlns:p14="http://schemas.microsoft.com/office/powerpoint/2010/main" val="249937790"/>
+      </p:ext>
+    </p:extLst>
+  </p:cSld>
+  <p:clrMapOvr>
+    <a:masterClrMapping/>
+  </p:clrMapOvr>
+</p:sld>
+</file>
+
+<file path=ppt/slides/slide35.xml><?xml version="1.0" encoding="utf-8"?>
+<p:sld xmlns:a="http://schemas.openxmlformats.org/drawingml/2006/main" xmlns:r="http://schemas.openxmlformats.org/officeDocument/2006/relationships" xmlns:p="http://schemas.openxmlformats.org/presentationml/2006/main">
+  <p:cSld>
+    <p:bg>
+      <p:bgPr>
+        <a:solidFill>
+          <a:schemeClr val="bg2"/>
+        </a:solidFill>
+        <a:effectLst/>
+      </p:bgPr>
+    </p:bg>
+    <p:spTree>
+      <p:nvGrpSpPr>
+        <p:cNvPr id="1" name=""/>
+        <p:cNvGrpSpPr/>
+        <p:nvPr/>
+      </p:nvGrpSpPr>
+      <p:grpSpPr>
+        <a:xfrm>
+          <a:off x="0" y="0"/>
+          <a:ext cx="0" cy="0"/>
+          <a:chOff x="0" y="0"/>
+          <a:chExt cx="0" cy="0"/>
+        </a:xfrm>
+      </p:grpSpPr>
+      <p:grpSp>
+        <p:nvGrpSpPr>
+          <p:cNvPr id="10" name="Group 9">
+            <a:extLst>
+              <a:ext uri="{FF2B5EF4-FFF2-40B4-BE49-F238E27FC236}">
+                <a16:creationId xmlns:a16="http://schemas.microsoft.com/office/drawing/2014/main" id="{449BC34D-9C23-4D6D-8213-1F471AF85B3F}"/>
+              </a:ext>
+              <a:ext uri="{C183D7F6-B498-43B3-948B-1728B52AA6E4}">
+                <adec:decorative xmlns:adec="http://schemas.microsoft.com/office/drawing/2017/decorative" val="1"/>
+              </a:ext>
+            </a:extLst>
+          </p:cNvPr>
+          <p:cNvGrpSpPr>
+            <a:grpSpLocks noGrp="1" noUngrp="1" noRot="1" noChangeAspect="1" noMove="1" noResize="1"/>
+          </p:cNvGrpSpPr>
+          <p:nvPr>
+            <p:extLst>
+              <p:ext uri="{386F3935-93C4-4BCD-93E2-E3B085C9AB24}">
+                <p16:designElem xmlns:p16="http://schemas.microsoft.com/office/powerpoint/2015/main" val="1"/>
+              </p:ext>
+            </p:extLst>
+          </p:nvPr>
+        </p:nvGrpSpPr>
+        <p:grpSpPr>
+          <a:xfrm>
+            <a:off x="752858" y="744469"/>
+            <a:ext cx="10674117" cy="5349671"/>
+            <a:chOff x="752858" y="744469"/>
+            <a:chExt cx="10674117" cy="5349671"/>
+          </a:xfrm>
+        </p:grpSpPr>
+        <p:sp>
+          <p:nvSpPr>
+            <p:cNvPr id="11" name="Freeform 6">
+              <a:extLst>
+                <a:ext uri="{FF2B5EF4-FFF2-40B4-BE49-F238E27FC236}">
+                  <a16:creationId xmlns:a16="http://schemas.microsoft.com/office/drawing/2014/main" id="{FA0F5D6C-5025-4D7E-82DD-C2C6FDA1E759}"/>
+                </a:ext>
+                <a:ext uri="{C183D7F6-B498-43B3-948B-1728B52AA6E4}">
+                  <adec:decorative xmlns:adec="http://schemas.microsoft.com/office/drawing/2017/decorative" val="1"/>
+                </a:ext>
+              </a:extLst>
+            </p:cNvPr>
+            <p:cNvSpPr/>
+            <p:nvPr>
+              <p:extLst>
+                <p:ext uri="{386F3935-93C4-4BCD-93E2-E3B085C9AB24}">
+                  <p16:designElem xmlns:p16="http://schemas.microsoft.com/office/powerpoint/2015/main" val="1"/>
+                </p:ext>
+              </p:extLst>
+            </p:nvPr>
+          </p:nvSpPr>
+          <p:spPr bwMode="auto">
+            <a:xfrm>
+              <a:off x="8151962" y="1685652"/>
+              <a:ext cx="3275013" cy="4408488"/>
+            </a:xfrm>
+            <a:custGeom>
+              <a:avLst/>
+              <a:gdLst/>
+              <a:ahLst/>
+              <a:cxnLst/>
+              <a:rect l="l" t="t" r="r" b="b"/>
+              <a:pathLst>
+                <a:path w="10000" h="10000">
+                  <a:moveTo>
+                    <a:pt x="8761" y="0"/>
+                  </a:moveTo>
+                  <a:lnTo>
+                    <a:pt x="10000" y="0"/>
+                  </a:lnTo>
+                  <a:lnTo>
+                    <a:pt x="10000" y="10000"/>
+                  </a:lnTo>
+                  <a:lnTo>
+                    <a:pt x="0" y="10000"/>
+                  </a:lnTo>
+                  <a:lnTo>
+                    <a:pt x="0" y="9126"/>
+                  </a:lnTo>
+                  <a:lnTo>
+                    <a:pt x="8761" y="9127"/>
+                  </a:lnTo>
+                  <a:lnTo>
+                    <a:pt x="8761" y="0"/>
+                  </a:lnTo>
+                  <a:close/>
+                </a:path>
+              </a:pathLst>
+            </a:custGeom>
+            <a:solidFill>
+              <a:schemeClr val="tx2"/>
+            </a:solidFill>
+            <a:ln w="0">
+              <a:noFill/>
+              <a:prstDash val="solid"/>
+              <a:round/>
+              <a:headEnd/>
+              <a:tailEnd/>
+            </a:ln>
+          </p:spPr>
+        </p:sp>
+        <p:sp>
+          <p:nvSpPr>
+            <p:cNvPr id="12" name="Freeform 6">
+              <a:extLst>
+                <a:ext uri="{FF2B5EF4-FFF2-40B4-BE49-F238E27FC236}">
+                  <a16:creationId xmlns:a16="http://schemas.microsoft.com/office/drawing/2014/main" id="{E2AF2C17-4AB4-4402-B84B-129EF95D161C}"/>
+                </a:ext>
+                <a:ext uri="{C183D7F6-B498-43B3-948B-1728B52AA6E4}">
+                  <adec:decorative xmlns:adec="http://schemas.microsoft.com/office/drawing/2017/decorative" val="1"/>
+                </a:ext>
+              </a:extLst>
+            </p:cNvPr>
+            <p:cNvSpPr/>
+            <p:nvPr>
+              <p:extLst>
+                <p:ext uri="{386F3935-93C4-4BCD-93E2-E3B085C9AB24}">
+                  <p16:designElem xmlns:p16="http://schemas.microsoft.com/office/powerpoint/2015/main" val="1"/>
+                </p:ext>
+              </p:extLst>
+            </p:nvPr>
+          </p:nvSpPr>
+          <p:spPr bwMode="auto">
+            <a:xfrm flipH="1" flipV="1">
+              <a:off x="752858" y="744469"/>
+              <a:ext cx="3275668" cy="4408488"/>
+            </a:xfrm>
+            <a:custGeom>
+              <a:avLst/>
+              <a:gdLst/>
+              <a:ahLst/>
+              <a:cxnLst/>
+              <a:rect l="l" t="t" r="r" b="b"/>
+              <a:pathLst>
+                <a:path w="10002" h="10000">
+                  <a:moveTo>
+                    <a:pt x="8763" y="0"/>
+                  </a:moveTo>
+                  <a:lnTo>
+                    <a:pt x="10002" y="0"/>
+                  </a:lnTo>
+                  <a:lnTo>
+                    <a:pt x="10002" y="10000"/>
+                  </a:lnTo>
+                  <a:lnTo>
+                    <a:pt x="2" y="10000"/>
+                  </a:lnTo>
+                  <a:cubicBezTo>
+                    <a:pt x="-2" y="9698"/>
+                    <a:pt x="4" y="9427"/>
+                    <a:pt x="0" y="9125"/>
+                  </a:cubicBezTo>
+                  <a:lnTo>
+                    <a:pt x="8763" y="9128"/>
+                  </a:lnTo>
+                  <a:lnTo>
+                    <a:pt x="8763" y="0"/>
+                  </a:lnTo>
+                  <a:close/>
+                </a:path>
+              </a:pathLst>
+            </a:custGeom>
+            <a:solidFill>
+              <a:schemeClr val="tx2"/>
+            </a:solidFill>
+            <a:ln w="0">
+              <a:noFill/>
+              <a:prstDash val="solid"/>
+              <a:round/>
+              <a:headEnd/>
+              <a:tailEnd/>
+            </a:ln>
+          </p:spPr>
+        </p:sp>
+      </p:grpSp>
+      <p:sp useBgFill="1">
+        <p:nvSpPr>
+          <p:cNvPr id="14" name="Rectangle 13">
+            <a:extLst>
+              <a:ext uri="{FF2B5EF4-FFF2-40B4-BE49-F238E27FC236}">
+                <a16:creationId xmlns:a16="http://schemas.microsoft.com/office/drawing/2014/main" id="{CB73C468-D875-4A8E-A540-E43BF8232DD4}"/>
+              </a:ext>
+              <a:ext uri="{C183D7F6-B498-43B3-948B-1728B52AA6E4}">
+                <adec:decorative xmlns:adec="http://schemas.microsoft.com/office/drawing/2017/decorative" val="1"/>
+              </a:ext>
+            </a:extLst>
+          </p:cNvPr>
+          <p:cNvSpPr>
+            <a:spLocks noGrp="1" noRot="1" noChangeAspect="1" noMove="1" noResize="1" noEditPoints="1" noAdjustHandles="1" noChangeArrowheads="1" noChangeShapeType="1" noTextEdit="1"/>
+          </p:cNvSpPr>
+          <p:nvPr>
+            <p:extLst>
+              <p:ext uri="{386F3935-93C4-4BCD-93E2-E3B085C9AB24}">
+                <p16:designElem xmlns:p16="http://schemas.microsoft.com/office/powerpoint/2015/main" val="1"/>
+              </p:ext>
+            </p:extLst>
+          </p:nvPr>
+        </p:nvSpPr>
+        <p:spPr>
+          <a:xfrm>
+            <a:off x="0" y="0"/>
+            <a:ext cx="12192000" cy="6858000"/>
+          </a:xfrm>
+          <a:prstGeom prst="rect">
+            <a:avLst/>
+          </a:prstGeom>
+          <a:ln>
+            <a:noFill/>
+          </a:ln>
+        </p:spPr>
+        <p:style>
+          <a:lnRef idx="2">
+            <a:schemeClr val="accent1">
+              <a:shade val="50000"/>
+            </a:schemeClr>
+          </a:lnRef>
+          <a:fillRef idx="1001">
+            <a:schemeClr val="lt2"/>
+          </a:fillRef>
+          <a:effectRef idx="0">
+            <a:schemeClr val="accent1"/>
+          </a:effectRef>
+          <a:fontRef idx="minor">
+            <a:schemeClr val="lt1"/>
+          </a:fontRef>
+        </p:style>
+        <p:txBody>
+          <a:bodyPr rtlCol="0" anchor="ctr"/>
+          <a:lstStyle/>
+          <a:p>
+            <a:pPr algn="ctr"/>
+            <a:endParaRPr lang="en-US"/>
+          </a:p>
+        </p:txBody>
+      </p:sp>
+      <p:sp>
+        <p:nvSpPr>
+          <p:cNvPr id="2" name="標題 1">
+            <a:extLst>
+              <a:ext uri="{FF2B5EF4-FFF2-40B4-BE49-F238E27FC236}">
                 <a16:creationId xmlns:a16="http://schemas.microsoft.com/office/drawing/2014/main" id="{C8669309-52EB-472E-B640-1BA9179E9939}"/>
               </a:ext>
             </a:extLst>
